--- a/Presentation/SDU_SummerSchool_Presentation.pptx
+++ b/Presentation/SDU_SummerSchool_Presentation.pptx
@@ -9,7 +9,15 @@
     <p:sldId id="257" r:id="rId3"/>
     <p:sldId id="259" r:id="rId4"/>
     <p:sldId id="258" r:id="rId5"/>
-    <p:sldId id="260" r:id="rId6"/>
+    <p:sldId id="261" r:id="rId6"/>
+    <p:sldId id="260" r:id="rId7"/>
+    <p:sldId id="262" r:id="rId8"/>
+    <p:sldId id="263" r:id="rId9"/>
+    <p:sldId id="264" r:id="rId10"/>
+    <p:sldId id="265" r:id="rId11"/>
+    <p:sldId id="266" r:id="rId12"/>
+    <p:sldId id="268" r:id="rId13"/>
+    <p:sldId id="267" r:id="rId14"/>
   </p:sldIdLst>
   <p:sldSz cx="12192000" cy="6858000"/>
   <p:notesSz cx="6858000" cy="9144000"/>
@@ -108,6 +116,11 @@
       </a:defRPr>
     </a:lvl9pPr>
   </p:defaultTextStyle>
+  <p:extLst>
+    <p:ext uri="{EFAFB233-063F-42B5-8137-9DF3F51BA10A}">
+      <p15:sldGuideLst xmlns:p15="http://schemas.microsoft.com/office/powerpoint/2012/main"/>
+    </p:ext>
+  </p:extLst>
 </p:presentation>
 </file>
 
@@ -258,7 +271,7 @@
           <a:p>
             <a:fld id="{8173B6D1-B9A7-4F74-ADCF-EF56F696349F}" type="datetimeFigureOut">
               <a:rPr lang="it-IT" smtClean="0"/>
-              <a:t>07/08/2019</a:t>
+              <a:t>08/08/2019</a:t>
             </a:fld>
             <a:endParaRPr lang="it-IT"/>
           </a:p>
@@ -456,7 +469,7 @@
           <a:p>
             <a:fld id="{8173B6D1-B9A7-4F74-ADCF-EF56F696349F}" type="datetimeFigureOut">
               <a:rPr lang="it-IT" smtClean="0"/>
-              <a:t>07/08/2019</a:t>
+              <a:t>08/08/2019</a:t>
             </a:fld>
             <a:endParaRPr lang="it-IT"/>
           </a:p>
@@ -664,7 +677,7 @@
           <a:p>
             <a:fld id="{8173B6D1-B9A7-4F74-ADCF-EF56F696349F}" type="datetimeFigureOut">
               <a:rPr lang="it-IT" smtClean="0"/>
-              <a:t>07/08/2019</a:t>
+              <a:t>08/08/2019</a:t>
             </a:fld>
             <a:endParaRPr lang="it-IT"/>
           </a:p>
@@ -862,7 +875,7 @@
           <a:p>
             <a:fld id="{8173B6D1-B9A7-4F74-ADCF-EF56F696349F}" type="datetimeFigureOut">
               <a:rPr lang="it-IT" smtClean="0"/>
-              <a:t>07/08/2019</a:t>
+              <a:t>08/08/2019</a:t>
             </a:fld>
             <a:endParaRPr lang="it-IT"/>
           </a:p>
@@ -1137,7 +1150,7 @@
           <a:p>
             <a:fld id="{8173B6D1-B9A7-4F74-ADCF-EF56F696349F}" type="datetimeFigureOut">
               <a:rPr lang="it-IT" smtClean="0"/>
-              <a:t>07/08/2019</a:t>
+              <a:t>08/08/2019</a:t>
             </a:fld>
             <a:endParaRPr lang="it-IT"/>
           </a:p>
@@ -1402,7 +1415,7 @@
           <a:p>
             <a:fld id="{8173B6D1-B9A7-4F74-ADCF-EF56F696349F}" type="datetimeFigureOut">
               <a:rPr lang="it-IT" smtClean="0"/>
-              <a:t>07/08/2019</a:t>
+              <a:t>08/08/2019</a:t>
             </a:fld>
             <a:endParaRPr lang="it-IT"/>
           </a:p>
@@ -1814,7 +1827,7 @@
           <a:p>
             <a:fld id="{8173B6D1-B9A7-4F74-ADCF-EF56F696349F}" type="datetimeFigureOut">
               <a:rPr lang="it-IT" smtClean="0"/>
-              <a:t>07/08/2019</a:t>
+              <a:t>08/08/2019</a:t>
             </a:fld>
             <a:endParaRPr lang="it-IT"/>
           </a:p>
@@ -1955,7 +1968,7 @@
           <a:p>
             <a:fld id="{8173B6D1-B9A7-4F74-ADCF-EF56F696349F}" type="datetimeFigureOut">
               <a:rPr lang="it-IT" smtClean="0"/>
-              <a:t>07/08/2019</a:t>
+              <a:t>08/08/2019</a:t>
             </a:fld>
             <a:endParaRPr lang="it-IT"/>
           </a:p>
@@ -2068,7 +2081,7 @@
           <a:p>
             <a:fld id="{8173B6D1-B9A7-4F74-ADCF-EF56F696349F}" type="datetimeFigureOut">
               <a:rPr lang="it-IT" smtClean="0"/>
-              <a:t>07/08/2019</a:t>
+              <a:t>08/08/2019</a:t>
             </a:fld>
             <a:endParaRPr lang="it-IT"/>
           </a:p>
@@ -2379,7 +2392,7 @@
           <a:p>
             <a:fld id="{8173B6D1-B9A7-4F74-ADCF-EF56F696349F}" type="datetimeFigureOut">
               <a:rPr lang="it-IT" smtClean="0"/>
-              <a:t>07/08/2019</a:t>
+              <a:t>08/08/2019</a:t>
             </a:fld>
             <a:endParaRPr lang="it-IT"/>
           </a:p>
@@ -2667,7 +2680,7 @@
           <a:p>
             <a:fld id="{8173B6D1-B9A7-4F74-ADCF-EF56F696349F}" type="datetimeFigureOut">
               <a:rPr lang="it-IT" smtClean="0"/>
-              <a:t>07/08/2019</a:t>
+              <a:t>08/08/2019</a:t>
             </a:fld>
             <a:endParaRPr lang="it-IT"/>
           </a:p>
@@ -2908,7 +2921,7 @@
           <a:p>
             <a:fld id="{8173B6D1-B9A7-4F74-ADCF-EF56F696349F}" type="datetimeFigureOut">
               <a:rPr lang="it-IT" smtClean="0"/>
-              <a:t>07/08/2019</a:t>
+              <a:t>08/08/2019</a:t>
             </a:fld>
             <a:endParaRPr lang="it-IT"/>
           </a:p>
@@ -3402,6 +3415,962 @@
 </p:sld>
 </file>
 
+<file path=ppt/slides/slide10.xml><?xml version="1.0" encoding="utf-8"?>
+<p:sld xmlns:a="http://schemas.openxmlformats.org/drawingml/2006/main" xmlns:r="http://schemas.openxmlformats.org/officeDocument/2006/relationships" xmlns:p="http://schemas.openxmlformats.org/presentationml/2006/main">
+  <p:cSld>
+    <p:spTree>
+      <p:nvGrpSpPr>
+        <p:cNvPr id="1" name=""/>
+        <p:cNvGrpSpPr/>
+        <p:nvPr/>
+      </p:nvGrpSpPr>
+      <p:grpSpPr>
+        <a:xfrm>
+          <a:off x="0" y="0"/>
+          <a:ext cx="0" cy="0"/>
+          <a:chOff x="0" y="0"/>
+          <a:chExt cx="0" cy="0"/>
+        </a:xfrm>
+      </p:grpSpPr>
+      <p:sp>
+        <p:nvSpPr>
+          <p:cNvPr id="3" name="Segnaposto contenuto 2">
+            <a:extLst>
+              <a:ext uri="{FF2B5EF4-FFF2-40B4-BE49-F238E27FC236}">
+                <a16:creationId xmlns:a16="http://schemas.microsoft.com/office/drawing/2014/main" id="{1D362BC4-1F3D-48EC-B054-A15887D4BAD7}"/>
+              </a:ext>
+            </a:extLst>
+          </p:cNvPr>
+          <p:cNvSpPr>
+            <a:spLocks noGrp="1"/>
+          </p:cNvSpPr>
+          <p:nvPr>
+            <p:ph idx="1"/>
+          </p:nvPr>
+        </p:nvSpPr>
+        <p:spPr>
+          <a:xfrm>
+            <a:off x="838200" y="478302"/>
+            <a:ext cx="10515600" cy="5698661"/>
+          </a:xfrm>
+        </p:spPr>
+        <p:txBody>
+          <a:bodyPr/>
+          <a:lstStyle/>
+          <a:p>
+            <a:r>
+              <a:rPr lang="it-IT" dirty="0" err="1"/>
+              <a:t>Complex</a:t>
+            </a:r>
+            <a:r>
+              <a:rPr lang="it-IT" dirty="0"/>
+              <a:t> </a:t>
+            </a:r>
+            <a:r>
+              <a:rPr lang="it-IT" dirty="0" err="1"/>
+              <a:t>environment</a:t>
+            </a:r>
+            <a:endParaRPr lang="it-IT" dirty="0"/>
+          </a:p>
+          <a:p>
+            <a:endParaRPr lang="it-IT" dirty="0"/>
+          </a:p>
+          <a:p>
+            <a:endParaRPr lang="it-IT" dirty="0"/>
+          </a:p>
+          <a:p>
+            <a:endParaRPr lang="it-IT" dirty="0"/>
+          </a:p>
+          <a:p>
+            <a:pPr marL="0" indent="0">
+              <a:buNone/>
+            </a:pPr>
+            <a:endParaRPr lang="it-IT" dirty="0"/>
+          </a:p>
+          <a:p>
+            <a:pPr lvl="1"/>
+            <a:r>
+              <a:rPr lang="it-IT" dirty="0" err="1"/>
+              <a:t>Also</a:t>
+            </a:r>
+            <a:r>
+              <a:rPr lang="it-IT" dirty="0"/>
+              <a:t> in </a:t>
+            </a:r>
+            <a:r>
+              <a:rPr lang="it-IT" dirty="0" err="1"/>
+              <a:t>this</a:t>
+            </a:r>
+            <a:r>
+              <a:rPr lang="it-IT" dirty="0"/>
+              <a:t> case, for the first </a:t>
+            </a:r>
+            <a:r>
+              <a:rPr lang="it-IT" dirty="0" err="1"/>
+              <a:t>episode</a:t>
+            </a:r>
+            <a:r>
+              <a:rPr lang="it-IT" dirty="0"/>
+              <a:t>, agent </a:t>
+            </a:r>
+            <a:r>
+              <a:rPr lang="it-IT" dirty="0" err="1"/>
+              <a:t>bumps</a:t>
+            </a:r>
+            <a:endParaRPr lang="it-IT" dirty="0"/>
+          </a:p>
+          <a:p>
+            <a:pPr marL="457200" lvl="1" indent="0">
+              <a:buNone/>
+            </a:pPr>
+            <a:r>
+              <a:rPr lang="it-IT" dirty="0"/>
+              <a:t>   </a:t>
+            </a:r>
+            <a:r>
+              <a:rPr lang="it-IT" dirty="0" err="1"/>
+              <a:t>many</a:t>
+            </a:r>
+            <a:r>
+              <a:rPr lang="it-IT" dirty="0"/>
+              <a:t> times </a:t>
+            </a:r>
+            <a:r>
+              <a:rPr lang="it-IT" dirty="0" err="1"/>
+              <a:t>against</a:t>
+            </a:r>
+            <a:r>
+              <a:rPr lang="it-IT" dirty="0"/>
+              <a:t> a </a:t>
+            </a:r>
+            <a:r>
+              <a:rPr lang="it-IT" dirty="0" err="1"/>
+              <a:t>wall</a:t>
+            </a:r>
+            <a:r>
+              <a:rPr lang="it-IT" dirty="0"/>
+              <a:t>, </a:t>
+            </a:r>
+            <a:r>
+              <a:rPr lang="it-IT" dirty="0" err="1"/>
+              <a:t>obtaining</a:t>
+            </a:r>
+            <a:r>
+              <a:rPr lang="it-IT" dirty="0"/>
+              <a:t> at the end </a:t>
+            </a:r>
+            <a:r>
+              <a:rPr lang="it-IT" dirty="0" err="1"/>
+              <a:t>this</a:t>
+            </a:r>
+            <a:r>
+              <a:rPr lang="it-IT" dirty="0"/>
+              <a:t> </a:t>
+            </a:r>
+          </a:p>
+          <a:p>
+            <a:pPr marL="457200" lvl="1" indent="0">
+              <a:buNone/>
+            </a:pPr>
+            <a:r>
+              <a:rPr lang="it-IT" dirty="0"/>
+              <a:t>   Q-matrix</a:t>
+            </a:r>
+          </a:p>
+          <a:p>
+            <a:pPr marL="457200" lvl="1" indent="0">
+              <a:buNone/>
+            </a:pPr>
+            <a:endParaRPr lang="it-IT" dirty="0"/>
+          </a:p>
+          <a:p>
+            <a:pPr marL="457200" lvl="1" indent="0">
+              <a:buNone/>
+            </a:pPr>
+            <a:endParaRPr lang="it-IT" dirty="0"/>
+          </a:p>
+          <a:p>
+            <a:pPr marL="457200" lvl="1" indent="0">
+              <a:buNone/>
+            </a:pPr>
+            <a:endParaRPr lang="it-IT" dirty="0"/>
+          </a:p>
+          <a:p>
+            <a:pPr marL="457200" lvl="1" indent="0">
+              <a:buNone/>
+            </a:pPr>
+            <a:endParaRPr lang="it-IT" dirty="0"/>
+          </a:p>
+          <a:p>
+            <a:pPr marL="457200" lvl="1" indent="0">
+              <a:buNone/>
+            </a:pPr>
+            <a:endParaRPr lang="it-IT" dirty="0"/>
+          </a:p>
+          <a:p>
+            <a:pPr marL="457200" lvl="1" indent="0">
+              <a:buNone/>
+            </a:pPr>
+            <a:endParaRPr lang="it-IT" dirty="0"/>
+          </a:p>
+        </p:txBody>
+      </p:sp>
+      <p:pic>
+        <p:nvPicPr>
+          <p:cNvPr id="4" name="Immagine 3">
+            <a:extLst>
+              <a:ext uri="{FF2B5EF4-FFF2-40B4-BE49-F238E27FC236}">
+                <a16:creationId xmlns:a16="http://schemas.microsoft.com/office/drawing/2014/main" id="{CA8D9D73-0B0B-4233-8F6B-EFFCE3DBA5FE}"/>
+              </a:ext>
+            </a:extLst>
+          </p:cNvPr>
+          <p:cNvPicPr>
+            <a:picLocks noChangeAspect="1"/>
+          </p:cNvPicPr>
+          <p:nvPr/>
+        </p:nvPicPr>
+        <p:blipFill>
+          <a:blip r:embed="rId2"/>
+          <a:stretch>
+            <a:fillRect/>
+          </a:stretch>
+        </p:blipFill>
+        <p:spPr>
+          <a:xfrm>
+            <a:off x="9033436" y="681037"/>
+            <a:ext cx="2127080" cy="2948428"/>
+          </a:xfrm>
+          <a:prstGeom prst="rect">
+            <a:avLst/>
+          </a:prstGeom>
+        </p:spPr>
+      </p:pic>
+      <p:pic>
+        <p:nvPicPr>
+          <p:cNvPr id="5" name="Immagine 4">
+            <a:extLst>
+              <a:ext uri="{FF2B5EF4-FFF2-40B4-BE49-F238E27FC236}">
+                <a16:creationId xmlns:a16="http://schemas.microsoft.com/office/drawing/2014/main" id="{91D0C4D2-0374-4A8B-9114-AC9F57C6FD05}"/>
+              </a:ext>
+            </a:extLst>
+          </p:cNvPr>
+          <p:cNvPicPr>
+            <a:picLocks noChangeAspect="1"/>
+          </p:cNvPicPr>
+          <p:nvPr/>
+        </p:nvPicPr>
+        <p:blipFill>
+          <a:blip r:embed="rId3"/>
+          <a:stretch>
+            <a:fillRect/>
+          </a:stretch>
+        </p:blipFill>
+        <p:spPr>
+          <a:xfrm>
+            <a:off x="2924579" y="4028488"/>
+            <a:ext cx="8210080" cy="1725198"/>
+          </a:xfrm>
+          <a:prstGeom prst="rect">
+            <a:avLst/>
+          </a:prstGeom>
+        </p:spPr>
+      </p:pic>
+    </p:spTree>
+    <p:extLst>
+      <p:ext uri="{BB962C8B-B14F-4D97-AF65-F5344CB8AC3E}">
+        <p14:creationId xmlns:p14="http://schemas.microsoft.com/office/powerpoint/2010/main" val="942120346"/>
+      </p:ext>
+    </p:extLst>
+  </p:cSld>
+  <p:clrMapOvr>
+    <a:masterClrMapping/>
+  </p:clrMapOvr>
+</p:sld>
+</file>
+
+<file path=ppt/slides/slide11.xml><?xml version="1.0" encoding="utf-8"?>
+<p:sld xmlns:a="http://schemas.openxmlformats.org/drawingml/2006/main" xmlns:r="http://schemas.openxmlformats.org/officeDocument/2006/relationships" xmlns:p="http://schemas.openxmlformats.org/presentationml/2006/main">
+  <p:cSld>
+    <p:spTree>
+      <p:nvGrpSpPr>
+        <p:cNvPr id="1" name=""/>
+        <p:cNvGrpSpPr/>
+        <p:nvPr/>
+      </p:nvGrpSpPr>
+      <p:grpSpPr>
+        <a:xfrm>
+          <a:off x="0" y="0"/>
+          <a:ext cx="0" cy="0"/>
+          <a:chOff x="0" y="0"/>
+          <a:chExt cx="0" cy="0"/>
+        </a:xfrm>
+      </p:grpSpPr>
+      <p:sp>
+        <p:nvSpPr>
+          <p:cNvPr id="3" name="Segnaposto contenuto 2">
+            <a:extLst>
+              <a:ext uri="{FF2B5EF4-FFF2-40B4-BE49-F238E27FC236}">
+                <a16:creationId xmlns:a16="http://schemas.microsoft.com/office/drawing/2014/main" id="{F196954C-AC2A-4076-A82A-BAF5C6F71CF7}"/>
+              </a:ext>
+            </a:extLst>
+          </p:cNvPr>
+          <p:cNvSpPr>
+            <a:spLocks noGrp="1"/>
+          </p:cNvSpPr>
+          <p:nvPr>
+            <p:ph idx="1"/>
+          </p:nvPr>
+        </p:nvSpPr>
+        <p:spPr>
+          <a:xfrm>
+            <a:off x="838200" y="393895"/>
+            <a:ext cx="10515600" cy="5783068"/>
+          </a:xfrm>
+        </p:spPr>
+        <p:txBody>
+          <a:bodyPr/>
+          <a:lstStyle/>
+          <a:p>
+            <a:r>
+              <a:rPr lang="it-IT" dirty="0"/>
+              <a:t>At the end </a:t>
+            </a:r>
+            <a:r>
+              <a:rPr lang="it-IT" dirty="0" err="1"/>
+              <a:t>we</a:t>
+            </a:r>
+            <a:r>
+              <a:rPr lang="it-IT" dirty="0"/>
+              <a:t> </a:t>
+            </a:r>
+            <a:r>
+              <a:rPr lang="it-IT" dirty="0" err="1"/>
+              <a:t>obtain</a:t>
+            </a:r>
+            <a:r>
+              <a:rPr lang="it-IT" dirty="0"/>
+              <a:t>, in </a:t>
+            </a:r>
+            <a:r>
+              <a:rPr lang="it-IT" dirty="0" err="1"/>
+              <a:t>this</a:t>
+            </a:r>
+            <a:r>
+              <a:rPr lang="it-IT" dirty="0"/>
+              <a:t> </a:t>
+            </a:r>
+            <a:r>
+              <a:rPr lang="it-IT" dirty="0" err="1"/>
+              <a:t>specific</a:t>
+            </a:r>
+            <a:r>
+              <a:rPr lang="it-IT" dirty="0"/>
+              <a:t> </a:t>
+            </a:r>
+            <a:r>
+              <a:rPr lang="it-IT" dirty="0" err="1"/>
+              <a:t>run</a:t>
+            </a:r>
+            <a:r>
+              <a:rPr lang="it-IT" dirty="0"/>
+              <a:t>, </a:t>
+            </a:r>
+            <a:r>
+              <a:rPr lang="it-IT" dirty="0" err="1"/>
+              <a:t>this</a:t>
+            </a:r>
+            <a:r>
+              <a:rPr lang="it-IT" dirty="0"/>
+              <a:t> </a:t>
+            </a:r>
+            <a:r>
+              <a:rPr lang="it-IT" dirty="0" err="1"/>
+              <a:t>result</a:t>
+            </a:r>
+            <a:endParaRPr lang="it-IT" dirty="0"/>
+          </a:p>
+          <a:p>
+            <a:pPr marL="0" indent="0">
+              <a:buNone/>
+            </a:pPr>
+            <a:endParaRPr lang="it-IT" dirty="0"/>
+          </a:p>
+        </p:txBody>
+      </p:sp>
+      <p:pic>
+        <p:nvPicPr>
+          <p:cNvPr id="4" name="Immagine 3">
+            <a:extLst>
+              <a:ext uri="{FF2B5EF4-FFF2-40B4-BE49-F238E27FC236}">
+                <a16:creationId xmlns:a16="http://schemas.microsoft.com/office/drawing/2014/main" id="{12D52AB8-5CB0-46AB-B1E6-FDD274F623BA}"/>
+              </a:ext>
+            </a:extLst>
+          </p:cNvPr>
+          <p:cNvPicPr>
+            <a:picLocks noChangeAspect="1"/>
+          </p:cNvPicPr>
+          <p:nvPr/>
+        </p:nvPicPr>
+        <p:blipFill>
+          <a:blip r:embed="rId2"/>
+          <a:stretch>
+            <a:fillRect/>
+          </a:stretch>
+        </p:blipFill>
+        <p:spPr>
+          <a:xfrm>
+            <a:off x="1097281" y="871279"/>
+            <a:ext cx="10369242" cy="5305683"/>
+          </a:xfrm>
+          <a:prstGeom prst="rect">
+            <a:avLst/>
+          </a:prstGeom>
+        </p:spPr>
+      </p:pic>
+    </p:spTree>
+    <p:extLst>
+      <p:ext uri="{BB962C8B-B14F-4D97-AF65-F5344CB8AC3E}">
+        <p14:creationId xmlns:p14="http://schemas.microsoft.com/office/powerpoint/2010/main" val="1728291042"/>
+      </p:ext>
+    </p:extLst>
+  </p:cSld>
+  <p:clrMapOvr>
+    <a:masterClrMapping/>
+  </p:clrMapOvr>
+</p:sld>
+</file>
+
+<file path=ppt/slides/slide12.xml><?xml version="1.0" encoding="utf-8"?>
+<p:sld xmlns:a="http://schemas.openxmlformats.org/drawingml/2006/main" xmlns:r="http://schemas.openxmlformats.org/officeDocument/2006/relationships" xmlns:p="http://schemas.openxmlformats.org/presentationml/2006/main">
+  <p:cSld>
+    <p:spTree>
+      <p:nvGrpSpPr>
+        <p:cNvPr id="1" name=""/>
+        <p:cNvGrpSpPr/>
+        <p:nvPr/>
+      </p:nvGrpSpPr>
+      <p:grpSpPr>
+        <a:xfrm>
+          <a:off x="0" y="0"/>
+          <a:ext cx="0" cy="0"/>
+          <a:chOff x="0" y="0"/>
+          <a:chExt cx="0" cy="0"/>
+        </a:xfrm>
+      </p:grpSpPr>
+      <p:sp>
+        <p:nvSpPr>
+          <p:cNvPr id="3" name="Segnaposto contenuto 2">
+            <a:extLst>
+              <a:ext uri="{FF2B5EF4-FFF2-40B4-BE49-F238E27FC236}">
+                <a16:creationId xmlns:a16="http://schemas.microsoft.com/office/drawing/2014/main" id="{5391224F-9AAE-4AA6-956F-14FA24BCDAE9}"/>
+              </a:ext>
+            </a:extLst>
+          </p:cNvPr>
+          <p:cNvSpPr>
+            <a:spLocks noGrp="1"/>
+          </p:cNvSpPr>
+          <p:nvPr>
+            <p:ph idx="1"/>
+          </p:nvPr>
+        </p:nvSpPr>
+        <p:spPr>
+          <a:xfrm>
+            <a:off x="838200" y="548640"/>
+            <a:ext cx="10515600" cy="5628323"/>
+          </a:xfrm>
+        </p:spPr>
+        <p:txBody>
+          <a:bodyPr/>
+          <a:lstStyle/>
+          <a:p>
+            <a:endParaRPr lang="it-IT" dirty="0"/>
+          </a:p>
+        </p:txBody>
+      </p:sp>
+    </p:spTree>
+    <p:extLst>
+      <p:ext uri="{BB962C8B-B14F-4D97-AF65-F5344CB8AC3E}">
+        <p14:creationId xmlns:p14="http://schemas.microsoft.com/office/powerpoint/2010/main" val="2952948052"/>
+      </p:ext>
+    </p:extLst>
+  </p:cSld>
+  <p:clrMapOvr>
+    <a:masterClrMapping/>
+  </p:clrMapOvr>
+</p:sld>
+</file>
+
+<file path=ppt/slides/slide13.xml><?xml version="1.0" encoding="utf-8"?>
+<p:sld xmlns:a="http://schemas.openxmlformats.org/drawingml/2006/main" xmlns:r="http://schemas.openxmlformats.org/officeDocument/2006/relationships" xmlns:p="http://schemas.openxmlformats.org/presentationml/2006/main">
+  <p:cSld>
+    <p:spTree>
+      <p:nvGrpSpPr>
+        <p:cNvPr id="1" name=""/>
+        <p:cNvGrpSpPr/>
+        <p:nvPr/>
+      </p:nvGrpSpPr>
+      <p:grpSpPr>
+        <a:xfrm>
+          <a:off x="0" y="0"/>
+          <a:ext cx="0" cy="0"/>
+          <a:chOff x="0" y="0"/>
+          <a:chExt cx="0" cy="0"/>
+        </a:xfrm>
+      </p:grpSpPr>
+      <p:sp>
+        <p:nvSpPr>
+          <p:cNvPr id="3" name="Segnaposto contenuto 2">
+            <a:extLst>
+              <a:ext uri="{FF2B5EF4-FFF2-40B4-BE49-F238E27FC236}">
+                <a16:creationId xmlns:a16="http://schemas.microsoft.com/office/drawing/2014/main" id="{D878D52D-5713-461E-984B-B049873DFFCC}"/>
+              </a:ext>
+            </a:extLst>
+          </p:cNvPr>
+          <p:cNvSpPr>
+            <a:spLocks noGrp="1"/>
+          </p:cNvSpPr>
+          <p:nvPr>
+            <p:ph idx="1"/>
+          </p:nvPr>
+        </p:nvSpPr>
+        <p:spPr>
+          <a:xfrm>
+            <a:off x="838200" y="618978"/>
+            <a:ext cx="10515600" cy="5557985"/>
+          </a:xfrm>
+        </p:spPr>
+        <p:txBody>
+          <a:bodyPr>
+            <a:normAutofit fontScale="77500" lnSpcReduction="20000"/>
+          </a:bodyPr>
+          <a:lstStyle/>
+          <a:p>
+            <a:r>
+              <a:rPr lang="it-IT" dirty="0" err="1"/>
+              <a:t>We’ve</a:t>
+            </a:r>
+            <a:r>
+              <a:rPr lang="it-IT" dirty="0"/>
+              <a:t> </a:t>
+            </a:r>
+            <a:r>
+              <a:rPr lang="it-IT" dirty="0" err="1"/>
+              <a:t>tried</a:t>
+            </a:r>
+            <a:r>
+              <a:rPr lang="it-IT" dirty="0"/>
+              <a:t> </a:t>
+            </a:r>
+            <a:r>
+              <a:rPr lang="it-IT" dirty="0" err="1"/>
+              <a:t>also</a:t>
+            </a:r>
+            <a:r>
+              <a:rPr lang="it-IT" dirty="0"/>
+              <a:t> to </a:t>
+            </a:r>
+            <a:r>
+              <a:rPr lang="it-IT" dirty="0" err="1"/>
+              <a:t>insert</a:t>
+            </a:r>
+            <a:r>
+              <a:rPr lang="it-IT" dirty="0"/>
+              <a:t> </a:t>
+            </a:r>
+            <a:r>
+              <a:rPr lang="it-IT" dirty="0" err="1"/>
+              <a:t>little</a:t>
+            </a:r>
+            <a:r>
+              <a:rPr lang="it-IT" dirty="0"/>
+              <a:t> reward </a:t>
+            </a:r>
+            <a:r>
+              <a:rPr lang="it-IT" dirty="0" err="1"/>
+              <a:t>along</a:t>
+            </a:r>
+            <a:r>
+              <a:rPr lang="it-IT" dirty="0"/>
+              <a:t> the way, like </a:t>
+            </a:r>
+            <a:r>
+              <a:rPr lang="it-IT" dirty="0" err="1"/>
+              <a:t>little</a:t>
+            </a:r>
+            <a:r>
+              <a:rPr lang="it-IT" dirty="0"/>
+              <a:t> cake, to </a:t>
+            </a:r>
+            <a:r>
+              <a:rPr lang="it-IT" dirty="0" err="1"/>
+              <a:t>encourage</a:t>
+            </a:r>
+            <a:r>
+              <a:rPr lang="it-IT" dirty="0"/>
+              <a:t> the agent to </a:t>
+            </a:r>
+            <a:r>
+              <a:rPr lang="it-IT" dirty="0" err="1"/>
+              <a:t>keep</a:t>
+            </a:r>
+            <a:r>
+              <a:rPr lang="it-IT" dirty="0"/>
+              <a:t> </a:t>
+            </a:r>
+            <a:r>
+              <a:rPr lang="it-IT" dirty="0" err="1"/>
+              <a:t>exploring</a:t>
+            </a:r>
+            <a:r>
+              <a:rPr lang="it-IT" dirty="0"/>
+              <a:t>. </a:t>
+            </a:r>
+            <a:r>
+              <a:rPr lang="it-IT" dirty="0" err="1"/>
+              <a:t>We</a:t>
+            </a:r>
+            <a:r>
+              <a:rPr lang="it-IT" dirty="0"/>
+              <a:t> </a:t>
+            </a:r>
+            <a:r>
+              <a:rPr lang="it-IT" dirty="0" err="1"/>
+              <a:t>did</a:t>
+            </a:r>
+            <a:r>
+              <a:rPr lang="it-IT" dirty="0"/>
+              <a:t> </a:t>
+            </a:r>
+            <a:r>
+              <a:rPr lang="it-IT" dirty="0" err="1"/>
+              <a:t>this</a:t>
+            </a:r>
+            <a:r>
+              <a:rPr lang="it-IT" dirty="0"/>
+              <a:t> in </a:t>
+            </a:r>
+            <a:r>
+              <a:rPr lang="it-IT" dirty="0" err="1"/>
+              <a:t>this</a:t>
+            </a:r>
+            <a:r>
+              <a:rPr lang="it-IT" dirty="0"/>
+              <a:t> way:</a:t>
+            </a:r>
+          </a:p>
+          <a:p>
+            <a:pPr marL="0" indent="0">
+              <a:buNone/>
+            </a:pPr>
+            <a:endParaRPr lang="it-IT" dirty="0"/>
+          </a:p>
+          <a:p>
+            <a:pPr marL="0" indent="0">
+              <a:buNone/>
+            </a:pPr>
+            <a:endParaRPr lang="it-IT" dirty="0"/>
+          </a:p>
+          <a:p>
+            <a:pPr marL="0" indent="0">
+              <a:buNone/>
+            </a:pPr>
+            <a:endParaRPr lang="it-IT" dirty="0"/>
+          </a:p>
+          <a:p>
+            <a:pPr marL="0" indent="0">
+              <a:buNone/>
+            </a:pPr>
+            <a:endParaRPr lang="it-IT" dirty="0"/>
+          </a:p>
+          <a:p>
+            <a:pPr marL="0" indent="0">
+              <a:buNone/>
+            </a:pPr>
+            <a:endParaRPr lang="it-IT" dirty="0"/>
+          </a:p>
+          <a:p>
+            <a:pPr marL="0" indent="0">
+              <a:buNone/>
+            </a:pPr>
+            <a:endParaRPr lang="it-IT" dirty="0"/>
+          </a:p>
+          <a:p>
+            <a:pPr marL="0" indent="0">
+              <a:buNone/>
+            </a:pPr>
+            <a:endParaRPr lang="it-IT" dirty="0"/>
+          </a:p>
+          <a:p>
+            <a:pPr marL="0" indent="0">
+              <a:buNone/>
+            </a:pPr>
+            <a:endParaRPr lang="it-IT" dirty="0"/>
+          </a:p>
+          <a:p>
+            <a:pPr marL="0" indent="0">
+              <a:buNone/>
+            </a:pPr>
+            <a:r>
+              <a:rPr lang="it-IT" dirty="0"/>
+              <a:t>Little reward </a:t>
+            </a:r>
+            <a:r>
+              <a:rPr lang="it-IT" dirty="0" err="1"/>
+              <a:t>is</a:t>
+            </a:r>
+            <a:r>
+              <a:rPr lang="it-IT" dirty="0"/>
+              <a:t> </a:t>
+            </a:r>
+            <a:r>
+              <a:rPr lang="it-IT" dirty="0" err="1"/>
+              <a:t>given</a:t>
+            </a:r>
+            <a:r>
+              <a:rPr lang="it-IT" dirty="0"/>
+              <a:t> </a:t>
+            </a:r>
+            <a:r>
+              <a:rPr lang="it-IT" dirty="0" err="1"/>
+              <a:t>when</a:t>
+            </a:r>
+            <a:r>
+              <a:rPr lang="it-IT" dirty="0"/>
+              <a:t> a </a:t>
+            </a:r>
+            <a:r>
+              <a:rPr lang="it-IT" dirty="0" err="1"/>
+              <a:t>little</a:t>
+            </a:r>
+            <a:r>
+              <a:rPr lang="it-IT" dirty="0"/>
+              <a:t> cake </a:t>
+            </a:r>
+            <a:r>
+              <a:rPr lang="it-IT" dirty="0" err="1"/>
+              <a:t>is</a:t>
+            </a:r>
+            <a:r>
+              <a:rPr lang="it-IT" dirty="0"/>
+              <a:t> </a:t>
+            </a:r>
+            <a:r>
+              <a:rPr lang="it-IT" dirty="0" err="1"/>
+              <a:t>eatean</a:t>
+            </a:r>
+            <a:r>
+              <a:rPr lang="it-IT" dirty="0"/>
+              <a:t>.</a:t>
+            </a:r>
+          </a:p>
+          <a:p>
+            <a:pPr marL="0" indent="0">
+              <a:buNone/>
+            </a:pPr>
+            <a:r>
+              <a:rPr lang="it-IT" dirty="0"/>
+              <a:t>BUT…</a:t>
+            </a:r>
+          </a:p>
+          <a:p>
+            <a:pPr marL="0" indent="0">
+              <a:buNone/>
+            </a:pPr>
+            <a:r>
+              <a:rPr lang="it-IT" dirty="0" err="1"/>
+              <a:t>We</a:t>
+            </a:r>
+            <a:r>
+              <a:rPr lang="it-IT" dirty="0"/>
+              <a:t> </a:t>
+            </a:r>
+            <a:r>
+              <a:rPr lang="it-IT" dirty="0" err="1"/>
+              <a:t>weren’t</a:t>
+            </a:r>
+            <a:r>
+              <a:rPr lang="it-IT" dirty="0"/>
+              <a:t> </a:t>
+            </a:r>
+            <a:r>
+              <a:rPr lang="it-IT" dirty="0" err="1"/>
+              <a:t>able</a:t>
+            </a:r>
+            <a:r>
+              <a:rPr lang="it-IT" dirty="0"/>
+              <a:t> to make agent so </a:t>
+            </a:r>
+            <a:r>
+              <a:rPr lang="it-IT" dirty="0" err="1"/>
+              <a:t>intelligent</a:t>
+            </a:r>
+            <a:r>
+              <a:rPr lang="it-IT" dirty="0"/>
+              <a:t> to know the he can </a:t>
+            </a:r>
+            <a:r>
+              <a:rPr lang="it-IT" dirty="0" err="1"/>
+              <a:t>found</a:t>
+            </a:r>
+            <a:r>
+              <a:rPr lang="it-IT" dirty="0"/>
+              <a:t> the </a:t>
+            </a:r>
+            <a:r>
+              <a:rPr lang="it-IT" dirty="0" err="1"/>
+              <a:t>bigger</a:t>
+            </a:r>
+            <a:r>
+              <a:rPr lang="it-IT" dirty="0"/>
+              <a:t> cake, </a:t>
+            </a:r>
+            <a:r>
+              <a:rPr lang="it-IT" dirty="0" err="1"/>
+              <a:t>without</a:t>
+            </a:r>
+            <a:r>
+              <a:rPr lang="it-IT" dirty="0"/>
+              <a:t> </a:t>
+            </a:r>
+            <a:r>
+              <a:rPr lang="it-IT" dirty="0" err="1"/>
+              <a:t>get</a:t>
+            </a:r>
+            <a:r>
+              <a:rPr lang="it-IT" dirty="0"/>
+              <a:t> stack on </a:t>
+            </a:r>
+            <a:r>
+              <a:rPr lang="it-IT" dirty="0" err="1"/>
+              <a:t>little</a:t>
+            </a:r>
+            <a:r>
+              <a:rPr lang="it-IT" dirty="0"/>
+              <a:t> one.</a:t>
+            </a:r>
+          </a:p>
+          <a:p>
+            <a:pPr marL="0" indent="0">
+              <a:buNone/>
+            </a:pPr>
+            <a:r>
+              <a:rPr lang="it-IT" dirty="0" err="1"/>
+              <a:t>We</a:t>
+            </a:r>
+            <a:r>
+              <a:rPr lang="it-IT" dirty="0"/>
+              <a:t> </a:t>
+            </a:r>
+            <a:r>
+              <a:rPr lang="it-IT" dirty="0" err="1"/>
+              <a:t>try</a:t>
+            </a:r>
+            <a:r>
+              <a:rPr lang="it-IT" dirty="0"/>
+              <a:t> to delete the </a:t>
+            </a:r>
+            <a:r>
+              <a:rPr lang="it-IT" dirty="0" err="1"/>
+              <a:t>little</a:t>
+            </a:r>
+            <a:r>
+              <a:rPr lang="it-IT" dirty="0"/>
+              <a:t> cake once </a:t>
+            </a:r>
+            <a:r>
+              <a:rPr lang="it-IT" dirty="0" err="1"/>
+              <a:t>it</a:t>
+            </a:r>
+            <a:r>
+              <a:rPr lang="it-IT" dirty="0"/>
+              <a:t> </a:t>
+            </a:r>
+            <a:r>
+              <a:rPr lang="it-IT" dirty="0" err="1"/>
+              <a:t>was</a:t>
+            </a:r>
+            <a:r>
+              <a:rPr lang="it-IT" dirty="0"/>
+              <a:t> </a:t>
+            </a:r>
+            <a:r>
+              <a:rPr lang="it-IT" dirty="0" err="1"/>
+              <a:t>eatean</a:t>
+            </a:r>
+            <a:r>
+              <a:rPr lang="it-IT" dirty="0"/>
+              <a:t>, </a:t>
+            </a:r>
+            <a:r>
+              <a:rPr lang="it-IT" dirty="0" err="1"/>
+              <a:t>but</a:t>
+            </a:r>
+            <a:r>
+              <a:rPr lang="it-IT" dirty="0"/>
+              <a:t> </a:t>
+            </a:r>
+            <a:r>
+              <a:rPr lang="it-IT" dirty="0" err="1"/>
+              <a:t>this</a:t>
+            </a:r>
+            <a:r>
+              <a:rPr lang="it-IT" dirty="0"/>
+              <a:t> VIOLATE the Markov </a:t>
+            </a:r>
+            <a:r>
+              <a:rPr lang="it-IT" dirty="0" err="1"/>
+              <a:t>Property</a:t>
+            </a:r>
+            <a:r>
+              <a:rPr lang="it-IT" dirty="0"/>
+              <a:t>.</a:t>
+            </a:r>
+          </a:p>
+        </p:txBody>
+      </p:sp>
+      <p:pic>
+        <p:nvPicPr>
+          <p:cNvPr id="4" name="Immagine 3">
+            <a:extLst>
+              <a:ext uri="{FF2B5EF4-FFF2-40B4-BE49-F238E27FC236}">
+                <a16:creationId xmlns:a16="http://schemas.microsoft.com/office/drawing/2014/main" id="{263F97D7-B911-4CC2-84E3-10313E55B71B}"/>
+              </a:ext>
+            </a:extLst>
+          </p:cNvPr>
+          <p:cNvPicPr>
+            <a:picLocks noChangeAspect="1"/>
+          </p:cNvPicPr>
+          <p:nvPr/>
+        </p:nvPicPr>
+        <p:blipFill>
+          <a:blip r:embed="rId2"/>
+          <a:stretch>
+            <a:fillRect/>
+          </a:stretch>
+        </p:blipFill>
+        <p:spPr>
+          <a:xfrm>
+            <a:off x="3080824" y="1269097"/>
+            <a:ext cx="5711483" cy="2559462"/>
+          </a:xfrm>
+          <a:prstGeom prst="rect">
+            <a:avLst/>
+          </a:prstGeom>
+        </p:spPr>
+      </p:pic>
+    </p:spTree>
+    <p:extLst>
+      <p:ext uri="{BB962C8B-B14F-4D97-AF65-F5344CB8AC3E}">
+        <p14:creationId xmlns:p14="http://schemas.microsoft.com/office/powerpoint/2010/main" val="3131718867"/>
+      </p:ext>
+    </p:extLst>
+  </p:cSld>
+  <p:clrMapOvr>
+    <a:masterClrMapping/>
+  </p:clrMapOvr>
+</p:sld>
+</file>
+
 <file path=ppt/slides/slide2.xml><?xml version="1.0" encoding="utf-8"?>
 <p:sld xmlns:a="http://schemas.openxmlformats.org/drawingml/2006/main" xmlns:r="http://schemas.openxmlformats.org/officeDocument/2006/relationships" xmlns:p="http://schemas.openxmlformats.org/presentationml/2006/main">
   <p:cSld>
@@ -3537,8 +4506,8 @@
           </a:p>
         </p:txBody>
       </p:sp>
-      <mc:AlternateContent xmlns:mc="http://schemas.openxmlformats.org/markup-compatibility/2006">
-        <mc:Choice xmlns:a14="http://schemas.microsoft.com/office/drawing/2010/main" Requires="a14">
+      <mc:AlternateContent xmlns:mc="http://schemas.openxmlformats.org/markup-compatibility/2006" xmlns:a14="http://schemas.microsoft.com/office/drawing/2010/main">
+        <mc:Choice Requires="a14">
           <p:sp>
             <p:nvSpPr>
               <p:cNvPr id="3" name="Segnaposto contenuto 2">
@@ -3567,7 +4536,6 @@
               </a:bodyPr>
               <a:lstStyle/>
               <a:p>
-                <a:pPr/>
                 <a14:m>
                   <m:oMath xmlns:m="http://schemas.openxmlformats.org/officeDocument/2006/math">
                     <m:r>
@@ -3624,7 +4592,6 @@
                 </a:endParaRPr>
               </a:p>
               <a:p>
-                <a:pPr/>
                 <a14:m>
                   <m:oMath xmlns:m="http://schemas.openxmlformats.org/officeDocument/2006/math">
                     <m:r>
@@ -3645,7 +4612,6 @@
                 </a:endParaRPr>
               </a:p>
               <a:p>
-                <a:pPr/>
                 <a14:m>
                   <m:oMath xmlns:m="http://schemas.openxmlformats.org/officeDocument/2006/math">
                     <m:r>
@@ -3734,7 +4700,7 @@
             </p:txBody>
           </p:sp>
         </mc:Choice>
-        <mc:Fallback>
+        <mc:Fallback xmlns="">
           <p:sp>
             <p:nvSpPr>
               <p:cNvPr id="3" name="Segnaposto contenuto 2">
@@ -4060,8 +5026,8 @@
           </a:p>
         </p:txBody>
       </p:sp>
-      <mc:AlternateContent xmlns:mc="http://schemas.openxmlformats.org/markup-compatibility/2006">
-        <mc:Choice xmlns:a14="http://schemas.microsoft.com/office/drawing/2010/main" Requires="a14">
+      <mc:AlternateContent xmlns:mc="http://schemas.openxmlformats.org/markup-compatibility/2006" xmlns:a14="http://schemas.microsoft.com/office/drawing/2010/main">
+        <mc:Choice Requires="a14">
           <p:sp>
             <p:nvSpPr>
               <p:cNvPr id="3" name="Segnaposto contenuto 2">
@@ -4090,7 +5056,6 @@
               </a:bodyPr>
               <a:lstStyle/>
               <a:p>
-                <a:pPr/>
                 <a14:m>
                   <m:oMath xmlns:m="http://schemas.openxmlformats.org/officeDocument/2006/math">
                     <m:r>
@@ -4130,7 +5095,6 @@
                 </a:endParaRPr>
               </a:p>
               <a:p>
-                <a:pPr/>
                 <a14:m>
                   <m:oMath xmlns:m="http://schemas.openxmlformats.org/officeDocument/2006/math">
                     <m:r>
@@ -4169,7 +5133,6 @@
                 </a:endParaRPr>
               </a:p>
               <a:p>
-                <a:pPr/>
                 <a14:m>
                   <m:oMath xmlns:m="http://schemas.openxmlformats.org/officeDocument/2006/math">
                     <m:r>
@@ -4190,7 +5153,6 @@
                 </a:endParaRPr>
               </a:p>
               <a:p>
-                <a:pPr/>
                 <a14:m>
                   <m:oMath xmlns:m="http://schemas.openxmlformats.org/officeDocument/2006/math">
                     <m:r>
@@ -4273,7 +5235,7 @@
             </p:txBody>
           </p:sp>
         </mc:Choice>
-        <mc:Fallback>
+        <mc:Fallback xmlns="">
           <p:sp>
             <p:nvSpPr>
               <p:cNvPr id="3" name="Segnaposto contenuto 2">
@@ -4399,7 +5361,7 @@
           <p:cNvPr id="2" name="Titolo 1">
             <a:extLst>
               <a:ext uri="{FF2B5EF4-FFF2-40B4-BE49-F238E27FC236}">
-                <a16:creationId xmlns:a16="http://schemas.microsoft.com/office/drawing/2014/main" id="{ED572C7A-CB0D-4BFD-B630-164C31D1669D}"/>
+                <a16:creationId xmlns:a16="http://schemas.microsoft.com/office/drawing/2014/main" id="{E497D036-A27E-4993-8A24-90D62EBB91C5}"/>
               </a:ext>
             </a:extLst>
           </p:cNvPr>
@@ -4417,7 +5379,7 @@
           <a:p>
             <a:r>
               <a:rPr lang="it-IT" dirty="0"/>
-              <a:t>Key Parts</a:t>
+              <a:t>Notes</a:t>
             </a:r>
           </a:p>
         </p:txBody>
@@ -4427,7 +5389,7 @@
           <p:cNvPr id="3" name="Segnaposto contenuto 2">
             <a:extLst>
               <a:ext uri="{FF2B5EF4-FFF2-40B4-BE49-F238E27FC236}">
-                <a16:creationId xmlns:a16="http://schemas.microsoft.com/office/drawing/2014/main" id="{A88C28FB-0B41-4433-812B-D9FBF9568830}"/>
+                <a16:creationId xmlns:a16="http://schemas.microsoft.com/office/drawing/2014/main" id="{250137BD-A468-47F9-B2CC-78061BBFF9BF}"/>
               </a:ext>
             </a:extLst>
           </p:cNvPr>
@@ -4464,13 +5426,13 @@
           <a:p>
             <a:r>
               <a:rPr lang="it-IT" dirty="0"/>
-              <a:t>Policy</a:t>
-            </a:r>
-          </a:p>
-          <a:p>
-            <a:r>
-              <a:rPr lang="it-IT" dirty="0"/>
-              <a:t>Compare epsilon </a:t>
+              <a:t>Policy epsilon</a:t>
+            </a:r>
+          </a:p>
+          <a:p>
+            <a:r>
+              <a:rPr lang="it-IT" dirty="0"/>
+              <a:t>Compare </a:t>
             </a:r>
             <a:r>
               <a:rPr lang="it-IT" dirty="0" err="1"/>
@@ -4484,16 +5446,1976 @@
               <a:t>Little cake on </a:t>
             </a:r>
             <a:r>
-              <a:rPr lang="it-IT"/>
+              <a:rPr lang="it-IT" dirty="0" err="1"/>
               <a:t>path</a:t>
             </a:r>
-          </a:p>
-        </p:txBody>
-      </p:sp>
+            <a:endParaRPr lang="it-IT" dirty="0"/>
+          </a:p>
+        </p:txBody>
+      </p:sp>
+    </p:spTree>
+    <p:extLst>
+      <p:ext uri="{BB962C8B-B14F-4D97-AF65-F5344CB8AC3E}">
+        <p14:creationId xmlns:p14="http://schemas.microsoft.com/office/powerpoint/2010/main" val="3177810981"/>
+      </p:ext>
+    </p:extLst>
+  </p:cSld>
+  <p:clrMapOvr>
+    <a:masterClrMapping/>
+  </p:clrMapOvr>
+</p:sld>
+</file>
+
+<file path=ppt/slides/slide6.xml><?xml version="1.0" encoding="utf-8"?>
+<p:sld xmlns:a="http://schemas.openxmlformats.org/drawingml/2006/main" xmlns:r="http://schemas.openxmlformats.org/officeDocument/2006/relationships" xmlns:p="http://schemas.openxmlformats.org/presentationml/2006/main">
+  <p:cSld>
+    <p:spTree>
+      <p:nvGrpSpPr>
+        <p:cNvPr id="1" name=""/>
+        <p:cNvGrpSpPr/>
+        <p:nvPr/>
+      </p:nvGrpSpPr>
+      <p:grpSpPr>
+        <a:xfrm>
+          <a:off x="0" y="0"/>
+          <a:ext cx="0" cy="0"/>
+          <a:chOff x="0" y="0"/>
+          <a:chExt cx="0" cy="0"/>
+        </a:xfrm>
+      </p:grpSpPr>
+      <p:sp>
+        <p:nvSpPr>
+          <p:cNvPr id="2" name="Titolo 1">
+            <a:extLst>
+              <a:ext uri="{FF2B5EF4-FFF2-40B4-BE49-F238E27FC236}">
+                <a16:creationId xmlns:a16="http://schemas.microsoft.com/office/drawing/2014/main" id="{ED572C7A-CB0D-4BFD-B630-164C31D1669D}"/>
+              </a:ext>
+            </a:extLst>
+          </p:cNvPr>
+          <p:cNvSpPr>
+            <a:spLocks noGrp="1"/>
+          </p:cNvSpPr>
+          <p:nvPr>
+            <p:ph type="title"/>
+          </p:nvPr>
+        </p:nvSpPr>
+        <p:spPr/>
+        <p:txBody>
+          <a:bodyPr/>
+          <a:lstStyle/>
+          <a:p>
+            <a:r>
+              <a:rPr lang="it-IT" dirty="0"/>
+              <a:t>Key Parts</a:t>
+            </a:r>
+          </a:p>
+        </p:txBody>
+      </p:sp>
+      <p:pic>
+        <p:nvPicPr>
+          <p:cNvPr id="4" name="Segnaposto contenuto 3">
+            <a:extLst>
+              <a:ext uri="{FF2B5EF4-FFF2-40B4-BE49-F238E27FC236}">
+                <a16:creationId xmlns:a16="http://schemas.microsoft.com/office/drawing/2014/main" id="{2709AAA0-FBE3-416D-A084-27015DC06643}"/>
+              </a:ext>
+            </a:extLst>
+          </p:cNvPr>
+          <p:cNvPicPr>
+            <a:picLocks noGrp="1" noChangeAspect="1"/>
+          </p:cNvPicPr>
+          <p:nvPr>
+            <p:ph idx="1"/>
+          </p:nvPr>
+        </p:nvPicPr>
+        <p:blipFill>
+          <a:blip r:embed="rId2"/>
+          <a:stretch>
+            <a:fillRect/>
+          </a:stretch>
+        </p:blipFill>
+        <p:spPr>
+          <a:xfrm>
+            <a:off x="3035831" y="3862080"/>
+            <a:ext cx="7839507" cy="959462"/>
+          </a:xfrm>
+          <a:prstGeom prst="rect">
+            <a:avLst/>
+          </a:prstGeom>
+        </p:spPr>
+      </p:pic>
+      <p:cxnSp>
+        <p:nvCxnSpPr>
+          <p:cNvPr id="7" name="Connettore 2 6">
+            <a:extLst>
+              <a:ext uri="{FF2B5EF4-FFF2-40B4-BE49-F238E27FC236}">
+                <a16:creationId xmlns:a16="http://schemas.microsoft.com/office/drawing/2014/main" id="{F7886249-EE12-4293-9BDB-9792AE2C2001}"/>
+              </a:ext>
+            </a:extLst>
+          </p:cNvPr>
+          <p:cNvCxnSpPr>
+            <a:cxnSpLocks/>
+          </p:cNvCxnSpPr>
+          <p:nvPr/>
+        </p:nvCxnSpPr>
+        <p:spPr>
+          <a:xfrm flipV="1">
+            <a:off x="5542671" y="4371804"/>
+            <a:ext cx="0" cy="1061303"/>
+          </a:xfrm>
+          <a:prstGeom prst="straightConnector1">
+            <a:avLst/>
+          </a:prstGeom>
+          <a:ln w="38100">
+            <a:solidFill>
+              <a:srgbClr val="FF0000"/>
+            </a:solidFill>
+            <a:tailEnd type="triangle"/>
+          </a:ln>
+        </p:spPr>
+        <p:style>
+          <a:lnRef idx="1">
+            <a:schemeClr val="accent1"/>
+          </a:lnRef>
+          <a:fillRef idx="0">
+            <a:schemeClr val="accent1"/>
+          </a:fillRef>
+          <a:effectRef idx="0">
+            <a:schemeClr val="accent1"/>
+          </a:effectRef>
+          <a:fontRef idx="minor">
+            <a:schemeClr val="tx1"/>
+          </a:fontRef>
+        </p:style>
+      </p:cxnSp>
+      <p:cxnSp>
+        <p:nvCxnSpPr>
+          <p:cNvPr id="12" name="Connettore 2 11">
+            <a:extLst>
+              <a:ext uri="{FF2B5EF4-FFF2-40B4-BE49-F238E27FC236}">
+                <a16:creationId xmlns:a16="http://schemas.microsoft.com/office/drawing/2014/main" id="{49B01E3D-5FFC-4371-8D2F-7B70FE3F4790}"/>
+              </a:ext>
+            </a:extLst>
+          </p:cNvPr>
+          <p:cNvCxnSpPr>
+            <a:cxnSpLocks/>
+            <a:stCxn id="19" idx="2"/>
+          </p:cNvCxnSpPr>
+          <p:nvPr/>
+        </p:nvCxnSpPr>
+        <p:spPr>
+          <a:xfrm>
+            <a:off x="2478711" y="2795369"/>
+            <a:ext cx="2616589" cy="1576435"/>
+          </a:xfrm>
+          <a:prstGeom prst="straightConnector1">
+            <a:avLst/>
+          </a:prstGeom>
+          <a:ln w="38100">
+            <a:solidFill>
+              <a:srgbClr val="FF0000"/>
+            </a:solidFill>
+            <a:tailEnd type="triangle"/>
+          </a:ln>
+        </p:spPr>
+        <p:style>
+          <a:lnRef idx="1">
+            <a:schemeClr val="accent1"/>
+          </a:lnRef>
+          <a:fillRef idx="0">
+            <a:schemeClr val="accent1"/>
+          </a:fillRef>
+          <a:effectRef idx="0">
+            <a:schemeClr val="accent1"/>
+          </a:effectRef>
+          <a:fontRef idx="minor">
+            <a:schemeClr val="tx1"/>
+          </a:fontRef>
+        </p:style>
+      </p:cxnSp>
+      <p:pic>
+        <p:nvPicPr>
+          <p:cNvPr id="19" name="Immagine 18">
+            <a:extLst>
+              <a:ext uri="{FF2B5EF4-FFF2-40B4-BE49-F238E27FC236}">
+                <a16:creationId xmlns:a16="http://schemas.microsoft.com/office/drawing/2014/main" id="{6478870A-6BAF-4E85-858F-841D569E2B04}"/>
+              </a:ext>
+            </a:extLst>
+          </p:cNvPr>
+          <p:cNvPicPr>
+            <a:picLocks noChangeAspect="1"/>
+          </p:cNvPicPr>
+          <p:nvPr/>
+        </p:nvPicPr>
+        <p:blipFill>
+          <a:blip r:embed="rId3"/>
+          <a:stretch>
+            <a:fillRect/>
+          </a:stretch>
+        </p:blipFill>
+        <p:spPr>
+          <a:xfrm>
+            <a:off x="81293" y="2266456"/>
+            <a:ext cx="4794835" cy="528913"/>
+          </a:xfrm>
+          <a:prstGeom prst="rect">
+            <a:avLst/>
+          </a:prstGeom>
+        </p:spPr>
+      </p:pic>
+      <p:pic>
+        <p:nvPicPr>
+          <p:cNvPr id="25" name="Immagine 24">
+            <a:extLst>
+              <a:ext uri="{FF2B5EF4-FFF2-40B4-BE49-F238E27FC236}">
+                <a16:creationId xmlns:a16="http://schemas.microsoft.com/office/drawing/2014/main" id="{798BB34A-F642-459C-9758-B22657816EE9}"/>
+              </a:ext>
+            </a:extLst>
+          </p:cNvPr>
+          <p:cNvPicPr>
+            <a:picLocks noChangeAspect="1"/>
+          </p:cNvPicPr>
+          <p:nvPr/>
+        </p:nvPicPr>
+        <p:blipFill>
+          <a:blip r:embed="rId4"/>
+          <a:stretch>
+            <a:fillRect/>
+          </a:stretch>
+        </p:blipFill>
+        <p:spPr>
+          <a:xfrm>
+            <a:off x="2419644" y="5433107"/>
+            <a:ext cx="4065562" cy="528913"/>
+          </a:xfrm>
+          <a:prstGeom prst="rect">
+            <a:avLst/>
+          </a:prstGeom>
+        </p:spPr>
+      </p:pic>
+      <p:pic>
+        <p:nvPicPr>
+          <p:cNvPr id="27" name="Immagine 26">
+            <a:extLst>
+              <a:ext uri="{FF2B5EF4-FFF2-40B4-BE49-F238E27FC236}">
+                <a16:creationId xmlns:a16="http://schemas.microsoft.com/office/drawing/2014/main" id="{3D7B0F54-A22F-4095-BE75-091FCFDC11A3}"/>
+              </a:ext>
+            </a:extLst>
+          </p:cNvPr>
+          <p:cNvPicPr>
+            <a:picLocks noChangeAspect="1"/>
+          </p:cNvPicPr>
+          <p:nvPr/>
+        </p:nvPicPr>
+        <p:blipFill>
+          <a:blip r:embed="rId5"/>
+          <a:stretch>
+            <a:fillRect/>
+          </a:stretch>
+        </p:blipFill>
+        <p:spPr>
+          <a:xfrm>
+            <a:off x="2419643" y="6103697"/>
+            <a:ext cx="4794842" cy="528912"/>
+          </a:xfrm>
+          <a:prstGeom prst="rect">
+            <a:avLst/>
+          </a:prstGeom>
+        </p:spPr>
+      </p:pic>
+      <p:cxnSp>
+        <p:nvCxnSpPr>
+          <p:cNvPr id="36" name="Connettore 2 35">
+            <a:extLst>
+              <a:ext uri="{FF2B5EF4-FFF2-40B4-BE49-F238E27FC236}">
+                <a16:creationId xmlns:a16="http://schemas.microsoft.com/office/drawing/2014/main" id="{9402606F-25BC-43DD-B8C6-AEF7A29E4CAC}"/>
+              </a:ext>
+            </a:extLst>
+          </p:cNvPr>
+          <p:cNvCxnSpPr>
+            <a:cxnSpLocks/>
+          </p:cNvCxnSpPr>
+          <p:nvPr/>
+        </p:nvCxnSpPr>
+        <p:spPr>
+          <a:xfrm flipH="1" flipV="1">
+            <a:off x="6133514" y="4656406"/>
+            <a:ext cx="616635" cy="1447292"/>
+          </a:xfrm>
+          <a:prstGeom prst="straightConnector1">
+            <a:avLst/>
+          </a:prstGeom>
+          <a:ln w="38100">
+            <a:solidFill>
+              <a:srgbClr val="FF0000"/>
+            </a:solidFill>
+            <a:tailEnd type="triangle"/>
+          </a:ln>
+        </p:spPr>
+        <p:style>
+          <a:lnRef idx="1">
+            <a:schemeClr val="accent1"/>
+          </a:lnRef>
+          <a:fillRef idx="0">
+            <a:schemeClr val="accent1"/>
+          </a:fillRef>
+          <a:effectRef idx="0">
+            <a:schemeClr val="accent1"/>
+          </a:effectRef>
+          <a:fontRef idx="minor">
+            <a:schemeClr val="tx1"/>
+          </a:fontRef>
+        </p:style>
+      </p:cxnSp>
+      <p:sp>
+        <p:nvSpPr>
+          <p:cNvPr id="44" name="Rectangle 2">
+            <a:extLst>
+              <a:ext uri="{FF2B5EF4-FFF2-40B4-BE49-F238E27FC236}">
+                <a16:creationId xmlns:a16="http://schemas.microsoft.com/office/drawing/2014/main" id="{6729225F-3EAB-4155-ADB6-ECE56D134881}"/>
+              </a:ext>
+            </a:extLst>
+          </p:cNvPr>
+          <p:cNvSpPr>
+            <a:spLocks noChangeArrowheads="1"/>
+          </p:cNvSpPr>
+          <p:nvPr/>
+        </p:nvSpPr>
+        <p:spPr bwMode="auto">
+          <a:xfrm>
+            <a:off x="5095300" y="1366897"/>
+            <a:ext cx="6956015" cy="2062103"/>
+          </a:xfrm>
+          <a:prstGeom prst="rect">
+            <a:avLst/>
+          </a:prstGeom>
+          <a:solidFill>
+            <a:srgbClr val="2B2B2B"/>
+          </a:solidFill>
+          <a:ln>
+            <a:noFill/>
+          </a:ln>
+          <a:effectLst/>
+          <a:extLst>
+            <a:ext uri="{91240B29-F687-4F45-9708-019B960494DF}">
+              <a14:hiddenLine xmlns:a14="http://schemas.microsoft.com/office/drawing/2010/main" w="9525">
+                <a:solidFill>
+                  <a:schemeClr val="tx1"/>
+                </a:solidFill>
+                <a:miter lim="800000"/>
+                <a:headEnd/>
+                <a:tailEnd/>
+              </a14:hiddenLine>
+            </a:ext>
+            <a:ext uri="{AF507438-7753-43E0-B8FC-AC1667EBCBE1}">
+              <a14:hiddenEffects xmlns:a14="http://schemas.microsoft.com/office/drawing/2010/main">
+                <a:effectLst>
+                  <a:outerShdw dist="35921" dir="2700000" algn="ctr" rotWithShape="0">
+                    <a:schemeClr val="bg2"/>
+                  </a:outerShdw>
+                </a:effectLst>
+              </a14:hiddenEffects>
+            </a:ext>
+          </a:extLst>
+        </p:spPr>
+        <p:txBody>
+          <a:bodyPr vert="horz" wrap="square" lIns="91440" tIns="45720" rIns="91440" bIns="45720" numCol="1" anchor="ctr" anchorCtr="0" compatLnSpc="1">
+            <a:prstTxWarp prst="textNoShape">
+              <a:avLst/>
+            </a:prstTxWarp>
+            <a:spAutoFit/>
+          </a:bodyPr>
+          <a:lstStyle/>
+          <a:p>
+            <a:pPr marL="0" marR="0" lvl="0" indent="0" algn="l" defTabSz="914400" rtl="0" eaLnBrk="0" fontAlgn="base" latinLnBrk="0" hangingPunct="0">
+              <a:lnSpc>
+                <a:spcPct val="100000"/>
+              </a:lnSpc>
+              <a:spcBef>
+                <a:spcPct val="0"/>
+              </a:spcBef>
+              <a:spcAft>
+                <a:spcPct val="0"/>
+              </a:spcAft>
+              <a:buClrTx/>
+              <a:buSzTx/>
+              <a:buFontTx/>
+              <a:buNone/>
+              <a:tabLst/>
+            </a:pPr>
+            <a:r>
+              <a:rPr kumimoji="0" lang="it-IT" altLang="it-IT" sz="1600" b="0" i="0" u="none" strike="noStrike" cap="none" normalizeH="0" baseline="0" dirty="0">
+                <a:ln>
+                  <a:noFill/>
+                </a:ln>
+                <a:solidFill>
+                  <a:srgbClr val="CC7832"/>
+                </a:solidFill>
+                <a:effectLst/>
+                <a:latin typeface="Consolas" panose="020B0609020204030204" pitchFamily="49" charset="0"/>
+              </a:rPr>
+              <a:t>def </a:t>
+            </a:r>
+            <a:r>
+              <a:rPr kumimoji="0" lang="it-IT" altLang="it-IT" sz="1600" b="0" i="0" u="none" strike="noStrike" cap="none" normalizeH="0" baseline="0" dirty="0">
+                <a:ln>
+                  <a:noFill/>
+                </a:ln>
+                <a:solidFill>
+                  <a:srgbClr val="FFC66D"/>
+                </a:solidFill>
+                <a:effectLst/>
+                <a:latin typeface="Consolas" panose="020B0609020204030204" pitchFamily="49" charset="0"/>
+              </a:rPr>
+              <a:t>get_next_action</a:t>
+            </a:r>
+            <a:r>
+              <a:rPr kumimoji="0" lang="it-IT" altLang="it-IT" sz="1600" b="0" i="0" u="none" strike="noStrike" cap="none" normalizeH="0" baseline="0" dirty="0">
+                <a:ln>
+                  <a:noFill/>
+                </a:ln>
+                <a:solidFill>
+                  <a:srgbClr val="A9B7C6"/>
+                </a:solidFill>
+                <a:effectLst/>
+                <a:latin typeface="Consolas" panose="020B0609020204030204" pitchFamily="49" charset="0"/>
+              </a:rPr>
+              <a:t>(s):</a:t>
+            </a:r>
+            <a:br>
+              <a:rPr kumimoji="0" lang="it-IT" altLang="it-IT" sz="1600" b="0" i="0" u="none" strike="noStrike" cap="none" normalizeH="0" baseline="0" dirty="0">
+                <a:ln>
+                  <a:noFill/>
+                </a:ln>
+                <a:solidFill>
+                  <a:srgbClr val="A9B7C6"/>
+                </a:solidFill>
+                <a:effectLst/>
+                <a:latin typeface="Consolas" panose="020B0609020204030204" pitchFamily="49" charset="0"/>
+              </a:rPr>
+            </a:br>
+            <a:r>
+              <a:rPr kumimoji="0" lang="it-IT" altLang="it-IT" sz="1600" b="0" i="0" u="none" strike="noStrike" cap="none" normalizeH="0" baseline="0" dirty="0">
+                <a:ln>
+                  <a:noFill/>
+                </a:ln>
+                <a:solidFill>
+                  <a:srgbClr val="A9B7C6"/>
+                </a:solidFill>
+                <a:effectLst/>
+                <a:latin typeface="Consolas" panose="020B0609020204030204" pitchFamily="49" charset="0"/>
+              </a:rPr>
+              <a:t>    probability = random.random()</a:t>
+            </a:r>
+            <a:br>
+              <a:rPr kumimoji="0" lang="it-IT" altLang="it-IT" sz="1600" b="0" i="0" u="none" strike="noStrike" cap="none" normalizeH="0" baseline="0" dirty="0">
+                <a:ln>
+                  <a:noFill/>
+                </a:ln>
+                <a:solidFill>
+                  <a:srgbClr val="A9B7C6"/>
+                </a:solidFill>
+                <a:effectLst/>
+                <a:latin typeface="Consolas" panose="020B0609020204030204" pitchFamily="49" charset="0"/>
+              </a:rPr>
+            </a:br>
+            <a:r>
+              <a:rPr kumimoji="0" lang="it-IT" altLang="it-IT" sz="1600" b="0" i="0" u="none" strike="noStrike" cap="none" normalizeH="0" baseline="0" dirty="0">
+                <a:ln>
+                  <a:noFill/>
+                </a:ln>
+                <a:solidFill>
+                  <a:srgbClr val="A9B7C6"/>
+                </a:solidFill>
+                <a:effectLst/>
+                <a:latin typeface="Consolas" panose="020B0609020204030204" pitchFamily="49" charset="0"/>
+              </a:rPr>
+              <a:t>    </a:t>
+            </a:r>
+            <a:r>
+              <a:rPr kumimoji="0" lang="it-IT" altLang="it-IT" sz="1600" b="0" i="0" u="none" strike="noStrike" cap="none" normalizeH="0" baseline="0" dirty="0">
+                <a:ln>
+                  <a:noFill/>
+                </a:ln>
+                <a:solidFill>
+                  <a:srgbClr val="CC7832"/>
+                </a:solidFill>
+                <a:effectLst/>
+                <a:latin typeface="Consolas" panose="020B0609020204030204" pitchFamily="49" charset="0"/>
+              </a:rPr>
+              <a:t>if </a:t>
+            </a:r>
+            <a:r>
+              <a:rPr kumimoji="0" lang="it-IT" altLang="it-IT" sz="1600" b="0" i="0" u="none" strike="noStrike" cap="none" normalizeH="0" baseline="0" dirty="0">
+                <a:ln>
+                  <a:noFill/>
+                </a:ln>
+                <a:solidFill>
+                  <a:srgbClr val="A9B7C6"/>
+                </a:solidFill>
+                <a:effectLst/>
+                <a:latin typeface="Consolas" panose="020B0609020204030204" pitchFamily="49" charset="0"/>
+              </a:rPr>
+              <a:t>probability &lt; epsilon:</a:t>
+            </a:r>
+            <a:br>
+              <a:rPr kumimoji="0" lang="it-IT" altLang="it-IT" sz="1600" b="0" i="0" u="none" strike="noStrike" cap="none" normalizeH="0" baseline="0" dirty="0">
+                <a:ln>
+                  <a:noFill/>
+                </a:ln>
+                <a:solidFill>
+                  <a:srgbClr val="A9B7C6"/>
+                </a:solidFill>
+                <a:effectLst/>
+                <a:latin typeface="Consolas" panose="020B0609020204030204" pitchFamily="49" charset="0"/>
+              </a:rPr>
+            </a:br>
+            <a:r>
+              <a:rPr kumimoji="0" lang="it-IT" altLang="it-IT" sz="1600" b="0" i="0" u="none" strike="noStrike" cap="none" normalizeH="0" baseline="0" dirty="0">
+                <a:ln>
+                  <a:noFill/>
+                </a:ln>
+                <a:solidFill>
+                  <a:srgbClr val="A9B7C6"/>
+                </a:solidFill>
+                <a:effectLst/>
+                <a:latin typeface="Consolas" panose="020B0609020204030204" pitchFamily="49" charset="0"/>
+              </a:rPr>
+              <a:t>        action = random.randint(</a:t>
+            </a:r>
+            <a:r>
+              <a:rPr kumimoji="0" lang="it-IT" altLang="it-IT" sz="1600" b="0" i="0" u="none" strike="noStrike" cap="none" normalizeH="0" baseline="0" dirty="0">
+                <a:ln>
+                  <a:noFill/>
+                </a:ln>
+                <a:solidFill>
+                  <a:srgbClr val="6897BB"/>
+                </a:solidFill>
+                <a:effectLst/>
+                <a:latin typeface="Consolas" panose="020B0609020204030204" pitchFamily="49" charset="0"/>
+              </a:rPr>
+              <a:t>0</a:t>
+            </a:r>
+            <a:r>
+              <a:rPr kumimoji="0" lang="it-IT" altLang="it-IT" sz="1600" b="0" i="0" u="none" strike="noStrike" cap="none" normalizeH="0" baseline="0" dirty="0">
+                <a:ln>
+                  <a:noFill/>
+                </a:ln>
+                <a:solidFill>
+                  <a:srgbClr val="CC7832"/>
+                </a:solidFill>
+                <a:effectLst/>
+                <a:latin typeface="Consolas" panose="020B0609020204030204" pitchFamily="49" charset="0"/>
+              </a:rPr>
+              <a:t>, </a:t>
+            </a:r>
+            <a:r>
+              <a:rPr kumimoji="0" lang="it-IT" altLang="it-IT" sz="1600" b="0" i="0" u="none" strike="noStrike" cap="none" normalizeH="0" baseline="0" dirty="0">
+                <a:ln>
+                  <a:noFill/>
+                </a:ln>
+                <a:solidFill>
+                  <a:srgbClr val="6897BB"/>
+                </a:solidFill>
+                <a:effectLst/>
+                <a:latin typeface="Consolas" panose="020B0609020204030204" pitchFamily="49" charset="0"/>
+              </a:rPr>
+              <a:t>3</a:t>
+            </a:r>
+            <a:r>
+              <a:rPr kumimoji="0" lang="it-IT" altLang="it-IT" sz="1200" b="0" i="0" u="none" strike="noStrike" cap="none" normalizeH="0" baseline="0" dirty="0">
+                <a:ln>
+                  <a:noFill/>
+                </a:ln>
+                <a:solidFill>
+                  <a:srgbClr val="A9B7C6"/>
+                </a:solidFill>
+                <a:effectLst/>
+                <a:latin typeface="Consolas" panose="020B0609020204030204" pitchFamily="49" charset="0"/>
+              </a:rPr>
+              <a:t>)  </a:t>
+            </a:r>
+            <a:r>
+              <a:rPr kumimoji="0" lang="it-IT" altLang="it-IT" sz="1200" b="0" i="0" u="none" strike="noStrike" cap="none" normalizeH="0" baseline="0" dirty="0">
+                <a:ln>
+                  <a:noFill/>
+                </a:ln>
+                <a:solidFill>
+                  <a:srgbClr val="808080"/>
+                </a:solidFill>
+                <a:effectLst/>
+                <a:latin typeface="Consolas" panose="020B0609020204030204" pitchFamily="49" charset="0"/>
+              </a:rPr>
+              <a:t># Choose an action at random</a:t>
+            </a:r>
+            <a:br>
+              <a:rPr kumimoji="0" lang="it-IT" altLang="it-IT" sz="1200" b="0" i="0" u="none" strike="noStrike" cap="none" normalizeH="0" baseline="0" dirty="0">
+                <a:ln>
+                  <a:noFill/>
+                </a:ln>
+                <a:solidFill>
+                  <a:srgbClr val="808080"/>
+                </a:solidFill>
+                <a:effectLst/>
+                <a:latin typeface="Consolas" panose="020B0609020204030204" pitchFamily="49" charset="0"/>
+              </a:rPr>
+            </a:br>
+            <a:r>
+              <a:rPr kumimoji="0" lang="it-IT" altLang="it-IT" sz="1600" b="0" i="0" u="none" strike="noStrike" cap="none" normalizeH="0" baseline="0" dirty="0">
+                <a:ln>
+                  <a:noFill/>
+                </a:ln>
+                <a:solidFill>
+                  <a:srgbClr val="808080"/>
+                </a:solidFill>
+                <a:effectLst/>
+                <a:latin typeface="Consolas" panose="020B0609020204030204" pitchFamily="49" charset="0"/>
+              </a:rPr>
+              <a:t>        </a:t>
+            </a:r>
+            <a:r>
+              <a:rPr kumimoji="0" lang="it-IT" altLang="it-IT" sz="1600" b="0" i="0" u="none" strike="noStrike" cap="none" normalizeH="0" baseline="0" dirty="0">
+                <a:ln>
+                  <a:noFill/>
+                </a:ln>
+                <a:solidFill>
+                  <a:srgbClr val="CC7832"/>
+                </a:solidFill>
+                <a:effectLst/>
+                <a:latin typeface="Consolas" panose="020B0609020204030204" pitchFamily="49" charset="0"/>
+              </a:rPr>
+              <a:t>return </a:t>
+            </a:r>
+            <a:r>
+              <a:rPr kumimoji="0" lang="it-IT" altLang="it-IT" sz="1600" b="0" i="0" u="none" strike="noStrike" cap="none" normalizeH="0" baseline="0" dirty="0">
+                <a:ln>
+                  <a:noFill/>
+                </a:ln>
+                <a:solidFill>
+                  <a:srgbClr val="A9B7C6"/>
+                </a:solidFill>
+                <a:effectLst/>
+                <a:latin typeface="Consolas" panose="020B0609020204030204" pitchFamily="49" charset="0"/>
+              </a:rPr>
+              <a:t>action</a:t>
+            </a:r>
+            <a:br>
+              <a:rPr kumimoji="0" lang="it-IT" altLang="it-IT" sz="1600" b="0" i="0" u="none" strike="noStrike" cap="none" normalizeH="0" baseline="0" dirty="0">
+                <a:ln>
+                  <a:noFill/>
+                </a:ln>
+                <a:solidFill>
+                  <a:srgbClr val="A9B7C6"/>
+                </a:solidFill>
+                <a:effectLst/>
+                <a:latin typeface="Consolas" panose="020B0609020204030204" pitchFamily="49" charset="0"/>
+              </a:rPr>
+            </a:br>
+            <a:r>
+              <a:rPr kumimoji="0" lang="it-IT" altLang="it-IT" sz="1600" b="0" i="0" u="none" strike="noStrike" cap="none" normalizeH="0" baseline="0" dirty="0">
+                <a:ln>
+                  <a:noFill/>
+                </a:ln>
+                <a:solidFill>
+                  <a:srgbClr val="A9B7C6"/>
+                </a:solidFill>
+                <a:effectLst/>
+                <a:latin typeface="Consolas" panose="020B0609020204030204" pitchFamily="49" charset="0"/>
+              </a:rPr>
+              <a:t>    </a:t>
+            </a:r>
+            <a:r>
+              <a:rPr kumimoji="0" lang="it-IT" altLang="it-IT" sz="1600" b="0" i="0" u="none" strike="noStrike" cap="none" normalizeH="0" baseline="0" dirty="0">
+                <a:ln>
+                  <a:noFill/>
+                </a:ln>
+                <a:solidFill>
+                  <a:srgbClr val="CC7832"/>
+                </a:solidFill>
+                <a:effectLst/>
+                <a:latin typeface="Consolas" panose="020B0609020204030204" pitchFamily="49" charset="0"/>
+              </a:rPr>
+              <a:t>else</a:t>
+            </a:r>
+            <a:r>
+              <a:rPr kumimoji="0" lang="it-IT" altLang="it-IT" sz="1600" b="0" i="0" u="none" strike="noStrike" cap="none" normalizeH="0" baseline="0" dirty="0">
+                <a:ln>
+                  <a:noFill/>
+                </a:ln>
+                <a:solidFill>
+                  <a:srgbClr val="A9B7C6"/>
+                </a:solidFill>
+                <a:effectLst/>
+                <a:latin typeface="Consolas" panose="020B0609020204030204" pitchFamily="49" charset="0"/>
+              </a:rPr>
+              <a:t>:  </a:t>
+            </a:r>
+            <a:r>
+              <a:rPr kumimoji="0" lang="it-IT" altLang="it-IT" sz="1400" b="0" i="0" u="none" strike="noStrike" cap="none" normalizeH="0" baseline="0" dirty="0">
+                <a:ln>
+                  <a:noFill/>
+                </a:ln>
+                <a:solidFill>
+                  <a:srgbClr val="808080"/>
+                </a:solidFill>
+                <a:effectLst/>
+                <a:latin typeface="Consolas" panose="020B0609020204030204" pitchFamily="49" charset="0"/>
+              </a:rPr>
+              <a:t># Otherwise, greedily choose best action based on estimated reward of surrounding states</a:t>
+            </a:r>
+            <a:br>
+              <a:rPr kumimoji="0" lang="it-IT" altLang="it-IT" sz="1600" b="0" i="0" u="none" strike="noStrike" cap="none" normalizeH="0" baseline="0" dirty="0">
+                <a:ln>
+                  <a:noFill/>
+                </a:ln>
+                <a:solidFill>
+                  <a:srgbClr val="808080"/>
+                </a:solidFill>
+                <a:effectLst/>
+                <a:latin typeface="Consolas" panose="020B0609020204030204" pitchFamily="49" charset="0"/>
+              </a:rPr>
+            </a:br>
+            <a:r>
+              <a:rPr kumimoji="0" lang="it-IT" altLang="it-IT" sz="1600" b="0" i="0" u="none" strike="noStrike" cap="none" normalizeH="0" baseline="0" dirty="0">
+                <a:ln>
+                  <a:noFill/>
+                </a:ln>
+                <a:solidFill>
+                  <a:srgbClr val="808080"/>
+                </a:solidFill>
+                <a:effectLst/>
+                <a:latin typeface="Consolas" panose="020B0609020204030204" pitchFamily="49" charset="0"/>
+              </a:rPr>
+              <a:t>        </a:t>
+            </a:r>
+            <a:r>
+              <a:rPr kumimoji="0" lang="it-IT" altLang="it-IT" sz="1600" b="0" i="0" u="none" strike="noStrike" cap="none" normalizeH="0" baseline="0" dirty="0">
+                <a:ln>
+                  <a:noFill/>
+                </a:ln>
+                <a:solidFill>
+                  <a:srgbClr val="CC7832"/>
+                </a:solidFill>
+                <a:effectLst/>
+                <a:latin typeface="Consolas" panose="020B0609020204030204" pitchFamily="49" charset="0"/>
+              </a:rPr>
+              <a:t>return </a:t>
+            </a:r>
+            <a:r>
+              <a:rPr kumimoji="0" lang="it-IT" altLang="it-IT" sz="1600" b="0" i="0" u="none" strike="noStrike" cap="none" normalizeH="0" baseline="0" dirty="0">
+                <a:ln>
+                  <a:noFill/>
+                </a:ln>
+                <a:solidFill>
+                  <a:srgbClr val="A9B7C6"/>
+                </a:solidFill>
+                <a:effectLst/>
+                <a:latin typeface="Consolas" panose="020B0609020204030204" pitchFamily="49" charset="0"/>
+              </a:rPr>
+              <a:t>np.argmax(Q_matrix[s.row][s.column])</a:t>
+            </a:r>
+            <a:endParaRPr kumimoji="0" lang="it-IT" altLang="it-IT" sz="3600" b="0" i="0" u="none" strike="noStrike" cap="none" normalizeH="0" baseline="0" dirty="0">
+              <a:ln>
+                <a:noFill/>
+              </a:ln>
+              <a:solidFill>
+                <a:schemeClr val="tx1"/>
+              </a:solidFill>
+              <a:effectLst/>
+              <a:latin typeface="Arial" panose="020B0604020202020204" pitchFamily="34" charset="0"/>
+            </a:endParaRPr>
+          </a:p>
+        </p:txBody>
+      </p:sp>
+      <mc:AlternateContent xmlns:mc="http://schemas.openxmlformats.org/markup-compatibility/2006">
+        <mc:Choice xmlns:a14="http://schemas.microsoft.com/office/drawing/2010/main" Requires="a14">
+          <p:sp>
+            <p:nvSpPr>
+              <p:cNvPr id="45" name="CasellaDiTesto 44">
+                <a:extLst>
+                  <a:ext uri="{FF2B5EF4-FFF2-40B4-BE49-F238E27FC236}">
+                    <a16:creationId xmlns:a16="http://schemas.microsoft.com/office/drawing/2014/main" id="{E59DB4EB-88F0-4CA9-B327-046019AD4059}"/>
+                  </a:ext>
+                </a:extLst>
+              </p:cNvPr>
+              <p:cNvSpPr txBox="1"/>
+              <p:nvPr/>
+            </p:nvSpPr>
+            <p:spPr>
+              <a:xfrm>
+                <a:off x="5095300" y="871608"/>
+                <a:ext cx="4639543" cy="461665"/>
+              </a:xfrm>
+              <a:prstGeom prst="rect">
+                <a:avLst/>
+              </a:prstGeom>
+              <a:noFill/>
+            </p:spPr>
+            <p:txBody>
+              <a:bodyPr wrap="square" rtlCol="0">
+                <a:spAutoFit/>
+              </a:bodyPr>
+              <a:lstStyle/>
+              <a:p>
+                <a:r>
+                  <a:rPr lang="it-IT" sz="2400" dirty="0"/>
+                  <a:t>Policy </a:t>
+                </a:r>
+                <a:r>
+                  <a:rPr lang="it-IT" sz="2400" dirty="0" err="1"/>
+                  <a:t>followed</a:t>
+                </a:r>
+                <a:r>
+                  <a:rPr lang="it-IT" sz="2400" dirty="0"/>
+                  <a:t> --&gt; </a:t>
+                </a:r>
+                <a14:m>
+                  <m:oMath xmlns:m="http://schemas.openxmlformats.org/officeDocument/2006/math">
+                    <m:r>
+                      <m:rPr>
+                        <m:sty m:val="p"/>
+                      </m:rPr>
+                      <a:rPr lang="it-IT" sz="2400" b="0" i="1" smtClean="0">
+                        <a:latin typeface="Cambria Math" panose="02040503050406030204" pitchFamily="18" charset="0"/>
+                      </a:rPr>
+                      <m:t>ϵ</m:t>
+                    </m:r>
+                  </m:oMath>
+                </a14:m>
+                <a:r>
+                  <a:rPr lang="it-IT" sz="2400" b="0" dirty="0"/>
+                  <a:t> - </a:t>
+                </a:r>
+                <a:r>
+                  <a:rPr lang="it-IT" sz="2400" b="0" dirty="0" err="1"/>
+                  <a:t>greedy</a:t>
+                </a:r>
+                <a:endParaRPr lang="it-IT" sz="2400" b="0" dirty="0"/>
+              </a:p>
+            </p:txBody>
+          </p:sp>
+        </mc:Choice>
+        <mc:Fallback>
+          <p:sp>
+            <p:nvSpPr>
+              <p:cNvPr id="45" name="CasellaDiTesto 44">
+                <a:extLst>
+                  <a:ext uri="{FF2B5EF4-FFF2-40B4-BE49-F238E27FC236}">
+                    <a16:creationId xmlns:a16="http://schemas.microsoft.com/office/drawing/2014/main" id="{E59DB4EB-88F0-4CA9-B327-046019AD4059}"/>
+                  </a:ext>
+                </a:extLst>
+              </p:cNvPr>
+              <p:cNvSpPr txBox="1">
+                <a:spLocks noRot="1" noChangeAspect="1" noMove="1" noResize="1" noEditPoints="1" noAdjustHandles="1" noChangeArrowheads="1" noChangeShapeType="1" noTextEdit="1"/>
+              </p:cNvSpPr>
+              <p:nvPr/>
+            </p:nvSpPr>
+            <p:spPr>
+              <a:xfrm>
+                <a:off x="5095300" y="871608"/>
+                <a:ext cx="4639543" cy="461665"/>
+              </a:xfrm>
+              <a:prstGeom prst="rect">
+                <a:avLst/>
+              </a:prstGeom>
+              <a:blipFill>
+                <a:blip r:embed="rId6"/>
+                <a:stretch>
+                  <a:fillRect l="-2102" t="-10526" b="-28947"/>
+                </a:stretch>
+              </a:blipFill>
+            </p:spPr>
+            <p:txBody>
+              <a:bodyPr/>
+              <a:lstStyle/>
+              <a:p>
+                <a:r>
+                  <a:rPr lang="it-IT">
+                    <a:noFill/>
+                  </a:rPr>
+                  <a:t> </a:t>
+                </a:r>
+              </a:p>
+            </p:txBody>
+          </p:sp>
+        </mc:Fallback>
+      </mc:AlternateContent>
     </p:spTree>
     <p:extLst>
       <p:ext uri="{BB962C8B-B14F-4D97-AF65-F5344CB8AC3E}">
         <p14:creationId xmlns:p14="http://schemas.microsoft.com/office/powerpoint/2010/main" val="625313795"/>
+      </p:ext>
+    </p:extLst>
+  </p:cSld>
+  <p:clrMapOvr>
+    <a:masterClrMapping/>
+  </p:clrMapOvr>
+</p:sld>
+</file>
+
+<file path=ppt/slides/slide7.xml><?xml version="1.0" encoding="utf-8"?>
+<p:sld xmlns:a="http://schemas.openxmlformats.org/drawingml/2006/main" xmlns:r="http://schemas.openxmlformats.org/officeDocument/2006/relationships" xmlns:p="http://schemas.openxmlformats.org/presentationml/2006/main">
+  <p:cSld>
+    <p:spTree>
+      <p:nvGrpSpPr>
+        <p:cNvPr id="1" name=""/>
+        <p:cNvGrpSpPr/>
+        <p:nvPr/>
+      </p:nvGrpSpPr>
+      <p:grpSpPr>
+        <a:xfrm>
+          <a:off x="0" y="0"/>
+          <a:ext cx="0" cy="0"/>
+          <a:chOff x="0" y="0"/>
+          <a:chExt cx="0" cy="0"/>
+        </a:xfrm>
+      </p:grpSpPr>
+      <p:sp>
+        <p:nvSpPr>
+          <p:cNvPr id="2" name="Titolo 1">
+            <a:extLst>
+              <a:ext uri="{FF2B5EF4-FFF2-40B4-BE49-F238E27FC236}">
+                <a16:creationId xmlns:a16="http://schemas.microsoft.com/office/drawing/2014/main" id="{A9ECF49E-4A32-43B4-8A56-EAC8CCE79F19}"/>
+              </a:ext>
+            </a:extLst>
+          </p:cNvPr>
+          <p:cNvSpPr>
+            <a:spLocks noGrp="1"/>
+          </p:cNvSpPr>
+          <p:nvPr>
+            <p:ph type="title"/>
+          </p:nvPr>
+        </p:nvSpPr>
+        <p:spPr/>
+        <p:txBody>
+          <a:bodyPr/>
+          <a:lstStyle/>
+          <a:p>
+            <a:r>
+              <a:rPr lang="it-IT" dirty="0" err="1"/>
+              <a:t>Experimental</a:t>
+            </a:r>
+            <a:r>
+              <a:rPr lang="it-IT" dirty="0"/>
+              <a:t> setup</a:t>
+            </a:r>
+          </a:p>
+        </p:txBody>
+      </p:sp>
+      <p:sp>
+        <p:nvSpPr>
+          <p:cNvPr id="3" name="Segnaposto contenuto 2">
+            <a:extLst>
+              <a:ext uri="{FF2B5EF4-FFF2-40B4-BE49-F238E27FC236}">
+                <a16:creationId xmlns:a16="http://schemas.microsoft.com/office/drawing/2014/main" id="{998517DF-D68A-4114-BBD7-B3A9F00609ED}"/>
+              </a:ext>
+            </a:extLst>
+          </p:cNvPr>
+          <p:cNvSpPr>
+            <a:spLocks noGrp="1"/>
+          </p:cNvSpPr>
+          <p:nvPr>
+            <p:ph idx="1"/>
+          </p:nvPr>
+        </p:nvSpPr>
+        <p:spPr/>
+        <p:txBody>
+          <a:bodyPr>
+            <a:normAutofit lnSpcReduction="10000"/>
+          </a:bodyPr>
+          <a:lstStyle/>
+          <a:p>
+            <a:r>
+              <a:rPr lang="it-IT" b="0" dirty="0" err="1"/>
+              <a:t>Initialize</a:t>
+            </a:r>
+            <a:r>
+              <a:rPr lang="it-IT" b="0" dirty="0"/>
+              <a:t> Q(</a:t>
+            </a:r>
+            <a:r>
+              <a:rPr lang="it-IT" b="0" dirty="0" err="1"/>
+              <a:t>s,a</a:t>
+            </a:r>
+            <a:r>
+              <a:rPr lang="it-IT" b="0" dirty="0"/>
+              <a:t>) with </a:t>
+            </a:r>
+            <a:r>
+              <a:rPr lang="it-IT" b="0" dirty="0" err="1"/>
+              <a:t>arbitrarily</a:t>
+            </a:r>
+            <a:r>
+              <a:rPr lang="it-IT" b="0" dirty="0"/>
+              <a:t> </a:t>
+            </a:r>
+            <a:r>
+              <a:rPr lang="it-IT" b="0" dirty="0" err="1"/>
+              <a:t>values</a:t>
+            </a:r>
+            <a:r>
+              <a:rPr lang="it-IT" b="0" dirty="0"/>
+              <a:t> (in </a:t>
+            </a:r>
+            <a:r>
+              <a:rPr lang="it-IT" b="0" dirty="0" err="1"/>
+              <a:t>our</a:t>
+            </a:r>
+            <a:r>
+              <a:rPr lang="it-IT" b="0" dirty="0"/>
+              <a:t> case 0), </a:t>
+            </a:r>
+            <a:r>
+              <a:rPr lang="it-IT" b="0" dirty="0" err="1"/>
+              <a:t>except</a:t>
+            </a:r>
+            <a:r>
+              <a:rPr lang="it-IT" b="0" dirty="0"/>
+              <a:t> for the terminal state </a:t>
+            </a:r>
+            <a:r>
+              <a:rPr lang="it-IT" b="0" dirty="0" err="1"/>
+              <a:t>that</a:t>
+            </a:r>
+            <a:r>
+              <a:rPr lang="it-IT" b="0" dirty="0"/>
+              <a:t> must be </a:t>
+            </a:r>
+            <a:r>
+              <a:rPr lang="it-IT" b="0" dirty="0" err="1"/>
+              <a:t>equals</a:t>
+            </a:r>
+            <a:r>
+              <a:rPr lang="it-IT" b="0" dirty="0"/>
+              <a:t> to 0</a:t>
+            </a:r>
+          </a:p>
+          <a:p>
+            <a:pPr marL="0" indent="0">
+              <a:buNone/>
+            </a:pPr>
+            <a:r>
+              <a:rPr lang="it-IT" b="0" dirty="0"/>
+              <a:t>	</a:t>
+            </a:r>
+          </a:p>
+          <a:p>
+            <a:pPr marL="0" indent="0">
+              <a:buNone/>
+            </a:pPr>
+            <a:endParaRPr lang="it-IT" dirty="0"/>
+          </a:p>
+          <a:p>
+            <a:pPr marL="0" indent="0">
+              <a:buNone/>
+            </a:pPr>
+            <a:endParaRPr lang="it-IT" dirty="0"/>
+          </a:p>
+          <a:p>
+            <a:pPr marL="0" indent="0">
+              <a:buNone/>
+            </a:pPr>
+            <a:endParaRPr lang="it-IT" dirty="0"/>
+          </a:p>
+          <a:p>
+            <a:pPr marL="0" indent="0">
+              <a:buNone/>
+            </a:pPr>
+            <a:endParaRPr lang="it-IT" dirty="0"/>
+          </a:p>
+          <a:p>
+            <a:r>
+              <a:rPr lang="it-IT" dirty="0" err="1"/>
+              <a:t>Algorithm</a:t>
+            </a:r>
+            <a:r>
+              <a:rPr lang="it-IT" dirty="0"/>
+              <a:t> </a:t>
+            </a:r>
+            <a:r>
+              <a:rPr lang="it-IT" dirty="0" err="1"/>
+              <a:t>parameters</a:t>
+            </a:r>
+            <a:r>
+              <a:rPr lang="it-IT" dirty="0"/>
+              <a:t> (</a:t>
+            </a:r>
+            <a:r>
+              <a:rPr lang="it-IT" dirty="0" err="1"/>
+              <a:t>not</a:t>
+            </a:r>
+            <a:r>
+              <a:rPr lang="it-IT" dirty="0"/>
+              <a:t> the </a:t>
+            </a:r>
+            <a:r>
+              <a:rPr lang="it-IT" dirty="0" err="1"/>
+              <a:t>same</a:t>
+            </a:r>
+            <a:r>
+              <a:rPr lang="it-IT" dirty="0"/>
+              <a:t> </a:t>
+            </a:r>
+            <a:r>
+              <a:rPr lang="it-IT" dirty="0" err="1"/>
+              <a:t>every</a:t>
+            </a:r>
+            <a:r>
+              <a:rPr lang="it-IT" dirty="0"/>
+              <a:t> </a:t>
+            </a:r>
+          </a:p>
+          <a:p>
+            <a:pPr marL="0" indent="0">
+              <a:buNone/>
+            </a:pPr>
+            <a:r>
+              <a:rPr lang="it-IT" dirty="0"/>
+              <a:t>   time, </a:t>
+            </a:r>
+            <a:r>
+              <a:rPr lang="it-IT" dirty="0" err="1"/>
+              <a:t>they</a:t>
+            </a:r>
+            <a:r>
+              <a:rPr lang="it-IT" dirty="0"/>
+              <a:t> must be </a:t>
+            </a:r>
+            <a:r>
+              <a:rPr lang="it-IT" dirty="0" err="1"/>
+              <a:t>tuned</a:t>
+            </a:r>
+            <a:r>
+              <a:rPr lang="it-IT" dirty="0"/>
+              <a:t>)</a:t>
+            </a:r>
+          </a:p>
+          <a:p>
+            <a:endParaRPr lang="it-IT" dirty="0"/>
+          </a:p>
+        </p:txBody>
+      </p:sp>
+      <p:pic>
+        <p:nvPicPr>
+          <p:cNvPr id="5" name="Immagine 4">
+            <a:extLst>
+              <a:ext uri="{FF2B5EF4-FFF2-40B4-BE49-F238E27FC236}">
+                <a16:creationId xmlns:a16="http://schemas.microsoft.com/office/drawing/2014/main" id="{77CD9F90-81B6-43C1-870E-AAF82EFC9830}"/>
+              </a:ext>
+            </a:extLst>
+          </p:cNvPr>
+          <p:cNvPicPr>
+            <a:picLocks noChangeAspect="1"/>
+          </p:cNvPicPr>
+          <p:nvPr/>
+        </p:nvPicPr>
+        <p:blipFill>
+          <a:blip r:embed="rId2"/>
+          <a:stretch>
+            <a:fillRect/>
+          </a:stretch>
+        </p:blipFill>
+        <p:spPr>
+          <a:xfrm>
+            <a:off x="1143000" y="2658061"/>
+            <a:ext cx="9843868" cy="493102"/>
+          </a:xfrm>
+          <a:prstGeom prst="rect">
+            <a:avLst/>
+          </a:prstGeom>
+        </p:spPr>
+      </p:pic>
+      <p:pic>
+        <p:nvPicPr>
+          <p:cNvPr id="6" name="Immagine 5">
+            <a:extLst>
+              <a:ext uri="{FF2B5EF4-FFF2-40B4-BE49-F238E27FC236}">
+                <a16:creationId xmlns:a16="http://schemas.microsoft.com/office/drawing/2014/main" id="{9436E79E-A103-4988-B7A7-E39F91EA9C34}"/>
+              </a:ext>
+            </a:extLst>
+          </p:cNvPr>
+          <p:cNvPicPr>
+            <a:picLocks noChangeAspect="1"/>
+          </p:cNvPicPr>
+          <p:nvPr/>
+        </p:nvPicPr>
+        <p:blipFill>
+          <a:blip r:embed="rId3"/>
+          <a:stretch>
+            <a:fillRect/>
+          </a:stretch>
+        </p:blipFill>
+        <p:spPr>
+          <a:xfrm>
+            <a:off x="1143000" y="3282582"/>
+            <a:ext cx="9843868" cy="1781787"/>
+          </a:xfrm>
+          <a:prstGeom prst="rect">
+            <a:avLst/>
+          </a:prstGeom>
+        </p:spPr>
+      </p:pic>
+      <p:pic>
+        <p:nvPicPr>
+          <p:cNvPr id="9" name="Immagine 8">
+            <a:extLst>
+              <a:ext uri="{FF2B5EF4-FFF2-40B4-BE49-F238E27FC236}">
+                <a16:creationId xmlns:a16="http://schemas.microsoft.com/office/drawing/2014/main" id="{35D09926-4167-4EE5-ACEE-E9787D86A4F0}"/>
+              </a:ext>
+            </a:extLst>
+          </p:cNvPr>
+          <p:cNvPicPr>
+            <a:picLocks noChangeAspect="1"/>
+          </p:cNvPicPr>
+          <p:nvPr/>
+        </p:nvPicPr>
+        <p:blipFill>
+          <a:blip r:embed="rId4"/>
+          <a:stretch>
+            <a:fillRect/>
+          </a:stretch>
+        </p:blipFill>
+        <p:spPr>
+          <a:xfrm>
+            <a:off x="8598143" y="5162506"/>
+            <a:ext cx="3232785" cy="1102124"/>
+          </a:xfrm>
+          <a:prstGeom prst="rect">
+            <a:avLst/>
+          </a:prstGeom>
+        </p:spPr>
+      </p:pic>
+    </p:spTree>
+    <p:extLst>
+      <p:ext uri="{BB962C8B-B14F-4D97-AF65-F5344CB8AC3E}">
+        <p14:creationId xmlns:p14="http://schemas.microsoft.com/office/powerpoint/2010/main" val="2730794319"/>
+      </p:ext>
+    </p:extLst>
+  </p:cSld>
+  <p:clrMapOvr>
+    <a:masterClrMapping/>
+  </p:clrMapOvr>
+</p:sld>
+</file>
+
+<file path=ppt/slides/slide8.xml><?xml version="1.0" encoding="utf-8"?>
+<p:sld xmlns:a="http://schemas.openxmlformats.org/drawingml/2006/main" xmlns:r="http://schemas.openxmlformats.org/officeDocument/2006/relationships" xmlns:p="http://schemas.openxmlformats.org/presentationml/2006/main">
+  <p:cSld>
+    <p:spTree>
+      <p:nvGrpSpPr>
+        <p:cNvPr id="1" name=""/>
+        <p:cNvGrpSpPr/>
+        <p:nvPr/>
+      </p:nvGrpSpPr>
+      <p:grpSpPr>
+        <a:xfrm>
+          <a:off x="0" y="0"/>
+          <a:ext cx="0" cy="0"/>
+          <a:chOff x="0" y="0"/>
+          <a:chExt cx="0" cy="0"/>
+        </a:xfrm>
+      </p:grpSpPr>
+      <p:sp>
+        <p:nvSpPr>
+          <p:cNvPr id="2" name="Titolo 1">
+            <a:extLst>
+              <a:ext uri="{FF2B5EF4-FFF2-40B4-BE49-F238E27FC236}">
+                <a16:creationId xmlns:a16="http://schemas.microsoft.com/office/drawing/2014/main" id="{459CBBD7-ADA0-4CC7-8293-3659BA60F8E2}"/>
+              </a:ext>
+            </a:extLst>
+          </p:cNvPr>
+          <p:cNvSpPr>
+            <a:spLocks noGrp="1"/>
+          </p:cNvSpPr>
+          <p:nvPr>
+            <p:ph type="title"/>
+          </p:nvPr>
+        </p:nvSpPr>
+        <p:spPr/>
+        <p:txBody>
+          <a:bodyPr/>
+          <a:lstStyle/>
+          <a:p>
+            <a:r>
+              <a:rPr lang="it-IT" dirty="0" err="1"/>
+              <a:t>Result</a:t>
+            </a:r>
+            <a:endParaRPr lang="it-IT" dirty="0"/>
+          </a:p>
+        </p:txBody>
+      </p:sp>
+      <p:sp>
+        <p:nvSpPr>
+          <p:cNvPr id="3" name="Segnaposto contenuto 2">
+            <a:extLst>
+              <a:ext uri="{FF2B5EF4-FFF2-40B4-BE49-F238E27FC236}">
+                <a16:creationId xmlns:a16="http://schemas.microsoft.com/office/drawing/2014/main" id="{4851B431-0F70-4FCD-85B6-8FEF23352867}"/>
+              </a:ext>
+            </a:extLst>
+          </p:cNvPr>
+          <p:cNvSpPr>
+            <a:spLocks noGrp="1"/>
+          </p:cNvSpPr>
+          <p:nvPr>
+            <p:ph idx="1"/>
+          </p:nvPr>
+        </p:nvSpPr>
+        <p:spPr/>
+        <p:txBody>
+          <a:bodyPr/>
+          <a:lstStyle/>
+          <a:p>
+            <a:r>
+              <a:rPr lang="it-IT" dirty="0"/>
+              <a:t>Simple </a:t>
+            </a:r>
+            <a:r>
+              <a:rPr lang="it-IT" dirty="0" err="1"/>
+              <a:t>environment</a:t>
+            </a:r>
+            <a:endParaRPr lang="it-IT" dirty="0"/>
+          </a:p>
+          <a:p>
+            <a:pPr marL="0" indent="0">
+              <a:buNone/>
+            </a:pPr>
+            <a:r>
+              <a:rPr lang="it-IT" dirty="0"/>
+              <a:t>	One </a:t>
+            </a:r>
+            <a:r>
+              <a:rPr lang="it-IT" dirty="0" err="1"/>
+              <a:t>episode</a:t>
+            </a:r>
+            <a:r>
+              <a:rPr lang="it-IT" dirty="0"/>
+              <a:t> --&gt;</a:t>
+            </a:r>
+          </a:p>
+          <a:p>
+            <a:pPr marL="0" indent="0">
+              <a:buNone/>
+            </a:pPr>
+            <a:r>
+              <a:rPr lang="it-IT" dirty="0"/>
+              <a:t>			BUMPS </a:t>
+            </a:r>
+            <a:r>
+              <a:rPr lang="it-IT" dirty="0" err="1"/>
+              <a:t>many</a:t>
+            </a:r>
+            <a:r>
+              <a:rPr lang="it-IT" dirty="0"/>
+              <a:t> times!!!!</a:t>
+            </a:r>
+          </a:p>
+          <a:p>
+            <a:pPr marL="0" indent="0">
+              <a:buNone/>
+            </a:pPr>
+            <a:r>
+              <a:rPr lang="it-IT" dirty="0"/>
+              <a:t>			At the end the Q matrix </a:t>
+            </a:r>
+            <a:r>
+              <a:rPr lang="it-IT" dirty="0" err="1"/>
+              <a:t>obtained</a:t>
+            </a:r>
+            <a:r>
+              <a:rPr lang="it-IT" dirty="0"/>
+              <a:t> </a:t>
+            </a:r>
+            <a:r>
+              <a:rPr lang="it-IT" dirty="0" err="1"/>
+              <a:t>is</a:t>
+            </a:r>
+            <a:r>
+              <a:rPr lang="it-IT" dirty="0"/>
+              <a:t>:</a:t>
+            </a:r>
+          </a:p>
+          <a:p>
+            <a:pPr marL="0" indent="0">
+              <a:buNone/>
+            </a:pPr>
+            <a:r>
+              <a:rPr lang="it-IT" dirty="0"/>
+              <a:t>			 </a:t>
+            </a:r>
+          </a:p>
+          <a:p>
+            <a:pPr marL="0" indent="0">
+              <a:buNone/>
+            </a:pPr>
+            <a:endParaRPr lang="it-IT" dirty="0"/>
+          </a:p>
+        </p:txBody>
+      </p:sp>
+      <p:pic>
+        <p:nvPicPr>
+          <p:cNvPr id="4" name="Immagine 3">
+            <a:extLst>
+              <a:ext uri="{FF2B5EF4-FFF2-40B4-BE49-F238E27FC236}">
+                <a16:creationId xmlns:a16="http://schemas.microsoft.com/office/drawing/2014/main" id="{BAFD67B9-B818-44B7-8B3A-C360ED6046B2}"/>
+              </a:ext>
+            </a:extLst>
+          </p:cNvPr>
+          <p:cNvPicPr>
+            <a:picLocks noChangeAspect="1"/>
+          </p:cNvPicPr>
+          <p:nvPr/>
+        </p:nvPicPr>
+        <p:blipFill>
+          <a:blip r:embed="rId2"/>
+          <a:stretch>
+            <a:fillRect/>
+          </a:stretch>
+        </p:blipFill>
+        <p:spPr>
+          <a:xfrm>
+            <a:off x="1806820" y="4001293"/>
+            <a:ext cx="9509436" cy="1808663"/>
+          </a:xfrm>
+          <a:prstGeom prst="rect">
+            <a:avLst/>
+          </a:prstGeom>
+        </p:spPr>
+      </p:pic>
+      <p:sp>
+        <p:nvSpPr>
+          <p:cNvPr id="6" name="CasellaDiTesto 5">
+            <a:extLst>
+              <a:ext uri="{FF2B5EF4-FFF2-40B4-BE49-F238E27FC236}">
+                <a16:creationId xmlns:a16="http://schemas.microsoft.com/office/drawing/2014/main" id="{2BBE4D40-12BA-4FC3-A3A1-A4DAB3724DE3}"/>
+              </a:ext>
+            </a:extLst>
+          </p:cNvPr>
+          <p:cNvSpPr txBox="1"/>
+          <p:nvPr/>
+        </p:nvSpPr>
+        <p:spPr>
+          <a:xfrm>
+            <a:off x="8975187" y="3866356"/>
+            <a:ext cx="942536" cy="461665"/>
+          </a:xfrm>
+          <a:prstGeom prst="rect">
+            <a:avLst/>
+          </a:prstGeom>
+          <a:noFill/>
+        </p:spPr>
+        <p:txBody>
+          <a:bodyPr wrap="square" rtlCol="0">
+            <a:spAutoFit/>
+          </a:bodyPr>
+          <a:lstStyle/>
+          <a:p>
+            <a:r>
+              <a:rPr lang="it-IT" sz="2400" b="1" dirty="0">
+                <a:solidFill>
+                  <a:srgbClr val="FF0000"/>
+                </a:solidFill>
+              </a:rPr>
+              <a:t>CAKE</a:t>
+            </a:r>
+          </a:p>
+        </p:txBody>
+      </p:sp>
+      <p:sp>
+        <p:nvSpPr>
+          <p:cNvPr id="7" name="CasellaDiTesto 6">
+            <a:extLst>
+              <a:ext uri="{FF2B5EF4-FFF2-40B4-BE49-F238E27FC236}">
+                <a16:creationId xmlns:a16="http://schemas.microsoft.com/office/drawing/2014/main" id="{D52A4FFE-C63C-42F3-B2EF-BD578E08BAC1}"/>
+              </a:ext>
+            </a:extLst>
+          </p:cNvPr>
+          <p:cNvSpPr txBox="1"/>
+          <p:nvPr/>
+        </p:nvSpPr>
+        <p:spPr>
+          <a:xfrm>
+            <a:off x="10058400" y="4905624"/>
+            <a:ext cx="1903085" cy="461665"/>
+          </a:xfrm>
+          <a:prstGeom prst="rect">
+            <a:avLst/>
+          </a:prstGeom>
+          <a:noFill/>
+        </p:spPr>
+        <p:txBody>
+          <a:bodyPr wrap="none" rtlCol="0">
+            <a:spAutoFit/>
+          </a:bodyPr>
+          <a:lstStyle/>
+          <a:p>
+            <a:r>
+              <a:rPr lang="it-IT" sz="2400" b="1" dirty="0">
+                <a:solidFill>
+                  <a:srgbClr val="FF0000"/>
+                </a:solidFill>
+              </a:rPr>
+              <a:t>MOUSE TRAP</a:t>
+            </a:r>
+            <a:endParaRPr lang="it-IT" sz="2400" dirty="0"/>
+          </a:p>
+        </p:txBody>
+      </p:sp>
+      <p:sp>
+        <p:nvSpPr>
+          <p:cNvPr id="8" name="Ovale 7">
+            <a:extLst>
+              <a:ext uri="{FF2B5EF4-FFF2-40B4-BE49-F238E27FC236}">
+                <a16:creationId xmlns:a16="http://schemas.microsoft.com/office/drawing/2014/main" id="{A93D9F83-D78A-4396-A865-B404B02C08E0}"/>
+              </a:ext>
+            </a:extLst>
+          </p:cNvPr>
+          <p:cNvSpPr/>
+          <p:nvPr/>
+        </p:nvSpPr>
+        <p:spPr>
+          <a:xfrm>
+            <a:off x="8257735" y="4097188"/>
+            <a:ext cx="492370" cy="461665"/>
+          </a:xfrm>
+          <a:prstGeom prst="ellipse">
+            <a:avLst/>
+          </a:prstGeom>
+          <a:noFill/>
+          <a:ln w="57150">
+            <a:solidFill>
+              <a:srgbClr val="FFC000"/>
+            </a:solidFill>
+          </a:ln>
+        </p:spPr>
+        <p:style>
+          <a:lnRef idx="2">
+            <a:schemeClr val="accent1">
+              <a:shade val="50000"/>
+            </a:schemeClr>
+          </a:lnRef>
+          <a:fillRef idx="1">
+            <a:schemeClr val="accent1"/>
+          </a:fillRef>
+          <a:effectRef idx="0">
+            <a:schemeClr val="accent1"/>
+          </a:effectRef>
+          <a:fontRef idx="minor">
+            <a:schemeClr val="lt1"/>
+          </a:fontRef>
+        </p:style>
+        <p:txBody>
+          <a:bodyPr rtlCol="0" anchor="ctr"/>
+          <a:lstStyle/>
+          <a:p>
+            <a:pPr algn="ctr"/>
+            <a:endParaRPr lang="it-IT"/>
+          </a:p>
+        </p:txBody>
+      </p:sp>
+      <p:pic>
+        <p:nvPicPr>
+          <p:cNvPr id="9" name="Immagine 8">
+            <a:extLst>
+              <a:ext uri="{FF2B5EF4-FFF2-40B4-BE49-F238E27FC236}">
+                <a16:creationId xmlns:a16="http://schemas.microsoft.com/office/drawing/2014/main" id="{8AC4684A-4D9F-467A-BA7D-9F01323F75F7}"/>
+              </a:ext>
+            </a:extLst>
+          </p:cNvPr>
+          <p:cNvPicPr>
+            <a:picLocks noChangeAspect="1"/>
+          </p:cNvPicPr>
+          <p:nvPr/>
+        </p:nvPicPr>
+        <p:blipFill>
+          <a:blip r:embed="rId3"/>
+          <a:stretch>
+            <a:fillRect/>
+          </a:stretch>
+        </p:blipFill>
+        <p:spPr>
+          <a:xfrm>
+            <a:off x="6561538" y="681037"/>
+            <a:ext cx="1804548" cy="1912512"/>
+          </a:xfrm>
+          <a:prstGeom prst="rect">
+            <a:avLst/>
+          </a:prstGeom>
+        </p:spPr>
+      </p:pic>
+      <p:sp>
+        <p:nvSpPr>
+          <p:cNvPr id="10" name="Ovale 9">
+            <a:extLst>
+              <a:ext uri="{FF2B5EF4-FFF2-40B4-BE49-F238E27FC236}">
+                <a16:creationId xmlns:a16="http://schemas.microsoft.com/office/drawing/2014/main" id="{D7467641-ECF0-4D1D-911A-6CB89195E86C}"/>
+              </a:ext>
+            </a:extLst>
+          </p:cNvPr>
+          <p:cNvSpPr/>
+          <p:nvPr/>
+        </p:nvSpPr>
+        <p:spPr>
+          <a:xfrm>
+            <a:off x="6963509" y="2006600"/>
+            <a:ext cx="168812" cy="165564"/>
+          </a:xfrm>
+          <a:prstGeom prst="ellipse">
+            <a:avLst/>
+          </a:prstGeom>
+          <a:solidFill>
+            <a:srgbClr val="FFC000"/>
+          </a:solidFill>
+          <a:ln>
+            <a:solidFill>
+              <a:srgbClr val="FF0000"/>
+            </a:solidFill>
+          </a:ln>
+        </p:spPr>
+        <p:style>
+          <a:lnRef idx="2">
+            <a:schemeClr val="accent1">
+              <a:shade val="50000"/>
+            </a:schemeClr>
+          </a:lnRef>
+          <a:fillRef idx="1">
+            <a:schemeClr val="accent1"/>
+          </a:fillRef>
+          <a:effectRef idx="0">
+            <a:schemeClr val="accent1"/>
+          </a:effectRef>
+          <a:fontRef idx="minor">
+            <a:schemeClr val="lt1"/>
+          </a:fontRef>
+        </p:style>
+        <p:txBody>
+          <a:bodyPr rtlCol="0" anchor="ctr"/>
+          <a:lstStyle/>
+          <a:p>
+            <a:pPr algn="ctr"/>
+            <a:endParaRPr lang="it-IT"/>
+          </a:p>
+        </p:txBody>
+      </p:sp>
+      <p:cxnSp>
+        <p:nvCxnSpPr>
+          <p:cNvPr id="12" name="Connettore 2 11">
+            <a:extLst>
+              <a:ext uri="{FF2B5EF4-FFF2-40B4-BE49-F238E27FC236}">
+                <a16:creationId xmlns:a16="http://schemas.microsoft.com/office/drawing/2014/main" id="{8AC44EFD-83E7-4AE5-BF61-DD202DE651FA}"/>
+              </a:ext>
+            </a:extLst>
+          </p:cNvPr>
+          <p:cNvCxnSpPr>
+            <a:stCxn id="10" idx="7"/>
+          </p:cNvCxnSpPr>
+          <p:nvPr/>
+        </p:nvCxnSpPr>
+        <p:spPr>
+          <a:xfrm>
+            <a:off x="7107599" y="2030846"/>
+            <a:ext cx="2345890" cy="248120"/>
+          </a:xfrm>
+          <a:prstGeom prst="straightConnector1">
+            <a:avLst/>
+          </a:prstGeom>
+          <a:ln w="57150">
+            <a:solidFill>
+              <a:srgbClr val="FF0000"/>
+            </a:solidFill>
+            <a:tailEnd type="triangle"/>
+          </a:ln>
+        </p:spPr>
+        <p:style>
+          <a:lnRef idx="1">
+            <a:schemeClr val="accent1"/>
+          </a:lnRef>
+          <a:fillRef idx="0">
+            <a:schemeClr val="accent1"/>
+          </a:fillRef>
+          <a:effectRef idx="0">
+            <a:schemeClr val="accent1"/>
+          </a:effectRef>
+          <a:fontRef idx="minor">
+            <a:schemeClr val="tx1"/>
+          </a:fontRef>
+        </p:style>
+      </p:cxnSp>
+      <p:sp>
+        <p:nvSpPr>
+          <p:cNvPr id="13" name="CasellaDiTesto 12">
+            <a:extLst>
+              <a:ext uri="{FF2B5EF4-FFF2-40B4-BE49-F238E27FC236}">
+                <a16:creationId xmlns:a16="http://schemas.microsoft.com/office/drawing/2014/main" id="{D968B288-D19F-4360-AE63-642B70521ACB}"/>
+              </a:ext>
+            </a:extLst>
+          </p:cNvPr>
+          <p:cNvSpPr txBox="1"/>
+          <p:nvPr/>
+        </p:nvSpPr>
+        <p:spPr>
+          <a:xfrm>
+            <a:off x="9453489" y="2044571"/>
+            <a:ext cx="1178400" cy="369332"/>
+          </a:xfrm>
+          <a:prstGeom prst="rect">
+            <a:avLst/>
+          </a:prstGeom>
+          <a:noFill/>
+        </p:spPr>
+        <p:txBody>
+          <a:bodyPr wrap="none" rtlCol="0">
+            <a:spAutoFit/>
+          </a:bodyPr>
+          <a:lstStyle/>
+          <a:p>
+            <a:r>
+              <a:rPr lang="it-IT" dirty="0"/>
+              <a:t>Start point</a:t>
+            </a:r>
+          </a:p>
+        </p:txBody>
+      </p:sp>
+    </p:spTree>
+    <p:extLst>
+      <p:ext uri="{BB962C8B-B14F-4D97-AF65-F5344CB8AC3E}">
+        <p14:creationId xmlns:p14="http://schemas.microsoft.com/office/powerpoint/2010/main" val="1639297688"/>
+      </p:ext>
+    </p:extLst>
+  </p:cSld>
+  <p:clrMapOvr>
+    <a:masterClrMapping/>
+  </p:clrMapOvr>
+</p:sld>
+</file>
+
+<file path=ppt/slides/slide9.xml><?xml version="1.0" encoding="utf-8"?>
+<p:sld xmlns:a="http://schemas.openxmlformats.org/drawingml/2006/main" xmlns:r="http://schemas.openxmlformats.org/officeDocument/2006/relationships" xmlns:p="http://schemas.openxmlformats.org/presentationml/2006/main">
+  <p:cSld>
+    <p:spTree>
+      <p:nvGrpSpPr>
+        <p:cNvPr id="1" name=""/>
+        <p:cNvGrpSpPr/>
+        <p:nvPr/>
+      </p:nvGrpSpPr>
+      <p:grpSpPr>
+        <a:xfrm>
+          <a:off x="0" y="0"/>
+          <a:ext cx="0" cy="0"/>
+          <a:chOff x="0" y="0"/>
+          <a:chExt cx="0" cy="0"/>
+        </a:xfrm>
+      </p:grpSpPr>
+      <p:sp>
+        <p:nvSpPr>
+          <p:cNvPr id="3" name="Segnaposto contenuto 2">
+            <a:extLst>
+              <a:ext uri="{FF2B5EF4-FFF2-40B4-BE49-F238E27FC236}">
+                <a16:creationId xmlns:a16="http://schemas.microsoft.com/office/drawing/2014/main" id="{5684799D-8E84-4A6B-A8EB-386742D825DC}"/>
+              </a:ext>
+            </a:extLst>
+          </p:cNvPr>
+          <p:cNvSpPr>
+            <a:spLocks noGrp="1"/>
+          </p:cNvSpPr>
+          <p:nvPr>
+            <p:ph idx="1"/>
+          </p:nvPr>
+        </p:nvSpPr>
+        <p:spPr>
+          <a:xfrm>
+            <a:off x="719797" y="621872"/>
+            <a:ext cx="10515600" cy="5614255"/>
+          </a:xfrm>
+        </p:spPr>
+        <p:txBody>
+          <a:bodyPr>
+            <a:normAutofit fontScale="92500" lnSpcReduction="10000"/>
+          </a:bodyPr>
+          <a:lstStyle/>
+          <a:p>
+            <a:r>
+              <a:rPr lang="it-IT" dirty="0" err="1"/>
+              <a:t>Yet</a:t>
+            </a:r>
+            <a:r>
+              <a:rPr lang="it-IT" dirty="0"/>
+              <a:t> with the simple </a:t>
+            </a:r>
+            <a:r>
+              <a:rPr lang="it-IT" dirty="0" err="1"/>
+              <a:t>environment</a:t>
+            </a:r>
+            <a:r>
+              <a:rPr lang="it-IT" dirty="0"/>
+              <a:t> at the end of </a:t>
+            </a:r>
+            <a:r>
+              <a:rPr lang="it-IT" dirty="0" err="1"/>
+              <a:t>all</a:t>
+            </a:r>
+            <a:r>
+              <a:rPr lang="it-IT" dirty="0"/>
+              <a:t> </a:t>
+            </a:r>
+            <a:r>
+              <a:rPr lang="it-IT" dirty="0" err="1"/>
+              <a:t>episodes</a:t>
+            </a:r>
+            <a:endParaRPr lang="it-IT" dirty="0"/>
+          </a:p>
+          <a:p>
+            <a:endParaRPr lang="it-IT" dirty="0"/>
+          </a:p>
+          <a:p>
+            <a:endParaRPr lang="it-IT" dirty="0"/>
+          </a:p>
+          <a:p>
+            <a:endParaRPr lang="it-IT" dirty="0"/>
+          </a:p>
+          <a:p>
+            <a:endParaRPr lang="it-IT" dirty="0"/>
+          </a:p>
+          <a:p>
+            <a:endParaRPr lang="it-IT" dirty="0"/>
+          </a:p>
+          <a:p>
+            <a:endParaRPr lang="it-IT" dirty="0"/>
+          </a:p>
+          <a:p>
+            <a:endParaRPr lang="it-IT" dirty="0"/>
+          </a:p>
+          <a:p>
+            <a:endParaRPr lang="it-IT" dirty="0"/>
+          </a:p>
+          <a:p>
+            <a:endParaRPr lang="it-IT" dirty="0"/>
+          </a:p>
+          <a:p>
+            <a:pPr marL="0" indent="0">
+              <a:buNone/>
+            </a:pPr>
+            <a:endParaRPr lang="it-IT" dirty="0"/>
+          </a:p>
+          <a:p>
+            <a:pPr marL="0" indent="0">
+              <a:buNone/>
+            </a:pPr>
+            <a:r>
+              <a:rPr lang="it-IT" dirty="0"/>
+              <a:t>	The </a:t>
+            </a:r>
+            <a:r>
+              <a:rPr lang="it-IT" dirty="0" err="1"/>
+              <a:t>estimates</a:t>
+            </a:r>
+            <a:r>
+              <a:rPr lang="it-IT" dirty="0"/>
+              <a:t> </a:t>
+            </a:r>
+            <a:r>
+              <a:rPr lang="it-IT" dirty="0" err="1"/>
+              <a:t>value</a:t>
+            </a:r>
+            <a:r>
+              <a:rPr lang="it-IT" dirty="0"/>
+              <a:t> propagate back from the state </a:t>
+            </a:r>
+            <a:r>
+              <a:rPr lang="it-IT" dirty="0" err="1"/>
+              <a:t>near</a:t>
+            </a:r>
+            <a:r>
+              <a:rPr lang="it-IT" dirty="0"/>
+              <a:t> the cake to 	the start point.</a:t>
+            </a:r>
+          </a:p>
+          <a:p>
+            <a:pPr marL="0" indent="0">
+              <a:buNone/>
+            </a:pPr>
+            <a:endParaRPr lang="it-IT" dirty="0"/>
+          </a:p>
+        </p:txBody>
+      </p:sp>
+      <p:pic>
+        <p:nvPicPr>
+          <p:cNvPr id="12" name="Immagine 11">
+            <a:extLst>
+              <a:ext uri="{FF2B5EF4-FFF2-40B4-BE49-F238E27FC236}">
+                <a16:creationId xmlns:a16="http://schemas.microsoft.com/office/drawing/2014/main" id="{B502B3A2-BD17-47B6-B109-24D30940ACFC}"/>
+              </a:ext>
+            </a:extLst>
+          </p:cNvPr>
+          <p:cNvPicPr>
+            <a:picLocks noChangeAspect="1"/>
+          </p:cNvPicPr>
+          <p:nvPr/>
+        </p:nvPicPr>
+        <p:blipFill>
+          <a:blip r:embed="rId2"/>
+          <a:stretch>
+            <a:fillRect/>
+          </a:stretch>
+        </p:blipFill>
+        <p:spPr>
+          <a:xfrm>
+            <a:off x="1225445" y="1044525"/>
+            <a:ext cx="10358621" cy="4315266"/>
+          </a:xfrm>
+          <a:prstGeom prst="rect">
+            <a:avLst/>
+          </a:prstGeom>
+        </p:spPr>
+      </p:pic>
+      <p:cxnSp>
+        <p:nvCxnSpPr>
+          <p:cNvPr id="8" name="Connettore a gomito 7">
+            <a:extLst>
+              <a:ext uri="{FF2B5EF4-FFF2-40B4-BE49-F238E27FC236}">
+                <a16:creationId xmlns:a16="http://schemas.microsoft.com/office/drawing/2014/main" id="{25EDBC42-CA2C-4436-B1BE-4C8CB19ABF1C}"/>
+              </a:ext>
+            </a:extLst>
+          </p:cNvPr>
+          <p:cNvCxnSpPr>
+            <a:cxnSpLocks/>
+          </p:cNvCxnSpPr>
+          <p:nvPr/>
+        </p:nvCxnSpPr>
+        <p:spPr>
+          <a:xfrm flipV="1">
+            <a:off x="829993" y="4290647"/>
+            <a:ext cx="8173330" cy="1181685"/>
+          </a:xfrm>
+          <a:prstGeom prst="bentConnector3">
+            <a:avLst>
+              <a:gd name="adj1" fmla="val 8003"/>
+            </a:avLst>
+          </a:prstGeom>
+          <a:ln w="76200">
+            <a:solidFill>
+              <a:srgbClr val="FFC000"/>
+            </a:solidFill>
+            <a:tailEnd type="triangle"/>
+          </a:ln>
+        </p:spPr>
+        <p:style>
+          <a:lnRef idx="1">
+            <a:schemeClr val="accent1"/>
+          </a:lnRef>
+          <a:fillRef idx="0">
+            <a:schemeClr val="accent1"/>
+          </a:fillRef>
+          <a:effectRef idx="0">
+            <a:schemeClr val="accent1"/>
+          </a:effectRef>
+          <a:fontRef idx="minor">
+            <a:schemeClr val="tx1"/>
+          </a:fontRef>
+        </p:style>
+      </p:cxnSp>
+    </p:spTree>
+    <p:extLst>
+      <p:ext uri="{BB962C8B-B14F-4D97-AF65-F5344CB8AC3E}">
+        <p14:creationId xmlns:p14="http://schemas.microsoft.com/office/powerpoint/2010/main" val="321259936"/>
       </p:ext>
     </p:extLst>
   </p:cSld>

--- a/Presentation/SDU_SummerSchool_Presentation.pptx
+++ b/Presentation/SDU_SummerSchool_Presentation.pptx
@@ -271,7 +271,7 @@
           <a:p>
             <a:fld id="{8173B6D1-B9A7-4F74-ADCF-EF56F696349F}" type="datetimeFigureOut">
               <a:rPr lang="it-IT" smtClean="0"/>
-              <a:t>08/08/2019</a:t>
+              <a:t>08/08/19</a:t>
             </a:fld>
             <a:endParaRPr lang="it-IT"/>
           </a:p>
@@ -325,7 +325,7 @@
           <a:p>
             <a:fld id="{37521F19-B39A-4CF3-8059-E7EF6E631AA0}" type="slidenum">
               <a:rPr lang="it-IT" smtClean="0"/>
-              <a:t>‹N›</a:t>
+              <a:t>‹#›</a:t>
             </a:fld>
             <a:endParaRPr lang="it-IT"/>
           </a:p>
@@ -469,7 +469,7 @@
           <a:p>
             <a:fld id="{8173B6D1-B9A7-4F74-ADCF-EF56F696349F}" type="datetimeFigureOut">
               <a:rPr lang="it-IT" smtClean="0"/>
-              <a:t>08/08/2019</a:t>
+              <a:t>08/08/19</a:t>
             </a:fld>
             <a:endParaRPr lang="it-IT"/>
           </a:p>
@@ -523,7 +523,7 @@
           <a:p>
             <a:fld id="{37521F19-B39A-4CF3-8059-E7EF6E631AA0}" type="slidenum">
               <a:rPr lang="it-IT" smtClean="0"/>
-              <a:t>‹N›</a:t>
+              <a:t>‹#›</a:t>
             </a:fld>
             <a:endParaRPr lang="it-IT"/>
           </a:p>
@@ -677,7 +677,7 @@
           <a:p>
             <a:fld id="{8173B6D1-B9A7-4F74-ADCF-EF56F696349F}" type="datetimeFigureOut">
               <a:rPr lang="it-IT" smtClean="0"/>
-              <a:t>08/08/2019</a:t>
+              <a:t>08/08/19</a:t>
             </a:fld>
             <a:endParaRPr lang="it-IT"/>
           </a:p>
@@ -731,7 +731,7 @@
           <a:p>
             <a:fld id="{37521F19-B39A-4CF3-8059-E7EF6E631AA0}" type="slidenum">
               <a:rPr lang="it-IT" smtClean="0"/>
-              <a:t>‹N›</a:t>
+              <a:t>‹#›</a:t>
             </a:fld>
             <a:endParaRPr lang="it-IT"/>
           </a:p>
@@ -875,7 +875,7 @@
           <a:p>
             <a:fld id="{8173B6D1-B9A7-4F74-ADCF-EF56F696349F}" type="datetimeFigureOut">
               <a:rPr lang="it-IT" smtClean="0"/>
-              <a:t>08/08/2019</a:t>
+              <a:t>08/08/19</a:t>
             </a:fld>
             <a:endParaRPr lang="it-IT"/>
           </a:p>
@@ -929,7 +929,7 @@
           <a:p>
             <a:fld id="{37521F19-B39A-4CF3-8059-E7EF6E631AA0}" type="slidenum">
               <a:rPr lang="it-IT" smtClean="0"/>
-              <a:t>‹N›</a:t>
+              <a:t>‹#›</a:t>
             </a:fld>
             <a:endParaRPr lang="it-IT"/>
           </a:p>
@@ -1150,7 +1150,7 @@
           <a:p>
             <a:fld id="{8173B6D1-B9A7-4F74-ADCF-EF56F696349F}" type="datetimeFigureOut">
               <a:rPr lang="it-IT" smtClean="0"/>
-              <a:t>08/08/2019</a:t>
+              <a:t>08/08/19</a:t>
             </a:fld>
             <a:endParaRPr lang="it-IT"/>
           </a:p>
@@ -1204,7 +1204,7 @@
           <a:p>
             <a:fld id="{37521F19-B39A-4CF3-8059-E7EF6E631AA0}" type="slidenum">
               <a:rPr lang="it-IT" smtClean="0"/>
-              <a:t>‹N›</a:t>
+              <a:t>‹#›</a:t>
             </a:fld>
             <a:endParaRPr lang="it-IT"/>
           </a:p>
@@ -1415,7 +1415,7 @@
           <a:p>
             <a:fld id="{8173B6D1-B9A7-4F74-ADCF-EF56F696349F}" type="datetimeFigureOut">
               <a:rPr lang="it-IT" smtClean="0"/>
-              <a:t>08/08/2019</a:t>
+              <a:t>08/08/19</a:t>
             </a:fld>
             <a:endParaRPr lang="it-IT"/>
           </a:p>
@@ -1469,7 +1469,7 @@
           <a:p>
             <a:fld id="{37521F19-B39A-4CF3-8059-E7EF6E631AA0}" type="slidenum">
               <a:rPr lang="it-IT" smtClean="0"/>
-              <a:t>‹N›</a:t>
+              <a:t>‹#›</a:t>
             </a:fld>
             <a:endParaRPr lang="it-IT"/>
           </a:p>
@@ -1827,7 +1827,7 @@
           <a:p>
             <a:fld id="{8173B6D1-B9A7-4F74-ADCF-EF56F696349F}" type="datetimeFigureOut">
               <a:rPr lang="it-IT" smtClean="0"/>
-              <a:t>08/08/2019</a:t>
+              <a:t>08/08/19</a:t>
             </a:fld>
             <a:endParaRPr lang="it-IT"/>
           </a:p>
@@ -1881,7 +1881,7 @@
           <a:p>
             <a:fld id="{37521F19-B39A-4CF3-8059-E7EF6E631AA0}" type="slidenum">
               <a:rPr lang="it-IT" smtClean="0"/>
-              <a:t>‹N›</a:t>
+              <a:t>‹#›</a:t>
             </a:fld>
             <a:endParaRPr lang="it-IT"/>
           </a:p>
@@ -1968,7 +1968,7 @@
           <a:p>
             <a:fld id="{8173B6D1-B9A7-4F74-ADCF-EF56F696349F}" type="datetimeFigureOut">
               <a:rPr lang="it-IT" smtClean="0"/>
-              <a:t>08/08/2019</a:t>
+              <a:t>08/08/19</a:t>
             </a:fld>
             <a:endParaRPr lang="it-IT"/>
           </a:p>
@@ -2022,7 +2022,7 @@
           <a:p>
             <a:fld id="{37521F19-B39A-4CF3-8059-E7EF6E631AA0}" type="slidenum">
               <a:rPr lang="it-IT" smtClean="0"/>
-              <a:t>‹N›</a:t>
+              <a:t>‹#›</a:t>
             </a:fld>
             <a:endParaRPr lang="it-IT"/>
           </a:p>
@@ -2081,7 +2081,7 @@
           <a:p>
             <a:fld id="{8173B6D1-B9A7-4F74-ADCF-EF56F696349F}" type="datetimeFigureOut">
               <a:rPr lang="it-IT" smtClean="0"/>
-              <a:t>08/08/2019</a:t>
+              <a:t>08/08/19</a:t>
             </a:fld>
             <a:endParaRPr lang="it-IT"/>
           </a:p>
@@ -2135,7 +2135,7 @@
           <a:p>
             <a:fld id="{37521F19-B39A-4CF3-8059-E7EF6E631AA0}" type="slidenum">
               <a:rPr lang="it-IT" smtClean="0"/>
-              <a:t>‹N›</a:t>
+              <a:t>‹#›</a:t>
             </a:fld>
             <a:endParaRPr lang="it-IT"/>
           </a:p>
@@ -2392,7 +2392,7 @@
           <a:p>
             <a:fld id="{8173B6D1-B9A7-4F74-ADCF-EF56F696349F}" type="datetimeFigureOut">
               <a:rPr lang="it-IT" smtClean="0"/>
-              <a:t>08/08/2019</a:t>
+              <a:t>08/08/19</a:t>
             </a:fld>
             <a:endParaRPr lang="it-IT"/>
           </a:p>
@@ -2446,7 +2446,7 @@
           <a:p>
             <a:fld id="{37521F19-B39A-4CF3-8059-E7EF6E631AA0}" type="slidenum">
               <a:rPr lang="it-IT" smtClean="0"/>
-              <a:t>‹N›</a:t>
+              <a:t>‹#›</a:t>
             </a:fld>
             <a:endParaRPr lang="it-IT"/>
           </a:p>
@@ -2680,7 +2680,7 @@
           <a:p>
             <a:fld id="{8173B6D1-B9A7-4F74-ADCF-EF56F696349F}" type="datetimeFigureOut">
               <a:rPr lang="it-IT" smtClean="0"/>
-              <a:t>08/08/2019</a:t>
+              <a:t>08/08/19</a:t>
             </a:fld>
             <a:endParaRPr lang="it-IT"/>
           </a:p>
@@ -2734,7 +2734,7 @@
           <a:p>
             <a:fld id="{37521F19-B39A-4CF3-8059-E7EF6E631AA0}" type="slidenum">
               <a:rPr lang="it-IT" smtClean="0"/>
-              <a:t>‹N›</a:t>
+              <a:t>‹#›</a:t>
             </a:fld>
             <a:endParaRPr lang="it-IT"/>
           </a:p>
@@ -2921,7 +2921,7 @@
           <a:p>
             <a:fld id="{8173B6D1-B9A7-4F74-ADCF-EF56F696349F}" type="datetimeFigureOut">
               <a:rPr lang="it-IT" smtClean="0"/>
-              <a:t>08/08/2019</a:t>
+              <a:t>08/08/19</a:t>
             </a:fld>
             <a:endParaRPr lang="it-IT"/>
           </a:p>
@@ -3011,7 +3011,7 @@
           <a:p>
             <a:fld id="{37521F19-B39A-4CF3-8059-E7EF6E631AA0}" type="slidenum">
               <a:rPr lang="it-IT" smtClean="0"/>
-              <a:t>‹N›</a:t>
+              <a:t>‹#›</a:t>
             </a:fld>
             <a:endParaRPr lang="it-IT"/>
           </a:p>
@@ -4820,6 +4820,43 @@
           <a:chExt cx="0" cy="0"/>
         </a:xfrm>
       </p:grpSpPr>
+      <p:pic>
+        <p:nvPicPr>
+          <p:cNvPr id="14" name="Picture 13">
+            <a:extLst>
+              <a:ext uri="{FF2B5EF4-FFF2-40B4-BE49-F238E27FC236}">
+                <a16:creationId xmlns:a16="http://schemas.microsoft.com/office/drawing/2014/main" id="{EDBA63DC-2BD3-894B-AA56-258568C68045}"/>
+              </a:ext>
+            </a:extLst>
+          </p:cNvPr>
+          <p:cNvPicPr>
+            <a:picLocks noChangeAspect="1"/>
+          </p:cNvPicPr>
+          <p:nvPr/>
+        </p:nvPicPr>
+        <p:blipFill>
+          <a:blip r:embed="rId2">
+            <a:alphaModFix amt="15000"/>
+            <a:extLst>
+              <a:ext uri="{28A0092B-C50C-407E-A947-70E740481C1C}">
+                <a14:useLocalDpi xmlns:a14="http://schemas.microsoft.com/office/drawing/2010/main" val="0"/>
+              </a:ext>
+            </a:extLst>
+          </a:blip>
+          <a:stretch>
+            <a:fillRect/>
+          </a:stretch>
+        </p:blipFill>
+        <p:spPr>
+          <a:xfrm>
+            <a:off x="4414469" y="-135467"/>
+            <a:ext cx="7494796" cy="6858000"/>
+          </a:xfrm>
+          <a:prstGeom prst="rect">
+            <a:avLst/>
+          </a:prstGeom>
+        </p:spPr>
+      </p:pic>
       <p:sp>
         <p:nvSpPr>
           <p:cNvPr id="2" name="Titolo 1">
@@ -4836,12 +4873,24 @@
             <p:ph type="title"/>
           </p:nvPr>
         </p:nvSpPr>
-        <p:spPr/>
+        <p:spPr>
+          <a:xfrm>
+            <a:off x="838200" y="365125"/>
+            <a:ext cx="10515600" cy="1325563"/>
+          </a:xfrm>
+        </p:spPr>
         <p:txBody>
           <a:bodyPr/>
           <a:lstStyle/>
           <a:p>
-            <a:endParaRPr lang="it-IT"/>
+            <a:r>
+              <a:rPr lang="it-IT" dirty="0" err="1"/>
+              <a:t>Experimental</a:t>
+            </a:r>
+            <a:r>
+              <a:rPr lang="it-IT" dirty="0"/>
+              <a:t> Setup</a:t>
+            </a:r>
           </a:p>
         </p:txBody>
       </p:sp>
@@ -4861,15 +4910,181 @@
             <p:ph idx="1"/>
           </p:nvPr>
         </p:nvSpPr>
-        <p:spPr/>
+        <p:spPr>
+          <a:xfrm>
+            <a:off x="838200" y="1825625"/>
+            <a:ext cx="10515600" cy="4351338"/>
+          </a:xfrm>
+        </p:spPr>
         <p:txBody>
           <a:bodyPr/>
           <a:lstStyle/>
           <a:p>
-            <a:endParaRPr lang="it-IT"/>
-          </a:p>
-        </p:txBody>
-      </p:sp>
+            <a:r>
+              <a:rPr lang="it-IT" dirty="0"/>
+              <a:t>RNG </a:t>
+            </a:r>
+            <a:r>
+              <a:rPr lang="it-IT" dirty="0" err="1"/>
+              <a:t>seed</a:t>
+            </a:r>
+            <a:r>
+              <a:rPr lang="it-IT" dirty="0"/>
+              <a:t> </a:t>
+            </a:r>
+            <a:r>
+              <a:rPr lang="it-IT" dirty="0" err="1"/>
+              <a:t>fixed</a:t>
+            </a:r>
+            <a:r>
+              <a:rPr lang="it-IT" dirty="0"/>
+              <a:t> </a:t>
+            </a:r>
+            <a:r>
+              <a:rPr lang="it-IT" dirty="0" err="1"/>
+              <a:t>at</a:t>
+            </a:r>
+            <a:r>
+              <a:rPr lang="it-IT" dirty="0"/>
+              <a:t> 420 for </a:t>
+            </a:r>
+            <a:r>
+              <a:rPr lang="it-IT" dirty="0" err="1"/>
+              <a:t>all</a:t>
+            </a:r>
+            <a:r>
+              <a:rPr lang="it-IT" dirty="0"/>
+              <a:t> </a:t>
+            </a:r>
+            <a:r>
+              <a:rPr lang="it-IT" dirty="0" err="1"/>
+              <a:t>runs</a:t>
+            </a:r>
+            <a:r>
+              <a:rPr lang="it-IT" dirty="0"/>
+              <a:t> </a:t>
+            </a:r>
+          </a:p>
+          <a:p>
+            <a:r>
+              <a:rPr lang="it-IT" dirty="0" err="1"/>
+              <a:t>Size</a:t>
+            </a:r>
+            <a:r>
+              <a:rPr lang="it-IT" dirty="0"/>
+              <a:t> of </a:t>
+            </a:r>
+            <a:r>
+              <a:rPr lang="it-IT" dirty="0" err="1"/>
+              <a:t>bandit</a:t>
+            </a:r>
+            <a:r>
+              <a:rPr lang="it-IT" dirty="0"/>
+              <a:t> </a:t>
+            </a:r>
+            <a:r>
+              <a:rPr lang="it-IT" dirty="0" err="1"/>
+              <a:t>reward</a:t>
+            </a:r>
+            <a:r>
+              <a:rPr lang="it-IT" dirty="0"/>
+              <a:t> </a:t>
+            </a:r>
+            <a:r>
+              <a:rPr lang="it-IT" dirty="0" err="1"/>
+              <a:t>interval</a:t>
+            </a:r>
+            <a:r>
+              <a:rPr lang="it-IT" dirty="0"/>
+              <a:t> </a:t>
+            </a:r>
+            <a:r>
+              <a:rPr lang="it-IT" dirty="0" err="1"/>
+              <a:t>fixed</a:t>
+            </a:r>
+            <a:r>
+              <a:rPr lang="it-IT" dirty="0"/>
+              <a:t> </a:t>
+            </a:r>
+            <a:r>
+              <a:rPr lang="it-IT" dirty="0" err="1"/>
+              <a:t>at</a:t>
+            </a:r>
+            <a:r>
+              <a:rPr lang="it-IT" dirty="0"/>
+              <a:t> 8</a:t>
+            </a:r>
+          </a:p>
+          <a:p>
+            <a:r>
+              <a:rPr lang="it-IT" dirty="0" err="1"/>
+              <a:t>Interval</a:t>
+            </a:r>
+            <a:r>
+              <a:rPr lang="it-IT" dirty="0"/>
+              <a:t> </a:t>
+            </a:r>
+            <a:r>
+              <a:rPr lang="it-IT" dirty="0" err="1"/>
+              <a:t>mean</a:t>
+            </a:r>
+            <a:r>
+              <a:rPr lang="it-IT" dirty="0"/>
+              <a:t> </a:t>
+            </a:r>
+            <a:r>
+              <a:rPr lang="it-IT" dirty="0" err="1"/>
+              <a:t>ranging</a:t>
+            </a:r>
+            <a:r>
+              <a:rPr lang="it-IT" dirty="0"/>
+              <a:t> from 0-5</a:t>
+            </a:r>
+          </a:p>
+          <a:p>
+            <a:endParaRPr lang="it-IT" dirty="0"/>
+          </a:p>
+          <a:p>
+            <a:endParaRPr lang="it-IT" dirty="0"/>
+          </a:p>
+        </p:txBody>
+      </p:sp>
+      <p:pic>
+        <p:nvPicPr>
+          <p:cNvPr id="16" name="Picture 15">
+            <a:extLst>
+              <a:ext uri="{FF2B5EF4-FFF2-40B4-BE49-F238E27FC236}">
+                <a16:creationId xmlns:a16="http://schemas.microsoft.com/office/drawing/2014/main" id="{CCEA52C2-5484-6642-B690-D16A97733E7C}"/>
+              </a:ext>
+            </a:extLst>
+          </p:cNvPr>
+          <p:cNvPicPr>
+            <a:picLocks noChangeAspect="1"/>
+          </p:cNvPicPr>
+          <p:nvPr/>
+        </p:nvPicPr>
+        <p:blipFill>
+          <a:blip r:embed="rId3">
+            <a:extLst>
+              <a:ext uri="{28A0092B-C50C-407E-A947-70E740481C1C}">
+                <a14:useLocalDpi xmlns:a14="http://schemas.microsoft.com/office/drawing/2010/main" val="0"/>
+              </a:ext>
+            </a:extLst>
+          </a:blip>
+          <a:stretch>
+            <a:fillRect/>
+          </a:stretch>
+        </p:blipFill>
+        <p:spPr>
+          <a:xfrm>
+            <a:off x="7945155" y="1690688"/>
+            <a:ext cx="647700" cy="682351"/>
+          </a:xfrm>
+          <a:prstGeom prst="rect">
+            <a:avLst/>
+          </a:prstGeom>
+        </p:spPr>
+      </p:pic>
     </p:spTree>
     <p:extLst>
       <p:ext uri="{BB962C8B-B14F-4D97-AF65-F5344CB8AC3E}">
@@ -6226,8 +6441,8 @@
           </a:p>
         </p:txBody>
       </p:sp>
-      <mc:AlternateContent xmlns:mc="http://schemas.openxmlformats.org/markup-compatibility/2006">
-        <mc:Choice xmlns:a14="http://schemas.microsoft.com/office/drawing/2010/main" Requires="a14">
+      <mc:AlternateContent xmlns:mc="http://schemas.openxmlformats.org/markup-compatibility/2006" xmlns:a14="http://schemas.microsoft.com/office/drawing/2010/main">
+        <mc:Choice Requires="a14">
           <p:sp>
             <p:nvSpPr>
               <p:cNvPr id="45" name="CasellaDiTesto 44">
@@ -6294,7 +6509,7 @@
             </p:txBody>
           </p:sp>
         </mc:Choice>
-        <mc:Fallback>
+        <mc:Fallback xmlns="">
           <p:sp>
             <p:nvSpPr>
               <p:cNvPr id="45" name="CasellaDiTesto 44">

--- a/Presentation/SDU_SummerSchool_Presentation.pptx
+++ b/Presentation/SDU_SummerSchool_Presentation.pptx
@@ -9,15 +9,16 @@
     <p:sldId id="257" r:id="rId3"/>
     <p:sldId id="259" r:id="rId4"/>
     <p:sldId id="258" r:id="rId5"/>
-    <p:sldId id="261" r:id="rId6"/>
-    <p:sldId id="260" r:id="rId7"/>
-    <p:sldId id="262" r:id="rId8"/>
-    <p:sldId id="263" r:id="rId9"/>
-    <p:sldId id="264" r:id="rId10"/>
-    <p:sldId id="265" r:id="rId11"/>
-    <p:sldId id="266" r:id="rId12"/>
-    <p:sldId id="268" r:id="rId13"/>
-    <p:sldId id="267" r:id="rId14"/>
+    <p:sldId id="260" r:id="rId6"/>
+    <p:sldId id="262" r:id="rId7"/>
+    <p:sldId id="263" r:id="rId8"/>
+    <p:sldId id="264" r:id="rId9"/>
+    <p:sldId id="265" r:id="rId10"/>
+    <p:sldId id="266" r:id="rId11"/>
+    <p:sldId id="268" r:id="rId12"/>
+    <p:sldId id="269" r:id="rId13"/>
+    <p:sldId id="270" r:id="rId14"/>
+    <p:sldId id="267" r:id="rId15"/>
   </p:sldIdLst>
   <p:sldSz cx="12192000" cy="6858000"/>
   <p:notesSz cx="6858000" cy="9144000"/>
@@ -271,7 +272,7 @@
           <a:p>
             <a:fld id="{8173B6D1-B9A7-4F74-ADCF-EF56F696349F}" type="datetimeFigureOut">
               <a:rPr lang="it-IT" smtClean="0"/>
-              <a:t>08/08/19</a:t>
+              <a:t>09/08/2019</a:t>
             </a:fld>
             <a:endParaRPr lang="it-IT"/>
           </a:p>
@@ -325,7 +326,7 @@
           <a:p>
             <a:fld id="{37521F19-B39A-4CF3-8059-E7EF6E631AA0}" type="slidenum">
               <a:rPr lang="it-IT" smtClean="0"/>
-              <a:t>‹#›</a:t>
+              <a:t>‹N›</a:t>
             </a:fld>
             <a:endParaRPr lang="it-IT"/>
           </a:p>
@@ -469,7 +470,7 @@
           <a:p>
             <a:fld id="{8173B6D1-B9A7-4F74-ADCF-EF56F696349F}" type="datetimeFigureOut">
               <a:rPr lang="it-IT" smtClean="0"/>
-              <a:t>08/08/19</a:t>
+              <a:t>09/08/2019</a:t>
             </a:fld>
             <a:endParaRPr lang="it-IT"/>
           </a:p>
@@ -523,7 +524,7 @@
           <a:p>
             <a:fld id="{37521F19-B39A-4CF3-8059-E7EF6E631AA0}" type="slidenum">
               <a:rPr lang="it-IT" smtClean="0"/>
-              <a:t>‹#›</a:t>
+              <a:t>‹N›</a:t>
             </a:fld>
             <a:endParaRPr lang="it-IT"/>
           </a:p>
@@ -677,7 +678,7 @@
           <a:p>
             <a:fld id="{8173B6D1-B9A7-4F74-ADCF-EF56F696349F}" type="datetimeFigureOut">
               <a:rPr lang="it-IT" smtClean="0"/>
-              <a:t>08/08/19</a:t>
+              <a:t>09/08/2019</a:t>
             </a:fld>
             <a:endParaRPr lang="it-IT"/>
           </a:p>
@@ -731,7 +732,7 @@
           <a:p>
             <a:fld id="{37521F19-B39A-4CF3-8059-E7EF6E631AA0}" type="slidenum">
               <a:rPr lang="it-IT" smtClean="0"/>
-              <a:t>‹#›</a:t>
+              <a:t>‹N›</a:t>
             </a:fld>
             <a:endParaRPr lang="it-IT"/>
           </a:p>
@@ -875,7 +876,7 @@
           <a:p>
             <a:fld id="{8173B6D1-B9A7-4F74-ADCF-EF56F696349F}" type="datetimeFigureOut">
               <a:rPr lang="it-IT" smtClean="0"/>
-              <a:t>08/08/19</a:t>
+              <a:t>09/08/2019</a:t>
             </a:fld>
             <a:endParaRPr lang="it-IT"/>
           </a:p>
@@ -929,7 +930,7 @@
           <a:p>
             <a:fld id="{37521F19-B39A-4CF3-8059-E7EF6E631AA0}" type="slidenum">
               <a:rPr lang="it-IT" smtClean="0"/>
-              <a:t>‹#›</a:t>
+              <a:t>‹N›</a:t>
             </a:fld>
             <a:endParaRPr lang="it-IT"/>
           </a:p>
@@ -1150,7 +1151,7 @@
           <a:p>
             <a:fld id="{8173B6D1-B9A7-4F74-ADCF-EF56F696349F}" type="datetimeFigureOut">
               <a:rPr lang="it-IT" smtClean="0"/>
-              <a:t>08/08/19</a:t>
+              <a:t>09/08/2019</a:t>
             </a:fld>
             <a:endParaRPr lang="it-IT"/>
           </a:p>
@@ -1204,7 +1205,7 @@
           <a:p>
             <a:fld id="{37521F19-B39A-4CF3-8059-E7EF6E631AA0}" type="slidenum">
               <a:rPr lang="it-IT" smtClean="0"/>
-              <a:t>‹#›</a:t>
+              <a:t>‹N›</a:t>
             </a:fld>
             <a:endParaRPr lang="it-IT"/>
           </a:p>
@@ -1415,7 +1416,7 @@
           <a:p>
             <a:fld id="{8173B6D1-B9A7-4F74-ADCF-EF56F696349F}" type="datetimeFigureOut">
               <a:rPr lang="it-IT" smtClean="0"/>
-              <a:t>08/08/19</a:t>
+              <a:t>09/08/2019</a:t>
             </a:fld>
             <a:endParaRPr lang="it-IT"/>
           </a:p>
@@ -1469,7 +1470,7 @@
           <a:p>
             <a:fld id="{37521F19-B39A-4CF3-8059-E7EF6E631AA0}" type="slidenum">
               <a:rPr lang="it-IT" smtClean="0"/>
-              <a:t>‹#›</a:t>
+              <a:t>‹N›</a:t>
             </a:fld>
             <a:endParaRPr lang="it-IT"/>
           </a:p>
@@ -1827,7 +1828,7 @@
           <a:p>
             <a:fld id="{8173B6D1-B9A7-4F74-ADCF-EF56F696349F}" type="datetimeFigureOut">
               <a:rPr lang="it-IT" smtClean="0"/>
-              <a:t>08/08/19</a:t>
+              <a:t>09/08/2019</a:t>
             </a:fld>
             <a:endParaRPr lang="it-IT"/>
           </a:p>
@@ -1881,7 +1882,7 @@
           <a:p>
             <a:fld id="{37521F19-B39A-4CF3-8059-E7EF6E631AA0}" type="slidenum">
               <a:rPr lang="it-IT" smtClean="0"/>
-              <a:t>‹#›</a:t>
+              <a:t>‹N›</a:t>
             </a:fld>
             <a:endParaRPr lang="it-IT"/>
           </a:p>
@@ -1968,7 +1969,7 @@
           <a:p>
             <a:fld id="{8173B6D1-B9A7-4F74-ADCF-EF56F696349F}" type="datetimeFigureOut">
               <a:rPr lang="it-IT" smtClean="0"/>
-              <a:t>08/08/19</a:t>
+              <a:t>09/08/2019</a:t>
             </a:fld>
             <a:endParaRPr lang="it-IT"/>
           </a:p>
@@ -2022,7 +2023,7 @@
           <a:p>
             <a:fld id="{37521F19-B39A-4CF3-8059-E7EF6E631AA0}" type="slidenum">
               <a:rPr lang="it-IT" smtClean="0"/>
-              <a:t>‹#›</a:t>
+              <a:t>‹N›</a:t>
             </a:fld>
             <a:endParaRPr lang="it-IT"/>
           </a:p>
@@ -2081,7 +2082,7 @@
           <a:p>
             <a:fld id="{8173B6D1-B9A7-4F74-ADCF-EF56F696349F}" type="datetimeFigureOut">
               <a:rPr lang="it-IT" smtClean="0"/>
-              <a:t>08/08/19</a:t>
+              <a:t>09/08/2019</a:t>
             </a:fld>
             <a:endParaRPr lang="it-IT"/>
           </a:p>
@@ -2135,7 +2136,7 @@
           <a:p>
             <a:fld id="{37521F19-B39A-4CF3-8059-E7EF6E631AA0}" type="slidenum">
               <a:rPr lang="it-IT" smtClean="0"/>
-              <a:t>‹#›</a:t>
+              <a:t>‹N›</a:t>
             </a:fld>
             <a:endParaRPr lang="it-IT"/>
           </a:p>
@@ -2392,7 +2393,7 @@
           <a:p>
             <a:fld id="{8173B6D1-B9A7-4F74-ADCF-EF56F696349F}" type="datetimeFigureOut">
               <a:rPr lang="it-IT" smtClean="0"/>
-              <a:t>08/08/19</a:t>
+              <a:t>09/08/2019</a:t>
             </a:fld>
             <a:endParaRPr lang="it-IT"/>
           </a:p>
@@ -2446,7 +2447,7 @@
           <a:p>
             <a:fld id="{37521F19-B39A-4CF3-8059-E7EF6E631AA0}" type="slidenum">
               <a:rPr lang="it-IT" smtClean="0"/>
-              <a:t>‹#›</a:t>
+              <a:t>‹N›</a:t>
             </a:fld>
             <a:endParaRPr lang="it-IT"/>
           </a:p>
@@ -2680,7 +2681,7 @@
           <a:p>
             <a:fld id="{8173B6D1-B9A7-4F74-ADCF-EF56F696349F}" type="datetimeFigureOut">
               <a:rPr lang="it-IT" smtClean="0"/>
-              <a:t>08/08/19</a:t>
+              <a:t>09/08/2019</a:t>
             </a:fld>
             <a:endParaRPr lang="it-IT"/>
           </a:p>
@@ -2734,7 +2735,7 @@
           <a:p>
             <a:fld id="{37521F19-B39A-4CF3-8059-E7EF6E631AA0}" type="slidenum">
               <a:rPr lang="it-IT" smtClean="0"/>
-              <a:t>‹#›</a:t>
+              <a:t>‹N›</a:t>
             </a:fld>
             <a:endParaRPr lang="it-IT"/>
           </a:p>
@@ -2921,7 +2922,7 @@
           <a:p>
             <a:fld id="{8173B6D1-B9A7-4F74-ADCF-EF56F696349F}" type="datetimeFigureOut">
               <a:rPr lang="it-IT" smtClean="0"/>
-              <a:t>08/08/19</a:t>
+              <a:t>09/08/2019</a:t>
             </a:fld>
             <a:endParaRPr lang="it-IT"/>
           </a:p>
@@ -3011,7 +3012,7 @@
           <a:p>
             <a:fld id="{37521F19-B39A-4CF3-8059-E7EF6E631AA0}" type="slidenum">
               <a:rPr lang="it-IT" smtClean="0"/>
-              <a:t>‹#›</a:t>
+              <a:t>‹N›</a:t>
             </a:fld>
             <a:endParaRPr lang="it-IT"/>
           </a:p>
@@ -3437,279 +3438,6 @@
           <p:cNvPr id="3" name="Segnaposto contenuto 2">
             <a:extLst>
               <a:ext uri="{FF2B5EF4-FFF2-40B4-BE49-F238E27FC236}">
-                <a16:creationId xmlns:a16="http://schemas.microsoft.com/office/drawing/2014/main" id="{1D362BC4-1F3D-48EC-B054-A15887D4BAD7}"/>
-              </a:ext>
-            </a:extLst>
-          </p:cNvPr>
-          <p:cNvSpPr>
-            <a:spLocks noGrp="1"/>
-          </p:cNvSpPr>
-          <p:nvPr>
-            <p:ph idx="1"/>
-          </p:nvPr>
-        </p:nvSpPr>
-        <p:spPr>
-          <a:xfrm>
-            <a:off x="838200" y="478302"/>
-            <a:ext cx="10515600" cy="5698661"/>
-          </a:xfrm>
-        </p:spPr>
-        <p:txBody>
-          <a:bodyPr/>
-          <a:lstStyle/>
-          <a:p>
-            <a:r>
-              <a:rPr lang="it-IT" dirty="0" err="1"/>
-              <a:t>Complex</a:t>
-            </a:r>
-            <a:r>
-              <a:rPr lang="it-IT" dirty="0"/>
-              <a:t> </a:t>
-            </a:r>
-            <a:r>
-              <a:rPr lang="it-IT" dirty="0" err="1"/>
-              <a:t>environment</a:t>
-            </a:r>
-            <a:endParaRPr lang="it-IT" dirty="0"/>
-          </a:p>
-          <a:p>
-            <a:endParaRPr lang="it-IT" dirty="0"/>
-          </a:p>
-          <a:p>
-            <a:endParaRPr lang="it-IT" dirty="0"/>
-          </a:p>
-          <a:p>
-            <a:endParaRPr lang="it-IT" dirty="0"/>
-          </a:p>
-          <a:p>
-            <a:pPr marL="0" indent="0">
-              <a:buNone/>
-            </a:pPr>
-            <a:endParaRPr lang="it-IT" dirty="0"/>
-          </a:p>
-          <a:p>
-            <a:pPr lvl="1"/>
-            <a:r>
-              <a:rPr lang="it-IT" dirty="0" err="1"/>
-              <a:t>Also</a:t>
-            </a:r>
-            <a:r>
-              <a:rPr lang="it-IT" dirty="0"/>
-              <a:t> in </a:t>
-            </a:r>
-            <a:r>
-              <a:rPr lang="it-IT" dirty="0" err="1"/>
-              <a:t>this</a:t>
-            </a:r>
-            <a:r>
-              <a:rPr lang="it-IT" dirty="0"/>
-              <a:t> case, for the first </a:t>
-            </a:r>
-            <a:r>
-              <a:rPr lang="it-IT" dirty="0" err="1"/>
-              <a:t>episode</a:t>
-            </a:r>
-            <a:r>
-              <a:rPr lang="it-IT" dirty="0"/>
-              <a:t>, agent </a:t>
-            </a:r>
-            <a:r>
-              <a:rPr lang="it-IT" dirty="0" err="1"/>
-              <a:t>bumps</a:t>
-            </a:r>
-            <a:endParaRPr lang="it-IT" dirty="0"/>
-          </a:p>
-          <a:p>
-            <a:pPr marL="457200" lvl="1" indent="0">
-              <a:buNone/>
-            </a:pPr>
-            <a:r>
-              <a:rPr lang="it-IT" dirty="0"/>
-              <a:t>   </a:t>
-            </a:r>
-            <a:r>
-              <a:rPr lang="it-IT" dirty="0" err="1"/>
-              <a:t>many</a:t>
-            </a:r>
-            <a:r>
-              <a:rPr lang="it-IT" dirty="0"/>
-              <a:t> times </a:t>
-            </a:r>
-            <a:r>
-              <a:rPr lang="it-IT" dirty="0" err="1"/>
-              <a:t>against</a:t>
-            </a:r>
-            <a:r>
-              <a:rPr lang="it-IT" dirty="0"/>
-              <a:t> a </a:t>
-            </a:r>
-            <a:r>
-              <a:rPr lang="it-IT" dirty="0" err="1"/>
-              <a:t>wall</a:t>
-            </a:r>
-            <a:r>
-              <a:rPr lang="it-IT" dirty="0"/>
-              <a:t>, </a:t>
-            </a:r>
-            <a:r>
-              <a:rPr lang="it-IT" dirty="0" err="1"/>
-              <a:t>obtaining</a:t>
-            </a:r>
-            <a:r>
-              <a:rPr lang="it-IT" dirty="0"/>
-              <a:t> at the end </a:t>
-            </a:r>
-            <a:r>
-              <a:rPr lang="it-IT" dirty="0" err="1"/>
-              <a:t>this</a:t>
-            </a:r>
-            <a:r>
-              <a:rPr lang="it-IT" dirty="0"/>
-              <a:t> </a:t>
-            </a:r>
-          </a:p>
-          <a:p>
-            <a:pPr marL="457200" lvl="1" indent="0">
-              <a:buNone/>
-            </a:pPr>
-            <a:r>
-              <a:rPr lang="it-IT" dirty="0"/>
-              <a:t>   Q-matrix</a:t>
-            </a:r>
-          </a:p>
-          <a:p>
-            <a:pPr marL="457200" lvl="1" indent="0">
-              <a:buNone/>
-            </a:pPr>
-            <a:endParaRPr lang="it-IT" dirty="0"/>
-          </a:p>
-          <a:p>
-            <a:pPr marL="457200" lvl="1" indent="0">
-              <a:buNone/>
-            </a:pPr>
-            <a:endParaRPr lang="it-IT" dirty="0"/>
-          </a:p>
-          <a:p>
-            <a:pPr marL="457200" lvl="1" indent="0">
-              <a:buNone/>
-            </a:pPr>
-            <a:endParaRPr lang="it-IT" dirty="0"/>
-          </a:p>
-          <a:p>
-            <a:pPr marL="457200" lvl="1" indent="0">
-              <a:buNone/>
-            </a:pPr>
-            <a:endParaRPr lang="it-IT" dirty="0"/>
-          </a:p>
-          <a:p>
-            <a:pPr marL="457200" lvl="1" indent="0">
-              <a:buNone/>
-            </a:pPr>
-            <a:endParaRPr lang="it-IT" dirty="0"/>
-          </a:p>
-          <a:p>
-            <a:pPr marL="457200" lvl="1" indent="0">
-              <a:buNone/>
-            </a:pPr>
-            <a:endParaRPr lang="it-IT" dirty="0"/>
-          </a:p>
-        </p:txBody>
-      </p:sp>
-      <p:pic>
-        <p:nvPicPr>
-          <p:cNvPr id="4" name="Immagine 3">
-            <a:extLst>
-              <a:ext uri="{FF2B5EF4-FFF2-40B4-BE49-F238E27FC236}">
-                <a16:creationId xmlns:a16="http://schemas.microsoft.com/office/drawing/2014/main" id="{CA8D9D73-0B0B-4233-8F6B-EFFCE3DBA5FE}"/>
-              </a:ext>
-            </a:extLst>
-          </p:cNvPr>
-          <p:cNvPicPr>
-            <a:picLocks noChangeAspect="1"/>
-          </p:cNvPicPr>
-          <p:nvPr/>
-        </p:nvPicPr>
-        <p:blipFill>
-          <a:blip r:embed="rId2"/>
-          <a:stretch>
-            <a:fillRect/>
-          </a:stretch>
-        </p:blipFill>
-        <p:spPr>
-          <a:xfrm>
-            <a:off x="9033436" y="681037"/>
-            <a:ext cx="2127080" cy="2948428"/>
-          </a:xfrm>
-          <a:prstGeom prst="rect">
-            <a:avLst/>
-          </a:prstGeom>
-        </p:spPr>
-      </p:pic>
-      <p:pic>
-        <p:nvPicPr>
-          <p:cNvPr id="5" name="Immagine 4">
-            <a:extLst>
-              <a:ext uri="{FF2B5EF4-FFF2-40B4-BE49-F238E27FC236}">
-                <a16:creationId xmlns:a16="http://schemas.microsoft.com/office/drawing/2014/main" id="{91D0C4D2-0374-4A8B-9114-AC9F57C6FD05}"/>
-              </a:ext>
-            </a:extLst>
-          </p:cNvPr>
-          <p:cNvPicPr>
-            <a:picLocks noChangeAspect="1"/>
-          </p:cNvPicPr>
-          <p:nvPr/>
-        </p:nvPicPr>
-        <p:blipFill>
-          <a:blip r:embed="rId3"/>
-          <a:stretch>
-            <a:fillRect/>
-          </a:stretch>
-        </p:blipFill>
-        <p:spPr>
-          <a:xfrm>
-            <a:off x="2924579" y="4028488"/>
-            <a:ext cx="8210080" cy="1725198"/>
-          </a:xfrm>
-          <a:prstGeom prst="rect">
-            <a:avLst/>
-          </a:prstGeom>
-        </p:spPr>
-      </p:pic>
-    </p:spTree>
-    <p:extLst>
-      <p:ext uri="{BB962C8B-B14F-4D97-AF65-F5344CB8AC3E}">
-        <p14:creationId xmlns:p14="http://schemas.microsoft.com/office/powerpoint/2010/main" val="942120346"/>
-      </p:ext>
-    </p:extLst>
-  </p:cSld>
-  <p:clrMapOvr>
-    <a:masterClrMapping/>
-  </p:clrMapOvr>
-</p:sld>
-</file>
-
-<file path=ppt/slides/slide11.xml><?xml version="1.0" encoding="utf-8"?>
-<p:sld xmlns:a="http://schemas.openxmlformats.org/drawingml/2006/main" xmlns:r="http://schemas.openxmlformats.org/officeDocument/2006/relationships" xmlns:p="http://schemas.openxmlformats.org/presentationml/2006/main">
-  <p:cSld>
-    <p:spTree>
-      <p:nvGrpSpPr>
-        <p:cNvPr id="1" name=""/>
-        <p:cNvGrpSpPr/>
-        <p:nvPr/>
-      </p:nvGrpSpPr>
-      <p:grpSpPr>
-        <a:xfrm>
-          <a:off x="0" y="0"/>
-          <a:ext cx="0" cy="0"/>
-          <a:chOff x="0" y="0"/>
-          <a:chExt cx="0" cy="0"/>
-        </a:xfrm>
-      </p:grpSpPr>
-      <p:sp>
-        <p:nvSpPr>
-          <p:cNvPr id="3" name="Segnaposto contenuto 2">
-            <a:extLst>
-              <a:ext uri="{FF2B5EF4-FFF2-40B4-BE49-F238E27FC236}">
                 <a16:creationId xmlns:a16="http://schemas.microsoft.com/office/drawing/2014/main" id="{F196954C-AC2A-4076-A82A-BAF5C6F71CF7}"/>
               </a:ext>
             </a:extLst>
@@ -3840,7 +3568,7 @@
 </p:sld>
 </file>
 
-<file path=ppt/slides/slide12.xml><?xml version="1.0" encoding="utf-8"?>
+<file path=ppt/slides/slide11.xml><?xml version="1.0" encoding="utf-8"?>
 <p:sld xmlns:a="http://schemas.openxmlformats.org/drawingml/2006/main" xmlns:r="http://schemas.openxmlformats.org/officeDocument/2006/relationships" xmlns:p="http://schemas.openxmlformats.org/presentationml/2006/main">
   <p:cSld>
     <p:spTree>
@@ -3857,32 +3585,534 @@
           <a:chExt cx="0" cy="0"/>
         </a:xfrm>
       </p:grpSpPr>
-      <p:sp>
-        <p:nvSpPr>
-          <p:cNvPr id="3" name="Segnaposto contenuto 2">
-            <a:extLst>
-              <a:ext uri="{FF2B5EF4-FFF2-40B4-BE49-F238E27FC236}">
-                <a16:creationId xmlns:a16="http://schemas.microsoft.com/office/drawing/2014/main" id="{5391224F-9AAE-4AA6-956F-14FA24BCDAE9}"/>
-              </a:ext>
-            </a:extLst>
-          </p:cNvPr>
-          <p:cNvSpPr>
-            <a:spLocks noGrp="1"/>
-          </p:cNvSpPr>
-          <p:nvPr>
-            <p:ph idx="1"/>
-          </p:nvPr>
-        </p:nvSpPr>
+      <mc:AlternateContent xmlns:mc="http://schemas.openxmlformats.org/markup-compatibility/2006">
+        <mc:Choice xmlns:a14="http://schemas.microsoft.com/office/drawing/2010/main" Requires="a14">
+          <p:sp>
+            <p:nvSpPr>
+              <p:cNvPr id="3" name="Segnaposto contenuto 2">
+                <a:extLst>
+                  <a:ext uri="{FF2B5EF4-FFF2-40B4-BE49-F238E27FC236}">
+                    <a16:creationId xmlns:a16="http://schemas.microsoft.com/office/drawing/2014/main" id="{5391224F-9AAE-4AA6-956F-14FA24BCDAE9}"/>
+                  </a:ext>
+                </a:extLst>
+              </p:cNvPr>
+              <p:cNvSpPr>
+                <a:spLocks noGrp="1"/>
+              </p:cNvSpPr>
+              <p:nvPr>
+                <p:ph idx="1"/>
+              </p:nvPr>
+            </p:nvSpPr>
+            <p:spPr>
+              <a:xfrm>
+                <a:off x="838200" y="548640"/>
+                <a:ext cx="10515600" cy="5628323"/>
+              </a:xfrm>
+            </p:spPr>
+            <p:txBody>
+              <a:bodyPr>
+                <a:normAutofit/>
+              </a:bodyPr>
+              <a:lstStyle/>
+              <a:p>
+                <a:r>
+                  <a:rPr lang="it-IT" dirty="0"/>
+                  <a:t>We </a:t>
+                </a:r>
+                <a:r>
+                  <a:rPr lang="it-IT" dirty="0" err="1"/>
+                  <a:t>also</a:t>
+                </a:r>
+                <a:r>
+                  <a:rPr lang="it-IT" dirty="0"/>
+                  <a:t> </a:t>
+                </a:r>
+                <a:r>
+                  <a:rPr lang="it-IT" dirty="0" err="1"/>
+                  <a:t>try</a:t>
+                </a:r>
+                <a:r>
+                  <a:rPr lang="it-IT" dirty="0"/>
+                  <a:t> to compare, with a simple plot, the sum of the </a:t>
+                </a:r>
+                <a:r>
+                  <a:rPr lang="it-IT" dirty="0" err="1"/>
+                  <a:t>reward</a:t>
+                </a:r>
+                <a:r>
+                  <a:rPr lang="it-IT" dirty="0"/>
+                  <a:t> </a:t>
+                </a:r>
+                <a:r>
+                  <a:rPr lang="it-IT" dirty="0" err="1"/>
+                  <a:t>obtained</a:t>
+                </a:r>
+                <a:r>
+                  <a:rPr lang="it-IT" dirty="0"/>
+                  <a:t> with </a:t>
+                </a:r>
+                <a:r>
+                  <a:rPr lang="it-IT" dirty="0" err="1"/>
+                  <a:t>different</a:t>
+                </a:r>
+                <a:r>
+                  <a:rPr lang="it-IT" dirty="0"/>
+                  <a:t> </a:t>
+                </a:r>
+                <a:r>
+                  <a:rPr lang="it-IT" dirty="0" err="1"/>
+                  <a:t>kind</a:t>
+                </a:r>
+                <a:r>
+                  <a:rPr lang="it-IT" dirty="0"/>
+                  <a:t> of setup (small or big </a:t>
+                </a:r>
+                <a:r>
+                  <a:rPr lang="it-IT" dirty="0" err="1"/>
+                  <a:t>environment</a:t>
+                </a:r>
+                <a:r>
+                  <a:rPr lang="it-IT" dirty="0"/>
+                  <a:t>, </a:t>
+                </a:r>
+                <a14:m>
+                  <m:oMath xmlns:m="http://schemas.openxmlformats.org/officeDocument/2006/math">
+                    <m:r>
+                      <a:rPr lang="it-IT" b="0" i="1" smtClean="0">
+                        <a:latin typeface="Cambria Math" panose="02040503050406030204" pitchFamily="18" charset="0"/>
+                      </a:rPr>
+                      <m:t>𝛼</m:t>
+                    </m:r>
+                    <m:r>
+                      <a:rPr lang="it-IT" b="0" i="1" smtClean="0">
+                        <a:latin typeface="Cambria Math" panose="02040503050406030204" pitchFamily="18" charset="0"/>
+                      </a:rPr>
+                      <m:t>,</m:t>
+                    </m:r>
+                    <m:r>
+                      <a:rPr lang="it-IT" b="0" i="1" smtClean="0">
+                        <a:latin typeface="Cambria Math" panose="02040503050406030204" pitchFamily="18" charset="0"/>
+                      </a:rPr>
+                      <m:t>𝛾</m:t>
+                    </m:r>
+                    <m:r>
+                      <a:rPr lang="it-IT" b="0" i="1" smtClean="0">
+                        <a:latin typeface="Cambria Math" panose="02040503050406030204" pitchFamily="18" charset="0"/>
+                      </a:rPr>
+                      <m:t>,</m:t>
+                    </m:r>
+                    <m:r>
+                      <a:rPr lang="it-IT" b="0" i="1" smtClean="0">
+                        <a:latin typeface="Cambria Math" panose="02040503050406030204" pitchFamily="18" charset="0"/>
+                      </a:rPr>
+                      <m:t>𝜖</m:t>
+                    </m:r>
+                  </m:oMath>
+                </a14:m>
+                <a:r>
+                  <a:rPr lang="it-IT" dirty="0"/>
+                  <a:t>)</a:t>
+                </a:r>
+              </a:p>
+              <a:p>
+                <a:endParaRPr lang="it-IT" dirty="0"/>
+              </a:p>
+              <a:p>
+                <a:endParaRPr lang="it-IT" dirty="0"/>
+              </a:p>
+              <a:p>
+                <a:endParaRPr lang="it-IT" dirty="0"/>
+              </a:p>
+              <a:p>
+                <a:endParaRPr lang="it-IT" dirty="0"/>
+              </a:p>
+              <a:p>
+                <a:endParaRPr lang="it-IT" dirty="0"/>
+              </a:p>
+              <a:p>
+                <a:endParaRPr lang="it-IT" dirty="0"/>
+              </a:p>
+              <a:p>
+                <a:endParaRPr lang="it-IT" dirty="0"/>
+              </a:p>
+              <a:p>
+                <a:endParaRPr lang="it-IT" dirty="0"/>
+              </a:p>
+              <a:p>
+                <a:pPr marL="0" indent="0">
+                  <a:buNone/>
+                </a:pPr>
+                <a:endParaRPr lang="it-IT" dirty="0"/>
+              </a:p>
+              <a:p>
+                <a:pPr marL="0" indent="0">
+                  <a:buNone/>
+                </a:pPr>
+                <a:endParaRPr lang="it-IT" dirty="0"/>
+              </a:p>
+              <a:p>
+                <a:pPr marL="0" indent="0">
+                  <a:buNone/>
+                </a:pPr>
+                <a:endParaRPr lang="it-IT" dirty="0"/>
+              </a:p>
+            </p:txBody>
+          </p:sp>
+        </mc:Choice>
+        <mc:Fallback>
+          <p:sp>
+            <p:nvSpPr>
+              <p:cNvPr id="3" name="Segnaposto contenuto 2">
+                <a:extLst>
+                  <a:ext uri="{FF2B5EF4-FFF2-40B4-BE49-F238E27FC236}">
+                    <a16:creationId xmlns:a16="http://schemas.microsoft.com/office/drawing/2014/main" id="{5391224F-9AAE-4AA6-956F-14FA24BCDAE9}"/>
+                  </a:ext>
+                </a:extLst>
+              </p:cNvPr>
+              <p:cNvSpPr>
+                <a:spLocks noGrp="1" noRot="1" noChangeAspect="1" noMove="1" noResize="1" noEditPoints="1" noAdjustHandles="1" noChangeArrowheads="1" noChangeShapeType="1" noTextEdit="1"/>
+              </p:cNvSpPr>
+              <p:nvPr>
+                <p:ph idx="1"/>
+              </p:nvPr>
+            </p:nvSpPr>
+            <p:spPr>
+              <a:xfrm>
+                <a:off x="838200" y="548640"/>
+                <a:ext cx="10515600" cy="5628323"/>
+              </a:xfrm>
+              <a:blipFill>
+                <a:blip r:embed="rId2"/>
+                <a:stretch>
+                  <a:fillRect l="-1043" t="-1733"/>
+                </a:stretch>
+              </a:blipFill>
+            </p:spPr>
+            <p:txBody>
+              <a:bodyPr/>
+              <a:lstStyle/>
+              <a:p>
+                <a:r>
+                  <a:rPr lang="it-IT">
+                    <a:noFill/>
+                  </a:rPr>
+                  <a:t> </a:t>
+                </a:r>
+              </a:p>
+            </p:txBody>
+          </p:sp>
+        </mc:Fallback>
+      </mc:AlternateContent>
+      <p:pic>
+        <p:nvPicPr>
+          <p:cNvPr id="2" name="Immagine 1">
+            <a:extLst>
+              <a:ext uri="{FF2B5EF4-FFF2-40B4-BE49-F238E27FC236}">
+                <a16:creationId xmlns:a16="http://schemas.microsoft.com/office/drawing/2014/main" id="{05763AD2-E8B0-46FD-B4A1-FB2B077536F9}"/>
+              </a:ext>
+            </a:extLst>
+          </p:cNvPr>
+          <p:cNvPicPr>
+            <a:picLocks noChangeAspect="1"/>
+          </p:cNvPicPr>
+          <p:nvPr/>
+        </p:nvPicPr>
+        <p:blipFill>
+          <a:blip r:embed="rId3"/>
+          <a:stretch>
+            <a:fillRect/>
+          </a:stretch>
+        </p:blipFill>
         <p:spPr>
           <a:xfrm>
-            <a:off x="838200" y="548640"/>
-            <a:ext cx="10515600" cy="5628323"/>
+            <a:off x="838200" y="2098582"/>
+            <a:ext cx="4428691" cy="3349430"/>
           </a:xfrm>
+          <a:prstGeom prst="rect">
+            <a:avLst/>
+          </a:prstGeom>
         </p:spPr>
-        <p:txBody>
-          <a:bodyPr/>
+      </p:pic>
+      <p:sp>
+        <p:nvSpPr>
+          <p:cNvPr id="4" name="CasellaDiTesto 3">
+            <a:extLst>
+              <a:ext uri="{FF2B5EF4-FFF2-40B4-BE49-F238E27FC236}">
+                <a16:creationId xmlns:a16="http://schemas.microsoft.com/office/drawing/2014/main" id="{19BF8861-2EBB-4162-9B8F-5C50AA103FB0}"/>
+              </a:ext>
+            </a:extLst>
+          </p:cNvPr>
+          <p:cNvSpPr txBox="1"/>
+          <p:nvPr/>
+        </p:nvSpPr>
+        <p:spPr>
+          <a:xfrm>
+            <a:off x="2076989" y="5656700"/>
+            <a:ext cx="1951112" cy="369332"/>
+          </a:xfrm>
+          <a:prstGeom prst="rect">
+            <a:avLst/>
+          </a:prstGeom>
+          <a:noFill/>
+        </p:spPr>
+        <p:txBody>
+          <a:bodyPr wrap="none" rtlCol="0">
+            <a:spAutoFit/>
+          </a:bodyPr>
           <a:lstStyle/>
           <a:p>
+            <a:r>
+              <a:rPr lang="it-IT" dirty="0"/>
+              <a:t>Small </a:t>
+            </a:r>
+            <a:r>
+              <a:rPr lang="it-IT" dirty="0" err="1"/>
+              <a:t>environment</a:t>
+            </a:r>
+            <a:endParaRPr lang="it-IT" dirty="0"/>
+          </a:p>
+        </p:txBody>
+      </p:sp>
+      <p:pic>
+        <p:nvPicPr>
+          <p:cNvPr id="5" name="Immagine 4">
+            <a:extLst>
+              <a:ext uri="{FF2B5EF4-FFF2-40B4-BE49-F238E27FC236}">
+                <a16:creationId xmlns:a16="http://schemas.microsoft.com/office/drawing/2014/main" id="{6EFDB1B7-6DD6-43AE-8966-B37F4D913EAC}"/>
+              </a:ext>
+            </a:extLst>
+          </p:cNvPr>
+          <p:cNvPicPr>
+            <a:picLocks noChangeAspect="1"/>
+          </p:cNvPicPr>
+          <p:nvPr/>
+        </p:nvPicPr>
+        <p:blipFill>
+          <a:blip r:embed="rId4"/>
+          <a:stretch>
+            <a:fillRect/>
+          </a:stretch>
+        </p:blipFill>
+        <p:spPr>
+          <a:xfrm>
+            <a:off x="6420296" y="2098582"/>
+            <a:ext cx="4299286" cy="3349430"/>
+          </a:xfrm>
+          <a:prstGeom prst="rect">
+            <a:avLst/>
+          </a:prstGeom>
+        </p:spPr>
+      </p:pic>
+      <p:sp>
+        <p:nvSpPr>
+          <p:cNvPr id="6" name="CasellaDiTesto 5">
+            <a:extLst>
+              <a:ext uri="{FF2B5EF4-FFF2-40B4-BE49-F238E27FC236}">
+                <a16:creationId xmlns:a16="http://schemas.microsoft.com/office/drawing/2014/main" id="{EA55F1B8-DBBA-4DEE-B757-EF2E7752059B}"/>
+              </a:ext>
+            </a:extLst>
+          </p:cNvPr>
+          <p:cNvSpPr txBox="1"/>
+          <p:nvPr/>
+        </p:nvSpPr>
+        <p:spPr>
+          <a:xfrm>
+            <a:off x="7704189" y="5655212"/>
+            <a:ext cx="1731500" cy="369332"/>
+          </a:xfrm>
+          <a:prstGeom prst="rect">
+            <a:avLst/>
+          </a:prstGeom>
+          <a:noFill/>
+        </p:spPr>
+        <p:txBody>
+          <a:bodyPr wrap="none" rtlCol="0">
+            <a:spAutoFit/>
+          </a:bodyPr>
+          <a:lstStyle/>
+          <a:p>
+            <a:r>
+              <a:rPr lang="it-IT" dirty="0"/>
+              <a:t>Big </a:t>
+            </a:r>
+            <a:r>
+              <a:rPr lang="it-IT" dirty="0" err="1"/>
+              <a:t>environment</a:t>
+            </a:r>
+            <a:endParaRPr lang="it-IT" dirty="0"/>
+          </a:p>
+        </p:txBody>
+      </p:sp>
+      <p:sp>
+        <p:nvSpPr>
+          <p:cNvPr id="7" name="CasellaDiTesto 6">
+            <a:extLst>
+              <a:ext uri="{FF2B5EF4-FFF2-40B4-BE49-F238E27FC236}">
+                <a16:creationId xmlns:a16="http://schemas.microsoft.com/office/drawing/2014/main" id="{5AB4A33C-83CB-4267-AF99-D186B84D2108}"/>
+              </a:ext>
+            </a:extLst>
+          </p:cNvPr>
+          <p:cNvSpPr txBox="1"/>
+          <p:nvPr/>
+        </p:nvSpPr>
+        <p:spPr>
+          <a:xfrm>
+            <a:off x="838200" y="6110423"/>
+            <a:ext cx="9597114" cy="646331"/>
+          </a:xfrm>
+          <a:prstGeom prst="rect">
+            <a:avLst/>
+          </a:prstGeom>
+          <a:noFill/>
+        </p:spPr>
+        <p:txBody>
+          <a:bodyPr wrap="none" rtlCol="0">
+            <a:spAutoFit/>
+          </a:bodyPr>
+          <a:lstStyle/>
+          <a:p>
+            <a:r>
+              <a:rPr lang="it-IT" dirty="0" err="1"/>
+              <a:t>We</a:t>
+            </a:r>
+            <a:r>
+              <a:rPr lang="it-IT" dirty="0"/>
+              <a:t> can </a:t>
+            </a:r>
+            <a:r>
+              <a:rPr lang="it-IT" dirty="0" err="1"/>
+              <a:t>notice</a:t>
+            </a:r>
+            <a:r>
+              <a:rPr lang="it-IT" dirty="0"/>
+              <a:t> </a:t>
+            </a:r>
+            <a:r>
+              <a:rPr lang="it-IT" dirty="0" err="1"/>
+              <a:t>how</a:t>
+            </a:r>
+            <a:r>
+              <a:rPr lang="it-IT" dirty="0"/>
+              <a:t>, for the </a:t>
+            </a:r>
+            <a:r>
+              <a:rPr lang="it-IT" dirty="0" err="1"/>
+              <a:t>complex</a:t>
+            </a:r>
+            <a:r>
+              <a:rPr lang="it-IT" dirty="0"/>
+              <a:t> </a:t>
+            </a:r>
+            <a:r>
+              <a:rPr lang="it-IT" dirty="0" err="1"/>
+              <a:t>environment</a:t>
+            </a:r>
+            <a:r>
+              <a:rPr lang="it-IT" dirty="0"/>
+              <a:t>, </a:t>
+            </a:r>
+            <a:r>
+              <a:rPr lang="it-IT" dirty="0" err="1"/>
+              <a:t>at</a:t>
+            </a:r>
+            <a:r>
+              <a:rPr lang="it-IT" dirty="0"/>
+              <a:t> the start of the </a:t>
+            </a:r>
+            <a:r>
+              <a:rPr lang="it-IT" dirty="0" err="1"/>
+              <a:t>algorithm</a:t>
+            </a:r>
+            <a:r>
+              <a:rPr lang="it-IT" dirty="0"/>
+              <a:t>, </a:t>
+            </a:r>
+            <a:r>
+              <a:rPr lang="it-IT" dirty="0" err="1"/>
+              <a:t>it</a:t>
+            </a:r>
+            <a:r>
+              <a:rPr lang="it-IT" dirty="0"/>
+              <a:t> takes a </a:t>
+            </a:r>
+            <a:r>
+              <a:rPr lang="it-IT" dirty="0" err="1"/>
+              <a:t>lot</a:t>
+            </a:r>
+            <a:r>
+              <a:rPr lang="it-IT" dirty="0"/>
+              <a:t> of </a:t>
+            </a:r>
+            <a:r>
+              <a:rPr lang="it-IT" dirty="0" err="1"/>
+              <a:t>error</a:t>
+            </a:r>
+            <a:r>
+              <a:rPr lang="it-IT" dirty="0"/>
+              <a:t> </a:t>
+            </a:r>
+          </a:p>
+          <a:p>
+            <a:r>
+              <a:rPr lang="it-IT" dirty="0" err="1"/>
+              <a:t>before</a:t>
+            </a:r>
+            <a:r>
+              <a:rPr lang="it-IT" dirty="0"/>
+              <a:t> </a:t>
+            </a:r>
+            <a:r>
+              <a:rPr lang="it-IT" dirty="0" err="1"/>
+              <a:t>getting</a:t>
+            </a:r>
+            <a:r>
+              <a:rPr lang="it-IT" dirty="0"/>
+              <a:t> </a:t>
+            </a:r>
+            <a:r>
+              <a:rPr lang="it-IT" dirty="0" err="1"/>
+              <a:t>convergence</a:t>
+            </a:r>
+            <a:r>
+              <a:rPr lang="it-IT" dirty="0"/>
+              <a:t>  </a:t>
+            </a:r>
+            <a:r>
+              <a:rPr lang="it-IT" dirty="0" err="1"/>
+              <a:t>without</a:t>
+            </a:r>
+            <a:r>
+              <a:rPr lang="it-IT" dirty="0"/>
+              <a:t> </a:t>
+            </a:r>
+            <a:r>
+              <a:rPr lang="it-IT" dirty="0" err="1"/>
+              <a:t>any</a:t>
+            </a:r>
+            <a:r>
+              <a:rPr lang="it-IT" dirty="0"/>
+              <a:t> </a:t>
+            </a:r>
+            <a:r>
+              <a:rPr lang="it-IT" dirty="0" err="1"/>
+              <a:t>errors</a:t>
+            </a:r>
+            <a:r>
+              <a:rPr lang="it-IT" dirty="0"/>
+              <a:t> </a:t>
+            </a:r>
+            <a:r>
+              <a:rPr lang="it-IT" dirty="0" err="1"/>
+              <a:t>during</a:t>
+            </a:r>
+            <a:r>
+              <a:rPr lang="it-IT" dirty="0"/>
+              <a:t> the </a:t>
+            </a:r>
+            <a:r>
+              <a:rPr lang="it-IT" dirty="0" err="1"/>
+              <a:t>path</a:t>
+            </a:r>
             <a:endParaRPr lang="it-IT" dirty="0"/>
           </a:p>
         </p:txBody>
@@ -3891,6 +4121,349 @@
     <p:extLst>
       <p:ext uri="{BB962C8B-B14F-4D97-AF65-F5344CB8AC3E}">
         <p14:creationId xmlns:p14="http://schemas.microsoft.com/office/powerpoint/2010/main" val="2952948052"/>
+      </p:ext>
+    </p:extLst>
+  </p:cSld>
+  <p:clrMapOvr>
+    <a:masterClrMapping/>
+  </p:clrMapOvr>
+</p:sld>
+</file>
+
+<file path=ppt/slides/slide12.xml><?xml version="1.0" encoding="utf-8"?>
+<p:sld xmlns:a="http://schemas.openxmlformats.org/drawingml/2006/main" xmlns:r="http://schemas.openxmlformats.org/officeDocument/2006/relationships" xmlns:p="http://schemas.openxmlformats.org/presentationml/2006/main">
+  <p:cSld>
+    <p:bg>
+      <p:bgPr>
+        <a:solidFill>
+          <a:schemeClr val="bg1"/>
+        </a:solidFill>
+        <a:effectLst/>
+      </p:bgPr>
+    </p:bg>
+    <p:spTree>
+      <p:nvGrpSpPr>
+        <p:cNvPr id="1" name=""/>
+        <p:cNvGrpSpPr/>
+        <p:nvPr/>
+      </p:nvGrpSpPr>
+      <p:grpSpPr>
+        <a:xfrm>
+          <a:off x="0" y="0"/>
+          <a:ext cx="0" cy="0"/>
+          <a:chOff x="0" y="0"/>
+          <a:chExt cx="0" cy="0"/>
+        </a:xfrm>
+      </p:grpSpPr>
+      <p:cxnSp>
+        <p:nvCxnSpPr>
+          <p:cNvPr id="21" name="Straight Connector 20">
+            <a:extLst>
+              <a:ext uri="{FF2B5EF4-FFF2-40B4-BE49-F238E27FC236}">
+                <a16:creationId xmlns:a16="http://schemas.microsoft.com/office/drawing/2014/main" id="{DB146403-F3D6-484B-B2ED-97F9565D0370}"/>
+              </a:ext>
+              <a:ext uri="{C183D7F6-B498-43B3-948B-1728B52AA6E4}">
+                <adec:decorative xmlns:adec="http://schemas.microsoft.com/office/drawing/2017/decorative" val="1"/>
+              </a:ext>
+            </a:extLst>
+          </p:cNvPr>
+          <p:cNvCxnSpPr>
+            <a:cxnSpLocks noGrp="1" noRot="1" noChangeAspect="1" noMove="1" noResize="1" noEditPoints="1" noAdjustHandles="1" noChangeArrowheads="1" noChangeShapeType="1"/>
+          </p:cNvCxnSpPr>
+          <p:nvPr>
+            <p:extLst>
+              <p:ext uri="{386F3935-93C4-4BCD-93E2-E3B085C9AB24}">
+                <p16:designElem xmlns:p16="http://schemas.microsoft.com/office/powerpoint/2015/main" val="1"/>
+              </p:ext>
+            </p:extLst>
+          </p:nvPr>
+        </p:nvCxnSpPr>
+        <p:spPr>
+          <a:xfrm>
+            <a:off x="6096000" y="477749"/>
+            <a:ext cx="0" cy="3657600"/>
+          </a:xfrm>
+          <a:prstGeom prst="line">
+            <a:avLst/>
+          </a:prstGeom>
+          <a:ln w="101600" cmpd="dbl">
+            <a:solidFill>
+              <a:srgbClr val="595959"/>
+            </a:solidFill>
+          </a:ln>
+        </p:spPr>
+        <p:style>
+          <a:lnRef idx="1">
+            <a:schemeClr val="accent1"/>
+          </a:lnRef>
+          <a:fillRef idx="0">
+            <a:schemeClr val="accent1"/>
+          </a:fillRef>
+          <a:effectRef idx="0">
+            <a:schemeClr val="accent1"/>
+          </a:effectRef>
+          <a:fontRef idx="minor">
+            <a:schemeClr val="tx1"/>
+          </a:fontRef>
+        </p:style>
+      </p:cxnSp>
+      <p:sp>
+        <p:nvSpPr>
+          <p:cNvPr id="23" name="Rectangle 22">
+            <a:extLst>
+              <a:ext uri="{FF2B5EF4-FFF2-40B4-BE49-F238E27FC236}">
+                <a16:creationId xmlns:a16="http://schemas.microsoft.com/office/drawing/2014/main" id="{823AC064-BC96-4F32-8AE1-B2FD38754823}"/>
+              </a:ext>
+              <a:ext uri="{C183D7F6-B498-43B3-948B-1728B52AA6E4}">
+                <adec:decorative xmlns:adec="http://schemas.microsoft.com/office/drawing/2017/decorative" val="1"/>
+              </a:ext>
+            </a:extLst>
+          </p:cNvPr>
+          <p:cNvSpPr>
+            <a:spLocks noGrp="1" noRot="1" noChangeAspect="1" noMove="1" noResize="1" noEditPoints="1" noAdjustHandles="1" noChangeArrowheads="1" noChangeShapeType="1" noTextEdit="1"/>
+          </p:cNvSpPr>
+          <p:nvPr>
+            <p:extLst>
+              <p:ext uri="{386F3935-93C4-4BCD-93E2-E3B085C9AB24}">
+                <p16:designElem xmlns:p16="http://schemas.microsoft.com/office/powerpoint/2015/main" val="1"/>
+              </p:ext>
+            </p:extLst>
+          </p:nvPr>
+        </p:nvSpPr>
+        <p:spPr bwMode="ltGray">
+          <a:xfrm>
+            <a:off x="378068" y="4633546"/>
+            <a:ext cx="11438793" cy="1844256"/>
+          </a:xfrm>
+          <a:prstGeom prst="rect">
+            <a:avLst/>
+          </a:prstGeom>
+          <a:solidFill>
+            <a:srgbClr val="404040"/>
+          </a:solidFill>
+          <a:ln w="127000" cap="sq" cmpd="thinThick">
+            <a:solidFill>
+              <a:srgbClr val="404040"/>
+            </a:solidFill>
+          </a:ln>
+        </p:spPr>
+        <p:style>
+          <a:lnRef idx="2">
+            <a:schemeClr val="accent1">
+              <a:shade val="50000"/>
+            </a:schemeClr>
+          </a:lnRef>
+          <a:fillRef idx="1">
+            <a:schemeClr val="accent1"/>
+          </a:fillRef>
+          <a:effectRef idx="0">
+            <a:schemeClr val="accent1"/>
+          </a:effectRef>
+          <a:fontRef idx="minor">
+            <a:schemeClr val="lt1"/>
+          </a:fontRef>
+        </p:style>
+        <p:txBody>
+          <a:bodyPr rtlCol="0" anchor="ctr"/>
+          <a:lstStyle/>
+          <a:p>
+            <a:pPr algn="ctr"/>
+            <a:endParaRPr lang="en-US"/>
+          </a:p>
+        </p:txBody>
+      </p:sp>
+      <p:sp>
+        <p:nvSpPr>
+          <p:cNvPr id="5" name="CasellaDiTesto 4">
+            <a:extLst>
+              <a:ext uri="{FF2B5EF4-FFF2-40B4-BE49-F238E27FC236}">
+                <a16:creationId xmlns:a16="http://schemas.microsoft.com/office/drawing/2014/main" id="{E8E11B47-AF0B-4BB8-A4DF-8E2E389A382F}"/>
+              </a:ext>
+            </a:extLst>
+          </p:cNvPr>
+          <p:cNvSpPr txBox="1"/>
+          <p:nvPr/>
+        </p:nvSpPr>
+        <p:spPr>
+          <a:xfrm>
+            <a:off x="527538" y="4756638"/>
+            <a:ext cx="11139854" cy="930447"/>
+          </a:xfrm>
+          <a:prstGeom prst="rect">
+            <a:avLst/>
+          </a:prstGeom>
+        </p:spPr>
+        <p:txBody>
+          <a:bodyPr vert="horz" lIns="91440" tIns="45720" rIns="91440" bIns="45720" rtlCol="0" anchor="b">
+            <a:normAutofit/>
+          </a:bodyPr>
+          <a:lstStyle/>
+          <a:p>
+            <a:pPr algn="ctr">
+              <a:lnSpc>
+                <a:spcPct val="90000"/>
+              </a:lnSpc>
+              <a:spcBef>
+                <a:spcPct val="0"/>
+              </a:spcBef>
+              <a:spcAft>
+                <a:spcPts val="600"/>
+              </a:spcAft>
+            </a:pPr>
+            <a:r>
+              <a:rPr lang="en-US" sz="2600">
+                <a:solidFill>
+                  <a:srgbClr val="FFFFFF"/>
+                </a:solidFill>
+                <a:latin typeface="+mj-lt"/>
+                <a:ea typeface="+mj-ea"/>
+                <a:cs typeface="+mj-cs"/>
+              </a:rPr>
+              <a:t>In this case we have a complete randomization </a:t>
+            </a:r>
+          </a:p>
+          <a:p>
+            <a:pPr algn="ctr">
+              <a:lnSpc>
+                <a:spcPct val="90000"/>
+              </a:lnSpc>
+              <a:spcBef>
+                <a:spcPct val="0"/>
+              </a:spcBef>
+              <a:spcAft>
+                <a:spcPts val="600"/>
+              </a:spcAft>
+            </a:pPr>
+            <a:r>
+              <a:rPr lang="en-US" sz="2600">
+                <a:solidFill>
+                  <a:srgbClr val="FFFFFF"/>
+                </a:solidFill>
+                <a:latin typeface="+mj-lt"/>
+                <a:ea typeface="+mj-ea"/>
+                <a:cs typeface="+mj-cs"/>
+              </a:rPr>
+              <a:t>of the action choice.</a:t>
+            </a:r>
+          </a:p>
+        </p:txBody>
+      </p:sp>
+      <p:pic>
+        <p:nvPicPr>
+          <p:cNvPr id="9" name="Segnaposto contenuto 3">
+            <a:extLst>
+              <a:ext uri="{FF2B5EF4-FFF2-40B4-BE49-F238E27FC236}">
+                <a16:creationId xmlns:a16="http://schemas.microsoft.com/office/drawing/2014/main" id="{714901DA-9E86-49EF-BC2A-75AB66A08364}"/>
+              </a:ext>
+            </a:extLst>
+          </p:cNvPr>
+          <p:cNvPicPr>
+            <a:picLocks noChangeAspect="1"/>
+          </p:cNvPicPr>
+          <p:nvPr/>
+        </p:nvPicPr>
+        <p:blipFill>
+          <a:blip r:embed="rId2"/>
+          <a:stretch>
+            <a:fillRect/>
+          </a:stretch>
+        </p:blipFill>
+        <p:spPr>
+          <a:xfrm>
+            <a:off x="443674" y="307731"/>
+            <a:ext cx="5208648" cy="3997637"/>
+          </a:xfrm>
+          <a:prstGeom prst="rect">
+            <a:avLst/>
+          </a:prstGeom>
+        </p:spPr>
+      </p:pic>
+      <p:pic>
+        <p:nvPicPr>
+          <p:cNvPr id="6" name="Immagine 5">
+            <a:extLst>
+              <a:ext uri="{FF2B5EF4-FFF2-40B4-BE49-F238E27FC236}">
+                <a16:creationId xmlns:a16="http://schemas.microsoft.com/office/drawing/2014/main" id="{E0906B8B-38E9-474C-B39B-8D6247F1EA62}"/>
+              </a:ext>
+            </a:extLst>
+          </p:cNvPr>
+          <p:cNvPicPr>
+            <a:picLocks noChangeAspect="1"/>
+          </p:cNvPicPr>
+          <p:nvPr/>
+        </p:nvPicPr>
+        <p:blipFill>
+          <a:blip r:embed="rId3"/>
+          <a:stretch>
+            <a:fillRect/>
+          </a:stretch>
+        </p:blipFill>
+        <p:spPr>
+          <a:xfrm>
+            <a:off x="6513977" y="307731"/>
+            <a:ext cx="5260049" cy="3997637"/>
+          </a:xfrm>
+          <a:prstGeom prst="rect">
+            <a:avLst/>
+          </a:prstGeom>
+        </p:spPr>
+      </p:pic>
+      <p:cxnSp>
+        <p:nvCxnSpPr>
+          <p:cNvPr id="25" name="Straight Connector 24">
+            <a:extLst>
+              <a:ext uri="{FF2B5EF4-FFF2-40B4-BE49-F238E27FC236}">
+                <a16:creationId xmlns:a16="http://schemas.microsoft.com/office/drawing/2014/main" id="{7E7C77BC-7138-40B1-A15B-20F57A494629}"/>
+              </a:ext>
+              <a:ext uri="{C183D7F6-B498-43B3-948B-1728B52AA6E4}">
+                <adec:decorative xmlns:adec="http://schemas.microsoft.com/office/drawing/2017/decorative" val="1"/>
+              </a:ext>
+            </a:extLst>
+          </p:cNvPr>
+          <p:cNvCxnSpPr>
+            <a:cxnSpLocks noGrp="1" noRot="1" noChangeAspect="1" noMove="1" noResize="1" noEditPoints="1" noAdjustHandles="1" noChangeArrowheads="1" noChangeShapeType="1"/>
+          </p:cNvCxnSpPr>
+          <p:nvPr>
+            <p:extLst>
+              <p:ext uri="{386F3935-93C4-4BCD-93E2-E3B085C9AB24}">
+                <p16:designElem xmlns:p16="http://schemas.microsoft.com/office/powerpoint/2015/main" val="1"/>
+              </p:ext>
+            </p:extLst>
+          </p:nvPr>
+        </p:nvCxnSpPr>
+        <p:spPr>
+          <a:xfrm>
+            <a:off x="2209800" y="5738691"/>
+            <a:ext cx="7772400" cy="0"/>
+          </a:xfrm>
+          <a:prstGeom prst="line">
+            <a:avLst/>
+          </a:prstGeom>
+          <a:ln w="22225">
+            <a:solidFill>
+              <a:srgbClr val="D9D9D9"/>
+            </a:solidFill>
+          </a:ln>
+        </p:spPr>
+        <p:style>
+          <a:lnRef idx="1">
+            <a:schemeClr val="accent1"/>
+          </a:lnRef>
+          <a:fillRef idx="0">
+            <a:schemeClr val="accent1"/>
+          </a:fillRef>
+          <a:effectRef idx="0">
+            <a:schemeClr val="accent1"/>
+          </a:effectRef>
+          <a:fontRef idx="minor">
+            <a:schemeClr val="tx1"/>
+          </a:fontRef>
+        </p:style>
+      </p:cxnSp>
+    </p:spTree>
+    <p:extLst>
+      <p:ext uri="{BB962C8B-B14F-4D97-AF65-F5344CB8AC3E}">
+        <p14:creationId xmlns:p14="http://schemas.microsoft.com/office/powerpoint/2010/main" val="269996310"/>
       </p:ext>
     </p:extLst>
   </p:cSld>
@@ -3919,6 +4492,86 @@
       </p:grpSpPr>
       <p:sp>
         <p:nvSpPr>
+          <p:cNvPr id="2" name="Titolo 1">
+            <a:extLst>
+              <a:ext uri="{FF2B5EF4-FFF2-40B4-BE49-F238E27FC236}">
+                <a16:creationId xmlns:a16="http://schemas.microsoft.com/office/drawing/2014/main" id="{C59D1E69-C05D-43A4-A17F-B3E7398F5F82}"/>
+              </a:ext>
+            </a:extLst>
+          </p:cNvPr>
+          <p:cNvSpPr>
+            <a:spLocks noGrp="1"/>
+          </p:cNvSpPr>
+          <p:nvPr>
+            <p:ph type="title"/>
+          </p:nvPr>
+        </p:nvSpPr>
+        <p:spPr/>
+        <p:txBody>
+          <a:bodyPr/>
+          <a:lstStyle/>
+          <a:p>
+            <a:endParaRPr lang="it-IT"/>
+          </a:p>
+        </p:txBody>
+      </p:sp>
+      <p:sp>
+        <p:nvSpPr>
+          <p:cNvPr id="3" name="Segnaposto contenuto 2">
+            <a:extLst>
+              <a:ext uri="{FF2B5EF4-FFF2-40B4-BE49-F238E27FC236}">
+                <a16:creationId xmlns:a16="http://schemas.microsoft.com/office/drawing/2014/main" id="{DA604C76-DDD1-41EF-BAFC-81AF23D37F34}"/>
+              </a:ext>
+            </a:extLst>
+          </p:cNvPr>
+          <p:cNvSpPr>
+            <a:spLocks noGrp="1"/>
+          </p:cNvSpPr>
+          <p:nvPr>
+            <p:ph idx="1"/>
+          </p:nvPr>
+        </p:nvSpPr>
+        <p:spPr/>
+        <p:txBody>
+          <a:bodyPr/>
+          <a:lstStyle/>
+          <a:p>
+            <a:endParaRPr lang="it-IT"/>
+          </a:p>
+        </p:txBody>
+      </p:sp>
+    </p:spTree>
+    <p:extLst>
+      <p:ext uri="{BB962C8B-B14F-4D97-AF65-F5344CB8AC3E}">
+        <p14:creationId xmlns:p14="http://schemas.microsoft.com/office/powerpoint/2010/main" val="3197737932"/>
+      </p:ext>
+    </p:extLst>
+  </p:cSld>
+  <p:clrMapOvr>
+    <a:masterClrMapping/>
+  </p:clrMapOvr>
+</p:sld>
+</file>
+
+<file path=ppt/slides/slide14.xml><?xml version="1.0" encoding="utf-8"?>
+<p:sld xmlns:a="http://schemas.openxmlformats.org/drawingml/2006/main" xmlns:r="http://schemas.openxmlformats.org/officeDocument/2006/relationships" xmlns:p="http://schemas.openxmlformats.org/presentationml/2006/main">
+  <p:cSld>
+    <p:spTree>
+      <p:nvGrpSpPr>
+        <p:cNvPr id="1" name=""/>
+        <p:cNvGrpSpPr/>
+        <p:nvPr/>
+      </p:nvGrpSpPr>
+      <p:grpSpPr>
+        <a:xfrm>
+          <a:off x="0" y="0"/>
+          <a:ext cx="0" cy="0"/>
+          <a:chOff x="0" y="0"/>
+          <a:chExt cx="0" cy="0"/>
+        </a:xfrm>
+      </p:grpSpPr>
+      <p:sp>
+        <p:nvSpPr>
           <p:cNvPr id="3" name="Segnaposto contenuto 2">
             <a:extLst>
               <a:ext uri="{FF2B5EF4-FFF2-40B4-BE49-F238E27FC236}">
@@ -4350,8 +5003,8 @@
         </p:blipFill>
         <p:spPr>
           <a:xfrm>
-            <a:off x="3080824" y="1269097"/>
-            <a:ext cx="5711483" cy="2559462"/>
+            <a:off x="2930769" y="1184691"/>
+            <a:ext cx="6330462" cy="2836842"/>
           </a:xfrm>
           <a:prstGeom prst="rect">
             <a:avLst/>
@@ -5576,133 +6229,6 @@
           <p:cNvPr id="2" name="Titolo 1">
             <a:extLst>
               <a:ext uri="{FF2B5EF4-FFF2-40B4-BE49-F238E27FC236}">
-                <a16:creationId xmlns:a16="http://schemas.microsoft.com/office/drawing/2014/main" id="{E497D036-A27E-4993-8A24-90D62EBB91C5}"/>
-              </a:ext>
-            </a:extLst>
-          </p:cNvPr>
-          <p:cNvSpPr>
-            <a:spLocks noGrp="1"/>
-          </p:cNvSpPr>
-          <p:nvPr>
-            <p:ph type="title"/>
-          </p:nvPr>
-        </p:nvSpPr>
-        <p:spPr/>
-        <p:txBody>
-          <a:bodyPr/>
-          <a:lstStyle/>
-          <a:p>
-            <a:r>
-              <a:rPr lang="it-IT" dirty="0"/>
-              <a:t>Notes</a:t>
-            </a:r>
-          </a:p>
-        </p:txBody>
-      </p:sp>
-      <p:sp>
-        <p:nvSpPr>
-          <p:cNvPr id="3" name="Segnaposto contenuto 2">
-            <a:extLst>
-              <a:ext uri="{FF2B5EF4-FFF2-40B4-BE49-F238E27FC236}">
-                <a16:creationId xmlns:a16="http://schemas.microsoft.com/office/drawing/2014/main" id="{250137BD-A468-47F9-B2CC-78061BBFF9BF}"/>
-              </a:ext>
-            </a:extLst>
-          </p:cNvPr>
-          <p:cNvSpPr>
-            <a:spLocks noGrp="1"/>
-          </p:cNvSpPr>
-          <p:nvPr>
-            <p:ph idx="1"/>
-          </p:nvPr>
-        </p:nvSpPr>
-        <p:spPr/>
-        <p:txBody>
-          <a:bodyPr/>
-          <a:lstStyle/>
-          <a:p>
-            <a:r>
-              <a:rPr lang="it-IT" dirty="0"/>
-              <a:t>Q </a:t>
-            </a:r>
-            <a:r>
-              <a:rPr lang="it-IT" dirty="0" err="1"/>
-              <a:t>table</a:t>
-            </a:r>
-            <a:r>
-              <a:rPr lang="it-IT" dirty="0"/>
-              <a:t> and q </a:t>
-            </a:r>
-            <a:r>
-              <a:rPr lang="it-IT" dirty="0" err="1"/>
-              <a:t>value</a:t>
-            </a:r>
-            <a:endParaRPr lang="it-IT" dirty="0"/>
-          </a:p>
-          <a:p>
-            <a:r>
-              <a:rPr lang="it-IT" dirty="0"/>
-              <a:t>Policy epsilon</a:t>
-            </a:r>
-          </a:p>
-          <a:p>
-            <a:r>
-              <a:rPr lang="it-IT" dirty="0"/>
-              <a:t>Compare </a:t>
-            </a:r>
-            <a:r>
-              <a:rPr lang="it-IT" dirty="0" err="1"/>
-              <a:t>value</a:t>
-            </a:r>
-            <a:endParaRPr lang="it-IT" dirty="0"/>
-          </a:p>
-          <a:p>
-            <a:r>
-              <a:rPr lang="it-IT" dirty="0"/>
-              <a:t>Little cake on </a:t>
-            </a:r>
-            <a:r>
-              <a:rPr lang="it-IT" dirty="0" err="1"/>
-              <a:t>path</a:t>
-            </a:r>
-            <a:endParaRPr lang="it-IT" dirty="0"/>
-          </a:p>
-        </p:txBody>
-      </p:sp>
-    </p:spTree>
-    <p:extLst>
-      <p:ext uri="{BB962C8B-B14F-4D97-AF65-F5344CB8AC3E}">
-        <p14:creationId xmlns:p14="http://schemas.microsoft.com/office/powerpoint/2010/main" val="3177810981"/>
-      </p:ext>
-    </p:extLst>
-  </p:cSld>
-  <p:clrMapOvr>
-    <a:masterClrMapping/>
-  </p:clrMapOvr>
-</p:sld>
-</file>
-
-<file path=ppt/slides/slide6.xml><?xml version="1.0" encoding="utf-8"?>
-<p:sld xmlns:a="http://schemas.openxmlformats.org/drawingml/2006/main" xmlns:r="http://schemas.openxmlformats.org/officeDocument/2006/relationships" xmlns:p="http://schemas.openxmlformats.org/presentationml/2006/main">
-  <p:cSld>
-    <p:spTree>
-      <p:nvGrpSpPr>
-        <p:cNvPr id="1" name=""/>
-        <p:cNvGrpSpPr/>
-        <p:nvPr/>
-      </p:nvGrpSpPr>
-      <p:grpSpPr>
-        <a:xfrm>
-          <a:off x="0" y="0"/>
-          <a:ext cx="0" cy="0"/>
-          <a:chOff x="0" y="0"/>
-          <a:chExt cx="0" cy="0"/>
-        </a:xfrm>
-      </p:grpSpPr>
-      <p:sp>
-        <p:nvSpPr>
-          <p:cNvPr id="2" name="Titolo 1">
-            <a:extLst>
-              <a:ext uri="{FF2B5EF4-FFF2-40B4-BE49-F238E27FC236}">
                 <a16:creationId xmlns:a16="http://schemas.microsoft.com/office/drawing/2014/main" id="{ED572C7A-CB0D-4BFD-B630-164C31D1669D}"/>
               </a:ext>
             </a:extLst>
@@ -6567,7 +7093,7 @@
 </p:sld>
 </file>
 
-<file path=ppt/slides/slide7.xml><?xml version="1.0" encoding="utf-8"?>
+<file path=ppt/slides/slide6.xml><?xml version="1.0" encoding="utf-8"?>
 <p:sld xmlns:a="http://schemas.openxmlformats.org/drawingml/2006/main" xmlns:r="http://schemas.openxmlformats.org/officeDocument/2006/relationships" xmlns:p="http://schemas.openxmlformats.org/presentationml/2006/main">
   <p:cSld>
     <p:spTree>
@@ -6912,7 +7438,7 @@
 </p:sld>
 </file>
 
-<file path=ppt/slides/slide8.xml><?xml version="1.0" encoding="utf-8"?>
+<file path=ppt/slides/slide7.xml><?xml version="1.0" encoding="utf-8"?>
 <p:sld xmlns:a="http://schemas.openxmlformats.org/drawingml/2006/main" xmlns:r="http://schemas.openxmlformats.org/officeDocument/2006/relationships" xmlns:p="http://schemas.openxmlformats.org/presentationml/2006/main">
   <p:cSld>
     <p:spTree>
@@ -7402,7 +7928,7 @@
 </p:sld>
 </file>
 
-<file path=ppt/slides/slide9.xml><?xml version="1.0" encoding="utf-8"?>
+<file path=ppt/slides/slide8.xml><?xml version="1.0" encoding="utf-8"?>
 <p:sld xmlns:a="http://schemas.openxmlformats.org/drawingml/2006/main" xmlns:r="http://schemas.openxmlformats.org/officeDocument/2006/relationships" xmlns:p="http://schemas.openxmlformats.org/presentationml/2006/main">
   <p:cSld>
     <p:spTree>
@@ -7631,6 +8157,279 @@
     <p:extLst>
       <p:ext uri="{BB962C8B-B14F-4D97-AF65-F5344CB8AC3E}">
         <p14:creationId xmlns:p14="http://schemas.microsoft.com/office/powerpoint/2010/main" val="321259936"/>
+      </p:ext>
+    </p:extLst>
+  </p:cSld>
+  <p:clrMapOvr>
+    <a:masterClrMapping/>
+  </p:clrMapOvr>
+</p:sld>
+</file>
+
+<file path=ppt/slides/slide9.xml><?xml version="1.0" encoding="utf-8"?>
+<p:sld xmlns:a="http://schemas.openxmlformats.org/drawingml/2006/main" xmlns:r="http://schemas.openxmlformats.org/officeDocument/2006/relationships" xmlns:p="http://schemas.openxmlformats.org/presentationml/2006/main">
+  <p:cSld>
+    <p:spTree>
+      <p:nvGrpSpPr>
+        <p:cNvPr id="1" name=""/>
+        <p:cNvGrpSpPr/>
+        <p:nvPr/>
+      </p:nvGrpSpPr>
+      <p:grpSpPr>
+        <a:xfrm>
+          <a:off x="0" y="0"/>
+          <a:ext cx="0" cy="0"/>
+          <a:chOff x="0" y="0"/>
+          <a:chExt cx="0" cy="0"/>
+        </a:xfrm>
+      </p:grpSpPr>
+      <p:sp>
+        <p:nvSpPr>
+          <p:cNvPr id="3" name="Segnaposto contenuto 2">
+            <a:extLst>
+              <a:ext uri="{FF2B5EF4-FFF2-40B4-BE49-F238E27FC236}">
+                <a16:creationId xmlns:a16="http://schemas.microsoft.com/office/drawing/2014/main" id="{1D362BC4-1F3D-48EC-B054-A15887D4BAD7}"/>
+              </a:ext>
+            </a:extLst>
+          </p:cNvPr>
+          <p:cNvSpPr>
+            <a:spLocks noGrp="1"/>
+          </p:cNvSpPr>
+          <p:nvPr>
+            <p:ph idx="1"/>
+          </p:nvPr>
+        </p:nvSpPr>
+        <p:spPr>
+          <a:xfrm>
+            <a:off x="838200" y="478302"/>
+            <a:ext cx="10515600" cy="5698661"/>
+          </a:xfrm>
+        </p:spPr>
+        <p:txBody>
+          <a:bodyPr/>
+          <a:lstStyle/>
+          <a:p>
+            <a:r>
+              <a:rPr lang="it-IT" dirty="0" err="1"/>
+              <a:t>Complex</a:t>
+            </a:r>
+            <a:r>
+              <a:rPr lang="it-IT" dirty="0"/>
+              <a:t> </a:t>
+            </a:r>
+            <a:r>
+              <a:rPr lang="it-IT" dirty="0" err="1"/>
+              <a:t>environment</a:t>
+            </a:r>
+            <a:endParaRPr lang="it-IT" dirty="0"/>
+          </a:p>
+          <a:p>
+            <a:endParaRPr lang="it-IT" dirty="0"/>
+          </a:p>
+          <a:p>
+            <a:endParaRPr lang="it-IT" dirty="0"/>
+          </a:p>
+          <a:p>
+            <a:endParaRPr lang="it-IT" dirty="0"/>
+          </a:p>
+          <a:p>
+            <a:pPr marL="0" indent="0">
+              <a:buNone/>
+            </a:pPr>
+            <a:endParaRPr lang="it-IT" dirty="0"/>
+          </a:p>
+          <a:p>
+            <a:pPr lvl="1"/>
+            <a:r>
+              <a:rPr lang="it-IT" dirty="0" err="1"/>
+              <a:t>Also</a:t>
+            </a:r>
+            <a:r>
+              <a:rPr lang="it-IT" dirty="0"/>
+              <a:t> in </a:t>
+            </a:r>
+            <a:r>
+              <a:rPr lang="it-IT" dirty="0" err="1"/>
+              <a:t>this</a:t>
+            </a:r>
+            <a:r>
+              <a:rPr lang="it-IT" dirty="0"/>
+              <a:t> case, for the first </a:t>
+            </a:r>
+            <a:r>
+              <a:rPr lang="it-IT" dirty="0" err="1"/>
+              <a:t>episode</a:t>
+            </a:r>
+            <a:r>
+              <a:rPr lang="it-IT" dirty="0"/>
+              <a:t>, agent </a:t>
+            </a:r>
+            <a:r>
+              <a:rPr lang="it-IT" dirty="0" err="1"/>
+              <a:t>bumps</a:t>
+            </a:r>
+            <a:endParaRPr lang="it-IT" dirty="0"/>
+          </a:p>
+          <a:p>
+            <a:pPr marL="457200" lvl="1" indent="0">
+              <a:buNone/>
+            </a:pPr>
+            <a:r>
+              <a:rPr lang="it-IT" dirty="0"/>
+              <a:t>   </a:t>
+            </a:r>
+            <a:r>
+              <a:rPr lang="it-IT" dirty="0" err="1"/>
+              <a:t>many</a:t>
+            </a:r>
+            <a:r>
+              <a:rPr lang="it-IT" dirty="0"/>
+              <a:t> times </a:t>
+            </a:r>
+            <a:r>
+              <a:rPr lang="it-IT" dirty="0" err="1"/>
+              <a:t>against</a:t>
+            </a:r>
+            <a:r>
+              <a:rPr lang="it-IT" dirty="0"/>
+              <a:t> a </a:t>
+            </a:r>
+            <a:r>
+              <a:rPr lang="it-IT" dirty="0" err="1"/>
+              <a:t>wall</a:t>
+            </a:r>
+            <a:r>
+              <a:rPr lang="it-IT" dirty="0"/>
+              <a:t>, </a:t>
+            </a:r>
+            <a:r>
+              <a:rPr lang="it-IT" dirty="0" err="1"/>
+              <a:t>obtaining</a:t>
+            </a:r>
+            <a:r>
+              <a:rPr lang="it-IT" dirty="0"/>
+              <a:t> at the end </a:t>
+            </a:r>
+            <a:r>
+              <a:rPr lang="it-IT" dirty="0" err="1"/>
+              <a:t>this</a:t>
+            </a:r>
+            <a:r>
+              <a:rPr lang="it-IT" dirty="0"/>
+              <a:t> </a:t>
+            </a:r>
+          </a:p>
+          <a:p>
+            <a:pPr marL="457200" lvl="1" indent="0">
+              <a:buNone/>
+            </a:pPr>
+            <a:r>
+              <a:rPr lang="it-IT" dirty="0"/>
+              <a:t>   Q-matrix</a:t>
+            </a:r>
+          </a:p>
+          <a:p>
+            <a:pPr marL="457200" lvl="1" indent="0">
+              <a:buNone/>
+            </a:pPr>
+            <a:endParaRPr lang="it-IT" dirty="0"/>
+          </a:p>
+          <a:p>
+            <a:pPr marL="457200" lvl="1" indent="0">
+              <a:buNone/>
+            </a:pPr>
+            <a:endParaRPr lang="it-IT" dirty="0"/>
+          </a:p>
+          <a:p>
+            <a:pPr marL="457200" lvl="1" indent="0">
+              <a:buNone/>
+            </a:pPr>
+            <a:endParaRPr lang="it-IT" dirty="0"/>
+          </a:p>
+          <a:p>
+            <a:pPr marL="457200" lvl="1" indent="0">
+              <a:buNone/>
+            </a:pPr>
+            <a:endParaRPr lang="it-IT" dirty="0"/>
+          </a:p>
+          <a:p>
+            <a:pPr marL="457200" lvl="1" indent="0">
+              <a:buNone/>
+            </a:pPr>
+            <a:endParaRPr lang="it-IT" dirty="0"/>
+          </a:p>
+          <a:p>
+            <a:pPr marL="457200" lvl="1" indent="0">
+              <a:buNone/>
+            </a:pPr>
+            <a:endParaRPr lang="it-IT" dirty="0"/>
+          </a:p>
+        </p:txBody>
+      </p:sp>
+      <p:pic>
+        <p:nvPicPr>
+          <p:cNvPr id="4" name="Immagine 3">
+            <a:extLst>
+              <a:ext uri="{FF2B5EF4-FFF2-40B4-BE49-F238E27FC236}">
+                <a16:creationId xmlns:a16="http://schemas.microsoft.com/office/drawing/2014/main" id="{CA8D9D73-0B0B-4233-8F6B-EFFCE3DBA5FE}"/>
+              </a:ext>
+            </a:extLst>
+          </p:cNvPr>
+          <p:cNvPicPr>
+            <a:picLocks noChangeAspect="1"/>
+          </p:cNvPicPr>
+          <p:nvPr/>
+        </p:nvPicPr>
+        <p:blipFill>
+          <a:blip r:embed="rId2"/>
+          <a:stretch>
+            <a:fillRect/>
+          </a:stretch>
+        </p:blipFill>
+        <p:spPr>
+          <a:xfrm>
+            <a:off x="9033436" y="681037"/>
+            <a:ext cx="2127080" cy="2948428"/>
+          </a:xfrm>
+          <a:prstGeom prst="rect">
+            <a:avLst/>
+          </a:prstGeom>
+        </p:spPr>
+      </p:pic>
+      <p:pic>
+        <p:nvPicPr>
+          <p:cNvPr id="5" name="Immagine 4">
+            <a:extLst>
+              <a:ext uri="{FF2B5EF4-FFF2-40B4-BE49-F238E27FC236}">
+                <a16:creationId xmlns:a16="http://schemas.microsoft.com/office/drawing/2014/main" id="{91D0C4D2-0374-4A8B-9114-AC9F57C6FD05}"/>
+              </a:ext>
+            </a:extLst>
+          </p:cNvPr>
+          <p:cNvPicPr>
+            <a:picLocks noChangeAspect="1"/>
+          </p:cNvPicPr>
+          <p:nvPr/>
+        </p:nvPicPr>
+        <p:blipFill>
+          <a:blip r:embed="rId3"/>
+          <a:stretch>
+            <a:fillRect/>
+          </a:stretch>
+        </p:blipFill>
+        <p:spPr>
+          <a:xfrm>
+            <a:off x="2924579" y="4028488"/>
+            <a:ext cx="8210080" cy="1725198"/>
+          </a:xfrm>
+          <a:prstGeom prst="rect">
+            <a:avLst/>
+          </a:prstGeom>
+        </p:spPr>
+      </p:pic>
+    </p:spTree>
+    <p:extLst>
+      <p:ext uri="{BB962C8B-B14F-4D97-AF65-F5344CB8AC3E}">
+        <p14:creationId xmlns:p14="http://schemas.microsoft.com/office/powerpoint/2010/main" val="942120346"/>
       </p:ext>
     </p:extLst>
   </p:cSld>

--- a/Presentation/SDU_SummerSchool_Presentation.pptx
+++ b/Presentation/SDU_SummerSchool_Presentation.pptx
@@ -8,17 +8,19 @@
     <p:sldId id="256" r:id="rId2"/>
     <p:sldId id="257" r:id="rId3"/>
     <p:sldId id="259" r:id="rId4"/>
-    <p:sldId id="258" r:id="rId5"/>
-    <p:sldId id="260" r:id="rId6"/>
-    <p:sldId id="262" r:id="rId7"/>
-    <p:sldId id="263" r:id="rId8"/>
-    <p:sldId id="264" r:id="rId9"/>
-    <p:sldId id="265" r:id="rId10"/>
-    <p:sldId id="266" r:id="rId11"/>
-    <p:sldId id="268" r:id="rId12"/>
-    <p:sldId id="269" r:id="rId13"/>
-    <p:sldId id="270" r:id="rId14"/>
-    <p:sldId id="267" r:id="rId15"/>
+    <p:sldId id="272" r:id="rId5"/>
+    <p:sldId id="271" r:id="rId6"/>
+    <p:sldId id="258" r:id="rId7"/>
+    <p:sldId id="260" r:id="rId8"/>
+    <p:sldId id="262" r:id="rId9"/>
+    <p:sldId id="263" r:id="rId10"/>
+    <p:sldId id="264" r:id="rId11"/>
+    <p:sldId id="265" r:id="rId12"/>
+    <p:sldId id="266" r:id="rId13"/>
+    <p:sldId id="268" r:id="rId14"/>
+    <p:sldId id="269" r:id="rId15"/>
+    <p:sldId id="270" r:id="rId16"/>
+    <p:sldId id="267" r:id="rId17"/>
   </p:sldIdLst>
   <p:sldSz cx="12192000" cy="6858000"/>
   <p:notesSz cx="6858000" cy="9144000"/>
@@ -272,7 +274,7 @@
           <a:p>
             <a:fld id="{8173B6D1-B9A7-4F74-ADCF-EF56F696349F}" type="datetimeFigureOut">
               <a:rPr lang="it-IT" smtClean="0"/>
-              <a:t>09/08/2019</a:t>
+              <a:t>12/08/19</a:t>
             </a:fld>
             <a:endParaRPr lang="it-IT"/>
           </a:p>
@@ -326,7 +328,7 @@
           <a:p>
             <a:fld id="{37521F19-B39A-4CF3-8059-E7EF6E631AA0}" type="slidenum">
               <a:rPr lang="it-IT" smtClean="0"/>
-              <a:t>‹N›</a:t>
+              <a:t>‹#›</a:t>
             </a:fld>
             <a:endParaRPr lang="it-IT"/>
           </a:p>
@@ -470,7 +472,7 @@
           <a:p>
             <a:fld id="{8173B6D1-B9A7-4F74-ADCF-EF56F696349F}" type="datetimeFigureOut">
               <a:rPr lang="it-IT" smtClean="0"/>
-              <a:t>09/08/2019</a:t>
+              <a:t>12/08/19</a:t>
             </a:fld>
             <a:endParaRPr lang="it-IT"/>
           </a:p>
@@ -524,7 +526,7 @@
           <a:p>
             <a:fld id="{37521F19-B39A-4CF3-8059-E7EF6E631AA0}" type="slidenum">
               <a:rPr lang="it-IT" smtClean="0"/>
-              <a:t>‹N›</a:t>
+              <a:t>‹#›</a:t>
             </a:fld>
             <a:endParaRPr lang="it-IT"/>
           </a:p>
@@ -678,7 +680,7 @@
           <a:p>
             <a:fld id="{8173B6D1-B9A7-4F74-ADCF-EF56F696349F}" type="datetimeFigureOut">
               <a:rPr lang="it-IT" smtClean="0"/>
-              <a:t>09/08/2019</a:t>
+              <a:t>12/08/19</a:t>
             </a:fld>
             <a:endParaRPr lang="it-IT"/>
           </a:p>
@@ -732,7 +734,7 @@
           <a:p>
             <a:fld id="{37521F19-B39A-4CF3-8059-E7EF6E631AA0}" type="slidenum">
               <a:rPr lang="it-IT" smtClean="0"/>
-              <a:t>‹N›</a:t>
+              <a:t>‹#›</a:t>
             </a:fld>
             <a:endParaRPr lang="it-IT"/>
           </a:p>
@@ -876,7 +878,7 @@
           <a:p>
             <a:fld id="{8173B6D1-B9A7-4F74-ADCF-EF56F696349F}" type="datetimeFigureOut">
               <a:rPr lang="it-IT" smtClean="0"/>
-              <a:t>09/08/2019</a:t>
+              <a:t>12/08/19</a:t>
             </a:fld>
             <a:endParaRPr lang="it-IT"/>
           </a:p>
@@ -930,7 +932,7 @@
           <a:p>
             <a:fld id="{37521F19-B39A-4CF3-8059-E7EF6E631AA0}" type="slidenum">
               <a:rPr lang="it-IT" smtClean="0"/>
-              <a:t>‹N›</a:t>
+              <a:t>‹#›</a:t>
             </a:fld>
             <a:endParaRPr lang="it-IT"/>
           </a:p>
@@ -1151,7 +1153,7 @@
           <a:p>
             <a:fld id="{8173B6D1-B9A7-4F74-ADCF-EF56F696349F}" type="datetimeFigureOut">
               <a:rPr lang="it-IT" smtClean="0"/>
-              <a:t>09/08/2019</a:t>
+              <a:t>12/08/19</a:t>
             </a:fld>
             <a:endParaRPr lang="it-IT"/>
           </a:p>
@@ -1205,7 +1207,7 @@
           <a:p>
             <a:fld id="{37521F19-B39A-4CF3-8059-E7EF6E631AA0}" type="slidenum">
               <a:rPr lang="it-IT" smtClean="0"/>
-              <a:t>‹N›</a:t>
+              <a:t>‹#›</a:t>
             </a:fld>
             <a:endParaRPr lang="it-IT"/>
           </a:p>
@@ -1416,7 +1418,7 @@
           <a:p>
             <a:fld id="{8173B6D1-B9A7-4F74-ADCF-EF56F696349F}" type="datetimeFigureOut">
               <a:rPr lang="it-IT" smtClean="0"/>
-              <a:t>09/08/2019</a:t>
+              <a:t>12/08/19</a:t>
             </a:fld>
             <a:endParaRPr lang="it-IT"/>
           </a:p>
@@ -1470,7 +1472,7 @@
           <a:p>
             <a:fld id="{37521F19-B39A-4CF3-8059-E7EF6E631AA0}" type="slidenum">
               <a:rPr lang="it-IT" smtClean="0"/>
-              <a:t>‹N›</a:t>
+              <a:t>‹#›</a:t>
             </a:fld>
             <a:endParaRPr lang="it-IT"/>
           </a:p>
@@ -1828,7 +1830,7 @@
           <a:p>
             <a:fld id="{8173B6D1-B9A7-4F74-ADCF-EF56F696349F}" type="datetimeFigureOut">
               <a:rPr lang="it-IT" smtClean="0"/>
-              <a:t>09/08/2019</a:t>
+              <a:t>12/08/19</a:t>
             </a:fld>
             <a:endParaRPr lang="it-IT"/>
           </a:p>
@@ -1882,7 +1884,7 @@
           <a:p>
             <a:fld id="{37521F19-B39A-4CF3-8059-E7EF6E631AA0}" type="slidenum">
               <a:rPr lang="it-IT" smtClean="0"/>
-              <a:t>‹N›</a:t>
+              <a:t>‹#›</a:t>
             </a:fld>
             <a:endParaRPr lang="it-IT"/>
           </a:p>
@@ -1969,7 +1971,7 @@
           <a:p>
             <a:fld id="{8173B6D1-B9A7-4F74-ADCF-EF56F696349F}" type="datetimeFigureOut">
               <a:rPr lang="it-IT" smtClean="0"/>
-              <a:t>09/08/2019</a:t>
+              <a:t>12/08/19</a:t>
             </a:fld>
             <a:endParaRPr lang="it-IT"/>
           </a:p>
@@ -2023,7 +2025,7 @@
           <a:p>
             <a:fld id="{37521F19-B39A-4CF3-8059-E7EF6E631AA0}" type="slidenum">
               <a:rPr lang="it-IT" smtClean="0"/>
-              <a:t>‹N›</a:t>
+              <a:t>‹#›</a:t>
             </a:fld>
             <a:endParaRPr lang="it-IT"/>
           </a:p>
@@ -2082,7 +2084,7 @@
           <a:p>
             <a:fld id="{8173B6D1-B9A7-4F74-ADCF-EF56F696349F}" type="datetimeFigureOut">
               <a:rPr lang="it-IT" smtClean="0"/>
-              <a:t>09/08/2019</a:t>
+              <a:t>12/08/19</a:t>
             </a:fld>
             <a:endParaRPr lang="it-IT"/>
           </a:p>
@@ -2136,7 +2138,7 @@
           <a:p>
             <a:fld id="{37521F19-B39A-4CF3-8059-E7EF6E631AA0}" type="slidenum">
               <a:rPr lang="it-IT" smtClean="0"/>
-              <a:t>‹N›</a:t>
+              <a:t>‹#›</a:t>
             </a:fld>
             <a:endParaRPr lang="it-IT"/>
           </a:p>
@@ -2393,7 +2395,7 @@
           <a:p>
             <a:fld id="{8173B6D1-B9A7-4F74-ADCF-EF56F696349F}" type="datetimeFigureOut">
               <a:rPr lang="it-IT" smtClean="0"/>
-              <a:t>09/08/2019</a:t>
+              <a:t>12/08/19</a:t>
             </a:fld>
             <a:endParaRPr lang="it-IT"/>
           </a:p>
@@ -2447,7 +2449,7 @@
           <a:p>
             <a:fld id="{37521F19-B39A-4CF3-8059-E7EF6E631AA0}" type="slidenum">
               <a:rPr lang="it-IT" smtClean="0"/>
-              <a:t>‹N›</a:t>
+              <a:t>‹#›</a:t>
             </a:fld>
             <a:endParaRPr lang="it-IT"/>
           </a:p>
@@ -2681,7 +2683,7 @@
           <a:p>
             <a:fld id="{8173B6D1-B9A7-4F74-ADCF-EF56F696349F}" type="datetimeFigureOut">
               <a:rPr lang="it-IT" smtClean="0"/>
-              <a:t>09/08/2019</a:t>
+              <a:t>12/08/19</a:t>
             </a:fld>
             <a:endParaRPr lang="it-IT"/>
           </a:p>
@@ -2735,7 +2737,7 @@
           <a:p>
             <a:fld id="{37521F19-B39A-4CF3-8059-E7EF6E631AA0}" type="slidenum">
               <a:rPr lang="it-IT" smtClean="0"/>
-              <a:t>‹N›</a:t>
+              <a:t>‹#›</a:t>
             </a:fld>
             <a:endParaRPr lang="it-IT"/>
           </a:p>
@@ -2922,7 +2924,7 @@
           <a:p>
             <a:fld id="{8173B6D1-B9A7-4F74-ADCF-EF56F696349F}" type="datetimeFigureOut">
               <a:rPr lang="it-IT" smtClean="0"/>
-              <a:t>09/08/2019</a:t>
+              <a:t>12/08/19</a:t>
             </a:fld>
             <a:endParaRPr lang="it-IT"/>
           </a:p>
@@ -3012,7 +3014,7 @@
           <a:p>
             <a:fld id="{37521F19-B39A-4CF3-8059-E7EF6E631AA0}" type="slidenum">
               <a:rPr lang="it-IT" smtClean="0"/>
-              <a:t>‹N›</a:t>
+              <a:t>‹#›</a:t>
             </a:fld>
             <a:endParaRPr lang="it-IT"/>
           </a:p>
@@ -3438,6 +3440,517 @@
           <p:cNvPr id="3" name="Segnaposto contenuto 2">
             <a:extLst>
               <a:ext uri="{FF2B5EF4-FFF2-40B4-BE49-F238E27FC236}">
+                <a16:creationId xmlns:a16="http://schemas.microsoft.com/office/drawing/2014/main" id="{5684799D-8E84-4A6B-A8EB-386742D825DC}"/>
+              </a:ext>
+            </a:extLst>
+          </p:cNvPr>
+          <p:cNvSpPr>
+            <a:spLocks noGrp="1"/>
+          </p:cNvSpPr>
+          <p:nvPr>
+            <p:ph idx="1"/>
+          </p:nvPr>
+        </p:nvSpPr>
+        <p:spPr>
+          <a:xfrm>
+            <a:off x="719797" y="621872"/>
+            <a:ext cx="10515600" cy="5614255"/>
+          </a:xfrm>
+        </p:spPr>
+        <p:txBody>
+          <a:bodyPr>
+            <a:normAutofit fontScale="92500" lnSpcReduction="10000"/>
+          </a:bodyPr>
+          <a:lstStyle/>
+          <a:p>
+            <a:r>
+              <a:rPr lang="it-IT" dirty="0" err="1"/>
+              <a:t>Yet</a:t>
+            </a:r>
+            <a:r>
+              <a:rPr lang="it-IT" dirty="0"/>
+              <a:t> with the simple </a:t>
+            </a:r>
+            <a:r>
+              <a:rPr lang="it-IT" dirty="0" err="1"/>
+              <a:t>environment</a:t>
+            </a:r>
+            <a:r>
+              <a:rPr lang="it-IT" dirty="0"/>
+              <a:t> at the end of </a:t>
+            </a:r>
+            <a:r>
+              <a:rPr lang="it-IT" dirty="0" err="1"/>
+              <a:t>all</a:t>
+            </a:r>
+            <a:r>
+              <a:rPr lang="it-IT" dirty="0"/>
+              <a:t> </a:t>
+            </a:r>
+            <a:r>
+              <a:rPr lang="it-IT" dirty="0" err="1"/>
+              <a:t>episodes</a:t>
+            </a:r>
+            <a:endParaRPr lang="it-IT" dirty="0"/>
+          </a:p>
+          <a:p>
+            <a:endParaRPr lang="it-IT" dirty="0"/>
+          </a:p>
+          <a:p>
+            <a:endParaRPr lang="it-IT" dirty="0"/>
+          </a:p>
+          <a:p>
+            <a:endParaRPr lang="it-IT" dirty="0"/>
+          </a:p>
+          <a:p>
+            <a:endParaRPr lang="it-IT" dirty="0"/>
+          </a:p>
+          <a:p>
+            <a:endParaRPr lang="it-IT" dirty="0"/>
+          </a:p>
+          <a:p>
+            <a:endParaRPr lang="it-IT" dirty="0"/>
+          </a:p>
+          <a:p>
+            <a:endParaRPr lang="it-IT" dirty="0"/>
+          </a:p>
+          <a:p>
+            <a:endParaRPr lang="it-IT" dirty="0"/>
+          </a:p>
+          <a:p>
+            <a:endParaRPr lang="it-IT" dirty="0"/>
+          </a:p>
+          <a:p>
+            <a:pPr marL="0" indent="0">
+              <a:buNone/>
+            </a:pPr>
+            <a:endParaRPr lang="it-IT" dirty="0"/>
+          </a:p>
+          <a:p>
+            <a:pPr marL="0" indent="0">
+              <a:buNone/>
+            </a:pPr>
+            <a:r>
+              <a:rPr lang="it-IT" dirty="0"/>
+              <a:t>	The </a:t>
+            </a:r>
+            <a:r>
+              <a:rPr lang="it-IT" dirty="0" err="1"/>
+              <a:t>estimates</a:t>
+            </a:r>
+            <a:r>
+              <a:rPr lang="it-IT" dirty="0"/>
+              <a:t> </a:t>
+            </a:r>
+            <a:r>
+              <a:rPr lang="it-IT" dirty="0" err="1"/>
+              <a:t>value</a:t>
+            </a:r>
+            <a:r>
+              <a:rPr lang="it-IT" dirty="0"/>
+              <a:t> propagate back from the state </a:t>
+            </a:r>
+            <a:r>
+              <a:rPr lang="it-IT" dirty="0" err="1"/>
+              <a:t>near</a:t>
+            </a:r>
+            <a:r>
+              <a:rPr lang="it-IT" dirty="0"/>
+              <a:t> the cake to 	the start point.</a:t>
+            </a:r>
+          </a:p>
+          <a:p>
+            <a:pPr marL="0" indent="0">
+              <a:buNone/>
+            </a:pPr>
+            <a:endParaRPr lang="it-IT" dirty="0"/>
+          </a:p>
+        </p:txBody>
+      </p:sp>
+      <p:pic>
+        <p:nvPicPr>
+          <p:cNvPr id="12" name="Immagine 11">
+            <a:extLst>
+              <a:ext uri="{FF2B5EF4-FFF2-40B4-BE49-F238E27FC236}">
+                <a16:creationId xmlns:a16="http://schemas.microsoft.com/office/drawing/2014/main" id="{B502B3A2-BD17-47B6-B109-24D30940ACFC}"/>
+              </a:ext>
+            </a:extLst>
+          </p:cNvPr>
+          <p:cNvPicPr>
+            <a:picLocks noChangeAspect="1"/>
+          </p:cNvPicPr>
+          <p:nvPr/>
+        </p:nvPicPr>
+        <p:blipFill>
+          <a:blip r:embed="rId2"/>
+          <a:stretch>
+            <a:fillRect/>
+          </a:stretch>
+        </p:blipFill>
+        <p:spPr>
+          <a:xfrm>
+            <a:off x="1225445" y="1044525"/>
+            <a:ext cx="10358621" cy="4315266"/>
+          </a:xfrm>
+          <a:prstGeom prst="rect">
+            <a:avLst/>
+          </a:prstGeom>
+        </p:spPr>
+      </p:pic>
+      <p:cxnSp>
+        <p:nvCxnSpPr>
+          <p:cNvPr id="8" name="Connettore a gomito 7">
+            <a:extLst>
+              <a:ext uri="{FF2B5EF4-FFF2-40B4-BE49-F238E27FC236}">
+                <a16:creationId xmlns:a16="http://schemas.microsoft.com/office/drawing/2014/main" id="{25EDBC42-CA2C-4436-B1BE-4C8CB19ABF1C}"/>
+              </a:ext>
+            </a:extLst>
+          </p:cNvPr>
+          <p:cNvCxnSpPr>
+            <a:cxnSpLocks/>
+          </p:cNvCxnSpPr>
+          <p:nvPr/>
+        </p:nvCxnSpPr>
+        <p:spPr>
+          <a:xfrm flipV="1">
+            <a:off x="829993" y="4290647"/>
+            <a:ext cx="8173330" cy="1181685"/>
+          </a:xfrm>
+          <a:prstGeom prst="bentConnector3">
+            <a:avLst>
+              <a:gd name="adj1" fmla="val 8003"/>
+            </a:avLst>
+          </a:prstGeom>
+          <a:ln w="76200">
+            <a:solidFill>
+              <a:srgbClr val="FFC000"/>
+            </a:solidFill>
+            <a:tailEnd type="triangle"/>
+          </a:ln>
+        </p:spPr>
+        <p:style>
+          <a:lnRef idx="1">
+            <a:schemeClr val="accent1"/>
+          </a:lnRef>
+          <a:fillRef idx="0">
+            <a:schemeClr val="accent1"/>
+          </a:fillRef>
+          <a:effectRef idx="0">
+            <a:schemeClr val="accent1"/>
+          </a:effectRef>
+          <a:fontRef idx="minor">
+            <a:schemeClr val="tx1"/>
+          </a:fontRef>
+        </p:style>
+      </p:cxnSp>
+    </p:spTree>
+    <p:extLst>
+      <p:ext uri="{BB962C8B-B14F-4D97-AF65-F5344CB8AC3E}">
+        <p14:creationId xmlns:p14="http://schemas.microsoft.com/office/powerpoint/2010/main" val="321259936"/>
+      </p:ext>
+    </p:extLst>
+  </p:cSld>
+  <p:clrMapOvr>
+    <a:masterClrMapping/>
+  </p:clrMapOvr>
+</p:sld>
+</file>
+
+<file path=ppt/slides/slide11.xml><?xml version="1.0" encoding="utf-8"?>
+<p:sld xmlns:a="http://schemas.openxmlformats.org/drawingml/2006/main" xmlns:r="http://schemas.openxmlformats.org/officeDocument/2006/relationships" xmlns:p="http://schemas.openxmlformats.org/presentationml/2006/main">
+  <p:cSld>
+    <p:spTree>
+      <p:nvGrpSpPr>
+        <p:cNvPr id="1" name=""/>
+        <p:cNvGrpSpPr/>
+        <p:nvPr/>
+      </p:nvGrpSpPr>
+      <p:grpSpPr>
+        <a:xfrm>
+          <a:off x="0" y="0"/>
+          <a:ext cx="0" cy="0"/>
+          <a:chOff x="0" y="0"/>
+          <a:chExt cx="0" cy="0"/>
+        </a:xfrm>
+      </p:grpSpPr>
+      <p:sp>
+        <p:nvSpPr>
+          <p:cNvPr id="3" name="Segnaposto contenuto 2">
+            <a:extLst>
+              <a:ext uri="{FF2B5EF4-FFF2-40B4-BE49-F238E27FC236}">
+                <a16:creationId xmlns:a16="http://schemas.microsoft.com/office/drawing/2014/main" id="{1D362BC4-1F3D-48EC-B054-A15887D4BAD7}"/>
+              </a:ext>
+            </a:extLst>
+          </p:cNvPr>
+          <p:cNvSpPr>
+            <a:spLocks noGrp="1"/>
+          </p:cNvSpPr>
+          <p:nvPr>
+            <p:ph idx="1"/>
+          </p:nvPr>
+        </p:nvSpPr>
+        <p:spPr>
+          <a:xfrm>
+            <a:off x="838200" y="478302"/>
+            <a:ext cx="10515600" cy="5698661"/>
+          </a:xfrm>
+        </p:spPr>
+        <p:txBody>
+          <a:bodyPr/>
+          <a:lstStyle/>
+          <a:p>
+            <a:r>
+              <a:rPr lang="it-IT" dirty="0" err="1"/>
+              <a:t>Complex</a:t>
+            </a:r>
+            <a:r>
+              <a:rPr lang="it-IT" dirty="0"/>
+              <a:t> </a:t>
+            </a:r>
+            <a:r>
+              <a:rPr lang="it-IT" dirty="0" err="1"/>
+              <a:t>environment</a:t>
+            </a:r>
+            <a:endParaRPr lang="it-IT" dirty="0"/>
+          </a:p>
+          <a:p>
+            <a:endParaRPr lang="it-IT" dirty="0"/>
+          </a:p>
+          <a:p>
+            <a:endParaRPr lang="it-IT" dirty="0"/>
+          </a:p>
+          <a:p>
+            <a:endParaRPr lang="it-IT" dirty="0"/>
+          </a:p>
+          <a:p>
+            <a:pPr marL="0" indent="0">
+              <a:buNone/>
+            </a:pPr>
+            <a:endParaRPr lang="it-IT" dirty="0"/>
+          </a:p>
+          <a:p>
+            <a:pPr lvl="1"/>
+            <a:r>
+              <a:rPr lang="it-IT" dirty="0" err="1"/>
+              <a:t>Also</a:t>
+            </a:r>
+            <a:r>
+              <a:rPr lang="it-IT" dirty="0"/>
+              <a:t> in </a:t>
+            </a:r>
+            <a:r>
+              <a:rPr lang="it-IT" dirty="0" err="1"/>
+              <a:t>this</a:t>
+            </a:r>
+            <a:r>
+              <a:rPr lang="it-IT" dirty="0"/>
+              <a:t> case, for the first </a:t>
+            </a:r>
+            <a:r>
+              <a:rPr lang="it-IT" dirty="0" err="1"/>
+              <a:t>episode</a:t>
+            </a:r>
+            <a:r>
+              <a:rPr lang="it-IT" dirty="0"/>
+              <a:t>, agent </a:t>
+            </a:r>
+            <a:r>
+              <a:rPr lang="it-IT" dirty="0" err="1"/>
+              <a:t>bumps</a:t>
+            </a:r>
+            <a:endParaRPr lang="it-IT" dirty="0"/>
+          </a:p>
+          <a:p>
+            <a:pPr marL="457200" lvl="1" indent="0">
+              <a:buNone/>
+            </a:pPr>
+            <a:r>
+              <a:rPr lang="it-IT" dirty="0"/>
+              <a:t>   </a:t>
+            </a:r>
+            <a:r>
+              <a:rPr lang="it-IT" dirty="0" err="1"/>
+              <a:t>many</a:t>
+            </a:r>
+            <a:r>
+              <a:rPr lang="it-IT" dirty="0"/>
+              <a:t> times </a:t>
+            </a:r>
+            <a:r>
+              <a:rPr lang="it-IT" dirty="0" err="1"/>
+              <a:t>against</a:t>
+            </a:r>
+            <a:r>
+              <a:rPr lang="it-IT" dirty="0"/>
+              <a:t> a </a:t>
+            </a:r>
+            <a:r>
+              <a:rPr lang="it-IT" dirty="0" err="1"/>
+              <a:t>wall</a:t>
+            </a:r>
+            <a:r>
+              <a:rPr lang="it-IT" dirty="0"/>
+              <a:t>, </a:t>
+            </a:r>
+            <a:r>
+              <a:rPr lang="it-IT" dirty="0" err="1"/>
+              <a:t>obtaining</a:t>
+            </a:r>
+            <a:r>
+              <a:rPr lang="it-IT" dirty="0"/>
+              <a:t> at the end </a:t>
+            </a:r>
+            <a:r>
+              <a:rPr lang="it-IT" dirty="0" err="1"/>
+              <a:t>this</a:t>
+            </a:r>
+            <a:r>
+              <a:rPr lang="it-IT" dirty="0"/>
+              <a:t> </a:t>
+            </a:r>
+          </a:p>
+          <a:p>
+            <a:pPr marL="457200" lvl="1" indent="0">
+              <a:buNone/>
+            </a:pPr>
+            <a:r>
+              <a:rPr lang="it-IT" dirty="0"/>
+              <a:t>   Q-matrix</a:t>
+            </a:r>
+          </a:p>
+          <a:p>
+            <a:pPr marL="457200" lvl="1" indent="0">
+              <a:buNone/>
+            </a:pPr>
+            <a:endParaRPr lang="it-IT" dirty="0"/>
+          </a:p>
+          <a:p>
+            <a:pPr marL="457200" lvl="1" indent="0">
+              <a:buNone/>
+            </a:pPr>
+            <a:endParaRPr lang="it-IT" dirty="0"/>
+          </a:p>
+          <a:p>
+            <a:pPr marL="457200" lvl="1" indent="0">
+              <a:buNone/>
+            </a:pPr>
+            <a:endParaRPr lang="it-IT" dirty="0"/>
+          </a:p>
+          <a:p>
+            <a:pPr marL="457200" lvl="1" indent="0">
+              <a:buNone/>
+            </a:pPr>
+            <a:endParaRPr lang="it-IT" dirty="0"/>
+          </a:p>
+          <a:p>
+            <a:pPr marL="457200" lvl="1" indent="0">
+              <a:buNone/>
+            </a:pPr>
+            <a:endParaRPr lang="it-IT" dirty="0"/>
+          </a:p>
+          <a:p>
+            <a:pPr marL="457200" lvl="1" indent="0">
+              <a:buNone/>
+            </a:pPr>
+            <a:endParaRPr lang="it-IT" dirty="0"/>
+          </a:p>
+        </p:txBody>
+      </p:sp>
+      <p:pic>
+        <p:nvPicPr>
+          <p:cNvPr id="4" name="Immagine 3">
+            <a:extLst>
+              <a:ext uri="{FF2B5EF4-FFF2-40B4-BE49-F238E27FC236}">
+                <a16:creationId xmlns:a16="http://schemas.microsoft.com/office/drawing/2014/main" id="{CA8D9D73-0B0B-4233-8F6B-EFFCE3DBA5FE}"/>
+              </a:ext>
+            </a:extLst>
+          </p:cNvPr>
+          <p:cNvPicPr>
+            <a:picLocks noChangeAspect="1"/>
+          </p:cNvPicPr>
+          <p:nvPr/>
+        </p:nvPicPr>
+        <p:blipFill>
+          <a:blip r:embed="rId2"/>
+          <a:stretch>
+            <a:fillRect/>
+          </a:stretch>
+        </p:blipFill>
+        <p:spPr>
+          <a:xfrm>
+            <a:off x="9033436" y="681037"/>
+            <a:ext cx="2127080" cy="2948428"/>
+          </a:xfrm>
+          <a:prstGeom prst="rect">
+            <a:avLst/>
+          </a:prstGeom>
+        </p:spPr>
+      </p:pic>
+      <p:pic>
+        <p:nvPicPr>
+          <p:cNvPr id="5" name="Immagine 4">
+            <a:extLst>
+              <a:ext uri="{FF2B5EF4-FFF2-40B4-BE49-F238E27FC236}">
+                <a16:creationId xmlns:a16="http://schemas.microsoft.com/office/drawing/2014/main" id="{91D0C4D2-0374-4A8B-9114-AC9F57C6FD05}"/>
+              </a:ext>
+            </a:extLst>
+          </p:cNvPr>
+          <p:cNvPicPr>
+            <a:picLocks noChangeAspect="1"/>
+          </p:cNvPicPr>
+          <p:nvPr/>
+        </p:nvPicPr>
+        <p:blipFill>
+          <a:blip r:embed="rId3"/>
+          <a:stretch>
+            <a:fillRect/>
+          </a:stretch>
+        </p:blipFill>
+        <p:spPr>
+          <a:xfrm>
+            <a:off x="2924579" y="4028488"/>
+            <a:ext cx="8210080" cy="1725198"/>
+          </a:xfrm>
+          <a:prstGeom prst="rect">
+            <a:avLst/>
+          </a:prstGeom>
+        </p:spPr>
+      </p:pic>
+    </p:spTree>
+    <p:extLst>
+      <p:ext uri="{BB962C8B-B14F-4D97-AF65-F5344CB8AC3E}">
+        <p14:creationId xmlns:p14="http://schemas.microsoft.com/office/powerpoint/2010/main" val="942120346"/>
+      </p:ext>
+    </p:extLst>
+  </p:cSld>
+  <p:clrMapOvr>
+    <a:masterClrMapping/>
+  </p:clrMapOvr>
+</p:sld>
+</file>
+
+<file path=ppt/slides/slide12.xml><?xml version="1.0" encoding="utf-8"?>
+<p:sld xmlns:a="http://schemas.openxmlformats.org/drawingml/2006/main" xmlns:r="http://schemas.openxmlformats.org/officeDocument/2006/relationships" xmlns:p="http://schemas.openxmlformats.org/presentationml/2006/main">
+  <p:cSld>
+    <p:spTree>
+      <p:nvGrpSpPr>
+        <p:cNvPr id="1" name=""/>
+        <p:cNvGrpSpPr/>
+        <p:nvPr/>
+      </p:nvGrpSpPr>
+      <p:grpSpPr>
+        <a:xfrm>
+          <a:off x="0" y="0"/>
+          <a:ext cx="0" cy="0"/>
+          <a:chOff x="0" y="0"/>
+          <a:chExt cx="0" cy="0"/>
+        </a:xfrm>
+      </p:grpSpPr>
+      <p:sp>
+        <p:nvSpPr>
+          <p:cNvPr id="3" name="Segnaposto contenuto 2">
+            <a:extLst>
+              <a:ext uri="{FF2B5EF4-FFF2-40B4-BE49-F238E27FC236}">
                 <a16:creationId xmlns:a16="http://schemas.microsoft.com/office/drawing/2014/main" id="{F196954C-AC2A-4076-A82A-BAF5C6F71CF7}"/>
               </a:ext>
             </a:extLst>
@@ -3568,7 +4081,7 @@
 </p:sld>
 </file>
 
-<file path=ppt/slides/slide11.xml><?xml version="1.0" encoding="utf-8"?>
+<file path=ppt/slides/slide13.xml><?xml version="1.0" encoding="utf-8"?>
 <p:sld xmlns:a="http://schemas.openxmlformats.org/drawingml/2006/main" xmlns:r="http://schemas.openxmlformats.org/officeDocument/2006/relationships" xmlns:p="http://schemas.openxmlformats.org/presentationml/2006/main">
   <p:cSld>
     <p:spTree>
@@ -3585,8 +4098,8 @@
           <a:chExt cx="0" cy="0"/>
         </a:xfrm>
       </p:grpSpPr>
-      <mc:AlternateContent xmlns:mc="http://schemas.openxmlformats.org/markup-compatibility/2006">
-        <mc:Choice xmlns:a14="http://schemas.microsoft.com/office/drawing/2010/main" Requires="a14">
+      <mc:AlternateContent xmlns:mc="http://schemas.openxmlformats.org/markup-compatibility/2006" xmlns:a14="http://schemas.microsoft.com/office/drawing/2010/main">
+        <mc:Choice Requires="a14">
           <p:sp>
             <p:nvSpPr>
               <p:cNvPr id="3" name="Segnaposto contenuto 2">
@@ -3759,7 +4272,7 @@
             </p:txBody>
           </p:sp>
         </mc:Choice>
-        <mc:Fallback>
+        <mc:Fallback xmlns="">
           <p:sp>
             <p:nvSpPr>
               <p:cNvPr id="3" name="Segnaposto contenuto 2">
@@ -4130,7 +4643,7 @@
 </p:sld>
 </file>
 
-<file path=ppt/slides/slide12.xml><?xml version="1.0" encoding="utf-8"?>
+<file path=ppt/slides/slide14.xml><?xml version="1.0" encoding="utf-8"?>
 <p:sld xmlns:a="http://schemas.openxmlformats.org/drawingml/2006/main" xmlns:r="http://schemas.openxmlformats.org/officeDocument/2006/relationships" xmlns:p="http://schemas.openxmlformats.org/presentationml/2006/main">
   <p:cSld>
     <p:bg>
@@ -4473,7 +4986,7 @@
 </p:sld>
 </file>
 
-<file path=ppt/slides/slide13.xml><?xml version="1.0" encoding="utf-8"?>
+<file path=ppt/slides/slide15.xml><?xml version="1.0" encoding="utf-8"?>
 <p:sld xmlns:a="http://schemas.openxmlformats.org/drawingml/2006/main" xmlns:r="http://schemas.openxmlformats.org/officeDocument/2006/relationships" xmlns:p="http://schemas.openxmlformats.org/presentationml/2006/main">
   <p:cSld>
     <p:spTree>
@@ -4553,7 +5066,7 @@
 </p:sld>
 </file>
 
-<file path=ppt/slides/slide14.xml><?xml version="1.0" encoding="utf-8"?>
+<file path=ppt/slides/slide16.xml><?xml version="1.0" encoding="utf-8"?>
 <p:sld xmlns:a="http://schemas.openxmlformats.org/drawingml/2006/main" xmlns:r="http://schemas.openxmlformats.org/officeDocument/2006/relationships" xmlns:p="http://schemas.openxmlformats.org/presentationml/2006/main">
   <p:cSld>
     <p:spTree>
@@ -5238,7 +5751,7 @@
                     </m:r>
                   </m:oMath>
                 </a14:m>
-                <a:endParaRPr lang="it-IT" sz="2000" b="0">
+                <a:endParaRPr lang="it-IT" sz="2000" b="0" dirty="0">
                   <a:solidFill>
                     <a:schemeClr val="bg1"/>
                   </a:solidFill>
@@ -5258,7 +5771,7 @@
                     </m:r>
                   </m:oMath>
                 </a14:m>
-                <a:endParaRPr lang="it-IT" sz="2000" b="0">
+                <a:endParaRPr lang="it-IT" sz="2000" b="0" dirty="0">
                   <a:solidFill>
                     <a:schemeClr val="bg1"/>
                   </a:solidFill>
@@ -5314,7 +5827,7 @@
                     </m:r>
                   </m:oMath>
                 </a14:m>
-                <a:endParaRPr lang="it-IT" sz="2000" b="0">
+                <a:endParaRPr lang="it-IT" sz="2000" b="0" dirty="0">
                   <a:solidFill>
                     <a:schemeClr val="bg1"/>
                   </a:solidFill>
@@ -5324,7 +5837,7 @@
                 <a:pPr marL="0" indent="0">
                   <a:buNone/>
                 </a:pPr>
-                <a:endParaRPr lang="it-IT" sz="2000">
+                <a:endParaRPr lang="it-IT" sz="2000" dirty="0">
                   <a:solidFill>
                     <a:schemeClr val="bg1"/>
                   </a:solidFill>
@@ -5334,7 +5847,7 @@
                 <a:pPr marL="0" indent="0">
                   <a:buNone/>
                 </a:pPr>
-                <a:endParaRPr lang="it-IT" sz="2000">
+                <a:endParaRPr lang="it-IT" sz="2000" dirty="0">
                   <a:solidFill>
                     <a:schemeClr val="bg1"/>
                   </a:solidFill>
@@ -5344,7 +5857,7 @@
                 <a:pPr marL="0" indent="0">
                   <a:buNone/>
                 </a:pPr>
-                <a:endParaRPr lang="it-IT" sz="2000">
+                <a:endParaRPr lang="it-IT" sz="2000" dirty="0">
                   <a:solidFill>
                     <a:schemeClr val="bg1"/>
                   </a:solidFill>
@@ -5399,15 +5912,15 @@
       </mc:AlternateContent>
       <p:pic>
         <p:nvPicPr>
-          <p:cNvPr id="1026" name="Picture 2" descr="Risultati immagini per bandit">
-            <a:extLst>
-              <a:ext uri="{FF2B5EF4-FFF2-40B4-BE49-F238E27FC236}">
-                <a16:creationId xmlns:a16="http://schemas.microsoft.com/office/drawing/2014/main" id="{943DEF88-ED77-4081-8B8D-9632CF9390B9}"/>
+          <p:cNvPr id="5" name="Picture 4">
+            <a:extLst>
+              <a:ext uri="{FF2B5EF4-FFF2-40B4-BE49-F238E27FC236}">
+                <a16:creationId xmlns:a16="http://schemas.microsoft.com/office/drawing/2014/main" id="{60C8619D-7C42-A045-8833-D2B708E064F1}"/>
               </a:ext>
             </a:extLst>
           </p:cNvPr>
           <p:cNvPicPr>
-            <a:picLocks noChangeAspect="1" noChangeArrowheads="1"/>
+            <a:picLocks noChangeAspect="1"/>
           </p:cNvPicPr>
           <p:nvPr/>
         </p:nvPicPr>
@@ -5423,26 +5936,88 @@
             <a:fillRect/>
           </a:stretch>
         </p:blipFill>
-        <p:spPr bwMode="auto">
+        <p:spPr>
           <a:xfrm>
-            <a:off x="5718048" y="643467"/>
-            <a:ext cx="5410199" cy="5410199"/>
+            <a:off x="6266509" y="1038146"/>
+            <a:ext cx="4313276" cy="3946798"/>
+          </a:xfrm>
+          <a:prstGeom prst="rect">
+            <a:avLst/>
+          </a:prstGeom>
+        </p:spPr>
+      </p:pic>
+      <p:sp>
+        <p:nvSpPr>
+          <p:cNvPr id="6" name="TextBox 5">
+            <a:extLst>
+              <a:ext uri="{FF2B5EF4-FFF2-40B4-BE49-F238E27FC236}">
+                <a16:creationId xmlns:a16="http://schemas.microsoft.com/office/drawing/2014/main" id="{D0934FC5-D524-5A4F-94C7-C0C617554812}"/>
+              </a:ext>
+            </a:extLst>
+          </p:cNvPr>
+          <p:cNvSpPr txBox="1"/>
+          <p:nvPr/>
+        </p:nvSpPr>
+        <p:spPr>
+          <a:xfrm>
+            <a:off x="7158038" y="5343525"/>
+            <a:ext cx="184731" cy="369332"/>
           </a:xfrm>
           <a:prstGeom prst="rect">
             <a:avLst/>
           </a:prstGeom>
           <a:noFill/>
-          <a:extLst>
-            <a:ext uri="{909E8E84-426E-40DD-AFC4-6F175D3DCCD1}">
-              <a14:hiddenFill xmlns:a14="http://schemas.microsoft.com/office/drawing/2010/main">
-                <a:solidFill>
-                  <a:srgbClr val="FFFFFF"/>
-                </a:solidFill>
-              </a14:hiddenFill>
-            </a:ext>
-          </a:extLst>
         </p:spPr>
-      </p:pic>
+        <p:txBody>
+          <a:bodyPr wrap="none" rtlCol="0">
+            <a:spAutoFit/>
+          </a:bodyPr>
+          <a:lstStyle/>
+          <a:p>
+            <a:endParaRPr lang="de-DE" dirty="0"/>
+          </a:p>
+        </p:txBody>
+      </p:sp>
+      <p:sp>
+        <p:nvSpPr>
+          <p:cNvPr id="8" name="Rectangle 7">
+            <a:extLst>
+              <a:ext uri="{FF2B5EF4-FFF2-40B4-BE49-F238E27FC236}">
+                <a16:creationId xmlns:a16="http://schemas.microsoft.com/office/drawing/2014/main" id="{0FA8F40B-5FF0-3A4B-A5F1-7A6A4F2B140F}"/>
+              </a:ext>
+            </a:extLst>
+          </p:cNvPr>
+          <p:cNvSpPr/>
+          <p:nvPr/>
+        </p:nvSpPr>
+        <p:spPr>
+          <a:xfrm>
+            <a:off x="7393001" y="4835693"/>
+            <a:ext cx="2060291" cy="1015663"/>
+          </a:xfrm>
+          <a:prstGeom prst="rect">
+            <a:avLst/>
+          </a:prstGeom>
+        </p:spPr>
+        <p:txBody>
+          <a:bodyPr wrap="square">
+            <a:spAutoFit/>
+          </a:bodyPr>
+          <a:lstStyle/>
+          <a:p>
+            <a:r>
+              <a:rPr lang="de-DE" sz="6000" dirty="0">
+                <a:latin typeface="Nashville" pitchFamily="2" charset="0"/>
+                <a:cs typeface="Blackadder ITC" panose="020F0502020204030204" pitchFamily="34" charset="0"/>
+              </a:rPr>
+              <a:t>Bandit</a:t>
+            </a:r>
+            <a:endParaRPr lang="de-DE" sz="6000" dirty="0">
+              <a:latin typeface="Nashville" pitchFamily="2" charset="0"/>
+            </a:endParaRPr>
+          </a:p>
+        </p:txBody>
+      </p:sp>
     </p:spTree>
     <p:extLst>
       <p:ext uri="{BB962C8B-B14F-4D97-AF65-F5344CB8AC3E}">
@@ -5528,7 +6103,7 @@
         </p:nvSpPr>
         <p:spPr>
           <a:xfrm>
-            <a:off x="838200" y="365125"/>
+            <a:off x="838200" y="0"/>
             <a:ext cx="10515600" cy="1325563"/>
           </a:xfrm>
         </p:spPr>
@@ -5695,6 +6270,35 @@
             </a:r>
           </a:p>
           <a:p>
+            <a:r>
+              <a:rPr lang="it-IT" dirty="0" err="1"/>
+              <a:t>Mean</a:t>
+            </a:r>
+            <a:r>
+              <a:rPr lang="it-IT" dirty="0"/>
+              <a:t> </a:t>
+            </a:r>
+            <a:r>
+              <a:rPr lang="it-IT" dirty="0" err="1"/>
+              <a:t>picked</a:t>
+            </a:r>
+            <a:r>
+              <a:rPr lang="it-IT" dirty="0"/>
+              <a:t> </a:t>
+            </a:r>
+            <a:r>
+              <a:rPr lang="it-IT" dirty="0" err="1"/>
+              <a:t>at</a:t>
+            </a:r>
+            <a:r>
+              <a:rPr lang="it-IT" dirty="0"/>
+              <a:t> random</a:t>
+            </a:r>
+          </a:p>
+          <a:p>
+            <a:pPr marL="0" indent="0">
+              <a:buNone/>
+            </a:pPr>
             <a:endParaRPr lang="it-IT" dirty="0"/>
           </a:p>
           <a:p>
@@ -5702,42 +6306,6 @@
           </a:p>
         </p:txBody>
       </p:sp>
-      <p:pic>
-        <p:nvPicPr>
-          <p:cNvPr id="16" name="Picture 15">
-            <a:extLst>
-              <a:ext uri="{FF2B5EF4-FFF2-40B4-BE49-F238E27FC236}">
-                <a16:creationId xmlns:a16="http://schemas.microsoft.com/office/drawing/2014/main" id="{CCEA52C2-5484-6642-B690-D16A97733E7C}"/>
-              </a:ext>
-            </a:extLst>
-          </p:cNvPr>
-          <p:cNvPicPr>
-            <a:picLocks noChangeAspect="1"/>
-          </p:cNvPicPr>
-          <p:nvPr/>
-        </p:nvPicPr>
-        <p:blipFill>
-          <a:blip r:embed="rId3">
-            <a:extLst>
-              <a:ext uri="{28A0092B-C50C-407E-A947-70E740481C1C}">
-                <a14:useLocalDpi xmlns:a14="http://schemas.microsoft.com/office/drawing/2010/main" val="0"/>
-              </a:ext>
-            </a:extLst>
-          </a:blip>
-          <a:stretch>
-            <a:fillRect/>
-          </a:stretch>
-        </p:blipFill>
-        <p:spPr>
-          <a:xfrm>
-            <a:off x="7945155" y="1690688"/>
-            <a:ext cx="647700" cy="682351"/>
-          </a:xfrm>
-          <a:prstGeom prst="rect">
-            <a:avLst/>
-          </a:prstGeom>
-        </p:spPr>
-      </p:pic>
     </p:spTree>
     <p:extLst>
       <p:ext uri="{BB962C8B-B14F-4D97-AF65-F5344CB8AC3E}">
@@ -5752,6 +6320,464 @@
 </file>
 
 <file path=ppt/slides/slide4.xml><?xml version="1.0" encoding="utf-8"?>
+<p:sld xmlns:a="http://schemas.openxmlformats.org/drawingml/2006/main" xmlns:r="http://schemas.openxmlformats.org/officeDocument/2006/relationships" xmlns:p="http://schemas.openxmlformats.org/presentationml/2006/main">
+  <p:cSld>
+    <p:spTree>
+      <p:nvGrpSpPr>
+        <p:cNvPr id="1" name=""/>
+        <p:cNvGrpSpPr/>
+        <p:nvPr/>
+      </p:nvGrpSpPr>
+      <p:grpSpPr>
+        <a:xfrm>
+          <a:off x="0" y="0"/>
+          <a:ext cx="0" cy="0"/>
+          <a:chOff x="0" y="0"/>
+          <a:chExt cx="0" cy="0"/>
+        </a:xfrm>
+      </p:grpSpPr>
+      <p:pic>
+        <p:nvPicPr>
+          <p:cNvPr id="14" name="Picture 13">
+            <a:extLst>
+              <a:ext uri="{FF2B5EF4-FFF2-40B4-BE49-F238E27FC236}">
+                <a16:creationId xmlns:a16="http://schemas.microsoft.com/office/drawing/2014/main" id="{EDBA63DC-2BD3-894B-AA56-258568C68045}"/>
+              </a:ext>
+            </a:extLst>
+          </p:cNvPr>
+          <p:cNvPicPr>
+            <a:picLocks noChangeAspect="1"/>
+          </p:cNvPicPr>
+          <p:nvPr/>
+        </p:nvPicPr>
+        <p:blipFill>
+          <a:blip r:embed="rId2">
+            <a:alphaModFix amt="15000"/>
+            <a:extLst>
+              <a:ext uri="{28A0092B-C50C-407E-A947-70E740481C1C}">
+                <a14:useLocalDpi xmlns:a14="http://schemas.microsoft.com/office/drawing/2010/main" val="0"/>
+              </a:ext>
+            </a:extLst>
+          </a:blip>
+          <a:stretch>
+            <a:fillRect/>
+          </a:stretch>
+        </p:blipFill>
+        <p:spPr>
+          <a:xfrm>
+            <a:off x="4414469" y="-135467"/>
+            <a:ext cx="7494796" cy="6858000"/>
+          </a:xfrm>
+          <a:prstGeom prst="rect">
+            <a:avLst/>
+          </a:prstGeom>
+        </p:spPr>
+      </p:pic>
+      <p:sp>
+        <p:nvSpPr>
+          <p:cNvPr id="2" name="Titolo 1">
+            <a:extLst>
+              <a:ext uri="{FF2B5EF4-FFF2-40B4-BE49-F238E27FC236}">
+                <a16:creationId xmlns:a16="http://schemas.microsoft.com/office/drawing/2014/main" id="{7C3CD4E9-DB64-4918-82F7-8F8A8315170B}"/>
+              </a:ext>
+            </a:extLst>
+          </p:cNvPr>
+          <p:cNvSpPr>
+            <a:spLocks noGrp="1"/>
+          </p:cNvSpPr>
+          <p:nvPr>
+            <p:ph type="title"/>
+          </p:nvPr>
+        </p:nvSpPr>
+        <p:spPr>
+          <a:xfrm>
+            <a:off x="838200" y="0"/>
+            <a:ext cx="10515600" cy="1325563"/>
+          </a:xfrm>
+        </p:spPr>
+        <p:txBody>
+          <a:bodyPr/>
+          <a:lstStyle/>
+          <a:p>
+            <a:r>
+              <a:rPr lang="it-IT" dirty="0" err="1"/>
+              <a:t>Experimental</a:t>
+            </a:r>
+            <a:r>
+              <a:rPr lang="it-IT" dirty="0"/>
+              <a:t> Setup</a:t>
+            </a:r>
+          </a:p>
+        </p:txBody>
+      </p:sp>
+      <p:sp>
+        <p:nvSpPr>
+          <p:cNvPr id="4" name="Content Placeholder 3">
+            <a:extLst>
+              <a:ext uri="{FF2B5EF4-FFF2-40B4-BE49-F238E27FC236}">
+                <a16:creationId xmlns:a16="http://schemas.microsoft.com/office/drawing/2014/main" id="{5B66029D-04B0-5C4F-BF5A-5AD7FBB2CE31}"/>
+              </a:ext>
+            </a:extLst>
+          </p:cNvPr>
+          <p:cNvSpPr>
+            <a:spLocks noGrp="1"/>
+          </p:cNvSpPr>
+          <p:nvPr>
+            <p:ph idx="1"/>
+          </p:nvPr>
+        </p:nvSpPr>
+        <p:spPr/>
+        <p:txBody>
+          <a:bodyPr/>
+          <a:lstStyle/>
+          <a:p>
+            <a:endParaRPr lang="de-DE"/>
+          </a:p>
+        </p:txBody>
+      </p:sp>
+      <p:pic>
+        <p:nvPicPr>
+          <p:cNvPr id="6" name="Picture 5">
+            <a:extLst>
+              <a:ext uri="{FF2B5EF4-FFF2-40B4-BE49-F238E27FC236}">
+                <a16:creationId xmlns:a16="http://schemas.microsoft.com/office/drawing/2014/main" id="{F46BD8DC-C81B-FB49-B086-EE47BDE21359}"/>
+              </a:ext>
+            </a:extLst>
+          </p:cNvPr>
+          <p:cNvPicPr>
+            <a:picLocks noChangeAspect="1"/>
+          </p:cNvPicPr>
+          <p:nvPr/>
+        </p:nvPicPr>
+        <p:blipFill>
+          <a:blip r:embed="rId3">
+            <a:extLst>
+              <a:ext uri="{28A0092B-C50C-407E-A947-70E740481C1C}">
+                <a14:useLocalDpi xmlns:a14="http://schemas.microsoft.com/office/drawing/2010/main" val="0"/>
+              </a:ext>
+            </a:extLst>
+          </a:blip>
+          <a:stretch>
+            <a:fillRect/>
+          </a:stretch>
+        </p:blipFill>
+        <p:spPr>
+          <a:xfrm>
+            <a:off x="838200" y="974315"/>
+            <a:ext cx="6940463" cy="5202648"/>
+          </a:xfrm>
+          <a:prstGeom prst="rect">
+            <a:avLst/>
+          </a:prstGeom>
+        </p:spPr>
+      </p:pic>
+    </p:spTree>
+    <p:extLst>
+      <p:ext uri="{BB962C8B-B14F-4D97-AF65-F5344CB8AC3E}">
+        <p14:creationId xmlns:p14="http://schemas.microsoft.com/office/powerpoint/2010/main" val="805344074"/>
+      </p:ext>
+    </p:extLst>
+  </p:cSld>
+  <p:clrMapOvr>
+    <a:masterClrMapping/>
+  </p:clrMapOvr>
+  <p:timing>
+    <p:tnLst>
+      <p:par>
+        <p:cTn id="1" dur="indefinite" restart="never" nodeType="tmRoot">
+          <p:childTnLst>
+            <p:seq concurrent="1" nextAc="seek">
+              <p:cTn id="2" dur="indefinite" nodeType="mainSeq">
+                <p:childTnLst>
+                  <p:par>
+                    <p:cTn id="3" fill="hold">
+                      <p:stCondLst>
+                        <p:cond delay="indefinite"/>
+                      </p:stCondLst>
+                      <p:childTnLst>
+                        <p:par>
+                          <p:cTn id="4" fill="hold">
+                            <p:stCondLst>
+                              <p:cond delay="0"/>
+                            </p:stCondLst>
+                            <p:childTnLst>
+                              <p:par>
+                                <p:cTn id="5" presetID="1" presetClass="entr" presetSubtype="0" fill="hold" nodeType="clickEffect">
+                                  <p:stCondLst>
+                                    <p:cond delay="0"/>
+                                  </p:stCondLst>
+                                  <p:childTnLst>
+                                    <p:set>
+                                      <p:cBhvr>
+                                        <p:cTn id="6" dur="1" fill="hold">
+                                          <p:stCondLst>
+                                            <p:cond delay="0"/>
+                                          </p:stCondLst>
+                                        </p:cTn>
+                                        <p:tgtEl>
+                                          <p:spTgt spid="6"/>
+                                        </p:tgtEl>
+                                        <p:attrNameLst>
+                                          <p:attrName>style.visibility</p:attrName>
+                                        </p:attrNameLst>
+                                      </p:cBhvr>
+                                      <p:to>
+                                        <p:strVal val="visible"/>
+                                      </p:to>
+                                    </p:set>
+                                  </p:childTnLst>
+                                </p:cTn>
+                              </p:par>
+                            </p:childTnLst>
+                          </p:cTn>
+                        </p:par>
+                      </p:childTnLst>
+                    </p:cTn>
+                  </p:par>
+                </p:childTnLst>
+              </p:cTn>
+              <p:prevCondLst>
+                <p:cond evt="onPrev" delay="0">
+                  <p:tgtEl>
+                    <p:sldTgt/>
+                  </p:tgtEl>
+                </p:cond>
+              </p:prevCondLst>
+              <p:nextCondLst>
+                <p:cond evt="onNext" delay="0">
+                  <p:tgtEl>
+                    <p:sldTgt/>
+                  </p:tgtEl>
+                </p:cond>
+              </p:nextCondLst>
+            </p:seq>
+          </p:childTnLst>
+        </p:cTn>
+      </p:par>
+    </p:tnLst>
+  </p:timing>
+</p:sld>
+</file>
+
+<file path=ppt/slides/slide5.xml><?xml version="1.0" encoding="utf-8"?>
+<p:sld xmlns:a="http://schemas.openxmlformats.org/drawingml/2006/main" xmlns:r="http://schemas.openxmlformats.org/officeDocument/2006/relationships" xmlns:p="http://schemas.openxmlformats.org/presentationml/2006/main">
+  <p:cSld>
+    <p:spTree>
+      <p:nvGrpSpPr>
+        <p:cNvPr id="1" name=""/>
+        <p:cNvGrpSpPr/>
+        <p:nvPr/>
+      </p:nvGrpSpPr>
+      <p:grpSpPr>
+        <a:xfrm>
+          <a:off x="0" y="0"/>
+          <a:ext cx="0" cy="0"/>
+          <a:chOff x="0" y="0"/>
+          <a:chExt cx="0" cy="0"/>
+        </a:xfrm>
+      </p:grpSpPr>
+      <p:pic>
+        <p:nvPicPr>
+          <p:cNvPr id="14" name="Picture 13">
+            <a:extLst>
+              <a:ext uri="{FF2B5EF4-FFF2-40B4-BE49-F238E27FC236}">
+                <a16:creationId xmlns:a16="http://schemas.microsoft.com/office/drawing/2014/main" id="{EDBA63DC-2BD3-894B-AA56-258568C68045}"/>
+              </a:ext>
+            </a:extLst>
+          </p:cNvPr>
+          <p:cNvPicPr>
+            <a:picLocks noChangeAspect="1"/>
+          </p:cNvPicPr>
+          <p:nvPr/>
+        </p:nvPicPr>
+        <p:blipFill>
+          <a:blip r:embed="rId2">
+            <a:alphaModFix amt="15000"/>
+            <a:extLst>
+              <a:ext uri="{28A0092B-C50C-407E-A947-70E740481C1C}">
+                <a14:useLocalDpi xmlns:a14="http://schemas.microsoft.com/office/drawing/2010/main" val="0"/>
+              </a:ext>
+            </a:extLst>
+          </a:blip>
+          <a:stretch>
+            <a:fillRect/>
+          </a:stretch>
+        </p:blipFill>
+        <p:spPr>
+          <a:xfrm>
+            <a:off x="4414469" y="-135467"/>
+            <a:ext cx="7494796" cy="6858000"/>
+          </a:xfrm>
+          <a:prstGeom prst="rect">
+            <a:avLst/>
+          </a:prstGeom>
+        </p:spPr>
+      </p:pic>
+      <p:sp>
+        <p:nvSpPr>
+          <p:cNvPr id="2" name="Titolo 1">
+            <a:extLst>
+              <a:ext uri="{FF2B5EF4-FFF2-40B4-BE49-F238E27FC236}">
+                <a16:creationId xmlns:a16="http://schemas.microsoft.com/office/drawing/2014/main" id="{7C3CD4E9-DB64-4918-82F7-8F8A8315170B}"/>
+              </a:ext>
+            </a:extLst>
+          </p:cNvPr>
+          <p:cNvSpPr>
+            <a:spLocks noGrp="1"/>
+          </p:cNvSpPr>
+          <p:nvPr>
+            <p:ph type="title"/>
+          </p:nvPr>
+        </p:nvSpPr>
+        <p:spPr>
+          <a:xfrm>
+            <a:off x="838200" y="365125"/>
+            <a:ext cx="10515600" cy="1325563"/>
+          </a:xfrm>
+        </p:spPr>
+        <p:txBody>
+          <a:bodyPr/>
+          <a:lstStyle/>
+          <a:p>
+            <a:r>
+              <a:rPr lang="it-IT" dirty="0" err="1"/>
+              <a:t>Experiments</a:t>
+            </a:r>
+            <a:endParaRPr lang="it-IT" dirty="0"/>
+          </a:p>
+        </p:txBody>
+      </p:sp>
+      <p:sp>
+        <p:nvSpPr>
+          <p:cNvPr id="4" name="Content Placeholder 3">
+            <a:extLst>
+              <a:ext uri="{FF2B5EF4-FFF2-40B4-BE49-F238E27FC236}">
+                <a16:creationId xmlns:a16="http://schemas.microsoft.com/office/drawing/2014/main" id="{B0307BDF-3DC1-754B-9B20-496C3B7DAA75}"/>
+              </a:ext>
+            </a:extLst>
+          </p:cNvPr>
+          <p:cNvSpPr>
+            <a:spLocks noGrp="1"/>
+          </p:cNvSpPr>
+          <p:nvPr>
+            <p:ph idx="1"/>
+          </p:nvPr>
+        </p:nvSpPr>
+        <p:spPr/>
+        <p:txBody>
+          <a:bodyPr/>
+          <a:lstStyle/>
+          <a:p>
+            <a:pPr marL="514350" indent="-514350">
+              <a:buFont typeface="+mj-lt"/>
+              <a:buAutoNum type="arabicPeriod"/>
+            </a:pPr>
+            <a:r>
+              <a:rPr lang="de-DE" dirty="0"/>
+              <a:t>Internal </a:t>
+            </a:r>
+            <a:r>
+              <a:rPr lang="de-DE" dirty="0" err="1"/>
+              <a:t>comparison</a:t>
+            </a:r>
+            <a:r>
+              <a:rPr lang="de-DE" dirty="0"/>
+              <a:t> (</a:t>
+            </a:r>
+            <a:r>
+              <a:rPr lang="de-DE" dirty="0" err="1"/>
+              <a:t>parameter</a:t>
+            </a:r>
+            <a:r>
+              <a:rPr lang="de-DE" dirty="0"/>
+              <a:t> </a:t>
+            </a:r>
+            <a:r>
+              <a:rPr lang="de-DE" dirty="0" err="1"/>
+              <a:t>vs</a:t>
+            </a:r>
+            <a:r>
+              <a:rPr lang="de-DE" dirty="0"/>
+              <a:t> </a:t>
+            </a:r>
+            <a:r>
+              <a:rPr lang="de-DE" dirty="0" err="1"/>
+              <a:t>parameter</a:t>
+            </a:r>
+            <a:r>
+              <a:rPr lang="de-DE" dirty="0"/>
+              <a:t>)</a:t>
+            </a:r>
+          </a:p>
+          <a:p>
+            <a:pPr marL="514350" indent="-514350">
+              <a:buFont typeface="+mj-lt"/>
+              <a:buAutoNum type="arabicPeriod"/>
+            </a:pPr>
+            <a:r>
+              <a:rPr lang="de-DE" dirty="0" err="1"/>
+              <a:t>External</a:t>
+            </a:r>
+            <a:r>
+              <a:rPr lang="de-DE" dirty="0"/>
+              <a:t> </a:t>
+            </a:r>
+            <a:r>
+              <a:rPr lang="de-DE" dirty="0" err="1"/>
+              <a:t>comparison</a:t>
+            </a:r>
+            <a:r>
+              <a:rPr lang="de-DE" dirty="0"/>
+              <a:t> (algorithm1 </a:t>
+            </a:r>
+            <a:r>
+              <a:rPr lang="de-DE" dirty="0" err="1"/>
+              <a:t>vs</a:t>
+            </a:r>
+            <a:r>
+              <a:rPr lang="de-DE" dirty="0"/>
+              <a:t> algorithm2)</a:t>
+            </a:r>
+          </a:p>
+          <a:p>
+            <a:pPr marL="514350" indent="-514350">
+              <a:buFont typeface="+mj-lt"/>
+              <a:buAutoNum type="arabicPeriod"/>
+            </a:pPr>
+            <a:r>
+              <a:rPr lang="de-DE" dirty="0"/>
+              <a:t>Performance </a:t>
+            </a:r>
+            <a:r>
+              <a:rPr lang="de-DE" dirty="0" err="1"/>
+              <a:t>measure</a:t>
+            </a:r>
+            <a:r>
+              <a:rPr lang="de-DE" dirty="0"/>
+              <a:t>: Average </a:t>
+            </a:r>
+            <a:r>
+              <a:rPr lang="de-DE" dirty="0" err="1"/>
+              <a:t>reward</a:t>
+            </a:r>
+            <a:endParaRPr lang="de-DE" dirty="0"/>
+          </a:p>
+        </p:txBody>
+      </p:sp>
+    </p:spTree>
+    <p:extLst>
+      <p:ext uri="{BB962C8B-B14F-4D97-AF65-F5344CB8AC3E}">
+        <p14:creationId xmlns:p14="http://schemas.microsoft.com/office/powerpoint/2010/main" val="3863775841"/>
+      </p:ext>
+    </p:extLst>
+  </p:cSld>
+  <p:clrMapOvr>
+    <a:masterClrMapping/>
+  </p:clrMapOvr>
+</p:sld>
+</file>
+
+<file path=ppt/slides/slide6.xml><?xml version="1.0" encoding="utf-8"?>
 <p:sld xmlns:a="http://schemas.openxmlformats.org/drawingml/2006/main" xmlns:r="http://schemas.openxmlformats.org/officeDocument/2006/relationships" xmlns:p="http://schemas.openxmlformats.org/presentationml/2006/main">
   <p:cSld>
     <p:bg>
@@ -6207,7 +7233,7 @@
 </p:sld>
 </file>
 
-<file path=ppt/slides/slide5.xml><?xml version="1.0" encoding="utf-8"?>
+<file path=ppt/slides/slide7.xml><?xml version="1.0" encoding="utf-8"?>
 <p:sld xmlns:a="http://schemas.openxmlformats.org/drawingml/2006/main" xmlns:r="http://schemas.openxmlformats.org/officeDocument/2006/relationships" xmlns:p="http://schemas.openxmlformats.org/presentationml/2006/main">
   <p:cSld>
     <p:spTree>
@@ -7093,7 +8119,7 @@
 </p:sld>
 </file>
 
-<file path=ppt/slides/slide6.xml><?xml version="1.0" encoding="utf-8"?>
+<file path=ppt/slides/slide8.xml><?xml version="1.0" encoding="utf-8"?>
 <p:sld xmlns:a="http://schemas.openxmlformats.org/drawingml/2006/main" xmlns:r="http://schemas.openxmlformats.org/officeDocument/2006/relationships" xmlns:p="http://schemas.openxmlformats.org/presentationml/2006/main">
   <p:cSld>
     <p:spTree>
@@ -7438,7 +8464,7 @@
 </p:sld>
 </file>
 
-<file path=ppt/slides/slide7.xml><?xml version="1.0" encoding="utf-8"?>
+<file path=ppt/slides/slide9.xml><?xml version="1.0" encoding="utf-8"?>
 <p:sld xmlns:a="http://schemas.openxmlformats.org/drawingml/2006/main" xmlns:r="http://schemas.openxmlformats.org/officeDocument/2006/relationships" xmlns:p="http://schemas.openxmlformats.org/presentationml/2006/main">
   <p:cSld>
     <p:spTree>
@@ -7919,517 +8945,6 @@
     <p:extLst>
       <p:ext uri="{BB962C8B-B14F-4D97-AF65-F5344CB8AC3E}">
         <p14:creationId xmlns:p14="http://schemas.microsoft.com/office/powerpoint/2010/main" val="1639297688"/>
-      </p:ext>
-    </p:extLst>
-  </p:cSld>
-  <p:clrMapOvr>
-    <a:masterClrMapping/>
-  </p:clrMapOvr>
-</p:sld>
-</file>
-
-<file path=ppt/slides/slide8.xml><?xml version="1.0" encoding="utf-8"?>
-<p:sld xmlns:a="http://schemas.openxmlformats.org/drawingml/2006/main" xmlns:r="http://schemas.openxmlformats.org/officeDocument/2006/relationships" xmlns:p="http://schemas.openxmlformats.org/presentationml/2006/main">
-  <p:cSld>
-    <p:spTree>
-      <p:nvGrpSpPr>
-        <p:cNvPr id="1" name=""/>
-        <p:cNvGrpSpPr/>
-        <p:nvPr/>
-      </p:nvGrpSpPr>
-      <p:grpSpPr>
-        <a:xfrm>
-          <a:off x="0" y="0"/>
-          <a:ext cx="0" cy="0"/>
-          <a:chOff x="0" y="0"/>
-          <a:chExt cx="0" cy="0"/>
-        </a:xfrm>
-      </p:grpSpPr>
-      <p:sp>
-        <p:nvSpPr>
-          <p:cNvPr id="3" name="Segnaposto contenuto 2">
-            <a:extLst>
-              <a:ext uri="{FF2B5EF4-FFF2-40B4-BE49-F238E27FC236}">
-                <a16:creationId xmlns:a16="http://schemas.microsoft.com/office/drawing/2014/main" id="{5684799D-8E84-4A6B-A8EB-386742D825DC}"/>
-              </a:ext>
-            </a:extLst>
-          </p:cNvPr>
-          <p:cNvSpPr>
-            <a:spLocks noGrp="1"/>
-          </p:cNvSpPr>
-          <p:nvPr>
-            <p:ph idx="1"/>
-          </p:nvPr>
-        </p:nvSpPr>
-        <p:spPr>
-          <a:xfrm>
-            <a:off x="719797" y="621872"/>
-            <a:ext cx="10515600" cy="5614255"/>
-          </a:xfrm>
-        </p:spPr>
-        <p:txBody>
-          <a:bodyPr>
-            <a:normAutofit fontScale="92500" lnSpcReduction="10000"/>
-          </a:bodyPr>
-          <a:lstStyle/>
-          <a:p>
-            <a:r>
-              <a:rPr lang="it-IT" dirty="0" err="1"/>
-              <a:t>Yet</a:t>
-            </a:r>
-            <a:r>
-              <a:rPr lang="it-IT" dirty="0"/>
-              <a:t> with the simple </a:t>
-            </a:r>
-            <a:r>
-              <a:rPr lang="it-IT" dirty="0" err="1"/>
-              <a:t>environment</a:t>
-            </a:r>
-            <a:r>
-              <a:rPr lang="it-IT" dirty="0"/>
-              <a:t> at the end of </a:t>
-            </a:r>
-            <a:r>
-              <a:rPr lang="it-IT" dirty="0" err="1"/>
-              <a:t>all</a:t>
-            </a:r>
-            <a:r>
-              <a:rPr lang="it-IT" dirty="0"/>
-              <a:t> </a:t>
-            </a:r>
-            <a:r>
-              <a:rPr lang="it-IT" dirty="0" err="1"/>
-              <a:t>episodes</a:t>
-            </a:r>
-            <a:endParaRPr lang="it-IT" dirty="0"/>
-          </a:p>
-          <a:p>
-            <a:endParaRPr lang="it-IT" dirty="0"/>
-          </a:p>
-          <a:p>
-            <a:endParaRPr lang="it-IT" dirty="0"/>
-          </a:p>
-          <a:p>
-            <a:endParaRPr lang="it-IT" dirty="0"/>
-          </a:p>
-          <a:p>
-            <a:endParaRPr lang="it-IT" dirty="0"/>
-          </a:p>
-          <a:p>
-            <a:endParaRPr lang="it-IT" dirty="0"/>
-          </a:p>
-          <a:p>
-            <a:endParaRPr lang="it-IT" dirty="0"/>
-          </a:p>
-          <a:p>
-            <a:endParaRPr lang="it-IT" dirty="0"/>
-          </a:p>
-          <a:p>
-            <a:endParaRPr lang="it-IT" dirty="0"/>
-          </a:p>
-          <a:p>
-            <a:endParaRPr lang="it-IT" dirty="0"/>
-          </a:p>
-          <a:p>
-            <a:pPr marL="0" indent="0">
-              <a:buNone/>
-            </a:pPr>
-            <a:endParaRPr lang="it-IT" dirty="0"/>
-          </a:p>
-          <a:p>
-            <a:pPr marL="0" indent="0">
-              <a:buNone/>
-            </a:pPr>
-            <a:r>
-              <a:rPr lang="it-IT" dirty="0"/>
-              <a:t>	The </a:t>
-            </a:r>
-            <a:r>
-              <a:rPr lang="it-IT" dirty="0" err="1"/>
-              <a:t>estimates</a:t>
-            </a:r>
-            <a:r>
-              <a:rPr lang="it-IT" dirty="0"/>
-              <a:t> </a:t>
-            </a:r>
-            <a:r>
-              <a:rPr lang="it-IT" dirty="0" err="1"/>
-              <a:t>value</a:t>
-            </a:r>
-            <a:r>
-              <a:rPr lang="it-IT" dirty="0"/>
-              <a:t> propagate back from the state </a:t>
-            </a:r>
-            <a:r>
-              <a:rPr lang="it-IT" dirty="0" err="1"/>
-              <a:t>near</a:t>
-            </a:r>
-            <a:r>
-              <a:rPr lang="it-IT" dirty="0"/>
-              <a:t> the cake to 	the start point.</a:t>
-            </a:r>
-          </a:p>
-          <a:p>
-            <a:pPr marL="0" indent="0">
-              <a:buNone/>
-            </a:pPr>
-            <a:endParaRPr lang="it-IT" dirty="0"/>
-          </a:p>
-        </p:txBody>
-      </p:sp>
-      <p:pic>
-        <p:nvPicPr>
-          <p:cNvPr id="12" name="Immagine 11">
-            <a:extLst>
-              <a:ext uri="{FF2B5EF4-FFF2-40B4-BE49-F238E27FC236}">
-                <a16:creationId xmlns:a16="http://schemas.microsoft.com/office/drawing/2014/main" id="{B502B3A2-BD17-47B6-B109-24D30940ACFC}"/>
-              </a:ext>
-            </a:extLst>
-          </p:cNvPr>
-          <p:cNvPicPr>
-            <a:picLocks noChangeAspect="1"/>
-          </p:cNvPicPr>
-          <p:nvPr/>
-        </p:nvPicPr>
-        <p:blipFill>
-          <a:blip r:embed="rId2"/>
-          <a:stretch>
-            <a:fillRect/>
-          </a:stretch>
-        </p:blipFill>
-        <p:spPr>
-          <a:xfrm>
-            <a:off x="1225445" y="1044525"/>
-            <a:ext cx="10358621" cy="4315266"/>
-          </a:xfrm>
-          <a:prstGeom prst="rect">
-            <a:avLst/>
-          </a:prstGeom>
-        </p:spPr>
-      </p:pic>
-      <p:cxnSp>
-        <p:nvCxnSpPr>
-          <p:cNvPr id="8" name="Connettore a gomito 7">
-            <a:extLst>
-              <a:ext uri="{FF2B5EF4-FFF2-40B4-BE49-F238E27FC236}">
-                <a16:creationId xmlns:a16="http://schemas.microsoft.com/office/drawing/2014/main" id="{25EDBC42-CA2C-4436-B1BE-4C8CB19ABF1C}"/>
-              </a:ext>
-            </a:extLst>
-          </p:cNvPr>
-          <p:cNvCxnSpPr>
-            <a:cxnSpLocks/>
-          </p:cNvCxnSpPr>
-          <p:nvPr/>
-        </p:nvCxnSpPr>
-        <p:spPr>
-          <a:xfrm flipV="1">
-            <a:off x="829993" y="4290647"/>
-            <a:ext cx="8173330" cy="1181685"/>
-          </a:xfrm>
-          <a:prstGeom prst="bentConnector3">
-            <a:avLst>
-              <a:gd name="adj1" fmla="val 8003"/>
-            </a:avLst>
-          </a:prstGeom>
-          <a:ln w="76200">
-            <a:solidFill>
-              <a:srgbClr val="FFC000"/>
-            </a:solidFill>
-            <a:tailEnd type="triangle"/>
-          </a:ln>
-        </p:spPr>
-        <p:style>
-          <a:lnRef idx="1">
-            <a:schemeClr val="accent1"/>
-          </a:lnRef>
-          <a:fillRef idx="0">
-            <a:schemeClr val="accent1"/>
-          </a:fillRef>
-          <a:effectRef idx="0">
-            <a:schemeClr val="accent1"/>
-          </a:effectRef>
-          <a:fontRef idx="minor">
-            <a:schemeClr val="tx1"/>
-          </a:fontRef>
-        </p:style>
-      </p:cxnSp>
-    </p:spTree>
-    <p:extLst>
-      <p:ext uri="{BB962C8B-B14F-4D97-AF65-F5344CB8AC3E}">
-        <p14:creationId xmlns:p14="http://schemas.microsoft.com/office/powerpoint/2010/main" val="321259936"/>
-      </p:ext>
-    </p:extLst>
-  </p:cSld>
-  <p:clrMapOvr>
-    <a:masterClrMapping/>
-  </p:clrMapOvr>
-</p:sld>
-</file>
-
-<file path=ppt/slides/slide9.xml><?xml version="1.0" encoding="utf-8"?>
-<p:sld xmlns:a="http://schemas.openxmlformats.org/drawingml/2006/main" xmlns:r="http://schemas.openxmlformats.org/officeDocument/2006/relationships" xmlns:p="http://schemas.openxmlformats.org/presentationml/2006/main">
-  <p:cSld>
-    <p:spTree>
-      <p:nvGrpSpPr>
-        <p:cNvPr id="1" name=""/>
-        <p:cNvGrpSpPr/>
-        <p:nvPr/>
-      </p:nvGrpSpPr>
-      <p:grpSpPr>
-        <a:xfrm>
-          <a:off x="0" y="0"/>
-          <a:ext cx="0" cy="0"/>
-          <a:chOff x="0" y="0"/>
-          <a:chExt cx="0" cy="0"/>
-        </a:xfrm>
-      </p:grpSpPr>
-      <p:sp>
-        <p:nvSpPr>
-          <p:cNvPr id="3" name="Segnaposto contenuto 2">
-            <a:extLst>
-              <a:ext uri="{FF2B5EF4-FFF2-40B4-BE49-F238E27FC236}">
-                <a16:creationId xmlns:a16="http://schemas.microsoft.com/office/drawing/2014/main" id="{1D362BC4-1F3D-48EC-B054-A15887D4BAD7}"/>
-              </a:ext>
-            </a:extLst>
-          </p:cNvPr>
-          <p:cNvSpPr>
-            <a:spLocks noGrp="1"/>
-          </p:cNvSpPr>
-          <p:nvPr>
-            <p:ph idx="1"/>
-          </p:nvPr>
-        </p:nvSpPr>
-        <p:spPr>
-          <a:xfrm>
-            <a:off x="838200" y="478302"/>
-            <a:ext cx="10515600" cy="5698661"/>
-          </a:xfrm>
-        </p:spPr>
-        <p:txBody>
-          <a:bodyPr/>
-          <a:lstStyle/>
-          <a:p>
-            <a:r>
-              <a:rPr lang="it-IT" dirty="0" err="1"/>
-              <a:t>Complex</a:t>
-            </a:r>
-            <a:r>
-              <a:rPr lang="it-IT" dirty="0"/>
-              <a:t> </a:t>
-            </a:r>
-            <a:r>
-              <a:rPr lang="it-IT" dirty="0" err="1"/>
-              <a:t>environment</a:t>
-            </a:r>
-            <a:endParaRPr lang="it-IT" dirty="0"/>
-          </a:p>
-          <a:p>
-            <a:endParaRPr lang="it-IT" dirty="0"/>
-          </a:p>
-          <a:p>
-            <a:endParaRPr lang="it-IT" dirty="0"/>
-          </a:p>
-          <a:p>
-            <a:endParaRPr lang="it-IT" dirty="0"/>
-          </a:p>
-          <a:p>
-            <a:pPr marL="0" indent="0">
-              <a:buNone/>
-            </a:pPr>
-            <a:endParaRPr lang="it-IT" dirty="0"/>
-          </a:p>
-          <a:p>
-            <a:pPr lvl="1"/>
-            <a:r>
-              <a:rPr lang="it-IT" dirty="0" err="1"/>
-              <a:t>Also</a:t>
-            </a:r>
-            <a:r>
-              <a:rPr lang="it-IT" dirty="0"/>
-              <a:t> in </a:t>
-            </a:r>
-            <a:r>
-              <a:rPr lang="it-IT" dirty="0" err="1"/>
-              <a:t>this</a:t>
-            </a:r>
-            <a:r>
-              <a:rPr lang="it-IT" dirty="0"/>
-              <a:t> case, for the first </a:t>
-            </a:r>
-            <a:r>
-              <a:rPr lang="it-IT" dirty="0" err="1"/>
-              <a:t>episode</a:t>
-            </a:r>
-            <a:r>
-              <a:rPr lang="it-IT" dirty="0"/>
-              <a:t>, agent </a:t>
-            </a:r>
-            <a:r>
-              <a:rPr lang="it-IT" dirty="0" err="1"/>
-              <a:t>bumps</a:t>
-            </a:r>
-            <a:endParaRPr lang="it-IT" dirty="0"/>
-          </a:p>
-          <a:p>
-            <a:pPr marL="457200" lvl="1" indent="0">
-              <a:buNone/>
-            </a:pPr>
-            <a:r>
-              <a:rPr lang="it-IT" dirty="0"/>
-              <a:t>   </a:t>
-            </a:r>
-            <a:r>
-              <a:rPr lang="it-IT" dirty="0" err="1"/>
-              <a:t>many</a:t>
-            </a:r>
-            <a:r>
-              <a:rPr lang="it-IT" dirty="0"/>
-              <a:t> times </a:t>
-            </a:r>
-            <a:r>
-              <a:rPr lang="it-IT" dirty="0" err="1"/>
-              <a:t>against</a:t>
-            </a:r>
-            <a:r>
-              <a:rPr lang="it-IT" dirty="0"/>
-              <a:t> a </a:t>
-            </a:r>
-            <a:r>
-              <a:rPr lang="it-IT" dirty="0" err="1"/>
-              <a:t>wall</a:t>
-            </a:r>
-            <a:r>
-              <a:rPr lang="it-IT" dirty="0"/>
-              <a:t>, </a:t>
-            </a:r>
-            <a:r>
-              <a:rPr lang="it-IT" dirty="0" err="1"/>
-              <a:t>obtaining</a:t>
-            </a:r>
-            <a:r>
-              <a:rPr lang="it-IT" dirty="0"/>
-              <a:t> at the end </a:t>
-            </a:r>
-            <a:r>
-              <a:rPr lang="it-IT" dirty="0" err="1"/>
-              <a:t>this</a:t>
-            </a:r>
-            <a:r>
-              <a:rPr lang="it-IT" dirty="0"/>
-              <a:t> </a:t>
-            </a:r>
-          </a:p>
-          <a:p>
-            <a:pPr marL="457200" lvl="1" indent="0">
-              <a:buNone/>
-            </a:pPr>
-            <a:r>
-              <a:rPr lang="it-IT" dirty="0"/>
-              <a:t>   Q-matrix</a:t>
-            </a:r>
-          </a:p>
-          <a:p>
-            <a:pPr marL="457200" lvl="1" indent="0">
-              <a:buNone/>
-            </a:pPr>
-            <a:endParaRPr lang="it-IT" dirty="0"/>
-          </a:p>
-          <a:p>
-            <a:pPr marL="457200" lvl="1" indent="0">
-              <a:buNone/>
-            </a:pPr>
-            <a:endParaRPr lang="it-IT" dirty="0"/>
-          </a:p>
-          <a:p>
-            <a:pPr marL="457200" lvl="1" indent="0">
-              <a:buNone/>
-            </a:pPr>
-            <a:endParaRPr lang="it-IT" dirty="0"/>
-          </a:p>
-          <a:p>
-            <a:pPr marL="457200" lvl="1" indent="0">
-              <a:buNone/>
-            </a:pPr>
-            <a:endParaRPr lang="it-IT" dirty="0"/>
-          </a:p>
-          <a:p>
-            <a:pPr marL="457200" lvl="1" indent="0">
-              <a:buNone/>
-            </a:pPr>
-            <a:endParaRPr lang="it-IT" dirty="0"/>
-          </a:p>
-          <a:p>
-            <a:pPr marL="457200" lvl="1" indent="0">
-              <a:buNone/>
-            </a:pPr>
-            <a:endParaRPr lang="it-IT" dirty="0"/>
-          </a:p>
-        </p:txBody>
-      </p:sp>
-      <p:pic>
-        <p:nvPicPr>
-          <p:cNvPr id="4" name="Immagine 3">
-            <a:extLst>
-              <a:ext uri="{FF2B5EF4-FFF2-40B4-BE49-F238E27FC236}">
-                <a16:creationId xmlns:a16="http://schemas.microsoft.com/office/drawing/2014/main" id="{CA8D9D73-0B0B-4233-8F6B-EFFCE3DBA5FE}"/>
-              </a:ext>
-            </a:extLst>
-          </p:cNvPr>
-          <p:cNvPicPr>
-            <a:picLocks noChangeAspect="1"/>
-          </p:cNvPicPr>
-          <p:nvPr/>
-        </p:nvPicPr>
-        <p:blipFill>
-          <a:blip r:embed="rId2"/>
-          <a:stretch>
-            <a:fillRect/>
-          </a:stretch>
-        </p:blipFill>
-        <p:spPr>
-          <a:xfrm>
-            <a:off x="9033436" y="681037"/>
-            <a:ext cx="2127080" cy="2948428"/>
-          </a:xfrm>
-          <a:prstGeom prst="rect">
-            <a:avLst/>
-          </a:prstGeom>
-        </p:spPr>
-      </p:pic>
-      <p:pic>
-        <p:nvPicPr>
-          <p:cNvPr id="5" name="Immagine 4">
-            <a:extLst>
-              <a:ext uri="{FF2B5EF4-FFF2-40B4-BE49-F238E27FC236}">
-                <a16:creationId xmlns:a16="http://schemas.microsoft.com/office/drawing/2014/main" id="{91D0C4D2-0374-4A8B-9114-AC9F57C6FD05}"/>
-              </a:ext>
-            </a:extLst>
-          </p:cNvPr>
-          <p:cNvPicPr>
-            <a:picLocks noChangeAspect="1"/>
-          </p:cNvPicPr>
-          <p:nvPr/>
-        </p:nvPicPr>
-        <p:blipFill>
-          <a:blip r:embed="rId3"/>
-          <a:stretch>
-            <a:fillRect/>
-          </a:stretch>
-        </p:blipFill>
-        <p:spPr>
-          <a:xfrm>
-            <a:off x="2924579" y="4028488"/>
-            <a:ext cx="8210080" cy="1725198"/>
-          </a:xfrm>
-          <a:prstGeom prst="rect">
-            <a:avLst/>
-          </a:prstGeom>
-        </p:spPr>
-      </p:pic>
-    </p:spTree>
-    <p:extLst>
-      <p:ext uri="{BB962C8B-B14F-4D97-AF65-F5344CB8AC3E}">
-        <p14:creationId xmlns:p14="http://schemas.microsoft.com/office/powerpoint/2010/main" val="942120346"/>
       </p:ext>
     </p:extLst>
   </p:cSld>

--- a/Presentation/SDU_SummerSchool_Presentation.pptx
+++ b/Presentation/SDU_SummerSchool_Presentation.pptx
@@ -19,8 +19,8 @@
     <p:sldId id="266" r:id="rId13"/>
     <p:sldId id="268" r:id="rId14"/>
     <p:sldId id="269" r:id="rId15"/>
-    <p:sldId id="270" r:id="rId16"/>
-    <p:sldId id="267" r:id="rId17"/>
+    <p:sldId id="267" r:id="rId16"/>
+    <p:sldId id="274" r:id="rId17"/>
   </p:sldIdLst>
   <p:sldSz cx="12192000" cy="6858000"/>
   <p:notesSz cx="6858000" cy="9144000"/>
@@ -274,7 +274,7 @@
           <a:p>
             <a:fld id="{8173B6D1-B9A7-4F74-ADCF-EF56F696349F}" type="datetimeFigureOut">
               <a:rPr lang="it-IT" smtClean="0"/>
-              <a:t>12/08/19</a:t>
+              <a:t>12/08/2019</a:t>
             </a:fld>
             <a:endParaRPr lang="it-IT"/>
           </a:p>
@@ -328,7 +328,7 @@
           <a:p>
             <a:fld id="{37521F19-B39A-4CF3-8059-E7EF6E631AA0}" type="slidenum">
               <a:rPr lang="it-IT" smtClean="0"/>
-              <a:t>‹#›</a:t>
+              <a:t>‹N›</a:t>
             </a:fld>
             <a:endParaRPr lang="it-IT"/>
           </a:p>
@@ -472,7 +472,7 @@
           <a:p>
             <a:fld id="{8173B6D1-B9A7-4F74-ADCF-EF56F696349F}" type="datetimeFigureOut">
               <a:rPr lang="it-IT" smtClean="0"/>
-              <a:t>12/08/19</a:t>
+              <a:t>12/08/2019</a:t>
             </a:fld>
             <a:endParaRPr lang="it-IT"/>
           </a:p>
@@ -526,7 +526,7 @@
           <a:p>
             <a:fld id="{37521F19-B39A-4CF3-8059-E7EF6E631AA0}" type="slidenum">
               <a:rPr lang="it-IT" smtClean="0"/>
-              <a:t>‹#›</a:t>
+              <a:t>‹N›</a:t>
             </a:fld>
             <a:endParaRPr lang="it-IT"/>
           </a:p>
@@ -680,7 +680,7 @@
           <a:p>
             <a:fld id="{8173B6D1-B9A7-4F74-ADCF-EF56F696349F}" type="datetimeFigureOut">
               <a:rPr lang="it-IT" smtClean="0"/>
-              <a:t>12/08/19</a:t>
+              <a:t>12/08/2019</a:t>
             </a:fld>
             <a:endParaRPr lang="it-IT"/>
           </a:p>
@@ -734,7 +734,7 @@
           <a:p>
             <a:fld id="{37521F19-B39A-4CF3-8059-E7EF6E631AA0}" type="slidenum">
               <a:rPr lang="it-IT" smtClean="0"/>
-              <a:t>‹#›</a:t>
+              <a:t>‹N›</a:t>
             </a:fld>
             <a:endParaRPr lang="it-IT"/>
           </a:p>
@@ -878,7 +878,7 @@
           <a:p>
             <a:fld id="{8173B6D1-B9A7-4F74-ADCF-EF56F696349F}" type="datetimeFigureOut">
               <a:rPr lang="it-IT" smtClean="0"/>
-              <a:t>12/08/19</a:t>
+              <a:t>12/08/2019</a:t>
             </a:fld>
             <a:endParaRPr lang="it-IT"/>
           </a:p>
@@ -932,7 +932,7 @@
           <a:p>
             <a:fld id="{37521F19-B39A-4CF3-8059-E7EF6E631AA0}" type="slidenum">
               <a:rPr lang="it-IT" smtClean="0"/>
-              <a:t>‹#›</a:t>
+              <a:t>‹N›</a:t>
             </a:fld>
             <a:endParaRPr lang="it-IT"/>
           </a:p>
@@ -1153,7 +1153,7 @@
           <a:p>
             <a:fld id="{8173B6D1-B9A7-4F74-ADCF-EF56F696349F}" type="datetimeFigureOut">
               <a:rPr lang="it-IT" smtClean="0"/>
-              <a:t>12/08/19</a:t>
+              <a:t>12/08/2019</a:t>
             </a:fld>
             <a:endParaRPr lang="it-IT"/>
           </a:p>
@@ -1207,7 +1207,7 @@
           <a:p>
             <a:fld id="{37521F19-B39A-4CF3-8059-E7EF6E631AA0}" type="slidenum">
               <a:rPr lang="it-IT" smtClean="0"/>
-              <a:t>‹#›</a:t>
+              <a:t>‹N›</a:t>
             </a:fld>
             <a:endParaRPr lang="it-IT"/>
           </a:p>
@@ -1418,7 +1418,7 @@
           <a:p>
             <a:fld id="{8173B6D1-B9A7-4F74-ADCF-EF56F696349F}" type="datetimeFigureOut">
               <a:rPr lang="it-IT" smtClean="0"/>
-              <a:t>12/08/19</a:t>
+              <a:t>12/08/2019</a:t>
             </a:fld>
             <a:endParaRPr lang="it-IT"/>
           </a:p>
@@ -1472,7 +1472,7 @@
           <a:p>
             <a:fld id="{37521F19-B39A-4CF3-8059-E7EF6E631AA0}" type="slidenum">
               <a:rPr lang="it-IT" smtClean="0"/>
-              <a:t>‹#›</a:t>
+              <a:t>‹N›</a:t>
             </a:fld>
             <a:endParaRPr lang="it-IT"/>
           </a:p>
@@ -1830,7 +1830,7 @@
           <a:p>
             <a:fld id="{8173B6D1-B9A7-4F74-ADCF-EF56F696349F}" type="datetimeFigureOut">
               <a:rPr lang="it-IT" smtClean="0"/>
-              <a:t>12/08/19</a:t>
+              <a:t>12/08/2019</a:t>
             </a:fld>
             <a:endParaRPr lang="it-IT"/>
           </a:p>
@@ -1884,7 +1884,7 @@
           <a:p>
             <a:fld id="{37521F19-B39A-4CF3-8059-E7EF6E631AA0}" type="slidenum">
               <a:rPr lang="it-IT" smtClean="0"/>
-              <a:t>‹#›</a:t>
+              <a:t>‹N›</a:t>
             </a:fld>
             <a:endParaRPr lang="it-IT"/>
           </a:p>
@@ -1971,7 +1971,7 @@
           <a:p>
             <a:fld id="{8173B6D1-B9A7-4F74-ADCF-EF56F696349F}" type="datetimeFigureOut">
               <a:rPr lang="it-IT" smtClean="0"/>
-              <a:t>12/08/19</a:t>
+              <a:t>12/08/2019</a:t>
             </a:fld>
             <a:endParaRPr lang="it-IT"/>
           </a:p>
@@ -2025,7 +2025,7 @@
           <a:p>
             <a:fld id="{37521F19-B39A-4CF3-8059-E7EF6E631AA0}" type="slidenum">
               <a:rPr lang="it-IT" smtClean="0"/>
-              <a:t>‹#›</a:t>
+              <a:t>‹N›</a:t>
             </a:fld>
             <a:endParaRPr lang="it-IT"/>
           </a:p>
@@ -2084,7 +2084,7 @@
           <a:p>
             <a:fld id="{8173B6D1-B9A7-4F74-ADCF-EF56F696349F}" type="datetimeFigureOut">
               <a:rPr lang="it-IT" smtClean="0"/>
-              <a:t>12/08/19</a:t>
+              <a:t>12/08/2019</a:t>
             </a:fld>
             <a:endParaRPr lang="it-IT"/>
           </a:p>
@@ -2138,7 +2138,7 @@
           <a:p>
             <a:fld id="{37521F19-B39A-4CF3-8059-E7EF6E631AA0}" type="slidenum">
               <a:rPr lang="it-IT" smtClean="0"/>
-              <a:t>‹#›</a:t>
+              <a:t>‹N›</a:t>
             </a:fld>
             <a:endParaRPr lang="it-IT"/>
           </a:p>
@@ -2395,7 +2395,7 @@
           <a:p>
             <a:fld id="{8173B6D1-B9A7-4F74-ADCF-EF56F696349F}" type="datetimeFigureOut">
               <a:rPr lang="it-IT" smtClean="0"/>
-              <a:t>12/08/19</a:t>
+              <a:t>12/08/2019</a:t>
             </a:fld>
             <a:endParaRPr lang="it-IT"/>
           </a:p>
@@ -2449,7 +2449,7 @@
           <a:p>
             <a:fld id="{37521F19-B39A-4CF3-8059-E7EF6E631AA0}" type="slidenum">
               <a:rPr lang="it-IT" smtClean="0"/>
-              <a:t>‹#›</a:t>
+              <a:t>‹N›</a:t>
             </a:fld>
             <a:endParaRPr lang="it-IT"/>
           </a:p>
@@ -2683,7 +2683,7 @@
           <a:p>
             <a:fld id="{8173B6D1-B9A7-4F74-ADCF-EF56F696349F}" type="datetimeFigureOut">
               <a:rPr lang="it-IT" smtClean="0"/>
-              <a:t>12/08/19</a:t>
+              <a:t>12/08/2019</a:t>
             </a:fld>
             <a:endParaRPr lang="it-IT"/>
           </a:p>
@@ -2737,7 +2737,7 @@
           <a:p>
             <a:fld id="{37521F19-B39A-4CF3-8059-E7EF6E631AA0}" type="slidenum">
               <a:rPr lang="it-IT" smtClean="0"/>
-              <a:t>‹#›</a:t>
+              <a:t>‹N›</a:t>
             </a:fld>
             <a:endParaRPr lang="it-IT"/>
           </a:p>
@@ -2924,7 +2924,7 @@
           <a:p>
             <a:fld id="{8173B6D1-B9A7-4F74-ADCF-EF56F696349F}" type="datetimeFigureOut">
               <a:rPr lang="it-IT" smtClean="0"/>
-              <a:t>12/08/19</a:t>
+              <a:t>12/08/2019</a:t>
             </a:fld>
             <a:endParaRPr lang="it-IT"/>
           </a:p>
@@ -3014,7 +3014,7 @@
           <a:p>
             <a:fld id="{37521F19-B39A-4CF3-8059-E7EF6E631AA0}" type="slidenum">
               <a:rPr lang="it-IT" smtClean="0"/>
-              <a:t>‹#›</a:t>
+              <a:t>‹N›</a:t>
             </a:fld>
             <a:endParaRPr lang="it-IT"/>
           </a:p>
@@ -5005,86 +5005,6 @@
       </p:grpSpPr>
       <p:sp>
         <p:nvSpPr>
-          <p:cNvPr id="2" name="Titolo 1">
-            <a:extLst>
-              <a:ext uri="{FF2B5EF4-FFF2-40B4-BE49-F238E27FC236}">
-                <a16:creationId xmlns:a16="http://schemas.microsoft.com/office/drawing/2014/main" id="{C59D1E69-C05D-43A4-A17F-B3E7398F5F82}"/>
-              </a:ext>
-            </a:extLst>
-          </p:cNvPr>
-          <p:cNvSpPr>
-            <a:spLocks noGrp="1"/>
-          </p:cNvSpPr>
-          <p:nvPr>
-            <p:ph type="title"/>
-          </p:nvPr>
-        </p:nvSpPr>
-        <p:spPr/>
-        <p:txBody>
-          <a:bodyPr/>
-          <a:lstStyle/>
-          <a:p>
-            <a:endParaRPr lang="it-IT"/>
-          </a:p>
-        </p:txBody>
-      </p:sp>
-      <p:sp>
-        <p:nvSpPr>
-          <p:cNvPr id="3" name="Segnaposto contenuto 2">
-            <a:extLst>
-              <a:ext uri="{FF2B5EF4-FFF2-40B4-BE49-F238E27FC236}">
-                <a16:creationId xmlns:a16="http://schemas.microsoft.com/office/drawing/2014/main" id="{DA604C76-DDD1-41EF-BAFC-81AF23D37F34}"/>
-              </a:ext>
-            </a:extLst>
-          </p:cNvPr>
-          <p:cNvSpPr>
-            <a:spLocks noGrp="1"/>
-          </p:cNvSpPr>
-          <p:nvPr>
-            <p:ph idx="1"/>
-          </p:nvPr>
-        </p:nvSpPr>
-        <p:spPr/>
-        <p:txBody>
-          <a:bodyPr/>
-          <a:lstStyle/>
-          <a:p>
-            <a:endParaRPr lang="it-IT"/>
-          </a:p>
-        </p:txBody>
-      </p:sp>
-    </p:spTree>
-    <p:extLst>
-      <p:ext uri="{BB962C8B-B14F-4D97-AF65-F5344CB8AC3E}">
-        <p14:creationId xmlns:p14="http://schemas.microsoft.com/office/powerpoint/2010/main" val="3197737932"/>
-      </p:ext>
-    </p:extLst>
-  </p:cSld>
-  <p:clrMapOvr>
-    <a:masterClrMapping/>
-  </p:clrMapOvr>
-</p:sld>
-</file>
-
-<file path=ppt/slides/slide16.xml><?xml version="1.0" encoding="utf-8"?>
-<p:sld xmlns:a="http://schemas.openxmlformats.org/drawingml/2006/main" xmlns:r="http://schemas.openxmlformats.org/officeDocument/2006/relationships" xmlns:p="http://schemas.openxmlformats.org/presentationml/2006/main">
-  <p:cSld>
-    <p:spTree>
-      <p:nvGrpSpPr>
-        <p:cNvPr id="1" name=""/>
-        <p:cNvGrpSpPr/>
-        <p:nvPr/>
-      </p:nvGrpSpPr>
-      <p:grpSpPr>
-        <a:xfrm>
-          <a:off x="0" y="0"/>
-          <a:ext cx="0" cy="0"/>
-          <a:chOff x="0" y="0"/>
-          <a:chExt cx="0" cy="0"/>
-        </a:xfrm>
-      </p:grpSpPr>
-      <p:sp>
-        <p:nvSpPr>
           <p:cNvPr id="3" name="Segnaposto contenuto 2">
             <a:extLst>
               <a:ext uri="{FF2B5EF4-FFF2-40B4-BE49-F238E27FC236}">
@@ -5528,6 +5448,544 @@
     <p:extLst>
       <p:ext uri="{BB962C8B-B14F-4D97-AF65-F5344CB8AC3E}">
         <p14:creationId xmlns:p14="http://schemas.microsoft.com/office/powerpoint/2010/main" val="3131718867"/>
+      </p:ext>
+    </p:extLst>
+  </p:cSld>
+  <p:clrMapOvr>
+    <a:masterClrMapping/>
+  </p:clrMapOvr>
+</p:sld>
+</file>
+
+<file path=ppt/slides/slide16.xml><?xml version="1.0" encoding="utf-8"?>
+<p:sld xmlns:a="http://schemas.openxmlformats.org/drawingml/2006/main" xmlns:r="http://schemas.openxmlformats.org/officeDocument/2006/relationships" xmlns:p="http://schemas.openxmlformats.org/presentationml/2006/main">
+  <p:cSld>
+    <p:bg>
+      <p:bgPr>
+        <a:solidFill>
+          <a:schemeClr val="bg1"/>
+        </a:solidFill>
+        <a:effectLst/>
+      </p:bgPr>
+    </p:bg>
+    <p:spTree>
+      <p:nvGrpSpPr>
+        <p:cNvPr id="1" name=""/>
+        <p:cNvGrpSpPr/>
+        <p:nvPr/>
+      </p:nvGrpSpPr>
+      <p:grpSpPr>
+        <a:xfrm>
+          <a:off x="0" y="0"/>
+          <a:ext cx="0" cy="0"/>
+          <a:chOff x="0" y="0"/>
+          <a:chExt cx="0" cy="0"/>
+        </a:xfrm>
+      </p:grpSpPr>
+      <p:sp>
+        <p:nvSpPr>
+          <p:cNvPr id="1028" name="Rectangle 70">
+            <a:extLst>
+              <a:ext uri="{FF2B5EF4-FFF2-40B4-BE49-F238E27FC236}">
+                <a16:creationId xmlns:a16="http://schemas.microsoft.com/office/drawing/2014/main" id="{867D4867-5BA7-4462-B2F6-A23F4A622AA7}"/>
+              </a:ext>
+              <a:ext uri="{C183D7F6-B498-43B3-948B-1728B52AA6E4}">
+                <adec:decorative xmlns:adec="http://schemas.microsoft.com/office/drawing/2017/decorative" val="1"/>
+              </a:ext>
+            </a:extLst>
+          </p:cNvPr>
+          <p:cNvSpPr>
+            <a:spLocks noGrp="1" noRot="1" noChangeAspect="1" noMove="1" noResize="1" noEditPoints="1" noAdjustHandles="1" noChangeArrowheads="1" noChangeShapeType="1" noTextEdit="1"/>
+          </p:cNvSpPr>
+          <p:nvPr>
+            <p:extLst>
+              <p:ext uri="{386F3935-93C4-4BCD-93E2-E3B085C9AB24}">
+                <p16:designElem xmlns:p16="http://schemas.microsoft.com/office/powerpoint/2015/main" val="1"/>
+              </p:ext>
+            </p:extLst>
+          </p:nvPr>
+        </p:nvSpPr>
+        <p:spPr>
+          <a:xfrm>
+            <a:off x="0" y="0"/>
+            <a:ext cx="4654296" cy="6858000"/>
+          </a:xfrm>
+          <a:prstGeom prst="rect">
+            <a:avLst/>
+          </a:prstGeom>
+          <a:solidFill>
+            <a:schemeClr val="tx1">
+              <a:lumMod val="75000"/>
+              <a:lumOff val="25000"/>
+            </a:schemeClr>
+          </a:solidFill>
+          <a:ln>
+            <a:noFill/>
+          </a:ln>
+        </p:spPr>
+        <p:style>
+          <a:lnRef idx="0">
+            <a:scrgbClr r="0" g="0" b="0"/>
+          </a:lnRef>
+          <a:fillRef idx="0">
+            <a:scrgbClr r="0" g="0" b="0"/>
+          </a:fillRef>
+          <a:effectRef idx="0">
+            <a:scrgbClr r="0" g="0" b="0"/>
+          </a:effectRef>
+          <a:fontRef idx="minor">
+            <a:schemeClr val="lt1"/>
+          </a:fontRef>
+        </p:style>
+        <p:txBody>
+          <a:bodyPr rtlCol="0" anchor="ctr"/>
+          <a:lstStyle/>
+          <a:p>
+            <a:pPr algn="ctr"/>
+            <a:endParaRPr lang="en-US"/>
+          </a:p>
+        </p:txBody>
+      </p:sp>
+      <p:sp>
+        <p:nvSpPr>
+          <p:cNvPr id="2" name="Titolo 1">
+            <a:extLst>
+              <a:ext uri="{FF2B5EF4-FFF2-40B4-BE49-F238E27FC236}">
+                <a16:creationId xmlns:a16="http://schemas.microsoft.com/office/drawing/2014/main" id="{1149EC29-349C-4442-9C49-A4F0B810A158}"/>
+              </a:ext>
+            </a:extLst>
+          </p:cNvPr>
+          <p:cNvSpPr>
+            <a:spLocks noGrp="1"/>
+          </p:cNvSpPr>
+          <p:nvPr>
+            <p:ph type="title"/>
+          </p:nvPr>
+        </p:nvSpPr>
+        <p:spPr>
+          <a:xfrm>
+            <a:off x="643467" y="643467"/>
+            <a:ext cx="3363974" cy="1597315"/>
+          </a:xfrm>
+          <a:noFill/>
+          <a:ln w="19050">
+            <a:solidFill>
+              <a:schemeClr val="bg1"/>
+            </a:solidFill>
+          </a:ln>
+        </p:spPr>
+        <p:txBody>
+          <a:bodyPr wrap="square">
+            <a:normAutofit/>
+          </a:bodyPr>
+          <a:lstStyle/>
+          <a:p>
+            <a:pPr algn="ctr"/>
+            <a:r>
+              <a:rPr lang="it-IT" sz="2800" dirty="0" err="1">
+                <a:solidFill>
+                  <a:schemeClr val="bg1"/>
+                </a:solidFill>
+              </a:rPr>
+              <a:t>Exercise</a:t>
+            </a:r>
+            <a:r>
+              <a:rPr lang="it-IT" sz="2800" dirty="0">
+                <a:solidFill>
+                  <a:schemeClr val="bg1"/>
+                </a:solidFill>
+              </a:rPr>
+              <a:t> 3 – </a:t>
+            </a:r>
+            <a:r>
+              <a:rPr lang="it-IT" sz="2800" dirty="0" err="1">
+                <a:solidFill>
+                  <a:schemeClr val="bg1"/>
+                </a:solidFill>
+              </a:rPr>
+              <a:t>BackPropagation</a:t>
+            </a:r>
+            <a:r>
+              <a:rPr lang="it-IT" sz="2800" dirty="0">
+                <a:solidFill>
+                  <a:schemeClr val="bg1"/>
+                </a:solidFill>
+              </a:rPr>
+              <a:t> XOR problem</a:t>
+            </a:r>
+          </a:p>
+        </p:txBody>
+      </p:sp>
+      <mc:AlternateContent xmlns:mc="http://schemas.openxmlformats.org/markup-compatibility/2006">
+        <mc:Choice xmlns:a14="http://schemas.microsoft.com/office/drawing/2010/main" Requires="a14">
+          <p:sp>
+            <p:nvSpPr>
+              <p:cNvPr id="3" name="Segnaposto contenuto 2">
+                <a:extLst>
+                  <a:ext uri="{FF2B5EF4-FFF2-40B4-BE49-F238E27FC236}">
+                    <a16:creationId xmlns:a16="http://schemas.microsoft.com/office/drawing/2014/main" id="{87749C20-3E74-425D-A4F4-173C6F20A4BC}"/>
+                  </a:ext>
+                </a:extLst>
+              </p:cNvPr>
+              <p:cNvSpPr>
+                <a:spLocks noGrp="1"/>
+              </p:cNvSpPr>
+              <p:nvPr>
+                <p:ph idx="1"/>
+              </p:nvPr>
+            </p:nvSpPr>
+            <p:spPr>
+              <a:xfrm>
+                <a:off x="643468" y="2638044"/>
+                <a:ext cx="3363974" cy="3415622"/>
+              </a:xfrm>
+            </p:spPr>
+            <p:txBody>
+              <a:bodyPr>
+                <a:normAutofit fontScale="92500"/>
+              </a:bodyPr>
+              <a:lstStyle/>
+              <a:p>
+                <a14:m>
+                  <m:oMath xmlns:m="http://schemas.openxmlformats.org/officeDocument/2006/math">
+                    <m:r>
+                      <a:rPr lang="it-IT" sz="2000" b="0" i="1" smtClean="0">
+                        <a:solidFill>
+                          <a:schemeClr val="bg1"/>
+                        </a:solidFill>
+                        <a:latin typeface="Cambria Math" panose="02040503050406030204" pitchFamily="18" charset="0"/>
+                      </a:rPr>
+                      <m:t>𝑆𝑖𝑛𝑔𝑙𝑒</m:t>
+                    </m:r>
+                    <m:r>
+                      <a:rPr lang="it-IT" sz="2000" b="0" i="1" smtClean="0">
+                        <a:solidFill>
+                          <a:schemeClr val="bg1"/>
+                        </a:solidFill>
+                        <a:latin typeface="Cambria Math" panose="02040503050406030204" pitchFamily="18" charset="0"/>
+                      </a:rPr>
+                      <m:t> </m:t>
+                    </m:r>
+                    <m:r>
+                      <a:rPr lang="it-IT" sz="2000" b="0" i="1" smtClean="0">
+                        <a:solidFill>
+                          <a:schemeClr val="bg1"/>
+                        </a:solidFill>
+                        <a:latin typeface="Cambria Math" panose="02040503050406030204" pitchFamily="18" charset="0"/>
+                      </a:rPr>
+                      <m:t>𝑝𝑒𝑟𝑐𝑒𝑝𝑡𝑟𝑜𝑛</m:t>
+                    </m:r>
+                    <m:r>
+                      <a:rPr lang="it-IT" sz="2000" b="0" i="1" smtClean="0">
+                        <a:solidFill>
+                          <a:schemeClr val="bg1"/>
+                        </a:solidFill>
+                        <a:latin typeface="Cambria Math" panose="02040503050406030204" pitchFamily="18" charset="0"/>
+                      </a:rPr>
+                      <m:t> </m:t>
+                    </m:r>
+                    <m:r>
+                      <a:rPr lang="it-IT" sz="2000" b="0" i="1" smtClean="0">
+                        <a:solidFill>
+                          <a:schemeClr val="bg1"/>
+                        </a:solidFill>
+                        <a:latin typeface="Cambria Math" panose="02040503050406030204" pitchFamily="18" charset="0"/>
+                      </a:rPr>
+                      <m:t>h𝑖𝑔h𝑙𝑖𝑔h𝑡𝑠</m:t>
+                    </m:r>
+                    <m:r>
+                      <a:rPr lang="it-IT" sz="2000" i="1" smtClean="0">
+                        <a:solidFill>
+                          <a:schemeClr val="bg1"/>
+                        </a:solidFill>
+                        <a:latin typeface="Cambria Math" panose="02040503050406030204" pitchFamily="18" charset="0"/>
+                      </a:rPr>
+                      <m:t> </m:t>
+                    </m:r>
+                  </m:oMath>
+                </a14:m>
+                <a:endParaRPr lang="it-IT" sz="2000" i="1" dirty="0">
+                  <a:solidFill>
+                    <a:schemeClr val="bg1"/>
+                  </a:solidFill>
+                  <a:latin typeface="Cambria Math" panose="02040503050406030204" pitchFamily="18" charset="0"/>
+                </a:endParaRPr>
+              </a:p>
+              <a:p>
+                <a14:m>
+                  <m:oMath xmlns:m="http://schemas.openxmlformats.org/officeDocument/2006/math">
+                    <m:r>
+                      <a:rPr lang="it-IT" sz="2000" b="0" i="1" smtClean="0">
+                        <a:solidFill>
+                          <a:schemeClr val="bg1"/>
+                        </a:solidFill>
+                        <a:latin typeface="Cambria Math" panose="02040503050406030204" pitchFamily="18" charset="0"/>
+                      </a:rPr>
+                      <m:t>𝐾𝑒𝑦</m:t>
+                    </m:r>
+                    <m:r>
+                      <a:rPr lang="it-IT" sz="2000" b="0" i="1" smtClean="0">
+                        <a:solidFill>
+                          <a:schemeClr val="bg1"/>
+                        </a:solidFill>
+                        <a:latin typeface="Cambria Math" panose="02040503050406030204" pitchFamily="18" charset="0"/>
+                      </a:rPr>
+                      <m:t> </m:t>
+                    </m:r>
+                    <m:r>
+                      <a:rPr lang="it-IT" sz="2000" b="0" i="1" smtClean="0">
+                        <a:solidFill>
+                          <a:schemeClr val="bg1"/>
+                        </a:solidFill>
+                        <a:latin typeface="Cambria Math" panose="02040503050406030204" pitchFamily="18" charset="0"/>
+                      </a:rPr>
+                      <m:t>𝑝𝑎𝑟𝑡</m:t>
+                    </m:r>
+                  </m:oMath>
+                </a14:m>
+                <a:endParaRPr lang="it-IT" sz="2000" b="0" i="1" dirty="0">
+                  <a:solidFill>
+                    <a:schemeClr val="bg1"/>
+                  </a:solidFill>
+                  <a:latin typeface="Cambria Math" panose="02040503050406030204" pitchFamily="18" charset="0"/>
+                </a:endParaRPr>
+              </a:p>
+              <a:p>
+                <a14:m>
+                  <m:oMath xmlns:m="http://schemas.openxmlformats.org/officeDocument/2006/math">
+                    <m:r>
+                      <a:rPr lang="it-IT" sz="2000" b="0" i="1" smtClean="0">
+                        <a:solidFill>
+                          <a:schemeClr val="bg1"/>
+                        </a:solidFill>
+                        <a:latin typeface="Cambria Math" panose="02040503050406030204" pitchFamily="18" charset="0"/>
+                      </a:rPr>
+                      <m:t>𝐸𝑥𝑝𝑒𝑟𝑖𝑚𝑒𝑛𝑡𝑎𝑙</m:t>
+                    </m:r>
+                    <m:r>
+                      <a:rPr lang="it-IT" sz="2000" b="0" i="1" smtClean="0">
+                        <a:solidFill>
+                          <a:schemeClr val="bg1"/>
+                        </a:solidFill>
+                        <a:latin typeface="Cambria Math" panose="02040503050406030204" pitchFamily="18" charset="0"/>
+                      </a:rPr>
+                      <m:t> </m:t>
+                    </m:r>
+                    <m:r>
+                      <a:rPr lang="it-IT" sz="2000" b="0" i="1" smtClean="0">
+                        <a:solidFill>
+                          <a:schemeClr val="bg1"/>
+                        </a:solidFill>
+                        <a:latin typeface="Cambria Math" panose="02040503050406030204" pitchFamily="18" charset="0"/>
+                      </a:rPr>
+                      <m:t>𝑠𝑒𝑡𝑢𝑝</m:t>
+                    </m:r>
+                  </m:oMath>
+                </a14:m>
+                <a:endParaRPr lang="it-IT" sz="2000" b="0" dirty="0">
+                  <a:solidFill>
+                    <a:schemeClr val="bg1"/>
+                  </a:solidFill>
+                </a:endParaRPr>
+              </a:p>
+              <a:p>
+                <a14:m>
+                  <m:oMath xmlns:m="http://schemas.openxmlformats.org/officeDocument/2006/math">
+                    <m:r>
+                      <a:rPr lang="it-IT" sz="2000" b="0" i="1" smtClean="0">
+                        <a:solidFill>
+                          <a:schemeClr val="bg1"/>
+                        </a:solidFill>
+                        <a:latin typeface="Cambria Math" panose="02040503050406030204" pitchFamily="18" charset="0"/>
+                      </a:rPr>
+                      <m:t>𝑅𝑒𝑠𝑢𝑙𝑡</m:t>
+                    </m:r>
+                  </m:oMath>
+                </a14:m>
+                <a:endParaRPr lang="it-IT" sz="2000" b="0" dirty="0">
+                  <a:solidFill>
+                    <a:schemeClr val="bg1"/>
+                  </a:solidFill>
+                </a:endParaRPr>
+              </a:p>
+              <a:p>
+                <a14:m>
+                  <m:oMath xmlns:m="http://schemas.openxmlformats.org/officeDocument/2006/math">
+                    <m:r>
+                      <a:rPr lang="it-IT" sz="2000" b="0" i="1" smtClean="0">
+                        <a:solidFill>
+                          <a:schemeClr val="bg1"/>
+                        </a:solidFill>
+                        <a:latin typeface="Cambria Math" panose="02040503050406030204" pitchFamily="18" charset="0"/>
+                      </a:rPr>
+                      <m:t>𝐶𝑜𝑛𝑐𝑙𝑢𝑠𝑖𝑜𝑛</m:t>
+                    </m:r>
+                  </m:oMath>
+                </a14:m>
+                <a:endParaRPr lang="it-IT" sz="2000" b="0" dirty="0">
+                  <a:solidFill>
+                    <a:schemeClr val="bg1"/>
+                  </a:solidFill>
+                </a:endParaRPr>
+              </a:p>
+              <a:p>
+                <a:pPr marL="0" indent="0">
+                  <a:buNone/>
+                </a:pPr>
+                <a:endParaRPr lang="it-IT" sz="2000" b="0" dirty="0">
+                  <a:solidFill>
+                    <a:schemeClr val="bg1"/>
+                  </a:solidFill>
+                </a:endParaRPr>
+              </a:p>
+              <a:p>
+                <a:pPr marL="0" indent="0">
+                  <a:buNone/>
+                </a:pPr>
+                <a:endParaRPr lang="it-IT" sz="2000" b="0" dirty="0">
+                  <a:solidFill>
+                    <a:schemeClr val="bg1"/>
+                  </a:solidFill>
+                </a:endParaRPr>
+              </a:p>
+              <a:p>
+                <a:pPr marL="0" indent="0">
+                  <a:buNone/>
+                </a:pPr>
+                <a:endParaRPr lang="it-IT" sz="2000" b="0" dirty="0">
+                  <a:solidFill>
+                    <a:schemeClr val="bg1"/>
+                  </a:solidFill>
+                </a:endParaRPr>
+              </a:p>
+              <a:p>
+                <a:pPr marL="0" indent="0">
+                  <a:buNone/>
+                </a:pPr>
+                <a:endParaRPr lang="it-IT" sz="2000" dirty="0">
+                  <a:solidFill>
+                    <a:schemeClr val="bg1"/>
+                  </a:solidFill>
+                </a:endParaRPr>
+              </a:p>
+              <a:p>
+                <a:pPr marL="0" indent="0">
+                  <a:buNone/>
+                </a:pPr>
+                <a:endParaRPr lang="it-IT" sz="2000" dirty="0">
+                  <a:solidFill>
+                    <a:schemeClr val="bg1"/>
+                  </a:solidFill>
+                </a:endParaRPr>
+              </a:p>
+              <a:p>
+                <a:pPr marL="0" indent="0">
+                  <a:buNone/>
+                </a:pPr>
+                <a:endParaRPr lang="it-IT" sz="2000" dirty="0">
+                  <a:solidFill>
+                    <a:schemeClr val="bg1"/>
+                  </a:solidFill>
+                </a:endParaRPr>
+              </a:p>
+            </p:txBody>
+          </p:sp>
+        </mc:Choice>
+        <mc:Fallback>
+          <p:sp>
+            <p:nvSpPr>
+              <p:cNvPr id="3" name="Segnaposto contenuto 2">
+                <a:extLst>
+                  <a:ext uri="{FF2B5EF4-FFF2-40B4-BE49-F238E27FC236}">
+                    <a16:creationId xmlns:a16="http://schemas.microsoft.com/office/drawing/2014/main" id="{87749C20-3E74-425D-A4F4-173C6F20A4BC}"/>
+                  </a:ext>
+                </a:extLst>
+              </p:cNvPr>
+              <p:cNvSpPr>
+                <a:spLocks noGrp="1" noRot="1" noChangeAspect="1" noMove="1" noResize="1" noEditPoints="1" noAdjustHandles="1" noChangeArrowheads="1" noChangeShapeType="1" noTextEdit="1"/>
+              </p:cNvSpPr>
+              <p:nvPr>
+                <p:ph idx="1"/>
+              </p:nvPr>
+            </p:nvSpPr>
+            <p:spPr>
+              <a:xfrm>
+                <a:off x="643468" y="2638044"/>
+                <a:ext cx="3363974" cy="3415622"/>
+              </a:xfrm>
+              <a:blipFill>
+                <a:blip r:embed="rId2"/>
+                <a:stretch>
+                  <a:fillRect l="-1452" t="-1071" r="-6352"/>
+                </a:stretch>
+              </a:blipFill>
+            </p:spPr>
+            <p:txBody>
+              <a:bodyPr/>
+              <a:lstStyle/>
+              <a:p>
+                <a:r>
+                  <a:rPr lang="it-IT">
+                    <a:noFill/>
+                  </a:rPr>
+                  <a:t> </a:t>
+                </a:r>
+              </a:p>
+            </p:txBody>
+          </p:sp>
+        </mc:Fallback>
+      </mc:AlternateContent>
+      <p:pic>
+        <p:nvPicPr>
+          <p:cNvPr id="4" name="Picture 4" descr="Risultati immagini per meme neural network">
+            <a:extLst>
+              <a:ext uri="{FF2B5EF4-FFF2-40B4-BE49-F238E27FC236}">
+                <a16:creationId xmlns:a16="http://schemas.microsoft.com/office/drawing/2014/main" id="{A5C93303-5282-45E8-8445-C79E0DB11F46}"/>
+              </a:ext>
+            </a:extLst>
+          </p:cNvPr>
+          <p:cNvPicPr>
+            <a:picLocks noChangeAspect="1" noChangeArrowheads="1"/>
+          </p:cNvPicPr>
+          <p:nvPr/>
+        </p:nvPicPr>
+        <p:blipFill>
+          <a:blip r:embed="rId3">
+            <a:extLst>
+              <a:ext uri="{28A0092B-C50C-407E-A947-70E740481C1C}">
+                <a14:useLocalDpi xmlns:a14="http://schemas.microsoft.com/office/drawing/2010/main" val="0"/>
+              </a:ext>
+            </a:extLst>
+          </a:blip>
+          <a:srcRect/>
+          <a:stretch>
+            <a:fillRect/>
+          </a:stretch>
+        </p:blipFill>
+        <p:spPr bwMode="auto">
+          <a:xfrm>
+            <a:off x="6020505" y="1460289"/>
+            <a:ext cx="5162843" cy="3937422"/>
+          </a:xfrm>
+          <a:prstGeom prst="rect">
+            <a:avLst/>
+          </a:prstGeom>
+          <a:noFill/>
+          <a:extLst>
+            <a:ext uri="{909E8E84-426E-40DD-AFC4-6F175D3DCCD1}">
+              <a14:hiddenFill xmlns:a14="http://schemas.microsoft.com/office/drawing/2010/main">
+                <a:solidFill>
+                  <a:srgbClr val="FFFFFF"/>
+                </a:solidFill>
+              </a14:hiddenFill>
+            </a:ext>
+          </a:extLst>
+        </p:spPr>
+      </p:pic>
+    </p:spTree>
+    <p:extLst>
+      <p:ext uri="{BB962C8B-B14F-4D97-AF65-F5344CB8AC3E}">
+        <p14:creationId xmlns:p14="http://schemas.microsoft.com/office/powerpoint/2010/main" val="1681538123"/>
       </p:ext>
     </p:extLst>
   </p:cSld>

--- a/Presentation/SDU_SummerSchool_Presentation.pptx
+++ b/Presentation/SDU_SummerSchool_Presentation.pptx
@@ -21,6 +21,8 @@
     <p:sldId id="269" r:id="rId15"/>
     <p:sldId id="267" r:id="rId16"/>
     <p:sldId id="274" r:id="rId17"/>
+    <p:sldId id="277" r:id="rId18"/>
+    <p:sldId id="276" r:id="rId19"/>
   </p:sldIdLst>
   <p:sldSz cx="12192000" cy="6858000"/>
   <p:notesSz cx="6858000" cy="9144000"/>
@@ -274,7 +276,7 @@
           <a:p>
             <a:fld id="{8173B6D1-B9A7-4F74-ADCF-EF56F696349F}" type="datetimeFigureOut">
               <a:rPr lang="it-IT" smtClean="0"/>
-              <a:t>12/08/2019</a:t>
+              <a:t>14/08/2019</a:t>
             </a:fld>
             <a:endParaRPr lang="it-IT"/>
           </a:p>
@@ -472,7 +474,7 @@
           <a:p>
             <a:fld id="{8173B6D1-B9A7-4F74-ADCF-EF56F696349F}" type="datetimeFigureOut">
               <a:rPr lang="it-IT" smtClean="0"/>
-              <a:t>12/08/2019</a:t>
+              <a:t>14/08/2019</a:t>
             </a:fld>
             <a:endParaRPr lang="it-IT"/>
           </a:p>
@@ -680,7 +682,7 @@
           <a:p>
             <a:fld id="{8173B6D1-B9A7-4F74-ADCF-EF56F696349F}" type="datetimeFigureOut">
               <a:rPr lang="it-IT" smtClean="0"/>
-              <a:t>12/08/2019</a:t>
+              <a:t>14/08/2019</a:t>
             </a:fld>
             <a:endParaRPr lang="it-IT"/>
           </a:p>
@@ -878,7 +880,7 @@
           <a:p>
             <a:fld id="{8173B6D1-B9A7-4F74-ADCF-EF56F696349F}" type="datetimeFigureOut">
               <a:rPr lang="it-IT" smtClean="0"/>
-              <a:t>12/08/2019</a:t>
+              <a:t>14/08/2019</a:t>
             </a:fld>
             <a:endParaRPr lang="it-IT"/>
           </a:p>
@@ -1153,7 +1155,7 @@
           <a:p>
             <a:fld id="{8173B6D1-B9A7-4F74-ADCF-EF56F696349F}" type="datetimeFigureOut">
               <a:rPr lang="it-IT" smtClean="0"/>
-              <a:t>12/08/2019</a:t>
+              <a:t>14/08/2019</a:t>
             </a:fld>
             <a:endParaRPr lang="it-IT"/>
           </a:p>
@@ -1418,7 +1420,7 @@
           <a:p>
             <a:fld id="{8173B6D1-B9A7-4F74-ADCF-EF56F696349F}" type="datetimeFigureOut">
               <a:rPr lang="it-IT" smtClean="0"/>
-              <a:t>12/08/2019</a:t>
+              <a:t>14/08/2019</a:t>
             </a:fld>
             <a:endParaRPr lang="it-IT"/>
           </a:p>
@@ -1830,7 +1832,7 @@
           <a:p>
             <a:fld id="{8173B6D1-B9A7-4F74-ADCF-EF56F696349F}" type="datetimeFigureOut">
               <a:rPr lang="it-IT" smtClean="0"/>
-              <a:t>12/08/2019</a:t>
+              <a:t>14/08/2019</a:t>
             </a:fld>
             <a:endParaRPr lang="it-IT"/>
           </a:p>
@@ -1971,7 +1973,7 @@
           <a:p>
             <a:fld id="{8173B6D1-B9A7-4F74-ADCF-EF56F696349F}" type="datetimeFigureOut">
               <a:rPr lang="it-IT" smtClean="0"/>
-              <a:t>12/08/2019</a:t>
+              <a:t>14/08/2019</a:t>
             </a:fld>
             <a:endParaRPr lang="it-IT"/>
           </a:p>
@@ -2084,7 +2086,7 @@
           <a:p>
             <a:fld id="{8173B6D1-B9A7-4F74-ADCF-EF56F696349F}" type="datetimeFigureOut">
               <a:rPr lang="it-IT" smtClean="0"/>
-              <a:t>12/08/2019</a:t>
+              <a:t>14/08/2019</a:t>
             </a:fld>
             <a:endParaRPr lang="it-IT"/>
           </a:p>
@@ -2395,7 +2397,7 @@
           <a:p>
             <a:fld id="{8173B6D1-B9A7-4F74-ADCF-EF56F696349F}" type="datetimeFigureOut">
               <a:rPr lang="it-IT" smtClean="0"/>
-              <a:t>12/08/2019</a:t>
+              <a:t>14/08/2019</a:t>
             </a:fld>
             <a:endParaRPr lang="it-IT"/>
           </a:p>
@@ -2683,7 +2685,7 @@
           <a:p>
             <a:fld id="{8173B6D1-B9A7-4F74-ADCF-EF56F696349F}" type="datetimeFigureOut">
               <a:rPr lang="it-IT" smtClean="0"/>
-              <a:t>12/08/2019</a:t>
+              <a:t>14/08/2019</a:t>
             </a:fld>
             <a:endParaRPr lang="it-IT"/>
           </a:p>
@@ -2924,7 +2926,7 @@
           <a:p>
             <a:fld id="{8173B6D1-B9A7-4F74-ADCF-EF56F696349F}" type="datetimeFigureOut">
               <a:rPr lang="it-IT" smtClean="0"/>
-              <a:t>12/08/2019</a:t>
+              <a:t>14/08/2019</a:t>
             </a:fld>
             <a:endParaRPr lang="it-IT"/>
           </a:p>
@@ -5616,8 +5618,8 @@
           </a:p>
         </p:txBody>
       </p:sp>
-      <mc:AlternateContent xmlns:mc="http://schemas.openxmlformats.org/markup-compatibility/2006">
-        <mc:Choice xmlns:a14="http://schemas.microsoft.com/office/drawing/2010/main" Requires="a14">
+      <mc:AlternateContent xmlns:mc="http://schemas.openxmlformats.org/markup-compatibility/2006" xmlns:a14="http://schemas.microsoft.com/office/drawing/2010/main">
+        <mc:Choice Requires="a14">
           <p:sp>
             <p:nvSpPr>
               <p:cNvPr id="3" name="Segnaposto contenuto 2">
@@ -5891,7 +5893,7 @@
             </p:txBody>
           </p:sp>
         </mc:Choice>
-        <mc:Fallback>
+        <mc:Fallback xmlns="">
           <p:sp>
             <p:nvSpPr>
               <p:cNvPr id="3" name="Segnaposto contenuto 2">
@@ -5991,6 +5993,346 @@
   </p:cSld>
   <p:clrMapOvr>
     <a:masterClrMapping/>
+  </p:clrMapOvr>
+</p:sld>
+</file>
+
+<file path=ppt/slides/slide17.xml><?xml version="1.0" encoding="utf-8"?>
+<p:sld xmlns:a="http://schemas.openxmlformats.org/drawingml/2006/main" xmlns:r="http://schemas.openxmlformats.org/officeDocument/2006/relationships" xmlns:p="http://schemas.openxmlformats.org/presentationml/2006/main">
+  <p:cSld>
+    <p:spTree>
+      <p:nvGrpSpPr>
+        <p:cNvPr id="1" name=""/>
+        <p:cNvGrpSpPr/>
+        <p:nvPr/>
+      </p:nvGrpSpPr>
+      <p:grpSpPr>
+        <a:xfrm>
+          <a:off x="0" y="0"/>
+          <a:ext cx="0" cy="0"/>
+          <a:chOff x="0" y="0"/>
+          <a:chExt cx="0" cy="0"/>
+        </a:xfrm>
+      </p:grpSpPr>
+      <p:sp>
+        <p:nvSpPr>
+          <p:cNvPr id="2" name="Titolo 1">
+            <a:extLst>
+              <a:ext uri="{FF2B5EF4-FFF2-40B4-BE49-F238E27FC236}">
+                <a16:creationId xmlns:a16="http://schemas.microsoft.com/office/drawing/2014/main" id="{AAE69284-7676-4D36-94CC-AC9F98B25151}"/>
+              </a:ext>
+            </a:extLst>
+          </p:cNvPr>
+          <p:cNvSpPr>
+            <a:spLocks noGrp="1"/>
+          </p:cNvSpPr>
+          <p:nvPr>
+            <p:ph type="title"/>
+          </p:nvPr>
+        </p:nvSpPr>
+        <p:spPr/>
+        <p:txBody>
+          <a:bodyPr/>
+          <a:lstStyle/>
+          <a:p>
+            <a:r>
+              <a:rPr lang="it-IT" dirty="0"/>
+              <a:t>Single perceptron with </a:t>
+            </a:r>
+            <a:r>
+              <a:rPr lang="it-IT" dirty="0" err="1"/>
+              <a:t>irisDataset</a:t>
+            </a:r>
+            <a:endParaRPr lang="it-IT" dirty="0"/>
+          </a:p>
+        </p:txBody>
+      </p:sp>
+      <p:sp>
+        <p:nvSpPr>
+          <p:cNvPr id="3" name="Segnaposto contenuto 2">
+            <a:extLst>
+              <a:ext uri="{FF2B5EF4-FFF2-40B4-BE49-F238E27FC236}">
+                <a16:creationId xmlns:a16="http://schemas.microsoft.com/office/drawing/2014/main" id="{CD62F3CC-8E4C-4ADB-9CCA-2AED5B217F16}"/>
+              </a:ext>
+            </a:extLst>
+          </p:cNvPr>
+          <p:cNvSpPr>
+            <a:spLocks noGrp="1"/>
+          </p:cNvSpPr>
+          <p:nvPr>
+            <p:ph idx="1"/>
+          </p:nvPr>
+        </p:nvSpPr>
+        <p:spPr/>
+        <p:txBody>
+          <a:bodyPr/>
+          <a:lstStyle/>
+          <a:p>
+            <a:endParaRPr lang="it-IT"/>
+          </a:p>
+        </p:txBody>
+      </p:sp>
+    </p:spTree>
+    <p:extLst>
+      <p:ext uri="{BB962C8B-B14F-4D97-AF65-F5344CB8AC3E}">
+        <p14:creationId xmlns:p14="http://schemas.microsoft.com/office/powerpoint/2010/main" val="3261572726"/>
+      </p:ext>
+    </p:extLst>
+  </p:cSld>
+  <p:clrMapOvr>
+    <a:masterClrMapping/>
+  </p:clrMapOvr>
+</p:sld>
+</file>
+
+<file path=ppt/slides/slide18.xml><?xml version="1.0" encoding="utf-8"?>
+<p:sld xmlns:a="http://schemas.openxmlformats.org/drawingml/2006/main" xmlns:r="http://schemas.openxmlformats.org/officeDocument/2006/relationships" xmlns:p="http://schemas.openxmlformats.org/presentationml/2006/main">
+  <p:cSld>
+    <p:bg>
+      <p:bgPr>
+        <a:solidFill>
+          <a:schemeClr val="tx1"/>
+        </a:solidFill>
+        <a:effectLst/>
+      </p:bgPr>
+    </p:bg>
+    <p:spTree>
+      <p:nvGrpSpPr>
+        <p:cNvPr id="1" name=""/>
+        <p:cNvGrpSpPr/>
+        <p:nvPr/>
+      </p:nvGrpSpPr>
+      <p:grpSpPr>
+        <a:xfrm>
+          <a:off x="0" y="0"/>
+          <a:ext cx="0" cy="0"/>
+          <a:chOff x="0" y="0"/>
+          <a:chExt cx="0" cy="0"/>
+        </a:xfrm>
+      </p:grpSpPr>
+      <p:sp>
+        <p:nvSpPr>
+          <p:cNvPr id="73" name="Rectangle 72">
+            <a:extLst>
+              <a:ext uri="{FF2B5EF4-FFF2-40B4-BE49-F238E27FC236}">
+                <a16:creationId xmlns:a16="http://schemas.microsoft.com/office/drawing/2014/main" id="{867D4867-5BA7-4462-B2F6-A23F4A622AA7}"/>
+              </a:ext>
+              <a:ext uri="{C183D7F6-B498-43B3-948B-1728B52AA6E4}">
+                <adec:decorative xmlns:adec="http://schemas.microsoft.com/office/drawing/2017/decorative" val="1"/>
+              </a:ext>
+            </a:extLst>
+          </p:cNvPr>
+          <p:cNvSpPr>
+            <a:spLocks noGrp="1" noRot="1" noChangeAspect="1" noMove="1" noResize="1" noEditPoints="1" noAdjustHandles="1" noChangeArrowheads="1" noChangeShapeType="1" noTextEdit="1"/>
+          </p:cNvSpPr>
+          <p:nvPr>
+            <p:extLst>
+              <p:ext uri="{386F3935-93C4-4BCD-93E2-E3B085C9AB24}">
+                <p16:designElem xmlns:p16="http://schemas.microsoft.com/office/powerpoint/2015/main" val="1"/>
+              </p:ext>
+            </p:extLst>
+          </p:nvPr>
+        </p:nvSpPr>
+        <p:spPr>
+          <a:xfrm>
+            <a:off x="0" y="0"/>
+            <a:ext cx="4654296" cy="6858000"/>
+          </a:xfrm>
+          <a:prstGeom prst="rect">
+            <a:avLst/>
+          </a:prstGeom>
+          <a:solidFill>
+            <a:srgbClr val="3F3F3F"/>
+          </a:solidFill>
+          <a:ln>
+            <a:noFill/>
+          </a:ln>
+        </p:spPr>
+        <p:style>
+          <a:lnRef idx="0">
+            <a:scrgbClr r="0" g="0" b="0"/>
+          </a:lnRef>
+          <a:fillRef idx="0">
+            <a:scrgbClr r="0" g="0" b="0"/>
+          </a:fillRef>
+          <a:effectRef idx="0">
+            <a:scrgbClr r="0" g="0" b="0"/>
+          </a:effectRef>
+          <a:fontRef idx="minor">
+            <a:schemeClr val="lt1"/>
+          </a:fontRef>
+        </p:style>
+        <p:txBody>
+          <a:bodyPr rtlCol="0" anchor="ctr"/>
+          <a:lstStyle/>
+          <a:p>
+            <a:pPr algn="ctr"/>
+            <a:endParaRPr lang="en-US" dirty="0"/>
+          </a:p>
+        </p:txBody>
+      </p:sp>
+      <p:sp>
+        <p:nvSpPr>
+          <p:cNvPr id="2" name="Titolo 1">
+            <a:extLst>
+              <a:ext uri="{FF2B5EF4-FFF2-40B4-BE49-F238E27FC236}">
+                <a16:creationId xmlns:a16="http://schemas.microsoft.com/office/drawing/2014/main" id="{1149EC29-349C-4442-9C49-A4F0B810A158}"/>
+              </a:ext>
+            </a:extLst>
+          </p:cNvPr>
+          <p:cNvSpPr>
+            <a:spLocks noGrp="1"/>
+          </p:cNvSpPr>
+          <p:nvPr>
+            <p:ph type="title"/>
+          </p:nvPr>
+        </p:nvSpPr>
+        <p:spPr>
+          <a:xfrm>
+            <a:off x="643468" y="623392"/>
+            <a:ext cx="3363974" cy="1607060"/>
+          </a:xfrm>
+          <a:noFill/>
+          <a:ln w="19050">
+            <a:solidFill>
+              <a:schemeClr val="tx1"/>
+            </a:solidFill>
+          </a:ln>
+        </p:spPr>
+        <p:txBody>
+          <a:bodyPr wrap="square" anchor="ctr">
+            <a:normAutofit/>
+          </a:bodyPr>
+          <a:lstStyle/>
+          <a:p>
+            <a:pPr algn="ctr"/>
+            <a:r>
+              <a:rPr lang="it-IT" sz="2800"/>
+              <a:t>Exercise 4 – SARSA in continuous space</a:t>
+            </a:r>
+          </a:p>
+        </p:txBody>
+      </p:sp>
+      <p:sp>
+        <p:nvSpPr>
+          <p:cNvPr id="3" name="Segnaposto contenuto 2">
+            <a:extLst>
+              <a:ext uri="{FF2B5EF4-FFF2-40B4-BE49-F238E27FC236}">
+                <a16:creationId xmlns:a16="http://schemas.microsoft.com/office/drawing/2014/main" id="{87749C20-3E74-425D-A4F4-173C6F20A4BC}"/>
+              </a:ext>
+            </a:extLst>
+          </p:cNvPr>
+          <p:cNvSpPr>
+            <a:spLocks noGrp="1"/>
+          </p:cNvSpPr>
+          <p:nvPr>
+            <p:ph idx="1"/>
+          </p:nvPr>
+        </p:nvSpPr>
+        <p:spPr>
+          <a:xfrm>
+            <a:off x="643468" y="2638044"/>
+            <a:ext cx="3363974" cy="3415622"/>
+          </a:xfrm>
+        </p:spPr>
+        <p:txBody>
+          <a:bodyPr>
+            <a:normAutofit/>
+          </a:bodyPr>
+          <a:lstStyle/>
+          <a:p>
+            <a:pPr marL="0" indent="0">
+              <a:buNone/>
+            </a:pPr>
+            <a:endParaRPr lang="it-IT" sz="2000" b="0"/>
+          </a:p>
+          <a:p>
+            <a:pPr marL="0" indent="0">
+              <a:buNone/>
+            </a:pPr>
+            <a:endParaRPr lang="it-IT" sz="2000" b="0"/>
+          </a:p>
+          <a:p>
+            <a:pPr marL="0" indent="0">
+              <a:buNone/>
+            </a:pPr>
+            <a:endParaRPr lang="it-IT" sz="2000" b="0"/>
+          </a:p>
+          <a:p>
+            <a:pPr marL="0" indent="0">
+              <a:buNone/>
+            </a:pPr>
+            <a:endParaRPr lang="it-IT" sz="2000"/>
+          </a:p>
+          <a:p>
+            <a:pPr marL="0" indent="0">
+              <a:buNone/>
+            </a:pPr>
+            <a:endParaRPr lang="it-IT" sz="2000"/>
+          </a:p>
+          <a:p>
+            <a:pPr marL="0" indent="0">
+              <a:buNone/>
+            </a:pPr>
+            <a:endParaRPr lang="it-IT" sz="2000"/>
+          </a:p>
+        </p:txBody>
+      </p:sp>
+      <p:pic>
+        <p:nvPicPr>
+          <p:cNvPr id="1026" name="Picture 2" descr="Risultati immagini per hill climb racing">
+            <a:extLst>
+              <a:ext uri="{FF2B5EF4-FFF2-40B4-BE49-F238E27FC236}">
+                <a16:creationId xmlns:a16="http://schemas.microsoft.com/office/drawing/2014/main" id="{C3BCF0F2-546A-43C2-A104-D7048FC1116A}"/>
+              </a:ext>
+            </a:extLst>
+          </p:cNvPr>
+          <p:cNvPicPr>
+            <a:picLocks noChangeAspect="1" noChangeArrowheads="1"/>
+          </p:cNvPicPr>
+          <p:nvPr/>
+        </p:nvPicPr>
+        <p:blipFill>
+          <a:blip r:embed="rId2">
+            <a:extLst>
+              <a:ext uri="{28A0092B-C50C-407E-A947-70E740481C1C}">
+                <a14:useLocalDpi xmlns:a14="http://schemas.microsoft.com/office/drawing/2010/main" val="0"/>
+              </a:ext>
+            </a:extLst>
+          </a:blip>
+          <a:stretch>
+            <a:fillRect/>
+          </a:stretch>
+        </p:blipFill>
+        <p:spPr bwMode="auto">
+          <a:xfrm>
+            <a:off x="5297763" y="1473336"/>
+            <a:ext cx="6250769" cy="3750461"/>
+          </a:xfrm>
+          <a:prstGeom prst="rect">
+            <a:avLst/>
+          </a:prstGeom>
+          <a:noFill/>
+          <a:extLst>
+            <a:ext uri="{909E8E84-426E-40DD-AFC4-6F175D3DCCD1}">
+              <a14:hiddenFill xmlns:a14="http://schemas.microsoft.com/office/drawing/2010/main">
+                <a:solidFill>
+                  <a:srgbClr val="FFFFFF"/>
+                </a:solidFill>
+              </a14:hiddenFill>
+            </a:ext>
+          </a:extLst>
+        </p:spPr>
+      </p:pic>
+    </p:spTree>
+    <p:extLst>
+      <p:ext uri="{BB962C8B-B14F-4D97-AF65-F5344CB8AC3E}">
+        <p14:creationId xmlns:p14="http://schemas.microsoft.com/office/powerpoint/2010/main" val="1492792167"/>
+      </p:ext>
+    </p:extLst>
+  </p:cSld>
+  <p:clrMapOvr>
+    <a:overrideClrMapping bg1="dk1" tx1="lt1" bg2="dk2" tx2="lt2" accent1="accent1" accent2="accent2" accent3="accent3" accent4="accent4" accent5="accent5" accent6="accent6" hlink="hlink" folHlink="folHlink"/>
   </p:clrMapOvr>
 </p:sld>
 </file>
@@ -6451,7 +6793,7 @@
         <p:spPr>
           <a:xfrm>
             <a:off x="7393001" y="4835693"/>
-            <a:ext cx="2060291" cy="1015663"/>
+            <a:ext cx="2453510" cy="1015663"/>
           </a:xfrm>
           <a:prstGeom prst="rect">
             <a:avLst/>

--- a/Presentation/SDU_SummerSchool_Presentation.pptx
+++ b/Presentation/SDU_SummerSchool_Presentation.pptx
@@ -10,19 +10,28 @@
     <p:sldId id="259" r:id="rId4"/>
     <p:sldId id="272" r:id="rId5"/>
     <p:sldId id="271" r:id="rId6"/>
-    <p:sldId id="258" r:id="rId7"/>
-    <p:sldId id="260" r:id="rId8"/>
-    <p:sldId id="262" r:id="rId9"/>
-    <p:sldId id="263" r:id="rId10"/>
-    <p:sldId id="264" r:id="rId11"/>
-    <p:sldId id="265" r:id="rId12"/>
-    <p:sldId id="266" r:id="rId13"/>
-    <p:sldId id="268" r:id="rId14"/>
-    <p:sldId id="269" r:id="rId15"/>
-    <p:sldId id="267" r:id="rId16"/>
-    <p:sldId id="274" r:id="rId17"/>
-    <p:sldId id="277" r:id="rId18"/>
-    <p:sldId id="276" r:id="rId19"/>
+    <p:sldId id="278" r:id="rId7"/>
+    <p:sldId id="279" r:id="rId8"/>
+    <p:sldId id="280" r:id="rId9"/>
+    <p:sldId id="282" r:id="rId10"/>
+    <p:sldId id="283" r:id="rId11"/>
+    <p:sldId id="286" r:id="rId12"/>
+    <p:sldId id="284" r:id="rId13"/>
+    <p:sldId id="285" r:id="rId14"/>
+    <p:sldId id="281" r:id="rId15"/>
+    <p:sldId id="258" r:id="rId16"/>
+    <p:sldId id="260" r:id="rId17"/>
+    <p:sldId id="262" r:id="rId18"/>
+    <p:sldId id="263" r:id="rId19"/>
+    <p:sldId id="264" r:id="rId20"/>
+    <p:sldId id="265" r:id="rId21"/>
+    <p:sldId id="266" r:id="rId22"/>
+    <p:sldId id="268" r:id="rId23"/>
+    <p:sldId id="269" r:id="rId24"/>
+    <p:sldId id="267" r:id="rId25"/>
+    <p:sldId id="274" r:id="rId26"/>
+    <p:sldId id="277" r:id="rId27"/>
+    <p:sldId id="276" r:id="rId28"/>
   </p:sldIdLst>
   <p:sldSz cx="12192000" cy="6858000"/>
   <p:notesSz cx="6858000" cy="9144000"/>
@@ -276,7 +285,7 @@
           <a:p>
             <a:fld id="{8173B6D1-B9A7-4F74-ADCF-EF56F696349F}" type="datetimeFigureOut">
               <a:rPr lang="it-IT" smtClean="0"/>
-              <a:t>14/08/2019</a:t>
+              <a:t>14/08/19</a:t>
             </a:fld>
             <a:endParaRPr lang="it-IT"/>
           </a:p>
@@ -330,7 +339,7 @@
           <a:p>
             <a:fld id="{37521F19-B39A-4CF3-8059-E7EF6E631AA0}" type="slidenum">
               <a:rPr lang="it-IT" smtClean="0"/>
-              <a:t>‹N›</a:t>
+              <a:t>‹#›</a:t>
             </a:fld>
             <a:endParaRPr lang="it-IT"/>
           </a:p>
@@ -474,7 +483,7 @@
           <a:p>
             <a:fld id="{8173B6D1-B9A7-4F74-ADCF-EF56F696349F}" type="datetimeFigureOut">
               <a:rPr lang="it-IT" smtClean="0"/>
-              <a:t>14/08/2019</a:t>
+              <a:t>14/08/19</a:t>
             </a:fld>
             <a:endParaRPr lang="it-IT"/>
           </a:p>
@@ -528,7 +537,7 @@
           <a:p>
             <a:fld id="{37521F19-B39A-4CF3-8059-E7EF6E631AA0}" type="slidenum">
               <a:rPr lang="it-IT" smtClean="0"/>
-              <a:t>‹N›</a:t>
+              <a:t>‹#›</a:t>
             </a:fld>
             <a:endParaRPr lang="it-IT"/>
           </a:p>
@@ -682,7 +691,7 @@
           <a:p>
             <a:fld id="{8173B6D1-B9A7-4F74-ADCF-EF56F696349F}" type="datetimeFigureOut">
               <a:rPr lang="it-IT" smtClean="0"/>
-              <a:t>14/08/2019</a:t>
+              <a:t>14/08/19</a:t>
             </a:fld>
             <a:endParaRPr lang="it-IT"/>
           </a:p>
@@ -736,7 +745,7 @@
           <a:p>
             <a:fld id="{37521F19-B39A-4CF3-8059-E7EF6E631AA0}" type="slidenum">
               <a:rPr lang="it-IT" smtClean="0"/>
-              <a:t>‹N›</a:t>
+              <a:t>‹#›</a:t>
             </a:fld>
             <a:endParaRPr lang="it-IT"/>
           </a:p>
@@ -880,7 +889,7 @@
           <a:p>
             <a:fld id="{8173B6D1-B9A7-4F74-ADCF-EF56F696349F}" type="datetimeFigureOut">
               <a:rPr lang="it-IT" smtClean="0"/>
-              <a:t>14/08/2019</a:t>
+              <a:t>14/08/19</a:t>
             </a:fld>
             <a:endParaRPr lang="it-IT"/>
           </a:p>
@@ -934,7 +943,7 @@
           <a:p>
             <a:fld id="{37521F19-B39A-4CF3-8059-E7EF6E631AA0}" type="slidenum">
               <a:rPr lang="it-IT" smtClean="0"/>
-              <a:t>‹N›</a:t>
+              <a:t>‹#›</a:t>
             </a:fld>
             <a:endParaRPr lang="it-IT"/>
           </a:p>
@@ -1155,7 +1164,7 @@
           <a:p>
             <a:fld id="{8173B6D1-B9A7-4F74-ADCF-EF56F696349F}" type="datetimeFigureOut">
               <a:rPr lang="it-IT" smtClean="0"/>
-              <a:t>14/08/2019</a:t>
+              <a:t>14/08/19</a:t>
             </a:fld>
             <a:endParaRPr lang="it-IT"/>
           </a:p>
@@ -1209,7 +1218,7 @@
           <a:p>
             <a:fld id="{37521F19-B39A-4CF3-8059-E7EF6E631AA0}" type="slidenum">
               <a:rPr lang="it-IT" smtClean="0"/>
-              <a:t>‹N›</a:t>
+              <a:t>‹#›</a:t>
             </a:fld>
             <a:endParaRPr lang="it-IT"/>
           </a:p>
@@ -1420,7 +1429,7 @@
           <a:p>
             <a:fld id="{8173B6D1-B9A7-4F74-ADCF-EF56F696349F}" type="datetimeFigureOut">
               <a:rPr lang="it-IT" smtClean="0"/>
-              <a:t>14/08/2019</a:t>
+              <a:t>14/08/19</a:t>
             </a:fld>
             <a:endParaRPr lang="it-IT"/>
           </a:p>
@@ -1474,7 +1483,7 @@
           <a:p>
             <a:fld id="{37521F19-B39A-4CF3-8059-E7EF6E631AA0}" type="slidenum">
               <a:rPr lang="it-IT" smtClean="0"/>
-              <a:t>‹N›</a:t>
+              <a:t>‹#›</a:t>
             </a:fld>
             <a:endParaRPr lang="it-IT"/>
           </a:p>
@@ -1832,7 +1841,7 @@
           <a:p>
             <a:fld id="{8173B6D1-B9A7-4F74-ADCF-EF56F696349F}" type="datetimeFigureOut">
               <a:rPr lang="it-IT" smtClean="0"/>
-              <a:t>14/08/2019</a:t>
+              <a:t>14/08/19</a:t>
             </a:fld>
             <a:endParaRPr lang="it-IT"/>
           </a:p>
@@ -1886,7 +1895,7 @@
           <a:p>
             <a:fld id="{37521F19-B39A-4CF3-8059-E7EF6E631AA0}" type="slidenum">
               <a:rPr lang="it-IT" smtClean="0"/>
-              <a:t>‹N›</a:t>
+              <a:t>‹#›</a:t>
             </a:fld>
             <a:endParaRPr lang="it-IT"/>
           </a:p>
@@ -1973,7 +1982,7 @@
           <a:p>
             <a:fld id="{8173B6D1-B9A7-4F74-ADCF-EF56F696349F}" type="datetimeFigureOut">
               <a:rPr lang="it-IT" smtClean="0"/>
-              <a:t>14/08/2019</a:t>
+              <a:t>14/08/19</a:t>
             </a:fld>
             <a:endParaRPr lang="it-IT"/>
           </a:p>
@@ -2027,7 +2036,7 @@
           <a:p>
             <a:fld id="{37521F19-B39A-4CF3-8059-E7EF6E631AA0}" type="slidenum">
               <a:rPr lang="it-IT" smtClean="0"/>
-              <a:t>‹N›</a:t>
+              <a:t>‹#›</a:t>
             </a:fld>
             <a:endParaRPr lang="it-IT"/>
           </a:p>
@@ -2086,7 +2095,7 @@
           <a:p>
             <a:fld id="{8173B6D1-B9A7-4F74-ADCF-EF56F696349F}" type="datetimeFigureOut">
               <a:rPr lang="it-IT" smtClean="0"/>
-              <a:t>14/08/2019</a:t>
+              <a:t>14/08/19</a:t>
             </a:fld>
             <a:endParaRPr lang="it-IT"/>
           </a:p>
@@ -2140,7 +2149,7 @@
           <a:p>
             <a:fld id="{37521F19-B39A-4CF3-8059-E7EF6E631AA0}" type="slidenum">
               <a:rPr lang="it-IT" smtClean="0"/>
-              <a:t>‹N›</a:t>
+              <a:t>‹#›</a:t>
             </a:fld>
             <a:endParaRPr lang="it-IT"/>
           </a:p>
@@ -2397,7 +2406,7 @@
           <a:p>
             <a:fld id="{8173B6D1-B9A7-4F74-ADCF-EF56F696349F}" type="datetimeFigureOut">
               <a:rPr lang="it-IT" smtClean="0"/>
-              <a:t>14/08/2019</a:t>
+              <a:t>14/08/19</a:t>
             </a:fld>
             <a:endParaRPr lang="it-IT"/>
           </a:p>
@@ -2451,7 +2460,7 @@
           <a:p>
             <a:fld id="{37521F19-B39A-4CF3-8059-E7EF6E631AA0}" type="slidenum">
               <a:rPr lang="it-IT" smtClean="0"/>
-              <a:t>‹N›</a:t>
+              <a:t>‹#›</a:t>
             </a:fld>
             <a:endParaRPr lang="it-IT"/>
           </a:p>
@@ -2685,7 +2694,7 @@
           <a:p>
             <a:fld id="{8173B6D1-B9A7-4F74-ADCF-EF56F696349F}" type="datetimeFigureOut">
               <a:rPr lang="it-IT" smtClean="0"/>
-              <a:t>14/08/2019</a:t>
+              <a:t>14/08/19</a:t>
             </a:fld>
             <a:endParaRPr lang="it-IT"/>
           </a:p>
@@ -2739,7 +2748,7 @@
           <a:p>
             <a:fld id="{37521F19-B39A-4CF3-8059-E7EF6E631AA0}" type="slidenum">
               <a:rPr lang="it-IT" smtClean="0"/>
-              <a:t>‹N›</a:t>
+              <a:t>‹#›</a:t>
             </a:fld>
             <a:endParaRPr lang="it-IT"/>
           </a:p>
@@ -2926,7 +2935,7 @@
           <a:p>
             <a:fld id="{8173B6D1-B9A7-4F74-ADCF-EF56F696349F}" type="datetimeFigureOut">
               <a:rPr lang="it-IT" smtClean="0"/>
-              <a:t>14/08/2019</a:t>
+              <a:t>14/08/19</a:t>
             </a:fld>
             <a:endParaRPr lang="it-IT"/>
           </a:p>
@@ -3016,7 +3025,7 @@
           <a:p>
             <a:fld id="{37521F19-B39A-4CF3-8059-E7EF6E631AA0}" type="slidenum">
               <a:rPr lang="it-IT" smtClean="0"/>
-              <a:t>‹N›</a:t>
+              <a:t>‹#›</a:t>
             </a:fld>
             <a:endParaRPr lang="it-IT"/>
           </a:p>
@@ -3437,6 +3446,3189 @@
           <a:chExt cx="0" cy="0"/>
         </a:xfrm>
       </p:grpSpPr>
+      <p:pic>
+        <p:nvPicPr>
+          <p:cNvPr id="14" name="Picture 13">
+            <a:extLst>
+              <a:ext uri="{FF2B5EF4-FFF2-40B4-BE49-F238E27FC236}">
+                <a16:creationId xmlns:a16="http://schemas.microsoft.com/office/drawing/2014/main" id="{EDBA63DC-2BD3-894B-AA56-258568C68045}"/>
+              </a:ext>
+            </a:extLst>
+          </p:cNvPr>
+          <p:cNvPicPr>
+            <a:picLocks noChangeAspect="1"/>
+          </p:cNvPicPr>
+          <p:nvPr/>
+        </p:nvPicPr>
+        <p:blipFill>
+          <a:blip r:embed="rId2">
+            <a:alphaModFix amt="15000"/>
+            <a:extLst>
+              <a:ext uri="{28A0092B-C50C-407E-A947-70E740481C1C}">
+                <a14:useLocalDpi xmlns:a14="http://schemas.microsoft.com/office/drawing/2010/main" val="0"/>
+              </a:ext>
+            </a:extLst>
+          </a:blip>
+          <a:stretch>
+            <a:fillRect/>
+          </a:stretch>
+        </p:blipFill>
+        <p:spPr>
+          <a:xfrm>
+            <a:off x="4414469" y="-135467"/>
+            <a:ext cx="7494796" cy="6858000"/>
+          </a:xfrm>
+          <a:prstGeom prst="rect">
+            <a:avLst/>
+          </a:prstGeom>
+        </p:spPr>
+      </p:pic>
+      <p:sp>
+        <p:nvSpPr>
+          <p:cNvPr id="2" name="Titolo 1">
+            <a:extLst>
+              <a:ext uri="{FF2B5EF4-FFF2-40B4-BE49-F238E27FC236}">
+                <a16:creationId xmlns:a16="http://schemas.microsoft.com/office/drawing/2014/main" id="{7C3CD4E9-DB64-4918-82F7-8F8A8315170B}"/>
+              </a:ext>
+            </a:extLst>
+          </p:cNvPr>
+          <p:cNvSpPr>
+            <a:spLocks noGrp="1"/>
+          </p:cNvSpPr>
+          <p:nvPr>
+            <p:ph type="title"/>
+          </p:nvPr>
+        </p:nvSpPr>
+        <p:spPr>
+          <a:xfrm>
+            <a:off x="-89799" y="-263527"/>
+            <a:ext cx="10515600" cy="1325563"/>
+          </a:xfrm>
+        </p:spPr>
+        <p:txBody>
+          <a:bodyPr/>
+          <a:lstStyle/>
+          <a:p>
+            <a:r>
+              <a:rPr lang="it-IT" dirty="0"/>
+              <a:t>Experiment 2</a:t>
+            </a:r>
+          </a:p>
+        </p:txBody>
+      </p:sp>
+      <p:sp>
+        <p:nvSpPr>
+          <p:cNvPr id="21" name="TextBox 20">
+            <a:extLst>
+              <a:ext uri="{FF2B5EF4-FFF2-40B4-BE49-F238E27FC236}">
+                <a16:creationId xmlns:a16="http://schemas.microsoft.com/office/drawing/2014/main" id="{6002E77B-29C3-3442-AAE1-5E63BEEBEF70}"/>
+              </a:ext>
+            </a:extLst>
+          </p:cNvPr>
+          <p:cNvSpPr txBox="1"/>
+          <p:nvPr/>
+        </p:nvSpPr>
+        <p:spPr>
+          <a:xfrm>
+            <a:off x="690271" y="692704"/>
+            <a:ext cx="2944129" cy="369332"/>
+          </a:xfrm>
+          <a:prstGeom prst="rect">
+            <a:avLst/>
+          </a:prstGeom>
+          <a:noFill/>
+        </p:spPr>
+        <p:txBody>
+          <a:bodyPr wrap="square" rtlCol="0">
+            <a:spAutoFit/>
+          </a:bodyPr>
+          <a:lstStyle/>
+          <a:p>
+            <a:r>
+              <a:rPr lang="de-DE" dirty="0"/>
+              <a:t>Distribution 2 </a:t>
+            </a:r>
+          </a:p>
+        </p:txBody>
+      </p:sp>
+      <p:pic>
+        <p:nvPicPr>
+          <p:cNvPr id="6" name="Content Placeholder 5">
+            <a:extLst>
+              <a:ext uri="{FF2B5EF4-FFF2-40B4-BE49-F238E27FC236}">
+                <a16:creationId xmlns:a16="http://schemas.microsoft.com/office/drawing/2014/main" id="{50D86CA0-325C-B848-B151-A88D2640C358}"/>
+              </a:ext>
+            </a:extLst>
+          </p:cNvPr>
+          <p:cNvPicPr>
+            <a:picLocks noGrp="1" noChangeAspect="1"/>
+          </p:cNvPicPr>
+          <p:nvPr>
+            <p:ph idx="1"/>
+          </p:nvPr>
+        </p:nvPicPr>
+        <p:blipFill>
+          <a:blip r:embed="rId3">
+            <a:extLst>
+              <a:ext uri="{28A0092B-C50C-407E-A947-70E740481C1C}">
+                <a14:useLocalDpi xmlns:a14="http://schemas.microsoft.com/office/drawing/2010/main" val="0"/>
+              </a:ext>
+            </a:extLst>
+          </a:blip>
+          <a:stretch>
+            <a:fillRect/>
+          </a:stretch>
+        </p:blipFill>
+        <p:spPr>
+          <a:xfrm>
+            <a:off x="3033713" y="0"/>
+            <a:ext cx="9158287" cy="6858000"/>
+          </a:xfrm>
+        </p:spPr>
+      </p:pic>
+    </p:spTree>
+    <p:extLst>
+      <p:ext uri="{BB962C8B-B14F-4D97-AF65-F5344CB8AC3E}">
+        <p14:creationId xmlns:p14="http://schemas.microsoft.com/office/powerpoint/2010/main" val="1729323707"/>
+      </p:ext>
+    </p:extLst>
+  </p:cSld>
+  <p:clrMapOvr>
+    <a:masterClrMapping/>
+  </p:clrMapOvr>
+</p:sld>
+</file>
+
+<file path=ppt/slides/slide11.xml><?xml version="1.0" encoding="utf-8"?>
+<p:sld xmlns:a="http://schemas.openxmlformats.org/drawingml/2006/main" xmlns:r="http://schemas.openxmlformats.org/officeDocument/2006/relationships" xmlns:p="http://schemas.openxmlformats.org/presentationml/2006/main">
+  <p:cSld>
+    <p:spTree>
+      <p:nvGrpSpPr>
+        <p:cNvPr id="1" name=""/>
+        <p:cNvGrpSpPr/>
+        <p:nvPr/>
+      </p:nvGrpSpPr>
+      <p:grpSpPr>
+        <a:xfrm>
+          <a:off x="0" y="0"/>
+          <a:ext cx="0" cy="0"/>
+          <a:chOff x="0" y="0"/>
+          <a:chExt cx="0" cy="0"/>
+        </a:xfrm>
+      </p:grpSpPr>
+      <p:pic>
+        <p:nvPicPr>
+          <p:cNvPr id="14" name="Picture 13">
+            <a:extLst>
+              <a:ext uri="{FF2B5EF4-FFF2-40B4-BE49-F238E27FC236}">
+                <a16:creationId xmlns:a16="http://schemas.microsoft.com/office/drawing/2014/main" id="{EDBA63DC-2BD3-894B-AA56-258568C68045}"/>
+              </a:ext>
+            </a:extLst>
+          </p:cNvPr>
+          <p:cNvPicPr>
+            <a:picLocks noChangeAspect="1"/>
+          </p:cNvPicPr>
+          <p:nvPr/>
+        </p:nvPicPr>
+        <p:blipFill>
+          <a:blip r:embed="rId2">
+            <a:alphaModFix amt="15000"/>
+            <a:extLst>
+              <a:ext uri="{28A0092B-C50C-407E-A947-70E740481C1C}">
+                <a14:useLocalDpi xmlns:a14="http://schemas.microsoft.com/office/drawing/2010/main" val="0"/>
+              </a:ext>
+            </a:extLst>
+          </a:blip>
+          <a:stretch>
+            <a:fillRect/>
+          </a:stretch>
+        </p:blipFill>
+        <p:spPr>
+          <a:xfrm>
+            <a:off x="4414469" y="-135467"/>
+            <a:ext cx="7494796" cy="6858000"/>
+          </a:xfrm>
+          <a:prstGeom prst="rect">
+            <a:avLst/>
+          </a:prstGeom>
+        </p:spPr>
+      </p:pic>
+      <p:sp>
+        <p:nvSpPr>
+          <p:cNvPr id="2" name="Titolo 1">
+            <a:extLst>
+              <a:ext uri="{FF2B5EF4-FFF2-40B4-BE49-F238E27FC236}">
+                <a16:creationId xmlns:a16="http://schemas.microsoft.com/office/drawing/2014/main" id="{7C3CD4E9-DB64-4918-82F7-8F8A8315170B}"/>
+              </a:ext>
+            </a:extLst>
+          </p:cNvPr>
+          <p:cNvSpPr>
+            <a:spLocks noGrp="1"/>
+          </p:cNvSpPr>
+          <p:nvPr>
+            <p:ph type="title"/>
+          </p:nvPr>
+        </p:nvSpPr>
+        <p:spPr>
+          <a:xfrm>
+            <a:off x="-89799" y="-263527"/>
+            <a:ext cx="10515600" cy="1325563"/>
+          </a:xfrm>
+        </p:spPr>
+        <p:txBody>
+          <a:bodyPr/>
+          <a:lstStyle/>
+          <a:p>
+            <a:r>
+              <a:rPr lang="it-IT" dirty="0"/>
+              <a:t>Experiment 2</a:t>
+            </a:r>
+          </a:p>
+        </p:txBody>
+      </p:sp>
+      <p:sp>
+        <p:nvSpPr>
+          <p:cNvPr id="21" name="TextBox 20">
+            <a:extLst>
+              <a:ext uri="{FF2B5EF4-FFF2-40B4-BE49-F238E27FC236}">
+                <a16:creationId xmlns:a16="http://schemas.microsoft.com/office/drawing/2014/main" id="{6002E77B-29C3-3442-AAE1-5E63BEEBEF70}"/>
+              </a:ext>
+            </a:extLst>
+          </p:cNvPr>
+          <p:cNvSpPr txBox="1"/>
+          <p:nvPr/>
+        </p:nvSpPr>
+        <p:spPr>
+          <a:xfrm>
+            <a:off x="690271" y="692704"/>
+            <a:ext cx="2944129" cy="369332"/>
+          </a:xfrm>
+          <a:prstGeom prst="rect">
+            <a:avLst/>
+          </a:prstGeom>
+          <a:noFill/>
+        </p:spPr>
+        <p:txBody>
+          <a:bodyPr wrap="square" rtlCol="0">
+            <a:spAutoFit/>
+          </a:bodyPr>
+          <a:lstStyle/>
+          <a:p>
+            <a:r>
+              <a:rPr lang="de-DE" dirty="0"/>
+              <a:t>Distribution 2 </a:t>
+            </a:r>
+          </a:p>
+        </p:txBody>
+      </p:sp>
+      <p:pic>
+        <p:nvPicPr>
+          <p:cNvPr id="7" name="Content Placeholder 6">
+            <a:extLst>
+              <a:ext uri="{FF2B5EF4-FFF2-40B4-BE49-F238E27FC236}">
+                <a16:creationId xmlns:a16="http://schemas.microsoft.com/office/drawing/2014/main" id="{38540537-B0EC-7F48-BEF9-46415997F4D4}"/>
+              </a:ext>
+            </a:extLst>
+          </p:cNvPr>
+          <p:cNvPicPr>
+            <a:picLocks noGrp="1" noChangeAspect="1"/>
+          </p:cNvPicPr>
+          <p:nvPr>
+            <p:ph idx="1"/>
+          </p:nvPr>
+        </p:nvPicPr>
+        <p:blipFill>
+          <a:blip r:embed="rId3">
+            <a:extLst>
+              <a:ext uri="{28A0092B-C50C-407E-A947-70E740481C1C}">
+                <a14:useLocalDpi xmlns:a14="http://schemas.microsoft.com/office/drawing/2010/main" val="0"/>
+              </a:ext>
+            </a:extLst>
+          </a:blip>
+          <a:stretch>
+            <a:fillRect/>
+          </a:stretch>
+        </p:blipFill>
+        <p:spPr>
+          <a:xfrm>
+            <a:off x="3052723" y="-7407"/>
+            <a:ext cx="9139277" cy="6858000"/>
+          </a:xfrm>
+        </p:spPr>
+      </p:pic>
+    </p:spTree>
+    <p:extLst>
+      <p:ext uri="{BB962C8B-B14F-4D97-AF65-F5344CB8AC3E}">
+        <p14:creationId xmlns:p14="http://schemas.microsoft.com/office/powerpoint/2010/main" val="2360687288"/>
+      </p:ext>
+    </p:extLst>
+  </p:cSld>
+  <p:clrMapOvr>
+    <a:masterClrMapping/>
+  </p:clrMapOvr>
+</p:sld>
+</file>
+
+<file path=ppt/slides/slide12.xml><?xml version="1.0" encoding="utf-8"?>
+<p:sld xmlns:a="http://schemas.openxmlformats.org/drawingml/2006/main" xmlns:r="http://schemas.openxmlformats.org/officeDocument/2006/relationships" xmlns:p="http://schemas.openxmlformats.org/presentationml/2006/main">
+  <p:cSld>
+    <p:spTree>
+      <p:nvGrpSpPr>
+        <p:cNvPr id="1" name=""/>
+        <p:cNvGrpSpPr/>
+        <p:nvPr/>
+      </p:nvGrpSpPr>
+      <p:grpSpPr>
+        <a:xfrm>
+          <a:off x="0" y="0"/>
+          <a:ext cx="0" cy="0"/>
+          <a:chOff x="0" y="0"/>
+          <a:chExt cx="0" cy="0"/>
+        </a:xfrm>
+      </p:grpSpPr>
+      <p:pic>
+        <p:nvPicPr>
+          <p:cNvPr id="14" name="Picture 13">
+            <a:extLst>
+              <a:ext uri="{FF2B5EF4-FFF2-40B4-BE49-F238E27FC236}">
+                <a16:creationId xmlns:a16="http://schemas.microsoft.com/office/drawing/2014/main" id="{EDBA63DC-2BD3-894B-AA56-258568C68045}"/>
+              </a:ext>
+            </a:extLst>
+          </p:cNvPr>
+          <p:cNvPicPr>
+            <a:picLocks noChangeAspect="1"/>
+          </p:cNvPicPr>
+          <p:nvPr/>
+        </p:nvPicPr>
+        <p:blipFill>
+          <a:blip r:embed="rId2">
+            <a:alphaModFix amt="15000"/>
+            <a:extLst>
+              <a:ext uri="{28A0092B-C50C-407E-A947-70E740481C1C}">
+                <a14:useLocalDpi xmlns:a14="http://schemas.microsoft.com/office/drawing/2010/main" val="0"/>
+              </a:ext>
+            </a:extLst>
+          </a:blip>
+          <a:stretch>
+            <a:fillRect/>
+          </a:stretch>
+        </p:blipFill>
+        <p:spPr>
+          <a:xfrm>
+            <a:off x="4414469" y="-135467"/>
+            <a:ext cx="7494796" cy="6858000"/>
+          </a:xfrm>
+          <a:prstGeom prst="rect">
+            <a:avLst/>
+          </a:prstGeom>
+        </p:spPr>
+      </p:pic>
+      <p:sp>
+        <p:nvSpPr>
+          <p:cNvPr id="2" name="Titolo 1">
+            <a:extLst>
+              <a:ext uri="{FF2B5EF4-FFF2-40B4-BE49-F238E27FC236}">
+                <a16:creationId xmlns:a16="http://schemas.microsoft.com/office/drawing/2014/main" id="{7C3CD4E9-DB64-4918-82F7-8F8A8315170B}"/>
+              </a:ext>
+            </a:extLst>
+          </p:cNvPr>
+          <p:cNvSpPr>
+            <a:spLocks noGrp="1"/>
+          </p:cNvSpPr>
+          <p:nvPr>
+            <p:ph type="title"/>
+          </p:nvPr>
+        </p:nvSpPr>
+        <p:spPr>
+          <a:xfrm>
+            <a:off x="-89799" y="-263527"/>
+            <a:ext cx="10515600" cy="1325563"/>
+          </a:xfrm>
+        </p:spPr>
+        <p:txBody>
+          <a:bodyPr/>
+          <a:lstStyle/>
+          <a:p>
+            <a:r>
+              <a:rPr lang="it-IT" dirty="0"/>
+              <a:t>Experiment 2</a:t>
+            </a:r>
+          </a:p>
+        </p:txBody>
+      </p:sp>
+      <p:sp>
+        <p:nvSpPr>
+          <p:cNvPr id="21" name="TextBox 20">
+            <a:extLst>
+              <a:ext uri="{FF2B5EF4-FFF2-40B4-BE49-F238E27FC236}">
+                <a16:creationId xmlns:a16="http://schemas.microsoft.com/office/drawing/2014/main" id="{6002E77B-29C3-3442-AAE1-5E63BEEBEF70}"/>
+              </a:ext>
+            </a:extLst>
+          </p:cNvPr>
+          <p:cNvSpPr txBox="1"/>
+          <p:nvPr/>
+        </p:nvSpPr>
+        <p:spPr>
+          <a:xfrm>
+            <a:off x="137050" y="692704"/>
+            <a:ext cx="2944129" cy="369332"/>
+          </a:xfrm>
+          <a:prstGeom prst="rect">
+            <a:avLst/>
+          </a:prstGeom>
+          <a:noFill/>
+        </p:spPr>
+        <p:txBody>
+          <a:bodyPr wrap="square" rtlCol="0">
+            <a:spAutoFit/>
+          </a:bodyPr>
+          <a:lstStyle/>
+          <a:p>
+            <a:r>
+              <a:rPr lang="de-DE" dirty="0"/>
+              <a:t>Distribution 3 + 100 </a:t>
+            </a:r>
+            <a:r>
+              <a:rPr lang="de-DE" dirty="0" err="1"/>
+              <a:t>bandits</a:t>
+            </a:r>
+            <a:endParaRPr lang="de-DE" dirty="0"/>
+          </a:p>
+        </p:txBody>
+      </p:sp>
+      <p:pic>
+        <p:nvPicPr>
+          <p:cNvPr id="7" name="Content Placeholder 6">
+            <a:extLst>
+              <a:ext uri="{FF2B5EF4-FFF2-40B4-BE49-F238E27FC236}">
+                <a16:creationId xmlns:a16="http://schemas.microsoft.com/office/drawing/2014/main" id="{51DD4882-2CC4-324A-8305-7F23EC78B351}"/>
+              </a:ext>
+            </a:extLst>
+          </p:cNvPr>
+          <p:cNvPicPr>
+            <a:picLocks noGrp="1" noChangeAspect="1"/>
+          </p:cNvPicPr>
+          <p:nvPr>
+            <p:ph idx="1"/>
+          </p:nvPr>
+        </p:nvPicPr>
+        <p:blipFill>
+          <a:blip r:embed="rId3">
+            <a:extLst>
+              <a:ext uri="{28A0092B-C50C-407E-A947-70E740481C1C}">
+                <a14:useLocalDpi xmlns:a14="http://schemas.microsoft.com/office/drawing/2010/main" val="0"/>
+              </a:ext>
+            </a:extLst>
+          </a:blip>
+          <a:stretch>
+            <a:fillRect/>
+          </a:stretch>
+        </p:blipFill>
+        <p:spPr>
+          <a:xfrm>
+            <a:off x="3160197" y="-7407"/>
+            <a:ext cx="9031803" cy="6858000"/>
+          </a:xfrm>
+        </p:spPr>
+      </p:pic>
+    </p:spTree>
+    <p:extLst>
+      <p:ext uri="{BB962C8B-B14F-4D97-AF65-F5344CB8AC3E}">
+        <p14:creationId xmlns:p14="http://schemas.microsoft.com/office/powerpoint/2010/main" val="2118388799"/>
+      </p:ext>
+    </p:extLst>
+  </p:cSld>
+  <p:clrMapOvr>
+    <a:masterClrMapping/>
+  </p:clrMapOvr>
+</p:sld>
+</file>
+
+<file path=ppt/slides/slide13.xml><?xml version="1.0" encoding="utf-8"?>
+<p:sld xmlns:a="http://schemas.openxmlformats.org/drawingml/2006/main" xmlns:r="http://schemas.openxmlformats.org/officeDocument/2006/relationships" xmlns:p="http://schemas.openxmlformats.org/presentationml/2006/main">
+  <p:cSld>
+    <p:spTree>
+      <p:nvGrpSpPr>
+        <p:cNvPr id="1" name=""/>
+        <p:cNvGrpSpPr/>
+        <p:nvPr/>
+      </p:nvGrpSpPr>
+      <p:grpSpPr>
+        <a:xfrm>
+          <a:off x="0" y="0"/>
+          <a:ext cx="0" cy="0"/>
+          <a:chOff x="0" y="0"/>
+          <a:chExt cx="0" cy="0"/>
+        </a:xfrm>
+      </p:grpSpPr>
+      <p:pic>
+        <p:nvPicPr>
+          <p:cNvPr id="14" name="Picture 13">
+            <a:extLst>
+              <a:ext uri="{FF2B5EF4-FFF2-40B4-BE49-F238E27FC236}">
+                <a16:creationId xmlns:a16="http://schemas.microsoft.com/office/drawing/2014/main" id="{EDBA63DC-2BD3-894B-AA56-258568C68045}"/>
+              </a:ext>
+            </a:extLst>
+          </p:cNvPr>
+          <p:cNvPicPr>
+            <a:picLocks noChangeAspect="1"/>
+          </p:cNvPicPr>
+          <p:nvPr/>
+        </p:nvPicPr>
+        <p:blipFill>
+          <a:blip r:embed="rId2">
+            <a:alphaModFix amt="15000"/>
+            <a:extLst>
+              <a:ext uri="{28A0092B-C50C-407E-A947-70E740481C1C}">
+                <a14:useLocalDpi xmlns:a14="http://schemas.microsoft.com/office/drawing/2010/main" val="0"/>
+              </a:ext>
+            </a:extLst>
+          </a:blip>
+          <a:stretch>
+            <a:fillRect/>
+          </a:stretch>
+        </p:blipFill>
+        <p:spPr>
+          <a:xfrm>
+            <a:off x="4414469" y="-135467"/>
+            <a:ext cx="7494796" cy="6858000"/>
+          </a:xfrm>
+          <a:prstGeom prst="rect">
+            <a:avLst/>
+          </a:prstGeom>
+        </p:spPr>
+      </p:pic>
+      <p:sp>
+        <p:nvSpPr>
+          <p:cNvPr id="2" name="Titolo 1">
+            <a:extLst>
+              <a:ext uri="{FF2B5EF4-FFF2-40B4-BE49-F238E27FC236}">
+                <a16:creationId xmlns:a16="http://schemas.microsoft.com/office/drawing/2014/main" id="{7C3CD4E9-DB64-4918-82F7-8F8A8315170B}"/>
+              </a:ext>
+            </a:extLst>
+          </p:cNvPr>
+          <p:cNvSpPr>
+            <a:spLocks noGrp="1"/>
+          </p:cNvSpPr>
+          <p:nvPr>
+            <p:ph type="title"/>
+          </p:nvPr>
+        </p:nvSpPr>
+        <p:spPr>
+          <a:xfrm>
+            <a:off x="-89799" y="-263527"/>
+            <a:ext cx="10515600" cy="1325563"/>
+          </a:xfrm>
+        </p:spPr>
+        <p:txBody>
+          <a:bodyPr/>
+          <a:lstStyle/>
+          <a:p>
+            <a:r>
+              <a:rPr lang="it-IT" dirty="0"/>
+              <a:t>Experiment 2</a:t>
+            </a:r>
+          </a:p>
+        </p:txBody>
+      </p:sp>
+      <p:sp>
+        <p:nvSpPr>
+          <p:cNvPr id="21" name="TextBox 20">
+            <a:extLst>
+              <a:ext uri="{FF2B5EF4-FFF2-40B4-BE49-F238E27FC236}">
+                <a16:creationId xmlns:a16="http://schemas.microsoft.com/office/drawing/2014/main" id="{6002E77B-29C3-3442-AAE1-5E63BEEBEF70}"/>
+              </a:ext>
+            </a:extLst>
+          </p:cNvPr>
+          <p:cNvSpPr txBox="1"/>
+          <p:nvPr/>
+        </p:nvSpPr>
+        <p:spPr>
+          <a:xfrm>
+            <a:off x="75476" y="692704"/>
+            <a:ext cx="2944129" cy="369332"/>
+          </a:xfrm>
+          <a:prstGeom prst="rect">
+            <a:avLst/>
+          </a:prstGeom>
+          <a:noFill/>
+        </p:spPr>
+        <p:txBody>
+          <a:bodyPr wrap="square" rtlCol="0">
+            <a:spAutoFit/>
+          </a:bodyPr>
+          <a:lstStyle/>
+          <a:p>
+            <a:r>
+              <a:rPr lang="de-DE" dirty="0"/>
+              <a:t>Distribution 3 + 1000 </a:t>
+            </a:r>
+            <a:r>
+              <a:rPr lang="de-DE" dirty="0" err="1"/>
+              <a:t>bandits</a:t>
+            </a:r>
+            <a:endParaRPr lang="de-DE" dirty="0"/>
+          </a:p>
+        </p:txBody>
+      </p:sp>
+      <p:pic>
+        <p:nvPicPr>
+          <p:cNvPr id="6" name="Content Placeholder 5">
+            <a:extLst>
+              <a:ext uri="{FF2B5EF4-FFF2-40B4-BE49-F238E27FC236}">
+                <a16:creationId xmlns:a16="http://schemas.microsoft.com/office/drawing/2014/main" id="{250B99C1-594E-A947-A747-295E646D2CD4}"/>
+              </a:ext>
+            </a:extLst>
+          </p:cNvPr>
+          <p:cNvPicPr>
+            <a:picLocks noGrp="1" noChangeAspect="1"/>
+          </p:cNvPicPr>
+          <p:nvPr>
+            <p:ph idx="1"/>
+          </p:nvPr>
+        </p:nvPicPr>
+        <p:blipFill>
+          <a:blip r:embed="rId3">
+            <a:extLst>
+              <a:ext uri="{28A0092B-C50C-407E-A947-70E740481C1C}">
+                <a14:useLocalDpi xmlns:a14="http://schemas.microsoft.com/office/drawing/2010/main" val="0"/>
+              </a:ext>
+            </a:extLst>
+          </a:blip>
+          <a:stretch>
+            <a:fillRect/>
+          </a:stretch>
+        </p:blipFill>
+        <p:spPr>
+          <a:xfrm>
+            <a:off x="3019605" y="0"/>
+            <a:ext cx="9172396" cy="6858000"/>
+          </a:xfrm>
+        </p:spPr>
+      </p:pic>
+    </p:spTree>
+    <p:extLst>
+      <p:ext uri="{BB962C8B-B14F-4D97-AF65-F5344CB8AC3E}">
+        <p14:creationId xmlns:p14="http://schemas.microsoft.com/office/powerpoint/2010/main" val="1853666203"/>
+      </p:ext>
+    </p:extLst>
+  </p:cSld>
+  <p:clrMapOvr>
+    <a:masterClrMapping/>
+  </p:clrMapOvr>
+</p:sld>
+</file>
+
+<file path=ppt/slides/slide14.xml><?xml version="1.0" encoding="utf-8"?>
+<p:sld xmlns:a="http://schemas.openxmlformats.org/drawingml/2006/main" xmlns:r="http://schemas.openxmlformats.org/officeDocument/2006/relationships" xmlns:p="http://schemas.openxmlformats.org/presentationml/2006/main">
+  <p:cSld>
+    <p:spTree>
+      <p:nvGrpSpPr>
+        <p:cNvPr id="1" name=""/>
+        <p:cNvGrpSpPr/>
+        <p:nvPr/>
+      </p:nvGrpSpPr>
+      <p:grpSpPr>
+        <a:xfrm>
+          <a:off x="0" y="0"/>
+          <a:ext cx="0" cy="0"/>
+          <a:chOff x="0" y="0"/>
+          <a:chExt cx="0" cy="0"/>
+        </a:xfrm>
+      </p:grpSpPr>
+      <p:pic>
+        <p:nvPicPr>
+          <p:cNvPr id="5" name="Picture 4">
+            <a:extLst>
+              <a:ext uri="{FF2B5EF4-FFF2-40B4-BE49-F238E27FC236}">
+                <a16:creationId xmlns:a16="http://schemas.microsoft.com/office/drawing/2014/main" id="{5E00A7BD-6365-7942-A5AA-5C042590D6B4}"/>
+              </a:ext>
+            </a:extLst>
+          </p:cNvPr>
+          <p:cNvPicPr>
+            <a:picLocks noChangeAspect="1"/>
+          </p:cNvPicPr>
+          <p:nvPr/>
+        </p:nvPicPr>
+        <p:blipFill>
+          <a:blip r:embed="rId2">
+            <a:extLst>
+              <a:ext uri="{28A0092B-C50C-407E-A947-70E740481C1C}">
+                <a14:useLocalDpi xmlns:a14="http://schemas.microsoft.com/office/drawing/2010/main" val="0"/>
+              </a:ext>
+            </a:extLst>
+          </a:blip>
+          <a:stretch>
+            <a:fillRect/>
+          </a:stretch>
+        </p:blipFill>
+        <p:spPr>
+          <a:xfrm>
+            <a:off x="2783921" y="1446145"/>
+            <a:ext cx="1766015" cy="1324044"/>
+          </a:xfrm>
+          <a:prstGeom prst="rect">
+            <a:avLst/>
+          </a:prstGeom>
+        </p:spPr>
+      </p:pic>
+      <p:sp>
+        <p:nvSpPr>
+          <p:cNvPr id="2" name="Titolo 1">
+            <a:extLst>
+              <a:ext uri="{FF2B5EF4-FFF2-40B4-BE49-F238E27FC236}">
+                <a16:creationId xmlns:a16="http://schemas.microsoft.com/office/drawing/2014/main" id="{7C3CD4E9-DB64-4918-82F7-8F8A8315170B}"/>
+              </a:ext>
+            </a:extLst>
+          </p:cNvPr>
+          <p:cNvSpPr>
+            <a:spLocks noGrp="1"/>
+          </p:cNvSpPr>
+          <p:nvPr>
+            <p:ph type="title"/>
+          </p:nvPr>
+        </p:nvSpPr>
+        <p:spPr>
+          <a:xfrm>
+            <a:off x="838200" y="365125"/>
+            <a:ext cx="10515600" cy="1325563"/>
+          </a:xfrm>
+        </p:spPr>
+        <p:txBody>
+          <a:bodyPr/>
+          <a:lstStyle/>
+          <a:p>
+            <a:r>
+              <a:rPr lang="it-IT" dirty="0" err="1"/>
+              <a:t>Conclusions</a:t>
+            </a:r>
+            <a:endParaRPr lang="it-IT" dirty="0"/>
+          </a:p>
+        </p:txBody>
+      </p:sp>
+      <p:sp>
+        <p:nvSpPr>
+          <p:cNvPr id="4" name="Content Placeholder 3">
+            <a:extLst>
+              <a:ext uri="{FF2B5EF4-FFF2-40B4-BE49-F238E27FC236}">
+                <a16:creationId xmlns:a16="http://schemas.microsoft.com/office/drawing/2014/main" id="{B0307BDF-3DC1-754B-9B20-496C3B7DAA75}"/>
+              </a:ext>
+            </a:extLst>
+          </p:cNvPr>
+          <p:cNvSpPr>
+            <a:spLocks noGrp="1"/>
+          </p:cNvSpPr>
+          <p:nvPr>
+            <p:ph idx="1"/>
+          </p:nvPr>
+        </p:nvSpPr>
+        <p:spPr/>
+        <p:txBody>
+          <a:bodyPr/>
+          <a:lstStyle/>
+          <a:p>
+            <a:r>
+              <a:rPr lang="de-DE" dirty="0"/>
+              <a:t>Parameters ≈</a:t>
+            </a:r>
+          </a:p>
+          <a:p>
+            <a:endParaRPr lang="de-DE" dirty="0"/>
+          </a:p>
+          <a:p>
+            <a:r>
+              <a:rPr lang="de-DE" dirty="0"/>
+              <a:t> </a:t>
+            </a:r>
+            <a:r>
+              <a:rPr lang="de-DE" dirty="0" err="1"/>
+              <a:t>ε-greedy</a:t>
+            </a:r>
+            <a:r>
+              <a:rPr lang="de-DE" dirty="0"/>
+              <a:t> </a:t>
+            </a:r>
+            <a:r>
+              <a:rPr lang="de-DE" dirty="0" err="1"/>
+              <a:t>and</a:t>
+            </a:r>
+            <a:r>
+              <a:rPr lang="de-DE" dirty="0"/>
+              <a:t> </a:t>
+            </a:r>
+            <a:r>
+              <a:rPr lang="de-DE" dirty="0" err="1"/>
+              <a:t>optimistic-greedy</a:t>
+            </a:r>
+            <a:r>
+              <a:rPr lang="de-DE" dirty="0"/>
+              <a:t> </a:t>
+            </a:r>
+            <a:r>
+              <a:rPr lang="de-DE" dirty="0" err="1"/>
+              <a:t>appear</a:t>
+            </a:r>
+            <a:r>
+              <a:rPr lang="de-DE" dirty="0"/>
+              <a:t> </a:t>
+            </a:r>
+            <a:r>
+              <a:rPr lang="de-DE" dirty="0" err="1"/>
+              <a:t>to</a:t>
+            </a:r>
+            <a:r>
+              <a:rPr lang="de-DE" dirty="0"/>
+              <a:t> </a:t>
+            </a:r>
+            <a:r>
+              <a:rPr lang="de-DE" dirty="0" err="1"/>
+              <a:t>generalize</a:t>
+            </a:r>
+            <a:r>
+              <a:rPr lang="de-DE" dirty="0"/>
+              <a:t> </a:t>
+            </a:r>
+            <a:r>
+              <a:rPr lang="de-DE" dirty="0" err="1"/>
+              <a:t>well</a:t>
+            </a:r>
+            <a:r>
+              <a:rPr lang="de-DE" dirty="0"/>
+              <a:t> </a:t>
+            </a:r>
+          </a:p>
+          <a:p>
+            <a:endParaRPr lang="de-DE" dirty="0"/>
+          </a:p>
+          <a:p>
+            <a:r>
+              <a:rPr lang="de-DE" dirty="0" err="1"/>
+              <a:t>Can‘t</a:t>
+            </a:r>
+            <a:r>
+              <a:rPr lang="de-DE" dirty="0"/>
+              <a:t> </a:t>
+            </a:r>
+            <a:r>
+              <a:rPr lang="de-DE" dirty="0" err="1"/>
+              <a:t>conclude</a:t>
+            </a:r>
+            <a:r>
+              <a:rPr lang="de-DE" dirty="0"/>
+              <a:t> UBC </a:t>
+            </a:r>
+            <a:r>
+              <a:rPr lang="de-DE" dirty="0" err="1"/>
+              <a:t>is</a:t>
+            </a:r>
+            <a:r>
+              <a:rPr lang="de-DE" dirty="0"/>
+              <a:t> </a:t>
+            </a:r>
+            <a:r>
+              <a:rPr lang="de-DE" dirty="0" err="1"/>
+              <a:t>worse</a:t>
+            </a:r>
+            <a:endParaRPr lang="de-DE" dirty="0"/>
+          </a:p>
+          <a:p>
+            <a:pPr lvl="1"/>
+            <a:r>
+              <a:rPr lang="de-DE" dirty="0"/>
+              <a:t>UBC </a:t>
+            </a:r>
+            <a:r>
+              <a:rPr lang="de-DE" dirty="0" err="1"/>
+              <a:t>with</a:t>
+            </a:r>
+            <a:r>
+              <a:rPr lang="de-DE" dirty="0"/>
+              <a:t> </a:t>
+            </a:r>
+            <a:r>
+              <a:rPr lang="de-DE" dirty="0" err="1"/>
+              <a:t>tweaked</a:t>
+            </a:r>
+            <a:r>
+              <a:rPr lang="de-DE" dirty="0"/>
+              <a:t> 𝒄 </a:t>
+            </a:r>
+            <a:r>
+              <a:rPr lang="de-DE" dirty="0" err="1"/>
+              <a:t>might</a:t>
+            </a:r>
+            <a:r>
+              <a:rPr lang="de-DE" dirty="0"/>
+              <a:t> </a:t>
+            </a:r>
+            <a:r>
+              <a:rPr lang="de-DE" dirty="0" err="1"/>
+              <a:t>outperform</a:t>
+            </a:r>
+            <a:r>
+              <a:rPr lang="de-DE" dirty="0"/>
+              <a:t> </a:t>
+            </a:r>
+            <a:r>
+              <a:rPr lang="de-DE" dirty="0" err="1"/>
+              <a:t>the</a:t>
+            </a:r>
+            <a:r>
+              <a:rPr lang="de-DE" dirty="0"/>
+              <a:t> </a:t>
+            </a:r>
+            <a:r>
+              <a:rPr lang="de-DE" dirty="0" err="1"/>
+              <a:t>others</a:t>
+            </a:r>
+            <a:endParaRPr lang="de-DE" dirty="0"/>
+          </a:p>
+        </p:txBody>
+      </p:sp>
+      <p:pic>
+        <p:nvPicPr>
+          <p:cNvPr id="7" name="Picture 6">
+            <a:extLst>
+              <a:ext uri="{FF2B5EF4-FFF2-40B4-BE49-F238E27FC236}">
+                <a16:creationId xmlns:a16="http://schemas.microsoft.com/office/drawing/2014/main" id="{CB10A554-B25B-2642-B4D0-3B73B41A6DAD}"/>
+              </a:ext>
+            </a:extLst>
+          </p:cNvPr>
+          <p:cNvPicPr>
+            <a:picLocks noChangeAspect="1"/>
+          </p:cNvPicPr>
+          <p:nvPr/>
+        </p:nvPicPr>
+        <p:blipFill>
+          <a:blip r:embed="rId3">
+            <a:alphaModFix amt="12000"/>
+            <a:extLst>
+              <a:ext uri="{28A0092B-C50C-407E-A947-70E740481C1C}">
+                <a14:useLocalDpi xmlns:a14="http://schemas.microsoft.com/office/drawing/2010/main" val="0"/>
+              </a:ext>
+            </a:extLst>
+          </a:blip>
+          <a:stretch>
+            <a:fillRect/>
+          </a:stretch>
+        </p:blipFill>
+        <p:spPr>
+          <a:xfrm>
+            <a:off x="4414469" y="-135467"/>
+            <a:ext cx="7494796" cy="6858000"/>
+          </a:xfrm>
+          <a:prstGeom prst="rect">
+            <a:avLst/>
+          </a:prstGeom>
+        </p:spPr>
+      </p:pic>
+    </p:spTree>
+    <p:extLst>
+      <p:ext uri="{BB962C8B-B14F-4D97-AF65-F5344CB8AC3E}">
+        <p14:creationId xmlns:p14="http://schemas.microsoft.com/office/powerpoint/2010/main" val="390457077"/>
+      </p:ext>
+    </p:extLst>
+  </p:cSld>
+  <p:clrMapOvr>
+    <a:masterClrMapping/>
+  </p:clrMapOvr>
+</p:sld>
+</file>
+
+<file path=ppt/slides/slide15.xml><?xml version="1.0" encoding="utf-8"?>
+<p:sld xmlns:a="http://schemas.openxmlformats.org/drawingml/2006/main" xmlns:r="http://schemas.openxmlformats.org/officeDocument/2006/relationships" xmlns:p="http://schemas.openxmlformats.org/presentationml/2006/main">
+  <p:cSld>
+    <p:bg>
+      <p:bgPr>
+        <a:solidFill>
+          <a:schemeClr val="bg1"/>
+        </a:solidFill>
+        <a:effectLst/>
+      </p:bgPr>
+    </p:bg>
+    <p:spTree>
+      <p:nvGrpSpPr>
+        <p:cNvPr id="1" name=""/>
+        <p:cNvGrpSpPr/>
+        <p:nvPr/>
+      </p:nvGrpSpPr>
+      <p:grpSpPr>
+        <a:xfrm>
+          <a:off x="0" y="0"/>
+          <a:ext cx="0" cy="0"/>
+          <a:chOff x="0" y="0"/>
+          <a:chExt cx="0" cy="0"/>
+        </a:xfrm>
+      </p:grpSpPr>
+      <p:sp>
+        <p:nvSpPr>
+          <p:cNvPr id="1028" name="Rectangle 70">
+            <a:extLst>
+              <a:ext uri="{FF2B5EF4-FFF2-40B4-BE49-F238E27FC236}">
+                <a16:creationId xmlns:a16="http://schemas.microsoft.com/office/drawing/2014/main" id="{867D4867-5BA7-4462-B2F6-A23F4A622AA7}"/>
+              </a:ext>
+              <a:ext uri="{C183D7F6-B498-43B3-948B-1728B52AA6E4}">
+                <adec:decorative xmlns:adec="http://schemas.microsoft.com/office/drawing/2017/decorative" val="1"/>
+              </a:ext>
+            </a:extLst>
+          </p:cNvPr>
+          <p:cNvSpPr>
+            <a:spLocks noGrp="1" noRot="1" noChangeAspect="1" noMove="1" noResize="1" noEditPoints="1" noAdjustHandles="1" noChangeArrowheads="1" noChangeShapeType="1" noTextEdit="1"/>
+          </p:cNvSpPr>
+          <p:nvPr>
+            <p:extLst>
+              <p:ext uri="{386F3935-93C4-4BCD-93E2-E3B085C9AB24}">
+                <p16:designElem xmlns:p16="http://schemas.microsoft.com/office/powerpoint/2015/main" val="1"/>
+              </p:ext>
+            </p:extLst>
+          </p:nvPr>
+        </p:nvSpPr>
+        <p:spPr>
+          <a:xfrm>
+            <a:off x="0" y="0"/>
+            <a:ext cx="4654296" cy="6858000"/>
+          </a:xfrm>
+          <a:prstGeom prst="rect">
+            <a:avLst/>
+          </a:prstGeom>
+          <a:solidFill>
+            <a:schemeClr val="tx1">
+              <a:lumMod val="75000"/>
+              <a:lumOff val="25000"/>
+            </a:schemeClr>
+          </a:solidFill>
+          <a:ln>
+            <a:noFill/>
+          </a:ln>
+        </p:spPr>
+        <p:style>
+          <a:lnRef idx="0">
+            <a:scrgbClr r="0" g="0" b="0"/>
+          </a:lnRef>
+          <a:fillRef idx="0">
+            <a:scrgbClr r="0" g="0" b="0"/>
+          </a:fillRef>
+          <a:effectRef idx="0">
+            <a:scrgbClr r="0" g="0" b="0"/>
+          </a:effectRef>
+          <a:fontRef idx="minor">
+            <a:schemeClr val="lt1"/>
+          </a:fontRef>
+        </p:style>
+        <p:txBody>
+          <a:bodyPr rtlCol="0" anchor="ctr"/>
+          <a:lstStyle/>
+          <a:p>
+            <a:pPr algn="ctr"/>
+            <a:endParaRPr lang="en-US"/>
+          </a:p>
+        </p:txBody>
+      </p:sp>
+      <p:sp>
+        <p:nvSpPr>
+          <p:cNvPr id="2" name="Titolo 1">
+            <a:extLst>
+              <a:ext uri="{FF2B5EF4-FFF2-40B4-BE49-F238E27FC236}">
+                <a16:creationId xmlns:a16="http://schemas.microsoft.com/office/drawing/2014/main" id="{1149EC29-349C-4442-9C49-A4F0B810A158}"/>
+              </a:ext>
+            </a:extLst>
+          </p:cNvPr>
+          <p:cNvSpPr>
+            <a:spLocks noGrp="1"/>
+          </p:cNvSpPr>
+          <p:nvPr>
+            <p:ph type="title"/>
+          </p:nvPr>
+        </p:nvSpPr>
+        <p:spPr>
+          <a:xfrm>
+            <a:off x="643467" y="643467"/>
+            <a:ext cx="3363974" cy="1597315"/>
+          </a:xfrm>
+          <a:noFill/>
+          <a:ln w="19050">
+            <a:solidFill>
+              <a:schemeClr val="bg1"/>
+            </a:solidFill>
+          </a:ln>
+        </p:spPr>
+        <p:txBody>
+          <a:bodyPr wrap="square">
+            <a:normAutofit/>
+          </a:bodyPr>
+          <a:lstStyle/>
+          <a:p>
+            <a:pPr algn="ctr"/>
+            <a:r>
+              <a:rPr lang="it-IT" sz="2800" dirty="0" err="1">
+                <a:solidFill>
+                  <a:schemeClr val="bg1"/>
+                </a:solidFill>
+              </a:rPr>
+              <a:t>Exercise</a:t>
+            </a:r>
+            <a:r>
+              <a:rPr lang="it-IT" sz="2800" dirty="0">
+                <a:solidFill>
+                  <a:schemeClr val="bg1"/>
+                </a:solidFill>
+              </a:rPr>
+              <a:t> 2 – Q learning</a:t>
+            </a:r>
+          </a:p>
+        </p:txBody>
+      </p:sp>
+      <mc:AlternateContent xmlns:mc="http://schemas.openxmlformats.org/markup-compatibility/2006" xmlns:a14="http://schemas.microsoft.com/office/drawing/2010/main">
+        <mc:Choice Requires="a14">
+          <p:sp>
+            <p:nvSpPr>
+              <p:cNvPr id="3" name="Segnaposto contenuto 2">
+                <a:extLst>
+                  <a:ext uri="{FF2B5EF4-FFF2-40B4-BE49-F238E27FC236}">
+                    <a16:creationId xmlns:a16="http://schemas.microsoft.com/office/drawing/2014/main" id="{87749C20-3E74-425D-A4F4-173C6F20A4BC}"/>
+                  </a:ext>
+                </a:extLst>
+              </p:cNvPr>
+              <p:cNvSpPr>
+                <a:spLocks noGrp="1"/>
+              </p:cNvSpPr>
+              <p:nvPr>
+                <p:ph idx="1"/>
+              </p:nvPr>
+            </p:nvSpPr>
+            <p:spPr>
+              <a:xfrm>
+                <a:off x="643468" y="2638044"/>
+                <a:ext cx="3363974" cy="3415622"/>
+              </a:xfrm>
+            </p:spPr>
+            <p:txBody>
+              <a:bodyPr>
+                <a:normAutofit/>
+              </a:bodyPr>
+              <a:lstStyle/>
+              <a:p>
+                <a14:m>
+                  <m:oMath xmlns:m="http://schemas.openxmlformats.org/officeDocument/2006/math">
+                    <m:r>
+                      <a:rPr lang="it-IT" sz="2000" b="0" i="1" smtClean="0">
+                        <a:solidFill>
+                          <a:schemeClr val="bg1"/>
+                        </a:solidFill>
+                        <a:latin typeface="Cambria Math" panose="02040503050406030204" pitchFamily="18" charset="0"/>
+                      </a:rPr>
+                      <m:t>𝐾𝑒𝑦</m:t>
+                    </m:r>
+                    <m:r>
+                      <a:rPr lang="it-IT" sz="2000" b="0" i="1" smtClean="0">
+                        <a:solidFill>
+                          <a:schemeClr val="bg1"/>
+                        </a:solidFill>
+                        <a:latin typeface="Cambria Math" panose="02040503050406030204" pitchFamily="18" charset="0"/>
+                      </a:rPr>
+                      <m:t> </m:t>
+                    </m:r>
+                    <m:r>
+                      <a:rPr lang="it-IT" sz="2000" b="0" i="1" smtClean="0">
+                        <a:solidFill>
+                          <a:schemeClr val="bg1"/>
+                        </a:solidFill>
+                        <a:latin typeface="Cambria Math" panose="02040503050406030204" pitchFamily="18" charset="0"/>
+                      </a:rPr>
+                      <m:t>𝑝𝑎𝑟𝑡𝑠</m:t>
+                    </m:r>
+                  </m:oMath>
+                </a14:m>
+                <a:endParaRPr lang="it-IT" sz="2000" b="0" i="1" dirty="0">
+                  <a:solidFill>
+                    <a:schemeClr val="bg1"/>
+                  </a:solidFill>
+                  <a:latin typeface="Cambria Math" panose="02040503050406030204" pitchFamily="18" charset="0"/>
+                </a:endParaRPr>
+              </a:p>
+              <a:p>
+                <a14:m>
+                  <m:oMath xmlns:m="http://schemas.openxmlformats.org/officeDocument/2006/math">
+                    <m:r>
+                      <a:rPr lang="it-IT" sz="2000" b="0" i="1" smtClean="0">
+                        <a:solidFill>
+                          <a:schemeClr val="bg1"/>
+                        </a:solidFill>
+                        <a:latin typeface="Cambria Math" panose="02040503050406030204" pitchFamily="18" charset="0"/>
+                      </a:rPr>
+                      <m:t>𝐸𝑥𝑝𝑒𝑟𝑖𝑚𝑒𝑛𝑡𝑎𝑙</m:t>
+                    </m:r>
+                    <m:r>
+                      <a:rPr lang="it-IT" sz="2000" b="0" i="1" smtClean="0">
+                        <a:solidFill>
+                          <a:schemeClr val="bg1"/>
+                        </a:solidFill>
+                        <a:latin typeface="Cambria Math" panose="02040503050406030204" pitchFamily="18" charset="0"/>
+                      </a:rPr>
+                      <m:t> </m:t>
+                    </m:r>
+                    <m:r>
+                      <a:rPr lang="it-IT" sz="2000" b="0" i="1" smtClean="0">
+                        <a:solidFill>
+                          <a:schemeClr val="bg1"/>
+                        </a:solidFill>
+                        <a:latin typeface="Cambria Math" panose="02040503050406030204" pitchFamily="18" charset="0"/>
+                      </a:rPr>
+                      <m:t>𝑠𝑒𝑡𝑢𝑝</m:t>
+                    </m:r>
+                  </m:oMath>
+                </a14:m>
+                <a:endParaRPr lang="it-IT" sz="2000" b="0" dirty="0">
+                  <a:solidFill>
+                    <a:schemeClr val="bg1"/>
+                  </a:solidFill>
+                </a:endParaRPr>
+              </a:p>
+              <a:p>
+                <a14:m>
+                  <m:oMath xmlns:m="http://schemas.openxmlformats.org/officeDocument/2006/math">
+                    <m:r>
+                      <a:rPr lang="it-IT" sz="2000" b="0" i="1" smtClean="0">
+                        <a:solidFill>
+                          <a:schemeClr val="bg1"/>
+                        </a:solidFill>
+                        <a:latin typeface="Cambria Math" panose="02040503050406030204" pitchFamily="18" charset="0"/>
+                      </a:rPr>
+                      <m:t>𝑅𝑒𝑠𝑢𝑙𝑡</m:t>
+                    </m:r>
+                  </m:oMath>
+                </a14:m>
+                <a:endParaRPr lang="it-IT" sz="2000" b="0" dirty="0">
+                  <a:solidFill>
+                    <a:schemeClr val="bg1"/>
+                  </a:solidFill>
+                </a:endParaRPr>
+              </a:p>
+              <a:p>
+                <a14:m>
+                  <m:oMath xmlns:m="http://schemas.openxmlformats.org/officeDocument/2006/math">
+                    <m:r>
+                      <a:rPr lang="it-IT" sz="2000" b="0" i="1" smtClean="0">
+                        <a:solidFill>
+                          <a:schemeClr val="bg1"/>
+                        </a:solidFill>
+                        <a:latin typeface="Cambria Math" panose="02040503050406030204" pitchFamily="18" charset="0"/>
+                      </a:rPr>
+                      <m:t>𝐶𝑜𝑛𝑐𝑙𝑢𝑠𝑖𝑜𝑛</m:t>
+                    </m:r>
+                  </m:oMath>
+                </a14:m>
+                <a:endParaRPr lang="it-IT" sz="2000" b="0" dirty="0">
+                  <a:solidFill>
+                    <a:schemeClr val="bg1"/>
+                  </a:solidFill>
+                </a:endParaRPr>
+              </a:p>
+              <a:p>
+                <a:pPr marL="0" indent="0">
+                  <a:buNone/>
+                </a:pPr>
+                <a:endParaRPr lang="it-IT" sz="2000" b="0" dirty="0">
+                  <a:solidFill>
+                    <a:schemeClr val="bg1"/>
+                  </a:solidFill>
+                </a:endParaRPr>
+              </a:p>
+              <a:p>
+                <a:pPr marL="0" indent="0">
+                  <a:buNone/>
+                </a:pPr>
+                <a:endParaRPr lang="it-IT" sz="2000" b="0" dirty="0">
+                  <a:solidFill>
+                    <a:schemeClr val="bg1"/>
+                  </a:solidFill>
+                </a:endParaRPr>
+              </a:p>
+              <a:p>
+                <a:pPr marL="0" indent="0">
+                  <a:buNone/>
+                </a:pPr>
+                <a:endParaRPr lang="it-IT" sz="2000" b="0" dirty="0">
+                  <a:solidFill>
+                    <a:schemeClr val="bg1"/>
+                  </a:solidFill>
+                </a:endParaRPr>
+              </a:p>
+              <a:p>
+                <a:pPr marL="0" indent="0">
+                  <a:buNone/>
+                </a:pPr>
+                <a:endParaRPr lang="it-IT" sz="2000" dirty="0">
+                  <a:solidFill>
+                    <a:schemeClr val="bg1"/>
+                  </a:solidFill>
+                </a:endParaRPr>
+              </a:p>
+              <a:p>
+                <a:pPr marL="0" indent="0">
+                  <a:buNone/>
+                </a:pPr>
+                <a:endParaRPr lang="it-IT" sz="2000" dirty="0">
+                  <a:solidFill>
+                    <a:schemeClr val="bg1"/>
+                  </a:solidFill>
+                </a:endParaRPr>
+              </a:p>
+              <a:p>
+                <a:pPr marL="0" indent="0">
+                  <a:buNone/>
+                </a:pPr>
+                <a:endParaRPr lang="it-IT" sz="2000" dirty="0">
+                  <a:solidFill>
+                    <a:schemeClr val="bg1"/>
+                  </a:solidFill>
+                </a:endParaRPr>
+              </a:p>
+            </p:txBody>
+          </p:sp>
+        </mc:Choice>
+        <mc:Fallback xmlns="">
+          <p:sp>
+            <p:nvSpPr>
+              <p:cNvPr id="3" name="Segnaposto contenuto 2">
+                <a:extLst>
+                  <a:ext uri="{FF2B5EF4-FFF2-40B4-BE49-F238E27FC236}">
+                    <a16:creationId xmlns:a16="http://schemas.microsoft.com/office/drawing/2014/main" id="{87749C20-3E74-425D-A4F4-173C6F20A4BC}"/>
+                  </a:ext>
+                </a:extLst>
+              </p:cNvPr>
+              <p:cNvSpPr>
+                <a:spLocks noGrp="1" noRot="1" noChangeAspect="1" noMove="1" noResize="1" noEditPoints="1" noAdjustHandles="1" noChangeArrowheads="1" noChangeShapeType="1" noTextEdit="1"/>
+              </p:cNvSpPr>
+              <p:nvPr>
+                <p:ph idx="1"/>
+              </p:nvPr>
+            </p:nvSpPr>
+            <p:spPr>
+              <a:xfrm>
+                <a:off x="643468" y="2638044"/>
+                <a:ext cx="3363974" cy="3415622"/>
+              </a:xfrm>
+              <a:blipFill>
+                <a:blip r:embed="rId2"/>
+                <a:stretch>
+                  <a:fillRect l="-1633" t="-1250"/>
+                </a:stretch>
+              </a:blipFill>
+            </p:spPr>
+            <p:txBody>
+              <a:bodyPr/>
+              <a:lstStyle/>
+              <a:p>
+                <a:r>
+                  <a:rPr lang="it-IT">
+                    <a:noFill/>
+                  </a:rPr>
+                  <a:t> </a:t>
+                </a:r>
+              </a:p>
+            </p:txBody>
+          </p:sp>
+        </mc:Fallback>
+      </mc:AlternateContent>
+      <p:pic>
+        <p:nvPicPr>
+          <p:cNvPr id="2050" name="Picture 2" descr="Risultati immagini per q learning">
+            <a:extLst>
+              <a:ext uri="{FF2B5EF4-FFF2-40B4-BE49-F238E27FC236}">
+                <a16:creationId xmlns:a16="http://schemas.microsoft.com/office/drawing/2014/main" id="{A14E1A76-0DD4-47D3-80B3-20772AB0108E}"/>
+              </a:ext>
+            </a:extLst>
+          </p:cNvPr>
+          <p:cNvPicPr>
+            <a:picLocks noChangeAspect="1" noChangeArrowheads="1"/>
+          </p:cNvPicPr>
+          <p:nvPr/>
+        </p:nvPicPr>
+        <p:blipFill>
+          <a:blip r:embed="rId3">
+            <a:extLst>
+              <a:ext uri="{28A0092B-C50C-407E-A947-70E740481C1C}">
+                <a14:useLocalDpi xmlns:a14="http://schemas.microsoft.com/office/drawing/2010/main" val="0"/>
+              </a:ext>
+            </a:extLst>
+          </a:blip>
+          <a:srcRect/>
+          <a:stretch>
+            <a:fillRect/>
+          </a:stretch>
+        </p:blipFill>
+        <p:spPr bwMode="auto">
+          <a:xfrm>
+            <a:off x="6096000" y="2336257"/>
+            <a:ext cx="4773561" cy="2185485"/>
+          </a:xfrm>
+          <a:prstGeom prst="rect">
+            <a:avLst/>
+          </a:prstGeom>
+          <a:noFill/>
+          <a:extLst>
+            <a:ext uri="{909E8E84-426E-40DD-AFC4-6F175D3DCCD1}">
+              <a14:hiddenFill xmlns:a14="http://schemas.microsoft.com/office/drawing/2010/main">
+                <a:solidFill>
+                  <a:srgbClr val="FFFFFF"/>
+                </a:solidFill>
+              </a14:hiddenFill>
+            </a:ext>
+          </a:extLst>
+        </p:spPr>
+      </p:pic>
+    </p:spTree>
+    <p:extLst>
+      <p:ext uri="{BB962C8B-B14F-4D97-AF65-F5344CB8AC3E}">
+        <p14:creationId xmlns:p14="http://schemas.microsoft.com/office/powerpoint/2010/main" val="770637633"/>
+      </p:ext>
+    </p:extLst>
+  </p:cSld>
+  <p:clrMapOvr>
+    <a:masterClrMapping/>
+  </p:clrMapOvr>
+</p:sld>
+</file>
+
+<file path=ppt/slides/slide16.xml><?xml version="1.0" encoding="utf-8"?>
+<p:sld xmlns:a="http://schemas.openxmlformats.org/drawingml/2006/main" xmlns:r="http://schemas.openxmlformats.org/officeDocument/2006/relationships" xmlns:p="http://schemas.openxmlformats.org/presentationml/2006/main">
+  <p:cSld>
+    <p:spTree>
+      <p:nvGrpSpPr>
+        <p:cNvPr id="1" name=""/>
+        <p:cNvGrpSpPr/>
+        <p:nvPr/>
+      </p:nvGrpSpPr>
+      <p:grpSpPr>
+        <a:xfrm>
+          <a:off x="0" y="0"/>
+          <a:ext cx="0" cy="0"/>
+          <a:chOff x="0" y="0"/>
+          <a:chExt cx="0" cy="0"/>
+        </a:xfrm>
+      </p:grpSpPr>
+      <p:sp>
+        <p:nvSpPr>
+          <p:cNvPr id="2" name="Titolo 1">
+            <a:extLst>
+              <a:ext uri="{FF2B5EF4-FFF2-40B4-BE49-F238E27FC236}">
+                <a16:creationId xmlns:a16="http://schemas.microsoft.com/office/drawing/2014/main" id="{ED572C7A-CB0D-4BFD-B630-164C31D1669D}"/>
+              </a:ext>
+            </a:extLst>
+          </p:cNvPr>
+          <p:cNvSpPr>
+            <a:spLocks noGrp="1"/>
+          </p:cNvSpPr>
+          <p:nvPr>
+            <p:ph type="title"/>
+          </p:nvPr>
+        </p:nvSpPr>
+        <p:spPr/>
+        <p:txBody>
+          <a:bodyPr/>
+          <a:lstStyle/>
+          <a:p>
+            <a:r>
+              <a:rPr lang="it-IT" dirty="0"/>
+              <a:t>Key Parts</a:t>
+            </a:r>
+          </a:p>
+        </p:txBody>
+      </p:sp>
+      <p:pic>
+        <p:nvPicPr>
+          <p:cNvPr id="4" name="Segnaposto contenuto 3">
+            <a:extLst>
+              <a:ext uri="{FF2B5EF4-FFF2-40B4-BE49-F238E27FC236}">
+                <a16:creationId xmlns:a16="http://schemas.microsoft.com/office/drawing/2014/main" id="{2709AAA0-FBE3-416D-A084-27015DC06643}"/>
+              </a:ext>
+            </a:extLst>
+          </p:cNvPr>
+          <p:cNvPicPr>
+            <a:picLocks noGrp="1" noChangeAspect="1"/>
+          </p:cNvPicPr>
+          <p:nvPr>
+            <p:ph idx="1"/>
+          </p:nvPr>
+        </p:nvPicPr>
+        <p:blipFill>
+          <a:blip r:embed="rId2"/>
+          <a:stretch>
+            <a:fillRect/>
+          </a:stretch>
+        </p:blipFill>
+        <p:spPr>
+          <a:xfrm>
+            <a:off x="3035831" y="3862080"/>
+            <a:ext cx="7839507" cy="959462"/>
+          </a:xfrm>
+          <a:prstGeom prst="rect">
+            <a:avLst/>
+          </a:prstGeom>
+        </p:spPr>
+      </p:pic>
+      <p:cxnSp>
+        <p:nvCxnSpPr>
+          <p:cNvPr id="7" name="Connettore 2 6">
+            <a:extLst>
+              <a:ext uri="{FF2B5EF4-FFF2-40B4-BE49-F238E27FC236}">
+                <a16:creationId xmlns:a16="http://schemas.microsoft.com/office/drawing/2014/main" id="{F7886249-EE12-4293-9BDB-9792AE2C2001}"/>
+              </a:ext>
+            </a:extLst>
+          </p:cNvPr>
+          <p:cNvCxnSpPr>
+            <a:cxnSpLocks/>
+          </p:cNvCxnSpPr>
+          <p:nvPr/>
+        </p:nvCxnSpPr>
+        <p:spPr>
+          <a:xfrm flipV="1">
+            <a:off x="5542671" y="4371804"/>
+            <a:ext cx="0" cy="1061303"/>
+          </a:xfrm>
+          <a:prstGeom prst="straightConnector1">
+            <a:avLst/>
+          </a:prstGeom>
+          <a:ln w="38100">
+            <a:solidFill>
+              <a:srgbClr val="FF0000"/>
+            </a:solidFill>
+            <a:tailEnd type="triangle"/>
+          </a:ln>
+        </p:spPr>
+        <p:style>
+          <a:lnRef idx="1">
+            <a:schemeClr val="accent1"/>
+          </a:lnRef>
+          <a:fillRef idx="0">
+            <a:schemeClr val="accent1"/>
+          </a:fillRef>
+          <a:effectRef idx="0">
+            <a:schemeClr val="accent1"/>
+          </a:effectRef>
+          <a:fontRef idx="minor">
+            <a:schemeClr val="tx1"/>
+          </a:fontRef>
+        </p:style>
+      </p:cxnSp>
+      <p:cxnSp>
+        <p:nvCxnSpPr>
+          <p:cNvPr id="12" name="Connettore 2 11">
+            <a:extLst>
+              <a:ext uri="{FF2B5EF4-FFF2-40B4-BE49-F238E27FC236}">
+                <a16:creationId xmlns:a16="http://schemas.microsoft.com/office/drawing/2014/main" id="{49B01E3D-5FFC-4371-8D2F-7B70FE3F4790}"/>
+              </a:ext>
+            </a:extLst>
+          </p:cNvPr>
+          <p:cNvCxnSpPr>
+            <a:cxnSpLocks/>
+            <a:stCxn id="19" idx="2"/>
+          </p:cNvCxnSpPr>
+          <p:nvPr/>
+        </p:nvCxnSpPr>
+        <p:spPr>
+          <a:xfrm>
+            <a:off x="2478711" y="2795369"/>
+            <a:ext cx="2616589" cy="1576435"/>
+          </a:xfrm>
+          <a:prstGeom prst="straightConnector1">
+            <a:avLst/>
+          </a:prstGeom>
+          <a:ln w="38100">
+            <a:solidFill>
+              <a:srgbClr val="FF0000"/>
+            </a:solidFill>
+            <a:tailEnd type="triangle"/>
+          </a:ln>
+        </p:spPr>
+        <p:style>
+          <a:lnRef idx="1">
+            <a:schemeClr val="accent1"/>
+          </a:lnRef>
+          <a:fillRef idx="0">
+            <a:schemeClr val="accent1"/>
+          </a:fillRef>
+          <a:effectRef idx="0">
+            <a:schemeClr val="accent1"/>
+          </a:effectRef>
+          <a:fontRef idx="minor">
+            <a:schemeClr val="tx1"/>
+          </a:fontRef>
+        </p:style>
+      </p:cxnSp>
+      <p:pic>
+        <p:nvPicPr>
+          <p:cNvPr id="19" name="Immagine 18">
+            <a:extLst>
+              <a:ext uri="{FF2B5EF4-FFF2-40B4-BE49-F238E27FC236}">
+                <a16:creationId xmlns:a16="http://schemas.microsoft.com/office/drawing/2014/main" id="{6478870A-6BAF-4E85-858F-841D569E2B04}"/>
+              </a:ext>
+            </a:extLst>
+          </p:cNvPr>
+          <p:cNvPicPr>
+            <a:picLocks noChangeAspect="1"/>
+          </p:cNvPicPr>
+          <p:nvPr/>
+        </p:nvPicPr>
+        <p:blipFill>
+          <a:blip r:embed="rId3"/>
+          <a:stretch>
+            <a:fillRect/>
+          </a:stretch>
+        </p:blipFill>
+        <p:spPr>
+          <a:xfrm>
+            <a:off x="81293" y="2266456"/>
+            <a:ext cx="4794835" cy="528913"/>
+          </a:xfrm>
+          <a:prstGeom prst="rect">
+            <a:avLst/>
+          </a:prstGeom>
+        </p:spPr>
+      </p:pic>
+      <p:pic>
+        <p:nvPicPr>
+          <p:cNvPr id="25" name="Immagine 24">
+            <a:extLst>
+              <a:ext uri="{FF2B5EF4-FFF2-40B4-BE49-F238E27FC236}">
+                <a16:creationId xmlns:a16="http://schemas.microsoft.com/office/drawing/2014/main" id="{798BB34A-F642-459C-9758-B22657816EE9}"/>
+              </a:ext>
+            </a:extLst>
+          </p:cNvPr>
+          <p:cNvPicPr>
+            <a:picLocks noChangeAspect="1"/>
+          </p:cNvPicPr>
+          <p:nvPr/>
+        </p:nvPicPr>
+        <p:blipFill>
+          <a:blip r:embed="rId4"/>
+          <a:stretch>
+            <a:fillRect/>
+          </a:stretch>
+        </p:blipFill>
+        <p:spPr>
+          <a:xfrm>
+            <a:off x="2419644" y="5433107"/>
+            <a:ext cx="4065562" cy="528913"/>
+          </a:xfrm>
+          <a:prstGeom prst="rect">
+            <a:avLst/>
+          </a:prstGeom>
+        </p:spPr>
+      </p:pic>
+      <p:pic>
+        <p:nvPicPr>
+          <p:cNvPr id="27" name="Immagine 26">
+            <a:extLst>
+              <a:ext uri="{FF2B5EF4-FFF2-40B4-BE49-F238E27FC236}">
+                <a16:creationId xmlns:a16="http://schemas.microsoft.com/office/drawing/2014/main" id="{3D7B0F54-A22F-4095-BE75-091FCFDC11A3}"/>
+              </a:ext>
+            </a:extLst>
+          </p:cNvPr>
+          <p:cNvPicPr>
+            <a:picLocks noChangeAspect="1"/>
+          </p:cNvPicPr>
+          <p:nvPr/>
+        </p:nvPicPr>
+        <p:blipFill>
+          <a:blip r:embed="rId5"/>
+          <a:stretch>
+            <a:fillRect/>
+          </a:stretch>
+        </p:blipFill>
+        <p:spPr>
+          <a:xfrm>
+            <a:off x="2419643" y="6103697"/>
+            <a:ext cx="4794842" cy="528912"/>
+          </a:xfrm>
+          <a:prstGeom prst="rect">
+            <a:avLst/>
+          </a:prstGeom>
+        </p:spPr>
+      </p:pic>
+      <p:cxnSp>
+        <p:nvCxnSpPr>
+          <p:cNvPr id="36" name="Connettore 2 35">
+            <a:extLst>
+              <a:ext uri="{FF2B5EF4-FFF2-40B4-BE49-F238E27FC236}">
+                <a16:creationId xmlns:a16="http://schemas.microsoft.com/office/drawing/2014/main" id="{9402606F-25BC-43DD-B8C6-AEF7A29E4CAC}"/>
+              </a:ext>
+            </a:extLst>
+          </p:cNvPr>
+          <p:cNvCxnSpPr>
+            <a:cxnSpLocks/>
+          </p:cNvCxnSpPr>
+          <p:nvPr/>
+        </p:nvCxnSpPr>
+        <p:spPr>
+          <a:xfrm flipH="1" flipV="1">
+            <a:off x="6133514" y="4656406"/>
+            <a:ext cx="616635" cy="1447292"/>
+          </a:xfrm>
+          <a:prstGeom prst="straightConnector1">
+            <a:avLst/>
+          </a:prstGeom>
+          <a:ln w="38100">
+            <a:solidFill>
+              <a:srgbClr val="FF0000"/>
+            </a:solidFill>
+            <a:tailEnd type="triangle"/>
+          </a:ln>
+        </p:spPr>
+        <p:style>
+          <a:lnRef idx="1">
+            <a:schemeClr val="accent1"/>
+          </a:lnRef>
+          <a:fillRef idx="0">
+            <a:schemeClr val="accent1"/>
+          </a:fillRef>
+          <a:effectRef idx="0">
+            <a:schemeClr val="accent1"/>
+          </a:effectRef>
+          <a:fontRef idx="minor">
+            <a:schemeClr val="tx1"/>
+          </a:fontRef>
+        </p:style>
+      </p:cxnSp>
+      <p:sp>
+        <p:nvSpPr>
+          <p:cNvPr id="44" name="Rectangle 2">
+            <a:extLst>
+              <a:ext uri="{FF2B5EF4-FFF2-40B4-BE49-F238E27FC236}">
+                <a16:creationId xmlns:a16="http://schemas.microsoft.com/office/drawing/2014/main" id="{6729225F-3EAB-4155-ADB6-ECE56D134881}"/>
+              </a:ext>
+            </a:extLst>
+          </p:cNvPr>
+          <p:cNvSpPr>
+            <a:spLocks noChangeArrowheads="1"/>
+          </p:cNvSpPr>
+          <p:nvPr/>
+        </p:nvSpPr>
+        <p:spPr bwMode="auto">
+          <a:xfrm>
+            <a:off x="5095300" y="1366897"/>
+            <a:ext cx="6956015" cy="2062103"/>
+          </a:xfrm>
+          <a:prstGeom prst="rect">
+            <a:avLst/>
+          </a:prstGeom>
+          <a:solidFill>
+            <a:srgbClr val="2B2B2B"/>
+          </a:solidFill>
+          <a:ln>
+            <a:noFill/>
+          </a:ln>
+          <a:effectLst/>
+          <a:extLst>
+            <a:ext uri="{91240B29-F687-4F45-9708-019B960494DF}">
+              <a14:hiddenLine xmlns:a14="http://schemas.microsoft.com/office/drawing/2010/main" w="9525">
+                <a:solidFill>
+                  <a:schemeClr val="tx1"/>
+                </a:solidFill>
+                <a:miter lim="800000"/>
+                <a:headEnd/>
+                <a:tailEnd/>
+              </a14:hiddenLine>
+            </a:ext>
+            <a:ext uri="{AF507438-7753-43E0-B8FC-AC1667EBCBE1}">
+              <a14:hiddenEffects xmlns:a14="http://schemas.microsoft.com/office/drawing/2010/main">
+                <a:effectLst>
+                  <a:outerShdw dist="35921" dir="2700000" algn="ctr" rotWithShape="0">
+                    <a:schemeClr val="bg2"/>
+                  </a:outerShdw>
+                </a:effectLst>
+              </a14:hiddenEffects>
+            </a:ext>
+          </a:extLst>
+        </p:spPr>
+        <p:txBody>
+          <a:bodyPr vert="horz" wrap="square" lIns="91440" tIns="45720" rIns="91440" bIns="45720" numCol="1" anchor="ctr" anchorCtr="0" compatLnSpc="1">
+            <a:prstTxWarp prst="textNoShape">
+              <a:avLst/>
+            </a:prstTxWarp>
+            <a:spAutoFit/>
+          </a:bodyPr>
+          <a:lstStyle/>
+          <a:p>
+            <a:pPr marL="0" marR="0" lvl="0" indent="0" algn="l" defTabSz="914400" rtl="0" eaLnBrk="0" fontAlgn="base" latinLnBrk="0" hangingPunct="0">
+              <a:lnSpc>
+                <a:spcPct val="100000"/>
+              </a:lnSpc>
+              <a:spcBef>
+                <a:spcPct val="0"/>
+              </a:spcBef>
+              <a:spcAft>
+                <a:spcPct val="0"/>
+              </a:spcAft>
+              <a:buClrTx/>
+              <a:buSzTx/>
+              <a:buFontTx/>
+              <a:buNone/>
+              <a:tabLst/>
+            </a:pPr>
+            <a:r>
+              <a:rPr kumimoji="0" lang="it-IT" altLang="it-IT" sz="1600" b="0" i="0" u="none" strike="noStrike" cap="none" normalizeH="0" baseline="0" dirty="0">
+                <a:ln>
+                  <a:noFill/>
+                </a:ln>
+                <a:solidFill>
+                  <a:srgbClr val="CC7832"/>
+                </a:solidFill>
+                <a:effectLst/>
+                <a:latin typeface="Consolas" panose="020B0609020204030204" pitchFamily="49" charset="0"/>
+              </a:rPr>
+              <a:t>def </a:t>
+            </a:r>
+            <a:r>
+              <a:rPr kumimoji="0" lang="it-IT" altLang="it-IT" sz="1600" b="0" i="0" u="none" strike="noStrike" cap="none" normalizeH="0" baseline="0" dirty="0">
+                <a:ln>
+                  <a:noFill/>
+                </a:ln>
+                <a:solidFill>
+                  <a:srgbClr val="FFC66D"/>
+                </a:solidFill>
+                <a:effectLst/>
+                <a:latin typeface="Consolas" panose="020B0609020204030204" pitchFamily="49" charset="0"/>
+              </a:rPr>
+              <a:t>get_next_action</a:t>
+            </a:r>
+            <a:r>
+              <a:rPr kumimoji="0" lang="it-IT" altLang="it-IT" sz="1600" b="0" i="0" u="none" strike="noStrike" cap="none" normalizeH="0" baseline="0" dirty="0">
+                <a:ln>
+                  <a:noFill/>
+                </a:ln>
+                <a:solidFill>
+                  <a:srgbClr val="A9B7C6"/>
+                </a:solidFill>
+                <a:effectLst/>
+                <a:latin typeface="Consolas" panose="020B0609020204030204" pitchFamily="49" charset="0"/>
+              </a:rPr>
+              <a:t>(s):</a:t>
+            </a:r>
+            <a:br>
+              <a:rPr kumimoji="0" lang="it-IT" altLang="it-IT" sz="1600" b="0" i="0" u="none" strike="noStrike" cap="none" normalizeH="0" baseline="0" dirty="0">
+                <a:ln>
+                  <a:noFill/>
+                </a:ln>
+                <a:solidFill>
+                  <a:srgbClr val="A9B7C6"/>
+                </a:solidFill>
+                <a:effectLst/>
+                <a:latin typeface="Consolas" panose="020B0609020204030204" pitchFamily="49" charset="0"/>
+              </a:rPr>
+            </a:br>
+            <a:r>
+              <a:rPr kumimoji="0" lang="it-IT" altLang="it-IT" sz="1600" b="0" i="0" u="none" strike="noStrike" cap="none" normalizeH="0" baseline="0" dirty="0">
+                <a:ln>
+                  <a:noFill/>
+                </a:ln>
+                <a:solidFill>
+                  <a:srgbClr val="A9B7C6"/>
+                </a:solidFill>
+                <a:effectLst/>
+                <a:latin typeface="Consolas" panose="020B0609020204030204" pitchFamily="49" charset="0"/>
+              </a:rPr>
+              <a:t>    probability = random.random()</a:t>
+            </a:r>
+            <a:br>
+              <a:rPr kumimoji="0" lang="it-IT" altLang="it-IT" sz="1600" b="0" i="0" u="none" strike="noStrike" cap="none" normalizeH="0" baseline="0" dirty="0">
+                <a:ln>
+                  <a:noFill/>
+                </a:ln>
+                <a:solidFill>
+                  <a:srgbClr val="A9B7C6"/>
+                </a:solidFill>
+                <a:effectLst/>
+                <a:latin typeface="Consolas" panose="020B0609020204030204" pitchFamily="49" charset="0"/>
+              </a:rPr>
+            </a:br>
+            <a:r>
+              <a:rPr kumimoji="0" lang="it-IT" altLang="it-IT" sz="1600" b="0" i="0" u="none" strike="noStrike" cap="none" normalizeH="0" baseline="0" dirty="0">
+                <a:ln>
+                  <a:noFill/>
+                </a:ln>
+                <a:solidFill>
+                  <a:srgbClr val="A9B7C6"/>
+                </a:solidFill>
+                <a:effectLst/>
+                <a:latin typeface="Consolas" panose="020B0609020204030204" pitchFamily="49" charset="0"/>
+              </a:rPr>
+              <a:t>    </a:t>
+            </a:r>
+            <a:r>
+              <a:rPr kumimoji="0" lang="it-IT" altLang="it-IT" sz="1600" b="0" i="0" u="none" strike="noStrike" cap="none" normalizeH="0" baseline="0" dirty="0">
+                <a:ln>
+                  <a:noFill/>
+                </a:ln>
+                <a:solidFill>
+                  <a:srgbClr val="CC7832"/>
+                </a:solidFill>
+                <a:effectLst/>
+                <a:latin typeface="Consolas" panose="020B0609020204030204" pitchFamily="49" charset="0"/>
+              </a:rPr>
+              <a:t>if </a:t>
+            </a:r>
+            <a:r>
+              <a:rPr kumimoji="0" lang="it-IT" altLang="it-IT" sz="1600" b="0" i="0" u="none" strike="noStrike" cap="none" normalizeH="0" baseline="0" dirty="0">
+                <a:ln>
+                  <a:noFill/>
+                </a:ln>
+                <a:solidFill>
+                  <a:srgbClr val="A9B7C6"/>
+                </a:solidFill>
+                <a:effectLst/>
+                <a:latin typeface="Consolas" panose="020B0609020204030204" pitchFamily="49" charset="0"/>
+              </a:rPr>
+              <a:t>probability &lt; epsilon:</a:t>
+            </a:r>
+            <a:br>
+              <a:rPr kumimoji="0" lang="it-IT" altLang="it-IT" sz="1600" b="0" i="0" u="none" strike="noStrike" cap="none" normalizeH="0" baseline="0" dirty="0">
+                <a:ln>
+                  <a:noFill/>
+                </a:ln>
+                <a:solidFill>
+                  <a:srgbClr val="A9B7C6"/>
+                </a:solidFill>
+                <a:effectLst/>
+                <a:latin typeface="Consolas" panose="020B0609020204030204" pitchFamily="49" charset="0"/>
+              </a:rPr>
+            </a:br>
+            <a:r>
+              <a:rPr kumimoji="0" lang="it-IT" altLang="it-IT" sz="1600" b="0" i="0" u="none" strike="noStrike" cap="none" normalizeH="0" baseline="0" dirty="0">
+                <a:ln>
+                  <a:noFill/>
+                </a:ln>
+                <a:solidFill>
+                  <a:srgbClr val="A9B7C6"/>
+                </a:solidFill>
+                <a:effectLst/>
+                <a:latin typeface="Consolas" panose="020B0609020204030204" pitchFamily="49" charset="0"/>
+              </a:rPr>
+              <a:t>        action = random.randint(</a:t>
+            </a:r>
+            <a:r>
+              <a:rPr kumimoji="0" lang="it-IT" altLang="it-IT" sz="1600" b="0" i="0" u="none" strike="noStrike" cap="none" normalizeH="0" baseline="0" dirty="0">
+                <a:ln>
+                  <a:noFill/>
+                </a:ln>
+                <a:solidFill>
+                  <a:srgbClr val="6897BB"/>
+                </a:solidFill>
+                <a:effectLst/>
+                <a:latin typeface="Consolas" panose="020B0609020204030204" pitchFamily="49" charset="0"/>
+              </a:rPr>
+              <a:t>0</a:t>
+            </a:r>
+            <a:r>
+              <a:rPr kumimoji="0" lang="it-IT" altLang="it-IT" sz="1600" b="0" i="0" u="none" strike="noStrike" cap="none" normalizeH="0" baseline="0" dirty="0">
+                <a:ln>
+                  <a:noFill/>
+                </a:ln>
+                <a:solidFill>
+                  <a:srgbClr val="CC7832"/>
+                </a:solidFill>
+                <a:effectLst/>
+                <a:latin typeface="Consolas" panose="020B0609020204030204" pitchFamily="49" charset="0"/>
+              </a:rPr>
+              <a:t>, </a:t>
+            </a:r>
+            <a:r>
+              <a:rPr kumimoji="0" lang="it-IT" altLang="it-IT" sz="1600" b="0" i="0" u="none" strike="noStrike" cap="none" normalizeH="0" baseline="0" dirty="0">
+                <a:ln>
+                  <a:noFill/>
+                </a:ln>
+                <a:solidFill>
+                  <a:srgbClr val="6897BB"/>
+                </a:solidFill>
+                <a:effectLst/>
+                <a:latin typeface="Consolas" panose="020B0609020204030204" pitchFamily="49" charset="0"/>
+              </a:rPr>
+              <a:t>3</a:t>
+            </a:r>
+            <a:r>
+              <a:rPr kumimoji="0" lang="it-IT" altLang="it-IT" sz="1200" b="0" i="0" u="none" strike="noStrike" cap="none" normalizeH="0" baseline="0" dirty="0">
+                <a:ln>
+                  <a:noFill/>
+                </a:ln>
+                <a:solidFill>
+                  <a:srgbClr val="A9B7C6"/>
+                </a:solidFill>
+                <a:effectLst/>
+                <a:latin typeface="Consolas" panose="020B0609020204030204" pitchFamily="49" charset="0"/>
+              </a:rPr>
+              <a:t>)  </a:t>
+            </a:r>
+            <a:r>
+              <a:rPr kumimoji="0" lang="it-IT" altLang="it-IT" sz="1200" b="0" i="0" u="none" strike="noStrike" cap="none" normalizeH="0" baseline="0" dirty="0">
+                <a:ln>
+                  <a:noFill/>
+                </a:ln>
+                <a:solidFill>
+                  <a:srgbClr val="808080"/>
+                </a:solidFill>
+                <a:effectLst/>
+                <a:latin typeface="Consolas" panose="020B0609020204030204" pitchFamily="49" charset="0"/>
+              </a:rPr>
+              <a:t># Choose an action at random</a:t>
+            </a:r>
+            <a:br>
+              <a:rPr kumimoji="0" lang="it-IT" altLang="it-IT" sz="1200" b="0" i="0" u="none" strike="noStrike" cap="none" normalizeH="0" baseline="0" dirty="0">
+                <a:ln>
+                  <a:noFill/>
+                </a:ln>
+                <a:solidFill>
+                  <a:srgbClr val="808080"/>
+                </a:solidFill>
+                <a:effectLst/>
+                <a:latin typeface="Consolas" panose="020B0609020204030204" pitchFamily="49" charset="0"/>
+              </a:rPr>
+            </a:br>
+            <a:r>
+              <a:rPr kumimoji="0" lang="it-IT" altLang="it-IT" sz="1600" b="0" i="0" u="none" strike="noStrike" cap="none" normalizeH="0" baseline="0" dirty="0">
+                <a:ln>
+                  <a:noFill/>
+                </a:ln>
+                <a:solidFill>
+                  <a:srgbClr val="808080"/>
+                </a:solidFill>
+                <a:effectLst/>
+                <a:latin typeface="Consolas" panose="020B0609020204030204" pitchFamily="49" charset="0"/>
+              </a:rPr>
+              <a:t>        </a:t>
+            </a:r>
+            <a:r>
+              <a:rPr kumimoji="0" lang="it-IT" altLang="it-IT" sz="1600" b="0" i="0" u="none" strike="noStrike" cap="none" normalizeH="0" baseline="0" dirty="0">
+                <a:ln>
+                  <a:noFill/>
+                </a:ln>
+                <a:solidFill>
+                  <a:srgbClr val="CC7832"/>
+                </a:solidFill>
+                <a:effectLst/>
+                <a:latin typeface="Consolas" panose="020B0609020204030204" pitchFamily="49" charset="0"/>
+              </a:rPr>
+              <a:t>return </a:t>
+            </a:r>
+            <a:r>
+              <a:rPr kumimoji="0" lang="it-IT" altLang="it-IT" sz="1600" b="0" i="0" u="none" strike="noStrike" cap="none" normalizeH="0" baseline="0" dirty="0">
+                <a:ln>
+                  <a:noFill/>
+                </a:ln>
+                <a:solidFill>
+                  <a:srgbClr val="A9B7C6"/>
+                </a:solidFill>
+                <a:effectLst/>
+                <a:latin typeface="Consolas" panose="020B0609020204030204" pitchFamily="49" charset="0"/>
+              </a:rPr>
+              <a:t>action</a:t>
+            </a:r>
+            <a:br>
+              <a:rPr kumimoji="0" lang="it-IT" altLang="it-IT" sz="1600" b="0" i="0" u="none" strike="noStrike" cap="none" normalizeH="0" baseline="0" dirty="0">
+                <a:ln>
+                  <a:noFill/>
+                </a:ln>
+                <a:solidFill>
+                  <a:srgbClr val="A9B7C6"/>
+                </a:solidFill>
+                <a:effectLst/>
+                <a:latin typeface="Consolas" panose="020B0609020204030204" pitchFamily="49" charset="0"/>
+              </a:rPr>
+            </a:br>
+            <a:r>
+              <a:rPr kumimoji="0" lang="it-IT" altLang="it-IT" sz="1600" b="0" i="0" u="none" strike="noStrike" cap="none" normalizeH="0" baseline="0" dirty="0">
+                <a:ln>
+                  <a:noFill/>
+                </a:ln>
+                <a:solidFill>
+                  <a:srgbClr val="A9B7C6"/>
+                </a:solidFill>
+                <a:effectLst/>
+                <a:latin typeface="Consolas" panose="020B0609020204030204" pitchFamily="49" charset="0"/>
+              </a:rPr>
+              <a:t>    </a:t>
+            </a:r>
+            <a:r>
+              <a:rPr kumimoji="0" lang="it-IT" altLang="it-IT" sz="1600" b="0" i="0" u="none" strike="noStrike" cap="none" normalizeH="0" baseline="0" dirty="0">
+                <a:ln>
+                  <a:noFill/>
+                </a:ln>
+                <a:solidFill>
+                  <a:srgbClr val="CC7832"/>
+                </a:solidFill>
+                <a:effectLst/>
+                <a:latin typeface="Consolas" panose="020B0609020204030204" pitchFamily="49" charset="0"/>
+              </a:rPr>
+              <a:t>else</a:t>
+            </a:r>
+            <a:r>
+              <a:rPr kumimoji="0" lang="it-IT" altLang="it-IT" sz="1600" b="0" i="0" u="none" strike="noStrike" cap="none" normalizeH="0" baseline="0" dirty="0">
+                <a:ln>
+                  <a:noFill/>
+                </a:ln>
+                <a:solidFill>
+                  <a:srgbClr val="A9B7C6"/>
+                </a:solidFill>
+                <a:effectLst/>
+                <a:latin typeface="Consolas" panose="020B0609020204030204" pitchFamily="49" charset="0"/>
+              </a:rPr>
+              <a:t>:  </a:t>
+            </a:r>
+            <a:r>
+              <a:rPr kumimoji="0" lang="it-IT" altLang="it-IT" sz="1400" b="0" i="0" u="none" strike="noStrike" cap="none" normalizeH="0" baseline="0" dirty="0">
+                <a:ln>
+                  <a:noFill/>
+                </a:ln>
+                <a:solidFill>
+                  <a:srgbClr val="808080"/>
+                </a:solidFill>
+                <a:effectLst/>
+                <a:latin typeface="Consolas" panose="020B0609020204030204" pitchFamily="49" charset="0"/>
+              </a:rPr>
+              <a:t># Otherwise, greedily choose best action based on estimated reward of surrounding states</a:t>
+            </a:r>
+            <a:br>
+              <a:rPr kumimoji="0" lang="it-IT" altLang="it-IT" sz="1600" b="0" i="0" u="none" strike="noStrike" cap="none" normalizeH="0" baseline="0" dirty="0">
+                <a:ln>
+                  <a:noFill/>
+                </a:ln>
+                <a:solidFill>
+                  <a:srgbClr val="808080"/>
+                </a:solidFill>
+                <a:effectLst/>
+                <a:latin typeface="Consolas" panose="020B0609020204030204" pitchFamily="49" charset="0"/>
+              </a:rPr>
+            </a:br>
+            <a:r>
+              <a:rPr kumimoji="0" lang="it-IT" altLang="it-IT" sz="1600" b="0" i="0" u="none" strike="noStrike" cap="none" normalizeH="0" baseline="0" dirty="0">
+                <a:ln>
+                  <a:noFill/>
+                </a:ln>
+                <a:solidFill>
+                  <a:srgbClr val="808080"/>
+                </a:solidFill>
+                <a:effectLst/>
+                <a:latin typeface="Consolas" panose="020B0609020204030204" pitchFamily="49" charset="0"/>
+              </a:rPr>
+              <a:t>        </a:t>
+            </a:r>
+            <a:r>
+              <a:rPr kumimoji="0" lang="it-IT" altLang="it-IT" sz="1600" b="0" i="0" u="none" strike="noStrike" cap="none" normalizeH="0" baseline="0" dirty="0">
+                <a:ln>
+                  <a:noFill/>
+                </a:ln>
+                <a:solidFill>
+                  <a:srgbClr val="CC7832"/>
+                </a:solidFill>
+                <a:effectLst/>
+                <a:latin typeface="Consolas" panose="020B0609020204030204" pitchFamily="49" charset="0"/>
+              </a:rPr>
+              <a:t>return </a:t>
+            </a:r>
+            <a:r>
+              <a:rPr kumimoji="0" lang="it-IT" altLang="it-IT" sz="1600" b="0" i="0" u="none" strike="noStrike" cap="none" normalizeH="0" baseline="0" dirty="0">
+                <a:ln>
+                  <a:noFill/>
+                </a:ln>
+                <a:solidFill>
+                  <a:srgbClr val="A9B7C6"/>
+                </a:solidFill>
+                <a:effectLst/>
+                <a:latin typeface="Consolas" panose="020B0609020204030204" pitchFamily="49" charset="0"/>
+              </a:rPr>
+              <a:t>np.argmax(Q_matrix[s.row][s.column])</a:t>
+            </a:r>
+            <a:endParaRPr kumimoji="0" lang="it-IT" altLang="it-IT" sz="3600" b="0" i="0" u="none" strike="noStrike" cap="none" normalizeH="0" baseline="0" dirty="0">
+              <a:ln>
+                <a:noFill/>
+              </a:ln>
+              <a:solidFill>
+                <a:schemeClr val="tx1"/>
+              </a:solidFill>
+              <a:effectLst/>
+              <a:latin typeface="Arial" panose="020B0604020202020204" pitchFamily="34" charset="0"/>
+            </a:endParaRPr>
+          </a:p>
+        </p:txBody>
+      </p:sp>
+      <mc:AlternateContent xmlns:mc="http://schemas.openxmlformats.org/markup-compatibility/2006" xmlns:a14="http://schemas.microsoft.com/office/drawing/2010/main">
+        <mc:Choice Requires="a14">
+          <p:sp>
+            <p:nvSpPr>
+              <p:cNvPr id="45" name="CasellaDiTesto 44">
+                <a:extLst>
+                  <a:ext uri="{FF2B5EF4-FFF2-40B4-BE49-F238E27FC236}">
+                    <a16:creationId xmlns:a16="http://schemas.microsoft.com/office/drawing/2014/main" id="{E59DB4EB-88F0-4CA9-B327-046019AD4059}"/>
+                  </a:ext>
+                </a:extLst>
+              </p:cNvPr>
+              <p:cNvSpPr txBox="1"/>
+              <p:nvPr/>
+            </p:nvSpPr>
+            <p:spPr>
+              <a:xfrm>
+                <a:off x="5095300" y="871608"/>
+                <a:ext cx="4639543" cy="461665"/>
+              </a:xfrm>
+              <a:prstGeom prst="rect">
+                <a:avLst/>
+              </a:prstGeom>
+              <a:noFill/>
+            </p:spPr>
+            <p:txBody>
+              <a:bodyPr wrap="square" rtlCol="0">
+                <a:spAutoFit/>
+              </a:bodyPr>
+              <a:lstStyle/>
+              <a:p>
+                <a:r>
+                  <a:rPr lang="it-IT" sz="2400" dirty="0"/>
+                  <a:t>Policy </a:t>
+                </a:r>
+                <a:r>
+                  <a:rPr lang="it-IT" sz="2400" dirty="0" err="1"/>
+                  <a:t>followed</a:t>
+                </a:r>
+                <a:r>
+                  <a:rPr lang="it-IT" sz="2400" dirty="0"/>
+                  <a:t> --&gt; </a:t>
+                </a:r>
+                <a14:m>
+                  <m:oMath xmlns:m="http://schemas.openxmlformats.org/officeDocument/2006/math">
+                    <m:r>
+                      <m:rPr>
+                        <m:sty m:val="p"/>
+                      </m:rPr>
+                      <a:rPr lang="it-IT" sz="2400" b="0" i="1" smtClean="0">
+                        <a:latin typeface="Cambria Math" panose="02040503050406030204" pitchFamily="18" charset="0"/>
+                      </a:rPr>
+                      <m:t>ϵ</m:t>
+                    </m:r>
+                  </m:oMath>
+                </a14:m>
+                <a:r>
+                  <a:rPr lang="it-IT" sz="2400" b="0" dirty="0"/>
+                  <a:t> - </a:t>
+                </a:r>
+                <a:r>
+                  <a:rPr lang="it-IT" sz="2400" b="0" dirty="0" err="1"/>
+                  <a:t>greedy</a:t>
+                </a:r>
+                <a:endParaRPr lang="it-IT" sz="2400" b="0" dirty="0"/>
+              </a:p>
+            </p:txBody>
+          </p:sp>
+        </mc:Choice>
+        <mc:Fallback xmlns="">
+          <p:sp>
+            <p:nvSpPr>
+              <p:cNvPr id="45" name="CasellaDiTesto 44">
+                <a:extLst>
+                  <a:ext uri="{FF2B5EF4-FFF2-40B4-BE49-F238E27FC236}">
+                    <a16:creationId xmlns:a16="http://schemas.microsoft.com/office/drawing/2014/main" id="{E59DB4EB-88F0-4CA9-B327-046019AD4059}"/>
+                  </a:ext>
+                </a:extLst>
+              </p:cNvPr>
+              <p:cNvSpPr txBox="1">
+                <a:spLocks noRot="1" noChangeAspect="1" noMove="1" noResize="1" noEditPoints="1" noAdjustHandles="1" noChangeArrowheads="1" noChangeShapeType="1" noTextEdit="1"/>
+              </p:cNvSpPr>
+              <p:nvPr/>
+            </p:nvSpPr>
+            <p:spPr>
+              <a:xfrm>
+                <a:off x="5095300" y="871608"/>
+                <a:ext cx="4639543" cy="461665"/>
+              </a:xfrm>
+              <a:prstGeom prst="rect">
+                <a:avLst/>
+              </a:prstGeom>
+              <a:blipFill>
+                <a:blip r:embed="rId6"/>
+                <a:stretch>
+                  <a:fillRect l="-2102" t="-10526" b="-28947"/>
+                </a:stretch>
+              </a:blipFill>
+            </p:spPr>
+            <p:txBody>
+              <a:bodyPr/>
+              <a:lstStyle/>
+              <a:p>
+                <a:r>
+                  <a:rPr lang="it-IT">
+                    <a:noFill/>
+                  </a:rPr>
+                  <a:t> </a:t>
+                </a:r>
+              </a:p>
+            </p:txBody>
+          </p:sp>
+        </mc:Fallback>
+      </mc:AlternateContent>
+    </p:spTree>
+    <p:extLst>
+      <p:ext uri="{BB962C8B-B14F-4D97-AF65-F5344CB8AC3E}">
+        <p14:creationId xmlns:p14="http://schemas.microsoft.com/office/powerpoint/2010/main" val="625313795"/>
+      </p:ext>
+    </p:extLst>
+  </p:cSld>
+  <p:clrMapOvr>
+    <a:masterClrMapping/>
+  </p:clrMapOvr>
+</p:sld>
+</file>
+
+<file path=ppt/slides/slide17.xml><?xml version="1.0" encoding="utf-8"?>
+<p:sld xmlns:a="http://schemas.openxmlformats.org/drawingml/2006/main" xmlns:r="http://schemas.openxmlformats.org/officeDocument/2006/relationships" xmlns:p="http://schemas.openxmlformats.org/presentationml/2006/main">
+  <p:cSld>
+    <p:spTree>
+      <p:nvGrpSpPr>
+        <p:cNvPr id="1" name=""/>
+        <p:cNvGrpSpPr/>
+        <p:nvPr/>
+      </p:nvGrpSpPr>
+      <p:grpSpPr>
+        <a:xfrm>
+          <a:off x="0" y="0"/>
+          <a:ext cx="0" cy="0"/>
+          <a:chOff x="0" y="0"/>
+          <a:chExt cx="0" cy="0"/>
+        </a:xfrm>
+      </p:grpSpPr>
+      <p:sp>
+        <p:nvSpPr>
+          <p:cNvPr id="2" name="Titolo 1">
+            <a:extLst>
+              <a:ext uri="{FF2B5EF4-FFF2-40B4-BE49-F238E27FC236}">
+                <a16:creationId xmlns:a16="http://schemas.microsoft.com/office/drawing/2014/main" id="{A9ECF49E-4A32-43B4-8A56-EAC8CCE79F19}"/>
+              </a:ext>
+            </a:extLst>
+          </p:cNvPr>
+          <p:cNvSpPr>
+            <a:spLocks noGrp="1"/>
+          </p:cNvSpPr>
+          <p:nvPr>
+            <p:ph type="title"/>
+          </p:nvPr>
+        </p:nvSpPr>
+        <p:spPr/>
+        <p:txBody>
+          <a:bodyPr/>
+          <a:lstStyle/>
+          <a:p>
+            <a:r>
+              <a:rPr lang="it-IT" dirty="0" err="1"/>
+              <a:t>Experimental</a:t>
+            </a:r>
+            <a:r>
+              <a:rPr lang="it-IT" dirty="0"/>
+              <a:t> setup</a:t>
+            </a:r>
+          </a:p>
+        </p:txBody>
+      </p:sp>
+      <p:sp>
+        <p:nvSpPr>
+          <p:cNvPr id="3" name="Segnaposto contenuto 2">
+            <a:extLst>
+              <a:ext uri="{FF2B5EF4-FFF2-40B4-BE49-F238E27FC236}">
+                <a16:creationId xmlns:a16="http://schemas.microsoft.com/office/drawing/2014/main" id="{998517DF-D68A-4114-BBD7-B3A9F00609ED}"/>
+              </a:ext>
+            </a:extLst>
+          </p:cNvPr>
+          <p:cNvSpPr>
+            <a:spLocks noGrp="1"/>
+          </p:cNvSpPr>
+          <p:nvPr>
+            <p:ph idx="1"/>
+          </p:nvPr>
+        </p:nvSpPr>
+        <p:spPr/>
+        <p:txBody>
+          <a:bodyPr>
+            <a:normAutofit lnSpcReduction="10000"/>
+          </a:bodyPr>
+          <a:lstStyle/>
+          <a:p>
+            <a:r>
+              <a:rPr lang="it-IT" b="0" dirty="0" err="1"/>
+              <a:t>Initialize</a:t>
+            </a:r>
+            <a:r>
+              <a:rPr lang="it-IT" b="0" dirty="0"/>
+              <a:t> Q(</a:t>
+            </a:r>
+            <a:r>
+              <a:rPr lang="it-IT" b="0" dirty="0" err="1"/>
+              <a:t>s,a</a:t>
+            </a:r>
+            <a:r>
+              <a:rPr lang="it-IT" b="0" dirty="0"/>
+              <a:t>) with </a:t>
+            </a:r>
+            <a:r>
+              <a:rPr lang="it-IT" b="0" dirty="0" err="1"/>
+              <a:t>arbitrarily</a:t>
+            </a:r>
+            <a:r>
+              <a:rPr lang="it-IT" b="0" dirty="0"/>
+              <a:t> </a:t>
+            </a:r>
+            <a:r>
+              <a:rPr lang="it-IT" b="0" dirty="0" err="1"/>
+              <a:t>values</a:t>
+            </a:r>
+            <a:r>
+              <a:rPr lang="it-IT" b="0" dirty="0"/>
+              <a:t> (in </a:t>
+            </a:r>
+            <a:r>
+              <a:rPr lang="it-IT" b="0" dirty="0" err="1"/>
+              <a:t>our</a:t>
+            </a:r>
+            <a:r>
+              <a:rPr lang="it-IT" b="0" dirty="0"/>
+              <a:t> case 0), </a:t>
+            </a:r>
+            <a:r>
+              <a:rPr lang="it-IT" b="0" dirty="0" err="1"/>
+              <a:t>except</a:t>
+            </a:r>
+            <a:r>
+              <a:rPr lang="it-IT" b="0" dirty="0"/>
+              <a:t> for the terminal state </a:t>
+            </a:r>
+            <a:r>
+              <a:rPr lang="it-IT" b="0" dirty="0" err="1"/>
+              <a:t>that</a:t>
+            </a:r>
+            <a:r>
+              <a:rPr lang="it-IT" b="0" dirty="0"/>
+              <a:t> must be </a:t>
+            </a:r>
+            <a:r>
+              <a:rPr lang="it-IT" b="0" dirty="0" err="1"/>
+              <a:t>equals</a:t>
+            </a:r>
+            <a:r>
+              <a:rPr lang="it-IT" b="0" dirty="0"/>
+              <a:t> to 0</a:t>
+            </a:r>
+          </a:p>
+          <a:p>
+            <a:pPr marL="0" indent="0">
+              <a:buNone/>
+            </a:pPr>
+            <a:r>
+              <a:rPr lang="it-IT" b="0" dirty="0"/>
+              <a:t>	</a:t>
+            </a:r>
+          </a:p>
+          <a:p>
+            <a:pPr marL="0" indent="0">
+              <a:buNone/>
+            </a:pPr>
+            <a:endParaRPr lang="it-IT" dirty="0"/>
+          </a:p>
+          <a:p>
+            <a:pPr marL="0" indent="0">
+              <a:buNone/>
+            </a:pPr>
+            <a:endParaRPr lang="it-IT" dirty="0"/>
+          </a:p>
+          <a:p>
+            <a:pPr marL="0" indent="0">
+              <a:buNone/>
+            </a:pPr>
+            <a:endParaRPr lang="it-IT" dirty="0"/>
+          </a:p>
+          <a:p>
+            <a:pPr marL="0" indent="0">
+              <a:buNone/>
+            </a:pPr>
+            <a:endParaRPr lang="it-IT" dirty="0"/>
+          </a:p>
+          <a:p>
+            <a:r>
+              <a:rPr lang="it-IT" dirty="0" err="1"/>
+              <a:t>Algorithm</a:t>
+            </a:r>
+            <a:r>
+              <a:rPr lang="it-IT" dirty="0"/>
+              <a:t> </a:t>
+            </a:r>
+            <a:r>
+              <a:rPr lang="it-IT" dirty="0" err="1"/>
+              <a:t>parameters</a:t>
+            </a:r>
+            <a:r>
+              <a:rPr lang="it-IT" dirty="0"/>
+              <a:t> (</a:t>
+            </a:r>
+            <a:r>
+              <a:rPr lang="it-IT" dirty="0" err="1"/>
+              <a:t>not</a:t>
+            </a:r>
+            <a:r>
+              <a:rPr lang="it-IT" dirty="0"/>
+              <a:t> the </a:t>
+            </a:r>
+            <a:r>
+              <a:rPr lang="it-IT" dirty="0" err="1"/>
+              <a:t>same</a:t>
+            </a:r>
+            <a:r>
+              <a:rPr lang="it-IT" dirty="0"/>
+              <a:t> </a:t>
+            </a:r>
+            <a:r>
+              <a:rPr lang="it-IT" dirty="0" err="1"/>
+              <a:t>every</a:t>
+            </a:r>
+            <a:r>
+              <a:rPr lang="it-IT" dirty="0"/>
+              <a:t> </a:t>
+            </a:r>
+          </a:p>
+          <a:p>
+            <a:pPr marL="0" indent="0">
+              <a:buNone/>
+            </a:pPr>
+            <a:r>
+              <a:rPr lang="it-IT" dirty="0"/>
+              <a:t>   time, </a:t>
+            </a:r>
+            <a:r>
+              <a:rPr lang="it-IT" dirty="0" err="1"/>
+              <a:t>they</a:t>
+            </a:r>
+            <a:r>
+              <a:rPr lang="it-IT" dirty="0"/>
+              <a:t> must be </a:t>
+            </a:r>
+            <a:r>
+              <a:rPr lang="it-IT" dirty="0" err="1"/>
+              <a:t>tuned</a:t>
+            </a:r>
+            <a:r>
+              <a:rPr lang="it-IT" dirty="0"/>
+              <a:t>)</a:t>
+            </a:r>
+          </a:p>
+          <a:p>
+            <a:endParaRPr lang="it-IT" dirty="0"/>
+          </a:p>
+        </p:txBody>
+      </p:sp>
+      <p:pic>
+        <p:nvPicPr>
+          <p:cNvPr id="5" name="Immagine 4">
+            <a:extLst>
+              <a:ext uri="{FF2B5EF4-FFF2-40B4-BE49-F238E27FC236}">
+                <a16:creationId xmlns:a16="http://schemas.microsoft.com/office/drawing/2014/main" id="{77CD9F90-81B6-43C1-870E-AAF82EFC9830}"/>
+              </a:ext>
+            </a:extLst>
+          </p:cNvPr>
+          <p:cNvPicPr>
+            <a:picLocks noChangeAspect="1"/>
+          </p:cNvPicPr>
+          <p:nvPr/>
+        </p:nvPicPr>
+        <p:blipFill>
+          <a:blip r:embed="rId2"/>
+          <a:stretch>
+            <a:fillRect/>
+          </a:stretch>
+        </p:blipFill>
+        <p:spPr>
+          <a:xfrm>
+            <a:off x="1143000" y="2658061"/>
+            <a:ext cx="9843868" cy="493102"/>
+          </a:xfrm>
+          <a:prstGeom prst="rect">
+            <a:avLst/>
+          </a:prstGeom>
+        </p:spPr>
+      </p:pic>
+      <p:pic>
+        <p:nvPicPr>
+          <p:cNvPr id="6" name="Immagine 5">
+            <a:extLst>
+              <a:ext uri="{FF2B5EF4-FFF2-40B4-BE49-F238E27FC236}">
+                <a16:creationId xmlns:a16="http://schemas.microsoft.com/office/drawing/2014/main" id="{9436E79E-A103-4988-B7A7-E39F91EA9C34}"/>
+              </a:ext>
+            </a:extLst>
+          </p:cNvPr>
+          <p:cNvPicPr>
+            <a:picLocks noChangeAspect="1"/>
+          </p:cNvPicPr>
+          <p:nvPr/>
+        </p:nvPicPr>
+        <p:blipFill>
+          <a:blip r:embed="rId3"/>
+          <a:stretch>
+            <a:fillRect/>
+          </a:stretch>
+        </p:blipFill>
+        <p:spPr>
+          <a:xfrm>
+            <a:off x="1143000" y="3282582"/>
+            <a:ext cx="9843868" cy="1781787"/>
+          </a:xfrm>
+          <a:prstGeom prst="rect">
+            <a:avLst/>
+          </a:prstGeom>
+        </p:spPr>
+      </p:pic>
+      <p:pic>
+        <p:nvPicPr>
+          <p:cNvPr id="9" name="Immagine 8">
+            <a:extLst>
+              <a:ext uri="{FF2B5EF4-FFF2-40B4-BE49-F238E27FC236}">
+                <a16:creationId xmlns:a16="http://schemas.microsoft.com/office/drawing/2014/main" id="{35D09926-4167-4EE5-ACEE-E9787D86A4F0}"/>
+              </a:ext>
+            </a:extLst>
+          </p:cNvPr>
+          <p:cNvPicPr>
+            <a:picLocks noChangeAspect="1"/>
+          </p:cNvPicPr>
+          <p:nvPr/>
+        </p:nvPicPr>
+        <p:blipFill>
+          <a:blip r:embed="rId4"/>
+          <a:stretch>
+            <a:fillRect/>
+          </a:stretch>
+        </p:blipFill>
+        <p:spPr>
+          <a:xfrm>
+            <a:off x="8598143" y="5162506"/>
+            <a:ext cx="3232785" cy="1102124"/>
+          </a:xfrm>
+          <a:prstGeom prst="rect">
+            <a:avLst/>
+          </a:prstGeom>
+        </p:spPr>
+      </p:pic>
+    </p:spTree>
+    <p:extLst>
+      <p:ext uri="{BB962C8B-B14F-4D97-AF65-F5344CB8AC3E}">
+        <p14:creationId xmlns:p14="http://schemas.microsoft.com/office/powerpoint/2010/main" val="2730794319"/>
+      </p:ext>
+    </p:extLst>
+  </p:cSld>
+  <p:clrMapOvr>
+    <a:masterClrMapping/>
+  </p:clrMapOvr>
+</p:sld>
+</file>
+
+<file path=ppt/slides/slide18.xml><?xml version="1.0" encoding="utf-8"?>
+<p:sld xmlns:a="http://schemas.openxmlformats.org/drawingml/2006/main" xmlns:r="http://schemas.openxmlformats.org/officeDocument/2006/relationships" xmlns:p="http://schemas.openxmlformats.org/presentationml/2006/main">
+  <p:cSld>
+    <p:spTree>
+      <p:nvGrpSpPr>
+        <p:cNvPr id="1" name=""/>
+        <p:cNvGrpSpPr/>
+        <p:nvPr/>
+      </p:nvGrpSpPr>
+      <p:grpSpPr>
+        <a:xfrm>
+          <a:off x="0" y="0"/>
+          <a:ext cx="0" cy="0"/>
+          <a:chOff x="0" y="0"/>
+          <a:chExt cx="0" cy="0"/>
+        </a:xfrm>
+      </p:grpSpPr>
+      <p:sp>
+        <p:nvSpPr>
+          <p:cNvPr id="2" name="Titolo 1">
+            <a:extLst>
+              <a:ext uri="{FF2B5EF4-FFF2-40B4-BE49-F238E27FC236}">
+                <a16:creationId xmlns:a16="http://schemas.microsoft.com/office/drawing/2014/main" id="{459CBBD7-ADA0-4CC7-8293-3659BA60F8E2}"/>
+              </a:ext>
+            </a:extLst>
+          </p:cNvPr>
+          <p:cNvSpPr>
+            <a:spLocks noGrp="1"/>
+          </p:cNvSpPr>
+          <p:nvPr>
+            <p:ph type="title"/>
+          </p:nvPr>
+        </p:nvSpPr>
+        <p:spPr/>
+        <p:txBody>
+          <a:bodyPr/>
+          <a:lstStyle/>
+          <a:p>
+            <a:r>
+              <a:rPr lang="it-IT" dirty="0" err="1"/>
+              <a:t>Result</a:t>
+            </a:r>
+            <a:endParaRPr lang="it-IT" dirty="0"/>
+          </a:p>
+        </p:txBody>
+      </p:sp>
+      <p:sp>
+        <p:nvSpPr>
+          <p:cNvPr id="3" name="Segnaposto contenuto 2">
+            <a:extLst>
+              <a:ext uri="{FF2B5EF4-FFF2-40B4-BE49-F238E27FC236}">
+                <a16:creationId xmlns:a16="http://schemas.microsoft.com/office/drawing/2014/main" id="{4851B431-0F70-4FCD-85B6-8FEF23352867}"/>
+              </a:ext>
+            </a:extLst>
+          </p:cNvPr>
+          <p:cNvSpPr>
+            <a:spLocks noGrp="1"/>
+          </p:cNvSpPr>
+          <p:nvPr>
+            <p:ph idx="1"/>
+          </p:nvPr>
+        </p:nvSpPr>
+        <p:spPr/>
+        <p:txBody>
+          <a:bodyPr/>
+          <a:lstStyle/>
+          <a:p>
+            <a:r>
+              <a:rPr lang="it-IT" dirty="0"/>
+              <a:t>Simple </a:t>
+            </a:r>
+            <a:r>
+              <a:rPr lang="it-IT" dirty="0" err="1"/>
+              <a:t>environment</a:t>
+            </a:r>
+            <a:endParaRPr lang="it-IT" dirty="0"/>
+          </a:p>
+          <a:p>
+            <a:pPr marL="0" indent="0">
+              <a:buNone/>
+            </a:pPr>
+            <a:r>
+              <a:rPr lang="it-IT" dirty="0"/>
+              <a:t>	One </a:t>
+            </a:r>
+            <a:r>
+              <a:rPr lang="it-IT" dirty="0" err="1"/>
+              <a:t>episode</a:t>
+            </a:r>
+            <a:r>
+              <a:rPr lang="it-IT" dirty="0"/>
+              <a:t> --&gt;</a:t>
+            </a:r>
+          </a:p>
+          <a:p>
+            <a:pPr marL="0" indent="0">
+              <a:buNone/>
+            </a:pPr>
+            <a:r>
+              <a:rPr lang="it-IT" dirty="0"/>
+              <a:t>			BUMPS </a:t>
+            </a:r>
+            <a:r>
+              <a:rPr lang="it-IT" dirty="0" err="1"/>
+              <a:t>many</a:t>
+            </a:r>
+            <a:r>
+              <a:rPr lang="it-IT" dirty="0"/>
+              <a:t> times!!!!</a:t>
+            </a:r>
+          </a:p>
+          <a:p>
+            <a:pPr marL="0" indent="0">
+              <a:buNone/>
+            </a:pPr>
+            <a:r>
+              <a:rPr lang="it-IT" dirty="0"/>
+              <a:t>			At the end the Q matrix </a:t>
+            </a:r>
+            <a:r>
+              <a:rPr lang="it-IT" dirty="0" err="1"/>
+              <a:t>obtained</a:t>
+            </a:r>
+            <a:r>
+              <a:rPr lang="it-IT" dirty="0"/>
+              <a:t> </a:t>
+            </a:r>
+            <a:r>
+              <a:rPr lang="it-IT" dirty="0" err="1"/>
+              <a:t>is</a:t>
+            </a:r>
+            <a:r>
+              <a:rPr lang="it-IT" dirty="0"/>
+              <a:t>:</a:t>
+            </a:r>
+          </a:p>
+          <a:p>
+            <a:pPr marL="0" indent="0">
+              <a:buNone/>
+            </a:pPr>
+            <a:r>
+              <a:rPr lang="it-IT" dirty="0"/>
+              <a:t>			 </a:t>
+            </a:r>
+          </a:p>
+          <a:p>
+            <a:pPr marL="0" indent="0">
+              <a:buNone/>
+            </a:pPr>
+            <a:endParaRPr lang="it-IT" dirty="0"/>
+          </a:p>
+        </p:txBody>
+      </p:sp>
+      <p:pic>
+        <p:nvPicPr>
+          <p:cNvPr id="4" name="Immagine 3">
+            <a:extLst>
+              <a:ext uri="{FF2B5EF4-FFF2-40B4-BE49-F238E27FC236}">
+                <a16:creationId xmlns:a16="http://schemas.microsoft.com/office/drawing/2014/main" id="{BAFD67B9-B818-44B7-8B3A-C360ED6046B2}"/>
+              </a:ext>
+            </a:extLst>
+          </p:cNvPr>
+          <p:cNvPicPr>
+            <a:picLocks noChangeAspect="1"/>
+          </p:cNvPicPr>
+          <p:nvPr/>
+        </p:nvPicPr>
+        <p:blipFill>
+          <a:blip r:embed="rId2"/>
+          <a:stretch>
+            <a:fillRect/>
+          </a:stretch>
+        </p:blipFill>
+        <p:spPr>
+          <a:xfrm>
+            <a:off x="1806820" y="4001293"/>
+            <a:ext cx="9509436" cy="1808663"/>
+          </a:xfrm>
+          <a:prstGeom prst="rect">
+            <a:avLst/>
+          </a:prstGeom>
+        </p:spPr>
+      </p:pic>
+      <p:sp>
+        <p:nvSpPr>
+          <p:cNvPr id="6" name="CasellaDiTesto 5">
+            <a:extLst>
+              <a:ext uri="{FF2B5EF4-FFF2-40B4-BE49-F238E27FC236}">
+                <a16:creationId xmlns:a16="http://schemas.microsoft.com/office/drawing/2014/main" id="{2BBE4D40-12BA-4FC3-A3A1-A4DAB3724DE3}"/>
+              </a:ext>
+            </a:extLst>
+          </p:cNvPr>
+          <p:cNvSpPr txBox="1"/>
+          <p:nvPr/>
+        </p:nvSpPr>
+        <p:spPr>
+          <a:xfrm>
+            <a:off x="8975187" y="3866356"/>
+            <a:ext cx="942536" cy="461665"/>
+          </a:xfrm>
+          <a:prstGeom prst="rect">
+            <a:avLst/>
+          </a:prstGeom>
+          <a:noFill/>
+        </p:spPr>
+        <p:txBody>
+          <a:bodyPr wrap="square" rtlCol="0">
+            <a:spAutoFit/>
+          </a:bodyPr>
+          <a:lstStyle/>
+          <a:p>
+            <a:r>
+              <a:rPr lang="it-IT" sz="2400" b="1" dirty="0">
+                <a:solidFill>
+                  <a:srgbClr val="FF0000"/>
+                </a:solidFill>
+              </a:rPr>
+              <a:t>CAKE</a:t>
+            </a:r>
+          </a:p>
+        </p:txBody>
+      </p:sp>
+      <p:sp>
+        <p:nvSpPr>
+          <p:cNvPr id="7" name="CasellaDiTesto 6">
+            <a:extLst>
+              <a:ext uri="{FF2B5EF4-FFF2-40B4-BE49-F238E27FC236}">
+                <a16:creationId xmlns:a16="http://schemas.microsoft.com/office/drawing/2014/main" id="{D52A4FFE-C63C-42F3-B2EF-BD578E08BAC1}"/>
+              </a:ext>
+            </a:extLst>
+          </p:cNvPr>
+          <p:cNvSpPr txBox="1"/>
+          <p:nvPr/>
+        </p:nvSpPr>
+        <p:spPr>
+          <a:xfrm>
+            <a:off x="10058400" y="4905624"/>
+            <a:ext cx="1903085" cy="461665"/>
+          </a:xfrm>
+          <a:prstGeom prst="rect">
+            <a:avLst/>
+          </a:prstGeom>
+          <a:noFill/>
+        </p:spPr>
+        <p:txBody>
+          <a:bodyPr wrap="none" rtlCol="0">
+            <a:spAutoFit/>
+          </a:bodyPr>
+          <a:lstStyle/>
+          <a:p>
+            <a:r>
+              <a:rPr lang="it-IT" sz="2400" b="1" dirty="0">
+                <a:solidFill>
+                  <a:srgbClr val="FF0000"/>
+                </a:solidFill>
+              </a:rPr>
+              <a:t>MOUSE TRAP</a:t>
+            </a:r>
+            <a:endParaRPr lang="it-IT" sz="2400" dirty="0"/>
+          </a:p>
+        </p:txBody>
+      </p:sp>
+      <p:sp>
+        <p:nvSpPr>
+          <p:cNvPr id="8" name="Ovale 7">
+            <a:extLst>
+              <a:ext uri="{FF2B5EF4-FFF2-40B4-BE49-F238E27FC236}">
+                <a16:creationId xmlns:a16="http://schemas.microsoft.com/office/drawing/2014/main" id="{A93D9F83-D78A-4396-A865-B404B02C08E0}"/>
+              </a:ext>
+            </a:extLst>
+          </p:cNvPr>
+          <p:cNvSpPr/>
+          <p:nvPr/>
+        </p:nvSpPr>
+        <p:spPr>
+          <a:xfrm>
+            <a:off x="8257735" y="4097188"/>
+            <a:ext cx="492370" cy="461665"/>
+          </a:xfrm>
+          <a:prstGeom prst="ellipse">
+            <a:avLst/>
+          </a:prstGeom>
+          <a:noFill/>
+          <a:ln w="57150">
+            <a:solidFill>
+              <a:srgbClr val="FFC000"/>
+            </a:solidFill>
+          </a:ln>
+        </p:spPr>
+        <p:style>
+          <a:lnRef idx="2">
+            <a:schemeClr val="accent1">
+              <a:shade val="50000"/>
+            </a:schemeClr>
+          </a:lnRef>
+          <a:fillRef idx="1">
+            <a:schemeClr val="accent1"/>
+          </a:fillRef>
+          <a:effectRef idx="0">
+            <a:schemeClr val="accent1"/>
+          </a:effectRef>
+          <a:fontRef idx="minor">
+            <a:schemeClr val="lt1"/>
+          </a:fontRef>
+        </p:style>
+        <p:txBody>
+          <a:bodyPr rtlCol="0" anchor="ctr"/>
+          <a:lstStyle/>
+          <a:p>
+            <a:pPr algn="ctr"/>
+            <a:endParaRPr lang="it-IT"/>
+          </a:p>
+        </p:txBody>
+      </p:sp>
+      <p:pic>
+        <p:nvPicPr>
+          <p:cNvPr id="9" name="Immagine 8">
+            <a:extLst>
+              <a:ext uri="{FF2B5EF4-FFF2-40B4-BE49-F238E27FC236}">
+                <a16:creationId xmlns:a16="http://schemas.microsoft.com/office/drawing/2014/main" id="{8AC4684A-4D9F-467A-BA7D-9F01323F75F7}"/>
+              </a:ext>
+            </a:extLst>
+          </p:cNvPr>
+          <p:cNvPicPr>
+            <a:picLocks noChangeAspect="1"/>
+          </p:cNvPicPr>
+          <p:nvPr/>
+        </p:nvPicPr>
+        <p:blipFill>
+          <a:blip r:embed="rId3"/>
+          <a:stretch>
+            <a:fillRect/>
+          </a:stretch>
+        </p:blipFill>
+        <p:spPr>
+          <a:xfrm>
+            <a:off x="6561538" y="681037"/>
+            <a:ext cx="1804548" cy="1912512"/>
+          </a:xfrm>
+          <a:prstGeom prst="rect">
+            <a:avLst/>
+          </a:prstGeom>
+        </p:spPr>
+      </p:pic>
+      <p:sp>
+        <p:nvSpPr>
+          <p:cNvPr id="10" name="Ovale 9">
+            <a:extLst>
+              <a:ext uri="{FF2B5EF4-FFF2-40B4-BE49-F238E27FC236}">
+                <a16:creationId xmlns:a16="http://schemas.microsoft.com/office/drawing/2014/main" id="{D7467641-ECF0-4D1D-911A-6CB89195E86C}"/>
+              </a:ext>
+            </a:extLst>
+          </p:cNvPr>
+          <p:cNvSpPr/>
+          <p:nvPr/>
+        </p:nvSpPr>
+        <p:spPr>
+          <a:xfrm>
+            <a:off x="6963509" y="2006600"/>
+            <a:ext cx="168812" cy="165564"/>
+          </a:xfrm>
+          <a:prstGeom prst="ellipse">
+            <a:avLst/>
+          </a:prstGeom>
+          <a:solidFill>
+            <a:srgbClr val="FFC000"/>
+          </a:solidFill>
+          <a:ln>
+            <a:solidFill>
+              <a:srgbClr val="FF0000"/>
+            </a:solidFill>
+          </a:ln>
+        </p:spPr>
+        <p:style>
+          <a:lnRef idx="2">
+            <a:schemeClr val="accent1">
+              <a:shade val="50000"/>
+            </a:schemeClr>
+          </a:lnRef>
+          <a:fillRef idx="1">
+            <a:schemeClr val="accent1"/>
+          </a:fillRef>
+          <a:effectRef idx="0">
+            <a:schemeClr val="accent1"/>
+          </a:effectRef>
+          <a:fontRef idx="minor">
+            <a:schemeClr val="lt1"/>
+          </a:fontRef>
+        </p:style>
+        <p:txBody>
+          <a:bodyPr rtlCol="0" anchor="ctr"/>
+          <a:lstStyle/>
+          <a:p>
+            <a:pPr algn="ctr"/>
+            <a:endParaRPr lang="it-IT"/>
+          </a:p>
+        </p:txBody>
+      </p:sp>
+      <p:cxnSp>
+        <p:nvCxnSpPr>
+          <p:cNvPr id="12" name="Connettore 2 11">
+            <a:extLst>
+              <a:ext uri="{FF2B5EF4-FFF2-40B4-BE49-F238E27FC236}">
+                <a16:creationId xmlns:a16="http://schemas.microsoft.com/office/drawing/2014/main" id="{8AC44EFD-83E7-4AE5-BF61-DD202DE651FA}"/>
+              </a:ext>
+            </a:extLst>
+          </p:cNvPr>
+          <p:cNvCxnSpPr>
+            <a:stCxn id="10" idx="7"/>
+          </p:cNvCxnSpPr>
+          <p:nvPr/>
+        </p:nvCxnSpPr>
+        <p:spPr>
+          <a:xfrm>
+            <a:off x="7107599" y="2030846"/>
+            <a:ext cx="2345890" cy="248120"/>
+          </a:xfrm>
+          <a:prstGeom prst="straightConnector1">
+            <a:avLst/>
+          </a:prstGeom>
+          <a:ln w="57150">
+            <a:solidFill>
+              <a:srgbClr val="FF0000"/>
+            </a:solidFill>
+            <a:tailEnd type="triangle"/>
+          </a:ln>
+        </p:spPr>
+        <p:style>
+          <a:lnRef idx="1">
+            <a:schemeClr val="accent1"/>
+          </a:lnRef>
+          <a:fillRef idx="0">
+            <a:schemeClr val="accent1"/>
+          </a:fillRef>
+          <a:effectRef idx="0">
+            <a:schemeClr val="accent1"/>
+          </a:effectRef>
+          <a:fontRef idx="minor">
+            <a:schemeClr val="tx1"/>
+          </a:fontRef>
+        </p:style>
+      </p:cxnSp>
+      <p:sp>
+        <p:nvSpPr>
+          <p:cNvPr id="13" name="CasellaDiTesto 12">
+            <a:extLst>
+              <a:ext uri="{FF2B5EF4-FFF2-40B4-BE49-F238E27FC236}">
+                <a16:creationId xmlns:a16="http://schemas.microsoft.com/office/drawing/2014/main" id="{D968B288-D19F-4360-AE63-642B70521ACB}"/>
+              </a:ext>
+            </a:extLst>
+          </p:cNvPr>
+          <p:cNvSpPr txBox="1"/>
+          <p:nvPr/>
+        </p:nvSpPr>
+        <p:spPr>
+          <a:xfrm>
+            <a:off x="9453489" y="2044571"/>
+            <a:ext cx="1178400" cy="369332"/>
+          </a:xfrm>
+          <a:prstGeom prst="rect">
+            <a:avLst/>
+          </a:prstGeom>
+          <a:noFill/>
+        </p:spPr>
+        <p:txBody>
+          <a:bodyPr wrap="none" rtlCol="0">
+            <a:spAutoFit/>
+          </a:bodyPr>
+          <a:lstStyle/>
+          <a:p>
+            <a:r>
+              <a:rPr lang="it-IT" dirty="0"/>
+              <a:t>Start point</a:t>
+            </a:r>
+          </a:p>
+        </p:txBody>
+      </p:sp>
+    </p:spTree>
+    <p:extLst>
+      <p:ext uri="{BB962C8B-B14F-4D97-AF65-F5344CB8AC3E}">
+        <p14:creationId xmlns:p14="http://schemas.microsoft.com/office/powerpoint/2010/main" val="1639297688"/>
+      </p:ext>
+    </p:extLst>
+  </p:cSld>
+  <p:clrMapOvr>
+    <a:masterClrMapping/>
+  </p:clrMapOvr>
+</p:sld>
+</file>
+
+<file path=ppt/slides/slide19.xml><?xml version="1.0" encoding="utf-8"?>
+<p:sld xmlns:a="http://schemas.openxmlformats.org/drawingml/2006/main" xmlns:r="http://schemas.openxmlformats.org/officeDocument/2006/relationships" xmlns:p="http://schemas.openxmlformats.org/presentationml/2006/main">
+  <p:cSld>
+    <p:spTree>
+      <p:nvGrpSpPr>
+        <p:cNvPr id="1" name=""/>
+        <p:cNvGrpSpPr/>
+        <p:nvPr/>
+      </p:nvGrpSpPr>
+      <p:grpSpPr>
+        <a:xfrm>
+          <a:off x="0" y="0"/>
+          <a:ext cx="0" cy="0"/>
+          <a:chOff x="0" y="0"/>
+          <a:chExt cx="0" cy="0"/>
+        </a:xfrm>
+      </p:grpSpPr>
       <p:sp>
         <p:nvSpPr>
           <p:cNvPr id="3" name="Segnaposto contenuto 2">
@@ -3658,7 +6850,501 @@
 </p:sld>
 </file>
 
-<file path=ppt/slides/slide11.xml><?xml version="1.0" encoding="utf-8"?>
+<file path=ppt/slides/slide2.xml><?xml version="1.0" encoding="utf-8"?>
+<p:sld xmlns:a="http://schemas.openxmlformats.org/drawingml/2006/main" xmlns:r="http://schemas.openxmlformats.org/officeDocument/2006/relationships" xmlns:p="http://schemas.openxmlformats.org/presentationml/2006/main">
+  <p:cSld>
+    <p:bg>
+      <p:bgPr>
+        <a:solidFill>
+          <a:schemeClr val="bg1"/>
+        </a:solidFill>
+        <a:effectLst/>
+      </p:bgPr>
+    </p:bg>
+    <p:spTree>
+      <p:nvGrpSpPr>
+        <p:cNvPr id="1" name=""/>
+        <p:cNvGrpSpPr/>
+        <p:nvPr/>
+      </p:nvGrpSpPr>
+      <p:grpSpPr>
+        <a:xfrm>
+          <a:off x="0" y="0"/>
+          <a:ext cx="0" cy="0"/>
+          <a:chOff x="0" y="0"/>
+          <a:chExt cx="0" cy="0"/>
+        </a:xfrm>
+      </p:grpSpPr>
+      <p:sp>
+        <p:nvSpPr>
+          <p:cNvPr id="1028" name="Rectangle 70">
+            <a:extLst>
+              <a:ext uri="{FF2B5EF4-FFF2-40B4-BE49-F238E27FC236}">
+                <a16:creationId xmlns:a16="http://schemas.microsoft.com/office/drawing/2014/main" id="{867D4867-5BA7-4462-B2F6-A23F4A622AA7}"/>
+              </a:ext>
+              <a:ext uri="{C183D7F6-B498-43B3-948B-1728B52AA6E4}">
+                <adec:decorative xmlns:adec="http://schemas.microsoft.com/office/drawing/2017/decorative" val="1"/>
+              </a:ext>
+            </a:extLst>
+          </p:cNvPr>
+          <p:cNvSpPr>
+            <a:spLocks noGrp="1" noRot="1" noChangeAspect="1" noMove="1" noResize="1" noEditPoints="1" noAdjustHandles="1" noChangeArrowheads="1" noChangeShapeType="1" noTextEdit="1"/>
+          </p:cNvSpPr>
+          <p:nvPr>
+            <p:extLst>
+              <p:ext uri="{386F3935-93C4-4BCD-93E2-E3B085C9AB24}">
+                <p16:designElem xmlns:p16="http://schemas.microsoft.com/office/powerpoint/2015/main" val="1"/>
+              </p:ext>
+            </p:extLst>
+          </p:nvPr>
+        </p:nvSpPr>
+        <p:spPr>
+          <a:xfrm>
+            <a:off x="0" y="0"/>
+            <a:ext cx="4654296" cy="6858000"/>
+          </a:xfrm>
+          <a:prstGeom prst="rect">
+            <a:avLst/>
+          </a:prstGeom>
+          <a:solidFill>
+            <a:schemeClr val="tx1">
+              <a:lumMod val="75000"/>
+              <a:lumOff val="25000"/>
+            </a:schemeClr>
+          </a:solidFill>
+          <a:ln>
+            <a:noFill/>
+          </a:ln>
+        </p:spPr>
+        <p:style>
+          <a:lnRef idx="0">
+            <a:scrgbClr r="0" g="0" b="0"/>
+          </a:lnRef>
+          <a:fillRef idx="0">
+            <a:scrgbClr r="0" g="0" b="0"/>
+          </a:fillRef>
+          <a:effectRef idx="0">
+            <a:scrgbClr r="0" g="0" b="0"/>
+          </a:effectRef>
+          <a:fontRef idx="minor">
+            <a:schemeClr val="lt1"/>
+          </a:fontRef>
+        </p:style>
+        <p:txBody>
+          <a:bodyPr rtlCol="0" anchor="ctr"/>
+          <a:lstStyle/>
+          <a:p>
+            <a:pPr algn="ctr"/>
+            <a:endParaRPr lang="en-US"/>
+          </a:p>
+        </p:txBody>
+      </p:sp>
+      <p:sp>
+        <p:nvSpPr>
+          <p:cNvPr id="2" name="Titolo 1">
+            <a:extLst>
+              <a:ext uri="{FF2B5EF4-FFF2-40B4-BE49-F238E27FC236}">
+                <a16:creationId xmlns:a16="http://schemas.microsoft.com/office/drawing/2014/main" id="{1149EC29-349C-4442-9C49-A4F0B810A158}"/>
+              </a:ext>
+            </a:extLst>
+          </p:cNvPr>
+          <p:cNvSpPr>
+            <a:spLocks noGrp="1"/>
+          </p:cNvSpPr>
+          <p:nvPr>
+            <p:ph type="title"/>
+          </p:nvPr>
+        </p:nvSpPr>
+        <p:spPr>
+          <a:xfrm>
+            <a:off x="643467" y="643467"/>
+            <a:ext cx="3363974" cy="1597315"/>
+          </a:xfrm>
+          <a:noFill/>
+          <a:ln w="19050">
+            <a:solidFill>
+              <a:schemeClr val="bg1"/>
+            </a:solidFill>
+          </a:ln>
+        </p:spPr>
+        <p:txBody>
+          <a:bodyPr wrap="square">
+            <a:normAutofit/>
+          </a:bodyPr>
+          <a:lstStyle/>
+          <a:p>
+            <a:pPr algn="ctr"/>
+            <a:r>
+              <a:rPr lang="it-IT" sz="2800">
+                <a:solidFill>
+                  <a:schemeClr val="bg1"/>
+                </a:solidFill>
+              </a:rPr>
+              <a:t>Exercise 1 – Bandit algorithms</a:t>
+            </a:r>
+          </a:p>
+        </p:txBody>
+      </p:sp>
+      <mc:AlternateContent xmlns:mc="http://schemas.openxmlformats.org/markup-compatibility/2006" xmlns:a14="http://schemas.microsoft.com/office/drawing/2010/main">
+        <mc:Choice Requires="a14">
+          <p:sp>
+            <p:nvSpPr>
+              <p:cNvPr id="3" name="Segnaposto contenuto 2">
+                <a:extLst>
+                  <a:ext uri="{FF2B5EF4-FFF2-40B4-BE49-F238E27FC236}">
+                    <a16:creationId xmlns:a16="http://schemas.microsoft.com/office/drawing/2014/main" id="{87749C20-3E74-425D-A4F4-173C6F20A4BC}"/>
+                  </a:ext>
+                </a:extLst>
+              </p:cNvPr>
+              <p:cNvSpPr>
+                <a:spLocks noGrp="1"/>
+              </p:cNvSpPr>
+              <p:nvPr>
+                <p:ph idx="1"/>
+              </p:nvPr>
+            </p:nvSpPr>
+            <p:spPr>
+              <a:xfrm>
+                <a:off x="643468" y="2638044"/>
+                <a:ext cx="3363974" cy="3415622"/>
+              </a:xfrm>
+            </p:spPr>
+            <p:txBody>
+              <a:bodyPr>
+                <a:normAutofit/>
+              </a:bodyPr>
+              <a:lstStyle/>
+              <a:p>
+                <a14:m>
+                  <m:oMath xmlns:m="http://schemas.openxmlformats.org/officeDocument/2006/math">
+                    <m:r>
+                      <a:rPr lang="it-IT" sz="2000" b="0" i="1">
+                        <a:solidFill>
+                          <a:schemeClr val="bg1"/>
+                        </a:solidFill>
+                        <a:latin typeface="Cambria Math" panose="02040503050406030204" pitchFamily="18" charset="0"/>
+                      </a:rPr>
+                      <m:t>𝜖</m:t>
+                    </m:r>
+                    <m:r>
+                      <a:rPr lang="it-IT" sz="2000" b="0" i="1">
+                        <a:solidFill>
+                          <a:schemeClr val="bg1"/>
+                        </a:solidFill>
+                        <a:latin typeface="Cambria Math" panose="02040503050406030204" pitchFamily="18" charset="0"/>
+                      </a:rPr>
+                      <m:t>−</m:t>
+                    </m:r>
+                    <m:r>
+                      <a:rPr lang="it-IT" sz="2000" b="0" i="1">
+                        <a:solidFill>
+                          <a:schemeClr val="bg1"/>
+                        </a:solidFill>
+                        <a:latin typeface="Cambria Math" panose="02040503050406030204" pitchFamily="18" charset="0"/>
+                      </a:rPr>
+                      <m:t>𝑔𝑟𝑒𝑒𝑑𝑦</m:t>
+                    </m:r>
+                    <m:r>
+                      <a:rPr lang="it-IT" sz="2000" b="0" i="1">
+                        <a:solidFill>
+                          <a:schemeClr val="bg1"/>
+                        </a:solidFill>
+                        <a:latin typeface="Cambria Math" panose="02040503050406030204" pitchFamily="18" charset="0"/>
+                      </a:rPr>
+                      <m:t> </m:t>
+                    </m:r>
+                    <m:r>
+                      <a:rPr lang="it-IT" sz="2000" b="0" i="1">
+                        <a:solidFill>
+                          <a:schemeClr val="bg1"/>
+                        </a:solidFill>
+                        <a:latin typeface="Cambria Math" panose="02040503050406030204" pitchFamily="18" charset="0"/>
+                      </a:rPr>
+                      <m:t>𝑎𝑙𝑔𝑜𝑟𝑖𝑡h𝑚𝑠</m:t>
+                    </m:r>
+                  </m:oMath>
+                </a14:m>
+                <a:endParaRPr lang="it-IT" sz="2000" b="0" dirty="0">
+                  <a:solidFill>
+                    <a:schemeClr val="bg1"/>
+                  </a:solidFill>
+                </a:endParaRPr>
+              </a:p>
+              <a:p>
+                <a14:m>
+                  <m:oMath xmlns:m="http://schemas.openxmlformats.org/officeDocument/2006/math">
+                    <m:r>
+                      <a:rPr lang="it-IT" sz="2000" b="0" i="1">
+                        <a:solidFill>
+                          <a:schemeClr val="bg1"/>
+                        </a:solidFill>
+                        <a:latin typeface="Cambria Math" panose="02040503050406030204" pitchFamily="18" charset="0"/>
+                      </a:rPr>
+                      <m:t>𝑈𝐶𝐵</m:t>
+                    </m:r>
+                  </m:oMath>
+                </a14:m>
+                <a:endParaRPr lang="it-IT" sz="2000" b="0" dirty="0">
+                  <a:solidFill>
+                    <a:schemeClr val="bg1"/>
+                  </a:solidFill>
+                </a:endParaRPr>
+              </a:p>
+              <a:p>
+                <a14:m>
+                  <m:oMath xmlns:m="http://schemas.openxmlformats.org/officeDocument/2006/math">
+                    <m:r>
+                      <a:rPr lang="it-IT" sz="2000" b="0" i="1">
+                        <a:solidFill>
+                          <a:schemeClr val="bg1"/>
+                        </a:solidFill>
+                        <a:latin typeface="Cambria Math" panose="02040503050406030204" pitchFamily="18" charset="0"/>
+                      </a:rPr>
+                      <m:t>𝑂𝑝𝑡𝑖𝑚𝑖𝑠𝑡𝑖𝑐</m:t>
+                    </m:r>
+                    <m:r>
+                      <a:rPr lang="it-IT" sz="2000" b="0" i="1">
+                        <a:solidFill>
+                          <a:schemeClr val="bg1"/>
+                        </a:solidFill>
+                        <a:latin typeface="Cambria Math" panose="02040503050406030204" pitchFamily="18" charset="0"/>
+                      </a:rPr>
+                      <m:t> </m:t>
+                    </m:r>
+                    <m:r>
+                      <a:rPr lang="it-IT" sz="2000" b="0" i="1">
+                        <a:solidFill>
+                          <a:schemeClr val="bg1"/>
+                        </a:solidFill>
+                        <a:latin typeface="Cambria Math" panose="02040503050406030204" pitchFamily="18" charset="0"/>
+                      </a:rPr>
+                      <m:t>𝐼𝑛𝑖𝑡𝑖𝑎𝑙</m:t>
+                    </m:r>
+                    <m:r>
+                      <a:rPr lang="it-IT" sz="2000" b="0" i="1">
+                        <a:solidFill>
+                          <a:schemeClr val="bg1"/>
+                        </a:solidFill>
+                        <a:latin typeface="Cambria Math" panose="02040503050406030204" pitchFamily="18" charset="0"/>
+                      </a:rPr>
+                      <m:t> </m:t>
+                    </m:r>
+                    <m:r>
+                      <a:rPr lang="it-IT" sz="2000" b="0" i="1">
+                        <a:solidFill>
+                          <a:schemeClr val="bg1"/>
+                        </a:solidFill>
+                        <a:latin typeface="Cambria Math" panose="02040503050406030204" pitchFamily="18" charset="0"/>
+                      </a:rPr>
+                      <m:t>𝑣𝑎𝑙𝑢𝑒</m:t>
+                    </m:r>
+                  </m:oMath>
+                </a14:m>
+                <a:endParaRPr lang="it-IT" sz="2000" b="0" dirty="0">
+                  <a:solidFill>
+                    <a:schemeClr val="bg1"/>
+                  </a:solidFill>
+                </a:endParaRPr>
+              </a:p>
+              <a:p>
+                <a:pPr marL="0" indent="0">
+                  <a:buNone/>
+                </a:pPr>
+                <a:endParaRPr lang="it-IT" sz="2000" dirty="0">
+                  <a:solidFill>
+                    <a:schemeClr val="bg1"/>
+                  </a:solidFill>
+                </a:endParaRPr>
+              </a:p>
+              <a:p>
+                <a:pPr marL="0" indent="0">
+                  <a:buNone/>
+                </a:pPr>
+                <a:endParaRPr lang="it-IT" sz="2000" dirty="0">
+                  <a:solidFill>
+                    <a:schemeClr val="bg1"/>
+                  </a:solidFill>
+                </a:endParaRPr>
+              </a:p>
+              <a:p>
+                <a:pPr marL="0" indent="0">
+                  <a:buNone/>
+                </a:pPr>
+                <a:endParaRPr lang="it-IT" sz="2000" dirty="0">
+                  <a:solidFill>
+                    <a:schemeClr val="bg1"/>
+                  </a:solidFill>
+                </a:endParaRPr>
+              </a:p>
+            </p:txBody>
+          </p:sp>
+        </mc:Choice>
+        <mc:Fallback xmlns="">
+          <p:sp>
+            <p:nvSpPr>
+              <p:cNvPr id="3" name="Segnaposto contenuto 2">
+                <a:extLst>
+                  <a:ext uri="{FF2B5EF4-FFF2-40B4-BE49-F238E27FC236}">
+                    <a16:creationId xmlns:a16="http://schemas.microsoft.com/office/drawing/2014/main" id="{87749C20-3E74-425D-A4F4-173C6F20A4BC}"/>
+                  </a:ext>
+                </a:extLst>
+              </p:cNvPr>
+              <p:cNvSpPr>
+                <a:spLocks noGrp="1" noRot="1" noChangeAspect="1" noMove="1" noResize="1" noEditPoints="1" noAdjustHandles="1" noChangeArrowheads="1" noChangeShapeType="1" noTextEdit="1"/>
+              </p:cNvSpPr>
+              <p:nvPr>
+                <p:ph idx="1"/>
+              </p:nvPr>
+            </p:nvSpPr>
+            <p:spPr>
+              <a:xfrm>
+                <a:off x="643468" y="2638044"/>
+                <a:ext cx="3363974" cy="3415622"/>
+              </a:xfrm>
+              <a:blipFill>
+                <a:blip r:embed="rId2"/>
+                <a:stretch>
+                  <a:fillRect l="-1633" t="-1607"/>
+                </a:stretch>
+              </a:blipFill>
+            </p:spPr>
+            <p:txBody>
+              <a:bodyPr/>
+              <a:lstStyle/>
+              <a:p>
+                <a:r>
+                  <a:rPr lang="it-IT">
+                    <a:noFill/>
+                  </a:rPr>
+                  <a:t> </a:t>
+                </a:r>
+              </a:p>
+            </p:txBody>
+          </p:sp>
+        </mc:Fallback>
+      </mc:AlternateContent>
+      <p:pic>
+        <p:nvPicPr>
+          <p:cNvPr id="5" name="Picture 4">
+            <a:extLst>
+              <a:ext uri="{FF2B5EF4-FFF2-40B4-BE49-F238E27FC236}">
+                <a16:creationId xmlns:a16="http://schemas.microsoft.com/office/drawing/2014/main" id="{60C8619D-7C42-A045-8833-D2B708E064F1}"/>
+              </a:ext>
+            </a:extLst>
+          </p:cNvPr>
+          <p:cNvPicPr>
+            <a:picLocks noChangeAspect="1"/>
+          </p:cNvPicPr>
+          <p:nvPr/>
+        </p:nvPicPr>
+        <p:blipFill>
+          <a:blip r:embed="rId3">
+            <a:extLst>
+              <a:ext uri="{28A0092B-C50C-407E-A947-70E740481C1C}">
+                <a14:useLocalDpi xmlns:a14="http://schemas.microsoft.com/office/drawing/2010/main" val="0"/>
+              </a:ext>
+            </a:extLst>
+          </a:blip>
+          <a:stretch>
+            <a:fillRect/>
+          </a:stretch>
+        </p:blipFill>
+        <p:spPr>
+          <a:xfrm>
+            <a:off x="6266509" y="1038146"/>
+            <a:ext cx="4313276" cy="3946798"/>
+          </a:xfrm>
+          <a:prstGeom prst="rect">
+            <a:avLst/>
+          </a:prstGeom>
+        </p:spPr>
+      </p:pic>
+      <p:sp>
+        <p:nvSpPr>
+          <p:cNvPr id="6" name="TextBox 5">
+            <a:extLst>
+              <a:ext uri="{FF2B5EF4-FFF2-40B4-BE49-F238E27FC236}">
+                <a16:creationId xmlns:a16="http://schemas.microsoft.com/office/drawing/2014/main" id="{D0934FC5-D524-5A4F-94C7-C0C617554812}"/>
+              </a:ext>
+            </a:extLst>
+          </p:cNvPr>
+          <p:cNvSpPr txBox="1"/>
+          <p:nvPr/>
+        </p:nvSpPr>
+        <p:spPr>
+          <a:xfrm>
+            <a:off x="7158038" y="5343525"/>
+            <a:ext cx="184731" cy="369332"/>
+          </a:xfrm>
+          <a:prstGeom prst="rect">
+            <a:avLst/>
+          </a:prstGeom>
+          <a:noFill/>
+        </p:spPr>
+        <p:txBody>
+          <a:bodyPr wrap="none" rtlCol="0">
+            <a:spAutoFit/>
+          </a:bodyPr>
+          <a:lstStyle/>
+          <a:p>
+            <a:endParaRPr lang="de-DE" dirty="0"/>
+          </a:p>
+        </p:txBody>
+      </p:sp>
+      <p:sp>
+        <p:nvSpPr>
+          <p:cNvPr id="8" name="Rectangle 7">
+            <a:extLst>
+              <a:ext uri="{FF2B5EF4-FFF2-40B4-BE49-F238E27FC236}">
+                <a16:creationId xmlns:a16="http://schemas.microsoft.com/office/drawing/2014/main" id="{0FA8F40B-5FF0-3A4B-A5F1-7A6A4F2B140F}"/>
+              </a:ext>
+            </a:extLst>
+          </p:cNvPr>
+          <p:cNvSpPr/>
+          <p:nvPr/>
+        </p:nvSpPr>
+        <p:spPr>
+          <a:xfrm>
+            <a:off x="7393001" y="4835693"/>
+            <a:ext cx="2453510" cy="1015663"/>
+          </a:xfrm>
+          <a:prstGeom prst="rect">
+            <a:avLst/>
+          </a:prstGeom>
+        </p:spPr>
+        <p:txBody>
+          <a:bodyPr wrap="square">
+            <a:spAutoFit/>
+          </a:bodyPr>
+          <a:lstStyle/>
+          <a:p>
+            <a:r>
+              <a:rPr lang="de-DE" sz="6000" dirty="0">
+                <a:latin typeface="Nashville" pitchFamily="2" charset="0"/>
+                <a:cs typeface="Blackadder ITC" panose="020F0502020204030204" pitchFamily="34" charset="0"/>
+              </a:rPr>
+              <a:t>Bandit</a:t>
+            </a:r>
+            <a:endParaRPr lang="de-DE" sz="6000" dirty="0">
+              <a:latin typeface="Nashville" pitchFamily="2" charset="0"/>
+            </a:endParaRPr>
+          </a:p>
+        </p:txBody>
+      </p:sp>
+    </p:spTree>
+    <p:extLst>
+      <p:ext uri="{BB962C8B-B14F-4D97-AF65-F5344CB8AC3E}">
+        <p14:creationId xmlns:p14="http://schemas.microsoft.com/office/powerpoint/2010/main" val="814273571"/>
+      </p:ext>
+    </p:extLst>
+  </p:cSld>
+  <p:clrMapOvr>
+    <a:masterClrMapping/>
+  </p:clrMapOvr>
+</p:sld>
+</file>
+
+<file path=ppt/slides/slide20.xml><?xml version="1.0" encoding="utf-8"?>
 <p:sld xmlns:a="http://schemas.openxmlformats.org/drawingml/2006/main" xmlns:r="http://schemas.openxmlformats.org/officeDocument/2006/relationships" xmlns:p="http://schemas.openxmlformats.org/presentationml/2006/main">
   <p:cSld>
     <p:spTree>
@@ -3931,7 +7617,7 @@
 </p:sld>
 </file>
 
-<file path=ppt/slides/slide12.xml><?xml version="1.0" encoding="utf-8"?>
+<file path=ppt/slides/slide21.xml><?xml version="1.0" encoding="utf-8"?>
 <p:sld xmlns:a="http://schemas.openxmlformats.org/drawingml/2006/main" xmlns:r="http://schemas.openxmlformats.org/officeDocument/2006/relationships" xmlns:p="http://schemas.openxmlformats.org/presentationml/2006/main">
   <p:cSld>
     <p:spTree>
@@ -4083,7 +7769,7 @@
 </p:sld>
 </file>
 
-<file path=ppt/slides/slide13.xml><?xml version="1.0" encoding="utf-8"?>
+<file path=ppt/slides/slide22.xml><?xml version="1.0" encoding="utf-8"?>
 <p:sld xmlns:a="http://schemas.openxmlformats.org/drawingml/2006/main" xmlns:r="http://schemas.openxmlformats.org/officeDocument/2006/relationships" xmlns:p="http://schemas.openxmlformats.org/presentationml/2006/main">
   <p:cSld>
     <p:spTree>
@@ -4645,7 +8331,7 @@
 </p:sld>
 </file>
 
-<file path=ppt/slides/slide14.xml><?xml version="1.0" encoding="utf-8"?>
+<file path=ppt/slides/slide23.xml><?xml version="1.0" encoding="utf-8"?>
 <p:sld xmlns:a="http://schemas.openxmlformats.org/drawingml/2006/main" xmlns:r="http://schemas.openxmlformats.org/officeDocument/2006/relationships" xmlns:p="http://schemas.openxmlformats.org/presentationml/2006/main">
   <p:cSld>
     <p:bg>
@@ -4988,7 +8674,7 @@
 </p:sld>
 </file>
 
-<file path=ppt/slides/slide15.xml><?xml version="1.0" encoding="utf-8"?>
+<file path=ppt/slides/slide24.xml><?xml version="1.0" encoding="utf-8"?>
 <p:sld xmlns:a="http://schemas.openxmlformats.org/drawingml/2006/main" xmlns:r="http://schemas.openxmlformats.org/officeDocument/2006/relationships" xmlns:p="http://schemas.openxmlformats.org/presentationml/2006/main">
   <p:cSld>
     <p:spTree>
@@ -5459,7 +9145,7 @@
 </p:sld>
 </file>
 
-<file path=ppt/slides/slide16.xml><?xml version="1.0" encoding="utf-8"?>
+<file path=ppt/slides/slide25.xml><?xml version="1.0" encoding="utf-8"?>
 <p:sld xmlns:a="http://schemas.openxmlformats.org/drawingml/2006/main" xmlns:r="http://schemas.openxmlformats.org/officeDocument/2006/relationships" xmlns:p="http://schemas.openxmlformats.org/presentationml/2006/main">
   <p:cSld>
     <p:bg>
@@ -5997,7 +9683,7 @@
 </p:sld>
 </file>
 
-<file path=ppt/slides/slide17.xml><?xml version="1.0" encoding="utf-8"?>
+<file path=ppt/slides/slide26.xml><?xml version="1.0" encoding="utf-8"?>
 <p:sld xmlns:a="http://schemas.openxmlformats.org/drawingml/2006/main" xmlns:r="http://schemas.openxmlformats.org/officeDocument/2006/relationships" xmlns:p="http://schemas.openxmlformats.org/presentationml/2006/main">
   <p:cSld>
     <p:spTree>
@@ -6085,7 +9771,7 @@
 </p:sld>
 </file>
 
-<file path=ppt/slides/slide18.xml><?xml version="1.0" encoding="utf-8"?>
+<file path=ppt/slides/slide27.xml><?xml version="1.0" encoding="utf-8"?>
 <p:sld xmlns:a="http://schemas.openxmlformats.org/drawingml/2006/main" xmlns:r="http://schemas.openxmlformats.org/officeDocument/2006/relationships" xmlns:p="http://schemas.openxmlformats.org/presentationml/2006/main">
   <p:cSld>
     <p:bg>
@@ -6337,500 +10023,6 @@
 </p:sld>
 </file>
 
-<file path=ppt/slides/slide2.xml><?xml version="1.0" encoding="utf-8"?>
-<p:sld xmlns:a="http://schemas.openxmlformats.org/drawingml/2006/main" xmlns:r="http://schemas.openxmlformats.org/officeDocument/2006/relationships" xmlns:p="http://schemas.openxmlformats.org/presentationml/2006/main">
-  <p:cSld>
-    <p:bg>
-      <p:bgPr>
-        <a:solidFill>
-          <a:schemeClr val="bg1"/>
-        </a:solidFill>
-        <a:effectLst/>
-      </p:bgPr>
-    </p:bg>
-    <p:spTree>
-      <p:nvGrpSpPr>
-        <p:cNvPr id="1" name=""/>
-        <p:cNvGrpSpPr/>
-        <p:nvPr/>
-      </p:nvGrpSpPr>
-      <p:grpSpPr>
-        <a:xfrm>
-          <a:off x="0" y="0"/>
-          <a:ext cx="0" cy="0"/>
-          <a:chOff x="0" y="0"/>
-          <a:chExt cx="0" cy="0"/>
-        </a:xfrm>
-      </p:grpSpPr>
-      <p:sp>
-        <p:nvSpPr>
-          <p:cNvPr id="1028" name="Rectangle 70">
-            <a:extLst>
-              <a:ext uri="{FF2B5EF4-FFF2-40B4-BE49-F238E27FC236}">
-                <a16:creationId xmlns:a16="http://schemas.microsoft.com/office/drawing/2014/main" id="{867D4867-5BA7-4462-B2F6-A23F4A622AA7}"/>
-              </a:ext>
-              <a:ext uri="{C183D7F6-B498-43B3-948B-1728B52AA6E4}">
-                <adec:decorative xmlns:adec="http://schemas.microsoft.com/office/drawing/2017/decorative" val="1"/>
-              </a:ext>
-            </a:extLst>
-          </p:cNvPr>
-          <p:cNvSpPr>
-            <a:spLocks noGrp="1" noRot="1" noChangeAspect="1" noMove="1" noResize="1" noEditPoints="1" noAdjustHandles="1" noChangeArrowheads="1" noChangeShapeType="1" noTextEdit="1"/>
-          </p:cNvSpPr>
-          <p:nvPr>
-            <p:extLst>
-              <p:ext uri="{386F3935-93C4-4BCD-93E2-E3B085C9AB24}">
-                <p16:designElem xmlns:p16="http://schemas.microsoft.com/office/powerpoint/2015/main" val="1"/>
-              </p:ext>
-            </p:extLst>
-          </p:nvPr>
-        </p:nvSpPr>
-        <p:spPr>
-          <a:xfrm>
-            <a:off x="0" y="0"/>
-            <a:ext cx="4654296" cy="6858000"/>
-          </a:xfrm>
-          <a:prstGeom prst="rect">
-            <a:avLst/>
-          </a:prstGeom>
-          <a:solidFill>
-            <a:schemeClr val="tx1">
-              <a:lumMod val="75000"/>
-              <a:lumOff val="25000"/>
-            </a:schemeClr>
-          </a:solidFill>
-          <a:ln>
-            <a:noFill/>
-          </a:ln>
-        </p:spPr>
-        <p:style>
-          <a:lnRef idx="0">
-            <a:scrgbClr r="0" g="0" b="0"/>
-          </a:lnRef>
-          <a:fillRef idx="0">
-            <a:scrgbClr r="0" g="0" b="0"/>
-          </a:fillRef>
-          <a:effectRef idx="0">
-            <a:scrgbClr r="0" g="0" b="0"/>
-          </a:effectRef>
-          <a:fontRef idx="minor">
-            <a:schemeClr val="lt1"/>
-          </a:fontRef>
-        </p:style>
-        <p:txBody>
-          <a:bodyPr rtlCol="0" anchor="ctr"/>
-          <a:lstStyle/>
-          <a:p>
-            <a:pPr algn="ctr"/>
-            <a:endParaRPr lang="en-US"/>
-          </a:p>
-        </p:txBody>
-      </p:sp>
-      <p:sp>
-        <p:nvSpPr>
-          <p:cNvPr id="2" name="Titolo 1">
-            <a:extLst>
-              <a:ext uri="{FF2B5EF4-FFF2-40B4-BE49-F238E27FC236}">
-                <a16:creationId xmlns:a16="http://schemas.microsoft.com/office/drawing/2014/main" id="{1149EC29-349C-4442-9C49-A4F0B810A158}"/>
-              </a:ext>
-            </a:extLst>
-          </p:cNvPr>
-          <p:cNvSpPr>
-            <a:spLocks noGrp="1"/>
-          </p:cNvSpPr>
-          <p:nvPr>
-            <p:ph type="title"/>
-          </p:nvPr>
-        </p:nvSpPr>
-        <p:spPr>
-          <a:xfrm>
-            <a:off x="643467" y="643467"/>
-            <a:ext cx="3363974" cy="1597315"/>
-          </a:xfrm>
-          <a:noFill/>
-          <a:ln w="19050">
-            <a:solidFill>
-              <a:schemeClr val="bg1"/>
-            </a:solidFill>
-          </a:ln>
-        </p:spPr>
-        <p:txBody>
-          <a:bodyPr wrap="square">
-            <a:normAutofit/>
-          </a:bodyPr>
-          <a:lstStyle/>
-          <a:p>
-            <a:pPr algn="ctr"/>
-            <a:r>
-              <a:rPr lang="it-IT" sz="2800">
-                <a:solidFill>
-                  <a:schemeClr val="bg1"/>
-                </a:solidFill>
-              </a:rPr>
-              <a:t>Exercise 1 – Bandit algorithms</a:t>
-            </a:r>
-          </a:p>
-        </p:txBody>
-      </p:sp>
-      <mc:AlternateContent xmlns:mc="http://schemas.openxmlformats.org/markup-compatibility/2006" xmlns:a14="http://schemas.microsoft.com/office/drawing/2010/main">
-        <mc:Choice Requires="a14">
-          <p:sp>
-            <p:nvSpPr>
-              <p:cNvPr id="3" name="Segnaposto contenuto 2">
-                <a:extLst>
-                  <a:ext uri="{FF2B5EF4-FFF2-40B4-BE49-F238E27FC236}">
-                    <a16:creationId xmlns:a16="http://schemas.microsoft.com/office/drawing/2014/main" id="{87749C20-3E74-425D-A4F4-173C6F20A4BC}"/>
-                  </a:ext>
-                </a:extLst>
-              </p:cNvPr>
-              <p:cNvSpPr>
-                <a:spLocks noGrp="1"/>
-              </p:cNvSpPr>
-              <p:nvPr>
-                <p:ph idx="1"/>
-              </p:nvPr>
-            </p:nvSpPr>
-            <p:spPr>
-              <a:xfrm>
-                <a:off x="643468" y="2638044"/>
-                <a:ext cx="3363974" cy="3415622"/>
-              </a:xfrm>
-            </p:spPr>
-            <p:txBody>
-              <a:bodyPr>
-                <a:normAutofit/>
-              </a:bodyPr>
-              <a:lstStyle/>
-              <a:p>
-                <a14:m>
-                  <m:oMath xmlns:m="http://schemas.openxmlformats.org/officeDocument/2006/math">
-                    <m:r>
-                      <a:rPr lang="it-IT" sz="2000" b="0" i="1">
-                        <a:solidFill>
-                          <a:schemeClr val="bg1"/>
-                        </a:solidFill>
-                        <a:latin typeface="Cambria Math" panose="02040503050406030204" pitchFamily="18" charset="0"/>
-                      </a:rPr>
-                      <m:t>𝜖</m:t>
-                    </m:r>
-                    <m:r>
-                      <a:rPr lang="it-IT" sz="2000" b="0" i="1">
-                        <a:solidFill>
-                          <a:schemeClr val="bg1"/>
-                        </a:solidFill>
-                        <a:latin typeface="Cambria Math" panose="02040503050406030204" pitchFamily="18" charset="0"/>
-                      </a:rPr>
-                      <m:t>−</m:t>
-                    </m:r>
-                    <m:r>
-                      <a:rPr lang="it-IT" sz="2000" b="0" i="1">
-                        <a:solidFill>
-                          <a:schemeClr val="bg1"/>
-                        </a:solidFill>
-                        <a:latin typeface="Cambria Math" panose="02040503050406030204" pitchFamily="18" charset="0"/>
-                      </a:rPr>
-                      <m:t>𝑔𝑟𝑒𝑒𝑑𝑦</m:t>
-                    </m:r>
-                    <m:r>
-                      <a:rPr lang="it-IT" sz="2000" b="0" i="1">
-                        <a:solidFill>
-                          <a:schemeClr val="bg1"/>
-                        </a:solidFill>
-                        <a:latin typeface="Cambria Math" panose="02040503050406030204" pitchFamily="18" charset="0"/>
-                      </a:rPr>
-                      <m:t> </m:t>
-                    </m:r>
-                    <m:r>
-                      <a:rPr lang="it-IT" sz="2000" b="0" i="1">
-                        <a:solidFill>
-                          <a:schemeClr val="bg1"/>
-                        </a:solidFill>
-                        <a:latin typeface="Cambria Math" panose="02040503050406030204" pitchFamily="18" charset="0"/>
-                      </a:rPr>
-                      <m:t>𝑎𝑙𝑔𝑜𝑟𝑖𝑡h𝑚𝑠</m:t>
-                    </m:r>
-                  </m:oMath>
-                </a14:m>
-                <a:endParaRPr lang="it-IT" sz="2000" b="0" dirty="0">
-                  <a:solidFill>
-                    <a:schemeClr val="bg1"/>
-                  </a:solidFill>
-                </a:endParaRPr>
-              </a:p>
-              <a:p>
-                <a14:m>
-                  <m:oMath xmlns:m="http://schemas.openxmlformats.org/officeDocument/2006/math">
-                    <m:r>
-                      <a:rPr lang="it-IT" sz="2000" b="0" i="1">
-                        <a:solidFill>
-                          <a:schemeClr val="bg1"/>
-                        </a:solidFill>
-                        <a:latin typeface="Cambria Math" panose="02040503050406030204" pitchFamily="18" charset="0"/>
-                      </a:rPr>
-                      <m:t>𝑈𝐶𝐵</m:t>
-                    </m:r>
-                  </m:oMath>
-                </a14:m>
-                <a:endParaRPr lang="it-IT" sz="2000" b="0" dirty="0">
-                  <a:solidFill>
-                    <a:schemeClr val="bg1"/>
-                  </a:solidFill>
-                </a:endParaRPr>
-              </a:p>
-              <a:p>
-                <a14:m>
-                  <m:oMath xmlns:m="http://schemas.openxmlformats.org/officeDocument/2006/math">
-                    <m:r>
-                      <a:rPr lang="it-IT" sz="2000" b="0" i="1">
-                        <a:solidFill>
-                          <a:schemeClr val="bg1"/>
-                        </a:solidFill>
-                        <a:latin typeface="Cambria Math" panose="02040503050406030204" pitchFamily="18" charset="0"/>
-                      </a:rPr>
-                      <m:t>𝑂𝑝𝑡𝑖𝑚𝑖𝑠𝑡𝑖𝑐</m:t>
-                    </m:r>
-                    <m:r>
-                      <a:rPr lang="it-IT" sz="2000" b="0" i="1">
-                        <a:solidFill>
-                          <a:schemeClr val="bg1"/>
-                        </a:solidFill>
-                        <a:latin typeface="Cambria Math" panose="02040503050406030204" pitchFamily="18" charset="0"/>
-                      </a:rPr>
-                      <m:t> </m:t>
-                    </m:r>
-                    <m:r>
-                      <a:rPr lang="it-IT" sz="2000" b="0" i="1">
-                        <a:solidFill>
-                          <a:schemeClr val="bg1"/>
-                        </a:solidFill>
-                        <a:latin typeface="Cambria Math" panose="02040503050406030204" pitchFamily="18" charset="0"/>
-                      </a:rPr>
-                      <m:t>𝐼𝑛𝑖𝑡𝑖𝑎𝑙</m:t>
-                    </m:r>
-                    <m:r>
-                      <a:rPr lang="it-IT" sz="2000" b="0" i="1">
-                        <a:solidFill>
-                          <a:schemeClr val="bg1"/>
-                        </a:solidFill>
-                        <a:latin typeface="Cambria Math" panose="02040503050406030204" pitchFamily="18" charset="0"/>
-                      </a:rPr>
-                      <m:t> </m:t>
-                    </m:r>
-                    <m:r>
-                      <a:rPr lang="it-IT" sz="2000" b="0" i="1">
-                        <a:solidFill>
-                          <a:schemeClr val="bg1"/>
-                        </a:solidFill>
-                        <a:latin typeface="Cambria Math" panose="02040503050406030204" pitchFamily="18" charset="0"/>
-                      </a:rPr>
-                      <m:t>𝑣𝑎𝑙𝑢𝑒</m:t>
-                    </m:r>
-                  </m:oMath>
-                </a14:m>
-                <a:endParaRPr lang="it-IT" sz="2000" b="0" dirty="0">
-                  <a:solidFill>
-                    <a:schemeClr val="bg1"/>
-                  </a:solidFill>
-                </a:endParaRPr>
-              </a:p>
-              <a:p>
-                <a:pPr marL="0" indent="0">
-                  <a:buNone/>
-                </a:pPr>
-                <a:endParaRPr lang="it-IT" sz="2000" dirty="0">
-                  <a:solidFill>
-                    <a:schemeClr val="bg1"/>
-                  </a:solidFill>
-                </a:endParaRPr>
-              </a:p>
-              <a:p>
-                <a:pPr marL="0" indent="0">
-                  <a:buNone/>
-                </a:pPr>
-                <a:endParaRPr lang="it-IT" sz="2000" dirty="0">
-                  <a:solidFill>
-                    <a:schemeClr val="bg1"/>
-                  </a:solidFill>
-                </a:endParaRPr>
-              </a:p>
-              <a:p>
-                <a:pPr marL="0" indent="0">
-                  <a:buNone/>
-                </a:pPr>
-                <a:endParaRPr lang="it-IT" sz="2000" dirty="0">
-                  <a:solidFill>
-                    <a:schemeClr val="bg1"/>
-                  </a:solidFill>
-                </a:endParaRPr>
-              </a:p>
-            </p:txBody>
-          </p:sp>
-        </mc:Choice>
-        <mc:Fallback xmlns="">
-          <p:sp>
-            <p:nvSpPr>
-              <p:cNvPr id="3" name="Segnaposto contenuto 2">
-                <a:extLst>
-                  <a:ext uri="{FF2B5EF4-FFF2-40B4-BE49-F238E27FC236}">
-                    <a16:creationId xmlns:a16="http://schemas.microsoft.com/office/drawing/2014/main" id="{87749C20-3E74-425D-A4F4-173C6F20A4BC}"/>
-                  </a:ext>
-                </a:extLst>
-              </p:cNvPr>
-              <p:cNvSpPr>
-                <a:spLocks noGrp="1" noRot="1" noChangeAspect="1" noMove="1" noResize="1" noEditPoints="1" noAdjustHandles="1" noChangeArrowheads="1" noChangeShapeType="1" noTextEdit="1"/>
-              </p:cNvSpPr>
-              <p:nvPr>
-                <p:ph idx="1"/>
-              </p:nvPr>
-            </p:nvSpPr>
-            <p:spPr>
-              <a:xfrm>
-                <a:off x="643468" y="2638044"/>
-                <a:ext cx="3363974" cy="3415622"/>
-              </a:xfrm>
-              <a:blipFill>
-                <a:blip r:embed="rId2"/>
-                <a:stretch>
-                  <a:fillRect l="-1633" t="-1607"/>
-                </a:stretch>
-              </a:blipFill>
-            </p:spPr>
-            <p:txBody>
-              <a:bodyPr/>
-              <a:lstStyle/>
-              <a:p>
-                <a:r>
-                  <a:rPr lang="it-IT">
-                    <a:noFill/>
-                  </a:rPr>
-                  <a:t> </a:t>
-                </a:r>
-              </a:p>
-            </p:txBody>
-          </p:sp>
-        </mc:Fallback>
-      </mc:AlternateContent>
-      <p:pic>
-        <p:nvPicPr>
-          <p:cNvPr id="5" name="Picture 4">
-            <a:extLst>
-              <a:ext uri="{FF2B5EF4-FFF2-40B4-BE49-F238E27FC236}">
-                <a16:creationId xmlns:a16="http://schemas.microsoft.com/office/drawing/2014/main" id="{60C8619D-7C42-A045-8833-D2B708E064F1}"/>
-              </a:ext>
-            </a:extLst>
-          </p:cNvPr>
-          <p:cNvPicPr>
-            <a:picLocks noChangeAspect="1"/>
-          </p:cNvPicPr>
-          <p:nvPr/>
-        </p:nvPicPr>
-        <p:blipFill>
-          <a:blip r:embed="rId3">
-            <a:extLst>
-              <a:ext uri="{28A0092B-C50C-407E-A947-70E740481C1C}">
-                <a14:useLocalDpi xmlns:a14="http://schemas.microsoft.com/office/drawing/2010/main" val="0"/>
-              </a:ext>
-            </a:extLst>
-          </a:blip>
-          <a:stretch>
-            <a:fillRect/>
-          </a:stretch>
-        </p:blipFill>
-        <p:spPr>
-          <a:xfrm>
-            <a:off x="6266509" y="1038146"/>
-            <a:ext cx="4313276" cy="3946798"/>
-          </a:xfrm>
-          <a:prstGeom prst="rect">
-            <a:avLst/>
-          </a:prstGeom>
-        </p:spPr>
-      </p:pic>
-      <p:sp>
-        <p:nvSpPr>
-          <p:cNvPr id="6" name="TextBox 5">
-            <a:extLst>
-              <a:ext uri="{FF2B5EF4-FFF2-40B4-BE49-F238E27FC236}">
-                <a16:creationId xmlns:a16="http://schemas.microsoft.com/office/drawing/2014/main" id="{D0934FC5-D524-5A4F-94C7-C0C617554812}"/>
-              </a:ext>
-            </a:extLst>
-          </p:cNvPr>
-          <p:cNvSpPr txBox="1"/>
-          <p:nvPr/>
-        </p:nvSpPr>
-        <p:spPr>
-          <a:xfrm>
-            <a:off x="7158038" y="5343525"/>
-            <a:ext cx="184731" cy="369332"/>
-          </a:xfrm>
-          <a:prstGeom prst="rect">
-            <a:avLst/>
-          </a:prstGeom>
-          <a:noFill/>
-        </p:spPr>
-        <p:txBody>
-          <a:bodyPr wrap="none" rtlCol="0">
-            <a:spAutoFit/>
-          </a:bodyPr>
-          <a:lstStyle/>
-          <a:p>
-            <a:endParaRPr lang="de-DE" dirty="0"/>
-          </a:p>
-        </p:txBody>
-      </p:sp>
-      <p:sp>
-        <p:nvSpPr>
-          <p:cNvPr id="8" name="Rectangle 7">
-            <a:extLst>
-              <a:ext uri="{FF2B5EF4-FFF2-40B4-BE49-F238E27FC236}">
-                <a16:creationId xmlns:a16="http://schemas.microsoft.com/office/drawing/2014/main" id="{0FA8F40B-5FF0-3A4B-A5F1-7A6A4F2B140F}"/>
-              </a:ext>
-            </a:extLst>
-          </p:cNvPr>
-          <p:cNvSpPr/>
-          <p:nvPr/>
-        </p:nvSpPr>
-        <p:spPr>
-          <a:xfrm>
-            <a:off x="7393001" y="4835693"/>
-            <a:ext cx="2453510" cy="1015663"/>
-          </a:xfrm>
-          <a:prstGeom prst="rect">
-            <a:avLst/>
-          </a:prstGeom>
-        </p:spPr>
-        <p:txBody>
-          <a:bodyPr wrap="square">
-            <a:spAutoFit/>
-          </a:bodyPr>
-          <a:lstStyle/>
-          <a:p>
-            <a:r>
-              <a:rPr lang="de-DE" sz="6000" dirty="0">
-                <a:latin typeface="Nashville" pitchFamily="2" charset="0"/>
-                <a:cs typeface="Blackadder ITC" panose="020F0502020204030204" pitchFamily="34" charset="0"/>
-              </a:rPr>
-              <a:t>Bandit</a:t>
-            </a:r>
-            <a:endParaRPr lang="de-DE" sz="6000" dirty="0">
-              <a:latin typeface="Nashville" pitchFamily="2" charset="0"/>
-            </a:endParaRPr>
-          </a:p>
-        </p:txBody>
-      </p:sp>
-    </p:spTree>
-    <p:extLst>
-      <p:ext uri="{BB962C8B-B14F-4D97-AF65-F5344CB8AC3E}">
-        <p14:creationId xmlns:p14="http://schemas.microsoft.com/office/powerpoint/2010/main" val="814273571"/>
-      </p:ext>
-    </p:extLst>
-  </p:cSld>
-  <p:clrMapOvr>
-    <a:masterClrMapping/>
-  </p:clrMapOvr>
-</p:sld>
-</file>
-
 <file path=ppt/slides/slide3.xml><?xml version="1.0" encoding="utf-8"?>
 <p:sld xmlns:a="http://schemas.openxmlformats.org/drawingml/2006/main" xmlns:r="http://schemas.openxmlformats.org/officeDocument/2006/relationships" xmlns:p="http://schemas.openxmlformats.org/presentationml/2006/main">
   <p:cSld>
@@ -6864,7 +10056,7 @@
         </p:nvPicPr>
         <p:blipFill>
           <a:blip r:embed="rId2">
-            <a:alphaModFix amt="15000"/>
+            <a:alphaModFix amt="12000"/>
             <a:extLst>
               <a:ext uri="{28A0092B-C50C-407E-A947-70E740481C1C}">
                 <a14:useLocalDpi xmlns:a14="http://schemas.microsoft.com/office/drawing/2010/main" val="0"/>
@@ -7138,10 +10330,10 @@
       </p:grpSpPr>
       <p:pic>
         <p:nvPicPr>
-          <p:cNvPr id="14" name="Picture 13">
-            <a:extLst>
-              <a:ext uri="{FF2B5EF4-FFF2-40B4-BE49-F238E27FC236}">
-                <a16:creationId xmlns:a16="http://schemas.microsoft.com/office/drawing/2014/main" id="{EDBA63DC-2BD3-894B-AA56-258568C68045}"/>
+          <p:cNvPr id="10" name="Picture 9">
+            <a:extLst>
+              <a:ext uri="{FF2B5EF4-FFF2-40B4-BE49-F238E27FC236}">
+                <a16:creationId xmlns:a16="http://schemas.microsoft.com/office/drawing/2014/main" id="{3330D5C2-3616-D24C-9A3A-1665DC98CE6F}"/>
               </a:ext>
             </a:extLst>
           </p:cNvPr>
@@ -7152,7 +10344,7 @@
         </p:nvPicPr>
         <p:blipFill>
           <a:blip r:embed="rId2">
-            <a:alphaModFix amt="15000"/>
+            <a:alphaModFix amt="12000"/>
             <a:extLst>
               <a:ext uri="{28A0092B-C50C-407E-A947-70E740481C1C}">
                 <a14:useLocalDpi xmlns:a14="http://schemas.microsoft.com/office/drawing/2010/main" val="0"/>
@@ -7175,43 +10367,6 @@
       </p:pic>
       <p:sp>
         <p:nvSpPr>
-          <p:cNvPr id="2" name="Titolo 1">
-            <a:extLst>
-              <a:ext uri="{FF2B5EF4-FFF2-40B4-BE49-F238E27FC236}">
-                <a16:creationId xmlns:a16="http://schemas.microsoft.com/office/drawing/2014/main" id="{7C3CD4E9-DB64-4918-82F7-8F8A8315170B}"/>
-              </a:ext>
-            </a:extLst>
-          </p:cNvPr>
-          <p:cNvSpPr>
-            <a:spLocks noGrp="1"/>
-          </p:cNvSpPr>
-          <p:nvPr>
-            <p:ph type="title"/>
-          </p:nvPr>
-        </p:nvSpPr>
-        <p:spPr>
-          <a:xfrm>
-            <a:off x="838200" y="0"/>
-            <a:ext cx="10515600" cy="1325563"/>
-          </a:xfrm>
-        </p:spPr>
-        <p:txBody>
-          <a:bodyPr/>
-          <a:lstStyle/>
-          <a:p>
-            <a:r>
-              <a:rPr lang="it-IT" dirty="0" err="1"/>
-              <a:t>Experimental</a:t>
-            </a:r>
-            <a:r>
-              <a:rPr lang="it-IT" dirty="0"/>
-              <a:t> Setup</a:t>
-            </a:r>
-          </a:p>
-        </p:txBody>
-      </p:sp>
-      <p:sp>
-        <p:nvSpPr>
           <p:cNvPr id="4" name="Content Placeholder 3">
             <a:extLst>
               <a:ext uri="{FF2B5EF4-FFF2-40B4-BE49-F238E27FC236}">
@@ -7231,7 +10386,10 @@
           <a:bodyPr/>
           <a:lstStyle/>
           <a:p>
-            <a:endParaRPr lang="de-DE"/>
+            <a:pPr marL="0" indent="0">
+              <a:buNone/>
+            </a:pPr>
+            <a:endParaRPr lang="de-DE" dirty="0"/>
           </a:p>
         </p:txBody>
       </p:sp>
@@ -7263,14 +10421,72 @@
         </p:blipFill>
         <p:spPr>
           <a:xfrm>
-            <a:off x="838200" y="974315"/>
-            <a:ext cx="6940463" cy="5202648"/>
+            <a:off x="282732" y="694266"/>
+            <a:ext cx="8041859" cy="6028267"/>
           </a:xfrm>
           <a:prstGeom prst="rect">
             <a:avLst/>
           </a:prstGeom>
         </p:spPr>
       </p:pic>
+      <p:sp>
+        <p:nvSpPr>
+          <p:cNvPr id="9" name="Titolo 1">
+            <a:extLst>
+              <a:ext uri="{FF2B5EF4-FFF2-40B4-BE49-F238E27FC236}">
+                <a16:creationId xmlns:a16="http://schemas.microsoft.com/office/drawing/2014/main" id="{2136A414-ED32-8341-9EB5-2EDDC11342A8}"/>
+              </a:ext>
+            </a:extLst>
+          </p:cNvPr>
+          <p:cNvSpPr txBox="1">
+            <a:spLocks/>
+          </p:cNvSpPr>
+          <p:nvPr/>
+        </p:nvSpPr>
+        <p:spPr>
+          <a:xfrm>
+            <a:off x="838200" y="-135467"/>
+            <a:ext cx="10515600" cy="1325563"/>
+          </a:xfrm>
+          <a:prstGeom prst="rect">
+            <a:avLst/>
+          </a:prstGeom>
+        </p:spPr>
+        <p:txBody>
+          <a:bodyPr vert="horz" lIns="91440" tIns="45720" rIns="91440" bIns="45720" rtlCol="0" anchor="ctr">
+            <a:normAutofit/>
+          </a:bodyPr>
+          <a:lstStyle>
+            <a:lvl1pPr algn="l" defTabSz="914400" rtl="0" eaLnBrk="1" latinLnBrk="0" hangingPunct="1">
+              <a:lnSpc>
+                <a:spcPct val="90000"/>
+              </a:lnSpc>
+              <a:spcBef>
+                <a:spcPct val="0"/>
+              </a:spcBef>
+              <a:buNone/>
+              <a:defRPr sz="4400" kern="1200">
+                <a:solidFill>
+                  <a:schemeClr val="tx1"/>
+                </a:solidFill>
+                <a:latin typeface="+mj-lt"/>
+                <a:ea typeface="+mj-ea"/>
+                <a:cs typeface="+mj-cs"/>
+              </a:defRPr>
+            </a:lvl1pPr>
+          </a:lstStyle>
+          <a:p>
+            <a:r>
+              <a:rPr lang="it-IT" dirty="0" err="1"/>
+              <a:t>Experimental</a:t>
+            </a:r>
+            <a:r>
+              <a:rPr lang="it-IT" dirty="0"/>
+              <a:t> Setup</a:t>
+            </a:r>
+          </a:p>
+        </p:txBody>
+      </p:sp>
     </p:spTree>
     <p:extLst>
       <p:ext uri="{BB962C8B-B14F-4D97-AF65-F5344CB8AC3E}">
@@ -7376,12 +10592,178 @@
           <a:chExt cx="0" cy="0"/>
         </a:xfrm>
       </p:grpSpPr>
+      <p:sp>
+        <p:nvSpPr>
+          <p:cNvPr id="2" name="Titolo 1">
+            <a:extLst>
+              <a:ext uri="{FF2B5EF4-FFF2-40B4-BE49-F238E27FC236}">
+                <a16:creationId xmlns:a16="http://schemas.microsoft.com/office/drawing/2014/main" id="{7C3CD4E9-DB64-4918-82F7-8F8A8315170B}"/>
+              </a:ext>
+            </a:extLst>
+          </p:cNvPr>
+          <p:cNvSpPr>
+            <a:spLocks noGrp="1"/>
+          </p:cNvSpPr>
+          <p:nvPr>
+            <p:ph type="title"/>
+          </p:nvPr>
+        </p:nvSpPr>
+        <p:spPr>
+          <a:xfrm>
+            <a:off x="838200" y="365125"/>
+            <a:ext cx="10515600" cy="1325563"/>
+          </a:xfrm>
+        </p:spPr>
+        <p:txBody>
+          <a:bodyPr/>
+          <a:lstStyle/>
+          <a:p>
+            <a:r>
+              <a:rPr lang="it-IT" dirty="0" err="1"/>
+              <a:t>Experiments</a:t>
+            </a:r>
+            <a:endParaRPr lang="it-IT" dirty="0"/>
+          </a:p>
+        </p:txBody>
+      </p:sp>
+      <p:sp>
+        <p:nvSpPr>
+          <p:cNvPr id="4" name="Content Placeholder 3">
+            <a:extLst>
+              <a:ext uri="{FF2B5EF4-FFF2-40B4-BE49-F238E27FC236}">
+                <a16:creationId xmlns:a16="http://schemas.microsoft.com/office/drawing/2014/main" id="{B0307BDF-3DC1-754B-9B20-496C3B7DAA75}"/>
+              </a:ext>
+            </a:extLst>
+          </p:cNvPr>
+          <p:cNvSpPr>
+            <a:spLocks noGrp="1"/>
+          </p:cNvSpPr>
+          <p:nvPr>
+            <p:ph idx="1"/>
+          </p:nvPr>
+        </p:nvSpPr>
+        <p:spPr/>
+        <p:txBody>
+          <a:bodyPr/>
+          <a:lstStyle/>
+          <a:p>
+            <a:pPr marL="514350" indent="-514350">
+              <a:buFont typeface="+mj-lt"/>
+              <a:buAutoNum type="arabicPeriod"/>
+            </a:pPr>
+            <a:r>
+              <a:rPr lang="de-DE" dirty="0"/>
+              <a:t>Internal </a:t>
+            </a:r>
+            <a:r>
+              <a:rPr lang="de-DE" dirty="0" err="1"/>
+              <a:t>comparison</a:t>
+            </a:r>
+            <a:r>
+              <a:rPr lang="de-DE" dirty="0"/>
+              <a:t> (</a:t>
+            </a:r>
+            <a:r>
+              <a:rPr lang="de-DE" dirty="0" err="1"/>
+              <a:t>parameter</a:t>
+            </a:r>
+            <a:r>
+              <a:rPr lang="de-DE" dirty="0"/>
+              <a:t> </a:t>
+            </a:r>
+            <a:r>
+              <a:rPr lang="de-DE" dirty="0" err="1"/>
+              <a:t>vs</a:t>
+            </a:r>
+            <a:r>
+              <a:rPr lang="de-DE" dirty="0"/>
+              <a:t> </a:t>
+            </a:r>
+            <a:r>
+              <a:rPr lang="de-DE" dirty="0" err="1"/>
+              <a:t>parameter</a:t>
+            </a:r>
+            <a:r>
+              <a:rPr lang="de-DE" dirty="0"/>
+              <a:t>)</a:t>
+            </a:r>
+          </a:p>
+          <a:p>
+            <a:pPr marL="514350" indent="-514350">
+              <a:buFont typeface="+mj-lt"/>
+              <a:buAutoNum type="arabicPeriod"/>
+            </a:pPr>
+            <a:r>
+              <a:rPr lang="de-DE" dirty="0" err="1"/>
+              <a:t>External</a:t>
+            </a:r>
+            <a:r>
+              <a:rPr lang="de-DE" dirty="0"/>
+              <a:t> </a:t>
+            </a:r>
+            <a:r>
+              <a:rPr lang="de-DE" dirty="0" err="1"/>
+              <a:t>comparison</a:t>
+            </a:r>
+            <a:r>
+              <a:rPr lang="de-DE" dirty="0"/>
+              <a:t> (algorithm1 </a:t>
+            </a:r>
+            <a:r>
+              <a:rPr lang="de-DE" dirty="0" err="1"/>
+              <a:t>vs</a:t>
+            </a:r>
+            <a:r>
+              <a:rPr lang="de-DE" dirty="0"/>
+              <a:t> algorithm2, </a:t>
+            </a:r>
+            <a:r>
+              <a:rPr lang="de-DE" dirty="0" err="1"/>
+              <a:t>fixed</a:t>
+            </a:r>
+            <a:r>
+              <a:rPr lang="de-DE" dirty="0"/>
+              <a:t> </a:t>
+            </a:r>
+            <a:r>
+              <a:rPr lang="de-DE" dirty="0" err="1"/>
+              <a:t>parameters</a:t>
+            </a:r>
+            <a:r>
+              <a:rPr lang="de-DE" dirty="0"/>
+              <a:t>)</a:t>
+            </a:r>
+          </a:p>
+          <a:p>
+            <a:pPr marL="0" indent="0">
+              <a:buNone/>
+            </a:pPr>
+            <a:r>
+              <a:rPr lang="de-DE" dirty="0"/>
+              <a:t>Performance </a:t>
+            </a:r>
+            <a:r>
+              <a:rPr lang="de-DE" dirty="0" err="1"/>
+              <a:t>measure</a:t>
+            </a:r>
+            <a:r>
+              <a:rPr lang="de-DE" dirty="0"/>
+              <a:t>: Average </a:t>
+            </a:r>
+            <a:r>
+              <a:rPr lang="de-DE" dirty="0" err="1"/>
+              <a:t>reward</a:t>
+            </a:r>
+            <a:endParaRPr lang="de-DE" dirty="0"/>
+          </a:p>
+        </p:txBody>
+      </p:sp>
       <p:pic>
         <p:nvPicPr>
-          <p:cNvPr id="14" name="Picture 13">
-            <a:extLst>
-              <a:ext uri="{FF2B5EF4-FFF2-40B4-BE49-F238E27FC236}">
-                <a16:creationId xmlns:a16="http://schemas.microsoft.com/office/drawing/2014/main" id="{EDBA63DC-2BD3-894B-AA56-258568C68045}"/>
+          <p:cNvPr id="5" name="Picture 4">
+            <a:extLst>
+              <a:ext uri="{FF2B5EF4-FFF2-40B4-BE49-F238E27FC236}">
+                <a16:creationId xmlns:a16="http://schemas.microsoft.com/office/drawing/2014/main" id="{00C4A7BC-7785-744D-A2AA-0FFE207CCF64}"/>
               </a:ext>
             </a:extLst>
           </p:cNvPr>
@@ -7392,7 +10774,7 @@
         </p:nvPicPr>
         <p:blipFill>
           <a:blip r:embed="rId2">
-            <a:alphaModFix amt="15000"/>
+            <a:alphaModFix amt="12000"/>
             <a:extLst>
               <a:ext uri="{28A0092B-C50C-407E-A947-70E740481C1C}">
                 <a14:useLocalDpi xmlns:a14="http://schemas.microsoft.com/office/drawing/2010/main" val="0"/>
@@ -7413,157 +10795,6 @@
           </a:prstGeom>
         </p:spPr>
       </p:pic>
-      <p:sp>
-        <p:nvSpPr>
-          <p:cNvPr id="2" name="Titolo 1">
-            <a:extLst>
-              <a:ext uri="{FF2B5EF4-FFF2-40B4-BE49-F238E27FC236}">
-                <a16:creationId xmlns:a16="http://schemas.microsoft.com/office/drawing/2014/main" id="{7C3CD4E9-DB64-4918-82F7-8F8A8315170B}"/>
-              </a:ext>
-            </a:extLst>
-          </p:cNvPr>
-          <p:cNvSpPr>
-            <a:spLocks noGrp="1"/>
-          </p:cNvSpPr>
-          <p:nvPr>
-            <p:ph type="title"/>
-          </p:nvPr>
-        </p:nvSpPr>
-        <p:spPr>
-          <a:xfrm>
-            <a:off x="838200" y="365125"/>
-            <a:ext cx="10515600" cy="1325563"/>
-          </a:xfrm>
-        </p:spPr>
-        <p:txBody>
-          <a:bodyPr/>
-          <a:lstStyle/>
-          <a:p>
-            <a:r>
-              <a:rPr lang="it-IT" dirty="0" err="1"/>
-              <a:t>Experiments</a:t>
-            </a:r>
-            <a:endParaRPr lang="it-IT" dirty="0"/>
-          </a:p>
-        </p:txBody>
-      </p:sp>
-      <p:sp>
-        <p:nvSpPr>
-          <p:cNvPr id="4" name="Content Placeholder 3">
-            <a:extLst>
-              <a:ext uri="{FF2B5EF4-FFF2-40B4-BE49-F238E27FC236}">
-                <a16:creationId xmlns:a16="http://schemas.microsoft.com/office/drawing/2014/main" id="{B0307BDF-3DC1-754B-9B20-496C3B7DAA75}"/>
-              </a:ext>
-            </a:extLst>
-          </p:cNvPr>
-          <p:cNvSpPr>
-            <a:spLocks noGrp="1"/>
-          </p:cNvSpPr>
-          <p:nvPr>
-            <p:ph idx="1"/>
-          </p:nvPr>
-        </p:nvSpPr>
-        <p:spPr/>
-        <p:txBody>
-          <a:bodyPr/>
-          <a:lstStyle/>
-          <a:p>
-            <a:pPr marL="514350" indent="-514350">
-              <a:buFont typeface="+mj-lt"/>
-              <a:buAutoNum type="arabicPeriod"/>
-            </a:pPr>
-            <a:r>
-              <a:rPr lang="de-DE" dirty="0"/>
-              <a:t>Internal </a:t>
-            </a:r>
-            <a:r>
-              <a:rPr lang="de-DE" dirty="0" err="1"/>
-              <a:t>comparison</a:t>
-            </a:r>
-            <a:r>
-              <a:rPr lang="de-DE" dirty="0"/>
-              <a:t> (</a:t>
-            </a:r>
-            <a:r>
-              <a:rPr lang="de-DE" dirty="0" err="1"/>
-              <a:t>parameter</a:t>
-            </a:r>
-            <a:r>
-              <a:rPr lang="de-DE" dirty="0"/>
-              <a:t> </a:t>
-            </a:r>
-            <a:r>
-              <a:rPr lang="de-DE" dirty="0" err="1"/>
-              <a:t>vs</a:t>
-            </a:r>
-            <a:r>
-              <a:rPr lang="de-DE" dirty="0"/>
-              <a:t> </a:t>
-            </a:r>
-            <a:r>
-              <a:rPr lang="de-DE" dirty="0" err="1"/>
-              <a:t>parameter</a:t>
-            </a:r>
-            <a:r>
-              <a:rPr lang="de-DE" dirty="0"/>
-              <a:t>)</a:t>
-            </a:r>
-          </a:p>
-          <a:p>
-            <a:pPr marL="514350" indent="-514350">
-              <a:buFont typeface="+mj-lt"/>
-              <a:buAutoNum type="arabicPeriod"/>
-            </a:pPr>
-            <a:r>
-              <a:rPr lang="de-DE" dirty="0" err="1"/>
-              <a:t>External</a:t>
-            </a:r>
-            <a:r>
-              <a:rPr lang="de-DE" dirty="0"/>
-              <a:t> </a:t>
-            </a:r>
-            <a:r>
-              <a:rPr lang="de-DE" dirty="0" err="1"/>
-              <a:t>comparison</a:t>
-            </a:r>
-            <a:r>
-              <a:rPr lang="de-DE" dirty="0"/>
-              <a:t> (algorithm1 </a:t>
-            </a:r>
-            <a:r>
-              <a:rPr lang="de-DE" dirty="0" err="1"/>
-              <a:t>vs</a:t>
-            </a:r>
-            <a:r>
-              <a:rPr lang="de-DE" dirty="0"/>
-              <a:t> algorithm2)</a:t>
-            </a:r>
-          </a:p>
-          <a:p>
-            <a:pPr marL="514350" indent="-514350">
-              <a:buFont typeface="+mj-lt"/>
-              <a:buAutoNum type="arabicPeriod"/>
-            </a:pPr>
-            <a:r>
-              <a:rPr lang="de-DE" dirty="0"/>
-              <a:t>Performance </a:t>
-            </a:r>
-            <a:r>
-              <a:rPr lang="de-DE" dirty="0" err="1"/>
-              <a:t>measure</a:t>
-            </a:r>
-            <a:r>
-              <a:rPr lang="de-DE" dirty="0"/>
-              <a:t>: Average </a:t>
-            </a:r>
-            <a:r>
-              <a:rPr lang="de-DE" dirty="0" err="1"/>
-              <a:t>reward</a:t>
-            </a:r>
-            <a:endParaRPr lang="de-DE" dirty="0"/>
-          </a:p>
-        </p:txBody>
-      </p:sp>
     </p:spTree>
     <p:extLst>
       <p:ext uri="{BB962C8B-B14F-4D97-AF65-F5344CB8AC3E}">
@@ -7580,14 +10811,6 @@
 <file path=ppt/slides/slide6.xml><?xml version="1.0" encoding="utf-8"?>
 <p:sld xmlns:a="http://schemas.openxmlformats.org/drawingml/2006/main" xmlns:r="http://schemas.openxmlformats.org/officeDocument/2006/relationships" xmlns:p="http://schemas.openxmlformats.org/presentationml/2006/main">
   <p:cSld>
-    <p:bg>
-      <p:bgPr>
-        <a:solidFill>
-          <a:schemeClr val="bg1"/>
-        </a:solidFill>
-        <a:effectLst/>
-      </p:bgPr>
-    </p:bg>
     <p:spTree>
       <p:nvGrpSpPr>
         <p:cNvPr id="1" name=""/>
@@ -7602,76 +10825,49 @@
           <a:chExt cx="0" cy="0"/>
         </a:xfrm>
       </p:grpSpPr>
-      <p:sp>
-        <p:nvSpPr>
-          <p:cNvPr id="1028" name="Rectangle 70">
-            <a:extLst>
-              <a:ext uri="{FF2B5EF4-FFF2-40B4-BE49-F238E27FC236}">
-                <a16:creationId xmlns:a16="http://schemas.microsoft.com/office/drawing/2014/main" id="{867D4867-5BA7-4462-B2F6-A23F4A622AA7}"/>
-              </a:ext>
-              <a:ext uri="{C183D7F6-B498-43B3-948B-1728B52AA6E4}">
-                <adec:decorative xmlns:adec="http://schemas.microsoft.com/office/drawing/2017/decorative" val="1"/>
-              </a:ext>
-            </a:extLst>
-          </p:cNvPr>
-          <p:cNvSpPr>
-            <a:spLocks noGrp="1" noRot="1" noChangeAspect="1" noMove="1" noResize="1" noEditPoints="1" noAdjustHandles="1" noChangeArrowheads="1" noChangeShapeType="1" noTextEdit="1"/>
-          </p:cNvSpPr>
-          <p:nvPr>
-            <p:extLst>
-              <p:ext uri="{386F3935-93C4-4BCD-93E2-E3B085C9AB24}">
-                <p16:designElem xmlns:p16="http://schemas.microsoft.com/office/powerpoint/2015/main" val="1"/>
-              </p:ext>
-            </p:extLst>
-          </p:nvPr>
-        </p:nvSpPr>
+      <p:pic>
+        <p:nvPicPr>
+          <p:cNvPr id="14" name="Picture 13">
+            <a:extLst>
+              <a:ext uri="{FF2B5EF4-FFF2-40B4-BE49-F238E27FC236}">
+                <a16:creationId xmlns:a16="http://schemas.microsoft.com/office/drawing/2014/main" id="{EDBA63DC-2BD3-894B-AA56-258568C68045}"/>
+              </a:ext>
+            </a:extLst>
+          </p:cNvPr>
+          <p:cNvPicPr>
+            <a:picLocks noChangeAspect="1"/>
+          </p:cNvPicPr>
+          <p:nvPr/>
+        </p:nvPicPr>
+        <p:blipFill>
+          <a:blip r:embed="rId2">
+            <a:alphaModFix amt="15000"/>
+            <a:extLst>
+              <a:ext uri="{28A0092B-C50C-407E-A947-70E740481C1C}">
+                <a14:useLocalDpi xmlns:a14="http://schemas.microsoft.com/office/drawing/2010/main" val="0"/>
+              </a:ext>
+            </a:extLst>
+          </a:blip>
+          <a:stretch>
+            <a:fillRect/>
+          </a:stretch>
+        </p:blipFill>
         <p:spPr>
           <a:xfrm>
-            <a:off x="0" y="0"/>
-            <a:ext cx="4654296" cy="6858000"/>
+            <a:off x="4414469" y="-135467"/>
+            <a:ext cx="7494796" cy="6858000"/>
           </a:xfrm>
           <a:prstGeom prst="rect">
             <a:avLst/>
           </a:prstGeom>
-          <a:solidFill>
-            <a:schemeClr val="tx1">
-              <a:lumMod val="75000"/>
-              <a:lumOff val="25000"/>
-            </a:schemeClr>
-          </a:solidFill>
-          <a:ln>
-            <a:noFill/>
-          </a:ln>
-        </p:spPr>
-        <p:style>
-          <a:lnRef idx="0">
-            <a:scrgbClr r="0" g="0" b="0"/>
-          </a:lnRef>
-          <a:fillRef idx="0">
-            <a:scrgbClr r="0" g="0" b="0"/>
-          </a:fillRef>
-          <a:effectRef idx="0">
-            <a:scrgbClr r="0" g="0" b="0"/>
-          </a:effectRef>
-          <a:fontRef idx="minor">
-            <a:schemeClr val="lt1"/>
-          </a:fontRef>
-        </p:style>
-        <p:txBody>
-          <a:bodyPr rtlCol="0" anchor="ctr"/>
-          <a:lstStyle/>
-          <a:p>
-            <a:pPr algn="ctr"/>
-            <a:endParaRPr lang="en-US"/>
-          </a:p>
-        </p:txBody>
-      </p:sp>
+        </p:spPr>
+      </p:pic>
       <p:sp>
         <p:nvSpPr>
           <p:cNvPr id="2" name="Titolo 1">
             <a:extLst>
               <a:ext uri="{FF2B5EF4-FFF2-40B4-BE49-F238E27FC236}">
-                <a16:creationId xmlns:a16="http://schemas.microsoft.com/office/drawing/2014/main" id="{1149EC29-349C-4442-9C49-A4F0B810A158}"/>
+                <a16:creationId xmlns:a16="http://schemas.microsoft.com/office/drawing/2014/main" id="{7C3CD4E9-DB64-4918-82F7-8F8A8315170B}"/>
               </a:ext>
             </a:extLst>
           </p:cNvPr>
@@ -7684,308 +10880,36 @@
         </p:nvSpPr>
         <p:spPr>
           <a:xfrm>
-            <a:off x="643467" y="643467"/>
-            <a:ext cx="3363974" cy="1597315"/>
-          </a:xfrm>
-          <a:noFill/>
-          <a:ln w="19050">
-            <a:solidFill>
-              <a:schemeClr val="bg1"/>
-            </a:solidFill>
-          </a:ln>
-        </p:spPr>
-        <p:txBody>
-          <a:bodyPr wrap="square">
-            <a:normAutofit/>
-          </a:bodyPr>
+            <a:off x="-89799" y="-263527"/>
+            <a:ext cx="10515600" cy="1325563"/>
+          </a:xfrm>
+        </p:spPr>
+        <p:txBody>
+          <a:bodyPr/>
           <a:lstStyle/>
           <a:p>
-            <a:pPr algn="ctr"/>
-            <a:r>
-              <a:rPr lang="it-IT" sz="2800" dirty="0" err="1">
-                <a:solidFill>
-                  <a:schemeClr val="bg1"/>
-                </a:solidFill>
-              </a:rPr>
-              <a:t>Exercise</a:t>
-            </a:r>
-            <a:r>
-              <a:rPr lang="it-IT" sz="2800" dirty="0">
-                <a:solidFill>
-                  <a:schemeClr val="bg1"/>
-                </a:solidFill>
-              </a:rPr>
-              <a:t> 2 – Q learning</a:t>
-            </a:r>
-          </a:p>
-        </p:txBody>
-      </p:sp>
-      <mc:AlternateContent xmlns:mc="http://schemas.openxmlformats.org/markup-compatibility/2006" xmlns:a14="http://schemas.microsoft.com/office/drawing/2010/main">
-        <mc:Choice Requires="a14">
-          <p:sp>
-            <p:nvSpPr>
-              <p:cNvPr id="3" name="Segnaposto contenuto 2">
-                <a:extLst>
-                  <a:ext uri="{FF2B5EF4-FFF2-40B4-BE49-F238E27FC236}">
-                    <a16:creationId xmlns:a16="http://schemas.microsoft.com/office/drawing/2014/main" id="{87749C20-3E74-425D-A4F4-173C6F20A4BC}"/>
-                  </a:ext>
-                </a:extLst>
-              </p:cNvPr>
-              <p:cNvSpPr>
-                <a:spLocks noGrp="1"/>
-              </p:cNvSpPr>
-              <p:nvPr>
-                <p:ph idx="1"/>
-              </p:nvPr>
-            </p:nvSpPr>
-            <p:spPr>
-              <a:xfrm>
-                <a:off x="643468" y="2638044"/>
-                <a:ext cx="3363974" cy="3415622"/>
-              </a:xfrm>
-            </p:spPr>
-            <p:txBody>
-              <a:bodyPr>
-                <a:normAutofit/>
-              </a:bodyPr>
-              <a:lstStyle/>
-              <a:p>
-                <a14:m>
-                  <m:oMath xmlns:m="http://schemas.openxmlformats.org/officeDocument/2006/math">
-                    <m:r>
-                      <a:rPr lang="it-IT" sz="2000" b="0" i="1" smtClean="0">
-                        <a:solidFill>
-                          <a:schemeClr val="bg1"/>
-                        </a:solidFill>
-                        <a:latin typeface="Cambria Math" panose="02040503050406030204" pitchFamily="18" charset="0"/>
-                      </a:rPr>
-                      <m:t>𝐾𝑒𝑦</m:t>
-                    </m:r>
-                    <m:r>
-                      <a:rPr lang="it-IT" sz="2000" b="0" i="1" smtClean="0">
-                        <a:solidFill>
-                          <a:schemeClr val="bg1"/>
-                        </a:solidFill>
-                        <a:latin typeface="Cambria Math" panose="02040503050406030204" pitchFamily="18" charset="0"/>
-                      </a:rPr>
-                      <m:t> </m:t>
-                    </m:r>
-                    <m:r>
-                      <a:rPr lang="it-IT" sz="2000" b="0" i="1" smtClean="0">
-                        <a:solidFill>
-                          <a:schemeClr val="bg1"/>
-                        </a:solidFill>
-                        <a:latin typeface="Cambria Math" panose="02040503050406030204" pitchFamily="18" charset="0"/>
-                      </a:rPr>
-                      <m:t>𝑝𝑎𝑟𝑡𝑠</m:t>
-                    </m:r>
-                  </m:oMath>
-                </a14:m>
-                <a:endParaRPr lang="it-IT" sz="2000" b="0" i="1" dirty="0">
-                  <a:solidFill>
-                    <a:schemeClr val="bg1"/>
-                  </a:solidFill>
-                  <a:latin typeface="Cambria Math" panose="02040503050406030204" pitchFamily="18" charset="0"/>
-                </a:endParaRPr>
-              </a:p>
-              <a:p>
-                <a14:m>
-                  <m:oMath xmlns:m="http://schemas.openxmlformats.org/officeDocument/2006/math">
-                    <m:r>
-                      <a:rPr lang="it-IT" sz="2000" b="0" i="1" smtClean="0">
-                        <a:solidFill>
-                          <a:schemeClr val="bg1"/>
-                        </a:solidFill>
-                        <a:latin typeface="Cambria Math" panose="02040503050406030204" pitchFamily="18" charset="0"/>
-                      </a:rPr>
-                      <m:t>𝐸𝑥𝑝𝑒𝑟𝑖𝑚𝑒𝑛𝑡𝑎𝑙</m:t>
-                    </m:r>
-                    <m:r>
-                      <a:rPr lang="it-IT" sz="2000" b="0" i="1" smtClean="0">
-                        <a:solidFill>
-                          <a:schemeClr val="bg1"/>
-                        </a:solidFill>
-                        <a:latin typeface="Cambria Math" panose="02040503050406030204" pitchFamily="18" charset="0"/>
-                      </a:rPr>
-                      <m:t> </m:t>
-                    </m:r>
-                    <m:r>
-                      <a:rPr lang="it-IT" sz="2000" b="0" i="1" smtClean="0">
-                        <a:solidFill>
-                          <a:schemeClr val="bg1"/>
-                        </a:solidFill>
-                        <a:latin typeface="Cambria Math" panose="02040503050406030204" pitchFamily="18" charset="0"/>
-                      </a:rPr>
-                      <m:t>𝑠𝑒𝑡𝑢𝑝</m:t>
-                    </m:r>
-                  </m:oMath>
-                </a14:m>
-                <a:endParaRPr lang="it-IT" sz="2000" b="0" dirty="0">
-                  <a:solidFill>
-                    <a:schemeClr val="bg1"/>
-                  </a:solidFill>
-                </a:endParaRPr>
-              </a:p>
-              <a:p>
-                <a14:m>
-                  <m:oMath xmlns:m="http://schemas.openxmlformats.org/officeDocument/2006/math">
-                    <m:r>
-                      <a:rPr lang="it-IT" sz="2000" b="0" i="1" smtClean="0">
-                        <a:solidFill>
-                          <a:schemeClr val="bg1"/>
-                        </a:solidFill>
-                        <a:latin typeface="Cambria Math" panose="02040503050406030204" pitchFamily="18" charset="0"/>
-                      </a:rPr>
-                      <m:t>𝑅𝑒𝑠𝑢𝑙𝑡</m:t>
-                    </m:r>
-                  </m:oMath>
-                </a14:m>
-                <a:endParaRPr lang="it-IT" sz="2000" b="0" dirty="0">
-                  <a:solidFill>
-                    <a:schemeClr val="bg1"/>
-                  </a:solidFill>
-                </a:endParaRPr>
-              </a:p>
-              <a:p>
-                <a14:m>
-                  <m:oMath xmlns:m="http://schemas.openxmlformats.org/officeDocument/2006/math">
-                    <m:r>
-                      <a:rPr lang="it-IT" sz="2000" b="0" i="1" smtClean="0">
-                        <a:solidFill>
-                          <a:schemeClr val="bg1"/>
-                        </a:solidFill>
-                        <a:latin typeface="Cambria Math" panose="02040503050406030204" pitchFamily="18" charset="0"/>
-                      </a:rPr>
-                      <m:t>𝐶𝑜𝑛𝑐𝑙𝑢𝑠𝑖𝑜𝑛</m:t>
-                    </m:r>
-                  </m:oMath>
-                </a14:m>
-                <a:endParaRPr lang="it-IT" sz="2000" b="0" dirty="0">
-                  <a:solidFill>
-                    <a:schemeClr val="bg1"/>
-                  </a:solidFill>
-                </a:endParaRPr>
-              </a:p>
-              <a:p>
-                <a:pPr marL="0" indent="0">
-                  <a:buNone/>
-                </a:pPr>
-                <a:endParaRPr lang="it-IT" sz="2000" b="0" dirty="0">
-                  <a:solidFill>
-                    <a:schemeClr val="bg1"/>
-                  </a:solidFill>
-                </a:endParaRPr>
-              </a:p>
-              <a:p>
-                <a:pPr marL="0" indent="0">
-                  <a:buNone/>
-                </a:pPr>
-                <a:endParaRPr lang="it-IT" sz="2000" b="0" dirty="0">
-                  <a:solidFill>
-                    <a:schemeClr val="bg1"/>
-                  </a:solidFill>
-                </a:endParaRPr>
-              </a:p>
-              <a:p>
-                <a:pPr marL="0" indent="0">
-                  <a:buNone/>
-                </a:pPr>
-                <a:endParaRPr lang="it-IT" sz="2000" b="0" dirty="0">
-                  <a:solidFill>
-                    <a:schemeClr val="bg1"/>
-                  </a:solidFill>
-                </a:endParaRPr>
-              </a:p>
-              <a:p>
-                <a:pPr marL="0" indent="0">
-                  <a:buNone/>
-                </a:pPr>
-                <a:endParaRPr lang="it-IT" sz="2000" dirty="0">
-                  <a:solidFill>
-                    <a:schemeClr val="bg1"/>
-                  </a:solidFill>
-                </a:endParaRPr>
-              </a:p>
-              <a:p>
-                <a:pPr marL="0" indent="0">
-                  <a:buNone/>
-                </a:pPr>
-                <a:endParaRPr lang="it-IT" sz="2000" dirty="0">
-                  <a:solidFill>
-                    <a:schemeClr val="bg1"/>
-                  </a:solidFill>
-                </a:endParaRPr>
-              </a:p>
-              <a:p>
-                <a:pPr marL="0" indent="0">
-                  <a:buNone/>
-                </a:pPr>
-                <a:endParaRPr lang="it-IT" sz="2000" dirty="0">
-                  <a:solidFill>
-                    <a:schemeClr val="bg1"/>
-                  </a:solidFill>
-                </a:endParaRPr>
-              </a:p>
-            </p:txBody>
-          </p:sp>
-        </mc:Choice>
-        <mc:Fallback xmlns="">
-          <p:sp>
-            <p:nvSpPr>
-              <p:cNvPr id="3" name="Segnaposto contenuto 2">
-                <a:extLst>
-                  <a:ext uri="{FF2B5EF4-FFF2-40B4-BE49-F238E27FC236}">
-                    <a16:creationId xmlns:a16="http://schemas.microsoft.com/office/drawing/2014/main" id="{87749C20-3E74-425D-A4F4-173C6F20A4BC}"/>
-                  </a:ext>
-                </a:extLst>
-              </p:cNvPr>
-              <p:cNvSpPr>
-                <a:spLocks noGrp="1" noRot="1" noChangeAspect="1" noMove="1" noResize="1" noEditPoints="1" noAdjustHandles="1" noChangeArrowheads="1" noChangeShapeType="1" noTextEdit="1"/>
-              </p:cNvSpPr>
-              <p:nvPr>
-                <p:ph idx="1"/>
-              </p:nvPr>
-            </p:nvSpPr>
-            <p:spPr>
-              <a:xfrm>
-                <a:off x="643468" y="2638044"/>
-                <a:ext cx="3363974" cy="3415622"/>
-              </a:xfrm>
-              <a:blipFill>
-                <a:blip r:embed="rId2"/>
-                <a:stretch>
-                  <a:fillRect l="-1633" t="-1250"/>
-                </a:stretch>
-              </a:blipFill>
-            </p:spPr>
-            <p:txBody>
-              <a:bodyPr/>
-              <a:lstStyle/>
-              <a:p>
-                <a:r>
-                  <a:rPr lang="it-IT">
-                    <a:noFill/>
-                  </a:rPr>
-                  <a:t> </a:t>
-                </a:r>
-              </a:p>
-            </p:txBody>
-          </p:sp>
-        </mc:Fallback>
-      </mc:AlternateContent>
+            <a:r>
+              <a:rPr lang="it-IT" dirty="0"/>
+              <a:t>Experiment 1</a:t>
+            </a:r>
+          </a:p>
+        </p:txBody>
+      </p:sp>
       <p:pic>
         <p:nvPicPr>
-          <p:cNvPr id="2050" name="Picture 2" descr="Risultati immagini per q learning">
-            <a:extLst>
-              <a:ext uri="{FF2B5EF4-FFF2-40B4-BE49-F238E27FC236}">
-                <a16:creationId xmlns:a16="http://schemas.microsoft.com/office/drawing/2014/main" id="{A14E1A76-0DD4-47D3-80B3-20772AB0108E}"/>
+          <p:cNvPr id="5" name="Content Placeholder 4">
+            <a:extLst>
+              <a:ext uri="{FF2B5EF4-FFF2-40B4-BE49-F238E27FC236}">
+                <a16:creationId xmlns:a16="http://schemas.microsoft.com/office/drawing/2014/main" id="{35511570-0CD9-2D44-A44E-0221FFBB91B9}"/>
               </a:ext>
             </a:extLst>
           </p:cNvPr>
           <p:cNvPicPr>
-            <a:picLocks noChangeAspect="1" noChangeArrowheads="1"/>
+            <a:picLocks noGrp="1" noChangeAspect="1"/>
           </p:cNvPicPr>
-          <p:nvPr/>
+          <p:nvPr>
+            <p:ph idx="1"/>
+          </p:nvPr>
         </p:nvPicPr>
         <p:blipFill>
           <a:blip r:embed="rId3">
@@ -7995,35 +10919,83 @@
               </a:ext>
             </a:extLst>
           </a:blip>
-          <a:srcRect/>
           <a:stretch>
             <a:fillRect/>
           </a:stretch>
         </p:blipFill>
-        <p:spPr bwMode="auto">
+        <p:spPr>
           <a:xfrm>
-            <a:off x="6096000" y="2336257"/>
-            <a:ext cx="4773561" cy="2185485"/>
+            <a:off x="3005655" y="1"/>
+            <a:ext cx="9186345" cy="6850592"/>
+          </a:xfrm>
+        </p:spPr>
+      </p:pic>
+      <p:sp>
+        <p:nvSpPr>
+          <p:cNvPr id="7" name="TextBox 6">
+            <a:extLst>
+              <a:ext uri="{FF2B5EF4-FFF2-40B4-BE49-F238E27FC236}">
+                <a16:creationId xmlns:a16="http://schemas.microsoft.com/office/drawing/2014/main" id="{79185AEA-E85E-F842-B602-6F30C44DBA93}"/>
+              </a:ext>
+            </a:extLst>
+          </p:cNvPr>
+          <p:cNvSpPr txBox="1"/>
+          <p:nvPr/>
+        </p:nvSpPr>
+        <p:spPr>
+          <a:xfrm>
+            <a:off x="143926" y="897466"/>
+            <a:ext cx="2157322" cy="646331"/>
           </a:xfrm>
           <a:prstGeom prst="rect">
             <a:avLst/>
           </a:prstGeom>
           <a:noFill/>
-          <a:extLst>
-            <a:ext uri="{909E8E84-426E-40DD-AFC4-6F175D3DCCD1}">
-              <a14:hiddenFill xmlns:a14="http://schemas.microsoft.com/office/drawing/2010/main">
-                <a:solidFill>
-                  <a:srgbClr val="FFFFFF"/>
-                </a:solidFill>
-              </a14:hiddenFill>
-            </a:ext>
-          </a:extLst>
-        </p:spPr>
-      </p:pic>
+        </p:spPr>
+        <p:txBody>
+          <a:bodyPr wrap="none" rtlCol="0">
+            <a:spAutoFit/>
+          </a:bodyPr>
+          <a:lstStyle/>
+          <a:p>
+            <a:pPr marL="285750" indent="-285750">
+              <a:buFont typeface="Arial" panose="020B0604020202020204" pitchFamily="34" charset="0"/>
+              <a:buChar char="•"/>
+            </a:pPr>
+            <a:r>
+              <a:rPr lang="de-DE" dirty="0"/>
+              <a:t>10 </a:t>
+            </a:r>
+            <a:r>
+              <a:rPr lang="de-DE" dirty="0" err="1"/>
+              <a:t>Bandits</a:t>
+            </a:r>
+            <a:endParaRPr lang="de-DE" dirty="0"/>
+          </a:p>
+          <a:p>
+            <a:pPr marL="285750" indent="-285750">
+              <a:buFont typeface="Arial" panose="020B0604020202020204" pitchFamily="34" charset="0"/>
+              <a:buChar char="•"/>
+            </a:pPr>
+            <a:r>
+              <a:rPr lang="de-DE" dirty="0"/>
+              <a:t>Fixed </a:t>
+            </a:r>
+            <a:r>
+              <a:rPr lang="de-DE" dirty="0" err="1"/>
+              <a:t>distribution</a:t>
+            </a:r>
+            <a:r>
+              <a:rPr lang="de-DE" dirty="0"/>
+              <a:t> </a:t>
+            </a:r>
+          </a:p>
+        </p:txBody>
+      </p:sp>
     </p:spTree>
     <p:extLst>
       <p:ext uri="{BB962C8B-B14F-4D97-AF65-F5344CB8AC3E}">
-        <p14:creationId xmlns:p14="http://schemas.microsoft.com/office/powerpoint/2010/main" val="770637633"/>
+        <p14:creationId xmlns:p14="http://schemas.microsoft.com/office/powerpoint/2010/main" val="3637336670"/>
       </p:ext>
     </p:extLst>
   </p:cSld>
@@ -8050,12 +11022,49 @@
           <a:chExt cx="0" cy="0"/>
         </a:xfrm>
       </p:grpSpPr>
+      <p:pic>
+        <p:nvPicPr>
+          <p:cNvPr id="14" name="Picture 13">
+            <a:extLst>
+              <a:ext uri="{FF2B5EF4-FFF2-40B4-BE49-F238E27FC236}">
+                <a16:creationId xmlns:a16="http://schemas.microsoft.com/office/drawing/2014/main" id="{EDBA63DC-2BD3-894B-AA56-258568C68045}"/>
+              </a:ext>
+            </a:extLst>
+          </p:cNvPr>
+          <p:cNvPicPr>
+            <a:picLocks noChangeAspect="1"/>
+          </p:cNvPicPr>
+          <p:nvPr/>
+        </p:nvPicPr>
+        <p:blipFill>
+          <a:blip r:embed="rId2">
+            <a:alphaModFix amt="15000"/>
+            <a:extLst>
+              <a:ext uri="{28A0092B-C50C-407E-A947-70E740481C1C}">
+                <a14:useLocalDpi xmlns:a14="http://schemas.microsoft.com/office/drawing/2010/main" val="0"/>
+              </a:ext>
+            </a:extLst>
+          </a:blip>
+          <a:stretch>
+            <a:fillRect/>
+          </a:stretch>
+        </p:blipFill>
+        <p:spPr>
+          <a:xfrm>
+            <a:off x="4414469" y="-135467"/>
+            <a:ext cx="7494796" cy="6858000"/>
+          </a:xfrm>
+          <a:prstGeom prst="rect">
+            <a:avLst/>
+          </a:prstGeom>
+        </p:spPr>
+      </p:pic>
       <p:sp>
         <p:nvSpPr>
           <p:cNvPr id="2" name="Titolo 1">
             <a:extLst>
               <a:ext uri="{FF2B5EF4-FFF2-40B4-BE49-F238E27FC236}">
-                <a16:creationId xmlns:a16="http://schemas.microsoft.com/office/drawing/2014/main" id="{ED572C7A-CB0D-4BFD-B630-164C31D1669D}"/>
+                <a16:creationId xmlns:a16="http://schemas.microsoft.com/office/drawing/2014/main" id="{7C3CD4E9-DB64-4918-82F7-8F8A8315170B}"/>
               </a:ext>
             </a:extLst>
           </p:cNvPr>
@@ -8066,24 +11075,29 @@
             <p:ph type="title"/>
           </p:nvPr>
         </p:nvSpPr>
-        <p:spPr/>
+        <p:spPr>
+          <a:xfrm>
+            <a:off x="-89799" y="-263527"/>
+            <a:ext cx="10515600" cy="1325563"/>
+          </a:xfrm>
+        </p:spPr>
         <p:txBody>
           <a:bodyPr/>
           <a:lstStyle/>
           <a:p>
             <a:r>
               <a:rPr lang="it-IT" dirty="0"/>
-              <a:t>Key Parts</a:t>
+              <a:t>Experiment 1</a:t>
             </a:r>
           </a:p>
         </p:txBody>
       </p:sp>
       <p:pic>
         <p:nvPicPr>
-          <p:cNvPr id="4" name="Segnaposto contenuto 3">
-            <a:extLst>
-              <a:ext uri="{FF2B5EF4-FFF2-40B4-BE49-F238E27FC236}">
-                <a16:creationId xmlns:a16="http://schemas.microsoft.com/office/drawing/2014/main" id="{2709AAA0-FBE3-416D-A084-27015DC06643}"/>
+          <p:cNvPr id="7" name="Content Placeholder 6">
+            <a:extLst>
+              <a:ext uri="{FF2B5EF4-FFF2-40B4-BE49-F238E27FC236}">
+                <a16:creationId xmlns:a16="http://schemas.microsoft.com/office/drawing/2014/main" id="{5D6CD25A-C3D9-654A-B24A-66D8302E598A}"/>
               </a:ext>
             </a:extLst>
           </p:cNvPr>
@@ -8095,821 +11109,90 @@
           </p:nvPr>
         </p:nvPicPr>
         <p:blipFill>
-          <a:blip r:embed="rId2"/>
+          <a:blip r:embed="rId3">
+            <a:extLst>
+              <a:ext uri="{28A0092B-C50C-407E-A947-70E740481C1C}">
+                <a14:useLocalDpi xmlns:a14="http://schemas.microsoft.com/office/drawing/2010/main" val="0"/>
+              </a:ext>
+            </a:extLst>
+          </a:blip>
           <a:stretch>
             <a:fillRect/>
           </a:stretch>
         </p:blipFill>
         <p:spPr>
           <a:xfrm>
-            <a:off x="3035831" y="3862080"/>
-            <a:ext cx="7839507" cy="959462"/>
+            <a:off x="3055153" y="-12480"/>
+            <a:ext cx="9136847" cy="6845520"/>
+          </a:xfrm>
+        </p:spPr>
+      </p:pic>
+      <p:sp>
+        <p:nvSpPr>
+          <p:cNvPr id="9" name="TextBox 8">
+            <a:extLst>
+              <a:ext uri="{FF2B5EF4-FFF2-40B4-BE49-F238E27FC236}">
+                <a16:creationId xmlns:a16="http://schemas.microsoft.com/office/drawing/2014/main" id="{B5AF2BFB-C621-A14E-9FBE-501514D62D33}"/>
+              </a:ext>
+            </a:extLst>
+          </p:cNvPr>
+          <p:cNvSpPr txBox="1"/>
+          <p:nvPr/>
+        </p:nvSpPr>
+        <p:spPr>
+          <a:xfrm>
+            <a:off x="143926" y="897466"/>
+            <a:ext cx="2157322" cy="646331"/>
           </a:xfrm>
           <a:prstGeom prst="rect">
             <a:avLst/>
           </a:prstGeom>
-        </p:spPr>
-      </p:pic>
-      <p:cxnSp>
-        <p:nvCxnSpPr>
-          <p:cNvPr id="7" name="Connettore 2 6">
-            <a:extLst>
-              <a:ext uri="{FF2B5EF4-FFF2-40B4-BE49-F238E27FC236}">
-                <a16:creationId xmlns:a16="http://schemas.microsoft.com/office/drawing/2014/main" id="{F7886249-EE12-4293-9BDB-9792AE2C2001}"/>
-              </a:ext>
-            </a:extLst>
-          </p:cNvPr>
-          <p:cNvCxnSpPr>
-            <a:cxnSpLocks/>
-          </p:cNvCxnSpPr>
-          <p:nvPr/>
-        </p:nvCxnSpPr>
-        <p:spPr>
-          <a:xfrm flipV="1">
-            <a:off x="5542671" y="4371804"/>
-            <a:ext cx="0" cy="1061303"/>
-          </a:xfrm>
-          <a:prstGeom prst="straightConnector1">
-            <a:avLst/>
-          </a:prstGeom>
-          <a:ln w="38100">
-            <a:solidFill>
-              <a:srgbClr val="FF0000"/>
-            </a:solidFill>
-            <a:tailEnd type="triangle"/>
-          </a:ln>
-        </p:spPr>
-        <p:style>
-          <a:lnRef idx="1">
-            <a:schemeClr val="accent1"/>
-          </a:lnRef>
-          <a:fillRef idx="0">
-            <a:schemeClr val="accent1"/>
-          </a:fillRef>
-          <a:effectRef idx="0">
-            <a:schemeClr val="accent1"/>
-          </a:effectRef>
-          <a:fontRef idx="minor">
-            <a:schemeClr val="tx1"/>
-          </a:fontRef>
-        </p:style>
-      </p:cxnSp>
-      <p:cxnSp>
-        <p:nvCxnSpPr>
-          <p:cNvPr id="12" name="Connettore 2 11">
-            <a:extLst>
-              <a:ext uri="{FF2B5EF4-FFF2-40B4-BE49-F238E27FC236}">
-                <a16:creationId xmlns:a16="http://schemas.microsoft.com/office/drawing/2014/main" id="{49B01E3D-5FFC-4371-8D2F-7B70FE3F4790}"/>
-              </a:ext>
-            </a:extLst>
-          </p:cNvPr>
-          <p:cNvCxnSpPr>
-            <a:cxnSpLocks/>
-            <a:stCxn id="19" idx="2"/>
-          </p:cNvCxnSpPr>
-          <p:nvPr/>
-        </p:nvCxnSpPr>
-        <p:spPr>
-          <a:xfrm>
-            <a:off x="2478711" y="2795369"/>
-            <a:ext cx="2616589" cy="1576435"/>
-          </a:xfrm>
-          <a:prstGeom prst="straightConnector1">
-            <a:avLst/>
-          </a:prstGeom>
-          <a:ln w="38100">
-            <a:solidFill>
-              <a:srgbClr val="FF0000"/>
-            </a:solidFill>
-            <a:tailEnd type="triangle"/>
-          </a:ln>
-        </p:spPr>
-        <p:style>
-          <a:lnRef idx="1">
-            <a:schemeClr val="accent1"/>
-          </a:lnRef>
-          <a:fillRef idx="0">
-            <a:schemeClr val="accent1"/>
-          </a:fillRef>
-          <a:effectRef idx="0">
-            <a:schemeClr val="accent1"/>
-          </a:effectRef>
-          <a:fontRef idx="minor">
-            <a:schemeClr val="tx1"/>
-          </a:fontRef>
-        </p:style>
-      </p:cxnSp>
-      <p:pic>
-        <p:nvPicPr>
-          <p:cNvPr id="19" name="Immagine 18">
-            <a:extLst>
-              <a:ext uri="{FF2B5EF4-FFF2-40B4-BE49-F238E27FC236}">
-                <a16:creationId xmlns:a16="http://schemas.microsoft.com/office/drawing/2014/main" id="{6478870A-6BAF-4E85-858F-841D569E2B04}"/>
-              </a:ext>
-            </a:extLst>
-          </p:cNvPr>
-          <p:cNvPicPr>
-            <a:picLocks noChangeAspect="1"/>
-          </p:cNvPicPr>
-          <p:nvPr/>
-        </p:nvPicPr>
-        <p:blipFill>
-          <a:blip r:embed="rId3"/>
-          <a:stretch>
-            <a:fillRect/>
-          </a:stretch>
-        </p:blipFill>
-        <p:spPr>
-          <a:xfrm>
-            <a:off x="81293" y="2266456"/>
-            <a:ext cx="4794835" cy="528913"/>
-          </a:xfrm>
-          <a:prstGeom prst="rect">
-            <a:avLst/>
-          </a:prstGeom>
-        </p:spPr>
-      </p:pic>
-      <p:pic>
-        <p:nvPicPr>
-          <p:cNvPr id="25" name="Immagine 24">
-            <a:extLst>
-              <a:ext uri="{FF2B5EF4-FFF2-40B4-BE49-F238E27FC236}">
-                <a16:creationId xmlns:a16="http://schemas.microsoft.com/office/drawing/2014/main" id="{798BB34A-F642-459C-9758-B22657816EE9}"/>
-              </a:ext>
-            </a:extLst>
-          </p:cNvPr>
-          <p:cNvPicPr>
-            <a:picLocks noChangeAspect="1"/>
-          </p:cNvPicPr>
-          <p:nvPr/>
-        </p:nvPicPr>
-        <p:blipFill>
-          <a:blip r:embed="rId4"/>
-          <a:stretch>
-            <a:fillRect/>
-          </a:stretch>
-        </p:blipFill>
-        <p:spPr>
-          <a:xfrm>
-            <a:off x="2419644" y="5433107"/>
-            <a:ext cx="4065562" cy="528913"/>
-          </a:xfrm>
-          <a:prstGeom prst="rect">
-            <a:avLst/>
-          </a:prstGeom>
-        </p:spPr>
-      </p:pic>
-      <p:pic>
-        <p:nvPicPr>
-          <p:cNvPr id="27" name="Immagine 26">
-            <a:extLst>
-              <a:ext uri="{FF2B5EF4-FFF2-40B4-BE49-F238E27FC236}">
-                <a16:creationId xmlns:a16="http://schemas.microsoft.com/office/drawing/2014/main" id="{3D7B0F54-A22F-4095-BE75-091FCFDC11A3}"/>
-              </a:ext>
-            </a:extLst>
-          </p:cNvPr>
-          <p:cNvPicPr>
-            <a:picLocks noChangeAspect="1"/>
-          </p:cNvPicPr>
-          <p:nvPr/>
-        </p:nvPicPr>
-        <p:blipFill>
-          <a:blip r:embed="rId5"/>
-          <a:stretch>
-            <a:fillRect/>
-          </a:stretch>
-        </p:blipFill>
-        <p:spPr>
-          <a:xfrm>
-            <a:off x="2419643" y="6103697"/>
-            <a:ext cx="4794842" cy="528912"/>
-          </a:xfrm>
-          <a:prstGeom prst="rect">
-            <a:avLst/>
-          </a:prstGeom>
-        </p:spPr>
-      </p:pic>
-      <p:cxnSp>
-        <p:nvCxnSpPr>
-          <p:cNvPr id="36" name="Connettore 2 35">
-            <a:extLst>
-              <a:ext uri="{FF2B5EF4-FFF2-40B4-BE49-F238E27FC236}">
-                <a16:creationId xmlns:a16="http://schemas.microsoft.com/office/drawing/2014/main" id="{9402606F-25BC-43DD-B8C6-AEF7A29E4CAC}"/>
-              </a:ext>
-            </a:extLst>
-          </p:cNvPr>
-          <p:cNvCxnSpPr>
-            <a:cxnSpLocks/>
-          </p:cNvCxnSpPr>
-          <p:nvPr/>
-        </p:nvCxnSpPr>
-        <p:spPr>
-          <a:xfrm flipH="1" flipV="1">
-            <a:off x="6133514" y="4656406"/>
-            <a:ext cx="616635" cy="1447292"/>
-          </a:xfrm>
-          <a:prstGeom prst="straightConnector1">
-            <a:avLst/>
-          </a:prstGeom>
-          <a:ln w="38100">
-            <a:solidFill>
-              <a:srgbClr val="FF0000"/>
-            </a:solidFill>
-            <a:tailEnd type="triangle"/>
-          </a:ln>
-        </p:spPr>
-        <p:style>
-          <a:lnRef idx="1">
-            <a:schemeClr val="accent1"/>
-          </a:lnRef>
-          <a:fillRef idx="0">
-            <a:schemeClr val="accent1"/>
-          </a:fillRef>
-          <a:effectRef idx="0">
-            <a:schemeClr val="accent1"/>
-          </a:effectRef>
-          <a:fontRef idx="minor">
-            <a:schemeClr val="tx1"/>
-          </a:fontRef>
-        </p:style>
-      </p:cxnSp>
-      <p:sp>
-        <p:nvSpPr>
-          <p:cNvPr id="44" name="Rectangle 2">
-            <a:extLst>
-              <a:ext uri="{FF2B5EF4-FFF2-40B4-BE49-F238E27FC236}">
-                <a16:creationId xmlns:a16="http://schemas.microsoft.com/office/drawing/2014/main" id="{6729225F-3EAB-4155-ADB6-ECE56D134881}"/>
-              </a:ext>
-            </a:extLst>
-          </p:cNvPr>
-          <p:cNvSpPr>
-            <a:spLocks noChangeArrowheads="1"/>
-          </p:cNvSpPr>
-          <p:nvPr/>
-        </p:nvSpPr>
-        <p:spPr bwMode="auto">
-          <a:xfrm>
-            <a:off x="5095300" y="1366897"/>
-            <a:ext cx="6956015" cy="2062103"/>
-          </a:xfrm>
-          <a:prstGeom prst="rect">
-            <a:avLst/>
-          </a:prstGeom>
-          <a:solidFill>
-            <a:srgbClr val="2B2B2B"/>
-          </a:solidFill>
-          <a:ln>
-            <a:noFill/>
-          </a:ln>
-          <a:effectLst/>
-          <a:extLst>
-            <a:ext uri="{91240B29-F687-4F45-9708-019B960494DF}">
-              <a14:hiddenLine xmlns:a14="http://schemas.microsoft.com/office/drawing/2010/main" w="9525">
-                <a:solidFill>
-                  <a:schemeClr val="tx1"/>
-                </a:solidFill>
-                <a:miter lim="800000"/>
-                <a:headEnd/>
-                <a:tailEnd/>
-              </a14:hiddenLine>
-            </a:ext>
-            <a:ext uri="{AF507438-7753-43E0-B8FC-AC1667EBCBE1}">
-              <a14:hiddenEffects xmlns:a14="http://schemas.microsoft.com/office/drawing/2010/main">
-                <a:effectLst>
-                  <a:outerShdw dist="35921" dir="2700000" algn="ctr" rotWithShape="0">
-                    <a:schemeClr val="bg2"/>
-                  </a:outerShdw>
-                </a:effectLst>
-              </a14:hiddenEffects>
-            </a:ext>
-          </a:extLst>
-        </p:spPr>
-        <p:txBody>
-          <a:bodyPr vert="horz" wrap="square" lIns="91440" tIns="45720" rIns="91440" bIns="45720" numCol="1" anchor="ctr" anchorCtr="0" compatLnSpc="1">
-            <a:prstTxWarp prst="textNoShape">
-              <a:avLst/>
-            </a:prstTxWarp>
+          <a:noFill/>
+        </p:spPr>
+        <p:txBody>
+          <a:bodyPr wrap="none" rtlCol="0">
             <a:spAutoFit/>
           </a:bodyPr>
           <a:lstStyle/>
           <a:p>
-            <a:pPr marL="0" marR="0" lvl="0" indent="0" algn="l" defTabSz="914400" rtl="0" eaLnBrk="0" fontAlgn="base" latinLnBrk="0" hangingPunct="0">
-              <a:lnSpc>
-                <a:spcPct val="100000"/>
-              </a:lnSpc>
-              <a:spcBef>
-                <a:spcPct val="0"/>
-              </a:spcBef>
-              <a:spcAft>
-                <a:spcPct val="0"/>
-              </a:spcAft>
-              <a:buClrTx/>
-              <a:buSzTx/>
-              <a:buFontTx/>
-              <a:buNone/>
-              <a:tabLst/>
+            <a:pPr marL="285750" indent="-285750">
+              <a:buFont typeface="Arial" panose="020B0604020202020204" pitchFamily="34" charset="0"/>
+              <a:buChar char="•"/>
             </a:pPr>
             <a:r>
-              <a:rPr kumimoji="0" lang="it-IT" altLang="it-IT" sz="1600" b="0" i="0" u="none" strike="noStrike" cap="none" normalizeH="0" baseline="0" dirty="0">
-                <a:ln>
-                  <a:noFill/>
-                </a:ln>
-                <a:solidFill>
-                  <a:srgbClr val="CC7832"/>
-                </a:solidFill>
-                <a:effectLst/>
-                <a:latin typeface="Consolas" panose="020B0609020204030204" pitchFamily="49" charset="0"/>
-              </a:rPr>
-              <a:t>def </a:t>
-            </a:r>
-            <a:r>
-              <a:rPr kumimoji="0" lang="it-IT" altLang="it-IT" sz="1600" b="0" i="0" u="none" strike="noStrike" cap="none" normalizeH="0" baseline="0" dirty="0">
-                <a:ln>
-                  <a:noFill/>
-                </a:ln>
-                <a:solidFill>
-                  <a:srgbClr val="FFC66D"/>
-                </a:solidFill>
-                <a:effectLst/>
-                <a:latin typeface="Consolas" panose="020B0609020204030204" pitchFamily="49" charset="0"/>
-              </a:rPr>
-              <a:t>get_next_action</a:t>
-            </a:r>
-            <a:r>
-              <a:rPr kumimoji="0" lang="it-IT" altLang="it-IT" sz="1600" b="0" i="0" u="none" strike="noStrike" cap="none" normalizeH="0" baseline="0" dirty="0">
-                <a:ln>
-                  <a:noFill/>
-                </a:ln>
-                <a:solidFill>
-                  <a:srgbClr val="A9B7C6"/>
-                </a:solidFill>
-                <a:effectLst/>
-                <a:latin typeface="Consolas" panose="020B0609020204030204" pitchFamily="49" charset="0"/>
-              </a:rPr>
-              <a:t>(s):</a:t>
-            </a:r>
-            <a:br>
-              <a:rPr kumimoji="0" lang="it-IT" altLang="it-IT" sz="1600" b="0" i="0" u="none" strike="noStrike" cap="none" normalizeH="0" baseline="0" dirty="0">
-                <a:ln>
-                  <a:noFill/>
-                </a:ln>
-                <a:solidFill>
-                  <a:srgbClr val="A9B7C6"/>
-                </a:solidFill>
-                <a:effectLst/>
-                <a:latin typeface="Consolas" panose="020B0609020204030204" pitchFamily="49" charset="0"/>
-              </a:rPr>
-            </a:br>
-            <a:r>
-              <a:rPr kumimoji="0" lang="it-IT" altLang="it-IT" sz="1600" b="0" i="0" u="none" strike="noStrike" cap="none" normalizeH="0" baseline="0" dirty="0">
-                <a:ln>
-                  <a:noFill/>
-                </a:ln>
-                <a:solidFill>
-                  <a:srgbClr val="A9B7C6"/>
-                </a:solidFill>
-                <a:effectLst/>
-                <a:latin typeface="Consolas" panose="020B0609020204030204" pitchFamily="49" charset="0"/>
-              </a:rPr>
-              <a:t>    probability = random.random()</a:t>
-            </a:r>
-            <a:br>
-              <a:rPr kumimoji="0" lang="it-IT" altLang="it-IT" sz="1600" b="0" i="0" u="none" strike="noStrike" cap="none" normalizeH="0" baseline="0" dirty="0">
-                <a:ln>
-                  <a:noFill/>
-                </a:ln>
-                <a:solidFill>
-                  <a:srgbClr val="A9B7C6"/>
-                </a:solidFill>
-                <a:effectLst/>
-                <a:latin typeface="Consolas" panose="020B0609020204030204" pitchFamily="49" charset="0"/>
-              </a:rPr>
-            </a:br>
-            <a:r>
-              <a:rPr kumimoji="0" lang="it-IT" altLang="it-IT" sz="1600" b="0" i="0" u="none" strike="noStrike" cap="none" normalizeH="0" baseline="0" dirty="0">
-                <a:ln>
-                  <a:noFill/>
-                </a:ln>
-                <a:solidFill>
-                  <a:srgbClr val="A9B7C6"/>
-                </a:solidFill>
-                <a:effectLst/>
-                <a:latin typeface="Consolas" panose="020B0609020204030204" pitchFamily="49" charset="0"/>
-              </a:rPr>
-              <a:t>    </a:t>
-            </a:r>
-            <a:r>
-              <a:rPr kumimoji="0" lang="it-IT" altLang="it-IT" sz="1600" b="0" i="0" u="none" strike="noStrike" cap="none" normalizeH="0" baseline="0" dirty="0">
-                <a:ln>
-                  <a:noFill/>
-                </a:ln>
-                <a:solidFill>
-                  <a:srgbClr val="CC7832"/>
-                </a:solidFill>
-                <a:effectLst/>
-                <a:latin typeface="Consolas" panose="020B0609020204030204" pitchFamily="49" charset="0"/>
-              </a:rPr>
-              <a:t>if </a:t>
-            </a:r>
-            <a:r>
-              <a:rPr kumimoji="0" lang="it-IT" altLang="it-IT" sz="1600" b="0" i="0" u="none" strike="noStrike" cap="none" normalizeH="0" baseline="0" dirty="0">
-                <a:ln>
-                  <a:noFill/>
-                </a:ln>
-                <a:solidFill>
-                  <a:srgbClr val="A9B7C6"/>
-                </a:solidFill>
-                <a:effectLst/>
-                <a:latin typeface="Consolas" panose="020B0609020204030204" pitchFamily="49" charset="0"/>
-              </a:rPr>
-              <a:t>probability &lt; epsilon:</a:t>
-            </a:r>
-            <a:br>
-              <a:rPr kumimoji="0" lang="it-IT" altLang="it-IT" sz="1600" b="0" i="0" u="none" strike="noStrike" cap="none" normalizeH="0" baseline="0" dirty="0">
-                <a:ln>
-                  <a:noFill/>
-                </a:ln>
-                <a:solidFill>
-                  <a:srgbClr val="A9B7C6"/>
-                </a:solidFill>
-                <a:effectLst/>
-                <a:latin typeface="Consolas" panose="020B0609020204030204" pitchFamily="49" charset="0"/>
-              </a:rPr>
-            </a:br>
-            <a:r>
-              <a:rPr kumimoji="0" lang="it-IT" altLang="it-IT" sz="1600" b="0" i="0" u="none" strike="noStrike" cap="none" normalizeH="0" baseline="0" dirty="0">
-                <a:ln>
-                  <a:noFill/>
-                </a:ln>
-                <a:solidFill>
-                  <a:srgbClr val="A9B7C6"/>
-                </a:solidFill>
-                <a:effectLst/>
-                <a:latin typeface="Consolas" panose="020B0609020204030204" pitchFamily="49" charset="0"/>
-              </a:rPr>
-              <a:t>        action = random.randint(</a:t>
-            </a:r>
-            <a:r>
-              <a:rPr kumimoji="0" lang="it-IT" altLang="it-IT" sz="1600" b="0" i="0" u="none" strike="noStrike" cap="none" normalizeH="0" baseline="0" dirty="0">
-                <a:ln>
-                  <a:noFill/>
-                </a:ln>
-                <a:solidFill>
-                  <a:srgbClr val="6897BB"/>
-                </a:solidFill>
-                <a:effectLst/>
-                <a:latin typeface="Consolas" panose="020B0609020204030204" pitchFamily="49" charset="0"/>
-              </a:rPr>
-              <a:t>0</a:t>
-            </a:r>
-            <a:r>
-              <a:rPr kumimoji="0" lang="it-IT" altLang="it-IT" sz="1600" b="0" i="0" u="none" strike="noStrike" cap="none" normalizeH="0" baseline="0" dirty="0">
-                <a:ln>
-                  <a:noFill/>
-                </a:ln>
-                <a:solidFill>
-                  <a:srgbClr val="CC7832"/>
-                </a:solidFill>
-                <a:effectLst/>
-                <a:latin typeface="Consolas" panose="020B0609020204030204" pitchFamily="49" charset="0"/>
-              </a:rPr>
-              <a:t>, </a:t>
-            </a:r>
-            <a:r>
-              <a:rPr kumimoji="0" lang="it-IT" altLang="it-IT" sz="1600" b="0" i="0" u="none" strike="noStrike" cap="none" normalizeH="0" baseline="0" dirty="0">
-                <a:ln>
-                  <a:noFill/>
-                </a:ln>
-                <a:solidFill>
-                  <a:srgbClr val="6897BB"/>
-                </a:solidFill>
-                <a:effectLst/>
-                <a:latin typeface="Consolas" panose="020B0609020204030204" pitchFamily="49" charset="0"/>
-              </a:rPr>
-              <a:t>3</a:t>
-            </a:r>
-            <a:r>
-              <a:rPr kumimoji="0" lang="it-IT" altLang="it-IT" sz="1200" b="0" i="0" u="none" strike="noStrike" cap="none" normalizeH="0" baseline="0" dirty="0">
-                <a:ln>
-                  <a:noFill/>
-                </a:ln>
-                <a:solidFill>
-                  <a:srgbClr val="A9B7C6"/>
-                </a:solidFill>
-                <a:effectLst/>
-                <a:latin typeface="Consolas" panose="020B0609020204030204" pitchFamily="49" charset="0"/>
-              </a:rPr>
-              <a:t>)  </a:t>
-            </a:r>
-            <a:r>
-              <a:rPr kumimoji="0" lang="it-IT" altLang="it-IT" sz="1200" b="0" i="0" u="none" strike="noStrike" cap="none" normalizeH="0" baseline="0" dirty="0">
-                <a:ln>
-                  <a:noFill/>
-                </a:ln>
-                <a:solidFill>
-                  <a:srgbClr val="808080"/>
-                </a:solidFill>
-                <a:effectLst/>
-                <a:latin typeface="Consolas" panose="020B0609020204030204" pitchFamily="49" charset="0"/>
-              </a:rPr>
-              <a:t># Choose an action at random</a:t>
-            </a:r>
-            <a:br>
-              <a:rPr kumimoji="0" lang="it-IT" altLang="it-IT" sz="1200" b="0" i="0" u="none" strike="noStrike" cap="none" normalizeH="0" baseline="0" dirty="0">
-                <a:ln>
-                  <a:noFill/>
-                </a:ln>
-                <a:solidFill>
-                  <a:srgbClr val="808080"/>
-                </a:solidFill>
-                <a:effectLst/>
-                <a:latin typeface="Consolas" panose="020B0609020204030204" pitchFamily="49" charset="0"/>
-              </a:rPr>
-            </a:br>
-            <a:r>
-              <a:rPr kumimoji="0" lang="it-IT" altLang="it-IT" sz="1600" b="0" i="0" u="none" strike="noStrike" cap="none" normalizeH="0" baseline="0" dirty="0">
-                <a:ln>
-                  <a:noFill/>
-                </a:ln>
-                <a:solidFill>
-                  <a:srgbClr val="808080"/>
-                </a:solidFill>
-                <a:effectLst/>
-                <a:latin typeface="Consolas" panose="020B0609020204030204" pitchFamily="49" charset="0"/>
-              </a:rPr>
-              <a:t>        </a:t>
-            </a:r>
-            <a:r>
-              <a:rPr kumimoji="0" lang="it-IT" altLang="it-IT" sz="1600" b="0" i="0" u="none" strike="noStrike" cap="none" normalizeH="0" baseline="0" dirty="0">
-                <a:ln>
-                  <a:noFill/>
-                </a:ln>
-                <a:solidFill>
-                  <a:srgbClr val="CC7832"/>
-                </a:solidFill>
-                <a:effectLst/>
-                <a:latin typeface="Consolas" panose="020B0609020204030204" pitchFamily="49" charset="0"/>
-              </a:rPr>
-              <a:t>return </a:t>
-            </a:r>
-            <a:r>
-              <a:rPr kumimoji="0" lang="it-IT" altLang="it-IT" sz="1600" b="0" i="0" u="none" strike="noStrike" cap="none" normalizeH="0" baseline="0" dirty="0">
-                <a:ln>
-                  <a:noFill/>
-                </a:ln>
-                <a:solidFill>
-                  <a:srgbClr val="A9B7C6"/>
-                </a:solidFill>
-                <a:effectLst/>
-                <a:latin typeface="Consolas" panose="020B0609020204030204" pitchFamily="49" charset="0"/>
-              </a:rPr>
-              <a:t>action</a:t>
-            </a:r>
-            <a:br>
-              <a:rPr kumimoji="0" lang="it-IT" altLang="it-IT" sz="1600" b="0" i="0" u="none" strike="noStrike" cap="none" normalizeH="0" baseline="0" dirty="0">
-                <a:ln>
-                  <a:noFill/>
-                </a:ln>
-                <a:solidFill>
-                  <a:srgbClr val="A9B7C6"/>
-                </a:solidFill>
-                <a:effectLst/>
-                <a:latin typeface="Consolas" panose="020B0609020204030204" pitchFamily="49" charset="0"/>
-              </a:rPr>
-            </a:br>
-            <a:r>
-              <a:rPr kumimoji="0" lang="it-IT" altLang="it-IT" sz="1600" b="0" i="0" u="none" strike="noStrike" cap="none" normalizeH="0" baseline="0" dirty="0">
-                <a:ln>
-                  <a:noFill/>
-                </a:ln>
-                <a:solidFill>
-                  <a:srgbClr val="A9B7C6"/>
-                </a:solidFill>
-                <a:effectLst/>
-                <a:latin typeface="Consolas" panose="020B0609020204030204" pitchFamily="49" charset="0"/>
-              </a:rPr>
-              <a:t>    </a:t>
-            </a:r>
-            <a:r>
-              <a:rPr kumimoji="0" lang="it-IT" altLang="it-IT" sz="1600" b="0" i="0" u="none" strike="noStrike" cap="none" normalizeH="0" baseline="0" dirty="0">
-                <a:ln>
-                  <a:noFill/>
-                </a:ln>
-                <a:solidFill>
-                  <a:srgbClr val="CC7832"/>
-                </a:solidFill>
-                <a:effectLst/>
-                <a:latin typeface="Consolas" panose="020B0609020204030204" pitchFamily="49" charset="0"/>
-              </a:rPr>
-              <a:t>else</a:t>
-            </a:r>
-            <a:r>
-              <a:rPr kumimoji="0" lang="it-IT" altLang="it-IT" sz="1600" b="0" i="0" u="none" strike="noStrike" cap="none" normalizeH="0" baseline="0" dirty="0">
-                <a:ln>
-                  <a:noFill/>
-                </a:ln>
-                <a:solidFill>
-                  <a:srgbClr val="A9B7C6"/>
-                </a:solidFill>
-                <a:effectLst/>
-                <a:latin typeface="Consolas" panose="020B0609020204030204" pitchFamily="49" charset="0"/>
-              </a:rPr>
-              <a:t>:  </a:t>
-            </a:r>
-            <a:r>
-              <a:rPr kumimoji="0" lang="it-IT" altLang="it-IT" sz="1400" b="0" i="0" u="none" strike="noStrike" cap="none" normalizeH="0" baseline="0" dirty="0">
-                <a:ln>
-                  <a:noFill/>
-                </a:ln>
-                <a:solidFill>
-                  <a:srgbClr val="808080"/>
-                </a:solidFill>
-                <a:effectLst/>
-                <a:latin typeface="Consolas" panose="020B0609020204030204" pitchFamily="49" charset="0"/>
-              </a:rPr>
-              <a:t># Otherwise, greedily choose best action based on estimated reward of surrounding states</a:t>
-            </a:r>
-            <a:br>
-              <a:rPr kumimoji="0" lang="it-IT" altLang="it-IT" sz="1600" b="0" i="0" u="none" strike="noStrike" cap="none" normalizeH="0" baseline="0" dirty="0">
-                <a:ln>
-                  <a:noFill/>
-                </a:ln>
-                <a:solidFill>
-                  <a:srgbClr val="808080"/>
-                </a:solidFill>
-                <a:effectLst/>
-                <a:latin typeface="Consolas" panose="020B0609020204030204" pitchFamily="49" charset="0"/>
-              </a:rPr>
-            </a:br>
-            <a:r>
-              <a:rPr kumimoji="0" lang="it-IT" altLang="it-IT" sz="1600" b="0" i="0" u="none" strike="noStrike" cap="none" normalizeH="0" baseline="0" dirty="0">
-                <a:ln>
-                  <a:noFill/>
-                </a:ln>
-                <a:solidFill>
-                  <a:srgbClr val="808080"/>
-                </a:solidFill>
-                <a:effectLst/>
-                <a:latin typeface="Consolas" panose="020B0609020204030204" pitchFamily="49" charset="0"/>
-              </a:rPr>
-              <a:t>        </a:t>
-            </a:r>
-            <a:r>
-              <a:rPr kumimoji="0" lang="it-IT" altLang="it-IT" sz="1600" b="0" i="0" u="none" strike="noStrike" cap="none" normalizeH="0" baseline="0" dirty="0">
-                <a:ln>
-                  <a:noFill/>
-                </a:ln>
-                <a:solidFill>
-                  <a:srgbClr val="CC7832"/>
-                </a:solidFill>
-                <a:effectLst/>
-                <a:latin typeface="Consolas" panose="020B0609020204030204" pitchFamily="49" charset="0"/>
-              </a:rPr>
-              <a:t>return </a:t>
-            </a:r>
-            <a:r>
-              <a:rPr kumimoji="0" lang="it-IT" altLang="it-IT" sz="1600" b="0" i="0" u="none" strike="noStrike" cap="none" normalizeH="0" baseline="0" dirty="0">
-                <a:ln>
-                  <a:noFill/>
-                </a:ln>
-                <a:solidFill>
-                  <a:srgbClr val="A9B7C6"/>
-                </a:solidFill>
-                <a:effectLst/>
-                <a:latin typeface="Consolas" panose="020B0609020204030204" pitchFamily="49" charset="0"/>
-              </a:rPr>
-              <a:t>np.argmax(Q_matrix[s.row][s.column])</a:t>
-            </a:r>
-            <a:endParaRPr kumimoji="0" lang="it-IT" altLang="it-IT" sz="3600" b="0" i="0" u="none" strike="noStrike" cap="none" normalizeH="0" baseline="0" dirty="0">
-              <a:ln>
-                <a:noFill/>
-              </a:ln>
-              <a:solidFill>
-                <a:schemeClr val="tx1"/>
-              </a:solidFill>
-              <a:effectLst/>
-              <a:latin typeface="Arial" panose="020B0604020202020204" pitchFamily="34" charset="0"/>
-            </a:endParaRPr>
-          </a:p>
-        </p:txBody>
-      </p:sp>
-      <mc:AlternateContent xmlns:mc="http://schemas.openxmlformats.org/markup-compatibility/2006" xmlns:a14="http://schemas.microsoft.com/office/drawing/2010/main">
-        <mc:Choice Requires="a14">
-          <p:sp>
-            <p:nvSpPr>
-              <p:cNvPr id="45" name="CasellaDiTesto 44">
-                <a:extLst>
-                  <a:ext uri="{FF2B5EF4-FFF2-40B4-BE49-F238E27FC236}">
-                    <a16:creationId xmlns:a16="http://schemas.microsoft.com/office/drawing/2014/main" id="{E59DB4EB-88F0-4CA9-B327-046019AD4059}"/>
-                  </a:ext>
-                </a:extLst>
-              </p:cNvPr>
-              <p:cNvSpPr txBox="1"/>
-              <p:nvPr/>
-            </p:nvSpPr>
-            <p:spPr>
-              <a:xfrm>
-                <a:off x="5095300" y="871608"/>
-                <a:ext cx="4639543" cy="461665"/>
-              </a:xfrm>
-              <a:prstGeom prst="rect">
-                <a:avLst/>
-              </a:prstGeom>
-              <a:noFill/>
-            </p:spPr>
-            <p:txBody>
-              <a:bodyPr wrap="square" rtlCol="0">
-                <a:spAutoFit/>
-              </a:bodyPr>
-              <a:lstStyle/>
-              <a:p>
-                <a:r>
-                  <a:rPr lang="it-IT" sz="2400" dirty="0"/>
-                  <a:t>Policy </a:t>
-                </a:r>
-                <a:r>
-                  <a:rPr lang="it-IT" sz="2400" dirty="0" err="1"/>
-                  <a:t>followed</a:t>
-                </a:r>
-                <a:r>
-                  <a:rPr lang="it-IT" sz="2400" dirty="0"/>
-                  <a:t> --&gt; </a:t>
-                </a:r>
-                <a14:m>
-                  <m:oMath xmlns:m="http://schemas.openxmlformats.org/officeDocument/2006/math">
-                    <m:r>
-                      <m:rPr>
-                        <m:sty m:val="p"/>
-                      </m:rPr>
-                      <a:rPr lang="it-IT" sz="2400" b="0" i="1" smtClean="0">
-                        <a:latin typeface="Cambria Math" panose="02040503050406030204" pitchFamily="18" charset="0"/>
-                      </a:rPr>
-                      <m:t>ϵ</m:t>
-                    </m:r>
-                  </m:oMath>
-                </a14:m>
-                <a:r>
-                  <a:rPr lang="it-IT" sz="2400" b="0" dirty="0"/>
-                  <a:t> - </a:t>
-                </a:r>
-                <a:r>
-                  <a:rPr lang="it-IT" sz="2400" b="0" dirty="0" err="1"/>
-                  <a:t>greedy</a:t>
-                </a:r>
-                <a:endParaRPr lang="it-IT" sz="2400" b="0" dirty="0"/>
-              </a:p>
-            </p:txBody>
-          </p:sp>
-        </mc:Choice>
-        <mc:Fallback xmlns="">
-          <p:sp>
-            <p:nvSpPr>
-              <p:cNvPr id="45" name="CasellaDiTesto 44">
-                <a:extLst>
-                  <a:ext uri="{FF2B5EF4-FFF2-40B4-BE49-F238E27FC236}">
-                    <a16:creationId xmlns:a16="http://schemas.microsoft.com/office/drawing/2014/main" id="{E59DB4EB-88F0-4CA9-B327-046019AD4059}"/>
-                  </a:ext>
-                </a:extLst>
-              </p:cNvPr>
-              <p:cNvSpPr txBox="1">
-                <a:spLocks noRot="1" noChangeAspect="1" noMove="1" noResize="1" noEditPoints="1" noAdjustHandles="1" noChangeArrowheads="1" noChangeShapeType="1" noTextEdit="1"/>
-              </p:cNvSpPr>
-              <p:nvPr/>
-            </p:nvSpPr>
-            <p:spPr>
-              <a:xfrm>
-                <a:off x="5095300" y="871608"/>
-                <a:ext cx="4639543" cy="461665"/>
-              </a:xfrm>
-              <a:prstGeom prst="rect">
-                <a:avLst/>
-              </a:prstGeom>
-              <a:blipFill>
-                <a:blip r:embed="rId6"/>
-                <a:stretch>
-                  <a:fillRect l="-2102" t="-10526" b="-28947"/>
-                </a:stretch>
-              </a:blipFill>
-            </p:spPr>
-            <p:txBody>
-              <a:bodyPr/>
-              <a:lstStyle/>
-              <a:p>
-                <a:r>
-                  <a:rPr lang="it-IT">
-                    <a:noFill/>
-                  </a:rPr>
-                  <a:t> </a:t>
-                </a:r>
-              </a:p>
-            </p:txBody>
-          </p:sp>
-        </mc:Fallback>
-      </mc:AlternateContent>
+              <a:rPr lang="de-DE" dirty="0"/>
+              <a:t>10 </a:t>
+            </a:r>
+            <a:r>
+              <a:rPr lang="de-DE" dirty="0" err="1"/>
+              <a:t>Bandits</a:t>
+            </a:r>
+            <a:endParaRPr lang="de-DE" dirty="0"/>
+          </a:p>
+          <a:p>
+            <a:pPr marL="285750" indent="-285750">
+              <a:buFont typeface="Arial" panose="020B0604020202020204" pitchFamily="34" charset="0"/>
+              <a:buChar char="•"/>
+            </a:pPr>
+            <a:r>
+              <a:rPr lang="de-DE" dirty="0"/>
+              <a:t>Fixed </a:t>
+            </a:r>
+            <a:r>
+              <a:rPr lang="de-DE" dirty="0" err="1"/>
+              <a:t>distribution</a:t>
+            </a:r>
+            <a:r>
+              <a:rPr lang="de-DE" dirty="0"/>
+              <a:t> </a:t>
+            </a:r>
+          </a:p>
+        </p:txBody>
+      </p:sp>
     </p:spTree>
     <p:extLst>
       <p:ext uri="{BB962C8B-B14F-4D97-AF65-F5344CB8AC3E}">
-        <p14:creationId xmlns:p14="http://schemas.microsoft.com/office/powerpoint/2010/main" val="625313795"/>
+        <p14:creationId xmlns:p14="http://schemas.microsoft.com/office/powerpoint/2010/main" val="4080769538"/>
       </p:ext>
     </p:extLst>
   </p:cSld>
@@ -8936,12 +11219,49 @@
           <a:chExt cx="0" cy="0"/>
         </a:xfrm>
       </p:grpSpPr>
+      <p:pic>
+        <p:nvPicPr>
+          <p:cNvPr id="14" name="Picture 13">
+            <a:extLst>
+              <a:ext uri="{FF2B5EF4-FFF2-40B4-BE49-F238E27FC236}">
+                <a16:creationId xmlns:a16="http://schemas.microsoft.com/office/drawing/2014/main" id="{EDBA63DC-2BD3-894B-AA56-258568C68045}"/>
+              </a:ext>
+            </a:extLst>
+          </p:cNvPr>
+          <p:cNvPicPr>
+            <a:picLocks noChangeAspect="1"/>
+          </p:cNvPicPr>
+          <p:nvPr/>
+        </p:nvPicPr>
+        <p:blipFill>
+          <a:blip r:embed="rId2">
+            <a:alphaModFix amt="15000"/>
+            <a:extLst>
+              <a:ext uri="{28A0092B-C50C-407E-A947-70E740481C1C}">
+                <a14:useLocalDpi xmlns:a14="http://schemas.microsoft.com/office/drawing/2010/main" val="0"/>
+              </a:ext>
+            </a:extLst>
+          </a:blip>
+          <a:stretch>
+            <a:fillRect/>
+          </a:stretch>
+        </p:blipFill>
+        <p:spPr>
+          <a:xfrm>
+            <a:off x="4414469" y="-135467"/>
+            <a:ext cx="7494796" cy="6858000"/>
+          </a:xfrm>
+          <a:prstGeom prst="rect">
+            <a:avLst/>
+          </a:prstGeom>
+        </p:spPr>
+      </p:pic>
       <p:sp>
         <p:nvSpPr>
           <p:cNvPr id="2" name="Titolo 1">
             <a:extLst>
               <a:ext uri="{FF2B5EF4-FFF2-40B4-BE49-F238E27FC236}">
-                <a16:creationId xmlns:a16="http://schemas.microsoft.com/office/drawing/2014/main" id="{A9ECF49E-4A32-43B4-8A56-EAC8CCE79F19}"/>
+                <a16:creationId xmlns:a16="http://schemas.microsoft.com/office/drawing/2014/main" id="{7C3CD4E9-DB64-4918-82F7-8F8A8315170B}"/>
               </a:ext>
             </a:extLst>
           </p:cNvPr>
@@ -8952,309 +11272,124 @@
             <p:ph type="title"/>
           </p:nvPr>
         </p:nvSpPr>
-        <p:spPr/>
+        <p:spPr>
+          <a:xfrm>
+            <a:off x="-89799" y="-263527"/>
+            <a:ext cx="10515600" cy="1325563"/>
+          </a:xfrm>
+        </p:spPr>
         <p:txBody>
           <a:bodyPr/>
           <a:lstStyle/>
           <a:p>
             <a:r>
-              <a:rPr lang="it-IT" dirty="0" err="1"/>
-              <a:t>Experimental</a:t>
-            </a:r>
-            <a:r>
-              <a:rPr lang="it-IT" dirty="0"/>
-              <a:t> setup</a:t>
-            </a:r>
-          </a:p>
-        </p:txBody>
-      </p:sp>
-      <p:sp>
-        <p:nvSpPr>
-          <p:cNvPr id="3" name="Segnaposto contenuto 2">
-            <a:extLst>
-              <a:ext uri="{FF2B5EF4-FFF2-40B4-BE49-F238E27FC236}">
-                <a16:creationId xmlns:a16="http://schemas.microsoft.com/office/drawing/2014/main" id="{998517DF-D68A-4114-BBD7-B3A9F00609ED}"/>
-              </a:ext>
-            </a:extLst>
-          </p:cNvPr>
-          <p:cNvSpPr>
-            <a:spLocks noGrp="1"/>
-          </p:cNvSpPr>
+              <a:rPr lang="it-IT" dirty="0"/>
+              <a:t>Experiment 1</a:t>
+            </a:r>
+          </a:p>
+        </p:txBody>
+      </p:sp>
+      <p:pic>
+        <p:nvPicPr>
+          <p:cNvPr id="7" name="Content Placeholder 6">
+            <a:extLst>
+              <a:ext uri="{FF2B5EF4-FFF2-40B4-BE49-F238E27FC236}">
+                <a16:creationId xmlns:a16="http://schemas.microsoft.com/office/drawing/2014/main" id="{295D2EC4-3816-DD4F-B3C6-9CA956CA48F0}"/>
+              </a:ext>
+            </a:extLst>
+          </p:cNvPr>
+          <p:cNvPicPr>
+            <a:picLocks noGrp="1" noChangeAspect="1"/>
+          </p:cNvPicPr>
           <p:nvPr>
             <p:ph idx="1"/>
           </p:nvPr>
-        </p:nvSpPr>
-        <p:spPr/>
-        <p:txBody>
-          <a:bodyPr>
-            <a:normAutofit lnSpcReduction="10000"/>
-          </a:bodyPr>
-          <a:lstStyle/>
-          <a:p>
-            <a:r>
-              <a:rPr lang="it-IT" b="0" dirty="0" err="1"/>
-              <a:t>Initialize</a:t>
-            </a:r>
-            <a:r>
-              <a:rPr lang="it-IT" b="0" dirty="0"/>
-              <a:t> Q(</a:t>
-            </a:r>
-            <a:r>
-              <a:rPr lang="it-IT" b="0" dirty="0" err="1"/>
-              <a:t>s,a</a:t>
-            </a:r>
-            <a:r>
-              <a:rPr lang="it-IT" b="0" dirty="0"/>
-              <a:t>) with </a:t>
-            </a:r>
-            <a:r>
-              <a:rPr lang="it-IT" b="0" dirty="0" err="1"/>
-              <a:t>arbitrarily</a:t>
-            </a:r>
-            <a:r>
-              <a:rPr lang="it-IT" b="0" dirty="0"/>
-              <a:t> </a:t>
-            </a:r>
-            <a:r>
-              <a:rPr lang="it-IT" b="0" dirty="0" err="1"/>
-              <a:t>values</a:t>
-            </a:r>
-            <a:r>
-              <a:rPr lang="it-IT" b="0" dirty="0"/>
-              <a:t> (in </a:t>
-            </a:r>
-            <a:r>
-              <a:rPr lang="it-IT" b="0" dirty="0" err="1"/>
-              <a:t>our</a:t>
-            </a:r>
-            <a:r>
-              <a:rPr lang="it-IT" b="0" dirty="0"/>
-              <a:t> case 0), </a:t>
-            </a:r>
-            <a:r>
-              <a:rPr lang="it-IT" b="0" dirty="0" err="1"/>
-              <a:t>except</a:t>
-            </a:r>
-            <a:r>
-              <a:rPr lang="it-IT" b="0" dirty="0"/>
-              <a:t> for the terminal state </a:t>
-            </a:r>
-            <a:r>
-              <a:rPr lang="it-IT" b="0" dirty="0" err="1"/>
-              <a:t>that</a:t>
-            </a:r>
-            <a:r>
-              <a:rPr lang="it-IT" b="0" dirty="0"/>
-              <a:t> must be </a:t>
-            </a:r>
-            <a:r>
-              <a:rPr lang="it-IT" b="0" dirty="0" err="1"/>
-              <a:t>equals</a:t>
-            </a:r>
-            <a:r>
-              <a:rPr lang="it-IT" b="0" dirty="0"/>
-              <a:t> to 0</a:t>
-            </a:r>
-          </a:p>
-          <a:p>
-            <a:pPr marL="0" indent="0">
-              <a:buNone/>
-            </a:pPr>
-            <a:r>
-              <a:rPr lang="it-IT" b="0" dirty="0"/>
-              <a:t>	</a:t>
-            </a:r>
-          </a:p>
-          <a:p>
-            <a:pPr marL="0" indent="0">
-              <a:buNone/>
-            </a:pPr>
-            <a:endParaRPr lang="it-IT" dirty="0"/>
-          </a:p>
-          <a:p>
-            <a:pPr marL="0" indent="0">
-              <a:buNone/>
-            </a:pPr>
-            <a:endParaRPr lang="it-IT" dirty="0"/>
-          </a:p>
-          <a:p>
-            <a:pPr marL="0" indent="0">
-              <a:buNone/>
-            </a:pPr>
-            <a:endParaRPr lang="it-IT" dirty="0"/>
-          </a:p>
-          <a:p>
-            <a:pPr marL="0" indent="0">
-              <a:buNone/>
-            </a:pPr>
-            <a:endParaRPr lang="it-IT" dirty="0"/>
-          </a:p>
-          <a:p>
-            <a:r>
-              <a:rPr lang="it-IT" dirty="0" err="1"/>
-              <a:t>Algorithm</a:t>
-            </a:r>
-            <a:r>
-              <a:rPr lang="it-IT" dirty="0"/>
-              <a:t> </a:t>
-            </a:r>
-            <a:r>
-              <a:rPr lang="it-IT" dirty="0" err="1"/>
-              <a:t>parameters</a:t>
-            </a:r>
-            <a:r>
-              <a:rPr lang="it-IT" dirty="0"/>
-              <a:t> (</a:t>
-            </a:r>
-            <a:r>
-              <a:rPr lang="it-IT" dirty="0" err="1"/>
-              <a:t>not</a:t>
-            </a:r>
-            <a:r>
-              <a:rPr lang="it-IT" dirty="0"/>
-              <a:t> the </a:t>
-            </a:r>
-            <a:r>
-              <a:rPr lang="it-IT" dirty="0" err="1"/>
-              <a:t>same</a:t>
-            </a:r>
-            <a:r>
-              <a:rPr lang="it-IT" dirty="0"/>
-              <a:t> </a:t>
-            </a:r>
-            <a:r>
-              <a:rPr lang="it-IT" dirty="0" err="1"/>
-              <a:t>every</a:t>
-            </a:r>
-            <a:r>
-              <a:rPr lang="it-IT" dirty="0"/>
-              <a:t> </a:t>
-            </a:r>
-          </a:p>
-          <a:p>
-            <a:pPr marL="0" indent="0">
-              <a:buNone/>
-            </a:pPr>
-            <a:r>
-              <a:rPr lang="it-IT" dirty="0"/>
-              <a:t>   time, </a:t>
-            </a:r>
-            <a:r>
-              <a:rPr lang="it-IT" dirty="0" err="1"/>
-              <a:t>they</a:t>
-            </a:r>
-            <a:r>
-              <a:rPr lang="it-IT" dirty="0"/>
-              <a:t> must be </a:t>
-            </a:r>
-            <a:r>
-              <a:rPr lang="it-IT" dirty="0" err="1"/>
-              <a:t>tuned</a:t>
-            </a:r>
-            <a:r>
-              <a:rPr lang="it-IT" dirty="0"/>
-              <a:t>)</a:t>
-            </a:r>
-          </a:p>
-          <a:p>
-            <a:endParaRPr lang="it-IT" dirty="0"/>
-          </a:p>
-        </p:txBody>
-      </p:sp>
-      <p:pic>
-        <p:nvPicPr>
-          <p:cNvPr id="5" name="Immagine 4">
-            <a:extLst>
-              <a:ext uri="{FF2B5EF4-FFF2-40B4-BE49-F238E27FC236}">
-                <a16:creationId xmlns:a16="http://schemas.microsoft.com/office/drawing/2014/main" id="{77CD9F90-81B6-43C1-870E-AAF82EFC9830}"/>
-              </a:ext>
-            </a:extLst>
-          </p:cNvPr>
-          <p:cNvPicPr>
-            <a:picLocks noChangeAspect="1"/>
-          </p:cNvPicPr>
-          <p:nvPr/>
         </p:nvPicPr>
         <p:blipFill>
-          <a:blip r:embed="rId2"/>
+          <a:blip r:embed="rId3">
+            <a:extLst>
+              <a:ext uri="{28A0092B-C50C-407E-A947-70E740481C1C}">
+                <a14:useLocalDpi xmlns:a14="http://schemas.microsoft.com/office/drawing/2010/main" val="0"/>
+              </a:ext>
+            </a:extLst>
+          </a:blip>
           <a:stretch>
             <a:fillRect/>
           </a:stretch>
         </p:blipFill>
         <p:spPr>
           <a:xfrm>
-            <a:off x="1143000" y="2658061"/>
-            <a:ext cx="9843868" cy="493102"/>
+            <a:off x="3019899" y="0"/>
+            <a:ext cx="9172102" cy="6850593"/>
+          </a:xfrm>
+        </p:spPr>
+      </p:pic>
+      <p:sp>
+        <p:nvSpPr>
+          <p:cNvPr id="9" name="TextBox 8">
+            <a:extLst>
+              <a:ext uri="{FF2B5EF4-FFF2-40B4-BE49-F238E27FC236}">
+                <a16:creationId xmlns:a16="http://schemas.microsoft.com/office/drawing/2014/main" id="{C2F39E27-1FD6-9949-80D5-4D8EEFF46CF2}"/>
+              </a:ext>
+            </a:extLst>
+          </p:cNvPr>
+          <p:cNvSpPr txBox="1"/>
+          <p:nvPr/>
+        </p:nvSpPr>
+        <p:spPr>
+          <a:xfrm>
+            <a:off x="143926" y="897466"/>
+            <a:ext cx="2157322" cy="646331"/>
           </a:xfrm>
           <a:prstGeom prst="rect">
             <a:avLst/>
           </a:prstGeom>
-        </p:spPr>
-      </p:pic>
-      <p:pic>
-        <p:nvPicPr>
-          <p:cNvPr id="6" name="Immagine 5">
-            <a:extLst>
-              <a:ext uri="{FF2B5EF4-FFF2-40B4-BE49-F238E27FC236}">
-                <a16:creationId xmlns:a16="http://schemas.microsoft.com/office/drawing/2014/main" id="{9436E79E-A103-4988-B7A7-E39F91EA9C34}"/>
-              </a:ext>
-            </a:extLst>
-          </p:cNvPr>
-          <p:cNvPicPr>
-            <a:picLocks noChangeAspect="1"/>
-          </p:cNvPicPr>
-          <p:nvPr/>
-        </p:nvPicPr>
-        <p:blipFill>
-          <a:blip r:embed="rId3"/>
-          <a:stretch>
-            <a:fillRect/>
-          </a:stretch>
-        </p:blipFill>
-        <p:spPr>
-          <a:xfrm>
-            <a:off x="1143000" y="3282582"/>
-            <a:ext cx="9843868" cy="1781787"/>
-          </a:xfrm>
-          <a:prstGeom prst="rect">
-            <a:avLst/>
-          </a:prstGeom>
-        </p:spPr>
-      </p:pic>
-      <p:pic>
-        <p:nvPicPr>
-          <p:cNvPr id="9" name="Immagine 8">
-            <a:extLst>
-              <a:ext uri="{FF2B5EF4-FFF2-40B4-BE49-F238E27FC236}">
-                <a16:creationId xmlns:a16="http://schemas.microsoft.com/office/drawing/2014/main" id="{35D09926-4167-4EE5-ACEE-E9787D86A4F0}"/>
-              </a:ext>
-            </a:extLst>
-          </p:cNvPr>
-          <p:cNvPicPr>
-            <a:picLocks noChangeAspect="1"/>
-          </p:cNvPicPr>
-          <p:nvPr/>
-        </p:nvPicPr>
-        <p:blipFill>
-          <a:blip r:embed="rId4"/>
-          <a:stretch>
-            <a:fillRect/>
-          </a:stretch>
-        </p:blipFill>
-        <p:spPr>
-          <a:xfrm>
-            <a:off x="8598143" y="5162506"/>
-            <a:ext cx="3232785" cy="1102124"/>
-          </a:xfrm>
-          <a:prstGeom prst="rect">
-            <a:avLst/>
-          </a:prstGeom>
-        </p:spPr>
-      </p:pic>
+          <a:noFill/>
+        </p:spPr>
+        <p:txBody>
+          <a:bodyPr wrap="none" rtlCol="0">
+            <a:spAutoFit/>
+          </a:bodyPr>
+          <a:lstStyle/>
+          <a:p>
+            <a:pPr marL="285750" indent="-285750">
+              <a:buFont typeface="Arial" panose="020B0604020202020204" pitchFamily="34" charset="0"/>
+              <a:buChar char="•"/>
+            </a:pPr>
+            <a:r>
+              <a:rPr lang="de-DE" dirty="0"/>
+              <a:t>10 </a:t>
+            </a:r>
+            <a:r>
+              <a:rPr lang="de-DE" dirty="0" err="1"/>
+              <a:t>Bandits</a:t>
+            </a:r>
+            <a:endParaRPr lang="de-DE" dirty="0"/>
+          </a:p>
+          <a:p>
+            <a:pPr marL="285750" indent="-285750">
+              <a:buFont typeface="Arial" panose="020B0604020202020204" pitchFamily="34" charset="0"/>
+              <a:buChar char="•"/>
+            </a:pPr>
+            <a:r>
+              <a:rPr lang="de-DE" dirty="0"/>
+              <a:t>Fixed </a:t>
+            </a:r>
+            <a:r>
+              <a:rPr lang="de-DE" dirty="0" err="1"/>
+              <a:t>distribution</a:t>
+            </a:r>
+            <a:r>
+              <a:rPr lang="de-DE" dirty="0"/>
+              <a:t> </a:t>
+            </a:r>
+          </a:p>
+        </p:txBody>
+      </p:sp>
     </p:spTree>
     <p:extLst>
       <p:ext uri="{BB962C8B-B14F-4D97-AF65-F5344CB8AC3E}">
-        <p14:creationId xmlns:p14="http://schemas.microsoft.com/office/powerpoint/2010/main" val="2730794319"/>
+        <p14:creationId xmlns:p14="http://schemas.microsoft.com/office/powerpoint/2010/main" val="2527357457"/>
       </p:ext>
     </p:extLst>
   </p:cSld>
@@ -9281,12 +11416,49 @@
           <a:chExt cx="0" cy="0"/>
         </a:xfrm>
       </p:grpSpPr>
+      <p:pic>
+        <p:nvPicPr>
+          <p:cNvPr id="14" name="Picture 13">
+            <a:extLst>
+              <a:ext uri="{FF2B5EF4-FFF2-40B4-BE49-F238E27FC236}">
+                <a16:creationId xmlns:a16="http://schemas.microsoft.com/office/drawing/2014/main" id="{EDBA63DC-2BD3-894B-AA56-258568C68045}"/>
+              </a:ext>
+            </a:extLst>
+          </p:cNvPr>
+          <p:cNvPicPr>
+            <a:picLocks noChangeAspect="1"/>
+          </p:cNvPicPr>
+          <p:nvPr/>
+        </p:nvPicPr>
+        <p:blipFill>
+          <a:blip r:embed="rId2">
+            <a:alphaModFix amt="15000"/>
+            <a:extLst>
+              <a:ext uri="{28A0092B-C50C-407E-A947-70E740481C1C}">
+                <a14:useLocalDpi xmlns:a14="http://schemas.microsoft.com/office/drawing/2010/main" val="0"/>
+              </a:ext>
+            </a:extLst>
+          </a:blip>
+          <a:stretch>
+            <a:fillRect/>
+          </a:stretch>
+        </p:blipFill>
+        <p:spPr>
+          <a:xfrm>
+            <a:off x="4414469" y="-135467"/>
+            <a:ext cx="7494796" cy="6858000"/>
+          </a:xfrm>
+          <a:prstGeom prst="rect">
+            <a:avLst/>
+          </a:prstGeom>
+        </p:spPr>
+      </p:pic>
       <p:sp>
         <p:nvSpPr>
           <p:cNvPr id="2" name="Titolo 1">
             <a:extLst>
               <a:ext uri="{FF2B5EF4-FFF2-40B4-BE49-F238E27FC236}">
-                <a16:creationId xmlns:a16="http://schemas.microsoft.com/office/drawing/2014/main" id="{459CBBD7-ADA0-4CC7-8293-3659BA60F8E2}"/>
+                <a16:creationId xmlns:a16="http://schemas.microsoft.com/office/drawing/2014/main" id="{7C3CD4E9-DB64-4918-82F7-8F8A8315170B}"/>
               </a:ext>
             </a:extLst>
           </p:cNvPr>
@@ -9297,162 +11469,64 @@
             <p:ph type="title"/>
           </p:nvPr>
         </p:nvSpPr>
-        <p:spPr/>
+        <p:spPr>
+          <a:xfrm>
+            <a:off x="-89799" y="-263527"/>
+            <a:ext cx="10515600" cy="1325563"/>
+          </a:xfrm>
+        </p:spPr>
         <p:txBody>
           <a:bodyPr/>
           <a:lstStyle/>
           <a:p>
             <a:r>
-              <a:rPr lang="it-IT" dirty="0" err="1"/>
-              <a:t>Result</a:t>
-            </a:r>
-            <a:endParaRPr lang="it-IT" dirty="0"/>
-          </a:p>
-        </p:txBody>
-      </p:sp>
-      <p:sp>
-        <p:nvSpPr>
-          <p:cNvPr id="3" name="Segnaposto contenuto 2">
-            <a:extLst>
-              <a:ext uri="{FF2B5EF4-FFF2-40B4-BE49-F238E27FC236}">
-                <a16:creationId xmlns:a16="http://schemas.microsoft.com/office/drawing/2014/main" id="{4851B431-0F70-4FCD-85B6-8FEF23352867}"/>
-              </a:ext>
-            </a:extLst>
-          </p:cNvPr>
-          <p:cNvSpPr>
-            <a:spLocks noGrp="1"/>
-          </p:cNvSpPr>
+              <a:rPr lang="it-IT" dirty="0"/>
+              <a:t>Experiment 2</a:t>
+            </a:r>
+          </a:p>
+        </p:txBody>
+      </p:sp>
+      <p:pic>
+        <p:nvPicPr>
+          <p:cNvPr id="20" name="Content Placeholder 19">
+            <a:extLst>
+              <a:ext uri="{FF2B5EF4-FFF2-40B4-BE49-F238E27FC236}">
+                <a16:creationId xmlns:a16="http://schemas.microsoft.com/office/drawing/2014/main" id="{7FD5982F-52A0-C241-AEEF-CBB12B1E6418}"/>
+              </a:ext>
+            </a:extLst>
+          </p:cNvPr>
+          <p:cNvPicPr>
+            <a:picLocks noGrp="1" noChangeAspect="1"/>
+          </p:cNvPicPr>
           <p:nvPr>
             <p:ph idx="1"/>
           </p:nvPr>
-        </p:nvSpPr>
-        <p:spPr/>
-        <p:txBody>
-          <a:bodyPr/>
-          <a:lstStyle/>
-          <a:p>
-            <a:r>
-              <a:rPr lang="it-IT" dirty="0"/>
-              <a:t>Simple </a:t>
-            </a:r>
-            <a:r>
-              <a:rPr lang="it-IT" dirty="0" err="1"/>
-              <a:t>environment</a:t>
-            </a:r>
-            <a:endParaRPr lang="it-IT" dirty="0"/>
-          </a:p>
-          <a:p>
-            <a:pPr marL="0" indent="0">
-              <a:buNone/>
-            </a:pPr>
-            <a:r>
-              <a:rPr lang="it-IT" dirty="0"/>
-              <a:t>	One </a:t>
-            </a:r>
-            <a:r>
-              <a:rPr lang="it-IT" dirty="0" err="1"/>
-              <a:t>episode</a:t>
-            </a:r>
-            <a:r>
-              <a:rPr lang="it-IT" dirty="0"/>
-              <a:t> --&gt;</a:t>
-            </a:r>
-          </a:p>
-          <a:p>
-            <a:pPr marL="0" indent="0">
-              <a:buNone/>
-            </a:pPr>
-            <a:r>
-              <a:rPr lang="it-IT" dirty="0"/>
-              <a:t>			BUMPS </a:t>
-            </a:r>
-            <a:r>
-              <a:rPr lang="it-IT" dirty="0" err="1"/>
-              <a:t>many</a:t>
-            </a:r>
-            <a:r>
-              <a:rPr lang="it-IT" dirty="0"/>
-              <a:t> times!!!!</a:t>
-            </a:r>
-          </a:p>
-          <a:p>
-            <a:pPr marL="0" indent="0">
-              <a:buNone/>
-            </a:pPr>
-            <a:r>
-              <a:rPr lang="it-IT" dirty="0"/>
-              <a:t>			At the end the Q matrix </a:t>
-            </a:r>
-            <a:r>
-              <a:rPr lang="it-IT" dirty="0" err="1"/>
-              <a:t>obtained</a:t>
-            </a:r>
-            <a:r>
-              <a:rPr lang="it-IT" dirty="0"/>
-              <a:t> </a:t>
-            </a:r>
-            <a:r>
-              <a:rPr lang="it-IT" dirty="0" err="1"/>
-              <a:t>is</a:t>
-            </a:r>
-            <a:r>
-              <a:rPr lang="it-IT" dirty="0"/>
-              <a:t>:</a:t>
-            </a:r>
-          </a:p>
-          <a:p>
-            <a:pPr marL="0" indent="0">
-              <a:buNone/>
-            </a:pPr>
-            <a:r>
-              <a:rPr lang="it-IT" dirty="0"/>
-              <a:t>			 </a:t>
-            </a:r>
-          </a:p>
-          <a:p>
-            <a:pPr marL="0" indent="0">
-              <a:buNone/>
-            </a:pPr>
-            <a:endParaRPr lang="it-IT" dirty="0"/>
-          </a:p>
-        </p:txBody>
-      </p:sp>
-      <p:pic>
-        <p:nvPicPr>
-          <p:cNvPr id="4" name="Immagine 3">
-            <a:extLst>
-              <a:ext uri="{FF2B5EF4-FFF2-40B4-BE49-F238E27FC236}">
-                <a16:creationId xmlns:a16="http://schemas.microsoft.com/office/drawing/2014/main" id="{BAFD67B9-B818-44B7-8B3A-C360ED6046B2}"/>
-              </a:ext>
-            </a:extLst>
-          </p:cNvPr>
-          <p:cNvPicPr>
-            <a:picLocks noChangeAspect="1"/>
-          </p:cNvPicPr>
-          <p:nvPr/>
         </p:nvPicPr>
         <p:blipFill>
-          <a:blip r:embed="rId2"/>
+          <a:blip r:embed="rId3">
+            <a:extLst>
+              <a:ext uri="{28A0092B-C50C-407E-A947-70E740481C1C}">
+                <a14:useLocalDpi xmlns:a14="http://schemas.microsoft.com/office/drawing/2010/main" val="0"/>
+              </a:ext>
+            </a:extLst>
+          </a:blip>
           <a:stretch>
             <a:fillRect/>
           </a:stretch>
         </p:blipFill>
         <p:spPr>
           <a:xfrm>
-            <a:off x="1806820" y="4001293"/>
-            <a:ext cx="9509436" cy="1808663"/>
-          </a:xfrm>
-          <a:prstGeom prst="rect">
-            <a:avLst/>
-          </a:prstGeom>
+            <a:off x="3088055" y="12016"/>
+            <a:ext cx="9103945" cy="6838577"/>
+          </a:xfrm>
         </p:spPr>
       </p:pic>
       <p:sp>
         <p:nvSpPr>
-          <p:cNvPr id="6" name="CasellaDiTesto 5">
-            <a:extLst>
-              <a:ext uri="{FF2B5EF4-FFF2-40B4-BE49-F238E27FC236}">
-                <a16:creationId xmlns:a16="http://schemas.microsoft.com/office/drawing/2014/main" id="{2BBE4D40-12BA-4FC3-A3A1-A4DAB3724DE3}"/>
+          <p:cNvPr id="21" name="TextBox 20">
+            <a:extLst>
+              <a:ext uri="{FF2B5EF4-FFF2-40B4-BE49-F238E27FC236}">
+                <a16:creationId xmlns:a16="http://schemas.microsoft.com/office/drawing/2014/main" id="{6002E77B-29C3-3442-AAE1-5E63BEEBEF70}"/>
               </a:ext>
             </a:extLst>
           </p:cNvPr>
@@ -9461,8 +11535,8 @@
         </p:nvSpPr>
         <p:spPr>
           <a:xfrm>
-            <a:off x="8975187" y="3866356"/>
-            <a:ext cx="942536" cy="461665"/>
+            <a:off x="690271" y="692704"/>
+            <a:ext cx="2944129" cy="369332"/>
           </a:xfrm>
           <a:prstGeom prst="rect">
             <a:avLst/>
@@ -9476,267 +11550,8 @@
           <a:lstStyle/>
           <a:p>
             <a:r>
-              <a:rPr lang="it-IT" sz="2400" b="1" dirty="0">
-                <a:solidFill>
-                  <a:srgbClr val="FF0000"/>
-                </a:solidFill>
-              </a:rPr>
-              <a:t>CAKE</a:t>
-            </a:r>
-          </a:p>
-        </p:txBody>
-      </p:sp>
-      <p:sp>
-        <p:nvSpPr>
-          <p:cNvPr id="7" name="CasellaDiTesto 6">
-            <a:extLst>
-              <a:ext uri="{FF2B5EF4-FFF2-40B4-BE49-F238E27FC236}">
-                <a16:creationId xmlns:a16="http://schemas.microsoft.com/office/drawing/2014/main" id="{D52A4FFE-C63C-42F3-B2EF-BD578E08BAC1}"/>
-              </a:ext>
-            </a:extLst>
-          </p:cNvPr>
-          <p:cNvSpPr txBox="1"/>
-          <p:nvPr/>
-        </p:nvSpPr>
-        <p:spPr>
-          <a:xfrm>
-            <a:off x="10058400" y="4905624"/>
-            <a:ext cx="1903085" cy="461665"/>
-          </a:xfrm>
-          <a:prstGeom prst="rect">
-            <a:avLst/>
-          </a:prstGeom>
-          <a:noFill/>
-        </p:spPr>
-        <p:txBody>
-          <a:bodyPr wrap="none" rtlCol="0">
-            <a:spAutoFit/>
-          </a:bodyPr>
-          <a:lstStyle/>
-          <a:p>
-            <a:r>
-              <a:rPr lang="it-IT" sz="2400" b="1" dirty="0">
-                <a:solidFill>
-                  <a:srgbClr val="FF0000"/>
-                </a:solidFill>
-              </a:rPr>
-              <a:t>MOUSE TRAP</a:t>
-            </a:r>
-            <a:endParaRPr lang="it-IT" sz="2400" dirty="0"/>
-          </a:p>
-        </p:txBody>
-      </p:sp>
-      <p:sp>
-        <p:nvSpPr>
-          <p:cNvPr id="8" name="Ovale 7">
-            <a:extLst>
-              <a:ext uri="{FF2B5EF4-FFF2-40B4-BE49-F238E27FC236}">
-                <a16:creationId xmlns:a16="http://schemas.microsoft.com/office/drawing/2014/main" id="{A93D9F83-D78A-4396-A865-B404B02C08E0}"/>
-              </a:ext>
-            </a:extLst>
-          </p:cNvPr>
-          <p:cNvSpPr/>
-          <p:nvPr/>
-        </p:nvSpPr>
-        <p:spPr>
-          <a:xfrm>
-            <a:off x="8257735" y="4097188"/>
-            <a:ext cx="492370" cy="461665"/>
-          </a:xfrm>
-          <a:prstGeom prst="ellipse">
-            <a:avLst/>
-          </a:prstGeom>
-          <a:noFill/>
-          <a:ln w="57150">
-            <a:solidFill>
-              <a:srgbClr val="FFC000"/>
-            </a:solidFill>
-          </a:ln>
-        </p:spPr>
-        <p:style>
-          <a:lnRef idx="2">
-            <a:schemeClr val="accent1">
-              <a:shade val="50000"/>
-            </a:schemeClr>
-          </a:lnRef>
-          <a:fillRef idx="1">
-            <a:schemeClr val="accent1"/>
-          </a:fillRef>
-          <a:effectRef idx="0">
-            <a:schemeClr val="accent1"/>
-          </a:effectRef>
-          <a:fontRef idx="minor">
-            <a:schemeClr val="lt1"/>
-          </a:fontRef>
-        </p:style>
-        <p:txBody>
-          <a:bodyPr rtlCol="0" anchor="ctr"/>
-          <a:lstStyle/>
-          <a:p>
-            <a:pPr algn="ctr"/>
-            <a:endParaRPr lang="it-IT"/>
-          </a:p>
-        </p:txBody>
-      </p:sp>
-      <p:pic>
-        <p:nvPicPr>
-          <p:cNvPr id="9" name="Immagine 8">
-            <a:extLst>
-              <a:ext uri="{FF2B5EF4-FFF2-40B4-BE49-F238E27FC236}">
-                <a16:creationId xmlns:a16="http://schemas.microsoft.com/office/drawing/2014/main" id="{8AC4684A-4D9F-467A-BA7D-9F01323F75F7}"/>
-              </a:ext>
-            </a:extLst>
-          </p:cNvPr>
-          <p:cNvPicPr>
-            <a:picLocks noChangeAspect="1"/>
-          </p:cNvPicPr>
-          <p:nvPr/>
-        </p:nvPicPr>
-        <p:blipFill>
-          <a:blip r:embed="rId3"/>
-          <a:stretch>
-            <a:fillRect/>
-          </a:stretch>
-        </p:blipFill>
-        <p:spPr>
-          <a:xfrm>
-            <a:off x="6561538" y="681037"/>
-            <a:ext cx="1804548" cy="1912512"/>
-          </a:xfrm>
-          <a:prstGeom prst="rect">
-            <a:avLst/>
-          </a:prstGeom>
-        </p:spPr>
-      </p:pic>
-      <p:sp>
-        <p:nvSpPr>
-          <p:cNvPr id="10" name="Ovale 9">
-            <a:extLst>
-              <a:ext uri="{FF2B5EF4-FFF2-40B4-BE49-F238E27FC236}">
-                <a16:creationId xmlns:a16="http://schemas.microsoft.com/office/drawing/2014/main" id="{D7467641-ECF0-4D1D-911A-6CB89195E86C}"/>
-              </a:ext>
-            </a:extLst>
-          </p:cNvPr>
-          <p:cNvSpPr/>
-          <p:nvPr/>
-        </p:nvSpPr>
-        <p:spPr>
-          <a:xfrm>
-            <a:off x="6963509" y="2006600"/>
-            <a:ext cx="168812" cy="165564"/>
-          </a:xfrm>
-          <a:prstGeom prst="ellipse">
-            <a:avLst/>
-          </a:prstGeom>
-          <a:solidFill>
-            <a:srgbClr val="FFC000"/>
-          </a:solidFill>
-          <a:ln>
-            <a:solidFill>
-              <a:srgbClr val="FF0000"/>
-            </a:solidFill>
-          </a:ln>
-        </p:spPr>
-        <p:style>
-          <a:lnRef idx="2">
-            <a:schemeClr val="accent1">
-              <a:shade val="50000"/>
-            </a:schemeClr>
-          </a:lnRef>
-          <a:fillRef idx="1">
-            <a:schemeClr val="accent1"/>
-          </a:fillRef>
-          <a:effectRef idx="0">
-            <a:schemeClr val="accent1"/>
-          </a:effectRef>
-          <a:fontRef idx="minor">
-            <a:schemeClr val="lt1"/>
-          </a:fontRef>
-        </p:style>
-        <p:txBody>
-          <a:bodyPr rtlCol="0" anchor="ctr"/>
-          <a:lstStyle/>
-          <a:p>
-            <a:pPr algn="ctr"/>
-            <a:endParaRPr lang="it-IT"/>
-          </a:p>
-        </p:txBody>
-      </p:sp>
-      <p:cxnSp>
-        <p:nvCxnSpPr>
-          <p:cNvPr id="12" name="Connettore 2 11">
-            <a:extLst>
-              <a:ext uri="{FF2B5EF4-FFF2-40B4-BE49-F238E27FC236}">
-                <a16:creationId xmlns:a16="http://schemas.microsoft.com/office/drawing/2014/main" id="{8AC44EFD-83E7-4AE5-BF61-DD202DE651FA}"/>
-              </a:ext>
-            </a:extLst>
-          </p:cNvPr>
-          <p:cNvCxnSpPr>
-            <a:stCxn id="10" idx="7"/>
-          </p:cNvCxnSpPr>
-          <p:nvPr/>
-        </p:nvCxnSpPr>
-        <p:spPr>
-          <a:xfrm>
-            <a:off x="7107599" y="2030846"/>
-            <a:ext cx="2345890" cy="248120"/>
-          </a:xfrm>
-          <a:prstGeom prst="straightConnector1">
-            <a:avLst/>
-          </a:prstGeom>
-          <a:ln w="57150">
-            <a:solidFill>
-              <a:srgbClr val="FF0000"/>
-            </a:solidFill>
-            <a:tailEnd type="triangle"/>
-          </a:ln>
-        </p:spPr>
-        <p:style>
-          <a:lnRef idx="1">
-            <a:schemeClr val="accent1"/>
-          </a:lnRef>
-          <a:fillRef idx="0">
-            <a:schemeClr val="accent1"/>
-          </a:fillRef>
-          <a:effectRef idx="0">
-            <a:schemeClr val="accent1"/>
-          </a:effectRef>
-          <a:fontRef idx="minor">
-            <a:schemeClr val="tx1"/>
-          </a:fontRef>
-        </p:style>
-      </p:cxnSp>
-      <p:sp>
-        <p:nvSpPr>
-          <p:cNvPr id="13" name="CasellaDiTesto 12">
-            <a:extLst>
-              <a:ext uri="{FF2B5EF4-FFF2-40B4-BE49-F238E27FC236}">
-                <a16:creationId xmlns:a16="http://schemas.microsoft.com/office/drawing/2014/main" id="{D968B288-D19F-4360-AE63-642B70521ACB}"/>
-              </a:ext>
-            </a:extLst>
-          </p:cNvPr>
-          <p:cNvSpPr txBox="1"/>
-          <p:nvPr/>
-        </p:nvSpPr>
-        <p:spPr>
-          <a:xfrm>
-            <a:off x="9453489" y="2044571"/>
-            <a:ext cx="1178400" cy="369332"/>
-          </a:xfrm>
-          <a:prstGeom prst="rect">
-            <a:avLst/>
-          </a:prstGeom>
-          <a:noFill/>
-        </p:spPr>
-        <p:txBody>
-          <a:bodyPr wrap="none" rtlCol="0">
-            <a:spAutoFit/>
-          </a:bodyPr>
-          <a:lstStyle/>
-          <a:p>
-            <a:r>
-              <a:rPr lang="it-IT" dirty="0"/>
-              <a:t>Start point</a:t>
+              <a:rPr lang="de-DE" dirty="0"/>
+              <a:t>Distribution 1 </a:t>
             </a:r>
           </a:p>
         </p:txBody>
@@ -9744,7 +11559,7 @@
     </p:spTree>
     <p:extLst>
       <p:ext uri="{BB962C8B-B14F-4D97-AF65-F5344CB8AC3E}">
-        <p14:creationId xmlns:p14="http://schemas.microsoft.com/office/powerpoint/2010/main" val="1639297688"/>
+        <p14:creationId xmlns:p14="http://schemas.microsoft.com/office/powerpoint/2010/main" val="3308115823"/>
       </p:ext>
     </p:extLst>
   </p:cSld>

--- a/Presentation/SDU_SummerSchool_Presentation.pptx
+++ b/Presentation/SDU_SummerSchool_Presentation.pptx
@@ -30,8 +30,12 @@
     <p:sldId id="269" r:id="rId24"/>
     <p:sldId id="267" r:id="rId25"/>
     <p:sldId id="274" r:id="rId26"/>
-    <p:sldId id="277" r:id="rId27"/>
-    <p:sldId id="276" r:id="rId28"/>
+    <p:sldId id="288" r:id="rId27"/>
+    <p:sldId id="277" r:id="rId28"/>
+    <p:sldId id="287" r:id="rId29"/>
+    <p:sldId id="289" r:id="rId30"/>
+    <p:sldId id="290" r:id="rId31"/>
+    <p:sldId id="276" r:id="rId32"/>
   </p:sldIdLst>
   <p:sldSz cx="12192000" cy="6858000"/>
   <p:notesSz cx="6858000" cy="9144000"/>
@@ -138,6 +142,18 @@
 </p:presentation>
 </file>
 
+<file path=ppt/commentAuthors.xml><?xml version="1.0" encoding="utf-8"?>
+<p:cmAuthorLst xmlns:a="http://schemas.openxmlformats.org/drawingml/2006/main" xmlns:r="http://schemas.openxmlformats.org/officeDocument/2006/relationships" xmlns:p="http://schemas.openxmlformats.org/presentationml/2006/main">
+  <p:cmAuthor id="1" name="Michele Piffari" initials="MP" lastIdx="1" clrIdx="0">
+    <p:extLst>
+      <p:ext uri="{19B8F6BF-5375-455C-9EA6-DF929625EA0E}">
+        <p15:presenceInfo xmlns:p15="http://schemas.microsoft.com/office/powerpoint/2012/main" userId="b6d0602a24d3415c" providerId="Windows Live"/>
+      </p:ext>
+    </p:extLst>
+  </p:cmAuthor>
+</p:cmAuthorLst>
+</file>
+
 <file path=ppt/slideLayouts/slideLayout1.xml><?xml version="1.0" encoding="utf-8"?>
 <p:sldLayout xmlns:a="http://schemas.openxmlformats.org/drawingml/2006/main" xmlns:r="http://schemas.openxmlformats.org/officeDocument/2006/relationships" xmlns:p="http://schemas.openxmlformats.org/presentationml/2006/main" type="title" preserve="1">
   <p:cSld name="Diapositiva titolo">
@@ -285,7 +301,7 @@
           <a:p>
             <a:fld id="{8173B6D1-B9A7-4F74-ADCF-EF56F696349F}" type="datetimeFigureOut">
               <a:rPr lang="it-IT" smtClean="0"/>
-              <a:t>14/08/19</a:t>
+              <a:t>14/08/2019</a:t>
             </a:fld>
             <a:endParaRPr lang="it-IT"/>
           </a:p>
@@ -339,7 +355,7 @@
           <a:p>
             <a:fld id="{37521F19-B39A-4CF3-8059-E7EF6E631AA0}" type="slidenum">
               <a:rPr lang="it-IT" smtClean="0"/>
-              <a:t>‹#›</a:t>
+              <a:t>‹N›</a:t>
             </a:fld>
             <a:endParaRPr lang="it-IT"/>
           </a:p>
@@ -483,7 +499,7 @@
           <a:p>
             <a:fld id="{8173B6D1-B9A7-4F74-ADCF-EF56F696349F}" type="datetimeFigureOut">
               <a:rPr lang="it-IT" smtClean="0"/>
-              <a:t>14/08/19</a:t>
+              <a:t>14/08/2019</a:t>
             </a:fld>
             <a:endParaRPr lang="it-IT"/>
           </a:p>
@@ -537,7 +553,7 @@
           <a:p>
             <a:fld id="{37521F19-B39A-4CF3-8059-E7EF6E631AA0}" type="slidenum">
               <a:rPr lang="it-IT" smtClean="0"/>
-              <a:t>‹#›</a:t>
+              <a:t>‹N›</a:t>
             </a:fld>
             <a:endParaRPr lang="it-IT"/>
           </a:p>
@@ -691,7 +707,7 @@
           <a:p>
             <a:fld id="{8173B6D1-B9A7-4F74-ADCF-EF56F696349F}" type="datetimeFigureOut">
               <a:rPr lang="it-IT" smtClean="0"/>
-              <a:t>14/08/19</a:t>
+              <a:t>14/08/2019</a:t>
             </a:fld>
             <a:endParaRPr lang="it-IT"/>
           </a:p>
@@ -745,7 +761,7 @@
           <a:p>
             <a:fld id="{37521F19-B39A-4CF3-8059-E7EF6E631AA0}" type="slidenum">
               <a:rPr lang="it-IT" smtClean="0"/>
-              <a:t>‹#›</a:t>
+              <a:t>‹N›</a:t>
             </a:fld>
             <a:endParaRPr lang="it-IT"/>
           </a:p>
@@ -889,7 +905,7 @@
           <a:p>
             <a:fld id="{8173B6D1-B9A7-4F74-ADCF-EF56F696349F}" type="datetimeFigureOut">
               <a:rPr lang="it-IT" smtClean="0"/>
-              <a:t>14/08/19</a:t>
+              <a:t>14/08/2019</a:t>
             </a:fld>
             <a:endParaRPr lang="it-IT"/>
           </a:p>
@@ -943,7 +959,7 @@
           <a:p>
             <a:fld id="{37521F19-B39A-4CF3-8059-E7EF6E631AA0}" type="slidenum">
               <a:rPr lang="it-IT" smtClean="0"/>
-              <a:t>‹#›</a:t>
+              <a:t>‹N›</a:t>
             </a:fld>
             <a:endParaRPr lang="it-IT"/>
           </a:p>
@@ -1164,7 +1180,7 @@
           <a:p>
             <a:fld id="{8173B6D1-B9A7-4F74-ADCF-EF56F696349F}" type="datetimeFigureOut">
               <a:rPr lang="it-IT" smtClean="0"/>
-              <a:t>14/08/19</a:t>
+              <a:t>14/08/2019</a:t>
             </a:fld>
             <a:endParaRPr lang="it-IT"/>
           </a:p>
@@ -1218,7 +1234,7 @@
           <a:p>
             <a:fld id="{37521F19-B39A-4CF3-8059-E7EF6E631AA0}" type="slidenum">
               <a:rPr lang="it-IT" smtClean="0"/>
-              <a:t>‹#›</a:t>
+              <a:t>‹N›</a:t>
             </a:fld>
             <a:endParaRPr lang="it-IT"/>
           </a:p>
@@ -1429,7 +1445,7 @@
           <a:p>
             <a:fld id="{8173B6D1-B9A7-4F74-ADCF-EF56F696349F}" type="datetimeFigureOut">
               <a:rPr lang="it-IT" smtClean="0"/>
-              <a:t>14/08/19</a:t>
+              <a:t>14/08/2019</a:t>
             </a:fld>
             <a:endParaRPr lang="it-IT"/>
           </a:p>
@@ -1483,7 +1499,7 @@
           <a:p>
             <a:fld id="{37521F19-B39A-4CF3-8059-E7EF6E631AA0}" type="slidenum">
               <a:rPr lang="it-IT" smtClean="0"/>
-              <a:t>‹#›</a:t>
+              <a:t>‹N›</a:t>
             </a:fld>
             <a:endParaRPr lang="it-IT"/>
           </a:p>
@@ -1841,7 +1857,7 @@
           <a:p>
             <a:fld id="{8173B6D1-B9A7-4F74-ADCF-EF56F696349F}" type="datetimeFigureOut">
               <a:rPr lang="it-IT" smtClean="0"/>
-              <a:t>14/08/19</a:t>
+              <a:t>14/08/2019</a:t>
             </a:fld>
             <a:endParaRPr lang="it-IT"/>
           </a:p>
@@ -1895,7 +1911,7 @@
           <a:p>
             <a:fld id="{37521F19-B39A-4CF3-8059-E7EF6E631AA0}" type="slidenum">
               <a:rPr lang="it-IT" smtClean="0"/>
-              <a:t>‹#›</a:t>
+              <a:t>‹N›</a:t>
             </a:fld>
             <a:endParaRPr lang="it-IT"/>
           </a:p>
@@ -1982,7 +1998,7 @@
           <a:p>
             <a:fld id="{8173B6D1-B9A7-4F74-ADCF-EF56F696349F}" type="datetimeFigureOut">
               <a:rPr lang="it-IT" smtClean="0"/>
-              <a:t>14/08/19</a:t>
+              <a:t>14/08/2019</a:t>
             </a:fld>
             <a:endParaRPr lang="it-IT"/>
           </a:p>
@@ -2036,7 +2052,7 @@
           <a:p>
             <a:fld id="{37521F19-B39A-4CF3-8059-E7EF6E631AA0}" type="slidenum">
               <a:rPr lang="it-IT" smtClean="0"/>
-              <a:t>‹#›</a:t>
+              <a:t>‹N›</a:t>
             </a:fld>
             <a:endParaRPr lang="it-IT"/>
           </a:p>
@@ -2095,7 +2111,7 @@
           <a:p>
             <a:fld id="{8173B6D1-B9A7-4F74-ADCF-EF56F696349F}" type="datetimeFigureOut">
               <a:rPr lang="it-IT" smtClean="0"/>
-              <a:t>14/08/19</a:t>
+              <a:t>14/08/2019</a:t>
             </a:fld>
             <a:endParaRPr lang="it-IT"/>
           </a:p>
@@ -2149,7 +2165,7 @@
           <a:p>
             <a:fld id="{37521F19-B39A-4CF3-8059-E7EF6E631AA0}" type="slidenum">
               <a:rPr lang="it-IT" smtClean="0"/>
-              <a:t>‹#›</a:t>
+              <a:t>‹N›</a:t>
             </a:fld>
             <a:endParaRPr lang="it-IT"/>
           </a:p>
@@ -2406,7 +2422,7 @@
           <a:p>
             <a:fld id="{8173B6D1-B9A7-4F74-ADCF-EF56F696349F}" type="datetimeFigureOut">
               <a:rPr lang="it-IT" smtClean="0"/>
-              <a:t>14/08/19</a:t>
+              <a:t>14/08/2019</a:t>
             </a:fld>
             <a:endParaRPr lang="it-IT"/>
           </a:p>
@@ -2460,7 +2476,7 @@
           <a:p>
             <a:fld id="{37521F19-B39A-4CF3-8059-E7EF6E631AA0}" type="slidenum">
               <a:rPr lang="it-IT" smtClean="0"/>
-              <a:t>‹#›</a:t>
+              <a:t>‹N›</a:t>
             </a:fld>
             <a:endParaRPr lang="it-IT"/>
           </a:p>
@@ -2694,7 +2710,7 @@
           <a:p>
             <a:fld id="{8173B6D1-B9A7-4F74-ADCF-EF56F696349F}" type="datetimeFigureOut">
               <a:rPr lang="it-IT" smtClean="0"/>
-              <a:t>14/08/19</a:t>
+              <a:t>14/08/2019</a:t>
             </a:fld>
             <a:endParaRPr lang="it-IT"/>
           </a:p>
@@ -2748,7 +2764,7 @@
           <a:p>
             <a:fld id="{37521F19-B39A-4CF3-8059-E7EF6E631AA0}" type="slidenum">
               <a:rPr lang="it-IT" smtClean="0"/>
-              <a:t>‹#›</a:t>
+              <a:t>‹N›</a:t>
             </a:fld>
             <a:endParaRPr lang="it-IT"/>
           </a:p>
@@ -2935,7 +2951,7 @@
           <a:p>
             <a:fld id="{8173B6D1-B9A7-4F74-ADCF-EF56F696349F}" type="datetimeFigureOut">
               <a:rPr lang="it-IT" smtClean="0"/>
-              <a:t>14/08/19</a:t>
+              <a:t>14/08/2019</a:t>
             </a:fld>
             <a:endParaRPr lang="it-IT"/>
           </a:p>
@@ -3025,7 +3041,7 @@
           <a:p>
             <a:fld id="{37521F19-B39A-4CF3-8059-E7EF6E631AA0}" type="slidenum">
               <a:rPr lang="it-IT" smtClean="0"/>
-              <a:t>‹#›</a:t>
+              <a:t>‹N›</a:t>
             </a:fld>
             <a:endParaRPr lang="it-IT"/>
           </a:p>
@@ -9705,7 +9721,7 @@
           <p:cNvPr id="2" name="Titolo 1">
             <a:extLst>
               <a:ext uri="{FF2B5EF4-FFF2-40B4-BE49-F238E27FC236}">
-                <a16:creationId xmlns:a16="http://schemas.microsoft.com/office/drawing/2014/main" id="{AAE69284-7676-4D36-94CC-AC9F98B25151}"/>
+                <a16:creationId xmlns:a16="http://schemas.microsoft.com/office/drawing/2014/main" id="{AC92B383-7279-4902-A527-C849D93426B9}"/>
               </a:ext>
             </a:extLst>
           </p:cNvPr>
@@ -9722,23 +9738,287 @@
           <a:lstStyle/>
           <a:p>
             <a:r>
-              <a:rPr lang="it-IT" dirty="0"/>
-              <a:t>Single perceptron with </a:t>
-            </a:r>
-            <a:r>
-              <a:rPr lang="it-IT" dirty="0" err="1"/>
-              <a:t>irisDataset</a:t>
+              <a:rPr lang="it-IT" dirty="0">
+                <a:latin typeface="Cambria Math" panose="02040503050406030204" pitchFamily="18" charset="0"/>
+              </a:rPr>
+              <a:t>Single perceptron highlights</a:t>
+            </a:r>
+            <a:br>
+              <a:rPr lang="it-IT" i="1" dirty="0">
+                <a:solidFill>
+                  <a:schemeClr val="bg1"/>
+                </a:solidFill>
+                <a:latin typeface="Cambria Math" panose="02040503050406030204" pitchFamily="18" charset="0"/>
+              </a:rPr>
+            </a:br>
+            <a:r>
+              <a:rPr lang="it-IT" sz="3600" dirty="0" err="1"/>
+              <a:t>Try</a:t>
+            </a:r>
+            <a:r>
+              <a:rPr lang="it-IT" sz="3600" dirty="0"/>
+              <a:t> simple first: &amp;&amp; and ||</a:t>
             </a:r>
             <a:endParaRPr lang="it-IT" dirty="0"/>
           </a:p>
         </p:txBody>
       </p:sp>
-      <p:sp>
-        <p:nvSpPr>
-          <p:cNvPr id="3" name="Segnaposto contenuto 2">
-            <a:extLst>
-              <a:ext uri="{FF2B5EF4-FFF2-40B4-BE49-F238E27FC236}">
-                <a16:creationId xmlns:a16="http://schemas.microsoft.com/office/drawing/2014/main" id="{CD62F3CC-8E4C-4ADB-9CCA-2AED5B217F16}"/>
+      <p:pic>
+        <p:nvPicPr>
+          <p:cNvPr id="5" name="Segnaposto contenuto 4" descr="Immagine che contiene mappa, testo&#10;&#10;Descrizione generata automaticamente">
+            <a:extLst>
+              <a:ext uri="{FF2B5EF4-FFF2-40B4-BE49-F238E27FC236}">
+                <a16:creationId xmlns:a16="http://schemas.microsoft.com/office/drawing/2014/main" id="{39B4072D-CA9B-4ABC-971B-9C1DE64B0027}"/>
+              </a:ext>
+            </a:extLst>
+          </p:cNvPr>
+          <p:cNvPicPr>
+            <a:picLocks noGrp="1" noChangeAspect="1"/>
+          </p:cNvPicPr>
+          <p:nvPr>
+            <p:ph idx="1"/>
+          </p:nvPr>
+        </p:nvPicPr>
+        <p:blipFill>
+          <a:blip r:embed="rId2">
+            <a:extLst>
+              <a:ext uri="{28A0092B-C50C-407E-A947-70E740481C1C}">
+                <a14:useLocalDpi xmlns:a14="http://schemas.microsoft.com/office/drawing/2010/main" val="0"/>
+              </a:ext>
+            </a:extLst>
+          </a:blip>
+          <a:stretch>
+            <a:fillRect/>
+          </a:stretch>
+        </p:blipFill>
+        <p:spPr>
+          <a:xfrm>
+            <a:off x="838200" y="2039577"/>
+            <a:ext cx="4895850" cy="3895725"/>
+          </a:xfrm>
+        </p:spPr>
+      </p:pic>
+      <p:pic>
+        <p:nvPicPr>
+          <p:cNvPr id="7" name="Immagine 6" descr="Immagine che contiene testo, mappa&#10;&#10;Descrizione generata automaticamente">
+            <a:extLst>
+              <a:ext uri="{FF2B5EF4-FFF2-40B4-BE49-F238E27FC236}">
+                <a16:creationId xmlns:a16="http://schemas.microsoft.com/office/drawing/2014/main" id="{EEF44E48-F66D-4376-856E-D7D73D3606CE}"/>
+              </a:ext>
+            </a:extLst>
+          </p:cNvPr>
+          <p:cNvPicPr>
+            <a:picLocks noChangeAspect="1"/>
+          </p:cNvPicPr>
+          <p:nvPr/>
+        </p:nvPicPr>
+        <p:blipFill>
+          <a:blip r:embed="rId3">
+            <a:extLst>
+              <a:ext uri="{28A0092B-C50C-407E-A947-70E740481C1C}">
+                <a14:useLocalDpi xmlns:a14="http://schemas.microsoft.com/office/drawing/2010/main" val="0"/>
+              </a:ext>
+            </a:extLst>
+          </a:blip>
+          <a:stretch>
+            <a:fillRect/>
+          </a:stretch>
+        </p:blipFill>
+        <p:spPr>
+          <a:xfrm>
+            <a:off x="6457952" y="2001477"/>
+            <a:ext cx="4733925" cy="3933825"/>
+          </a:xfrm>
+          <a:prstGeom prst="rect">
+            <a:avLst/>
+          </a:prstGeom>
+        </p:spPr>
+      </p:pic>
+      <p:sp>
+        <p:nvSpPr>
+          <p:cNvPr id="11" name="CasellaDiTesto 10">
+            <a:extLst>
+              <a:ext uri="{FF2B5EF4-FFF2-40B4-BE49-F238E27FC236}">
+                <a16:creationId xmlns:a16="http://schemas.microsoft.com/office/drawing/2014/main" id="{3EAAD5F3-85C4-49D2-B133-CB58A8E58DDF}"/>
+              </a:ext>
+            </a:extLst>
+          </p:cNvPr>
+          <p:cNvSpPr txBox="1"/>
+          <p:nvPr/>
+        </p:nvSpPr>
+        <p:spPr>
+          <a:xfrm>
+            <a:off x="1828800" y="2967335"/>
+            <a:ext cx="367408" cy="523220"/>
+          </a:xfrm>
+          <a:prstGeom prst="rect">
+            <a:avLst/>
+          </a:prstGeom>
+          <a:noFill/>
+        </p:spPr>
+        <p:txBody>
+          <a:bodyPr wrap="none" rtlCol="0">
+            <a:spAutoFit/>
+          </a:bodyPr>
+          <a:lstStyle/>
+          <a:p>
+            <a:r>
+              <a:rPr lang="it-IT" sz="2800" b="1" dirty="0"/>
+              <a:t>0</a:t>
+            </a:r>
+            <a:endParaRPr lang="it-IT" sz="2000" b="1" dirty="0"/>
+          </a:p>
+        </p:txBody>
+      </p:sp>
+      <p:sp>
+        <p:nvSpPr>
+          <p:cNvPr id="12" name="Rettangolo 11">
+            <a:extLst>
+              <a:ext uri="{FF2B5EF4-FFF2-40B4-BE49-F238E27FC236}">
+                <a16:creationId xmlns:a16="http://schemas.microsoft.com/office/drawing/2014/main" id="{924E95A3-42D3-4EBB-90E1-40827B75E4F3}"/>
+              </a:ext>
+            </a:extLst>
+          </p:cNvPr>
+          <p:cNvSpPr/>
+          <p:nvPr/>
+        </p:nvSpPr>
+        <p:spPr>
+          <a:xfrm>
+            <a:off x="7067375" y="4131025"/>
+            <a:ext cx="367408" cy="523220"/>
+          </a:xfrm>
+          <a:prstGeom prst="rect">
+            <a:avLst/>
+          </a:prstGeom>
+        </p:spPr>
+        <p:txBody>
+          <a:bodyPr wrap="none">
+            <a:spAutoFit/>
+          </a:bodyPr>
+          <a:lstStyle/>
+          <a:p>
+            <a:r>
+              <a:rPr lang="it-IT" sz="2800" b="1" dirty="0"/>
+              <a:t>0</a:t>
+            </a:r>
+            <a:endParaRPr lang="it-IT" sz="2800" dirty="0"/>
+          </a:p>
+        </p:txBody>
+      </p:sp>
+      <p:sp>
+        <p:nvSpPr>
+          <p:cNvPr id="13" name="Rettangolo 12">
+            <a:extLst>
+              <a:ext uri="{FF2B5EF4-FFF2-40B4-BE49-F238E27FC236}">
+                <a16:creationId xmlns:a16="http://schemas.microsoft.com/office/drawing/2014/main" id="{DF7B04BE-93CD-482F-9802-7126C6806777}"/>
+              </a:ext>
+            </a:extLst>
+          </p:cNvPr>
+          <p:cNvSpPr/>
+          <p:nvPr/>
+        </p:nvSpPr>
+        <p:spPr>
+          <a:xfrm>
+            <a:off x="4975339" y="4392635"/>
+            <a:ext cx="367408" cy="523220"/>
+          </a:xfrm>
+          <a:prstGeom prst="rect">
+            <a:avLst/>
+          </a:prstGeom>
+        </p:spPr>
+        <p:txBody>
+          <a:bodyPr wrap="none">
+            <a:spAutoFit/>
+          </a:bodyPr>
+          <a:lstStyle/>
+          <a:p>
+            <a:r>
+              <a:rPr lang="it-IT" sz="2800" b="1" dirty="0"/>
+              <a:t>1</a:t>
+            </a:r>
+            <a:endParaRPr lang="it-IT" sz="1400" b="1" dirty="0"/>
+          </a:p>
+        </p:txBody>
+      </p:sp>
+      <p:sp>
+        <p:nvSpPr>
+          <p:cNvPr id="14" name="Rettangolo 13">
+            <a:extLst>
+              <a:ext uri="{FF2B5EF4-FFF2-40B4-BE49-F238E27FC236}">
+                <a16:creationId xmlns:a16="http://schemas.microsoft.com/office/drawing/2014/main" id="{90C8C51E-B096-4C03-AE20-FCB854D3B943}"/>
+              </a:ext>
+            </a:extLst>
+          </p:cNvPr>
+          <p:cNvSpPr/>
+          <p:nvPr/>
+        </p:nvSpPr>
+        <p:spPr>
+          <a:xfrm>
+            <a:off x="10614139" y="4427271"/>
+            <a:ext cx="393056" cy="584775"/>
+          </a:xfrm>
+          <a:prstGeom prst="rect">
+            <a:avLst/>
+          </a:prstGeom>
+        </p:spPr>
+        <p:txBody>
+          <a:bodyPr wrap="none">
+            <a:spAutoFit/>
+          </a:bodyPr>
+          <a:lstStyle/>
+          <a:p>
+            <a:r>
+              <a:rPr lang="it-IT" sz="3200" b="1" dirty="0"/>
+              <a:t>1</a:t>
+            </a:r>
+            <a:endParaRPr lang="it-IT" dirty="0"/>
+          </a:p>
+        </p:txBody>
+      </p:sp>
+    </p:spTree>
+    <p:extLst>
+      <p:ext uri="{BB962C8B-B14F-4D97-AF65-F5344CB8AC3E}">
+        <p14:creationId xmlns:p14="http://schemas.microsoft.com/office/powerpoint/2010/main" val="1905542170"/>
+      </p:ext>
+    </p:extLst>
+  </p:cSld>
+  <p:clrMapOvr>
+    <a:masterClrMapping/>
+  </p:clrMapOvr>
+</p:sld>
+</file>
+
+<file path=ppt/slides/slide27.xml><?xml version="1.0" encoding="utf-8"?>
+<p:sld xmlns:a="http://schemas.openxmlformats.org/drawingml/2006/main" xmlns:r="http://schemas.openxmlformats.org/officeDocument/2006/relationships" xmlns:p="http://schemas.openxmlformats.org/presentationml/2006/main">
+  <p:cSld>
+    <p:bg>
+      <p:bgPr>
+        <a:solidFill>
+          <a:schemeClr val="bg1"/>
+        </a:solidFill>
+        <a:effectLst/>
+      </p:bgPr>
+    </p:bg>
+    <p:spTree>
+      <p:nvGrpSpPr>
+        <p:cNvPr id="1" name=""/>
+        <p:cNvGrpSpPr/>
+        <p:nvPr/>
+      </p:nvGrpSpPr>
+      <p:grpSpPr>
+        <a:xfrm>
+          <a:off x="0" y="0"/>
+          <a:ext cx="0" cy="0"/>
+          <a:chOff x="0" y="0"/>
+          <a:chExt cx="0" cy="0"/>
+        </a:xfrm>
+      </p:grpSpPr>
+      <p:sp>
+        <p:nvSpPr>
+          <p:cNvPr id="2" name="Titolo 1">
+            <a:extLst>
+              <a:ext uri="{FF2B5EF4-FFF2-40B4-BE49-F238E27FC236}">
+                <a16:creationId xmlns:a16="http://schemas.microsoft.com/office/drawing/2014/main" id="{AAE69284-7676-4D36-94CC-AC9F98B25151}"/>
               </a:ext>
             </a:extLst>
           </p:cNvPr>
@@ -9746,15 +10026,462 @@
             <a:spLocks noGrp="1"/>
           </p:cNvSpPr>
           <p:nvPr>
+            <p:ph type="title"/>
+          </p:nvPr>
+        </p:nvSpPr>
+        <p:spPr>
+          <a:xfrm>
+            <a:off x="1524000" y="5652843"/>
+            <a:ext cx="9144000" cy="1099845"/>
+          </a:xfrm>
+        </p:spPr>
+        <p:txBody>
+          <a:bodyPr vert="horz" lIns="91440" tIns="45720" rIns="91440" bIns="45720" rtlCol="0" anchor="b">
+            <a:normAutofit fontScale="90000"/>
+          </a:bodyPr>
+          <a:lstStyle/>
+          <a:p>
+            <a:pPr algn="ctr"/>
+            <a:br>
+              <a:rPr lang="en-US" sz="5100" dirty="0"/>
+            </a:br>
+            <a:br>
+              <a:rPr lang="en-US" sz="5100" dirty="0"/>
+            </a:br>
+            <a:br>
+              <a:rPr lang="en-US" sz="5100" dirty="0"/>
+            </a:br>
+            <a:br>
+              <a:rPr lang="en-US" sz="5100" dirty="0"/>
+            </a:br>
+            <a:br>
+              <a:rPr lang="en-US" sz="5100" dirty="0"/>
+            </a:br>
+            <a:r>
+              <a:rPr lang="en-US" sz="5100" dirty="0"/>
+              <a:t>Let’s get harder…</a:t>
+            </a:r>
+            <a:br>
+              <a:rPr lang="en-US" sz="5100" dirty="0"/>
+            </a:br>
+            <a:r>
+              <a:rPr lang="en-US" sz="5100" dirty="0"/>
+              <a:t>Single perceptron with </a:t>
+            </a:r>
+            <a:r>
+              <a:rPr lang="en-US" sz="5100" dirty="0" err="1"/>
+              <a:t>irisDataset</a:t>
+            </a:r>
+            <a:endParaRPr lang="en-US" sz="5100" dirty="0"/>
+          </a:p>
+        </p:txBody>
+      </p:sp>
+      <p:sp>
+        <p:nvSpPr>
+          <p:cNvPr id="54" name="Rectangle 20">
+            <a:extLst>
+              <a:ext uri="{FF2B5EF4-FFF2-40B4-BE49-F238E27FC236}">
+                <a16:creationId xmlns:a16="http://schemas.microsoft.com/office/drawing/2014/main" id="{DAE885FA-583E-488C-A3B2-2647B84A8162}"/>
+              </a:ext>
+              <a:ext uri="{C183D7F6-B498-43B3-948B-1728B52AA6E4}">
+                <adec:decorative xmlns:adec="http://schemas.microsoft.com/office/drawing/2017/decorative" val="1"/>
+              </a:ext>
+            </a:extLst>
+          </p:cNvPr>
+          <p:cNvSpPr>
+            <a:spLocks noGrp="1" noRot="1" noChangeAspect="1" noMove="1" noResize="1" noEditPoints="1" noAdjustHandles="1" noChangeArrowheads="1" noChangeShapeType="1" noTextEdit="1"/>
+          </p:cNvSpPr>
+          <p:nvPr>
+            <p:extLst>
+              <p:ext uri="{386F3935-93C4-4BCD-93E2-E3B085C9AB24}">
+                <p16:designElem xmlns:p16="http://schemas.microsoft.com/office/powerpoint/2015/main" val="1"/>
+              </p:ext>
+            </p:extLst>
+          </p:nvPr>
+        </p:nvSpPr>
+        <p:spPr>
+          <a:xfrm>
+            <a:off x="0" y="0"/>
+            <a:ext cx="12192000" cy="4572000"/>
+          </a:xfrm>
+          <a:prstGeom prst="rect">
+            <a:avLst/>
+          </a:prstGeom>
+          <a:solidFill>
+            <a:srgbClr val="7D615C"/>
+          </a:solidFill>
+          <a:ln>
+            <a:noFill/>
+          </a:ln>
+        </p:spPr>
+        <p:style>
+          <a:lnRef idx="2">
+            <a:schemeClr val="accent1">
+              <a:shade val="50000"/>
+            </a:schemeClr>
+          </a:lnRef>
+          <a:fillRef idx="1">
+            <a:schemeClr val="accent1"/>
+          </a:fillRef>
+          <a:effectRef idx="0">
+            <a:schemeClr val="accent1"/>
+          </a:effectRef>
+          <a:fontRef idx="minor">
+            <a:schemeClr val="lt1"/>
+          </a:fontRef>
+        </p:style>
+        <p:txBody>
+          <a:bodyPr rtlCol="0" anchor="ctr"/>
+          <a:lstStyle/>
+          <a:p>
+            <a:pPr algn="ctr"/>
+            <a:endParaRPr lang="en-US"/>
+          </a:p>
+        </p:txBody>
+      </p:sp>
+      <p:sp>
+        <p:nvSpPr>
+          <p:cNvPr id="23" name="Rounded Rectangle 26">
+            <a:extLst>
+              <a:ext uri="{FF2B5EF4-FFF2-40B4-BE49-F238E27FC236}">
+                <a16:creationId xmlns:a16="http://schemas.microsoft.com/office/drawing/2014/main" id="{87B1CEC7-C2CE-4440-A0F7-0BE6B3AADB72}"/>
+              </a:ext>
+              <a:ext uri="{C183D7F6-B498-43B3-948B-1728B52AA6E4}">
+                <adec:decorative xmlns:adec="http://schemas.microsoft.com/office/drawing/2017/decorative" val="1"/>
+              </a:ext>
+            </a:extLst>
+          </p:cNvPr>
+          <p:cNvSpPr>
+            <a:spLocks noGrp="1" noRot="1" noChangeAspect="1" noMove="1" noResize="1" noEditPoints="1" noAdjustHandles="1" noChangeArrowheads="1" noChangeShapeType="1" noTextEdit="1"/>
+          </p:cNvSpPr>
+          <p:nvPr>
+            <p:extLst>
+              <p:ext uri="{386F3935-93C4-4BCD-93E2-E3B085C9AB24}">
+                <p16:designElem xmlns:p16="http://schemas.microsoft.com/office/powerpoint/2015/main" val="1"/>
+              </p:ext>
+            </p:extLst>
+          </p:nvPr>
+        </p:nvSpPr>
+        <p:spPr>
+          <a:xfrm>
+            <a:off x="321564" y="320843"/>
+            <a:ext cx="5613569" cy="3930315"/>
+          </a:xfrm>
+          <a:prstGeom prst="roundRect">
+            <a:avLst>
+              <a:gd name="adj" fmla="val 0"/>
+            </a:avLst>
+          </a:prstGeom>
+          <a:solidFill>
+            <a:srgbClr val="FFFFFF"/>
+          </a:solidFill>
+          <a:ln w="9525">
+            <a:solidFill>
+              <a:srgbClr val="C8CACA"/>
+            </a:solidFill>
+          </a:ln>
+          <a:effectLst>
+            <a:outerShdw blurRad="57150" dist="19050" dir="5400000" algn="t" rotWithShape="0">
+              <a:prstClr val="black">
+                <a:alpha val="63000"/>
+              </a:prstClr>
+            </a:outerShdw>
+          </a:effectLst>
+        </p:spPr>
+        <p:style>
+          <a:lnRef idx="2">
+            <a:schemeClr val="accent1">
+              <a:shade val="50000"/>
+            </a:schemeClr>
+          </a:lnRef>
+          <a:fillRef idx="1">
+            <a:schemeClr val="accent1"/>
+          </a:fillRef>
+          <a:effectRef idx="0">
+            <a:schemeClr val="accent1"/>
+          </a:effectRef>
+          <a:fontRef idx="minor">
+            <a:schemeClr val="lt1"/>
+          </a:fontRef>
+        </p:style>
+        <p:txBody>
+          <a:bodyPr rtlCol="0" anchor="ctr"/>
+          <a:lstStyle/>
+          <a:p>
+            <a:pPr algn="ctr"/>
+            <a:endParaRPr lang="en-US"/>
+          </a:p>
+        </p:txBody>
+      </p:sp>
+      <p:pic>
+        <p:nvPicPr>
+          <p:cNvPr id="55" name="Segnaposto contenuto 4" descr="Immagine che contiene testo, mappa&#10;&#10;Descrizione generata automaticamente">
+            <a:extLst>
+              <a:ext uri="{FF2B5EF4-FFF2-40B4-BE49-F238E27FC236}">
+                <a16:creationId xmlns:a16="http://schemas.microsoft.com/office/drawing/2014/main" id="{1C345535-5CEB-41FA-ADA4-54B89240C42E}"/>
+              </a:ext>
+            </a:extLst>
+          </p:cNvPr>
+          <p:cNvPicPr>
+            <a:picLocks noGrp="1" noChangeAspect="1"/>
+          </p:cNvPicPr>
+          <p:nvPr>
             <p:ph idx="1"/>
           </p:nvPr>
-        </p:nvSpPr>
-        <p:spPr/>
-        <p:txBody>
-          <a:bodyPr/>
+        </p:nvPicPr>
+        <p:blipFill>
+          <a:blip r:embed="rId2">
+            <a:extLst>
+              <a:ext uri="{28A0092B-C50C-407E-A947-70E740481C1C}">
+                <a14:useLocalDpi xmlns:a14="http://schemas.microsoft.com/office/drawing/2010/main" val="0"/>
+              </a:ext>
+            </a:extLst>
+          </a:blip>
+          <a:stretch>
+            <a:fillRect/>
+          </a:stretch>
+        </p:blipFill>
+        <p:spPr>
+          <a:xfrm>
+            <a:off x="1064498" y="640080"/>
+            <a:ext cx="4127699" cy="3291840"/>
+          </a:xfrm>
+          <a:prstGeom prst="rect">
+            <a:avLst/>
+          </a:prstGeom>
+        </p:spPr>
+      </p:pic>
+      <p:sp>
+        <p:nvSpPr>
+          <p:cNvPr id="25" name="Rounded Rectangle 16">
+            <a:extLst>
+              <a:ext uri="{FF2B5EF4-FFF2-40B4-BE49-F238E27FC236}">
+                <a16:creationId xmlns:a16="http://schemas.microsoft.com/office/drawing/2014/main" id="{7B0DBF0B-D7C2-4F15-94AE-315255824591}"/>
+              </a:ext>
+              <a:ext uri="{C183D7F6-B498-43B3-948B-1728B52AA6E4}">
+                <adec:decorative xmlns:adec="http://schemas.microsoft.com/office/drawing/2017/decorative" val="1"/>
+              </a:ext>
+            </a:extLst>
+          </p:cNvPr>
+          <p:cNvSpPr>
+            <a:spLocks noGrp="1" noRot="1" noChangeAspect="1" noMove="1" noResize="1" noEditPoints="1" noAdjustHandles="1" noChangeArrowheads="1" noChangeShapeType="1" noTextEdit="1"/>
+          </p:cNvSpPr>
+          <p:nvPr>
+            <p:extLst>
+              <p:ext uri="{386F3935-93C4-4BCD-93E2-E3B085C9AB24}">
+                <p16:designElem xmlns:p16="http://schemas.microsoft.com/office/powerpoint/2015/main" val="1"/>
+              </p:ext>
+            </p:extLst>
+          </p:nvPr>
+        </p:nvSpPr>
+        <p:spPr>
+          <a:xfrm>
+            <a:off x="6254749" y="320843"/>
+            <a:ext cx="5613569" cy="3930315"/>
+          </a:xfrm>
+          <a:prstGeom prst="roundRect">
+            <a:avLst>
+              <a:gd name="adj" fmla="val 0"/>
+            </a:avLst>
+          </a:prstGeom>
+          <a:solidFill>
+            <a:srgbClr val="FFFFFF"/>
+          </a:solidFill>
+          <a:ln w="9525">
+            <a:solidFill>
+              <a:srgbClr val="C8CACA"/>
+            </a:solidFill>
+          </a:ln>
+          <a:effectLst>
+            <a:outerShdw blurRad="57150" dist="19050" dir="5400000" algn="t" rotWithShape="0">
+              <a:prstClr val="black">
+                <a:alpha val="63000"/>
+              </a:prstClr>
+            </a:outerShdw>
+          </a:effectLst>
+        </p:spPr>
+        <p:style>
+          <a:lnRef idx="2">
+            <a:schemeClr val="accent1">
+              <a:shade val="50000"/>
+            </a:schemeClr>
+          </a:lnRef>
+          <a:fillRef idx="1">
+            <a:schemeClr val="accent1"/>
+          </a:fillRef>
+          <a:effectRef idx="0">
+            <a:schemeClr val="accent1"/>
+          </a:effectRef>
+          <a:fontRef idx="minor">
+            <a:schemeClr val="lt1"/>
+          </a:fontRef>
+        </p:style>
+        <p:txBody>
+          <a:bodyPr rtlCol="0" anchor="ctr"/>
           <a:lstStyle/>
           <a:p>
-            <a:endParaRPr lang="it-IT"/>
+            <a:pPr algn="ctr"/>
+            <a:endParaRPr lang="en-US"/>
+          </a:p>
+        </p:txBody>
+      </p:sp>
+      <p:pic>
+        <p:nvPicPr>
+          <p:cNvPr id="7" name="Immagine 6" descr="Immagine che contiene mappa&#10;&#10;Descrizione generata automaticamente">
+            <a:extLst>
+              <a:ext uri="{FF2B5EF4-FFF2-40B4-BE49-F238E27FC236}">
+                <a16:creationId xmlns:a16="http://schemas.microsoft.com/office/drawing/2014/main" id="{72FD80A2-F1BC-4E96-BF86-DF8C6D03EEEC}"/>
+              </a:ext>
+            </a:extLst>
+          </p:cNvPr>
+          <p:cNvPicPr>
+            <a:picLocks noChangeAspect="1"/>
+          </p:cNvPicPr>
+          <p:nvPr/>
+        </p:nvPicPr>
+        <p:blipFill>
+          <a:blip r:embed="rId3">
+            <a:extLst>
+              <a:ext uri="{28A0092B-C50C-407E-A947-70E740481C1C}">
+                <a14:useLocalDpi xmlns:a14="http://schemas.microsoft.com/office/drawing/2010/main" val="0"/>
+              </a:ext>
+            </a:extLst>
+          </a:blip>
+          <a:stretch>
+            <a:fillRect/>
+          </a:stretch>
+        </p:blipFill>
+        <p:spPr>
+          <a:xfrm>
+            <a:off x="6574365" y="974019"/>
+            <a:ext cx="4974336" cy="2623962"/>
+          </a:xfrm>
+          <a:prstGeom prst="rect">
+            <a:avLst/>
+          </a:prstGeom>
+        </p:spPr>
+      </p:pic>
+      <p:sp>
+        <p:nvSpPr>
+          <p:cNvPr id="8" name="CasellaDiTesto 7">
+            <a:extLst>
+              <a:ext uri="{FF2B5EF4-FFF2-40B4-BE49-F238E27FC236}">
+                <a16:creationId xmlns:a16="http://schemas.microsoft.com/office/drawing/2014/main" id="{5A3394B3-22E1-4398-AE04-7AED32966616}"/>
+              </a:ext>
+            </a:extLst>
+          </p:cNvPr>
+          <p:cNvSpPr txBox="1"/>
+          <p:nvPr/>
+        </p:nvSpPr>
+        <p:spPr>
+          <a:xfrm>
+            <a:off x="1107809" y="4651310"/>
+            <a:ext cx="4084388" cy="646331"/>
+          </a:xfrm>
+          <a:prstGeom prst="rect">
+            <a:avLst/>
+          </a:prstGeom>
+          <a:noFill/>
+        </p:spPr>
+        <p:txBody>
+          <a:bodyPr wrap="none" rtlCol="0">
+            <a:spAutoFit/>
+          </a:bodyPr>
+          <a:lstStyle/>
+          <a:p>
+            <a:pPr algn="ctr"/>
+            <a:r>
+              <a:rPr lang="it-IT" dirty="0"/>
+              <a:t>With 50 </a:t>
+            </a:r>
+            <a:r>
+              <a:rPr lang="it-IT" dirty="0" err="1"/>
+              <a:t>epochs</a:t>
+            </a:r>
+            <a:endParaRPr lang="it-IT" dirty="0"/>
+          </a:p>
+          <a:p>
+            <a:pPr algn="ctr"/>
+            <a:r>
+              <a:rPr lang="it-IT" dirty="0"/>
+              <a:t>One points of the dataset </a:t>
+            </a:r>
+            <a:r>
+              <a:rPr lang="it-IT" dirty="0" err="1"/>
+              <a:t>misclassificated</a:t>
+            </a:r>
+            <a:endParaRPr lang="it-IT" dirty="0"/>
+          </a:p>
+        </p:txBody>
+      </p:sp>
+      <p:sp>
+        <p:nvSpPr>
+          <p:cNvPr id="9" name="CasellaDiTesto 8">
+            <a:extLst>
+              <a:ext uri="{FF2B5EF4-FFF2-40B4-BE49-F238E27FC236}">
+                <a16:creationId xmlns:a16="http://schemas.microsoft.com/office/drawing/2014/main" id="{0FE9C343-8931-43C5-8B0B-C84BD22CABA2}"/>
+              </a:ext>
+            </a:extLst>
+          </p:cNvPr>
+          <p:cNvSpPr txBox="1"/>
+          <p:nvPr/>
+        </p:nvSpPr>
+        <p:spPr>
+          <a:xfrm>
+            <a:off x="6932459" y="4572000"/>
+            <a:ext cx="4258153" cy="923330"/>
+          </a:xfrm>
+          <a:prstGeom prst="rect">
+            <a:avLst/>
+          </a:prstGeom>
+          <a:noFill/>
+        </p:spPr>
+        <p:txBody>
+          <a:bodyPr wrap="none" rtlCol="0">
+            <a:spAutoFit/>
+          </a:bodyPr>
+          <a:lstStyle/>
+          <a:p>
+            <a:pPr algn="ctr"/>
+            <a:r>
+              <a:rPr lang="it-IT" dirty="0"/>
+              <a:t>With 1500 </a:t>
+            </a:r>
+            <a:r>
+              <a:rPr lang="it-IT" dirty="0" err="1"/>
+              <a:t>epochs</a:t>
+            </a:r>
+            <a:endParaRPr lang="it-IT" dirty="0"/>
+          </a:p>
+          <a:p>
+            <a:pPr algn="ctr"/>
+            <a:r>
+              <a:rPr lang="it-IT" dirty="0" err="1"/>
+              <a:t>All</a:t>
+            </a:r>
+            <a:r>
+              <a:rPr lang="it-IT" dirty="0"/>
+              <a:t> the points are </a:t>
+            </a:r>
+            <a:r>
+              <a:rPr lang="it-IT" dirty="0" err="1"/>
+              <a:t>correctly</a:t>
+            </a:r>
+            <a:r>
+              <a:rPr lang="it-IT" dirty="0"/>
+              <a:t> </a:t>
+            </a:r>
+            <a:r>
+              <a:rPr lang="it-IT" dirty="0" err="1"/>
+              <a:t>classified</a:t>
+            </a:r>
+            <a:r>
+              <a:rPr lang="it-IT" dirty="0"/>
+              <a:t> (YEAH)</a:t>
+            </a:r>
+          </a:p>
+          <a:p>
+            <a:endParaRPr lang="it-IT" dirty="0"/>
           </a:p>
         </p:txBody>
       </p:sp>
@@ -9771,7 +10498,852 @@
 </p:sld>
 </file>
 
-<file path=ppt/slides/slide27.xml><?xml version="1.0" encoding="utf-8"?>
+<file path=ppt/slides/slide28.xml><?xml version="1.0" encoding="utf-8"?>
+<p:sld xmlns:a="http://schemas.openxmlformats.org/drawingml/2006/main" xmlns:r="http://schemas.openxmlformats.org/officeDocument/2006/relationships" xmlns:p="http://schemas.openxmlformats.org/presentationml/2006/main">
+  <p:cSld>
+    <p:bg>
+      <p:bgPr>
+        <a:solidFill>
+          <a:schemeClr val="bg1"/>
+        </a:solidFill>
+        <a:effectLst/>
+      </p:bgPr>
+    </p:bg>
+    <p:spTree>
+      <p:nvGrpSpPr>
+        <p:cNvPr id="1" name=""/>
+        <p:cNvGrpSpPr/>
+        <p:nvPr/>
+      </p:nvGrpSpPr>
+      <p:grpSpPr>
+        <a:xfrm>
+          <a:off x="0" y="0"/>
+          <a:ext cx="0" cy="0"/>
+          <a:chOff x="0" y="0"/>
+          <a:chExt cx="0" cy="0"/>
+        </a:xfrm>
+      </p:grpSpPr>
+      <p:cxnSp>
+        <p:nvCxnSpPr>
+          <p:cNvPr id="12" name="Straight Connector 11">
+            <a:extLst>
+              <a:ext uri="{FF2B5EF4-FFF2-40B4-BE49-F238E27FC236}">
+                <a16:creationId xmlns:a16="http://schemas.microsoft.com/office/drawing/2014/main" id="{DB146403-F3D6-484B-B2ED-97F9565D0370}"/>
+              </a:ext>
+              <a:ext uri="{C183D7F6-B498-43B3-948B-1728B52AA6E4}">
+                <adec:decorative xmlns:adec="http://schemas.microsoft.com/office/drawing/2017/decorative" val="1"/>
+              </a:ext>
+            </a:extLst>
+          </p:cNvPr>
+          <p:cNvCxnSpPr>
+            <a:cxnSpLocks noGrp="1" noRot="1" noChangeAspect="1" noMove="1" noResize="1" noEditPoints="1" noAdjustHandles="1" noChangeArrowheads="1" noChangeShapeType="1"/>
+          </p:cNvCxnSpPr>
+          <p:nvPr>
+            <p:extLst>
+              <p:ext uri="{386F3935-93C4-4BCD-93E2-E3B085C9AB24}">
+                <p16:designElem xmlns:p16="http://schemas.microsoft.com/office/powerpoint/2015/main" val="1"/>
+              </p:ext>
+            </p:extLst>
+          </p:nvPr>
+        </p:nvCxnSpPr>
+        <p:spPr>
+          <a:xfrm>
+            <a:off x="6096000" y="477749"/>
+            <a:ext cx="0" cy="3657600"/>
+          </a:xfrm>
+          <a:prstGeom prst="line">
+            <a:avLst/>
+          </a:prstGeom>
+          <a:ln w="101600" cmpd="dbl">
+            <a:solidFill>
+              <a:srgbClr val="595959"/>
+            </a:solidFill>
+          </a:ln>
+        </p:spPr>
+        <p:style>
+          <a:lnRef idx="1">
+            <a:schemeClr val="accent1"/>
+          </a:lnRef>
+          <a:fillRef idx="0">
+            <a:schemeClr val="accent1"/>
+          </a:fillRef>
+          <a:effectRef idx="0">
+            <a:schemeClr val="accent1"/>
+          </a:effectRef>
+          <a:fontRef idx="minor">
+            <a:schemeClr val="tx1"/>
+          </a:fontRef>
+        </p:style>
+      </p:cxnSp>
+      <p:sp>
+        <p:nvSpPr>
+          <p:cNvPr id="14" name="Rectangle 13">
+            <a:extLst>
+              <a:ext uri="{FF2B5EF4-FFF2-40B4-BE49-F238E27FC236}">
+                <a16:creationId xmlns:a16="http://schemas.microsoft.com/office/drawing/2014/main" id="{823AC064-BC96-4F32-8AE1-B2FD38754823}"/>
+              </a:ext>
+              <a:ext uri="{C183D7F6-B498-43B3-948B-1728B52AA6E4}">
+                <adec:decorative xmlns:adec="http://schemas.microsoft.com/office/drawing/2017/decorative" val="1"/>
+              </a:ext>
+            </a:extLst>
+          </p:cNvPr>
+          <p:cNvSpPr>
+            <a:spLocks noGrp="1" noRot="1" noChangeAspect="1" noMove="1" noResize="1" noEditPoints="1" noAdjustHandles="1" noChangeArrowheads="1" noChangeShapeType="1" noTextEdit="1"/>
+          </p:cNvSpPr>
+          <p:nvPr>
+            <p:extLst>
+              <p:ext uri="{386F3935-93C4-4BCD-93E2-E3B085C9AB24}">
+                <p16:designElem xmlns:p16="http://schemas.microsoft.com/office/powerpoint/2015/main" val="1"/>
+              </p:ext>
+            </p:extLst>
+          </p:nvPr>
+        </p:nvSpPr>
+        <p:spPr bwMode="ltGray">
+          <a:xfrm>
+            <a:off x="378068" y="4633546"/>
+            <a:ext cx="11438793" cy="1844256"/>
+          </a:xfrm>
+          <a:prstGeom prst="rect">
+            <a:avLst/>
+          </a:prstGeom>
+          <a:solidFill>
+            <a:srgbClr val="404040"/>
+          </a:solidFill>
+          <a:ln w="127000" cap="sq" cmpd="thinThick">
+            <a:solidFill>
+              <a:srgbClr val="404040"/>
+            </a:solidFill>
+          </a:ln>
+        </p:spPr>
+        <p:style>
+          <a:lnRef idx="2">
+            <a:schemeClr val="accent1">
+              <a:shade val="50000"/>
+            </a:schemeClr>
+          </a:lnRef>
+          <a:fillRef idx="1">
+            <a:schemeClr val="accent1"/>
+          </a:fillRef>
+          <a:effectRef idx="0">
+            <a:schemeClr val="accent1"/>
+          </a:effectRef>
+          <a:fontRef idx="minor">
+            <a:schemeClr val="lt1"/>
+          </a:fontRef>
+        </p:style>
+        <p:txBody>
+          <a:bodyPr rtlCol="0" anchor="ctr"/>
+          <a:lstStyle/>
+          <a:p>
+            <a:pPr algn="ctr"/>
+            <a:endParaRPr lang="en-US"/>
+          </a:p>
+        </p:txBody>
+      </p:sp>
+      <p:sp>
+        <p:nvSpPr>
+          <p:cNvPr id="2" name="Titolo 1">
+            <a:extLst>
+              <a:ext uri="{FF2B5EF4-FFF2-40B4-BE49-F238E27FC236}">
+                <a16:creationId xmlns:a16="http://schemas.microsoft.com/office/drawing/2014/main" id="{581C8E7C-7298-4502-840E-16284F7BCABD}"/>
+              </a:ext>
+            </a:extLst>
+          </p:cNvPr>
+          <p:cNvSpPr>
+            <a:spLocks noGrp="1"/>
+          </p:cNvSpPr>
+          <p:nvPr>
+            <p:ph type="title"/>
+          </p:nvPr>
+        </p:nvSpPr>
+        <p:spPr>
+          <a:xfrm>
+            <a:off x="527538" y="4756638"/>
+            <a:ext cx="11139854" cy="930447"/>
+          </a:xfrm>
+        </p:spPr>
+        <p:txBody>
+          <a:bodyPr vert="horz" lIns="91440" tIns="45720" rIns="91440" bIns="45720" rtlCol="0" anchor="b">
+            <a:normAutofit/>
+          </a:bodyPr>
+          <a:lstStyle/>
+          <a:p>
+            <a:pPr algn="ctr"/>
+            <a:r>
+              <a:rPr lang="en-US" sz="5400">
+                <a:solidFill>
+                  <a:srgbClr val="FFFFFF"/>
+                </a:solidFill>
+              </a:rPr>
+              <a:t>Let get more harder… XOR port!!!</a:t>
+            </a:r>
+          </a:p>
+        </p:txBody>
+      </p:sp>
+      <p:pic>
+        <p:nvPicPr>
+          <p:cNvPr id="5" name="Segnaposto contenuto 4" descr="Immagine che contiene testo, mappa&#10;&#10;Descrizione generata automaticamente">
+            <a:extLst>
+              <a:ext uri="{FF2B5EF4-FFF2-40B4-BE49-F238E27FC236}">
+                <a16:creationId xmlns:a16="http://schemas.microsoft.com/office/drawing/2014/main" id="{B3B59158-16B0-41F3-BD7E-1EA2BD8AA98F}"/>
+              </a:ext>
+            </a:extLst>
+          </p:cNvPr>
+          <p:cNvPicPr>
+            <a:picLocks noGrp="1" noChangeAspect="1"/>
+          </p:cNvPicPr>
+          <p:nvPr>
+            <p:ph idx="1"/>
+          </p:nvPr>
+        </p:nvPicPr>
+        <p:blipFill>
+          <a:blip r:embed="rId2">
+            <a:extLst>
+              <a:ext uri="{28A0092B-C50C-407E-A947-70E740481C1C}">
+                <a14:useLocalDpi xmlns:a14="http://schemas.microsoft.com/office/drawing/2010/main" val="0"/>
+              </a:ext>
+            </a:extLst>
+          </a:blip>
+          <a:stretch>
+            <a:fillRect/>
+          </a:stretch>
+        </p:blipFill>
+        <p:spPr>
+          <a:xfrm>
+            <a:off x="587914" y="307731"/>
+            <a:ext cx="4920168" cy="3997637"/>
+          </a:xfrm>
+          <a:prstGeom prst="rect">
+            <a:avLst/>
+          </a:prstGeom>
+        </p:spPr>
+      </p:pic>
+      <p:pic>
+        <p:nvPicPr>
+          <p:cNvPr id="7" name="Immagine 6" descr="Immagine che contiene testo, mappa&#10;&#10;Descrizione generata automaticamente">
+            <a:extLst>
+              <a:ext uri="{FF2B5EF4-FFF2-40B4-BE49-F238E27FC236}">
+                <a16:creationId xmlns:a16="http://schemas.microsoft.com/office/drawing/2014/main" id="{5E614948-4208-4A73-B1F6-EA597DB64E4B}"/>
+              </a:ext>
+            </a:extLst>
+          </p:cNvPr>
+          <p:cNvPicPr>
+            <a:picLocks noChangeAspect="1"/>
+          </p:cNvPicPr>
+          <p:nvPr/>
+        </p:nvPicPr>
+        <p:blipFill>
+          <a:blip r:embed="rId3">
+            <a:extLst>
+              <a:ext uri="{28A0092B-C50C-407E-A947-70E740481C1C}">
+                <a14:useLocalDpi xmlns:a14="http://schemas.microsoft.com/office/drawing/2010/main" val="0"/>
+              </a:ext>
+            </a:extLst>
+          </a:blip>
+          <a:stretch>
+            <a:fillRect/>
+          </a:stretch>
+        </p:blipFill>
+        <p:spPr>
+          <a:xfrm>
+            <a:off x="6676324" y="307731"/>
+            <a:ext cx="4935354" cy="3997637"/>
+          </a:xfrm>
+          <a:prstGeom prst="rect">
+            <a:avLst/>
+          </a:prstGeom>
+        </p:spPr>
+      </p:pic>
+      <p:cxnSp>
+        <p:nvCxnSpPr>
+          <p:cNvPr id="16" name="Straight Connector 15">
+            <a:extLst>
+              <a:ext uri="{FF2B5EF4-FFF2-40B4-BE49-F238E27FC236}">
+                <a16:creationId xmlns:a16="http://schemas.microsoft.com/office/drawing/2014/main" id="{7E7C77BC-7138-40B1-A15B-20F57A494629}"/>
+              </a:ext>
+              <a:ext uri="{C183D7F6-B498-43B3-948B-1728B52AA6E4}">
+                <adec:decorative xmlns:adec="http://schemas.microsoft.com/office/drawing/2017/decorative" val="1"/>
+              </a:ext>
+            </a:extLst>
+          </p:cNvPr>
+          <p:cNvCxnSpPr>
+            <a:cxnSpLocks noGrp="1" noRot="1" noChangeAspect="1" noMove="1" noResize="1" noEditPoints="1" noAdjustHandles="1" noChangeArrowheads="1" noChangeShapeType="1"/>
+          </p:cNvCxnSpPr>
+          <p:nvPr>
+            <p:extLst>
+              <p:ext uri="{386F3935-93C4-4BCD-93E2-E3B085C9AB24}">
+                <p16:designElem xmlns:p16="http://schemas.microsoft.com/office/powerpoint/2015/main" val="1"/>
+              </p:ext>
+            </p:extLst>
+          </p:nvPr>
+        </p:nvCxnSpPr>
+        <p:spPr>
+          <a:xfrm>
+            <a:off x="2209800" y="5738691"/>
+            <a:ext cx="7772400" cy="0"/>
+          </a:xfrm>
+          <a:prstGeom prst="line">
+            <a:avLst/>
+          </a:prstGeom>
+          <a:ln w="22225">
+            <a:solidFill>
+              <a:srgbClr val="D9D9D9"/>
+            </a:solidFill>
+          </a:ln>
+        </p:spPr>
+        <p:style>
+          <a:lnRef idx="1">
+            <a:schemeClr val="accent1"/>
+          </a:lnRef>
+          <a:fillRef idx="0">
+            <a:schemeClr val="accent1"/>
+          </a:fillRef>
+          <a:effectRef idx="0">
+            <a:schemeClr val="accent1"/>
+          </a:effectRef>
+          <a:fontRef idx="minor">
+            <a:schemeClr val="tx1"/>
+          </a:fontRef>
+        </p:style>
+      </p:cxnSp>
+    </p:spTree>
+    <p:extLst>
+      <p:ext uri="{BB962C8B-B14F-4D97-AF65-F5344CB8AC3E}">
+        <p14:creationId xmlns:p14="http://schemas.microsoft.com/office/powerpoint/2010/main" val="2696507"/>
+      </p:ext>
+    </p:extLst>
+  </p:cSld>
+  <p:clrMapOvr>
+    <a:masterClrMapping/>
+  </p:clrMapOvr>
+</p:sld>
+</file>
+
+<file path=ppt/slides/slide29.xml><?xml version="1.0" encoding="utf-8"?>
+<p:sld xmlns:a="http://schemas.openxmlformats.org/drawingml/2006/main" xmlns:r="http://schemas.openxmlformats.org/officeDocument/2006/relationships" xmlns:p="http://schemas.openxmlformats.org/presentationml/2006/main">
+  <p:cSld>
+    <p:spTree>
+      <p:nvGrpSpPr>
+        <p:cNvPr id="1" name=""/>
+        <p:cNvGrpSpPr/>
+        <p:nvPr/>
+      </p:nvGrpSpPr>
+      <p:grpSpPr>
+        <a:xfrm>
+          <a:off x="0" y="0"/>
+          <a:ext cx="0" cy="0"/>
+          <a:chOff x="0" y="0"/>
+          <a:chExt cx="0" cy="0"/>
+        </a:xfrm>
+      </p:grpSpPr>
+      <p:sp>
+        <p:nvSpPr>
+          <p:cNvPr id="2" name="Titolo 1">
+            <a:extLst>
+              <a:ext uri="{FF2B5EF4-FFF2-40B4-BE49-F238E27FC236}">
+                <a16:creationId xmlns:a16="http://schemas.microsoft.com/office/drawing/2014/main" id="{0051DA10-0D2F-4C60-812F-B94E67334105}"/>
+              </a:ext>
+            </a:extLst>
+          </p:cNvPr>
+          <p:cNvSpPr>
+            <a:spLocks noGrp="1"/>
+          </p:cNvSpPr>
+          <p:nvPr>
+            <p:ph type="title"/>
+          </p:nvPr>
+        </p:nvSpPr>
+        <p:spPr/>
+        <p:txBody>
+          <a:bodyPr>
+            <a:normAutofit fontScale="90000"/>
+          </a:bodyPr>
+          <a:lstStyle/>
+          <a:p>
+            <a:r>
+              <a:rPr lang="it-IT" dirty="0"/>
+              <a:t>So… </a:t>
+            </a:r>
+            <a:r>
+              <a:rPr lang="it-IT" dirty="0" err="1"/>
+              <a:t>We</a:t>
+            </a:r>
+            <a:r>
+              <a:rPr lang="it-IT" dirty="0"/>
+              <a:t> </a:t>
+            </a:r>
+            <a:r>
+              <a:rPr lang="it-IT" dirty="0" err="1"/>
+              <a:t>need</a:t>
+            </a:r>
+            <a:r>
+              <a:rPr lang="it-IT" dirty="0"/>
+              <a:t> more bound to </a:t>
+            </a:r>
+            <a:r>
+              <a:rPr lang="it-IT" dirty="0" err="1"/>
+              <a:t>evaluate</a:t>
+            </a:r>
+            <a:r>
+              <a:rPr lang="it-IT" dirty="0"/>
+              <a:t> the points, and so </a:t>
+            </a:r>
+            <a:r>
+              <a:rPr lang="it-IT" dirty="0" err="1"/>
+              <a:t>many</a:t>
+            </a:r>
+            <a:r>
+              <a:rPr lang="it-IT" dirty="0"/>
+              <a:t> </a:t>
+            </a:r>
+            <a:r>
+              <a:rPr lang="it-IT" dirty="0" err="1"/>
+              <a:t>neurons</a:t>
+            </a:r>
+            <a:r>
+              <a:rPr lang="it-IT" dirty="0"/>
+              <a:t>.</a:t>
+            </a:r>
+            <a:br>
+              <a:rPr lang="it-IT" dirty="0"/>
+            </a:br>
+            <a:r>
+              <a:rPr lang="it-IT" dirty="0"/>
+              <a:t>So… multi </a:t>
+            </a:r>
+            <a:r>
+              <a:rPr lang="it-IT" dirty="0" err="1"/>
+              <a:t>layer</a:t>
+            </a:r>
+            <a:r>
+              <a:rPr lang="it-IT" dirty="0"/>
+              <a:t> perceptron!</a:t>
+            </a:r>
+          </a:p>
+        </p:txBody>
+      </p:sp>
+      <p:sp>
+        <p:nvSpPr>
+          <p:cNvPr id="3" name="Segnaposto contenuto 2">
+            <a:extLst>
+              <a:ext uri="{FF2B5EF4-FFF2-40B4-BE49-F238E27FC236}">
+                <a16:creationId xmlns:a16="http://schemas.microsoft.com/office/drawing/2014/main" id="{A9D1F76E-6A26-4C39-A681-41CB4AEE4B8D}"/>
+              </a:ext>
+            </a:extLst>
+          </p:cNvPr>
+          <p:cNvSpPr>
+            <a:spLocks noGrp="1"/>
+          </p:cNvSpPr>
+          <p:nvPr>
+            <p:ph idx="1"/>
+          </p:nvPr>
+        </p:nvSpPr>
+        <p:spPr/>
+        <p:txBody>
+          <a:bodyPr/>
+          <a:lstStyle/>
+          <a:p>
+            <a:pPr marL="0" indent="0">
+              <a:buNone/>
+            </a:pPr>
+            <a:r>
+              <a:rPr lang="it-IT" dirty="0"/>
+              <a:t>Key parts:</a:t>
+            </a:r>
+          </a:p>
+          <a:p>
+            <a:endParaRPr lang="it-IT" dirty="0"/>
+          </a:p>
+        </p:txBody>
+      </p:sp>
+    </p:spTree>
+    <p:extLst>
+      <p:ext uri="{BB962C8B-B14F-4D97-AF65-F5344CB8AC3E}">
+        <p14:creationId xmlns:p14="http://schemas.microsoft.com/office/powerpoint/2010/main" val="2463171951"/>
+      </p:ext>
+    </p:extLst>
+  </p:cSld>
+  <p:clrMapOvr>
+    <a:masterClrMapping/>
+  </p:clrMapOvr>
+</p:sld>
+</file>
+
+<file path=ppt/slides/slide3.xml><?xml version="1.0" encoding="utf-8"?>
+<p:sld xmlns:a="http://schemas.openxmlformats.org/drawingml/2006/main" xmlns:r="http://schemas.openxmlformats.org/officeDocument/2006/relationships" xmlns:p="http://schemas.openxmlformats.org/presentationml/2006/main">
+  <p:cSld>
+    <p:spTree>
+      <p:nvGrpSpPr>
+        <p:cNvPr id="1" name=""/>
+        <p:cNvGrpSpPr/>
+        <p:nvPr/>
+      </p:nvGrpSpPr>
+      <p:grpSpPr>
+        <a:xfrm>
+          <a:off x="0" y="0"/>
+          <a:ext cx="0" cy="0"/>
+          <a:chOff x="0" y="0"/>
+          <a:chExt cx="0" cy="0"/>
+        </a:xfrm>
+      </p:grpSpPr>
+      <p:pic>
+        <p:nvPicPr>
+          <p:cNvPr id="14" name="Picture 13">
+            <a:extLst>
+              <a:ext uri="{FF2B5EF4-FFF2-40B4-BE49-F238E27FC236}">
+                <a16:creationId xmlns:a16="http://schemas.microsoft.com/office/drawing/2014/main" id="{EDBA63DC-2BD3-894B-AA56-258568C68045}"/>
+              </a:ext>
+            </a:extLst>
+          </p:cNvPr>
+          <p:cNvPicPr>
+            <a:picLocks noChangeAspect="1"/>
+          </p:cNvPicPr>
+          <p:nvPr/>
+        </p:nvPicPr>
+        <p:blipFill>
+          <a:blip r:embed="rId2">
+            <a:alphaModFix amt="12000"/>
+            <a:extLst>
+              <a:ext uri="{28A0092B-C50C-407E-A947-70E740481C1C}">
+                <a14:useLocalDpi xmlns:a14="http://schemas.microsoft.com/office/drawing/2010/main" val="0"/>
+              </a:ext>
+            </a:extLst>
+          </a:blip>
+          <a:stretch>
+            <a:fillRect/>
+          </a:stretch>
+        </p:blipFill>
+        <p:spPr>
+          <a:xfrm>
+            <a:off x="4414469" y="-135467"/>
+            <a:ext cx="7494796" cy="6858000"/>
+          </a:xfrm>
+          <a:prstGeom prst="rect">
+            <a:avLst/>
+          </a:prstGeom>
+        </p:spPr>
+      </p:pic>
+      <p:sp>
+        <p:nvSpPr>
+          <p:cNvPr id="2" name="Titolo 1">
+            <a:extLst>
+              <a:ext uri="{FF2B5EF4-FFF2-40B4-BE49-F238E27FC236}">
+                <a16:creationId xmlns:a16="http://schemas.microsoft.com/office/drawing/2014/main" id="{7C3CD4E9-DB64-4918-82F7-8F8A8315170B}"/>
+              </a:ext>
+            </a:extLst>
+          </p:cNvPr>
+          <p:cNvSpPr>
+            <a:spLocks noGrp="1"/>
+          </p:cNvSpPr>
+          <p:nvPr>
+            <p:ph type="title"/>
+          </p:nvPr>
+        </p:nvSpPr>
+        <p:spPr>
+          <a:xfrm>
+            <a:off x="838200" y="0"/>
+            <a:ext cx="10515600" cy="1325563"/>
+          </a:xfrm>
+        </p:spPr>
+        <p:txBody>
+          <a:bodyPr/>
+          <a:lstStyle/>
+          <a:p>
+            <a:r>
+              <a:rPr lang="it-IT" dirty="0" err="1"/>
+              <a:t>Experimental</a:t>
+            </a:r>
+            <a:r>
+              <a:rPr lang="it-IT" dirty="0"/>
+              <a:t> Setup</a:t>
+            </a:r>
+          </a:p>
+        </p:txBody>
+      </p:sp>
+      <p:sp>
+        <p:nvSpPr>
+          <p:cNvPr id="3" name="Segnaposto contenuto 2">
+            <a:extLst>
+              <a:ext uri="{FF2B5EF4-FFF2-40B4-BE49-F238E27FC236}">
+                <a16:creationId xmlns:a16="http://schemas.microsoft.com/office/drawing/2014/main" id="{A3AA93D2-B2C6-4C4F-A26E-E69FFCB3F5B2}"/>
+              </a:ext>
+            </a:extLst>
+          </p:cNvPr>
+          <p:cNvSpPr>
+            <a:spLocks noGrp="1"/>
+          </p:cNvSpPr>
+          <p:nvPr>
+            <p:ph idx="1"/>
+          </p:nvPr>
+        </p:nvSpPr>
+        <p:spPr>
+          <a:xfrm>
+            <a:off x="838200" y="1825625"/>
+            <a:ext cx="10515600" cy="4351338"/>
+          </a:xfrm>
+        </p:spPr>
+        <p:txBody>
+          <a:bodyPr/>
+          <a:lstStyle/>
+          <a:p>
+            <a:r>
+              <a:rPr lang="it-IT" dirty="0"/>
+              <a:t>RNG </a:t>
+            </a:r>
+            <a:r>
+              <a:rPr lang="it-IT" dirty="0" err="1"/>
+              <a:t>seed</a:t>
+            </a:r>
+            <a:r>
+              <a:rPr lang="it-IT" dirty="0"/>
+              <a:t> </a:t>
+            </a:r>
+            <a:r>
+              <a:rPr lang="it-IT" dirty="0" err="1"/>
+              <a:t>fixed</a:t>
+            </a:r>
+            <a:r>
+              <a:rPr lang="it-IT" dirty="0"/>
+              <a:t> </a:t>
+            </a:r>
+            <a:r>
+              <a:rPr lang="it-IT" dirty="0" err="1"/>
+              <a:t>at</a:t>
+            </a:r>
+            <a:r>
+              <a:rPr lang="it-IT" dirty="0"/>
+              <a:t> 420 for </a:t>
+            </a:r>
+            <a:r>
+              <a:rPr lang="it-IT" dirty="0" err="1"/>
+              <a:t>all</a:t>
+            </a:r>
+            <a:r>
+              <a:rPr lang="it-IT" dirty="0"/>
+              <a:t> </a:t>
+            </a:r>
+            <a:r>
+              <a:rPr lang="it-IT" dirty="0" err="1"/>
+              <a:t>runs</a:t>
+            </a:r>
+            <a:r>
+              <a:rPr lang="it-IT" dirty="0"/>
+              <a:t> </a:t>
+            </a:r>
+          </a:p>
+          <a:p>
+            <a:r>
+              <a:rPr lang="it-IT" dirty="0" err="1"/>
+              <a:t>Size</a:t>
+            </a:r>
+            <a:r>
+              <a:rPr lang="it-IT" dirty="0"/>
+              <a:t> of </a:t>
+            </a:r>
+            <a:r>
+              <a:rPr lang="it-IT" dirty="0" err="1"/>
+              <a:t>bandit</a:t>
+            </a:r>
+            <a:r>
+              <a:rPr lang="it-IT" dirty="0"/>
+              <a:t> </a:t>
+            </a:r>
+            <a:r>
+              <a:rPr lang="it-IT" dirty="0" err="1"/>
+              <a:t>reward</a:t>
+            </a:r>
+            <a:r>
+              <a:rPr lang="it-IT" dirty="0"/>
+              <a:t> </a:t>
+            </a:r>
+            <a:r>
+              <a:rPr lang="it-IT" dirty="0" err="1"/>
+              <a:t>interval</a:t>
+            </a:r>
+            <a:r>
+              <a:rPr lang="it-IT" dirty="0"/>
+              <a:t> </a:t>
+            </a:r>
+            <a:r>
+              <a:rPr lang="it-IT" dirty="0" err="1"/>
+              <a:t>fixed</a:t>
+            </a:r>
+            <a:r>
+              <a:rPr lang="it-IT" dirty="0"/>
+              <a:t> </a:t>
+            </a:r>
+            <a:r>
+              <a:rPr lang="it-IT" dirty="0" err="1"/>
+              <a:t>at</a:t>
+            </a:r>
+            <a:r>
+              <a:rPr lang="it-IT" dirty="0"/>
+              <a:t> 8</a:t>
+            </a:r>
+          </a:p>
+          <a:p>
+            <a:r>
+              <a:rPr lang="it-IT" dirty="0" err="1"/>
+              <a:t>Interval</a:t>
+            </a:r>
+            <a:r>
+              <a:rPr lang="it-IT" dirty="0"/>
+              <a:t> </a:t>
+            </a:r>
+            <a:r>
+              <a:rPr lang="it-IT" dirty="0" err="1"/>
+              <a:t>mean</a:t>
+            </a:r>
+            <a:r>
+              <a:rPr lang="it-IT" dirty="0"/>
+              <a:t> </a:t>
+            </a:r>
+            <a:r>
+              <a:rPr lang="it-IT" dirty="0" err="1"/>
+              <a:t>ranging</a:t>
+            </a:r>
+            <a:r>
+              <a:rPr lang="it-IT" dirty="0"/>
+              <a:t> from 0-5</a:t>
+            </a:r>
+          </a:p>
+          <a:p>
+            <a:r>
+              <a:rPr lang="it-IT" dirty="0" err="1"/>
+              <a:t>Mean</a:t>
+            </a:r>
+            <a:r>
+              <a:rPr lang="it-IT" dirty="0"/>
+              <a:t> </a:t>
+            </a:r>
+            <a:r>
+              <a:rPr lang="it-IT" dirty="0" err="1"/>
+              <a:t>picked</a:t>
+            </a:r>
+            <a:r>
+              <a:rPr lang="it-IT" dirty="0"/>
+              <a:t> </a:t>
+            </a:r>
+            <a:r>
+              <a:rPr lang="it-IT" dirty="0" err="1"/>
+              <a:t>at</a:t>
+            </a:r>
+            <a:r>
+              <a:rPr lang="it-IT" dirty="0"/>
+              <a:t> random</a:t>
+            </a:r>
+          </a:p>
+          <a:p>
+            <a:pPr marL="0" indent="0">
+              <a:buNone/>
+            </a:pPr>
+            <a:endParaRPr lang="it-IT" dirty="0"/>
+          </a:p>
+          <a:p>
+            <a:endParaRPr lang="it-IT" dirty="0"/>
+          </a:p>
+        </p:txBody>
+      </p:sp>
+    </p:spTree>
+    <p:extLst>
+      <p:ext uri="{BB962C8B-B14F-4D97-AF65-F5344CB8AC3E}">
+        <p14:creationId xmlns:p14="http://schemas.microsoft.com/office/powerpoint/2010/main" val="1747367825"/>
+      </p:ext>
+    </p:extLst>
+  </p:cSld>
+  <p:clrMapOvr>
+    <a:masterClrMapping/>
+  </p:clrMapOvr>
+</p:sld>
+</file>
+
+<file path=ppt/slides/slide30.xml><?xml version="1.0" encoding="utf-8"?>
+<p:sld xmlns:a="http://schemas.openxmlformats.org/drawingml/2006/main" xmlns:r="http://schemas.openxmlformats.org/officeDocument/2006/relationships" xmlns:p="http://schemas.openxmlformats.org/presentationml/2006/main">
+  <p:cSld>
+    <p:spTree>
+      <p:nvGrpSpPr>
+        <p:cNvPr id="1" name=""/>
+        <p:cNvGrpSpPr/>
+        <p:nvPr/>
+      </p:nvGrpSpPr>
+      <p:grpSpPr>
+        <a:xfrm>
+          <a:off x="0" y="0"/>
+          <a:ext cx="0" cy="0"/>
+          <a:chOff x="0" y="0"/>
+          <a:chExt cx="0" cy="0"/>
+        </a:xfrm>
+      </p:grpSpPr>
+      <p:sp>
+        <p:nvSpPr>
+          <p:cNvPr id="2" name="Titolo 1">
+            <a:extLst>
+              <a:ext uri="{FF2B5EF4-FFF2-40B4-BE49-F238E27FC236}">
+                <a16:creationId xmlns:a16="http://schemas.microsoft.com/office/drawing/2014/main" id="{2176569B-B555-40AE-AFED-874AD5008A4F}"/>
+              </a:ext>
+            </a:extLst>
+          </p:cNvPr>
+          <p:cNvSpPr>
+            <a:spLocks noGrp="1"/>
+          </p:cNvSpPr>
+          <p:nvPr>
+            <p:ph type="title"/>
+          </p:nvPr>
+        </p:nvSpPr>
+        <p:spPr/>
+        <p:txBody>
+          <a:bodyPr/>
+          <a:lstStyle/>
+          <a:p>
+            <a:endParaRPr lang="it-IT"/>
+          </a:p>
+        </p:txBody>
+      </p:sp>
+      <p:pic>
+        <p:nvPicPr>
+          <p:cNvPr id="4" name="Segnaposto contenuto 3">
+            <a:extLst>
+              <a:ext uri="{FF2B5EF4-FFF2-40B4-BE49-F238E27FC236}">
+                <a16:creationId xmlns:a16="http://schemas.microsoft.com/office/drawing/2014/main" id="{C97B5732-6EC4-4DBE-B750-0DEE6648561E}"/>
+              </a:ext>
+            </a:extLst>
+          </p:cNvPr>
+          <p:cNvPicPr>
+            <a:picLocks noGrp="1" noChangeAspect="1"/>
+          </p:cNvPicPr>
+          <p:nvPr>
+            <p:ph idx="1"/>
+          </p:nvPr>
+        </p:nvPicPr>
+        <p:blipFill>
+          <a:blip r:embed="rId2"/>
+          <a:stretch>
+            <a:fillRect/>
+          </a:stretch>
+        </p:blipFill>
+        <p:spPr>
+          <a:xfrm>
+            <a:off x="2053025" y="1825625"/>
+            <a:ext cx="8085950" cy="4351338"/>
+          </a:xfrm>
+          <a:prstGeom prst="rect">
+            <a:avLst/>
+          </a:prstGeom>
+        </p:spPr>
+      </p:pic>
+    </p:spTree>
+    <p:extLst>
+      <p:ext uri="{BB962C8B-B14F-4D97-AF65-F5344CB8AC3E}">
+        <p14:creationId xmlns:p14="http://schemas.microsoft.com/office/powerpoint/2010/main" val="1453051914"/>
+      </p:ext>
+    </p:extLst>
+  </p:cSld>
+  <p:clrMapOvr>
+    <a:masterClrMapping/>
+  </p:clrMapOvr>
+</p:sld>
+</file>
+
+<file path=ppt/slides/slide31.xml><?xml version="1.0" encoding="utf-8"?>
 <p:sld xmlns:a="http://schemas.openxmlformats.org/drawingml/2006/main" xmlns:r="http://schemas.openxmlformats.org/officeDocument/2006/relationships" xmlns:p="http://schemas.openxmlformats.org/presentationml/2006/main">
   <p:cSld>
     <p:bg>
@@ -10019,294 +11591,6 @@
   </p:cSld>
   <p:clrMapOvr>
     <a:overrideClrMapping bg1="dk1" tx1="lt1" bg2="dk2" tx2="lt2" accent1="accent1" accent2="accent2" accent3="accent3" accent4="accent4" accent5="accent5" accent6="accent6" hlink="hlink" folHlink="folHlink"/>
-  </p:clrMapOvr>
-</p:sld>
-</file>
-
-<file path=ppt/slides/slide3.xml><?xml version="1.0" encoding="utf-8"?>
-<p:sld xmlns:a="http://schemas.openxmlformats.org/drawingml/2006/main" xmlns:r="http://schemas.openxmlformats.org/officeDocument/2006/relationships" xmlns:p="http://schemas.openxmlformats.org/presentationml/2006/main">
-  <p:cSld>
-    <p:spTree>
-      <p:nvGrpSpPr>
-        <p:cNvPr id="1" name=""/>
-        <p:cNvGrpSpPr/>
-        <p:nvPr/>
-      </p:nvGrpSpPr>
-      <p:grpSpPr>
-        <a:xfrm>
-          <a:off x="0" y="0"/>
-          <a:ext cx="0" cy="0"/>
-          <a:chOff x="0" y="0"/>
-          <a:chExt cx="0" cy="0"/>
-        </a:xfrm>
-      </p:grpSpPr>
-      <p:pic>
-        <p:nvPicPr>
-          <p:cNvPr id="14" name="Picture 13">
-            <a:extLst>
-              <a:ext uri="{FF2B5EF4-FFF2-40B4-BE49-F238E27FC236}">
-                <a16:creationId xmlns:a16="http://schemas.microsoft.com/office/drawing/2014/main" id="{EDBA63DC-2BD3-894B-AA56-258568C68045}"/>
-              </a:ext>
-            </a:extLst>
-          </p:cNvPr>
-          <p:cNvPicPr>
-            <a:picLocks noChangeAspect="1"/>
-          </p:cNvPicPr>
-          <p:nvPr/>
-        </p:nvPicPr>
-        <p:blipFill>
-          <a:blip r:embed="rId2">
-            <a:alphaModFix amt="12000"/>
-            <a:extLst>
-              <a:ext uri="{28A0092B-C50C-407E-A947-70E740481C1C}">
-                <a14:useLocalDpi xmlns:a14="http://schemas.microsoft.com/office/drawing/2010/main" val="0"/>
-              </a:ext>
-            </a:extLst>
-          </a:blip>
-          <a:stretch>
-            <a:fillRect/>
-          </a:stretch>
-        </p:blipFill>
-        <p:spPr>
-          <a:xfrm>
-            <a:off x="4414469" y="-135467"/>
-            <a:ext cx="7494796" cy="6858000"/>
-          </a:xfrm>
-          <a:prstGeom prst="rect">
-            <a:avLst/>
-          </a:prstGeom>
-        </p:spPr>
-      </p:pic>
-      <p:sp>
-        <p:nvSpPr>
-          <p:cNvPr id="2" name="Titolo 1">
-            <a:extLst>
-              <a:ext uri="{FF2B5EF4-FFF2-40B4-BE49-F238E27FC236}">
-                <a16:creationId xmlns:a16="http://schemas.microsoft.com/office/drawing/2014/main" id="{7C3CD4E9-DB64-4918-82F7-8F8A8315170B}"/>
-              </a:ext>
-            </a:extLst>
-          </p:cNvPr>
-          <p:cNvSpPr>
-            <a:spLocks noGrp="1"/>
-          </p:cNvSpPr>
-          <p:nvPr>
-            <p:ph type="title"/>
-          </p:nvPr>
-        </p:nvSpPr>
-        <p:spPr>
-          <a:xfrm>
-            <a:off x="838200" y="0"/>
-            <a:ext cx="10515600" cy="1325563"/>
-          </a:xfrm>
-        </p:spPr>
-        <p:txBody>
-          <a:bodyPr/>
-          <a:lstStyle/>
-          <a:p>
-            <a:r>
-              <a:rPr lang="it-IT" dirty="0" err="1"/>
-              <a:t>Experimental</a:t>
-            </a:r>
-            <a:r>
-              <a:rPr lang="it-IT" dirty="0"/>
-              <a:t> Setup</a:t>
-            </a:r>
-          </a:p>
-        </p:txBody>
-      </p:sp>
-      <p:sp>
-        <p:nvSpPr>
-          <p:cNvPr id="3" name="Segnaposto contenuto 2">
-            <a:extLst>
-              <a:ext uri="{FF2B5EF4-FFF2-40B4-BE49-F238E27FC236}">
-                <a16:creationId xmlns:a16="http://schemas.microsoft.com/office/drawing/2014/main" id="{A3AA93D2-B2C6-4C4F-A26E-E69FFCB3F5B2}"/>
-              </a:ext>
-            </a:extLst>
-          </p:cNvPr>
-          <p:cNvSpPr>
-            <a:spLocks noGrp="1"/>
-          </p:cNvSpPr>
-          <p:nvPr>
-            <p:ph idx="1"/>
-          </p:nvPr>
-        </p:nvSpPr>
-        <p:spPr>
-          <a:xfrm>
-            <a:off x="838200" y="1825625"/>
-            <a:ext cx="10515600" cy="4351338"/>
-          </a:xfrm>
-        </p:spPr>
-        <p:txBody>
-          <a:bodyPr/>
-          <a:lstStyle/>
-          <a:p>
-            <a:r>
-              <a:rPr lang="it-IT" dirty="0"/>
-              <a:t>RNG </a:t>
-            </a:r>
-            <a:r>
-              <a:rPr lang="it-IT" dirty="0" err="1"/>
-              <a:t>seed</a:t>
-            </a:r>
-            <a:r>
-              <a:rPr lang="it-IT" dirty="0"/>
-              <a:t> </a:t>
-            </a:r>
-            <a:r>
-              <a:rPr lang="it-IT" dirty="0" err="1"/>
-              <a:t>fixed</a:t>
-            </a:r>
-            <a:r>
-              <a:rPr lang="it-IT" dirty="0"/>
-              <a:t> </a:t>
-            </a:r>
-            <a:r>
-              <a:rPr lang="it-IT" dirty="0" err="1"/>
-              <a:t>at</a:t>
-            </a:r>
-            <a:r>
-              <a:rPr lang="it-IT" dirty="0"/>
-              <a:t> 420 for </a:t>
-            </a:r>
-            <a:r>
-              <a:rPr lang="it-IT" dirty="0" err="1"/>
-              <a:t>all</a:t>
-            </a:r>
-            <a:r>
-              <a:rPr lang="it-IT" dirty="0"/>
-              <a:t> </a:t>
-            </a:r>
-            <a:r>
-              <a:rPr lang="it-IT" dirty="0" err="1"/>
-              <a:t>runs</a:t>
-            </a:r>
-            <a:r>
-              <a:rPr lang="it-IT" dirty="0"/>
-              <a:t> </a:t>
-            </a:r>
-          </a:p>
-          <a:p>
-            <a:r>
-              <a:rPr lang="it-IT" dirty="0" err="1"/>
-              <a:t>Size</a:t>
-            </a:r>
-            <a:r>
-              <a:rPr lang="it-IT" dirty="0"/>
-              <a:t> of </a:t>
-            </a:r>
-            <a:r>
-              <a:rPr lang="it-IT" dirty="0" err="1"/>
-              <a:t>bandit</a:t>
-            </a:r>
-            <a:r>
-              <a:rPr lang="it-IT" dirty="0"/>
-              <a:t> </a:t>
-            </a:r>
-            <a:r>
-              <a:rPr lang="it-IT" dirty="0" err="1"/>
-              <a:t>reward</a:t>
-            </a:r>
-            <a:r>
-              <a:rPr lang="it-IT" dirty="0"/>
-              <a:t> </a:t>
-            </a:r>
-            <a:r>
-              <a:rPr lang="it-IT" dirty="0" err="1"/>
-              <a:t>interval</a:t>
-            </a:r>
-            <a:r>
-              <a:rPr lang="it-IT" dirty="0"/>
-              <a:t> </a:t>
-            </a:r>
-            <a:r>
-              <a:rPr lang="it-IT" dirty="0" err="1"/>
-              <a:t>fixed</a:t>
-            </a:r>
-            <a:r>
-              <a:rPr lang="it-IT" dirty="0"/>
-              <a:t> </a:t>
-            </a:r>
-            <a:r>
-              <a:rPr lang="it-IT" dirty="0" err="1"/>
-              <a:t>at</a:t>
-            </a:r>
-            <a:r>
-              <a:rPr lang="it-IT" dirty="0"/>
-              <a:t> 8</a:t>
-            </a:r>
-          </a:p>
-          <a:p>
-            <a:r>
-              <a:rPr lang="it-IT" dirty="0" err="1"/>
-              <a:t>Interval</a:t>
-            </a:r>
-            <a:r>
-              <a:rPr lang="it-IT" dirty="0"/>
-              <a:t> </a:t>
-            </a:r>
-            <a:r>
-              <a:rPr lang="it-IT" dirty="0" err="1"/>
-              <a:t>mean</a:t>
-            </a:r>
-            <a:r>
-              <a:rPr lang="it-IT" dirty="0"/>
-              <a:t> </a:t>
-            </a:r>
-            <a:r>
-              <a:rPr lang="it-IT" dirty="0" err="1"/>
-              <a:t>ranging</a:t>
-            </a:r>
-            <a:r>
-              <a:rPr lang="it-IT" dirty="0"/>
-              <a:t> from 0-5</a:t>
-            </a:r>
-          </a:p>
-          <a:p>
-            <a:r>
-              <a:rPr lang="it-IT" dirty="0" err="1"/>
-              <a:t>Mean</a:t>
-            </a:r>
-            <a:r>
-              <a:rPr lang="it-IT" dirty="0"/>
-              <a:t> </a:t>
-            </a:r>
-            <a:r>
-              <a:rPr lang="it-IT" dirty="0" err="1"/>
-              <a:t>picked</a:t>
-            </a:r>
-            <a:r>
-              <a:rPr lang="it-IT" dirty="0"/>
-              <a:t> </a:t>
-            </a:r>
-            <a:r>
-              <a:rPr lang="it-IT" dirty="0" err="1"/>
-              <a:t>at</a:t>
-            </a:r>
-            <a:r>
-              <a:rPr lang="it-IT" dirty="0"/>
-              <a:t> random</a:t>
-            </a:r>
-          </a:p>
-          <a:p>
-            <a:pPr marL="0" indent="0">
-              <a:buNone/>
-            </a:pPr>
-            <a:endParaRPr lang="it-IT" dirty="0"/>
-          </a:p>
-          <a:p>
-            <a:endParaRPr lang="it-IT" dirty="0"/>
-          </a:p>
-        </p:txBody>
-      </p:sp>
-    </p:spTree>
-    <p:extLst>
-      <p:ext uri="{BB962C8B-B14F-4D97-AF65-F5344CB8AC3E}">
-        <p14:creationId xmlns:p14="http://schemas.microsoft.com/office/powerpoint/2010/main" val="1747367825"/>
-      </p:ext>
-    </p:extLst>
-  </p:cSld>
-  <p:clrMapOvr>
-    <a:masterClrMapping/>
   </p:clrMapOvr>
 </p:sld>
 </file>

--- a/Presentation/SDU_SummerSchool_Presentation.pptx
+++ b/Presentation/SDU_SummerSchool_Presentation.pptx
@@ -4,6 +4,9 @@
   <p:sldMasterIdLst>
     <p:sldMasterId id="2147483648" r:id="rId1"/>
   </p:sldMasterIdLst>
+  <p:notesMasterIdLst>
+    <p:notesMasterId r:id="rId36"/>
+  </p:notesMasterIdLst>
   <p:sldIdLst>
     <p:sldId id="256" r:id="rId2"/>
     <p:sldId id="257" r:id="rId3"/>
@@ -27,15 +30,18 @@
     <p:sldId id="265" r:id="rId21"/>
     <p:sldId id="266" r:id="rId22"/>
     <p:sldId id="268" r:id="rId23"/>
-    <p:sldId id="269" r:id="rId24"/>
-    <p:sldId id="267" r:id="rId25"/>
-    <p:sldId id="274" r:id="rId26"/>
-    <p:sldId id="288" r:id="rId27"/>
-    <p:sldId id="277" r:id="rId28"/>
-    <p:sldId id="287" r:id="rId29"/>
-    <p:sldId id="289" r:id="rId30"/>
-    <p:sldId id="290" r:id="rId31"/>
-    <p:sldId id="276" r:id="rId32"/>
+    <p:sldId id="267" r:id="rId24"/>
+    <p:sldId id="274" r:id="rId25"/>
+    <p:sldId id="288" r:id="rId26"/>
+    <p:sldId id="277" r:id="rId27"/>
+    <p:sldId id="287" r:id="rId28"/>
+    <p:sldId id="289" r:id="rId29"/>
+    <p:sldId id="290" r:id="rId30"/>
+    <p:sldId id="276" r:id="rId31"/>
+    <p:sldId id="291" r:id="rId32"/>
+    <p:sldId id="292" r:id="rId33"/>
+    <p:sldId id="294" r:id="rId34"/>
+    <p:sldId id="293" r:id="rId35"/>
   </p:sldIdLst>
   <p:sldSz cx="12192000" cy="6858000"/>
   <p:notesSz cx="6858000" cy="9144000"/>
@@ -154,6 +160,1711 @@
 </p:cmAuthorLst>
 </file>
 
+<file path=ppt/notesMasters/notesMaster1.xml><?xml version="1.0" encoding="utf-8"?>
+<p:notesMaster xmlns:a="http://schemas.openxmlformats.org/drawingml/2006/main" xmlns:r="http://schemas.openxmlformats.org/officeDocument/2006/relationships" xmlns:p="http://schemas.openxmlformats.org/presentationml/2006/main">
+  <p:cSld>
+    <p:bg>
+      <p:bgRef idx="1001">
+        <a:schemeClr val="bg1"/>
+      </p:bgRef>
+    </p:bg>
+    <p:spTree>
+      <p:nvGrpSpPr>
+        <p:cNvPr id="1" name=""/>
+        <p:cNvGrpSpPr/>
+        <p:nvPr/>
+      </p:nvGrpSpPr>
+      <p:grpSpPr>
+        <a:xfrm>
+          <a:off x="0" y="0"/>
+          <a:ext cx="0" cy="0"/>
+          <a:chOff x="0" y="0"/>
+          <a:chExt cx="0" cy="0"/>
+        </a:xfrm>
+      </p:grpSpPr>
+      <p:sp>
+        <p:nvSpPr>
+          <p:cNvPr id="2" name="Segnaposto intestazione 1"/>
+          <p:cNvSpPr>
+            <a:spLocks noGrp="1"/>
+          </p:cNvSpPr>
+          <p:nvPr>
+            <p:ph type="hdr" sz="quarter"/>
+          </p:nvPr>
+        </p:nvSpPr>
+        <p:spPr>
+          <a:xfrm>
+            <a:off x="0" y="0"/>
+            <a:ext cx="2971800" cy="458788"/>
+          </a:xfrm>
+          <a:prstGeom prst="rect">
+            <a:avLst/>
+          </a:prstGeom>
+        </p:spPr>
+        <p:txBody>
+          <a:bodyPr vert="horz" lIns="91440" tIns="45720" rIns="91440" bIns="45720" rtlCol="0"/>
+          <a:lstStyle>
+            <a:lvl1pPr algn="l">
+              <a:defRPr sz="1200"/>
+            </a:lvl1pPr>
+          </a:lstStyle>
+          <a:p>
+            <a:endParaRPr lang="it-IT"/>
+          </a:p>
+        </p:txBody>
+      </p:sp>
+      <p:sp>
+        <p:nvSpPr>
+          <p:cNvPr id="3" name="Segnaposto data 2"/>
+          <p:cNvSpPr>
+            <a:spLocks noGrp="1"/>
+          </p:cNvSpPr>
+          <p:nvPr>
+            <p:ph type="dt" idx="1"/>
+          </p:nvPr>
+        </p:nvSpPr>
+        <p:spPr>
+          <a:xfrm>
+            <a:off x="3884613" y="0"/>
+            <a:ext cx="2971800" cy="458788"/>
+          </a:xfrm>
+          <a:prstGeom prst="rect">
+            <a:avLst/>
+          </a:prstGeom>
+        </p:spPr>
+        <p:txBody>
+          <a:bodyPr vert="horz" lIns="91440" tIns="45720" rIns="91440" bIns="45720" rtlCol="0"/>
+          <a:lstStyle>
+            <a:lvl1pPr algn="r">
+              <a:defRPr sz="1200"/>
+            </a:lvl1pPr>
+          </a:lstStyle>
+          <a:p>
+            <a:fld id="{7F514130-6DE0-4058-955F-50E582727B09}" type="datetimeFigureOut">
+              <a:rPr lang="it-IT" smtClean="0"/>
+              <a:t>15/08/2019</a:t>
+            </a:fld>
+            <a:endParaRPr lang="it-IT"/>
+          </a:p>
+        </p:txBody>
+      </p:sp>
+      <p:sp>
+        <p:nvSpPr>
+          <p:cNvPr id="4" name="Segnaposto immagine diapositiva 3"/>
+          <p:cNvSpPr>
+            <a:spLocks noGrp="1" noRot="1" noChangeAspect="1"/>
+          </p:cNvSpPr>
+          <p:nvPr>
+            <p:ph type="sldImg" idx="2"/>
+          </p:nvPr>
+        </p:nvSpPr>
+        <p:spPr>
+          <a:xfrm>
+            <a:off x="685800" y="1143000"/>
+            <a:ext cx="5486400" cy="3086100"/>
+          </a:xfrm>
+          <a:prstGeom prst="rect">
+            <a:avLst/>
+          </a:prstGeom>
+          <a:noFill/>
+          <a:ln w="12700">
+            <a:solidFill>
+              <a:prstClr val="black"/>
+            </a:solidFill>
+          </a:ln>
+        </p:spPr>
+        <p:txBody>
+          <a:bodyPr vert="horz" lIns="91440" tIns="45720" rIns="91440" bIns="45720" rtlCol="0" anchor="ctr"/>
+          <a:lstStyle/>
+          <a:p>
+            <a:endParaRPr lang="it-IT"/>
+          </a:p>
+        </p:txBody>
+      </p:sp>
+      <p:sp>
+        <p:nvSpPr>
+          <p:cNvPr id="5" name="Segnaposto note 4"/>
+          <p:cNvSpPr>
+            <a:spLocks noGrp="1"/>
+          </p:cNvSpPr>
+          <p:nvPr>
+            <p:ph type="body" sz="quarter" idx="3"/>
+          </p:nvPr>
+        </p:nvSpPr>
+        <p:spPr>
+          <a:xfrm>
+            <a:off x="685800" y="4400550"/>
+            <a:ext cx="5486400" cy="3600450"/>
+          </a:xfrm>
+          <a:prstGeom prst="rect">
+            <a:avLst/>
+          </a:prstGeom>
+        </p:spPr>
+        <p:txBody>
+          <a:bodyPr vert="horz" lIns="91440" tIns="45720" rIns="91440" bIns="45720" rtlCol="0"/>
+          <a:lstStyle/>
+          <a:p>
+            <a:pPr lvl="0"/>
+            <a:r>
+              <a:rPr lang="it-IT"/>
+              <a:t>Fare clic per modificare gli stili del testo dello schema</a:t>
+            </a:r>
+          </a:p>
+          <a:p>
+            <a:pPr lvl="1"/>
+            <a:r>
+              <a:rPr lang="it-IT"/>
+              <a:t>Secondo livello</a:t>
+            </a:r>
+          </a:p>
+          <a:p>
+            <a:pPr lvl="2"/>
+            <a:r>
+              <a:rPr lang="it-IT"/>
+              <a:t>Terzo livello</a:t>
+            </a:r>
+          </a:p>
+          <a:p>
+            <a:pPr lvl="3"/>
+            <a:r>
+              <a:rPr lang="it-IT"/>
+              <a:t>Quarto livello</a:t>
+            </a:r>
+          </a:p>
+          <a:p>
+            <a:pPr lvl="4"/>
+            <a:r>
+              <a:rPr lang="it-IT"/>
+              <a:t>Quinto livello</a:t>
+            </a:r>
+          </a:p>
+        </p:txBody>
+      </p:sp>
+      <p:sp>
+        <p:nvSpPr>
+          <p:cNvPr id="6" name="Segnaposto piè di pagina 5"/>
+          <p:cNvSpPr>
+            <a:spLocks noGrp="1"/>
+          </p:cNvSpPr>
+          <p:nvPr>
+            <p:ph type="ftr" sz="quarter" idx="4"/>
+          </p:nvPr>
+        </p:nvSpPr>
+        <p:spPr>
+          <a:xfrm>
+            <a:off x="0" y="8685213"/>
+            <a:ext cx="2971800" cy="458787"/>
+          </a:xfrm>
+          <a:prstGeom prst="rect">
+            <a:avLst/>
+          </a:prstGeom>
+        </p:spPr>
+        <p:txBody>
+          <a:bodyPr vert="horz" lIns="91440" tIns="45720" rIns="91440" bIns="45720" rtlCol="0" anchor="b"/>
+          <a:lstStyle>
+            <a:lvl1pPr algn="l">
+              <a:defRPr sz="1200"/>
+            </a:lvl1pPr>
+          </a:lstStyle>
+          <a:p>
+            <a:endParaRPr lang="it-IT"/>
+          </a:p>
+        </p:txBody>
+      </p:sp>
+      <p:sp>
+        <p:nvSpPr>
+          <p:cNvPr id="7" name="Segnaposto numero diapositiva 6"/>
+          <p:cNvSpPr>
+            <a:spLocks noGrp="1"/>
+          </p:cNvSpPr>
+          <p:nvPr>
+            <p:ph type="sldNum" sz="quarter" idx="5"/>
+          </p:nvPr>
+        </p:nvSpPr>
+        <p:spPr>
+          <a:xfrm>
+            <a:off x="3884613" y="8685213"/>
+            <a:ext cx="2971800" cy="458787"/>
+          </a:xfrm>
+          <a:prstGeom prst="rect">
+            <a:avLst/>
+          </a:prstGeom>
+        </p:spPr>
+        <p:txBody>
+          <a:bodyPr vert="horz" lIns="91440" tIns="45720" rIns="91440" bIns="45720" rtlCol="0" anchor="b"/>
+          <a:lstStyle>
+            <a:lvl1pPr algn="r">
+              <a:defRPr sz="1200"/>
+            </a:lvl1pPr>
+          </a:lstStyle>
+          <a:p>
+            <a:fld id="{42F3A990-74FB-448B-A3A1-C0B86353038F}" type="slidenum">
+              <a:rPr lang="it-IT" smtClean="0"/>
+              <a:t>‹N›</a:t>
+            </a:fld>
+            <a:endParaRPr lang="it-IT"/>
+          </a:p>
+        </p:txBody>
+      </p:sp>
+    </p:spTree>
+    <p:extLst>
+      <p:ext uri="{BB962C8B-B14F-4D97-AF65-F5344CB8AC3E}">
+        <p14:creationId xmlns:p14="http://schemas.microsoft.com/office/powerpoint/2010/main" val="1697292373"/>
+      </p:ext>
+    </p:extLst>
+  </p:cSld>
+  <p:clrMap bg1="lt1" tx1="dk1" bg2="lt2" tx2="dk2" accent1="accent1" accent2="accent2" accent3="accent3" accent4="accent4" accent5="accent5" accent6="accent6" hlink="hlink" folHlink="folHlink"/>
+  <p:notesStyle>
+    <a:lvl1pPr marL="0" algn="l" defTabSz="914400" rtl="0" eaLnBrk="1" latinLnBrk="0" hangingPunct="1">
+      <a:defRPr sz="1200" kern="1200">
+        <a:solidFill>
+          <a:schemeClr val="tx1"/>
+        </a:solidFill>
+        <a:latin typeface="+mn-lt"/>
+        <a:ea typeface="+mn-ea"/>
+        <a:cs typeface="+mn-cs"/>
+      </a:defRPr>
+    </a:lvl1pPr>
+    <a:lvl2pPr marL="457200" algn="l" defTabSz="914400" rtl="0" eaLnBrk="1" latinLnBrk="0" hangingPunct="1">
+      <a:defRPr sz="1200" kern="1200">
+        <a:solidFill>
+          <a:schemeClr val="tx1"/>
+        </a:solidFill>
+        <a:latin typeface="+mn-lt"/>
+        <a:ea typeface="+mn-ea"/>
+        <a:cs typeface="+mn-cs"/>
+      </a:defRPr>
+    </a:lvl2pPr>
+    <a:lvl3pPr marL="914400" algn="l" defTabSz="914400" rtl="0" eaLnBrk="1" latinLnBrk="0" hangingPunct="1">
+      <a:defRPr sz="1200" kern="1200">
+        <a:solidFill>
+          <a:schemeClr val="tx1"/>
+        </a:solidFill>
+        <a:latin typeface="+mn-lt"/>
+        <a:ea typeface="+mn-ea"/>
+        <a:cs typeface="+mn-cs"/>
+      </a:defRPr>
+    </a:lvl3pPr>
+    <a:lvl4pPr marL="1371600" algn="l" defTabSz="914400" rtl="0" eaLnBrk="1" latinLnBrk="0" hangingPunct="1">
+      <a:defRPr sz="1200" kern="1200">
+        <a:solidFill>
+          <a:schemeClr val="tx1"/>
+        </a:solidFill>
+        <a:latin typeface="+mn-lt"/>
+        <a:ea typeface="+mn-ea"/>
+        <a:cs typeface="+mn-cs"/>
+      </a:defRPr>
+    </a:lvl4pPr>
+    <a:lvl5pPr marL="1828800" algn="l" defTabSz="914400" rtl="0" eaLnBrk="1" latinLnBrk="0" hangingPunct="1">
+      <a:defRPr sz="1200" kern="1200">
+        <a:solidFill>
+          <a:schemeClr val="tx1"/>
+        </a:solidFill>
+        <a:latin typeface="+mn-lt"/>
+        <a:ea typeface="+mn-ea"/>
+        <a:cs typeface="+mn-cs"/>
+      </a:defRPr>
+    </a:lvl5pPr>
+    <a:lvl6pPr marL="2286000" algn="l" defTabSz="914400" rtl="0" eaLnBrk="1" latinLnBrk="0" hangingPunct="1">
+      <a:defRPr sz="1200" kern="1200">
+        <a:solidFill>
+          <a:schemeClr val="tx1"/>
+        </a:solidFill>
+        <a:latin typeface="+mn-lt"/>
+        <a:ea typeface="+mn-ea"/>
+        <a:cs typeface="+mn-cs"/>
+      </a:defRPr>
+    </a:lvl6pPr>
+    <a:lvl7pPr marL="2743200" algn="l" defTabSz="914400" rtl="0" eaLnBrk="1" latinLnBrk="0" hangingPunct="1">
+      <a:defRPr sz="1200" kern="1200">
+        <a:solidFill>
+          <a:schemeClr val="tx1"/>
+        </a:solidFill>
+        <a:latin typeface="+mn-lt"/>
+        <a:ea typeface="+mn-ea"/>
+        <a:cs typeface="+mn-cs"/>
+      </a:defRPr>
+    </a:lvl7pPr>
+    <a:lvl8pPr marL="3200400" algn="l" defTabSz="914400" rtl="0" eaLnBrk="1" latinLnBrk="0" hangingPunct="1">
+      <a:defRPr sz="1200" kern="1200">
+        <a:solidFill>
+          <a:schemeClr val="tx1"/>
+        </a:solidFill>
+        <a:latin typeface="+mn-lt"/>
+        <a:ea typeface="+mn-ea"/>
+        <a:cs typeface="+mn-cs"/>
+      </a:defRPr>
+    </a:lvl8pPr>
+    <a:lvl9pPr marL="3657600" algn="l" defTabSz="914400" rtl="0" eaLnBrk="1" latinLnBrk="0" hangingPunct="1">
+      <a:defRPr sz="1200" kern="1200">
+        <a:solidFill>
+          <a:schemeClr val="tx1"/>
+        </a:solidFill>
+        <a:latin typeface="+mn-lt"/>
+        <a:ea typeface="+mn-ea"/>
+        <a:cs typeface="+mn-cs"/>
+      </a:defRPr>
+    </a:lvl9pPr>
+  </p:notesStyle>
+</p:notesMaster>
+</file>
+
+<file path=ppt/notesSlides/notesSlide1.xml><?xml version="1.0" encoding="utf-8"?>
+<p:notes xmlns:a="http://schemas.openxmlformats.org/drawingml/2006/main" xmlns:r="http://schemas.openxmlformats.org/officeDocument/2006/relationships" xmlns:p="http://schemas.openxmlformats.org/presentationml/2006/main">
+  <p:cSld>
+    <p:spTree>
+      <p:nvGrpSpPr>
+        <p:cNvPr id="1" name=""/>
+        <p:cNvGrpSpPr/>
+        <p:nvPr/>
+      </p:nvGrpSpPr>
+      <p:grpSpPr>
+        <a:xfrm>
+          <a:off x="0" y="0"/>
+          <a:ext cx="0" cy="0"/>
+          <a:chOff x="0" y="0"/>
+          <a:chExt cx="0" cy="0"/>
+        </a:xfrm>
+      </p:grpSpPr>
+      <p:sp>
+        <p:nvSpPr>
+          <p:cNvPr id="2" name="Segnaposto immagine diapositiva 1"/>
+          <p:cNvSpPr>
+            <a:spLocks noGrp="1" noRot="1" noChangeAspect="1"/>
+          </p:cNvSpPr>
+          <p:nvPr>
+            <p:ph type="sldImg"/>
+          </p:nvPr>
+        </p:nvSpPr>
+        <p:spPr/>
+      </p:sp>
+      <p:sp>
+        <p:nvSpPr>
+          <p:cNvPr id="3" name="Segnaposto note 2"/>
+          <p:cNvSpPr>
+            <a:spLocks noGrp="1"/>
+          </p:cNvSpPr>
+          <p:nvPr>
+            <p:ph type="body" idx="1"/>
+          </p:nvPr>
+        </p:nvSpPr>
+        <p:spPr/>
+        <p:txBody>
+          <a:bodyPr/>
+          <a:lstStyle/>
+          <a:p>
+            <a:r>
+              <a:rPr lang="it-IT" dirty="0" err="1"/>
+              <a:t>It</a:t>
+            </a:r>
+            <a:r>
+              <a:rPr lang="it-IT" dirty="0"/>
+              <a:t> can </a:t>
+            </a:r>
+            <a:r>
+              <a:rPr lang="it-IT" dirty="0" err="1"/>
+              <a:t>depends</a:t>
+            </a:r>
+            <a:r>
+              <a:rPr lang="it-IT" dirty="0"/>
+              <a:t> on the </a:t>
+            </a:r>
+            <a:r>
+              <a:rPr lang="it-IT" dirty="0" err="1"/>
+              <a:t>distribution</a:t>
+            </a:r>
+            <a:r>
+              <a:rPr lang="it-IT" dirty="0"/>
+              <a:t>: for </a:t>
+            </a:r>
+            <a:r>
+              <a:rPr lang="it-IT" dirty="0" err="1"/>
+              <a:t>example</a:t>
+            </a:r>
+            <a:r>
+              <a:rPr lang="it-IT" dirty="0"/>
+              <a:t>, if the first </a:t>
+            </a:r>
+            <a:r>
+              <a:rPr lang="it-IT" dirty="0" err="1"/>
+              <a:t>bandit</a:t>
+            </a:r>
+            <a:r>
+              <a:rPr lang="it-IT" dirty="0"/>
+              <a:t> </a:t>
+            </a:r>
+            <a:r>
+              <a:rPr lang="it-IT" dirty="0" err="1"/>
+              <a:t>has</a:t>
+            </a:r>
+            <a:r>
+              <a:rPr lang="it-IT" dirty="0"/>
+              <a:t> </a:t>
+            </a:r>
+            <a:r>
+              <a:rPr lang="it-IT" dirty="0" err="1"/>
+              <a:t>highest</a:t>
+            </a:r>
+            <a:r>
+              <a:rPr lang="it-IT" dirty="0"/>
+              <a:t> </a:t>
+            </a:r>
+            <a:r>
+              <a:rPr lang="it-IT" dirty="0" err="1"/>
+              <a:t>reward</a:t>
+            </a:r>
+            <a:r>
+              <a:rPr lang="it-IT" dirty="0"/>
+              <a:t>, epsilon == 0 </a:t>
+            </a:r>
+            <a:r>
+              <a:rPr lang="it-IT" dirty="0" err="1"/>
+              <a:t>will</a:t>
+            </a:r>
+            <a:r>
+              <a:rPr lang="it-IT" dirty="0"/>
+              <a:t> </a:t>
+            </a:r>
+            <a:r>
+              <a:rPr lang="it-IT" dirty="0" err="1"/>
+              <a:t>give</a:t>
+            </a:r>
+            <a:r>
+              <a:rPr lang="it-IT" dirty="0"/>
+              <a:t> </a:t>
+            </a:r>
+            <a:r>
+              <a:rPr lang="it-IT" dirty="0" err="1"/>
+              <a:t>us</a:t>
+            </a:r>
+            <a:r>
+              <a:rPr lang="it-IT" dirty="0"/>
+              <a:t> the best </a:t>
+            </a:r>
+            <a:r>
+              <a:rPr lang="it-IT" dirty="0" err="1"/>
+              <a:t>average</a:t>
+            </a:r>
+            <a:r>
+              <a:rPr lang="it-IT" dirty="0"/>
+              <a:t> </a:t>
+            </a:r>
+            <a:r>
+              <a:rPr lang="it-IT" dirty="0" err="1"/>
+              <a:t>reward</a:t>
+            </a:r>
+            <a:r>
+              <a:rPr lang="it-IT" dirty="0"/>
+              <a:t>.</a:t>
+            </a:r>
+          </a:p>
+        </p:txBody>
+      </p:sp>
+      <p:sp>
+        <p:nvSpPr>
+          <p:cNvPr id="4" name="Segnaposto numero diapositiva 3"/>
+          <p:cNvSpPr>
+            <a:spLocks noGrp="1"/>
+          </p:cNvSpPr>
+          <p:nvPr>
+            <p:ph type="sldNum" sz="quarter" idx="5"/>
+          </p:nvPr>
+        </p:nvSpPr>
+        <p:spPr/>
+        <p:txBody>
+          <a:bodyPr/>
+          <a:lstStyle/>
+          <a:p>
+            <a:fld id="{42F3A990-74FB-448B-A3A1-C0B86353038F}" type="slidenum">
+              <a:rPr lang="it-IT" smtClean="0"/>
+              <a:t>6</a:t>
+            </a:fld>
+            <a:endParaRPr lang="it-IT"/>
+          </a:p>
+        </p:txBody>
+      </p:sp>
+    </p:spTree>
+    <p:extLst>
+      <p:ext uri="{BB962C8B-B14F-4D97-AF65-F5344CB8AC3E}">
+        <p14:creationId xmlns:p14="http://schemas.microsoft.com/office/powerpoint/2010/main" val="2304686775"/>
+      </p:ext>
+    </p:extLst>
+  </p:cSld>
+  <p:clrMapOvr>
+    <a:masterClrMapping/>
+  </p:clrMapOvr>
+</p:notes>
+</file>
+
+<file path=ppt/notesSlides/notesSlide10.xml><?xml version="1.0" encoding="utf-8"?>
+<p:notes xmlns:a="http://schemas.openxmlformats.org/drawingml/2006/main" xmlns:r="http://schemas.openxmlformats.org/officeDocument/2006/relationships" xmlns:p="http://schemas.openxmlformats.org/presentationml/2006/main">
+  <p:cSld>
+    <p:spTree>
+      <p:nvGrpSpPr>
+        <p:cNvPr id="1" name=""/>
+        <p:cNvGrpSpPr/>
+        <p:nvPr/>
+      </p:nvGrpSpPr>
+      <p:grpSpPr>
+        <a:xfrm>
+          <a:off x="0" y="0"/>
+          <a:ext cx="0" cy="0"/>
+          <a:chOff x="0" y="0"/>
+          <a:chExt cx="0" cy="0"/>
+        </a:xfrm>
+      </p:grpSpPr>
+      <p:sp>
+        <p:nvSpPr>
+          <p:cNvPr id="2" name="Segnaposto immagine diapositiva 1"/>
+          <p:cNvSpPr>
+            <a:spLocks noGrp="1" noRot="1" noChangeAspect="1"/>
+          </p:cNvSpPr>
+          <p:nvPr>
+            <p:ph type="sldImg"/>
+          </p:nvPr>
+        </p:nvSpPr>
+        <p:spPr/>
+      </p:sp>
+      <p:sp>
+        <p:nvSpPr>
+          <p:cNvPr id="3" name="Segnaposto note 2"/>
+          <p:cNvSpPr>
+            <a:spLocks noGrp="1"/>
+          </p:cNvSpPr>
+          <p:nvPr>
+            <p:ph type="body" idx="1"/>
+          </p:nvPr>
+        </p:nvSpPr>
+        <p:spPr/>
+        <p:txBody>
+          <a:bodyPr/>
+          <a:lstStyle/>
+          <a:p>
+            <a:pPr marL="0" marR="0" lvl="0" indent="0" algn="l" defTabSz="914400" rtl="0" eaLnBrk="1" fontAlgn="auto" latinLnBrk="0" hangingPunct="1">
+              <a:lnSpc>
+                <a:spcPct val="100000"/>
+              </a:lnSpc>
+              <a:spcBef>
+                <a:spcPts val="0"/>
+              </a:spcBef>
+              <a:spcAft>
+                <a:spcPts val="0"/>
+              </a:spcAft>
+              <a:buClrTx/>
+              <a:buSzTx/>
+              <a:buFontTx/>
+              <a:buNone/>
+              <a:tabLst/>
+              <a:defRPr/>
+            </a:pPr>
+            <a:r>
+              <a:rPr lang="it-IT" dirty="0"/>
+              <a:t>Focus </a:t>
+            </a:r>
+            <a:r>
+              <a:rPr lang="it-IT" dirty="0" err="1"/>
+              <a:t>needed</a:t>
+            </a:r>
+            <a:r>
+              <a:rPr lang="it-IT" dirty="0"/>
+              <a:t> on the </a:t>
+            </a:r>
+            <a:r>
+              <a:rPr lang="it-IT" dirty="0" err="1"/>
+              <a:t>dimensionality</a:t>
+            </a:r>
+            <a:r>
+              <a:rPr lang="it-IT" dirty="0"/>
+              <a:t> of the matrix.</a:t>
+            </a:r>
+          </a:p>
+        </p:txBody>
+      </p:sp>
+      <p:sp>
+        <p:nvSpPr>
+          <p:cNvPr id="4" name="Segnaposto numero diapositiva 3"/>
+          <p:cNvSpPr>
+            <a:spLocks noGrp="1"/>
+          </p:cNvSpPr>
+          <p:nvPr>
+            <p:ph type="sldNum" sz="quarter" idx="5"/>
+          </p:nvPr>
+        </p:nvSpPr>
+        <p:spPr/>
+        <p:txBody>
+          <a:bodyPr/>
+          <a:lstStyle/>
+          <a:p>
+            <a:fld id="{42F3A990-74FB-448B-A3A1-C0B86353038F}" type="slidenum">
+              <a:rPr lang="it-IT" smtClean="0"/>
+              <a:t>28</a:t>
+            </a:fld>
+            <a:endParaRPr lang="it-IT"/>
+          </a:p>
+        </p:txBody>
+      </p:sp>
+    </p:spTree>
+    <p:extLst>
+      <p:ext uri="{BB962C8B-B14F-4D97-AF65-F5344CB8AC3E}">
+        <p14:creationId xmlns:p14="http://schemas.microsoft.com/office/powerpoint/2010/main" val="911668221"/>
+      </p:ext>
+    </p:extLst>
+  </p:cSld>
+  <p:clrMapOvr>
+    <a:masterClrMapping/>
+  </p:clrMapOvr>
+</p:notes>
+</file>
+
+<file path=ppt/notesSlides/notesSlide11.xml><?xml version="1.0" encoding="utf-8"?>
+<p:notes xmlns:a="http://schemas.openxmlformats.org/drawingml/2006/main" xmlns:r="http://schemas.openxmlformats.org/officeDocument/2006/relationships" xmlns:p="http://schemas.openxmlformats.org/presentationml/2006/main">
+  <p:cSld>
+    <p:spTree>
+      <p:nvGrpSpPr>
+        <p:cNvPr id="1" name=""/>
+        <p:cNvGrpSpPr/>
+        <p:nvPr/>
+      </p:nvGrpSpPr>
+      <p:grpSpPr>
+        <a:xfrm>
+          <a:off x="0" y="0"/>
+          <a:ext cx="0" cy="0"/>
+          <a:chOff x="0" y="0"/>
+          <a:chExt cx="0" cy="0"/>
+        </a:xfrm>
+      </p:grpSpPr>
+      <p:sp>
+        <p:nvSpPr>
+          <p:cNvPr id="2" name="Segnaposto immagine diapositiva 1"/>
+          <p:cNvSpPr>
+            <a:spLocks noGrp="1" noRot="1" noChangeAspect="1"/>
+          </p:cNvSpPr>
+          <p:nvPr>
+            <p:ph type="sldImg"/>
+          </p:nvPr>
+        </p:nvSpPr>
+        <p:spPr/>
+      </p:sp>
+      <p:sp>
+        <p:nvSpPr>
+          <p:cNvPr id="3" name="Segnaposto note 2"/>
+          <p:cNvSpPr>
+            <a:spLocks noGrp="1"/>
+          </p:cNvSpPr>
+          <p:nvPr>
+            <p:ph type="body" idx="1"/>
+          </p:nvPr>
+        </p:nvSpPr>
+        <p:spPr/>
+        <p:txBody>
+          <a:bodyPr/>
+          <a:lstStyle/>
+          <a:p>
+            <a:endParaRPr lang="it-IT" dirty="0"/>
+          </a:p>
+        </p:txBody>
+      </p:sp>
+      <p:sp>
+        <p:nvSpPr>
+          <p:cNvPr id="4" name="Segnaposto numero diapositiva 3"/>
+          <p:cNvSpPr>
+            <a:spLocks noGrp="1"/>
+          </p:cNvSpPr>
+          <p:nvPr>
+            <p:ph type="sldNum" sz="quarter" idx="5"/>
+          </p:nvPr>
+        </p:nvSpPr>
+        <p:spPr/>
+        <p:txBody>
+          <a:bodyPr/>
+          <a:lstStyle/>
+          <a:p>
+            <a:fld id="{42F3A990-74FB-448B-A3A1-C0B86353038F}" type="slidenum">
+              <a:rPr lang="it-IT" smtClean="0"/>
+              <a:t>31</a:t>
+            </a:fld>
+            <a:endParaRPr lang="it-IT"/>
+          </a:p>
+        </p:txBody>
+      </p:sp>
+    </p:spTree>
+    <p:extLst>
+      <p:ext uri="{BB962C8B-B14F-4D97-AF65-F5344CB8AC3E}">
+        <p14:creationId xmlns:p14="http://schemas.microsoft.com/office/powerpoint/2010/main" val="2248050001"/>
+      </p:ext>
+    </p:extLst>
+  </p:cSld>
+  <p:clrMapOvr>
+    <a:masterClrMapping/>
+  </p:clrMapOvr>
+</p:notes>
+</file>
+
+<file path=ppt/notesSlides/notesSlide2.xml><?xml version="1.0" encoding="utf-8"?>
+<p:notes xmlns:a="http://schemas.openxmlformats.org/drawingml/2006/main" xmlns:r="http://schemas.openxmlformats.org/officeDocument/2006/relationships" xmlns:p="http://schemas.openxmlformats.org/presentationml/2006/main">
+  <p:cSld>
+    <p:spTree>
+      <p:nvGrpSpPr>
+        <p:cNvPr id="1" name=""/>
+        <p:cNvGrpSpPr/>
+        <p:nvPr/>
+      </p:nvGrpSpPr>
+      <p:grpSpPr>
+        <a:xfrm>
+          <a:off x="0" y="0"/>
+          <a:ext cx="0" cy="0"/>
+          <a:chOff x="0" y="0"/>
+          <a:chExt cx="0" cy="0"/>
+        </a:xfrm>
+      </p:grpSpPr>
+      <p:sp>
+        <p:nvSpPr>
+          <p:cNvPr id="2" name="Segnaposto immagine diapositiva 1"/>
+          <p:cNvSpPr>
+            <a:spLocks noGrp="1" noRot="1" noChangeAspect="1"/>
+          </p:cNvSpPr>
+          <p:nvPr>
+            <p:ph type="sldImg"/>
+          </p:nvPr>
+        </p:nvSpPr>
+        <p:spPr/>
+      </p:sp>
+      <p:sp>
+        <p:nvSpPr>
+          <p:cNvPr id="3" name="Segnaposto note 2"/>
+          <p:cNvSpPr>
+            <a:spLocks noGrp="1"/>
+          </p:cNvSpPr>
+          <p:nvPr>
+            <p:ph type="body" idx="1"/>
+          </p:nvPr>
+        </p:nvSpPr>
+        <p:spPr/>
+        <p:txBody>
+          <a:bodyPr/>
+          <a:lstStyle/>
+          <a:p>
+            <a:r>
+              <a:rPr lang="it-IT" dirty="0" err="1"/>
+              <a:t>When</a:t>
+            </a:r>
+            <a:r>
+              <a:rPr lang="it-IT" dirty="0"/>
+              <a:t> </a:t>
+            </a:r>
+            <a:r>
+              <a:rPr lang="it-IT" dirty="0" err="1"/>
+              <a:t>we</a:t>
+            </a:r>
+            <a:r>
+              <a:rPr lang="it-IT" dirty="0"/>
+              <a:t> set the </a:t>
+            </a:r>
+            <a:r>
+              <a:rPr lang="it-IT" dirty="0" err="1"/>
+              <a:t>initial</a:t>
+            </a:r>
+            <a:r>
+              <a:rPr lang="it-IT" dirty="0"/>
+              <a:t> </a:t>
+            </a:r>
+            <a:r>
+              <a:rPr lang="it-IT" dirty="0" err="1"/>
+              <a:t>value</a:t>
+            </a:r>
+            <a:r>
+              <a:rPr lang="it-IT" dirty="0"/>
+              <a:t> </a:t>
+            </a:r>
+            <a:r>
+              <a:rPr lang="it-IT" dirty="0" err="1"/>
+              <a:t>at</a:t>
+            </a:r>
+            <a:r>
+              <a:rPr lang="it-IT" dirty="0"/>
+              <a:t> 0, </a:t>
+            </a:r>
+            <a:r>
+              <a:rPr lang="it-IT" dirty="0" err="1"/>
+              <a:t>we</a:t>
+            </a:r>
+            <a:r>
+              <a:rPr lang="it-IT" dirty="0"/>
+              <a:t> </a:t>
+            </a:r>
+            <a:r>
+              <a:rPr lang="it-IT" dirty="0" err="1"/>
+              <a:t>fall</a:t>
+            </a:r>
+            <a:r>
+              <a:rPr lang="it-IT" dirty="0"/>
+              <a:t> in the </a:t>
+            </a:r>
+            <a:r>
+              <a:rPr lang="it-IT" dirty="0" err="1"/>
+              <a:t>same</a:t>
+            </a:r>
+            <a:r>
+              <a:rPr lang="it-IT" dirty="0"/>
+              <a:t> case of the epsilon </a:t>
+            </a:r>
+            <a:r>
+              <a:rPr lang="it-IT" dirty="0" err="1"/>
+              <a:t>greedy</a:t>
+            </a:r>
+            <a:r>
+              <a:rPr lang="it-IT" dirty="0"/>
+              <a:t> </a:t>
+            </a:r>
+            <a:r>
+              <a:rPr lang="it-IT" dirty="0" err="1"/>
+              <a:t>algorithm</a:t>
+            </a:r>
+            <a:r>
+              <a:rPr lang="it-IT" dirty="0"/>
+              <a:t> (look </a:t>
+            </a:r>
+            <a:r>
+              <a:rPr lang="it-IT" dirty="0" err="1"/>
+              <a:t>at</a:t>
+            </a:r>
+            <a:r>
+              <a:rPr lang="it-IT" dirty="0"/>
+              <a:t> the curve).</a:t>
+            </a:r>
+          </a:p>
+        </p:txBody>
+      </p:sp>
+      <p:sp>
+        <p:nvSpPr>
+          <p:cNvPr id="4" name="Segnaposto numero diapositiva 3"/>
+          <p:cNvSpPr>
+            <a:spLocks noGrp="1"/>
+          </p:cNvSpPr>
+          <p:nvPr>
+            <p:ph type="sldNum" sz="quarter" idx="5"/>
+          </p:nvPr>
+        </p:nvSpPr>
+        <p:spPr/>
+        <p:txBody>
+          <a:bodyPr/>
+          <a:lstStyle/>
+          <a:p>
+            <a:fld id="{42F3A990-74FB-448B-A3A1-C0B86353038F}" type="slidenum">
+              <a:rPr lang="it-IT" smtClean="0"/>
+              <a:t>7</a:t>
+            </a:fld>
+            <a:endParaRPr lang="it-IT"/>
+          </a:p>
+        </p:txBody>
+      </p:sp>
+    </p:spTree>
+    <p:extLst>
+      <p:ext uri="{BB962C8B-B14F-4D97-AF65-F5344CB8AC3E}">
+        <p14:creationId xmlns:p14="http://schemas.microsoft.com/office/powerpoint/2010/main" val="264391108"/>
+      </p:ext>
+    </p:extLst>
+  </p:cSld>
+  <p:clrMapOvr>
+    <a:masterClrMapping/>
+  </p:clrMapOvr>
+</p:notes>
+</file>
+
+<file path=ppt/notesSlides/notesSlide3.xml><?xml version="1.0" encoding="utf-8"?>
+<p:notes xmlns:a="http://schemas.openxmlformats.org/drawingml/2006/main" xmlns:r="http://schemas.openxmlformats.org/officeDocument/2006/relationships" xmlns:p="http://schemas.openxmlformats.org/presentationml/2006/main">
+  <p:cSld>
+    <p:spTree>
+      <p:nvGrpSpPr>
+        <p:cNvPr id="1" name=""/>
+        <p:cNvGrpSpPr/>
+        <p:nvPr/>
+      </p:nvGrpSpPr>
+      <p:grpSpPr>
+        <a:xfrm>
+          <a:off x="0" y="0"/>
+          <a:ext cx="0" cy="0"/>
+          <a:chOff x="0" y="0"/>
+          <a:chExt cx="0" cy="0"/>
+        </a:xfrm>
+      </p:grpSpPr>
+      <p:sp>
+        <p:nvSpPr>
+          <p:cNvPr id="2" name="Segnaposto immagine diapositiva 1"/>
+          <p:cNvSpPr>
+            <a:spLocks noGrp="1" noRot="1" noChangeAspect="1"/>
+          </p:cNvSpPr>
+          <p:nvPr>
+            <p:ph type="sldImg"/>
+          </p:nvPr>
+        </p:nvSpPr>
+        <p:spPr/>
+      </p:sp>
+      <p:sp>
+        <p:nvSpPr>
+          <p:cNvPr id="3" name="Segnaposto note 2"/>
+          <p:cNvSpPr>
+            <a:spLocks noGrp="1"/>
+          </p:cNvSpPr>
+          <p:nvPr>
+            <p:ph type="body" idx="1"/>
+          </p:nvPr>
+        </p:nvSpPr>
+        <p:spPr/>
+        <p:txBody>
+          <a:bodyPr/>
+          <a:lstStyle/>
+          <a:p>
+            <a:r>
+              <a:rPr lang="it-IT" dirty="0" err="1"/>
+              <a:t>We</a:t>
+            </a:r>
+            <a:r>
+              <a:rPr lang="it-IT" dirty="0"/>
+              <a:t> </a:t>
+            </a:r>
+            <a:r>
+              <a:rPr lang="it-IT" dirty="0" err="1"/>
+              <a:t>notice</a:t>
+            </a:r>
+            <a:r>
+              <a:rPr lang="it-IT" dirty="0"/>
+              <a:t> a </a:t>
+            </a:r>
+            <a:r>
+              <a:rPr lang="it-IT" dirty="0" err="1"/>
+              <a:t>peak</a:t>
+            </a:r>
+            <a:r>
+              <a:rPr lang="it-IT" dirty="0"/>
+              <a:t> on the 11° step (more or </a:t>
+            </a:r>
+            <a:r>
+              <a:rPr lang="it-IT" dirty="0" err="1"/>
+              <a:t>less</a:t>
+            </a:r>
+            <a:r>
+              <a:rPr lang="it-IT" dirty="0"/>
+              <a:t>) </a:t>
+            </a:r>
+            <a:r>
+              <a:rPr lang="it-IT" dirty="0" err="1"/>
+              <a:t>but</a:t>
+            </a:r>
+            <a:r>
+              <a:rPr lang="it-IT" dirty="0"/>
+              <a:t> </a:t>
+            </a:r>
+            <a:r>
+              <a:rPr lang="it-IT" dirty="0" err="1"/>
+              <a:t>we</a:t>
+            </a:r>
+            <a:r>
+              <a:rPr lang="it-IT" dirty="0"/>
+              <a:t> </a:t>
+            </a:r>
+            <a:r>
+              <a:rPr lang="it-IT" dirty="0" err="1"/>
+              <a:t>don’t</a:t>
+            </a:r>
+            <a:r>
+              <a:rPr lang="it-IT" dirty="0"/>
+              <a:t> know </a:t>
+            </a:r>
+            <a:r>
+              <a:rPr lang="it-IT" dirty="0" err="1"/>
+              <a:t>why</a:t>
+            </a:r>
+            <a:r>
+              <a:rPr lang="it-IT" dirty="0"/>
+              <a:t>.</a:t>
+            </a:r>
+          </a:p>
+        </p:txBody>
+      </p:sp>
+      <p:sp>
+        <p:nvSpPr>
+          <p:cNvPr id="4" name="Segnaposto numero diapositiva 3"/>
+          <p:cNvSpPr>
+            <a:spLocks noGrp="1"/>
+          </p:cNvSpPr>
+          <p:nvPr>
+            <p:ph type="sldNum" sz="quarter" idx="5"/>
+          </p:nvPr>
+        </p:nvSpPr>
+        <p:spPr/>
+        <p:txBody>
+          <a:bodyPr/>
+          <a:lstStyle/>
+          <a:p>
+            <a:fld id="{42F3A990-74FB-448B-A3A1-C0B86353038F}" type="slidenum">
+              <a:rPr lang="it-IT" smtClean="0"/>
+              <a:t>8</a:t>
+            </a:fld>
+            <a:endParaRPr lang="it-IT"/>
+          </a:p>
+        </p:txBody>
+      </p:sp>
+    </p:spTree>
+    <p:extLst>
+      <p:ext uri="{BB962C8B-B14F-4D97-AF65-F5344CB8AC3E}">
+        <p14:creationId xmlns:p14="http://schemas.microsoft.com/office/powerpoint/2010/main" val="2449040849"/>
+      </p:ext>
+    </p:extLst>
+  </p:cSld>
+  <p:clrMapOvr>
+    <a:masterClrMapping/>
+  </p:clrMapOvr>
+</p:notes>
+</file>
+
+<file path=ppt/notesSlides/notesSlide4.xml><?xml version="1.0" encoding="utf-8"?>
+<p:notes xmlns:a="http://schemas.openxmlformats.org/drawingml/2006/main" xmlns:r="http://schemas.openxmlformats.org/officeDocument/2006/relationships" xmlns:p="http://schemas.openxmlformats.org/presentationml/2006/main">
+  <p:cSld>
+    <p:spTree>
+      <p:nvGrpSpPr>
+        <p:cNvPr id="1" name=""/>
+        <p:cNvGrpSpPr/>
+        <p:nvPr/>
+      </p:nvGrpSpPr>
+      <p:grpSpPr>
+        <a:xfrm>
+          <a:off x="0" y="0"/>
+          <a:ext cx="0" cy="0"/>
+          <a:chOff x="0" y="0"/>
+          <a:chExt cx="0" cy="0"/>
+        </a:xfrm>
+      </p:grpSpPr>
+      <p:sp>
+        <p:nvSpPr>
+          <p:cNvPr id="2" name="Segnaposto immagine diapositiva 1"/>
+          <p:cNvSpPr>
+            <a:spLocks noGrp="1" noRot="1" noChangeAspect="1"/>
+          </p:cNvSpPr>
+          <p:nvPr>
+            <p:ph type="sldImg"/>
+          </p:nvPr>
+        </p:nvSpPr>
+        <p:spPr/>
+      </p:sp>
+      <p:sp>
+        <p:nvSpPr>
+          <p:cNvPr id="3" name="Segnaposto note 2"/>
+          <p:cNvSpPr>
+            <a:spLocks noGrp="1"/>
+          </p:cNvSpPr>
+          <p:nvPr>
+            <p:ph type="body" idx="1"/>
+          </p:nvPr>
+        </p:nvSpPr>
+        <p:spPr/>
+        <p:txBody>
+          <a:bodyPr/>
+          <a:lstStyle/>
+          <a:p>
+            <a:endParaRPr lang="it-IT" dirty="0"/>
+          </a:p>
+        </p:txBody>
+      </p:sp>
+      <p:sp>
+        <p:nvSpPr>
+          <p:cNvPr id="4" name="Segnaposto numero diapositiva 3"/>
+          <p:cNvSpPr>
+            <a:spLocks noGrp="1"/>
+          </p:cNvSpPr>
+          <p:nvPr>
+            <p:ph type="sldNum" sz="quarter" idx="5"/>
+          </p:nvPr>
+        </p:nvSpPr>
+        <p:spPr/>
+        <p:txBody>
+          <a:bodyPr/>
+          <a:lstStyle/>
+          <a:p>
+            <a:fld id="{42F3A990-74FB-448B-A3A1-C0B86353038F}" type="slidenum">
+              <a:rPr lang="it-IT" smtClean="0"/>
+              <a:t>9</a:t>
+            </a:fld>
+            <a:endParaRPr lang="it-IT"/>
+          </a:p>
+        </p:txBody>
+      </p:sp>
+    </p:spTree>
+    <p:extLst>
+      <p:ext uri="{BB962C8B-B14F-4D97-AF65-F5344CB8AC3E}">
+        <p14:creationId xmlns:p14="http://schemas.microsoft.com/office/powerpoint/2010/main" val="212147435"/>
+      </p:ext>
+    </p:extLst>
+  </p:cSld>
+  <p:clrMapOvr>
+    <a:masterClrMapping/>
+  </p:clrMapOvr>
+</p:notes>
+</file>
+
+<file path=ppt/notesSlides/notesSlide5.xml><?xml version="1.0" encoding="utf-8"?>
+<p:notes xmlns:a="http://schemas.openxmlformats.org/drawingml/2006/main" xmlns:r="http://schemas.openxmlformats.org/officeDocument/2006/relationships" xmlns:p="http://schemas.openxmlformats.org/presentationml/2006/main">
+  <p:cSld>
+    <p:spTree>
+      <p:nvGrpSpPr>
+        <p:cNvPr id="1" name=""/>
+        <p:cNvGrpSpPr/>
+        <p:nvPr/>
+      </p:nvGrpSpPr>
+      <p:grpSpPr>
+        <a:xfrm>
+          <a:off x="0" y="0"/>
+          <a:ext cx="0" cy="0"/>
+          <a:chOff x="0" y="0"/>
+          <a:chExt cx="0" cy="0"/>
+        </a:xfrm>
+      </p:grpSpPr>
+      <p:sp>
+        <p:nvSpPr>
+          <p:cNvPr id="2" name="Segnaposto immagine diapositiva 1"/>
+          <p:cNvSpPr>
+            <a:spLocks noGrp="1" noRot="1" noChangeAspect="1"/>
+          </p:cNvSpPr>
+          <p:nvPr>
+            <p:ph type="sldImg"/>
+          </p:nvPr>
+        </p:nvSpPr>
+        <p:spPr/>
+      </p:sp>
+      <p:sp>
+        <p:nvSpPr>
+          <p:cNvPr id="3" name="Segnaposto note 2"/>
+          <p:cNvSpPr>
+            <a:spLocks noGrp="1"/>
+          </p:cNvSpPr>
+          <p:nvPr>
+            <p:ph type="body" idx="1"/>
+          </p:nvPr>
+        </p:nvSpPr>
+        <p:spPr/>
+        <p:txBody>
+          <a:bodyPr/>
+          <a:lstStyle/>
+          <a:p>
+            <a:r>
+              <a:rPr lang="it-IT" dirty="0" err="1"/>
+              <a:t>Parameters</a:t>
+            </a:r>
+            <a:r>
+              <a:rPr lang="it-IT" dirty="0"/>
+              <a:t> are the </a:t>
+            </a:r>
+            <a:r>
+              <a:rPr lang="it-IT" dirty="0" err="1"/>
+              <a:t>same</a:t>
+            </a:r>
+            <a:r>
+              <a:rPr lang="it-IT" dirty="0"/>
+              <a:t> (</a:t>
+            </a:r>
+            <a:r>
+              <a:rPr lang="it-IT" dirty="0" err="1"/>
+              <a:t>as</a:t>
+            </a:r>
+            <a:r>
+              <a:rPr lang="it-IT" dirty="0"/>
+              <a:t> </a:t>
+            </a:r>
+            <a:r>
+              <a:rPr lang="it-IT" dirty="0" err="1"/>
+              <a:t>you</a:t>
+            </a:r>
+            <a:r>
+              <a:rPr lang="it-IT" dirty="0"/>
+              <a:t> can </a:t>
+            </a:r>
+            <a:r>
+              <a:rPr lang="it-IT" dirty="0" err="1"/>
+              <a:t>see</a:t>
+            </a:r>
+            <a:r>
+              <a:rPr lang="it-IT" dirty="0"/>
+              <a:t> in the </a:t>
+            </a:r>
+            <a:r>
+              <a:rPr lang="it-IT" dirty="0" err="1"/>
+              <a:t>legend</a:t>
+            </a:r>
+            <a:r>
+              <a:rPr lang="it-IT" dirty="0"/>
+              <a:t>)</a:t>
+            </a:r>
+          </a:p>
+        </p:txBody>
+      </p:sp>
+      <p:sp>
+        <p:nvSpPr>
+          <p:cNvPr id="4" name="Segnaposto numero diapositiva 3"/>
+          <p:cNvSpPr>
+            <a:spLocks noGrp="1"/>
+          </p:cNvSpPr>
+          <p:nvPr>
+            <p:ph type="sldNum" sz="quarter" idx="5"/>
+          </p:nvPr>
+        </p:nvSpPr>
+        <p:spPr/>
+        <p:txBody>
+          <a:bodyPr/>
+          <a:lstStyle/>
+          <a:p>
+            <a:fld id="{42F3A990-74FB-448B-A3A1-C0B86353038F}" type="slidenum">
+              <a:rPr lang="it-IT" smtClean="0"/>
+              <a:t>10</a:t>
+            </a:fld>
+            <a:endParaRPr lang="it-IT"/>
+          </a:p>
+        </p:txBody>
+      </p:sp>
+    </p:spTree>
+    <p:extLst>
+      <p:ext uri="{BB962C8B-B14F-4D97-AF65-F5344CB8AC3E}">
+        <p14:creationId xmlns:p14="http://schemas.microsoft.com/office/powerpoint/2010/main" val="4274431091"/>
+      </p:ext>
+    </p:extLst>
+  </p:cSld>
+  <p:clrMapOvr>
+    <a:masterClrMapping/>
+  </p:clrMapOvr>
+</p:notes>
+</file>
+
+<file path=ppt/notesSlides/notesSlide6.xml><?xml version="1.0" encoding="utf-8"?>
+<p:notes xmlns:a="http://schemas.openxmlformats.org/drawingml/2006/main" xmlns:r="http://schemas.openxmlformats.org/officeDocument/2006/relationships" xmlns:p="http://schemas.openxmlformats.org/presentationml/2006/main">
+  <p:cSld>
+    <p:spTree>
+      <p:nvGrpSpPr>
+        <p:cNvPr id="1" name=""/>
+        <p:cNvGrpSpPr/>
+        <p:nvPr/>
+      </p:nvGrpSpPr>
+      <p:grpSpPr>
+        <a:xfrm>
+          <a:off x="0" y="0"/>
+          <a:ext cx="0" cy="0"/>
+          <a:chOff x="0" y="0"/>
+          <a:chExt cx="0" cy="0"/>
+        </a:xfrm>
+      </p:grpSpPr>
+      <p:sp>
+        <p:nvSpPr>
+          <p:cNvPr id="2" name="Segnaposto immagine diapositiva 1"/>
+          <p:cNvSpPr>
+            <a:spLocks noGrp="1" noRot="1" noChangeAspect="1"/>
+          </p:cNvSpPr>
+          <p:nvPr>
+            <p:ph type="sldImg"/>
+          </p:nvPr>
+        </p:nvSpPr>
+        <p:spPr/>
+      </p:sp>
+      <p:sp>
+        <p:nvSpPr>
+          <p:cNvPr id="3" name="Segnaposto note 2"/>
+          <p:cNvSpPr>
+            <a:spLocks noGrp="1"/>
+          </p:cNvSpPr>
+          <p:nvPr>
+            <p:ph type="body" idx="1"/>
+          </p:nvPr>
+        </p:nvSpPr>
+        <p:spPr/>
+        <p:txBody>
+          <a:bodyPr/>
+          <a:lstStyle/>
+          <a:p>
+            <a:pPr marL="0" marR="0" lvl="0" indent="0" algn="l" defTabSz="914400" rtl="0" eaLnBrk="1" fontAlgn="auto" latinLnBrk="0" hangingPunct="1">
+              <a:lnSpc>
+                <a:spcPct val="100000"/>
+              </a:lnSpc>
+              <a:spcBef>
+                <a:spcPts val="0"/>
+              </a:spcBef>
+              <a:spcAft>
+                <a:spcPts val="0"/>
+              </a:spcAft>
+              <a:buClrTx/>
+              <a:buSzTx/>
+              <a:buFontTx/>
+              <a:buNone/>
+              <a:tabLst/>
+              <a:defRPr/>
+            </a:pPr>
+            <a:r>
+              <a:rPr lang="it-IT" dirty="0" err="1"/>
+              <a:t>We</a:t>
+            </a:r>
+            <a:r>
+              <a:rPr lang="it-IT" dirty="0"/>
+              <a:t> </a:t>
+            </a:r>
+            <a:r>
+              <a:rPr lang="it-IT" dirty="0" err="1"/>
+              <a:t>changed</a:t>
+            </a:r>
+            <a:r>
+              <a:rPr lang="it-IT" dirty="0"/>
+              <a:t> epsilon to make epsilon-</a:t>
+            </a:r>
+            <a:r>
+              <a:rPr lang="it-IT" dirty="0" err="1"/>
+              <a:t>greedy</a:t>
+            </a:r>
+            <a:r>
+              <a:rPr lang="it-IT" dirty="0"/>
+              <a:t> </a:t>
+            </a:r>
+            <a:r>
+              <a:rPr lang="it-IT" dirty="0" err="1"/>
+              <a:t>outperform</a:t>
+            </a:r>
+            <a:r>
+              <a:rPr lang="it-IT" dirty="0"/>
+              <a:t> the </a:t>
+            </a:r>
+            <a:r>
+              <a:rPr lang="it-IT" dirty="0" err="1"/>
+              <a:t>other</a:t>
+            </a:r>
+            <a:r>
+              <a:rPr lang="it-IT" dirty="0"/>
+              <a:t> </a:t>
+            </a:r>
+            <a:r>
+              <a:rPr lang="it-IT" dirty="0" err="1"/>
+              <a:t>algorithm</a:t>
+            </a:r>
+            <a:r>
+              <a:rPr lang="it-IT" dirty="0"/>
+              <a:t>.</a:t>
+            </a:r>
+          </a:p>
+        </p:txBody>
+      </p:sp>
+      <p:sp>
+        <p:nvSpPr>
+          <p:cNvPr id="4" name="Segnaposto numero diapositiva 3"/>
+          <p:cNvSpPr>
+            <a:spLocks noGrp="1"/>
+          </p:cNvSpPr>
+          <p:nvPr>
+            <p:ph type="sldNum" sz="quarter" idx="5"/>
+          </p:nvPr>
+        </p:nvSpPr>
+        <p:spPr/>
+        <p:txBody>
+          <a:bodyPr/>
+          <a:lstStyle/>
+          <a:p>
+            <a:fld id="{42F3A990-74FB-448B-A3A1-C0B86353038F}" type="slidenum">
+              <a:rPr lang="it-IT" smtClean="0"/>
+              <a:t>11</a:t>
+            </a:fld>
+            <a:endParaRPr lang="it-IT"/>
+          </a:p>
+        </p:txBody>
+      </p:sp>
+    </p:spTree>
+    <p:extLst>
+      <p:ext uri="{BB962C8B-B14F-4D97-AF65-F5344CB8AC3E}">
+        <p14:creationId xmlns:p14="http://schemas.microsoft.com/office/powerpoint/2010/main" val="3332678686"/>
+      </p:ext>
+    </p:extLst>
+  </p:cSld>
+  <p:clrMapOvr>
+    <a:masterClrMapping/>
+  </p:clrMapOvr>
+</p:notes>
+</file>
+
+<file path=ppt/notesSlides/notesSlide7.xml><?xml version="1.0" encoding="utf-8"?>
+<p:notes xmlns:a="http://schemas.openxmlformats.org/drawingml/2006/main" xmlns:r="http://schemas.openxmlformats.org/officeDocument/2006/relationships" xmlns:p="http://schemas.openxmlformats.org/presentationml/2006/main">
+  <p:cSld>
+    <p:spTree>
+      <p:nvGrpSpPr>
+        <p:cNvPr id="1" name=""/>
+        <p:cNvGrpSpPr/>
+        <p:nvPr/>
+      </p:nvGrpSpPr>
+      <p:grpSpPr>
+        <a:xfrm>
+          <a:off x="0" y="0"/>
+          <a:ext cx="0" cy="0"/>
+          <a:chOff x="0" y="0"/>
+          <a:chExt cx="0" cy="0"/>
+        </a:xfrm>
+      </p:grpSpPr>
+      <p:sp>
+        <p:nvSpPr>
+          <p:cNvPr id="2" name="Segnaposto immagine diapositiva 1"/>
+          <p:cNvSpPr>
+            <a:spLocks noGrp="1" noRot="1" noChangeAspect="1"/>
+          </p:cNvSpPr>
+          <p:nvPr>
+            <p:ph type="sldImg"/>
+          </p:nvPr>
+        </p:nvSpPr>
+        <p:spPr/>
+      </p:sp>
+      <p:sp>
+        <p:nvSpPr>
+          <p:cNvPr id="3" name="Segnaposto note 2"/>
+          <p:cNvSpPr>
+            <a:spLocks noGrp="1"/>
+          </p:cNvSpPr>
+          <p:nvPr>
+            <p:ph type="body" idx="1"/>
+          </p:nvPr>
+        </p:nvSpPr>
+        <p:spPr/>
+        <p:txBody>
+          <a:bodyPr/>
+          <a:lstStyle/>
+          <a:p>
+            <a:endParaRPr lang="it-IT" dirty="0"/>
+          </a:p>
+        </p:txBody>
+      </p:sp>
+      <p:sp>
+        <p:nvSpPr>
+          <p:cNvPr id="4" name="Segnaposto numero diapositiva 3"/>
+          <p:cNvSpPr>
+            <a:spLocks noGrp="1"/>
+          </p:cNvSpPr>
+          <p:nvPr>
+            <p:ph type="sldNum" sz="quarter" idx="5"/>
+          </p:nvPr>
+        </p:nvSpPr>
+        <p:spPr/>
+        <p:txBody>
+          <a:bodyPr/>
+          <a:lstStyle/>
+          <a:p>
+            <a:fld id="{42F3A990-74FB-448B-A3A1-C0B86353038F}" type="slidenum">
+              <a:rPr lang="it-IT" smtClean="0"/>
+              <a:t>14</a:t>
+            </a:fld>
+            <a:endParaRPr lang="it-IT"/>
+          </a:p>
+        </p:txBody>
+      </p:sp>
+    </p:spTree>
+    <p:extLst>
+      <p:ext uri="{BB962C8B-B14F-4D97-AF65-F5344CB8AC3E}">
+        <p14:creationId xmlns:p14="http://schemas.microsoft.com/office/powerpoint/2010/main" val="3354906193"/>
+      </p:ext>
+    </p:extLst>
+  </p:cSld>
+  <p:clrMapOvr>
+    <a:masterClrMapping/>
+  </p:clrMapOvr>
+</p:notes>
+</file>
+
+<file path=ppt/notesSlides/notesSlide8.xml><?xml version="1.0" encoding="utf-8"?>
+<p:notes xmlns:a="http://schemas.openxmlformats.org/drawingml/2006/main" xmlns:r="http://schemas.openxmlformats.org/officeDocument/2006/relationships" xmlns:p="http://schemas.openxmlformats.org/presentationml/2006/main">
+  <p:cSld>
+    <p:spTree>
+      <p:nvGrpSpPr>
+        <p:cNvPr id="1" name=""/>
+        <p:cNvGrpSpPr/>
+        <p:nvPr/>
+      </p:nvGrpSpPr>
+      <p:grpSpPr>
+        <a:xfrm>
+          <a:off x="0" y="0"/>
+          <a:ext cx="0" cy="0"/>
+          <a:chOff x="0" y="0"/>
+          <a:chExt cx="0" cy="0"/>
+        </a:xfrm>
+      </p:grpSpPr>
+      <p:sp>
+        <p:nvSpPr>
+          <p:cNvPr id="2" name="Segnaposto immagine diapositiva 1"/>
+          <p:cNvSpPr>
+            <a:spLocks noGrp="1" noRot="1" noChangeAspect="1"/>
+          </p:cNvSpPr>
+          <p:nvPr>
+            <p:ph type="sldImg"/>
+          </p:nvPr>
+        </p:nvSpPr>
+        <p:spPr/>
+      </p:sp>
+      <p:sp>
+        <p:nvSpPr>
+          <p:cNvPr id="3" name="Segnaposto note 2"/>
+          <p:cNvSpPr>
+            <a:spLocks noGrp="1"/>
+          </p:cNvSpPr>
+          <p:nvPr>
+            <p:ph type="body" idx="1"/>
+          </p:nvPr>
+        </p:nvSpPr>
+        <p:spPr/>
+        <p:txBody>
+          <a:bodyPr/>
+          <a:lstStyle/>
+          <a:p>
+            <a:r>
+              <a:rPr lang="it-IT" dirty="0"/>
+              <a:t>Q = estimate state action </a:t>
+            </a:r>
+            <a:r>
+              <a:rPr lang="it-IT" dirty="0" err="1"/>
+              <a:t>value</a:t>
+            </a:r>
+            <a:r>
+              <a:rPr lang="it-IT" dirty="0"/>
+              <a:t> = </a:t>
+            </a:r>
+            <a:r>
+              <a:rPr lang="it-IT" dirty="0" err="1"/>
+              <a:t>expected</a:t>
+            </a:r>
+            <a:r>
+              <a:rPr lang="it-IT" dirty="0"/>
+              <a:t> </a:t>
+            </a:r>
+            <a:r>
+              <a:rPr lang="it-IT" dirty="0" err="1"/>
+              <a:t>discounted</a:t>
+            </a:r>
+            <a:r>
+              <a:rPr lang="it-IT" dirty="0"/>
+              <a:t> </a:t>
+            </a:r>
+            <a:r>
+              <a:rPr lang="it-IT" dirty="0" err="1"/>
+              <a:t>reward</a:t>
+            </a:r>
+            <a:endParaRPr lang="it-IT" dirty="0"/>
+          </a:p>
+        </p:txBody>
+      </p:sp>
+      <p:sp>
+        <p:nvSpPr>
+          <p:cNvPr id="4" name="Segnaposto numero diapositiva 3"/>
+          <p:cNvSpPr>
+            <a:spLocks noGrp="1"/>
+          </p:cNvSpPr>
+          <p:nvPr>
+            <p:ph type="sldNum" sz="quarter" idx="5"/>
+          </p:nvPr>
+        </p:nvSpPr>
+        <p:spPr/>
+        <p:txBody>
+          <a:bodyPr/>
+          <a:lstStyle/>
+          <a:p>
+            <a:fld id="{42F3A990-74FB-448B-A3A1-C0B86353038F}" type="slidenum">
+              <a:rPr lang="it-IT" smtClean="0"/>
+              <a:t>18</a:t>
+            </a:fld>
+            <a:endParaRPr lang="it-IT"/>
+          </a:p>
+        </p:txBody>
+      </p:sp>
+    </p:spTree>
+    <p:extLst>
+      <p:ext uri="{BB962C8B-B14F-4D97-AF65-F5344CB8AC3E}">
+        <p14:creationId xmlns:p14="http://schemas.microsoft.com/office/powerpoint/2010/main" val="2398575561"/>
+      </p:ext>
+    </p:extLst>
+  </p:cSld>
+  <p:clrMapOvr>
+    <a:masterClrMapping/>
+  </p:clrMapOvr>
+</p:notes>
+</file>
+
+<file path=ppt/notesSlides/notesSlide9.xml><?xml version="1.0" encoding="utf-8"?>
+<p:notes xmlns:a="http://schemas.openxmlformats.org/drawingml/2006/main" xmlns:r="http://schemas.openxmlformats.org/officeDocument/2006/relationships" xmlns:p="http://schemas.openxmlformats.org/presentationml/2006/main">
+  <p:cSld>
+    <p:spTree>
+      <p:nvGrpSpPr>
+        <p:cNvPr id="1" name=""/>
+        <p:cNvGrpSpPr/>
+        <p:nvPr/>
+      </p:nvGrpSpPr>
+      <p:grpSpPr>
+        <a:xfrm>
+          <a:off x="0" y="0"/>
+          <a:ext cx="0" cy="0"/>
+          <a:chOff x="0" y="0"/>
+          <a:chExt cx="0" cy="0"/>
+        </a:xfrm>
+      </p:grpSpPr>
+      <p:sp>
+        <p:nvSpPr>
+          <p:cNvPr id="2" name="Segnaposto immagine diapositiva 1"/>
+          <p:cNvSpPr>
+            <a:spLocks noGrp="1" noRot="1" noChangeAspect="1"/>
+          </p:cNvSpPr>
+          <p:nvPr>
+            <p:ph type="sldImg"/>
+          </p:nvPr>
+        </p:nvSpPr>
+        <p:spPr/>
+      </p:sp>
+      <p:sp>
+        <p:nvSpPr>
+          <p:cNvPr id="3" name="Segnaposto note 2"/>
+          <p:cNvSpPr>
+            <a:spLocks noGrp="1"/>
+          </p:cNvSpPr>
+          <p:nvPr>
+            <p:ph type="body" idx="1"/>
+          </p:nvPr>
+        </p:nvSpPr>
+        <p:spPr/>
+        <p:txBody>
+          <a:bodyPr/>
+          <a:lstStyle/>
+          <a:p>
+            <a:endParaRPr lang="it-IT" dirty="0"/>
+          </a:p>
+        </p:txBody>
+      </p:sp>
+      <p:sp>
+        <p:nvSpPr>
+          <p:cNvPr id="4" name="Segnaposto numero diapositiva 3"/>
+          <p:cNvSpPr>
+            <a:spLocks noGrp="1"/>
+          </p:cNvSpPr>
+          <p:nvPr>
+            <p:ph type="sldNum" sz="quarter" idx="5"/>
+          </p:nvPr>
+        </p:nvSpPr>
+        <p:spPr/>
+        <p:txBody>
+          <a:bodyPr/>
+          <a:lstStyle/>
+          <a:p>
+            <a:fld id="{42F3A990-74FB-448B-A3A1-C0B86353038F}" type="slidenum">
+              <a:rPr lang="it-IT" smtClean="0"/>
+              <a:t>22</a:t>
+            </a:fld>
+            <a:endParaRPr lang="it-IT"/>
+          </a:p>
+        </p:txBody>
+      </p:sp>
+    </p:spTree>
+    <p:extLst>
+      <p:ext uri="{BB962C8B-B14F-4D97-AF65-F5344CB8AC3E}">
+        <p14:creationId xmlns:p14="http://schemas.microsoft.com/office/powerpoint/2010/main" val="524214400"/>
+      </p:ext>
+    </p:extLst>
+  </p:cSld>
+  <p:clrMapOvr>
+    <a:masterClrMapping/>
+  </p:clrMapOvr>
+</p:notes>
+</file>
+
 <file path=ppt/slideLayouts/slideLayout1.xml><?xml version="1.0" encoding="utf-8"?>
 <p:sldLayout xmlns:a="http://schemas.openxmlformats.org/drawingml/2006/main" xmlns:r="http://schemas.openxmlformats.org/officeDocument/2006/relationships" xmlns:p="http://schemas.openxmlformats.org/presentationml/2006/main" type="title" preserve="1">
   <p:cSld name="Diapositiva titolo">
@@ -301,7 +2012,7 @@
           <a:p>
             <a:fld id="{8173B6D1-B9A7-4F74-ADCF-EF56F696349F}" type="datetimeFigureOut">
               <a:rPr lang="it-IT" smtClean="0"/>
-              <a:t>14/08/2019</a:t>
+              <a:t>15/08/2019</a:t>
             </a:fld>
             <a:endParaRPr lang="it-IT"/>
           </a:p>
@@ -499,7 +2210,7 @@
           <a:p>
             <a:fld id="{8173B6D1-B9A7-4F74-ADCF-EF56F696349F}" type="datetimeFigureOut">
               <a:rPr lang="it-IT" smtClean="0"/>
-              <a:t>14/08/2019</a:t>
+              <a:t>15/08/2019</a:t>
             </a:fld>
             <a:endParaRPr lang="it-IT"/>
           </a:p>
@@ -707,7 +2418,7 @@
           <a:p>
             <a:fld id="{8173B6D1-B9A7-4F74-ADCF-EF56F696349F}" type="datetimeFigureOut">
               <a:rPr lang="it-IT" smtClean="0"/>
-              <a:t>14/08/2019</a:t>
+              <a:t>15/08/2019</a:t>
             </a:fld>
             <a:endParaRPr lang="it-IT"/>
           </a:p>
@@ -905,7 +2616,7 @@
           <a:p>
             <a:fld id="{8173B6D1-B9A7-4F74-ADCF-EF56F696349F}" type="datetimeFigureOut">
               <a:rPr lang="it-IT" smtClean="0"/>
-              <a:t>14/08/2019</a:t>
+              <a:t>15/08/2019</a:t>
             </a:fld>
             <a:endParaRPr lang="it-IT"/>
           </a:p>
@@ -1180,7 +2891,7 @@
           <a:p>
             <a:fld id="{8173B6D1-B9A7-4F74-ADCF-EF56F696349F}" type="datetimeFigureOut">
               <a:rPr lang="it-IT" smtClean="0"/>
-              <a:t>14/08/2019</a:t>
+              <a:t>15/08/2019</a:t>
             </a:fld>
             <a:endParaRPr lang="it-IT"/>
           </a:p>
@@ -1445,7 +3156,7 @@
           <a:p>
             <a:fld id="{8173B6D1-B9A7-4F74-ADCF-EF56F696349F}" type="datetimeFigureOut">
               <a:rPr lang="it-IT" smtClean="0"/>
-              <a:t>14/08/2019</a:t>
+              <a:t>15/08/2019</a:t>
             </a:fld>
             <a:endParaRPr lang="it-IT"/>
           </a:p>
@@ -1857,7 +3568,7 @@
           <a:p>
             <a:fld id="{8173B6D1-B9A7-4F74-ADCF-EF56F696349F}" type="datetimeFigureOut">
               <a:rPr lang="it-IT" smtClean="0"/>
-              <a:t>14/08/2019</a:t>
+              <a:t>15/08/2019</a:t>
             </a:fld>
             <a:endParaRPr lang="it-IT"/>
           </a:p>
@@ -1998,7 +3709,7 @@
           <a:p>
             <a:fld id="{8173B6D1-B9A7-4F74-ADCF-EF56F696349F}" type="datetimeFigureOut">
               <a:rPr lang="it-IT" smtClean="0"/>
-              <a:t>14/08/2019</a:t>
+              <a:t>15/08/2019</a:t>
             </a:fld>
             <a:endParaRPr lang="it-IT"/>
           </a:p>
@@ -2111,7 +3822,7 @@
           <a:p>
             <a:fld id="{8173B6D1-B9A7-4F74-ADCF-EF56F696349F}" type="datetimeFigureOut">
               <a:rPr lang="it-IT" smtClean="0"/>
-              <a:t>14/08/2019</a:t>
+              <a:t>15/08/2019</a:t>
             </a:fld>
             <a:endParaRPr lang="it-IT"/>
           </a:p>
@@ -2422,7 +4133,7 @@
           <a:p>
             <a:fld id="{8173B6D1-B9A7-4F74-ADCF-EF56F696349F}" type="datetimeFigureOut">
               <a:rPr lang="it-IT" smtClean="0"/>
-              <a:t>14/08/2019</a:t>
+              <a:t>15/08/2019</a:t>
             </a:fld>
             <a:endParaRPr lang="it-IT"/>
           </a:p>
@@ -2710,7 +4421,7 @@
           <a:p>
             <a:fld id="{8173B6D1-B9A7-4F74-ADCF-EF56F696349F}" type="datetimeFigureOut">
               <a:rPr lang="it-IT" smtClean="0"/>
-              <a:t>14/08/2019</a:t>
+              <a:t>15/08/2019</a:t>
             </a:fld>
             <a:endParaRPr lang="it-IT"/>
           </a:p>
@@ -2951,7 +4662,7 @@
           <a:p>
             <a:fld id="{8173B6D1-B9A7-4F74-ADCF-EF56F696349F}" type="datetimeFigureOut">
               <a:rPr lang="it-IT" smtClean="0"/>
-              <a:t>14/08/2019</a:t>
+              <a:t>15/08/2019</a:t>
             </a:fld>
             <a:endParaRPr lang="it-IT"/>
           </a:p>
@@ -3477,7 +5188,7 @@
           <p:nvPr/>
         </p:nvPicPr>
         <p:blipFill>
-          <a:blip r:embed="rId2">
+          <a:blip r:embed="rId3">
             <a:alphaModFix amt="15000"/>
             <a:extLst>
               <a:ext uri="{28A0092B-C50C-407E-A947-70E740481C1C}">
@@ -3546,7 +5257,7 @@
         </p:nvSpPr>
         <p:spPr>
           <a:xfrm>
-            <a:off x="690271" y="692704"/>
+            <a:off x="89584" y="828171"/>
             <a:ext cx="2944129" cy="369332"/>
           </a:xfrm>
           <a:prstGeom prst="rect">
@@ -3562,7 +5273,7 @@
           <a:p>
             <a:r>
               <a:rPr lang="de-DE" dirty="0"/>
-              <a:t>Distribution 2 </a:t>
+              <a:t>Distribution 2</a:t>
             </a:r>
           </a:p>
         </p:txBody>
@@ -3584,7 +5295,7 @@
           </p:nvPr>
         </p:nvPicPr>
         <p:blipFill>
-          <a:blip r:embed="rId3">
+          <a:blip r:embed="rId4">
             <a:extLst>
               <a:ext uri="{28A0092B-C50C-407E-A947-70E740481C1C}">
                 <a14:useLocalDpi xmlns:a14="http://schemas.microsoft.com/office/drawing/2010/main" val="0"/>
@@ -3647,7 +5358,7 @@
           <p:nvPr/>
         </p:nvPicPr>
         <p:blipFill>
-          <a:blip r:embed="rId2">
+          <a:blip r:embed="rId3">
             <a:alphaModFix amt="15000"/>
             <a:extLst>
               <a:ext uri="{28A0092B-C50C-407E-A947-70E740481C1C}">
@@ -3716,8 +5427,8 @@
         </p:nvSpPr>
         <p:spPr>
           <a:xfrm>
-            <a:off x="690271" y="692704"/>
-            <a:ext cx="2944129" cy="369332"/>
+            <a:off x="282735" y="866930"/>
+            <a:ext cx="2944129" cy="646331"/>
           </a:xfrm>
           <a:prstGeom prst="rect">
             <a:avLst/>
@@ -3732,7 +5443,25 @@
           <a:p>
             <a:r>
               <a:rPr lang="de-DE" dirty="0"/>
-              <a:t>Distribution 2 </a:t>
+              <a:t>Distribution 2 but </a:t>
+            </a:r>
+          </a:p>
+          <a:p>
+            <a:r>
+              <a:rPr lang="de-DE" dirty="0" err="1"/>
+              <a:t>With</a:t>
+            </a:r>
+            <a:r>
+              <a:rPr lang="de-DE" dirty="0"/>
+              <a:t> different </a:t>
+            </a:r>
+            <a:r>
+              <a:rPr lang="de-DE" dirty="0" err="1"/>
+              <a:t>epsilon</a:t>
+            </a:r>
+            <a:r>
+              <a:rPr lang="de-DE" dirty="0"/>
+              <a:t>.</a:t>
             </a:r>
           </a:p>
         </p:txBody>
@@ -3754,7 +5483,7 @@
           </p:nvPr>
         </p:nvPicPr>
         <p:blipFill>
-          <a:blip r:embed="rId3">
+          <a:blip r:embed="rId4">
             <a:extLst>
               <a:ext uri="{28A0092B-C50C-407E-A947-70E740481C1C}">
                 <a14:useLocalDpi xmlns:a14="http://schemas.microsoft.com/office/drawing/2010/main" val="0"/>
@@ -4167,7 +5896,7 @@
           <p:nvPr/>
         </p:nvPicPr>
         <p:blipFill>
-          <a:blip r:embed="rId2">
+          <a:blip r:embed="rId3">
             <a:extLst>
               <a:ext uri="{28A0092B-C50C-407E-A947-70E740481C1C}">
                 <a14:useLocalDpi xmlns:a14="http://schemas.microsoft.com/office/drawing/2010/main" val="0"/>
@@ -4416,7 +6145,7 @@
           <p:nvPr/>
         </p:nvPicPr>
         <p:blipFill>
-          <a:blip r:embed="rId3">
+          <a:blip r:embed="rId4">
             <a:alphaModFix amt="12000"/>
             <a:extLst>
               <a:ext uri="{28A0092B-C50C-407E-A947-70E740481C1C}">
@@ -5883,7 +7612,7 @@
             </a:r>
             <a:r>
               <a:rPr lang="it-IT" b="0" dirty="0" err="1"/>
-              <a:t>arbitrarily</a:t>
+              <a:t>arbitrary</a:t>
             </a:r>
             <a:r>
               <a:rPr lang="it-IT" b="0" dirty="0"/>
@@ -5923,7 +7652,7 @@
             </a:r>
             <a:r>
               <a:rPr lang="it-IT" b="0" dirty="0" err="1"/>
-              <a:t>equals</a:t>
+              <a:t>equal</a:t>
             </a:r>
             <a:r>
               <a:rPr lang="it-IT" b="0" dirty="0"/>
@@ -6087,7 +7816,7 @@
         </p:blipFill>
         <p:spPr>
           <a:xfrm>
-            <a:off x="1143000" y="3282582"/>
+            <a:off x="1143000" y="3092705"/>
             <a:ext cx="9843868" cy="1781787"/>
           </a:xfrm>
           <a:prstGeom prst="rect">
@@ -6306,7 +8035,7 @@
           <p:nvPr/>
         </p:nvPicPr>
         <p:blipFill>
-          <a:blip r:embed="rId2"/>
+          <a:blip r:embed="rId3"/>
           <a:stretch>
             <a:fillRect/>
           </a:stretch>
@@ -6467,7 +8196,7 @@
           <p:nvPr/>
         </p:nvPicPr>
         <p:blipFill>
-          <a:blip r:embed="rId3"/>
+          <a:blip r:embed="rId4"/>
           <a:stretch>
             <a:fillRect/>
           </a:stretch>
@@ -6674,12 +8403,8 @@
           <a:lstStyle/>
           <a:p>
             <a:r>
-              <a:rPr lang="it-IT" dirty="0" err="1"/>
-              <a:t>Yet</a:t>
-            </a:r>
-            <a:r>
-              <a:rPr lang="it-IT" dirty="0"/>
-              <a:t> with the simple </a:t>
+              <a:rPr lang="it-IT" dirty="0"/>
+              <a:t>With the simple </a:t>
             </a:r>
             <a:r>
               <a:rPr lang="it-IT" dirty="0" err="1"/>
@@ -7427,50 +9152,54 @@
             <a:endParaRPr lang="it-IT" dirty="0"/>
           </a:p>
           <a:p>
-            <a:pPr marL="0" indent="0">
+            <a:pPr marL="457200" lvl="1" indent="0">
               <a:buNone/>
             </a:pPr>
             <a:endParaRPr lang="it-IT" dirty="0"/>
           </a:p>
           <a:p>
-            <a:pPr lvl="1"/>
-            <a:r>
-              <a:rPr lang="it-IT" dirty="0" err="1"/>
-              <a:t>Also</a:t>
-            </a:r>
-            <a:r>
-              <a:rPr lang="it-IT" dirty="0"/>
-              <a:t> in </a:t>
-            </a:r>
-            <a:r>
-              <a:rPr lang="it-IT" dirty="0" err="1"/>
-              <a:t>this</a:t>
-            </a:r>
-            <a:r>
-              <a:rPr lang="it-IT" dirty="0"/>
-              <a:t> case, for the first </a:t>
-            </a:r>
-            <a:r>
-              <a:rPr lang="it-IT" dirty="0" err="1"/>
-              <a:t>episode</a:t>
-            </a:r>
-            <a:r>
-              <a:rPr lang="it-IT" dirty="0"/>
-              <a:t>, agent </a:t>
-            </a:r>
-            <a:r>
-              <a:rPr lang="it-IT" dirty="0" err="1"/>
-              <a:t>bumps</a:t>
-            </a:r>
-            <a:endParaRPr lang="it-IT" dirty="0"/>
-          </a:p>
-          <a:p>
             <a:pPr marL="457200" lvl="1" indent="0">
               <a:buNone/>
             </a:pPr>
             <a:r>
-              <a:rPr lang="it-IT" dirty="0"/>
-              <a:t>   </a:t>
+              <a:rPr lang="it-IT" dirty="0" err="1"/>
+              <a:t>Also</a:t>
+            </a:r>
+            <a:r>
+              <a:rPr lang="it-IT" dirty="0"/>
+              <a:t> in </a:t>
+            </a:r>
+            <a:r>
+              <a:rPr lang="it-IT" dirty="0" err="1"/>
+              <a:t>this</a:t>
+            </a:r>
+            <a:r>
+              <a:rPr lang="it-IT" dirty="0"/>
+              <a:t> case, for the first </a:t>
+            </a:r>
+            <a:r>
+              <a:rPr lang="it-IT" dirty="0" err="1"/>
+              <a:t>episode</a:t>
+            </a:r>
+            <a:r>
+              <a:rPr lang="it-IT" dirty="0"/>
+              <a:t> (and some </a:t>
+            </a:r>
+            <a:r>
+              <a:rPr lang="it-IT" dirty="0" err="1"/>
+              <a:t>other</a:t>
+            </a:r>
+            <a:r>
+              <a:rPr lang="it-IT" dirty="0"/>
+              <a:t>), agent </a:t>
+            </a:r>
+            <a:r>
+              <a:rPr lang="it-IT" dirty="0" err="1"/>
+              <a:t>bumps</a:t>
+            </a:r>
+            <a:r>
+              <a:rPr lang="it-IT" dirty="0"/>
+              <a:t> </a:t>
             </a:r>
             <a:r>
               <a:rPr lang="it-IT" dirty="0" err="1"/>
@@ -7510,16 +9239,7 @@
             </a:r>
             <a:r>
               <a:rPr lang="it-IT" dirty="0"/>
-              <a:t> </a:t>
-            </a:r>
-          </a:p>
-          <a:p>
-            <a:pPr marL="457200" lvl="1" indent="0">
-              <a:buNone/>
-            </a:pPr>
-            <a:r>
-              <a:rPr lang="it-IT" dirty="0"/>
-              <a:t>   Q-matrix</a:t>
+              <a:t>  Q-matrix</a:t>
             </a:r>
           </a:p>
           <a:p>
@@ -7582,8 +9302,8 @@
         </p:blipFill>
         <p:spPr>
           <a:xfrm>
-            <a:off x="9033436" y="681037"/>
-            <a:ext cx="2127080" cy="2948428"/>
+            <a:off x="5233182" y="480572"/>
+            <a:ext cx="3226338" cy="2348940"/>
           </a:xfrm>
           <a:prstGeom prst="rect">
             <a:avLst/>
@@ -7612,8 +9332,8 @@
         </p:blipFill>
         <p:spPr>
           <a:xfrm>
-            <a:off x="2924579" y="4028488"/>
-            <a:ext cx="8210080" cy="1725198"/>
+            <a:off x="1588147" y="3859677"/>
+            <a:ext cx="9252464" cy="1944236"/>
           </a:xfrm>
           <a:prstGeom prst="rect">
             <a:avLst/>
@@ -7694,7 +9414,7 @@
             </a:r>
             <a:r>
               <a:rPr lang="it-IT" dirty="0"/>
-              <a:t>, in </a:t>
+              <a:t> </a:t>
             </a:r>
             <a:r>
               <a:rPr lang="it-IT" dirty="0" err="1"/>
@@ -7706,33 +9426,12 @@
             </a:r>
             <a:r>
               <a:rPr lang="it-IT" dirty="0" err="1"/>
-              <a:t>specific</a:t>
-            </a:r>
-            <a:r>
-              <a:rPr lang="it-IT" dirty="0"/>
-              <a:t> </a:t>
-            </a:r>
-            <a:r>
-              <a:rPr lang="it-IT" dirty="0" err="1"/>
-              <a:t>run</a:t>
-            </a:r>
-            <a:r>
-              <a:rPr lang="it-IT" dirty="0"/>
-              <a:t>, </a:t>
-            </a:r>
-            <a:r>
-              <a:rPr lang="it-IT" dirty="0" err="1"/>
-              <a:t>this</a:t>
-            </a:r>
-            <a:r>
-              <a:rPr lang="it-IT" dirty="0"/>
-              <a:t> </a:t>
-            </a:r>
-            <a:r>
-              <a:rPr lang="it-IT" dirty="0" err="1"/>
               <a:t>result</a:t>
             </a:r>
-            <a:endParaRPr lang="it-IT" dirty="0"/>
+            <a:r>
+              <a:rPr lang="it-IT" dirty="0"/>
+              <a:t>:</a:t>
+            </a:r>
           </a:p>
           <a:p>
             <a:pPr marL="0" indent="0">
@@ -7999,7 +9698,7 @@
                 <a:ext cx="10515600" cy="5628323"/>
               </a:xfrm>
               <a:blipFill>
-                <a:blip r:embed="rId2"/>
+                <a:blip r:embed="rId3"/>
                 <a:stretch>
                   <a:fillRect l="-1043" t="-1733"/>
                 </a:stretch>
@@ -8035,7 +9734,7 @@
           <p:nvPr/>
         </p:nvPicPr>
         <p:blipFill>
-          <a:blip r:embed="rId3"/>
+          <a:blip r:embed="rId4"/>
           <a:stretch>
             <a:fillRect/>
           </a:stretch>
@@ -8105,7 +9804,7 @@
           <p:nvPr/>
         </p:nvPicPr>
         <p:blipFill>
-          <a:blip r:embed="rId4"/>
+          <a:blip r:embed="rId5"/>
           <a:stretch>
             <a:fillRect/>
           </a:stretch>
@@ -8348,6 +10047,493 @@
 </file>
 
 <file path=ppt/slides/slide23.xml><?xml version="1.0" encoding="utf-8"?>
+<p:sld xmlns:a="http://schemas.openxmlformats.org/drawingml/2006/main" xmlns:r="http://schemas.openxmlformats.org/officeDocument/2006/relationships" xmlns:p="http://schemas.openxmlformats.org/presentationml/2006/main">
+  <p:cSld>
+    <p:spTree>
+      <p:nvGrpSpPr>
+        <p:cNvPr id="1" name=""/>
+        <p:cNvGrpSpPr/>
+        <p:nvPr/>
+      </p:nvGrpSpPr>
+      <p:grpSpPr>
+        <a:xfrm>
+          <a:off x="0" y="0"/>
+          <a:ext cx="0" cy="0"/>
+          <a:chOff x="0" y="0"/>
+          <a:chExt cx="0" cy="0"/>
+        </a:xfrm>
+      </p:grpSpPr>
+      <p:sp>
+        <p:nvSpPr>
+          <p:cNvPr id="3" name="Segnaposto contenuto 2">
+            <a:extLst>
+              <a:ext uri="{FF2B5EF4-FFF2-40B4-BE49-F238E27FC236}">
+                <a16:creationId xmlns:a16="http://schemas.microsoft.com/office/drawing/2014/main" id="{D878D52D-5713-461E-984B-B049873DFFCC}"/>
+              </a:ext>
+            </a:extLst>
+          </p:cNvPr>
+          <p:cNvSpPr>
+            <a:spLocks noGrp="1"/>
+          </p:cNvSpPr>
+          <p:nvPr>
+            <p:ph idx="1"/>
+          </p:nvPr>
+        </p:nvSpPr>
+        <p:spPr>
+          <a:xfrm>
+            <a:off x="838200" y="618978"/>
+            <a:ext cx="10515600" cy="5557985"/>
+          </a:xfrm>
+        </p:spPr>
+        <p:txBody>
+          <a:bodyPr>
+            <a:normAutofit fontScale="77500" lnSpcReduction="20000"/>
+          </a:bodyPr>
+          <a:lstStyle/>
+          <a:p>
+            <a:r>
+              <a:rPr lang="it-IT" dirty="0" err="1"/>
+              <a:t>We’ve</a:t>
+            </a:r>
+            <a:r>
+              <a:rPr lang="it-IT" dirty="0"/>
+              <a:t> </a:t>
+            </a:r>
+            <a:r>
+              <a:rPr lang="it-IT" dirty="0" err="1"/>
+              <a:t>tried</a:t>
+            </a:r>
+            <a:r>
+              <a:rPr lang="it-IT" dirty="0"/>
+              <a:t> </a:t>
+            </a:r>
+            <a:r>
+              <a:rPr lang="it-IT" dirty="0" err="1"/>
+              <a:t>also</a:t>
+            </a:r>
+            <a:r>
+              <a:rPr lang="it-IT" dirty="0"/>
+              <a:t> to </a:t>
+            </a:r>
+            <a:r>
+              <a:rPr lang="it-IT" dirty="0" err="1"/>
+              <a:t>insert</a:t>
+            </a:r>
+            <a:r>
+              <a:rPr lang="it-IT" dirty="0"/>
+              <a:t> </a:t>
+            </a:r>
+            <a:r>
+              <a:rPr lang="it-IT" dirty="0" err="1"/>
+              <a:t>little</a:t>
+            </a:r>
+            <a:r>
+              <a:rPr lang="it-IT" dirty="0"/>
+              <a:t> reward </a:t>
+            </a:r>
+            <a:r>
+              <a:rPr lang="it-IT" dirty="0" err="1"/>
+              <a:t>along</a:t>
+            </a:r>
+            <a:r>
+              <a:rPr lang="it-IT" dirty="0"/>
+              <a:t> the way, like </a:t>
+            </a:r>
+            <a:r>
+              <a:rPr lang="it-IT" dirty="0" err="1"/>
+              <a:t>little</a:t>
+            </a:r>
+            <a:r>
+              <a:rPr lang="it-IT" dirty="0"/>
+              <a:t> cake, to </a:t>
+            </a:r>
+            <a:r>
+              <a:rPr lang="it-IT" dirty="0" err="1"/>
+              <a:t>encourage</a:t>
+            </a:r>
+            <a:r>
+              <a:rPr lang="it-IT" dirty="0"/>
+              <a:t> the agent to </a:t>
+            </a:r>
+            <a:r>
+              <a:rPr lang="it-IT" dirty="0" err="1"/>
+              <a:t>keep</a:t>
+            </a:r>
+            <a:r>
+              <a:rPr lang="it-IT" dirty="0"/>
+              <a:t> </a:t>
+            </a:r>
+            <a:r>
+              <a:rPr lang="it-IT" dirty="0" err="1"/>
+              <a:t>exploring</a:t>
+            </a:r>
+            <a:r>
+              <a:rPr lang="it-IT" dirty="0"/>
+              <a:t>. </a:t>
+            </a:r>
+            <a:r>
+              <a:rPr lang="it-IT" dirty="0" err="1"/>
+              <a:t>We</a:t>
+            </a:r>
+            <a:r>
+              <a:rPr lang="it-IT" dirty="0"/>
+              <a:t> </a:t>
+            </a:r>
+            <a:r>
+              <a:rPr lang="it-IT" dirty="0" err="1"/>
+              <a:t>did</a:t>
+            </a:r>
+            <a:r>
+              <a:rPr lang="it-IT" dirty="0"/>
+              <a:t> </a:t>
+            </a:r>
+            <a:r>
+              <a:rPr lang="it-IT" dirty="0" err="1"/>
+              <a:t>this</a:t>
+            </a:r>
+            <a:r>
+              <a:rPr lang="it-IT" dirty="0"/>
+              <a:t> in </a:t>
+            </a:r>
+            <a:r>
+              <a:rPr lang="it-IT" dirty="0" err="1"/>
+              <a:t>this</a:t>
+            </a:r>
+            <a:r>
+              <a:rPr lang="it-IT" dirty="0"/>
+              <a:t> way:</a:t>
+            </a:r>
+          </a:p>
+          <a:p>
+            <a:pPr marL="0" indent="0">
+              <a:buNone/>
+            </a:pPr>
+            <a:endParaRPr lang="it-IT" dirty="0"/>
+          </a:p>
+          <a:p>
+            <a:pPr marL="0" indent="0">
+              <a:buNone/>
+            </a:pPr>
+            <a:endParaRPr lang="it-IT" dirty="0"/>
+          </a:p>
+          <a:p>
+            <a:pPr marL="0" indent="0">
+              <a:buNone/>
+            </a:pPr>
+            <a:endParaRPr lang="it-IT" dirty="0"/>
+          </a:p>
+          <a:p>
+            <a:pPr marL="0" indent="0">
+              <a:buNone/>
+            </a:pPr>
+            <a:endParaRPr lang="it-IT" dirty="0"/>
+          </a:p>
+          <a:p>
+            <a:pPr marL="0" indent="0">
+              <a:buNone/>
+            </a:pPr>
+            <a:endParaRPr lang="it-IT" dirty="0"/>
+          </a:p>
+          <a:p>
+            <a:pPr marL="0" indent="0">
+              <a:buNone/>
+            </a:pPr>
+            <a:endParaRPr lang="it-IT" dirty="0"/>
+          </a:p>
+          <a:p>
+            <a:pPr marL="0" indent="0">
+              <a:buNone/>
+            </a:pPr>
+            <a:endParaRPr lang="it-IT" dirty="0"/>
+          </a:p>
+          <a:p>
+            <a:pPr marL="0" indent="0">
+              <a:buNone/>
+            </a:pPr>
+            <a:endParaRPr lang="it-IT" dirty="0"/>
+          </a:p>
+          <a:p>
+            <a:pPr marL="0" indent="0">
+              <a:buNone/>
+            </a:pPr>
+            <a:r>
+              <a:rPr lang="it-IT" dirty="0"/>
+              <a:t>Little reward </a:t>
+            </a:r>
+            <a:r>
+              <a:rPr lang="it-IT" dirty="0" err="1"/>
+              <a:t>is</a:t>
+            </a:r>
+            <a:r>
+              <a:rPr lang="it-IT" dirty="0"/>
+              <a:t> </a:t>
+            </a:r>
+            <a:r>
+              <a:rPr lang="it-IT" dirty="0" err="1"/>
+              <a:t>given</a:t>
+            </a:r>
+            <a:r>
+              <a:rPr lang="it-IT" dirty="0"/>
+              <a:t> </a:t>
+            </a:r>
+            <a:r>
+              <a:rPr lang="it-IT" dirty="0" err="1"/>
+              <a:t>when</a:t>
+            </a:r>
+            <a:r>
+              <a:rPr lang="it-IT" dirty="0"/>
+              <a:t> a </a:t>
+            </a:r>
+            <a:r>
+              <a:rPr lang="it-IT" dirty="0" err="1"/>
+              <a:t>little</a:t>
+            </a:r>
+            <a:r>
+              <a:rPr lang="it-IT" dirty="0"/>
+              <a:t> cake </a:t>
+            </a:r>
+            <a:r>
+              <a:rPr lang="it-IT" dirty="0" err="1"/>
+              <a:t>is</a:t>
+            </a:r>
+            <a:r>
+              <a:rPr lang="it-IT" dirty="0"/>
+              <a:t> </a:t>
+            </a:r>
+            <a:r>
+              <a:rPr lang="it-IT" dirty="0" err="1"/>
+              <a:t>eaten</a:t>
+            </a:r>
+            <a:r>
+              <a:rPr lang="it-IT" dirty="0"/>
+              <a:t>.</a:t>
+            </a:r>
+          </a:p>
+          <a:p>
+            <a:pPr marL="0" indent="0">
+              <a:buNone/>
+            </a:pPr>
+            <a:r>
+              <a:rPr lang="it-IT" dirty="0"/>
+              <a:t>BUT…</a:t>
+            </a:r>
+          </a:p>
+          <a:p>
+            <a:pPr marL="0" indent="0">
+              <a:buNone/>
+            </a:pPr>
+            <a:r>
+              <a:rPr lang="it-IT" dirty="0" err="1"/>
+              <a:t>We</a:t>
+            </a:r>
+            <a:r>
+              <a:rPr lang="it-IT" dirty="0"/>
+              <a:t> </a:t>
+            </a:r>
+            <a:r>
+              <a:rPr lang="it-IT" dirty="0" err="1"/>
+              <a:t>weren’t</a:t>
+            </a:r>
+            <a:r>
+              <a:rPr lang="it-IT" dirty="0"/>
+              <a:t> </a:t>
+            </a:r>
+            <a:r>
+              <a:rPr lang="it-IT" dirty="0" err="1"/>
+              <a:t>able</a:t>
+            </a:r>
+            <a:r>
+              <a:rPr lang="it-IT" dirty="0"/>
+              <a:t> to make agent so </a:t>
+            </a:r>
+            <a:r>
+              <a:rPr lang="it-IT" dirty="0" err="1"/>
+              <a:t>intelligent</a:t>
+            </a:r>
+            <a:r>
+              <a:rPr lang="it-IT" dirty="0"/>
+              <a:t> to know </a:t>
+            </a:r>
+            <a:r>
+              <a:rPr lang="it-IT" dirty="0" err="1"/>
+              <a:t>that</a:t>
+            </a:r>
+            <a:r>
+              <a:rPr lang="it-IT" dirty="0"/>
+              <a:t> he can </a:t>
+            </a:r>
+            <a:r>
+              <a:rPr lang="it-IT" dirty="0" err="1"/>
+              <a:t>found</a:t>
+            </a:r>
+            <a:r>
+              <a:rPr lang="it-IT" dirty="0"/>
+              <a:t> the </a:t>
+            </a:r>
+            <a:r>
+              <a:rPr lang="it-IT" dirty="0" err="1"/>
+              <a:t>bigger</a:t>
+            </a:r>
+            <a:r>
+              <a:rPr lang="it-IT" dirty="0"/>
+              <a:t> cake, </a:t>
+            </a:r>
+            <a:r>
+              <a:rPr lang="it-IT" dirty="0" err="1"/>
+              <a:t>without</a:t>
+            </a:r>
+            <a:r>
+              <a:rPr lang="it-IT" dirty="0"/>
+              <a:t> </a:t>
+            </a:r>
+            <a:r>
+              <a:rPr lang="it-IT" dirty="0" err="1"/>
+              <a:t>get</a:t>
+            </a:r>
+            <a:r>
+              <a:rPr lang="it-IT" dirty="0"/>
+              <a:t> </a:t>
+            </a:r>
+            <a:r>
+              <a:rPr lang="it-IT" dirty="0" err="1"/>
+              <a:t>stuck</a:t>
+            </a:r>
+            <a:r>
+              <a:rPr lang="it-IT" dirty="0"/>
+              <a:t> on </a:t>
+            </a:r>
+            <a:r>
+              <a:rPr lang="it-IT" dirty="0" err="1"/>
+              <a:t>little</a:t>
+            </a:r>
+            <a:r>
+              <a:rPr lang="it-IT" dirty="0"/>
+              <a:t> one.</a:t>
+            </a:r>
+          </a:p>
+          <a:p>
+            <a:pPr marL="0" indent="0">
+              <a:buNone/>
+            </a:pPr>
+            <a:r>
+              <a:rPr lang="it-IT" dirty="0" err="1"/>
+              <a:t>We</a:t>
+            </a:r>
+            <a:r>
+              <a:rPr lang="it-IT" dirty="0"/>
+              <a:t> </a:t>
+            </a:r>
+            <a:r>
+              <a:rPr lang="it-IT" dirty="0" err="1"/>
+              <a:t>try</a:t>
+            </a:r>
+            <a:r>
+              <a:rPr lang="it-IT" dirty="0"/>
+              <a:t> to delete the </a:t>
+            </a:r>
+            <a:r>
+              <a:rPr lang="it-IT" dirty="0" err="1"/>
+              <a:t>little</a:t>
+            </a:r>
+            <a:r>
+              <a:rPr lang="it-IT" dirty="0"/>
+              <a:t> cake once </a:t>
+            </a:r>
+            <a:r>
+              <a:rPr lang="it-IT" dirty="0" err="1"/>
+              <a:t>it</a:t>
+            </a:r>
+            <a:r>
+              <a:rPr lang="it-IT" dirty="0"/>
+              <a:t> </a:t>
+            </a:r>
+            <a:r>
+              <a:rPr lang="it-IT" dirty="0" err="1"/>
+              <a:t>was</a:t>
+            </a:r>
+            <a:r>
+              <a:rPr lang="it-IT" dirty="0"/>
+              <a:t> </a:t>
+            </a:r>
+            <a:r>
+              <a:rPr lang="it-IT" dirty="0" err="1"/>
+              <a:t>eaten</a:t>
+            </a:r>
+            <a:r>
+              <a:rPr lang="it-IT" dirty="0"/>
+              <a:t>, </a:t>
+            </a:r>
+            <a:r>
+              <a:rPr lang="it-IT" dirty="0" err="1"/>
+              <a:t>but</a:t>
+            </a:r>
+            <a:r>
+              <a:rPr lang="it-IT" dirty="0"/>
+              <a:t> </a:t>
+            </a:r>
+            <a:r>
+              <a:rPr lang="it-IT" dirty="0" err="1"/>
+              <a:t>this</a:t>
+            </a:r>
+            <a:r>
+              <a:rPr lang="it-IT" dirty="0"/>
+              <a:t> VIOLATES the Markov </a:t>
+            </a:r>
+            <a:r>
+              <a:rPr lang="it-IT" dirty="0" err="1"/>
+              <a:t>Property</a:t>
+            </a:r>
+            <a:r>
+              <a:rPr lang="it-IT" dirty="0"/>
+              <a:t>.</a:t>
+            </a:r>
+          </a:p>
+        </p:txBody>
+      </p:sp>
+      <p:pic>
+        <p:nvPicPr>
+          <p:cNvPr id="4" name="Immagine 3">
+            <a:extLst>
+              <a:ext uri="{FF2B5EF4-FFF2-40B4-BE49-F238E27FC236}">
+                <a16:creationId xmlns:a16="http://schemas.microsoft.com/office/drawing/2014/main" id="{263F97D7-B911-4CC2-84E3-10313E55B71B}"/>
+              </a:ext>
+            </a:extLst>
+          </p:cNvPr>
+          <p:cNvPicPr>
+            <a:picLocks noChangeAspect="1"/>
+          </p:cNvPicPr>
+          <p:nvPr/>
+        </p:nvPicPr>
+        <p:blipFill>
+          <a:blip r:embed="rId2"/>
+          <a:stretch>
+            <a:fillRect/>
+          </a:stretch>
+        </p:blipFill>
+        <p:spPr>
+          <a:xfrm>
+            <a:off x="2930769" y="1184691"/>
+            <a:ext cx="6330462" cy="2836842"/>
+          </a:xfrm>
+          <a:prstGeom prst="rect">
+            <a:avLst/>
+          </a:prstGeom>
+        </p:spPr>
+      </p:pic>
+    </p:spTree>
+    <p:extLst>
+      <p:ext uri="{BB962C8B-B14F-4D97-AF65-F5344CB8AC3E}">
+        <p14:creationId xmlns:p14="http://schemas.microsoft.com/office/powerpoint/2010/main" val="3131718867"/>
+      </p:ext>
+    </p:extLst>
+  </p:cSld>
+  <p:clrMapOvr>
+    <a:masterClrMapping/>
+  </p:clrMapOvr>
+</p:sld>
+</file>
+
+<file path=ppt/slides/slide24.xml><?xml version="1.0" encoding="utf-8"?>
 <p:sld xmlns:a="http://schemas.openxmlformats.org/drawingml/2006/main" xmlns:r="http://schemas.openxmlformats.org/officeDocument/2006/relationships" xmlns:p="http://schemas.openxmlformats.org/presentationml/2006/main">
   <p:cSld>
     <p:bg>
@@ -8372,820 +10558,6 @@
           <a:chExt cx="0" cy="0"/>
         </a:xfrm>
       </p:grpSpPr>
-      <p:cxnSp>
-        <p:nvCxnSpPr>
-          <p:cNvPr id="21" name="Straight Connector 20">
-            <a:extLst>
-              <a:ext uri="{FF2B5EF4-FFF2-40B4-BE49-F238E27FC236}">
-                <a16:creationId xmlns:a16="http://schemas.microsoft.com/office/drawing/2014/main" id="{DB146403-F3D6-484B-B2ED-97F9565D0370}"/>
-              </a:ext>
-              <a:ext uri="{C183D7F6-B498-43B3-948B-1728B52AA6E4}">
-                <adec:decorative xmlns:adec="http://schemas.microsoft.com/office/drawing/2017/decorative" val="1"/>
-              </a:ext>
-            </a:extLst>
-          </p:cNvPr>
-          <p:cNvCxnSpPr>
-            <a:cxnSpLocks noGrp="1" noRot="1" noChangeAspect="1" noMove="1" noResize="1" noEditPoints="1" noAdjustHandles="1" noChangeArrowheads="1" noChangeShapeType="1"/>
-          </p:cNvCxnSpPr>
-          <p:nvPr>
-            <p:extLst>
-              <p:ext uri="{386F3935-93C4-4BCD-93E2-E3B085C9AB24}">
-                <p16:designElem xmlns:p16="http://schemas.microsoft.com/office/powerpoint/2015/main" val="1"/>
-              </p:ext>
-            </p:extLst>
-          </p:nvPr>
-        </p:nvCxnSpPr>
-        <p:spPr>
-          <a:xfrm>
-            <a:off x="6096000" y="477749"/>
-            <a:ext cx="0" cy="3657600"/>
-          </a:xfrm>
-          <a:prstGeom prst="line">
-            <a:avLst/>
-          </a:prstGeom>
-          <a:ln w="101600" cmpd="dbl">
-            <a:solidFill>
-              <a:srgbClr val="595959"/>
-            </a:solidFill>
-          </a:ln>
-        </p:spPr>
-        <p:style>
-          <a:lnRef idx="1">
-            <a:schemeClr val="accent1"/>
-          </a:lnRef>
-          <a:fillRef idx="0">
-            <a:schemeClr val="accent1"/>
-          </a:fillRef>
-          <a:effectRef idx="0">
-            <a:schemeClr val="accent1"/>
-          </a:effectRef>
-          <a:fontRef idx="minor">
-            <a:schemeClr val="tx1"/>
-          </a:fontRef>
-        </p:style>
-      </p:cxnSp>
-      <p:sp>
-        <p:nvSpPr>
-          <p:cNvPr id="23" name="Rectangle 22">
-            <a:extLst>
-              <a:ext uri="{FF2B5EF4-FFF2-40B4-BE49-F238E27FC236}">
-                <a16:creationId xmlns:a16="http://schemas.microsoft.com/office/drawing/2014/main" id="{823AC064-BC96-4F32-8AE1-B2FD38754823}"/>
-              </a:ext>
-              <a:ext uri="{C183D7F6-B498-43B3-948B-1728B52AA6E4}">
-                <adec:decorative xmlns:adec="http://schemas.microsoft.com/office/drawing/2017/decorative" val="1"/>
-              </a:ext>
-            </a:extLst>
-          </p:cNvPr>
-          <p:cNvSpPr>
-            <a:spLocks noGrp="1" noRot="1" noChangeAspect="1" noMove="1" noResize="1" noEditPoints="1" noAdjustHandles="1" noChangeArrowheads="1" noChangeShapeType="1" noTextEdit="1"/>
-          </p:cNvSpPr>
-          <p:nvPr>
-            <p:extLst>
-              <p:ext uri="{386F3935-93C4-4BCD-93E2-E3B085C9AB24}">
-                <p16:designElem xmlns:p16="http://schemas.microsoft.com/office/powerpoint/2015/main" val="1"/>
-              </p:ext>
-            </p:extLst>
-          </p:nvPr>
-        </p:nvSpPr>
-        <p:spPr bwMode="ltGray">
-          <a:xfrm>
-            <a:off x="378068" y="4633546"/>
-            <a:ext cx="11438793" cy="1844256"/>
-          </a:xfrm>
-          <a:prstGeom prst="rect">
-            <a:avLst/>
-          </a:prstGeom>
-          <a:solidFill>
-            <a:srgbClr val="404040"/>
-          </a:solidFill>
-          <a:ln w="127000" cap="sq" cmpd="thinThick">
-            <a:solidFill>
-              <a:srgbClr val="404040"/>
-            </a:solidFill>
-          </a:ln>
-        </p:spPr>
-        <p:style>
-          <a:lnRef idx="2">
-            <a:schemeClr val="accent1">
-              <a:shade val="50000"/>
-            </a:schemeClr>
-          </a:lnRef>
-          <a:fillRef idx="1">
-            <a:schemeClr val="accent1"/>
-          </a:fillRef>
-          <a:effectRef idx="0">
-            <a:schemeClr val="accent1"/>
-          </a:effectRef>
-          <a:fontRef idx="minor">
-            <a:schemeClr val="lt1"/>
-          </a:fontRef>
-        </p:style>
-        <p:txBody>
-          <a:bodyPr rtlCol="0" anchor="ctr"/>
-          <a:lstStyle/>
-          <a:p>
-            <a:pPr algn="ctr"/>
-            <a:endParaRPr lang="en-US"/>
-          </a:p>
-        </p:txBody>
-      </p:sp>
-      <p:sp>
-        <p:nvSpPr>
-          <p:cNvPr id="5" name="CasellaDiTesto 4">
-            <a:extLst>
-              <a:ext uri="{FF2B5EF4-FFF2-40B4-BE49-F238E27FC236}">
-                <a16:creationId xmlns:a16="http://schemas.microsoft.com/office/drawing/2014/main" id="{E8E11B47-AF0B-4BB8-A4DF-8E2E389A382F}"/>
-              </a:ext>
-            </a:extLst>
-          </p:cNvPr>
-          <p:cNvSpPr txBox="1"/>
-          <p:nvPr/>
-        </p:nvSpPr>
-        <p:spPr>
-          <a:xfrm>
-            <a:off x="527538" y="4756638"/>
-            <a:ext cx="11139854" cy="930447"/>
-          </a:xfrm>
-          <a:prstGeom prst="rect">
-            <a:avLst/>
-          </a:prstGeom>
-        </p:spPr>
-        <p:txBody>
-          <a:bodyPr vert="horz" lIns="91440" tIns="45720" rIns="91440" bIns="45720" rtlCol="0" anchor="b">
-            <a:normAutofit/>
-          </a:bodyPr>
-          <a:lstStyle/>
-          <a:p>
-            <a:pPr algn="ctr">
-              <a:lnSpc>
-                <a:spcPct val="90000"/>
-              </a:lnSpc>
-              <a:spcBef>
-                <a:spcPct val="0"/>
-              </a:spcBef>
-              <a:spcAft>
-                <a:spcPts val="600"/>
-              </a:spcAft>
-            </a:pPr>
-            <a:r>
-              <a:rPr lang="en-US" sz="2600">
-                <a:solidFill>
-                  <a:srgbClr val="FFFFFF"/>
-                </a:solidFill>
-                <a:latin typeface="+mj-lt"/>
-                <a:ea typeface="+mj-ea"/>
-                <a:cs typeface="+mj-cs"/>
-              </a:rPr>
-              <a:t>In this case we have a complete randomization </a:t>
-            </a:r>
-          </a:p>
-          <a:p>
-            <a:pPr algn="ctr">
-              <a:lnSpc>
-                <a:spcPct val="90000"/>
-              </a:lnSpc>
-              <a:spcBef>
-                <a:spcPct val="0"/>
-              </a:spcBef>
-              <a:spcAft>
-                <a:spcPts val="600"/>
-              </a:spcAft>
-            </a:pPr>
-            <a:r>
-              <a:rPr lang="en-US" sz="2600">
-                <a:solidFill>
-                  <a:srgbClr val="FFFFFF"/>
-                </a:solidFill>
-                <a:latin typeface="+mj-lt"/>
-                <a:ea typeface="+mj-ea"/>
-                <a:cs typeface="+mj-cs"/>
-              </a:rPr>
-              <a:t>of the action choice.</a:t>
-            </a:r>
-          </a:p>
-        </p:txBody>
-      </p:sp>
-      <p:pic>
-        <p:nvPicPr>
-          <p:cNvPr id="9" name="Segnaposto contenuto 3">
-            <a:extLst>
-              <a:ext uri="{FF2B5EF4-FFF2-40B4-BE49-F238E27FC236}">
-                <a16:creationId xmlns:a16="http://schemas.microsoft.com/office/drawing/2014/main" id="{714901DA-9E86-49EF-BC2A-75AB66A08364}"/>
-              </a:ext>
-            </a:extLst>
-          </p:cNvPr>
-          <p:cNvPicPr>
-            <a:picLocks noChangeAspect="1"/>
-          </p:cNvPicPr>
-          <p:nvPr/>
-        </p:nvPicPr>
-        <p:blipFill>
-          <a:blip r:embed="rId2"/>
-          <a:stretch>
-            <a:fillRect/>
-          </a:stretch>
-        </p:blipFill>
-        <p:spPr>
-          <a:xfrm>
-            <a:off x="443674" y="307731"/>
-            <a:ext cx="5208648" cy="3997637"/>
-          </a:xfrm>
-          <a:prstGeom prst="rect">
-            <a:avLst/>
-          </a:prstGeom>
-        </p:spPr>
-      </p:pic>
-      <p:pic>
-        <p:nvPicPr>
-          <p:cNvPr id="6" name="Immagine 5">
-            <a:extLst>
-              <a:ext uri="{FF2B5EF4-FFF2-40B4-BE49-F238E27FC236}">
-                <a16:creationId xmlns:a16="http://schemas.microsoft.com/office/drawing/2014/main" id="{E0906B8B-38E9-474C-B39B-8D6247F1EA62}"/>
-              </a:ext>
-            </a:extLst>
-          </p:cNvPr>
-          <p:cNvPicPr>
-            <a:picLocks noChangeAspect="1"/>
-          </p:cNvPicPr>
-          <p:nvPr/>
-        </p:nvPicPr>
-        <p:blipFill>
-          <a:blip r:embed="rId3"/>
-          <a:stretch>
-            <a:fillRect/>
-          </a:stretch>
-        </p:blipFill>
-        <p:spPr>
-          <a:xfrm>
-            <a:off x="6513977" y="307731"/>
-            <a:ext cx="5260049" cy="3997637"/>
-          </a:xfrm>
-          <a:prstGeom prst="rect">
-            <a:avLst/>
-          </a:prstGeom>
-        </p:spPr>
-      </p:pic>
-      <p:cxnSp>
-        <p:nvCxnSpPr>
-          <p:cNvPr id="25" name="Straight Connector 24">
-            <a:extLst>
-              <a:ext uri="{FF2B5EF4-FFF2-40B4-BE49-F238E27FC236}">
-                <a16:creationId xmlns:a16="http://schemas.microsoft.com/office/drawing/2014/main" id="{7E7C77BC-7138-40B1-A15B-20F57A494629}"/>
-              </a:ext>
-              <a:ext uri="{C183D7F6-B498-43B3-948B-1728B52AA6E4}">
-                <adec:decorative xmlns:adec="http://schemas.microsoft.com/office/drawing/2017/decorative" val="1"/>
-              </a:ext>
-            </a:extLst>
-          </p:cNvPr>
-          <p:cNvCxnSpPr>
-            <a:cxnSpLocks noGrp="1" noRot="1" noChangeAspect="1" noMove="1" noResize="1" noEditPoints="1" noAdjustHandles="1" noChangeArrowheads="1" noChangeShapeType="1"/>
-          </p:cNvCxnSpPr>
-          <p:nvPr>
-            <p:extLst>
-              <p:ext uri="{386F3935-93C4-4BCD-93E2-E3B085C9AB24}">
-                <p16:designElem xmlns:p16="http://schemas.microsoft.com/office/powerpoint/2015/main" val="1"/>
-              </p:ext>
-            </p:extLst>
-          </p:nvPr>
-        </p:nvCxnSpPr>
-        <p:spPr>
-          <a:xfrm>
-            <a:off x="2209800" y="5738691"/>
-            <a:ext cx="7772400" cy="0"/>
-          </a:xfrm>
-          <a:prstGeom prst="line">
-            <a:avLst/>
-          </a:prstGeom>
-          <a:ln w="22225">
-            <a:solidFill>
-              <a:srgbClr val="D9D9D9"/>
-            </a:solidFill>
-          </a:ln>
-        </p:spPr>
-        <p:style>
-          <a:lnRef idx="1">
-            <a:schemeClr val="accent1"/>
-          </a:lnRef>
-          <a:fillRef idx="0">
-            <a:schemeClr val="accent1"/>
-          </a:fillRef>
-          <a:effectRef idx="0">
-            <a:schemeClr val="accent1"/>
-          </a:effectRef>
-          <a:fontRef idx="minor">
-            <a:schemeClr val="tx1"/>
-          </a:fontRef>
-        </p:style>
-      </p:cxnSp>
-    </p:spTree>
-    <p:extLst>
-      <p:ext uri="{BB962C8B-B14F-4D97-AF65-F5344CB8AC3E}">
-        <p14:creationId xmlns:p14="http://schemas.microsoft.com/office/powerpoint/2010/main" val="269996310"/>
-      </p:ext>
-    </p:extLst>
-  </p:cSld>
-  <p:clrMapOvr>
-    <a:masterClrMapping/>
-  </p:clrMapOvr>
-</p:sld>
-</file>
-
-<file path=ppt/slides/slide24.xml><?xml version="1.0" encoding="utf-8"?>
-<p:sld xmlns:a="http://schemas.openxmlformats.org/drawingml/2006/main" xmlns:r="http://schemas.openxmlformats.org/officeDocument/2006/relationships" xmlns:p="http://schemas.openxmlformats.org/presentationml/2006/main">
-  <p:cSld>
-    <p:spTree>
-      <p:nvGrpSpPr>
-        <p:cNvPr id="1" name=""/>
-        <p:cNvGrpSpPr/>
-        <p:nvPr/>
-      </p:nvGrpSpPr>
-      <p:grpSpPr>
-        <a:xfrm>
-          <a:off x="0" y="0"/>
-          <a:ext cx="0" cy="0"/>
-          <a:chOff x="0" y="0"/>
-          <a:chExt cx="0" cy="0"/>
-        </a:xfrm>
-      </p:grpSpPr>
-      <p:sp>
-        <p:nvSpPr>
-          <p:cNvPr id="3" name="Segnaposto contenuto 2">
-            <a:extLst>
-              <a:ext uri="{FF2B5EF4-FFF2-40B4-BE49-F238E27FC236}">
-                <a16:creationId xmlns:a16="http://schemas.microsoft.com/office/drawing/2014/main" id="{D878D52D-5713-461E-984B-B049873DFFCC}"/>
-              </a:ext>
-            </a:extLst>
-          </p:cNvPr>
-          <p:cNvSpPr>
-            <a:spLocks noGrp="1"/>
-          </p:cNvSpPr>
-          <p:nvPr>
-            <p:ph idx="1"/>
-          </p:nvPr>
-        </p:nvSpPr>
-        <p:spPr>
-          <a:xfrm>
-            <a:off x="838200" y="618978"/>
-            <a:ext cx="10515600" cy="5557985"/>
-          </a:xfrm>
-        </p:spPr>
-        <p:txBody>
-          <a:bodyPr>
-            <a:normAutofit fontScale="77500" lnSpcReduction="20000"/>
-          </a:bodyPr>
-          <a:lstStyle/>
-          <a:p>
-            <a:r>
-              <a:rPr lang="it-IT" dirty="0" err="1"/>
-              <a:t>We’ve</a:t>
-            </a:r>
-            <a:r>
-              <a:rPr lang="it-IT" dirty="0"/>
-              <a:t> </a:t>
-            </a:r>
-            <a:r>
-              <a:rPr lang="it-IT" dirty="0" err="1"/>
-              <a:t>tried</a:t>
-            </a:r>
-            <a:r>
-              <a:rPr lang="it-IT" dirty="0"/>
-              <a:t> </a:t>
-            </a:r>
-            <a:r>
-              <a:rPr lang="it-IT" dirty="0" err="1"/>
-              <a:t>also</a:t>
-            </a:r>
-            <a:r>
-              <a:rPr lang="it-IT" dirty="0"/>
-              <a:t> to </a:t>
-            </a:r>
-            <a:r>
-              <a:rPr lang="it-IT" dirty="0" err="1"/>
-              <a:t>insert</a:t>
-            </a:r>
-            <a:r>
-              <a:rPr lang="it-IT" dirty="0"/>
-              <a:t> </a:t>
-            </a:r>
-            <a:r>
-              <a:rPr lang="it-IT" dirty="0" err="1"/>
-              <a:t>little</a:t>
-            </a:r>
-            <a:r>
-              <a:rPr lang="it-IT" dirty="0"/>
-              <a:t> reward </a:t>
-            </a:r>
-            <a:r>
-              <a:rPr lang="it-IT" dirty="0" err="1"/>
-              <a:t>along</a:t>
-            </a:r>
-            <a:r>
-              <a:rPr lang="it-IT" dirty="0"/>
-              <a:t> the way, like </a:t>
-            </a:r>
-            <a:r>
-              <a:rPr lang="it-IT" dirty="0" err="1"/>
-              <a:t>little</a:t>
-            </a:r>
-            <a:r>
-              <a:rPr lang="it-IT" dirty="0"/>
-              <a:t> cake, to </a:t>
-            </a:r>
-            <a:r>
-              <a:rPr lang="it-IT" dirty="0" err="1"/>
-              <a:t>encourage</a:t>
-            </a:r>
-            <a:r>
-              <a:rPr lang="it-IT" dirty="0"/>
-              <a:t> the agent to </a:t>
-            </a:r>
-            <a:r>
-              <a:rPr lang="it-IT" dirty="0" err="1"/>
-              <a:t>keep</a:t>
-            </a:r>
-            <a:r>
-              <a:rPr lang="it-IT" dirty="0"/>
-              <a:t> </a:t>
-            </a:r>
-            <a:r>
-              <a:rPr lang="it-IT" dirty="0" err="1"/>
-              <a:t>exploring</a:t>
-            </a:r>
-            <a:r>
-              <a:rPr lang="it-IT" dirty="0"/>
-              <a:t>. </a:t>
-            </a:r>
-            <a:r>
-              <a:rPr lang="it-IT" dirty="0" err="1"/>
-              <a:t>We</a:t>
-            </a:r>
-            <a:r>
-              <a:rPr lang="it-IT" dirty="0"/>
-              <a:t> </a:t>
-            </a:r>
-            <a:r>
-              <a:rPr lang="it-IT" dirty="0" err="1"/>
-              <a:t>did</a:t>
-            </a:r>
-            <a:r>
-              <a:rPr lang="it-IT" dirty="0"/>
-              <a:t> </a:t>
-            </a:r>
-            <a:r>
-              <a:rPr lang="it-IT" dirty="0" err="1"/>
-              <a:t>this</a:t>
-            </a:r>
-            <a:r>
-              <a:rPr lang="it-IT" dirty="0"/>
-              <a:t> in </a:t>
-            </a:r>
-            <a:r>
-              <a:rPr lang="it-IT" dirty="0" err="1"/>
-              <a:t>this</a:t>
-            </a:r>
-            <a:r>
-              <a:rPr lang="it-IT" dirty="0"/>
-              <a:t> way:</a:t>
-            </a:r>
-          </a:p>
-          <a:p>
-            <a:pPr marL="0" indent="0">
-              <a:buNone/>
-            </a:pPr>
-            <a:endParaRPr lang="it-IT" dirty="0"/>
-          </a:p>
-          <a:p>
-            <a:pPr marL="0" indent="0">
-              <a:buNone/>
-            </a:pPr>
-            <a:endParaRPr lang="it-IT" dirty="0"/>
-          </a:p>
-          <a:p>
-            <a:pPr marL="0" indent="0">
-              <a:buNone/>
-            </a:pPr>
-            <a:endParaRPr lang="it-IT" dirty="0"/>
-          </a:p>
-          <a:p>
-            <a:pPr marL="0" indent="0">
-              <a:buNone/>
-            </a:pPr>
-            <a:endParaRPr lang="it-IT" dirty="0"/>
-          </a:p>
-          <a:p>
-            <a:pPr marL="0" indent="0">
-              <a:buNone/>
-            </a:pPr>
-            <a:endParaRPr lang="it-IT" dirty="0"/>
-          </a:p>
-          <a:p>
-            <a:pPr marL="0" indent="0">
-              <a:buNone/>
-            </a:pPr>
-            <a:endParaRPr lang="it-IT" dirty="0"/>
-          </a:p>
-          <a:p>
-            <a:pPr marL="0" indent="0">
-              <a:buNone/>
-            </a:pPr>
-            <a:endParaRPr lang="it-IT" dirty="0"/>
-          </a:p>
-          <a:p>
-            <a:pPr marL="0" indent="0">
-              <a:buNone/>
-            </a:pPr>
-            <a:endParaRPr lang="it-IT" dirty="0"/>
-          </a:p>
-          <a:p>
-            <a:pPr marL="0" indent="0">
-              <a:buNone/>
-            </a:pPr>
-            <a:r>
-              <a:rPr lang="it-IT" dirty="0"/>
-              <a:t>Little reward </a:t>
-            </a:r>
-            <a:r>
-              <a:rPr lang="it-IT" dirty="0" err="1"/>
-              <a:t>is</a:t>
-            </a:r>
-            <a:r>
-              <a:rPr lang="it-IT" dirty="0"/>
-              <a:t> </a:t>
-            </a:r>
-            <a:r>
-              <a:rPr lang="it-IT" dirty="0" err="1"/>
-              <a:t>given</a:t>
-            </a:r>
-            <a:r>
-              <a:rPr lang="it-IT" dirty="0"/>
-              <a:t> </a:t>
-            </a:r>
-            <a:r>
-              <a:rPr lang="it-IT" dirty="0" err="1"/>
-              <a:t>when</a:t>
-            </a:r>
-            <a:r>
-              <a:rPr lang="it-IT" dirty="0"/>
-              <a:t> a </a:t>
-            </a:r>
-            <a:r>
-              <a:rPr lang="it-IT" dirty="0" err="1"/>
-              <a:t>little</a:t>
-            </a:r>
-            <a:r>
-              <a:rPr lang="it-IT" dirty="0"/>
-              <a:t> cake </a:t>
-            </a:r>
-            <a:r>
-              <a:rPr lang="it-IT" dirty="0" err="1"/>
-              <a:t>is</a:t>
-            </a:r>
-            <a:r>
-              <a:rPr lang="it-IT" dirty="0"/>
-              <a:t> </a:t>
-            </a:r>
-            <a:r>
-              <a:rPr lang="it-IT" dirty="0" err="1"/>
-              <a:t>eatean</a:t>
-            </a:r>
-            <a:r>
-              <a:rPr lang="it-IT" dirty="0"/>
-              <a:t>.</a:t>
-            </a:r>
-          </a:p>
-          <a:p>
-            <a:pPr marL="0" indent="0">
-              <a:buNone/>
-            </a:pPr>
-            <a:r>
-              <a:rPr lang="it-IT" dirty="0"/>
-              <a:t>BUT…</a:t>
-            </a:r>
-          </a:p>
-          <a:p>
-            <a:pPr marL="0" indent="0">
-              <a:buNone/>
-            </a:pPr>
-            <a:r>
-              <a:rPr lang="it-IT" dirty="0" err="1"/>
-              <a:t>We</a:t>
-            </a:r>
-            <a:r>
-              <a:rPr lang="it-IT" dirty="0"/>
-              <a:t> </a:t>
-            </a:r>
-            <a:r>
-              <a:rPr lang="it-IT" dirty="0" err="1"/>
-              <a:t>weren’t</a:t>
-            </a:r>
-            <a:r>
-              <a:rPr lang="it-IT" dirty="0"/>
-              <a:t> </a:t>
-            </a:r>
-            <a:r>
-              <a:rPr lang="it-IT" dirty="0" err="1"/>
-              <a:t>able</a:t>
-            </a:r>
-            <a:r>
-              <a:rPr lang="it-IT" dirty="0"/>
-              <a:t> to make agent so </a:t>
-            </a:r>
-            <a:r>
-              <a:rPr lang="it-IT" dirty="0" err="1"/>
-              <a:t>intelligent</a:t>
-            </a:r>
-            <a:r>
-              <a:rPr lang="it-IT" dirty="0"/>
-              <a:t> to know the he can </a:t>
-            </a:r>
-            <a:r>
-              <a:rPr lang="it-IT" dirty="0" err="1"/>
-              <a:t>found</a:t>
-            </a:r>
-            <a:r>
-              <a:rPr lang="it-IT" dirty="0"/>
-              <a:t> the </a:t>
-            </a:r>
-            <a:r>
-              <a:rPr lang="it-IT" dirty="0" err="1"/>
-              <a:t>bigger</a:t>
-            </a:r>
-            <a:r>
-              <a:rPr lang="it-IT" dirty="0"/>
-              <a:t> cake, </a:t>
-            </a:r>
-            <a:r>
-              <a:rPr lang="it-IT" dirty="0" err="1"/>
-              <a:t>without</a:t>
-            </a:r>
-            <a:r>
-              <a:rPr lang="it-IT" dirty="0"/>
-              <a:t> </a:t>
-            </a:r>
-            <a:r>
-              <a:rPr lang="it-IT" dirty="0" err="1"/>
-              <a:t>get</a:t>
-            </a:r>
-            <a:r>
-              <a:rPr lang="it-IT" dirty="0"/>
-              <a:t> stack on </a:t>
-            </a:r>
-            <a:r>
-              <a:rPr lang="it-IT" dirty="0" err="1"/>
-              <a:t>little</a:t>
-            </a:r>
-            <a:r>
-              <a:rPr lang="it-IT" dirty="0"/>
-              <a:t> one.</a:t>
-            </a:r>
-          </a:p>
-          <a:p>
-            <a:pPr marL="0" indent="0">
-              <a:buNone/>
-            </a:pPr>
-            <a:r>
-              <a:rPr lang="it-IT" dirty="0" err="1"/>
-              <a:t>We</a:t>
-            </a:r>
-            <a:r>
-              <a:rPr lang="it-IT" dirty="0"/>
-              <a:t> </a:t>
-            </a:r>
-            <a:r>
-              <a:rPr lang="it-IT" dirty="0" err="1"/>
-              <a:t>try</a:t>
-            </a:r>
-            <a:r>
-              <a:rPr lang="it-IT" dirty="0"/>
-              <a:t> to delete the </a:t>
-            </a:r>
-            <a:r>
-              <a:rPr lang="it-IT" dirty="0" err="1"/>
-              <a:t>little</a:t>
-            </a:r>
-            <a:r>
-              <a:rPr lang="it-IT" dirty="0"/>
-              <a:t> cake once </a:t>
-            </a:r>
-            <a:r>
-              <a:rPr lang="it-IT" dirty="0" err="1"/>
-              <a:t>it</a:t>
-            </a:r>
-            <a:r>
-              <a:rPr lang="it-IT" dirty="0"/>
-              <a:t> </a:t>
-            </a:r>
-            <a:r>
-              <a:rPr lang="it-IT" dirty="0" err="1"/>
-              <a:t>was</a:t>
-            </a:r>
-            <a:r>
-              <a:rPr lang="it-IT" dirty="0"/>
-              <a:t> </a:t>
-            </a:r>
-            <a:r>
-              <a:rPr lang="it-IT" dirty="0" err="1"/>
-              <a:t>eatean</a:t>
-            </a:r>
-            <a:r>
-              <a:rPr lang="it-IT" dirty="0"/>
-              <a:t>, </a:t>
-            </a:r>
-            <a:r>
-              <a:rPr lang="it-IT" dirty="0" err="1"/>
-              <a:t>but</a:t>
-            </a:r>
-            <a:r>
-              <a:rPr lang="it-IT" dirty="0"/>
-              <a:t> </a:t>
-            </a:r>
-            <a:r>
-              <a:rPr lang="it-IT" dirty="0" err="1"/>
-              <a:t>this</a:t>
-            </a:r>
-            <a:r>
-              <a:rPr lang="it-IT" dirty="0"/>
-              <a:t> VIOLATE the Markov </a:t>
-            </a:r>
-            <a:r>
-              <a:rPr lang="it-IT" dirty="0" err="1"/>
-              <a:t>Property</a:t>
-            </a:r>
-            <a:r>
-              <a:rPr lang="it-IT" dirty="0"/>
-              <a:t>.</a:t>
-            </a:r>
-          </a:p>
-        </p:txBody>
-      </p:sp>
-      <p:pic>
-        <p:nvPicPr>
-          <p:cNvPr id="4" name="Immagine 3">
-            <a:extLst>
-              <a:ext uri="{FF2B5EF4-FFF2-40B4-BE49-F238E27FC236}">
-                <a16:creationId xmlns:a16="http://schemas.microsoft.com/office/drawing/2014/main" id="{263F97D7-B911-4CC2-84E3-10313E55B71B}"/>
-              </a:ext>
-            </a:extLst>
-          </p:cNvPr>
-          <p:cNvPicPr>
-            <a:picLocks noChangeAspect="1"/>
-          </p:cNvPicPr>
-          <p:nvPr/>
-        </p:nvPicPr>
-        <p:blipFill>
-          <a:blip r:embed="rId2"/>
-          <a:stretch>
-            <a:fillRect/>
-          </a:stretch>
-        </p:blipFill>
-        <p:spPr>
-          <a:xfrm>
-            <a:off x="2930769" y="1184691"/>
-            <a:ext cx="6330462" cy="2836842"/>
-          </a:xfrm>
-          <a:prstGeom prst="rect">
-            <a:avLst/>
-          </a:prstGeom>
-        </p:spPr>
-      </p:pic>
-    </p:spTree>
-    <p:extLst>
-      <p:ext uri="{BB962C8B-B14F-4D97-AF65-F5344CB8AC3E}">
-        <p14:creationId xmlns:p14="http://schemas.microsoft.com/office/powerpoint/2010/main" val="3131718867"/>
-      </p:ext>
-    </p:extLst>
-  </p:cSld>
-  <p:clrMapOvr>
-    <a:masterClrMapping/>
-  </p:clrMapOvr>
-</p:sld>
-</file>
-
-<file path=ppt/slides/slide25.xml><?xml version="1.0" encoding="utf-8"?>
-<p:sld xmlns:a="http://schemas.openxmlformats.org/drawingml/2006/main" xmlns:r="http://schemas.openxmlformats.org/officeDocument/2006/relationships" xmlns:p="http://schemas.openxmlformats.org/presentationml/2006/main">
-  <p:cSld>
-    <p:bg>
-      <p:bgPr>
-        <a:solidFill>
-          <a:schemeClr val="bg1"/>
-        </a:solidFill>
-        <a:effectLst/>
-      </p:bgPr>
-    </p:bg>
-    <p:spTree>
-      <p:nvGrpSpPr>
-        <p:cNvPr id="1" name=""/>
-        <p:cNvGrpSpPr/>
-        <p:nvPr/>
-      </p:nvGrpSpPr>
-      <p:grpSpPr>
-        <a:xfrm>
-          <a:off x="0" y="0"/>
-          <a:ext cx="0" cy="0"/>
-          <a:chOff x="0" y="0"/>
-          <a:chExt cx="0" cy="0"/>
-        </a:xfrm>
-      </p:grpSpPr>
       <p:sp>
         <p:nvSpPr>
           <p:cNvPr id="1028" name="Rectangle 70">
@@ -9320,8 +10692,8 @@
           </a:p>
         </p:txBody>
       </p:sp>
-      <mc:AlternateContent xmlns:mc="http://schemas.openxmlformats.org/markup-compatibility/2006" xmlns:a14="http://schemas.microsoft.com/office/drawing/2010/main">
-        <mc:Choice Requires="a14">
+      <mc:AlternateContent xmlns:mc="http://schemas.openxmlformats.org/markup-compatibility/2006">
+        <mc:Choice xmlns:a14="http://schemas.microsoft.com/office/drawing/2010/main" Requires="a14">
           <p:sp>
             <p:nvSpPr>
               <p:cNvPr id="3" name="Segnaposto contenuto 2">
@@ -9443,7 +10815,7 @@
                         </a:solidFill>
                         <a:latin typeface="Cambria Math" panose="02040503050406030204" pitchFamily="18" charset="0"/>
                       </a:rPr>
-                      <m:t>𝑝𝑎𝑟𝑡</m:t>
+                      <m:t>𝑝𝑎𝑟𝑡𝑠</m:t>
                     </m:r>
                   </m:oMath>
                 </a14:m>
@@ -9464,65 +10836,7 @@
                         </a:solidFill>
                         <a:latin typeface="Cambria Math" panose="02040503050406030204" pitchFamily="18" charset="0"/>
                       </a:rPr>
-                      <m:t>𝐸𝑥𝑝𝑒𝑟𝑖𝑚𝑒𝑛𝑡𝑎𝑙</m:t>
-                    </m:r>
-                    <m:r>
-                      <a:rPr lang="it-IT" sz="2000" b="0" i="1" smtClean="0">
-                        <a:solidFill>
-                          <a:schemeClr val="bg1"/>
-                        </a:solidFill>
-                        <a:latin typeface="Cambria Math" panose="02040503050406030204" pitchFamily="18" charset="0"/>
-                      </a:rPr>
-                      <m:t> </m:t>
-                    </m:r>
-                    <m:r>
-                      <a:rPr lang="it-IT" sz="2000" b="0" i="1" smtClean="0">
-                        <a:solidFill>
-                          <a:schemeClr val="bg1"/>
-                        </a:solidFill>
-                        <a:latin typeface="Cambria Math" panose="02040503050406030204" pitchFamily="18" charset="0"/>
-                      </a:rPr>
-                      <m:t>𝑠𝑒𝑡𝑢𝑝</m:t>
-                    </m:r>
-                  </m:oMath>
-                </a14:m>
-                <a:endParaRPr lang="it-IT" sz="2000" b="0" dirty="0">
-                  <a:solidFill>
-                    <a:schemeClr val="bg1"/>
-                  </a:solidFill>
-                </a:endParaRPr>
-              </a:p>
-              <a:p>
-                <a14:m>
-                  <m:oMath xmlns:m="http://schemas.openxmlformats.org/officeDocument/2006/math">
-                    <m:r>
-                      <a:rPr lang="it-IT" sz="2000" b="0" i="1" smtClean="0">
-                        <a:solidFill>
-                          <a:schemeClr val="bg1"/>
-                        </a:solidFill>
-                        <a:latin typeface="Cambria Math" panose="02040503050406030204" pitchFamily="18" charset="0"/>
-                      </a:rPr>
                       <m:t>𝑅𝑒𝑠𝑢𝑙𝑡</m:t>
-                    </m:r>
-                  </m:oMath>
-                </a14:m>
-                <a:endParaRPr lang="it-IT" sz="2000" b="0" dirty="0">
-                  <a:solidFill>
-                    <a:schemeClr val="bg1"/>
-                  </a:solidFill>
-                </a:endParaRPr>
-              </a:p>
-              <a:p>
-                <a14:m>
-                  <m:oMath xmlns:m="http://schemas.openxmlformats.org/officeDocument/2006/math">
-                    <m:r>
-                      <a:rPr lang="it-IT" sz="2000" b="0" i="1" smtClean="0">
-                        <a:solidFill>
-                          <a:schemeClr val="bg1"/>
-                        </a:solidFill>
-                        <a:latin typeface="Cambria Math" panose="02040503050406030204" pitchFamily="18" charset="0"/>
-                      </a:rPr>
-                      <m:t>𝐶𝑜𝑛𝑐𝑙𝑢𝑠𝑖𝑜𝑛</m:t>
                     </m:r>
                   </m:oMath>
                 </a14:m>
@@ -9595,7 +10909,7 @@
             </p:txBody>
           </p:sp>
         </mc:Choice>
-        <mc:Fallback xmlns="">
+        <mc:Fallback>
           <p:sp>
             <p:nvSpPr>
               <p:cNvPr id="3" name="Segnaposto contenuto 2">
@@ -9699,7 +11013,7 @@
 </p:sld>
 </file>
 
-<file path=ppt/slides/slide26.xml><?xml version="1.0" encoding="utf-8"?>
+<file path=ppt/slides/slide25.xml><?xml version="1.0" encoding="utf-8"?>
 <p:sld xmlns:a="http://schemas.openxmlformats.org/drawingml/2006/main" xmlns:r="http://schemas.openxmlformats.org/officeDocument/2006/relationships" xmlns:p="http://schemas.openxmlformats.org/presentationml/2006/main">
   <p:cSld>
     <p:spTree>
@@ -9979,6 +11293,510 @@
     <p:extLst>
       <p:ext uri="{BB962C8B-B14F-4D97-AF65-F5344CB8AC3E}">
         <p14:creationId xmlns:p14="http://schemas.microsoft.com/office/powerpoint/2010/main" val="1905542170"/>
+      </p:ext>
+    </p:extLst>
+  </p:cSld>
+  <p:clrMapOvr>
+    <a:masterClrMapping/>
+  </p:clrMapOvr>
+</p:sld>
+</file>
+
+<file path=ppt/slides/slide26.xml><?xml version="1.0" encoding="utf-8"?>
+<p:sld xmlns:a="http://schemas.openxmlformats.org/drawingml/2006/main" xmlns:r="http://schemas.openxmlformats.org/officeDocument/2006/relationships" xmlns:p="http://schemas.openxmlformats.org/presentationml/2006/main">
+  <p:cSld>
+    <p:bg>
+      <p:bgPr>
+        <a:solidFill>
+          <a:schemeClr val="bg1"/>
+        </a:solidFill>
+        <a:effectLst/>
+      </p:bgPr>
+    </p:bg>
+    <p:spTree>
+      <p:nvGrpSpPr>
+        <p:cNvPr id="1" name=""/>
+        <p:cNvGrpSpPr/>
+        <p:nvPr/>
+      </p:nvGrpSpPr>
+      <p:grpSpPr>
+        <a:xfrm>
+          <a:off x="0" y="0"/>
+          <a:ext cx="0" cy="0"/>
+          <a:chOff x="0" y="0"/>
+          <a:chExt cx="0" cy="0"/>
+        </a:xfrm>
+      </p:grpSpPr>
+      <p:sp>
+        <p:nvSpPr>
+          <p:cNvPr id="2" name="Titolo 1">
+            <a:extLst>
+              <a:ext uri="{FF2B5EF4-FFF2-40B4-BE49-F238E27FC236}">
+                <a16:creationId xmlns:a16="http://schemas.microsoft.com/office/drawing/2014/main" id="{AAE69284-7676-4D36-94CC-AC9F98B25151}"/>
+              </a:ext>
+            </a:extLst>
+          </p:cNvPr>
+          <p:cNvSpPr>
+            <a:spLocks noGrp="1"/>
+          </p:cNvSpPr>
+          <p:nvPr>
+            <p:ph type="title"/>
+          </p:nvPr>
+        </p:nvSpPr>
+        <p:spPr>
+          <a:xfrm>
+            <a:off x="1524000" y="5652843"/>
+            <a:ext cx="9144000" cy="1099845"/>
+          </a:xfrm>
+        </p:spPr>
+        <p:txBody>
+          <a:bodyPr vert="horz" lIns="91440" tIns="45720" rIns="91440" bIns="45720" rtlCol="0" anchor="b">
+            <a:normAutofit fontScale="90000"/>
+          </a:bodyPr>
+          <a:lstStyle/>
+          <a:p>
+            <a:pPr algn="ctr"/>
+            <a:br>
+              <a:rPr lang="en-US" sz="5100" dirty="0"/>
+            </a:br>
+            <a:br>
+              <a:rPr lang="en-US" sz="5100" dirty="0"/>
+            </a:br>
+            <a:br>
+              <a:rPr lang="en-US" sz="5100" dirty="0"/>
+            </a:br>
+            <a:r>
+              <a:rPr lang="en-US" sz="5100" dirty="0"/>
+              <a:t>Let’s increase the difficulty…</a:t>
+            </a:r>
+            <a:br>
+              <a:rPr lang="en-US" sz="5100" dirty="0"/>
+            </a:br>
+            <a:r>
+              <a:rPr lang="en-US" sz="5100" dirty="0"/>
+              <a:t>Single perceptron with </a:t>
+            </a:r>
+            <a:r>
+              <a:rPr lang="en-US" sz="5100" dirty="0" err="1"/>
+              <a:t>irisDataset</a:t>
+            </a:r>
+            <a:endParaRPr lang="en-US" sz="5100" dirty="0"/>
+          </a:p>
+        </p:txBody>
+      </p:sp>
+      <p:sp>
+        <p:nvSpPr>
+          <p:cNvPr id="54" name="Rectangle 20">
+            <a:extLst>
+              <a:ext uri="{FF2B5EF4-FFF2-40B4-BE49-F238E27FC236}">
+                <a16:creationId xmlns:a16="http://schemas.microsoft.com/office/drawing/2014/main" id="{DAE885FA-583E-488C-A3B2-2647B84A8162}"/>
+              </a:ext>
+              <a:ext uri="{C183D7F6-B498-43B3-948B-1728B52AA6E4}">
+                <adec:decorative xmlns:adec="http://schemas.microsoft.com/office/drawing/2017/decorative" val="1"/>
+              </a:ext>
+            </a:extLst>
+          </p:cNvPr>
+          <p:cNvSpPr>
+            <a:spLocks noGrp="1" noRot="1" noChangeAspect="1" noMove="1" noResize="1" noEditPoints="1" noAdjustHandles="1" noChangeArrowheads="1" noChangeShapeType="1" noTextEdit="1"/>
+          </p:cNvSpPr>
+          <p:nvPr>
+            <p:extLst>
+              <p:ext uri="{386F3935-93C4-4BCD-93E2-E3B085C9AB24}">
+                <p16:designElem xmlns:p16="http://schemas.microsoft.com/office/powerpoint/2015/main" val="1"/>
+              </p:ext>
+            </p:extLst>
+          </p:nvPr>
+        </p:nvSpPr>
+        <p:spPr>
+          <a:xfrm>
+            <a:off x="0" y="0"/>
+            <a:ext cx="12192000" cy="4572000"/>
+          </a:xfrm>
+          <a:prstGeom prst="rect">
+            <a:avLst/>
+          </a:prstGeom>
+          <a:solidFill>
+            <a:srgbClr val="7D615C"/>
+          </a:solidFill>
+          <a:ln>
+            <a:noFill/>
+          </a:ln>
+        </p:spPr>
+        <p:style>
+          <a:lnRef idx="2">
+            <a:schemeClr val="accent1">
+              <a:shade val="50000"/>
+            </a:schemeClr>
+          </a:lnRef>
+          <a:fillRef idx="1">
+            <a:schemeClr val="accent1"/>
+          </a:fillRef>
+          <a:effectRef idx="0">
+            <a:schemeClr val="accent1"/>
+          </a:effectRef>
+          <a:fontRef idx="minor">
+            <a:schemeClr val="lt1"/>
+          </a:fontRef>
+        </p:style>
+        <p:txBody>
+          <a:bodyPr rtlCol="0" anchor="ctr"/>
+          <a:lstStyle/>
+          <a:p>
+            <a:pPr algn="ctr"/>
+            <a:endParaRPr lang="en-US"/>
+          </a:p>
+        </p:txBody>
+      </p:sp>
+      <p:sp>
+        <p:nvSpPr>
+          <p:cNvPr id="23" name="Rounded Rectangle 26">
+            <a:extLst>
+              <a:ext uri="{FF2B5EF4-FFF2-40B4-BE49-F238E27FC236}">
+                <a16:creationId xmlns:a16="http://schemas.microsoft.com/office/drawing/2014/main" id="{87B1CEC7-C2CE-4440-A0F7-0BE6B3AADB72}"/>
+              </a:ext>
+              <a:ext uri="{C183D7F6-B498-43B3-948B-1728B52AA6E4}">
+                <adec:decorative xmlns:adec="http://schemas.microsoft.com/office/drawing/2017/decorative" val="1"/>
+              </a:ext>
+            </a:extLst>
+          </p:cNvPr>
+          <p:cNvSpPr>
+            <a:spLocks noGrp="1" noRot="1" noChangeAspect="1" noMove="1" noResize="1" noEditPoints="1" noAdjustHandles="1" noChangeArrowheads="1" noChangeShapeType="1" noTextEdit="1"/>
+          </p:cNvSpPr>
+          <p:nvPr>
+            <p:extLst>
+              <p:ext uri="{386F3935-93C4-4BCD-93E2-E3B085C9AB24}">
+                <p16:designElem xmlns:p16="http://schemas.microsoft.com/office/powerpoint/2015/main" val="1"/>
+              </p:ext>
+            </p:extLst>
+          </p:nvPr>
+        </p:nvSpPr>
+        <p:spPr>
+          <a:xfrm>
+            <a:off x="321564" y="320843"/>
+            <a:ext cx="5613569" cy="3930315"/>
+          </a:xfrm>
+          <a:prstGeom prst="roundRect">
+            <a:avLst>
+              <a:gd name="adj" fmla="val 0"/>
+            </a:avLst>
+          </a:prstGeom>
+          <a:solidFill>
+            <a:srgbClr val="FFFFFF"/>
+          </a:solidFill>
+          <a:ln w="9525">
+            <a:solidFill>
+              <a:srgbClr val="C8CACA"/>
+            </a:solidFill>
+          </a:ln>
+          <a:effectLst>
+            <a:outerShdw blurRad="57150" dist="19050" dir="5400000" algn="t" rotWithShape="0">
+              <a:prstClr val="black">
+                <a:alpha val="63000"/>
+              </a:prstClr>
+            </a:outerShdw>
+          </a:effectLst>
+        </p:spPr>
+        <p:style>
+          <a:lnRef idx="2">
+            <a:schemeClr val="accent1">
+              <a:shade val="50000"/>
+            </a:schemeClr>
+          </a:lnRef>
+          <a:fillRef idx="1">
+            <a:schemeClr val="accent1"/>
+          </a:fillRef>
+          <a:effectRef idx="0">
+            <a:schemeClr val="accent1"/>
+          </a:effectRef>
+          <a:fontRef idx="minor">
+            <a:schemeClr val="lt1"/>
+          </a:fontRef>
+        </p:style>
+        <p:txBody>
+          <a:bodyPr rtlCol="0" anchor="ctr"/>
+          <a:lstStyle/>
+          <a:p>
+            <a:pPr algn="ctr"/>
+            <a:endParaRPr lang="en-US"/>
+          </a:p>
+        </p:txBody>
+      </p:sp>
+      <p:pic>
+        <p:nvPicPr>
+          <p:cNvPr id="55" name="Segnaposto contenuto 4" descr="Immagine che contiene testo, mappa&#10;&#10;Descrizione generata automaticamente">
+            <a:extLst>
+              <a:ext uri="{FF2B5EF4-FFF2-40B4-BE49-F238E27FC236}">
+                <a16:creationId xmlns:a16="http://schemas.microsoft.com/office/drawing/2014/main" id="{1C345535-5CEB-41FA-ADA4-54B89240C42E}"/>
+              </a:ext>
+            </a:extLst>
+          </p:cNvPr>
+          <p:cNvPicPr>
+            <a:picLocks noGrp="1" noChangeAspect="1"/>
+          </p:cNvPicPr>
+          <p:nvPr>
+            <p:ph idx="1"/>
+          </p:nvPr>
+        </p:nvPicPr>
+        <p:blipFill>
+          <a:blip r:embed="rId2">
+            <a:extLst>
+              <a:ext uri="{28A0092B-C50C-407E-A947-70E740481C1C}">
+                <a14:useLocalDpi xmlns:a14="http://schemas.microsoft.com/office/drawing/2010/main" val="0"/>
+              </a:ext>
+            </a:extLst>
+          </a:blip>
+          <a:stretch>
+            <a:fillRect/>
+          </a:stretch>
+        </p:blipFill>
+        <p:spPr>
+          <a:xfrm>
+            <a:off x="1064498" y="640080"/>
+            <a:ext cx="4127699" cy="3291840"/>
+          </a:xfrm>
+          <a:prstGeom prst="rect">
+            <a:avLst/>
+          </a:prstGeom>
+        </p:spPr>
+      </p:pic>
+      <p:sp>
+        <p:nvSpPr>
+          <p:cNvPr id="25" name="Rounded Rectangle 16">
+            <a:extLst>
+              <a:ext uri="{FF2B5EF4-FFF2-40B4-BE49-F238E27FC236}">
+                <a16:creationId xmlns:a16="http://schemas.microsoft.com/office/drawing/2014/main" id="{7B0DBF0B-D7C2-4F15-94AE-315255824591}"/>
+              </a:ext>
+              <a:ext uri="{C183D7F6-B498-43B3-948B-1728B52AA6E4}">
+                <adec:decorative xmlns:adec="http://schemas.microsoft.com/office/drawing/2017/decorative" val="1"/>
+              </a:ext>
+            </a:extLst>
+          </p:cNvPr>
+          <p:cNvSpPr>
+            <a:spLocks noGrp="1" noRot="1" noChangeAspect="1" noMove="1" noResize="1" noEditPoints="1" noAdjustHandles="1" noChangeArrowheads="1" noChangeShapeType="1" noTextEdit="1"/>
+          </p:cNvSpPr>
+          <p:nvPr>
+            <p:extLst>
+              <p:ext uri="{386F3935-93C4-4BCD-93E2-E3B085C9AB24}">
+                <p16:designElem xmlns:p16="http://schemas.microsoft.com/office/powerpoint/2015/main" val="1"/>
+              </p:ext>
+            </p:extLst>
+          </p:nvPr>
+        </p:nvSpPr>
+        <p:spPr>
+          <a:xfrm>
+            <a:off x="6254749" y="320843"/>
+            <a:ext cx="5613569" cy="3930315"/>
+          </a:xfrm>
+          <a:prstGeom prst="roundRect">
+            <a:avLst>
+              <a:gd name="adj" fmla="val 0"/>
+            </a:avLst>
+          </a:prstGeom>
+          <a:solidFill>
+            <a:srgbClr val="FFFFFF"/>
+          </a:solidFill>
+          <a:ln w="9525">
+            <a:solidFill>
+              <a:srgbClr val="C8CACA"/>
+            </a:solidFill>
+          </a:ln>
+          <a:effectLst>
+            <a:outerShdw blurRad="57150" dist="19050" dir="5400000" algn="t" rotWithShape="0">
+              <a:prstClr val="black">
+                <a:alpha val="63000"/>
+              </a:prstClr>
+            </a:outerShdw>
+          </a:effectLst>
+        </p:spPr>
+        <p:style>
+          <a:lnRef idx="2">
+            <a:schemeClr val="accent1">
+              <a:shade val="50000"/>
+            </a:schemeClr>
+          </a:lnRef>
+          <a:fillRef idx="1">
+            <a:schemeClr val="accent1"/>
+          </a:fillRef>
+          <a:effectRef idx="0">
+            <a:schemeClr val="accent1"/>
+          </a:effectRef>
+          <a:fontRef idx="minor">
+            <a:schemeClr val="lt1"/>
+          </a:fontRef>
+        </p:style>
+        <p:txBody>
+          <a:bodyPr rtlCol="0" anchor="ctr"/>
+          <a:lstStyle/>
+          <a:p>
+            <a:pPr algn="ctr"/>
+            <a:endParaRPr lang="en-US"/>
+          </a:p>
+        </p:txBody>
+      </p:sp>
+      <p:pic>
+        <p:nvPicPr>
+          <p:cNvPr id="7" name="Immagine 6" descr="Immagine che contiene mappa&#10;&#10;Descrizione generata automaticamente">
+            <a:extLst>
+              <a:ext uri="{FF2B5EF4-FFF2-40B4-BE49-F238E27FC236}">
+                <a16:creationId xmlns:a16="http://schemas.microsoft.com/office/drawing/2014/main" id="{72FD80A2-F1BC-4E96-BF86-DF8C6D03EEEC}"/>
+              </a:ext>
+            </a:extLst>
+          </p:cNvPr>
+          <p:cNvPicPr>
+            <a:picLocks noChangeAspect="1"/>
+          </p:cNvPicPr>
+          <p:nvPr/>
+        </p:nvPicPr>
+        <p:blipFill>
+          <a:blip r:embed="rId3">
+            <a:extLst>
+              <a:ext uri="{28A0092B-C50C-407E-A947-70E740481C1C}">
+                <a14:useLocalDpi xmlns:a14="http://schemas.microsoft.com/office/drawing/2010/main" val="0"/>
+              </a:ext>
+            </a:extLst>
+          </a:blip>
+          <a:stretch>
+            <a:fillRect/>
+          </a:stretch>
+        </p:blipFill>
+        <p:spPr>
+          <a:xfrm>
+            <a:off x="6574365" y="974019"/>
+            <a:ext cx="4974336" cy="2623962"/>
+          </a:xfrm>
+          <a:prstGeom prst="rect">
+            <a:avLst/>
+          </a:prstGeom>
+        </p:spPr>
+      </p:pic>
+      <p:sp>
+        <p:nvSpPr>
+          <p:cNvPr id="8" name="CasellaDiTesto 7">
+            <a:extLst>
+              <a:ext uri="{FF2B5EF4-FFF2-40B4-BE49-F238E27FC236}">
+                <a16:creationId xmlns:a16="http://schemas.microsoft.com/office/drawing/2014/main" id="{5A3394B3-22E1-4398-AE04-7AED32966616}"/>
+              </a:ext>
+            </a:extLst>
+          </p:cNvPr>
+          <p:cNvSpPr txBox="1"/>
+          <p:nvPr/>
+        </p:nvSpPr>
+        <p:spPr>
+          <a:xfrm>
+            <a:off x="1107809" y="4651310"/>
+            <a:ext cx="4084388" cy="646331"/>
+          </a:xfrm>
+          <a:prstGeom prst="rect">
+            <a:avLst/>
+          </a:prstGeom>
+          <a:noFill/>
+        </p:spPr>
+        <p:txBody>
+          <a:bodyPr wrap="none" rtlCol="0">
+            <a:spAutoFit/>
+          </a:bodyPr>
+          <a:lstStyle/>
+          <a:p>
+            <a:pPr algn="ctr"/>
+            <a:r>
+              <a:rPr lang="it-IT" dirty="0"/>
+              <a:t>With 50 </a:t>
+            </a:r>
+            <a:r>
+              <a:rPr lang="it-IT" dirty="0" err="1"/>
+              <a:t>epochs</a:t>
+            </a:r>
+            <a:endParaRPr lang="it-IT" dirty="0"/>
+          </a:p>
+          <a:p>
+            <a:pPr algn="ctr"/>
+            <a:r>
+              <a:rPr lang="it-IT" dirty="0"/>
+              <a:t>One points of the dataset </a:t>
+            </a:r>
+            <a:r>
+              <a:rPr lang="it-IT" dirty="0" err="1"/>
+              <a:t>misclassificated</a:t>
+            </a:r>
+            <a:endParaRPr lang="it-IT" dirty="0"/>
+          </a:p>
+        </p:txBody>
+      </p:sp>
+      <p:sp>
+        <p:nvSpPr>
+          <p:cNvPr id="9" name="CasellaDiTesto 8">
+            <a:extLst>
+              <a:ext uri="{FF2B5EF4-FFF2-40B4-BE49-F238E27FC236}">
+                <a16:creationId xmlns:a16="http://schemas.microsoft.com/office/drawing/2014/main" id="{0FE9C343-8931-43C5-8B0B-C84BD22CABA2}"/>
+              </a:ext>
+            </a:extLst>
+          </p:cNvPr>
+          <p:cNvSpPr txBox="1"/>
+          <p:nvPr/>
+        </p:nvSpPr>
+        <p:spPr>
+          <a:xfrm>
+            <a:off x="6932459" y="4572000"/>
+            <a:ext cx="4258153" cy="923330"/>
+          </a:xfrm>
+          <a:prstGeom prst="rect">
+            <a:avLst/>
+          </a:prstGeom>
+          <a:noFill/>
+        </p:spPr>
+        <p:txBody>
+          <a:bodyPr wrap="none" rtlCol="0">
+            <a:spAutoFit/>
+          </a:bodyPr>
+          <a:lstStyle/>
+          <a:p>
+            <a:pPr algn="ctr"/>
+            <a:r>
+              <a:rPr lang="it-IT" dirty="0"/>
+              <a:t>With 1500 </a:t>
+            </a:r>
+            <a:r>
+              <a:rPr lang="it-IT" dirty="0" err="1"/>
+              <a:t>epochs</a:t>
+            </a:r>
+            <a:endParaRPr lang="it-IT" dirty="0"/>
+          </a:p>
+          <a:p>
+            <a:pPr algn="ctr"/>
+            <a:r>
+              <a:rPr lang="it-IT" dirty="0" err="1"/>
+              <a:t>All</a:t>
+            </a:r>
+            <a:r>
+              <a:rPr lang="it-IT" dirty="0"/>
+              <a:t> the points are </a:t>
+            </a:r>
+            <a:r>
+              <a:rPr lang="it-IT" dirty="0" err="1"/>
+              <a:t>correctly</a:t>
+            </a:r>
+            <a:r>
+              <a:rPr lang="it-IT" dirty="0"/>
+              <a:t> </a:t>
+            </a:r>
+            <a:r>
+              <a:rPr lang="it-IT" dirty="0" err="1"/>
+              <a:t>classified</a:t>
+            </a:r>
+            <a:r>
+              <a:rPr lang="it-IT" dirty="0"/>
+              <a:t> (YEAH)</a:t>
+            </a:r>
+          </a:p>
+          <a:p>
+            <a:endParaRPr lang="it-IT" dirty="0"/>
+          </a:p>
+        </p:txBody>
+      </p:sp>
+    </p:spTree>
+    <p:extLst>
+      <p:ext uri="{BB962C8B-B14F-4D97-AF65-F5344CB8AC3E}">
+        <p14:creationId xmlns:p14="http://schemas.microsoft.com/office/powerpoint/2010/main" val="3261572726"/>
       </p:ext>
     </p:extLst>
   </p:cSld>
@@ -10013,84 +11831,21 @@
           <a:chExt cx="0" cy="0"/>
         </a:xfrm>
       </p:grpSpPr>
-      <p:sp>
-        <p:nvSpPr>
-          <p:cNvPr id="2" name="Titolo 1">
-            <a:extLst>
-              <a:ext uri="{FF2B5EF4-FFF2-40B4-BE49-F238E27FC236}">
-                <a16:creationId xmlns:a16="http://schemas.microsoft.com/office/drawing/2014/main" id="{AAE69284-7676-4D36-94CC-AC9F98B25151}"/>
-              </a:ext>
-            </a:extLst>
-          </p:cNvPr>
-          <p:cNvSpPr>
-            <a:spLocks noGrp="1"/>
-          </p:cNvSpPr>
-          <p:nvPr>
-            <p:ph type="title"/>
-          </p:nvPr>
-        </p:nvSpPr>
-        <p:spPr>
-          <a:xfrm>
-            <a:off x="1524000" y="5652843"/>
-            <a:ext cx="9144000" cy="1099845"/>
-          </a:xfrm>
-        </p:spPr>
-        <p:txBody>
-          <a:bodyPr vert="horz" lIns="91440" tIns="45720" rIns="91440" bIns="45720" rtlCol="0" anchor="b">
-            <a:normAutofit fontScale="90000"/>
-          </a:bodyPr>
-          <a:lstStyle/>
-          <a:p>
-            <a:pPr algn="ctr"/>
-            <a:br>
-              <a:rPr lang="en-US" sz="5100" dirty="0"/>
-            </a:br>
-            <a:br>
-              <a:rPr lang="en-US" sz="5100" dirty="0"/>
-            </a:br>
-            <a:br>
-              <a:rPr lang="en-US" sz="5100" dirty="0"/>
-            </a:br>
-            <a:br>
-              <a:rPr lang="en-US" sz="5100" dirty="0"/>
-            </a:br>
-            <a:br>
-              <a:rPr lang="en-US" sz="5100" dirty="0"/>
-            </a:br>
-            <a:r>
-              <a:rPr lang="en-US" sz="5100" dirty="0"/>
-              <a:t>Let’s get harder…</a:t>
-            </a:r>
-            <a:br>
-              <a:rPr lang="en-US" sz="5100" dirty="0"/>
-            </a:br>
-            <a:r>
-              <a:rPr lang="en-US" sz="5100" dirty="0"/>
-              <a:t>Single perceptron with </a:t>
-            </a:r>
-            <a:r>
-              <a:rPr lang="en-US" sz="5100" dirty="0" err="1"/>
-              <a:t>irisDataset</a:t>
-            </a:r>
-            <a:endParaRPr lang="en-US" sz="5100" dirty="0"/>
-          </a:p>
-        </p:txBody>
-      </p:sp>
-      <p:sp>
-        <p:nvSpPr>
-          <p:cNvPr id="54" name="Rectangle 20">
-            <a:extLst>
-              <a:ext uri="{FF2B5EF4-FFF2-40B4-BE49-F238E27FC236}">
-                <a16:creationId xmlns:a16="http://schemas.microsoft.com/office/drawing/2014/main" id="{DAE885FA-583E-488C-A3B2-2647B84A8162}"/>
+      <p:cxnSp>
+        <p:nvCxnSpPr>
+          <p:cNvPr id="12" name="Straight Connector 11">
+            <a:extLst>
+              <a:ext uri="{FF2B5EF4-FFF2-40B4-BE49-F238E27FC236}">
+                <a16:creationId xmlns:a16="http://schemas.microsoft.com/office/drawing/2014/main" id="{DB146403-F3D6-484B-B2ED-97F9565D0370}"/>
               </a:ext>
               <a:ext uri="{C183D7F6-B498-43B3-948B-1728B52AA6E4}">
                 <adec:decorative xmlns:adec="http://schemas.microsoft.com/office/drawing/2017/decorative" val="1"/>
               </a:ext>
             </a:extLst>
           </p:cNvPr>
-          <p:cNvSpPr>
-            <a:spLocks noGrp="1" noRot="1" noChangeAspect="1" noMove="1" noResize="1" noEditPoints="1" noAdjustHandles="1" noChangeArrowheads="1" noChangeShapeType="1" noTextEdit="1"/>
-          </p:cNvSpPr>
+          <p:cNvCxnSpPr>
+            <a:cxnSpLocks noGrp="1" noRot="1" noChangeAspect="1" noMove="1" noResize="1" noEditPoints="1" noAdjustHandles="1" noChangeArrowheads="1" noChangeShapeType="1"/>
+          </p:cNvCxnSpPr>
           <p:nvPr>
             <p:extLst>
               <p:ext uri="{386F3935-93C4-4BCD-93E2-E3B085C9AB24}">
@@ -10098,20 +11853,74 @@
               </p:ext>
             </p:extLst>
           </p:nvPr>
-        </p:nvSpPr>
+        </p:nvCxnSpPr>
         <p:spPr>
           <a:xfrm>
-            <a:off x="0" y="0"/>
-            <a:ext cx="12192000" cy="4572000"/>
+            <a:off x="6096000" y="477749"/>
+            <a:ext cx="0" cy="3657600"/>
+          </a:xfrm>
+          <a:prstGeom prst="line">
+            <a:avLst/>
+          </a:prstGeom>
+          <a:ln w="101600" cmpd="dbl">
+            <a:solidFill>
+              <a:srgbClr val="595959"/>
+            </a:solidFill>
+          </a:ln>
+        </p:spPr>
+        <p:style>
+          <a:lnRef idx="1">
+            <a:schemeClr val="accent1"/>
+          </a:lnRef>
+          <a:fillRef idx="0">
+            <a:schemeClr val="accent1"/>
+          </a:fillRef>
+          <a:effectRef idx="0">
+            <a:schemeClr val="accent1"/>
+          </a:effectRef>
+          <a:fontRef idx="minor">
+            <a:schemeClr val="tx1"/>
+          </a:fontRef>
+        </p:style>
+      </p:cxnSp>
+      <p:sp>
+        <p:nvSpPr>
+          <p:cNvPr id="14" name="Rectangle 13">
+            <a:extLst>
+              <a:ext uri="{FF2B5EF4-FFF2-40B4-BE49-F238E27FC236}">
+                <a16:creationId xmlns:a16="http://schemas.microsoft.com/office/drawing/2014/main" id="{823AC064-BC96-4F32-8AE1-B2FD38754823}"/>
+              </a:ext>
+              <a:ext uri="{C183D7F6-B498-43B3-948B-1728B52AA6E4}">
+                <adec:decorative xmlns:adec="http://schemas.microsoft.com/office/drawing/2017/decorative" val="1"/>
+              </a:ext>
+            </a:extLst>
+          </p:cNvPr>
+          <p:cNvSpPr>
+            <a:spLocks noGrp="1" noRot="1" noChangeAspect="1" noMove="1" noResize="1" noEditPoints="1" noAdjustHandles="1" noChangeArrowheads="1" noChangeShapeType="1" noTextEdit="1"/>
+          </p:cNvSpPr>
+          <p:nvPr>
+            <p:extLst>
+              <p:ext uri="{386F3935-93C4-4BCD-93E2-E3B085C9AB24}">
+                <p16:designElem xmlns:p16="http://schemas.microsoft.com/office/powerpoint/2015/main" val="1"/>
+              </p:ext>
+            </p:extLst>
+          </p:nvPr>
+        </p:nvSpPr>
+        <p:spPr bwMode="ltGray">
+          <a:xfrm>
+            <a:off x="378068" y="4633546"/>
+            <a:ext cx="11438793" cy="1844256"/>
           </a:xfrm>
           <a:prstGeom prst="rect">
             <a:avLst/>
           </a:prstGeom>
           <a:solidFill>
-            <a:srgbClr val="7D615C"/>
+            <a:srgbClr val="404040"/>
           </a:solidFill>
-          <a:ln>
-            <a:noFill/>
+          <a:ln w="127000" cap="sq" cmpd="thinThick">
+            <a:solidFill>
+              <a:srgbClr val="404040"/>
+            </a:solidFill>
           </a:ln>
         </p:spPr>
         <p:style>
@@ -10141,507 +11950,6 @@
       </p:sp>
       <p:sp>
         <p:nvSpPr>
-          <p:cNvPr id="23" name="Rounded Rectangle 26">
-            <a:extLst>
-              <a:ext uri="{FF2B5EF4-FFF2-40B4-BE49-F238E27FC236}">
-                <a16:creationId xmlns:a16="http://schemas.microsoft.com/office/drawing/2014/main" id="{87B1CEC7-C2CE-4440-A0F7-0BE6B3AADB72}"/>
-              </a:ext>
-              <a:ext uri="{C183D7F6-B498-43B3-948B-1728B52AA6E4}">
-                <adec:decorative xmlns:adec="http://schemas.microsoft.com/office/drawing/2017/decorative" val="1"/>
-              </a:ext>
-            </a:extLst>
-          </p:cNvPr>
-          <p:cNvSpPr>
-            <a:spLocks noGrp="1" noRot="1" noChangeAspect="1" noMove="1" noResize="1" noEditPoints="1" noAdjustHandles="1" noChangeArrowheads="1" noChangeShapeType="1" noTextEdit="1"/>
-          </p:cNvSpPr>
-          <p:nvPr>
-            <p:extLst>
-              <p:ext uri="{386F3935-93C4-4BCD-93E2-E3B085C9AB24}">
-                <p16:designElem xmlns:p16="http://schemas.microsoft.com/office/powerpoint/2015/main" val="1"/>
-              </p:ext>
-            </p:extLst>
-          </p:nvPr>
-        </p:nvSpPr>
-        <p:spPr>
-          <a:xfrm>
-            <a:off x="321564" y="320843"/>
-            <a:ext cx="5613569" cy="3930315"/>
-          </a:xfrm>
-          <a:prstGeom prst="roundRect">
-            <a:avLst>
-              <a:gd name="adj" fmla="val 0"/>
-            </a:avLst>
-          </a:prstGeom>
-          <a:solidFill>
-            <a:srgbClr val="FFFFFF"/>
-          </a:solidFill>
-          <a:ln w="9525">
-            <a:solidFill>
-              <a:srgbClr val="C8CACA"/>
-            </a:solidFill>
-          </a:ln>
-          <a:effectLst>
-            <a:outerShdw blurRad="57150" dist="19050" dir="5400000" algn="t" rotWithShape="0">
-              <a:prstClr val="black">
-                <a:alpha val="63000"/>
-              </a:prstClr>
-            </a:outerShdw>
-          </a:effectLst>
-        </p:spPr>
-        <p:style>
-          <a:lnRef idx="2">
-            <a:schemeClr val="accent1">
-              <a:shade val="50000"/>
-            </a:schemeClr>
-          </a:lnRef>
-          <a:fillRef idx="1">
-            <a:schemeClr val="accent1"/>
-          </a:fillRef>
-          <a:effectRef idx="0">
-            <a:schemeClr val="accent1"/>
-          </a:effectRef>
-          <a:fontRef idx="minor">
-            <a:schemeClr val="lt1"/>
-          </a:fontRef>
-        </p:style>
-        <p:txBody>
-          <a:bodyPr rtlCol="0" anchor="ctr"/>
-          <a:lstStyle/>
-          <a:p>
-            <a:pPr algn="ctr"/>
-            <a:endParaRPr lang="en-US"/>
-          </a:p>
-        </p:txBody>
-      </p:sp>
-      <p:pic>
-        <p:nvPicPr>
-          <p:cNvPr id="55" name="Segnaposto contenuto 4" descr="Immagine che contiene testo, mappa&#10;&#10;Descrizione generata automaticamente">
-            <a:extLst>
-              <a:ext uri="{FF2B5EF4-FFF2-40B4-BE49-F238E27FC236}">
-                <a16:creationId xmlns:a16="http://schemas.microsoft.com/office/drawing/2014/main" id="{1C345535-5CEB-41FA-ADA4-54B89240C42E}"/>
-              </a:ext>
-            </a:extLst>
-          </p:cNvPr>
-          <p:cNvPicPr>
-            <a:picLocks noGrp="1" noChangeAspect="1"/>
-          </p:cNvPicPr>
-          <p:nvPr>
-            <p:ph idx="1"/>
-          </p:nvPr>
-        </p:nvPicPr>
-        <p:blipFill>
-          <a:blip r:embed="rId2">
-            <a:extLst>
-              <a:ext uri="{28A0092B-C50C-407E-A947-70E740481C1C}">
-                <a14:useLocalDpi xmlns:a14="http://schemas.microsoft.com/office/drawing/2010/main" val="0"/>
-              </a:ext>
-            </a:extLst>
-          </a:blip>
-          <a:stretch>
-            <a:fillRect/>
-          </a:stretch>
-        </p:blipFill>
-        <p:spPr>
-          <a:xfrm>
-            <a:off x="1064498" y="640080"/>
-            <a:ext cx="4127699" cy="3291840"/>
-          </a:xfrm>
-          <a:prstGeom prst="rect">
-            <a:avLst/>
-          </a:prstGeom>
-        </p:spPr>
-      </p:pic>
-      <p:sp>
-        <p:nvSpPr>
-          <p:cNvPr id="25" name="Rounded Rectangle 16">
-            <a:extLst>
-              <a:ext uri="{FF2B5EF4-FFF2-40B4-BE49-F238E27FC236}">
-                <a16:creationId xmlns:a16="http://schemas.microsoft.com/office/drawing/2014/main" id="{7B0DBF0B-D7C2-4F15-94AE-315255824591}"/>
-              </a:ext>
-              <a:ext uri="{C183D7F6-B498-43B3-948B-1728B52AA6E4}">
-                <adec:decorative xmlns:adec="http://schemas.microsoft.com/office/drawing/2017/decorative" val="1"/>
-              </a:ext>
-            </a:extLst>
-          </p:cNvPr>
-          <p:cNvSpPr>
-            <a:spLocks noGrp="1" noRot="1" noChangeAspect="1" noMove="1" noResize="1" noEditPoints="1" noAdjustHandles="1" noChangeArrowheads="1" noChangeShapeType="1" noTextEdit="1"/>
-          </p:cNvSpPr>
-          <p:nvPr>
-            <p:extLst>
-              <p:ext uri="{386F3935-93C4-4BCD-93E2-E3B085C9AB24}">
-                <p16:designElem xmlns:p16="http://schemas.microsoft.com/office/powerpoint/2015/main" val="1"/>
-              </p:ext>
-            </p:extLst>
-          </p:nvPr>
-        </p:nvSpPr>
-        <p:spPr>
-          <a:xfrm>
-            <a:off x="6254749" y="320843"/>
-            <a:ext cx="5613569" cy="3930315"/>
-          </a:xfrm>
-          <a:prstGeom prst="roundRect">
-            <a:avLst>
-              <a:gd name="adj" fmla="val 0"/>
-            </a:avLst>
-          </a:prstGeom>
-          <a:solidFill>
-            <a:srgbClr val="FFFFFF"/>
-          </a:solidFill>
-          <a:ln w="9525">
-            <a:solidFill>
-              <a:srgbClr val="C8CACA"/>
-            </a:solidFill>
-          </a:ln>
-          <a:effectLst>
-            <a:outerShdw blurRad="57150" dist="19050" dir="5400000" algn="t" rotWithShape="0">
-              <a:prstClr val="black">
-                <a:alpha val="63000"/>
-              </a:prstClr>
-            </a:outerShdw>
-          </a:effectLst>
-        </p:spPr>
-        <p:style>
-          <a:lnRef idx="2">
-            <a:schemeClr val="accent1">
-              <a:shade val="50000"/>
-            </a:schemeClr>
-          </a:lnRef>
-          <a:fillRef idx="1">
-            <a:schemeClr val="accent1"/>
-          </a:fillRef>
-          <a:effectRef idx="0">
-            <a:schemeClr val="accent1"/>
-          </a:effectRef>
-          <a:fontRef idx="minor">
-            <a:schemeClr val="lt1"/>
-          </a:fontRef>
-        </p:style>
-        <p:txBody>
-          <a:bodyPr rtlCol="0" anchor="ctr"/>
-          <a:lstStyle/>
-          <a:p>
-            <a:pPr algn="ctr"/>
-            <a:endParaRPr lang="en-US"/>
-          </a:p>
-        </p:txBody>
-      </p:sp>
-      <p:pic>
-        <p:nvPicPr>
-          <p:cNvPr id="7" name="Immagine 6" descr="Immagine che contiene mappa&#10;&#10;Descrizione generata automaticamente">
-            <a:extLst>
-              <a:ext uri="{FF2B5EF4-FFF2-40B4-BE49-F238E27FC236}">
-                <a16:creationId xmlns:a16="http://schemas.microsoft.com/office/drawing/2014/main" id="{72FD80A2-F1BC-4E96-BF86-DF8C6D03EEEC}"/>
-              </a:ext>
-            </a:extLst>
-          </p:cNvPr>
-          <p:cNvPicPr>
-            <a:picLocks noChangeAspect="1"/>
-          </p:cNvPicPr>
-          <p:nvPr/>
-        </p:nvPicPr>
-        <p:blipFill>
-          <a:blip r:embed="rId3">
-            <a:extLst>
-              <a:ext uri="{28A0092B-C50C-407E-A947-70E740481C1C}">
-                <a14:useLocalDpi xmlns:a14="http://schemas.microsoft.com/office/drawing/2010/main" val="0"/>
-              </a:ext>
-            </a:extLst>
-          </a:blip>
-          <a:stretch>
-            <a:fillRect/>
-          </a:stretch>
-        </p:blipFill>
-        <p:spPr>
-          <a:xfrm>
-            <a:off x="6574365" y="974019"/>
-            <a:ext cx="4974336" cy="2623962"/>
-          </a:xfrm>
-          <a:prstGeom prst="rect">
-            <a:avLst/>
-          </a:prstGeom>
-        </p:spPr>
-      </p:pic>
-      <p:sp>
-        <p:nvSpPr>
-          <p:cNvPr id="8" name="CasellaDiTesto 7">
-            <a:extLst>
-              <a:ext uri="{FF2B5EF4-FFF2-40B4-BE49-F238E27FC236}">
-                <a16:creationId xmlns:a16="http://schemas.microsoft.com/office/drawing/2014/main" id="{5A3394B3-22E1-4398-AE04-7AED32966616}"/>
-              </a:ext>
-            </a:extLst>
-          </p:cNvPr>
-          <p:cNvSpPr txBox="1"/>
-          <p:nvPr/>
-        </p:nvSpPr>
-        <p:spPr>
-          <a:xfrm>
-            <a:off x="1107809" y="4651310"/>
-            <a:ext cx="4084388" cy="646331"/>
-          </a:xfrm>
-          <a:prstGeom prst="rect">
-            <a:avLst/>
-          </a:prstGeom>
-          <a:noFill/>
-        </p:spPr>
-        <p:txBody>
-          <a:bodyPr wrap="none" rtlCol="0">
-            <a:spAutoFit/>
-          </a:bodyPr>
-          <a:lstStyle/>
-          <a:p>
-            <a:pPr algn="ctr"/>
-            <a:r>
-              <a:rPr lang="it-IT" dirty="0"/>
-              <a:t>With 50 </a:t>
-            </a:r>
-            <a:r>
-              <a:rPr lang="it-IT" dirty="0" err="1"/>
-              <a:t>epochs</a:t>
-            </a:r>
-            <a:endParaRPr lang="it-IT" dirty="0"/>
-          </a:p>
-          <a:p>
-            <a:pPr algn="ctr"/>
-            <a:r>
-              <a:rPr lang="it-IT" dirty="0"/>
-              <a:t>One points of the dataset </a:t>
-            </a:r>
-            <a:r>
-              <a:rPr lang="it-IT" dirty="0" err="1"/>
-              <a:t>misclassificated</a:t>
-            </a:r>
-            <a:endParaRPr lang="it-IT" dirty="0"/>
-          </a:p>
-        </p:txBody>
-      </p:sp>
-      <p:sp>
-        <p:nvSpPr>
-          <p:cNvPr id="9" name="CasellaDiTesto 8">
-            <a:extLst>
-              <a:ext uri="{FF2B5EF4-FFF2-40B4-BE49-F238E27FC236}">
-                <a16:creationId xmlns:a16="http://schemas.microsoft.com/office/drawing/2014/main" id="{0FE9C343-8931-43C5-8B0B-C84BD22CABA2}"/>
-              </a:ext>
-            </a:extLst>
-          </p:cNvPr>
-          <p:cNvSpPr txBox="1"/>
-          <p:nvPr/>
-        </p:nvSpPr>
-        <p:spPr>
-          <a:xfrm>
-            <a:off x="6932459" y="4572000"/>
-            <a:ext cx="4258153" cy="923330"/>
-          </a:xfrm>
-          <a:prstGeom prst="rect">
-            <a:avLst/>
-          </a:prstGeom>
-          <a:noFill/>
-        </p:spPr>
-        <p:txBody>
-          <a:bodyPr wrap="none" rtlCol="0">
-            <a:spAutoFit/>
-          </a:bodyPr>
-          <a:lstStyle/>
-          <a:p>
-            <a:pPr algn="ctr"/>
-            <a:r>
-              <a:rPr lang="it-IT" dirty="0"/>
-              <a:t>With 1500 </a:t>
-            </a:r>
-            <a:r>
-              <a:rPr lang="it-IT" dirty="0" err="1"/>
-              <a:t>epochs</a:t>
-            </a:r>
-            <a:endParaRPr lang="it-IT" dirty="0"/>
-          </a:p>
-          <a:p>
-            <a:pPr algn="ctr"/>
-            <a:r>
-              <a:rPr lang="it-IT" dirty="0" err="1"/>
-              <a:t>All</a:t>
-            </a:r>
-            <a:r>
-              <a:rPr lang="it-IT" dirty="0"/>
-              <a:t> the points are </a:t>
-            </a:r>
-            <a:r>
-              <a:rPr lang="it-IT" dirty="0" err="1"/>
-              <a:t>correctly</a:t>
-            </a:r>
-            <a:r>
-              <a:rPr lang="it-IT" dirty="0"/>
-              <a:t> </a:t>
-            </a:r>
-            <a:r>
-              <a:rPr lang="it-IT" dirty="0" err="1"/>
-              <a:t>classified</a:t>
-            </a:r>
-            <a:r>
-              <a:rPr lang="it-IT" dirty="0"/>
-              <a:t> (YEAH)</a:t>
-            </a:r>
-          </a:p>
-          <a:p>
-            <a:endParaRPr lang="it-IT" dirty="0"/>
-          </a:p>
-        </p:txBody>
-      </p:sp>
-    </p:spTree>
-    <p:extLst>
-      <p:ext uri="{BB962C8B-B14F-4D97-AF65-F5344CB8AC3E}">
-        <p14:creationId xmlns:p14="http://schemas.microsoft.com/office/powerpoint/2010/main" val="3261572726"/>
-      </p:ext>
-    </p:extLst>
-  </p:cSld>
-  <p:clrMapOvr>
-    <a:masterClrMapping/>
-  </p:clrMapOvr>
-</p:sld>
-</file>
-
-<file path=ppt/slides/slide28.xml><?xml version="1.0" encoding="utf-8"?>
-<p:sld xmlns:a="http://schemas.openxmlformats.org/drawingml/2006/main" xmlns:r="http://schemas.openxmlformats.org/officeDocument/2006/relationships" xmlns:p="http://schemas.openxmlformats.org/presentationml/2006/main">
-  <p:cSld>
-    <p:bg>
-      <p:bgPr>
-        <a:solidFill>
-          <a:schemeClr val="bg1"/>
-        </a:solidFill>
-        <a:effectLst/>
-      </p:bgPr>
-    </p:bg>
-    <p:spTree>
-      <p:nvGrpSpPr>
-        <p:cNvPr id="1" name=""/>
-        <p:cNvGrpSpPr/>
-        <p:nvPr/>
-      </p:nvGrpSpPr>
-      <p:grpSpPr>
-        <a:xfrm>
-          <a:off x="0" y="0"/>
-          <a:ext cx="0" cy="0"/>
-          <a:chOff x="0" y="0"/>
-          <a:chExt cx="0" cy="0"/>
-        </a:xfrm>
-      </p:grpSpPr>
-      <p:cxnSp>
-        <p:nvCxnSpPr>
-          <p:cNvPr id="12" name="Straight Connector 11">
-            <a:extLst>
-              <a:ext uri="{FF2B5EF4-FFF2-40B4-BE49-F238E27FC236}">
-                <a16:creationId xmlns:a16="http://schemas.microsoft.com/office/drawing/2014/main" id="{DB146403-F3D6-484B-B2ED-97F9565D0370}"/>
-              </a:ext>
-              <a:ext uri="{C183D7F6-B498-43B3-948B-1728B52AA6E4}">
-                <adec:decorative xmlns:adec="http://schemas.microsoft.com/office/drawing/2017/decorative" val="1"/>
-              </a:ext>
-            </a:extLst>
-          </p:cNvPr>
-          <p:cNvCxnSpPr>
-            <a:cxnSpLocks noGrp="1" noRot="1" noChangeAspect="1" noMove="1" noResize="1" noEditPoints="1" noAdjustHandles="1" noChangeArrowheads="1" noChangeShapeType="1"/>
-          </p:cNvCxnSpPr>
-          <p:nvPr>
-            <p:extLst>
-              <p:ext uri="{386F3935-93C4-4BCD-93E2-E3B085C9AB24}">
-                <p16:designElem xmlns:p16="http://schemas.microsoft.com/office/powerpoint/2015/main" val="1"/>
-              </p:ext>
-            </p:extLst>
-          </p:nvPr>
-        </p:nvCxnSpPr>
-        <p:spPr>
-          <a:xfrm>
-            <a:off x="6096000" y="477749"/>
-            <a:ext cx="0" cy="3657600"/>
-          </a:xfrm>
-          <a:prstGeom prst="line">
-            <a:avLst/>
-          </a:prstGeom>
-          <a:ln w="101600" cmpd="dbl">
-            <a:solidFill>
-              <a:srgbClr val="595959"/>
-            </a:solidFill>
-          </a:ln>
-        </p:spPr>
-        <p:style>
-          <a:lnRef idx="1">
-            <a:schemeClr val="accent1"/>
-          </a:lnRef>
-          <a:fillRef idx="0">
-            <a:schemeClr val="accent1"/>
-          </a:fillRef>
-          <a:effectRef idx="0">
-            <a:schemeClr val="accent1"/>
-          </a:effectRef>
-          <a:fontRef idx="minor">
-            <a:schemeClr val="tx1"/>
-          </a:fontRef>
-        </p:style>
-      </p:cxnSp>
-      <p:sp>
-        <p:nvSpPr>
-          <p:cNvPr id="14" name="Rectangle 13">
-            <a:extLst>
-              <a:ext uri="{FF2B5EF4-FFF2-40B4-BE49-F238E27FC236}">
-                <a16:creationId xmlns:a16="http://schemas.microsoft.com/office/drawing/2014/main" id="{823AC064-BC96-4F32-8AE1-B2FD38754823}"/>
-              </a:ext>
-              <a:ext uri="{C183D7F6-B498-43B3-948B-1728B52AA6E4}">
-                <adec:decorative xmlns:adec="http://schemas.microsoft.com/office/drawing/2017/decorative" val="1"/>
-              </a:ext>
-            </a:extLst>
-          </p:cNvPr>
-          <p:cNvSpPr>
-            <a:spLocks noGrp="1" noRot="1" noChangeAspect="1" noMove="1" noResize="1" noEditPoints="1" noAdjustHandles="1" noChangeArrowheads="1" noChangeShapeType="1" noTextEdit="1"/>
-          </p:cNvSpPr>
-          <p:nvPr>
-            <p:extLst>
-              <p:ext uri="{386F3935-93C4-4BCD-93E2-E3B085C9AB24}">
-                <p16:designElem xmlns:p16="http://schemas.microsoft.com/office/powerpoint/2015/main" val="1"/>
-              </p:ext>
-            </p:extLst>
-          </p:nvPr>
-        </p:nvSpPr>
-        <p:spPr bwMode="ltGray">
-          <a:xfrm>
-            <a:off x="378068" y="4633546"/>
-            <a:ext cx="11438793" cy="1844256"/>
-          </a:xfrm>
-          <a:prstGeom prst="rect">
-            <a:avLst/>
-          </a:prstGeom>
-          <a:solidFill>
-            <a:srgbClr val="404040"/>
-          </a:solidFill>
-          <a:ln w="127000" cap="sq" cmpd="thinThick">
-            <a:solidFill>
-              <a:srgbClr val="404040"/>
-            </a:solidFill>
-          </a:ln>
-        </p:spPr>
-        <p:style>
-          <a:lnRef idx="2">
-            <a:schemeClr val="accent1">
-              <a:shade val="50000"/>
-            </a:schemeClr>
-          </a:lnRef>
-          <a:fillRef idx="1">
-            <a:schemeClr val="accent1"/>
-          </a:fillRef>
-          <a:effectRef idx="0">
-            <a:schemeClr val="accent1"/>
-          </a:effectRef>
-          <a:fontRef idx="minor">
-            <a:schemeClr val="lt1"/>
-          </a:fontRef>
-        </p:style>
-        <p:txBody>
-          <a:bodyPr rtlCol="0" anchor="ctr"/>
-          <a:lstStyle/>
-          <a:p>
-            <a:pPr algn="ctr"/>
-            <a:endParaRPr lang="en-US"/>
-          </a:p>
-        </p:txBody>
-      </p:sp>
-      <p:sp>
-        <p:nvSpPr>
           <p:cNvPr id="2" name="Titolo 1">
             <a:extLst>
               <a:ext uri="{FF2B5EF4-FFF2-40B4-BE49-F238E27FC236}">
@@ -10670,12 +11978,12 @@
           <a:p>
             <a:pPr algn="ctr"/>
             <a:r>
-              <a:rPr lang="en-US" sz="5400">
+              <a:rPr lang="en-US" sz="5400" dirty="0">
                 <a:solidFill>
                   <a:srgbClr val="FFFFFF"/>
                 </a:solidFill>
               </a:rPr>
-              <a:t>Let get more harder… XOR port!!!</a:t>
+              <a:t>Even more difficult… XOR port!!!</a:t>
             </a:r>
           </a:p>
         </p:txBody>
@@ -10819,6 +12127,214 @@
 </p:sld>
 </file>
 
+<file path=ppt/slides/slide28.xml><?xml version="1.0" encoding="utf-8"?>
+<p:sld xmlns:a="http://schemas.openxmlformats.org/drawingml/2006/main" xmlns:r="http://schemas.openxmlformats.org/officeDocument/2006/relationships" xmlns:p="http://schemas.openxmlformats.org/presentationml/2006/main">
+  <p:cSld>
+    <p:spTree>
+      <p:nvGrpSpPr>
+        <p:cNvPr id="1" name=""/>
+        <p:cNvGrpSpPr/>
+        <p:nvPr/>
+      </p:nvGrpSpPr>
+      <p:grpSpPr>
+        <a:xfrm>
+          <a:off x="0" y="0"/>
+          <a:ext cx="0" cy="0"/>
+          <a:chOff x="0" y="0"/>
+          <a:chExt cx="0" cy="0"/>
+        </a:xfrm>
+      </p:grpSpPr>
+      <p:sp>
+        <p:nvSpPr>
+          <p:cNvPr id="2" name="Titolo 1">
+            <a:extLst>
+              <a:ext uri="{FF2B5EF4-FFF2-40B4-BE49-F238E27FC236}">
+                <a16:creationId xmlns:a16="http://schemas.microsoft.com/office/drawing/2014/main" id="{0051DA10-0D2F-4C60-812F-B94E67334105}"/>
+              </a:ext>
+            </a:extLst>
+          </p:cNvPr>
+          <p:cNvSpPr>
+            <a:spLocks noGrp="1"/>
+          </p:cNvSpPr>
+          <p:nvPr>
+            <p:ph type="title"/>
+          </p:nvPr>
+        </p:nvSpPr>
+        <p:spPr/>
+        <p:txBody>
+          <a:bodyPr>
+            <a:normAutofit fontScale="90000"/>
+          </a:bodyPr>
+          <a:lstStyle/>
+          <a:p>
+            <a:r>
+              <a:rPr lang="it-IT" dirty="0" err="1"/>
+              <a:t>We</a:t>
+            </a:r>
+            <a:r>
+              <a:rPr lang="it-IT" dirty="0"/>
+              <a:t> </a:t>
+            </a:r>
+            <a:r>
+              <a:rPr lang="it-IT" dirty="0" err="1"/>
+              <a:t>need</a:t>
+            </a:r>
+            <a:r>
+              <a:rPr lang="it-IT" dirty="0"/>
+              <a:t> </a:t>
+            </a:r>
+            <a:r>
+              <a:rPr lang="it-IT" dirty="0" err="1"/>
+              <a:t>another</a:t>
+            </a:r>
+            <a:r>
+              <a:rPr lang="it-IT" dirty="0"/>
+              <a:t> bound to </a:t>
+            </a:r>
+            <a:r>
+              <a:rPr lang="it-IT" dirty="0" err="1"/>
+              <a:t>evaluate</a:t>
+            </a:r>
+            <a:r>
+              <a:rPr lang="it-IT" dirty="0"/>
+              <a:t> the points, and so more </a:t>
+            </a:r>
+            <a:r>
+              <a:rPr lang="it-IT" dirty="0" err="1"/>
+              <a:t>neurons</a:t>
+            </a:r>
+            <a:r>
+              <a:rPr lang="it-IT" dirty="0"/>
+              <a:t>.</a:t>
+            </a:r>
+            <a:br>
+              <a:rPr lang="it-IT" dirty="0"/>
+            </a:br>
+            <a:r>
+              <a:rPr lang="it-IT" dirty="0"/>
+              <a:t>So… multi </a:t>
+            </a:r>
+            <a:r>
+              <a:rPr lang="it-IT" dirty="0" err="1"/>
+              <a:t>layer</a:t>
+            </a:r>
+            <a:r>
+              <a:rPr lang="it-IT" dirty="0"/>
+              <a:t> perceptron!</a:t>
+            </a:r>
+          </a:p>
+        </p:txBody>
+      </p:sp>
+      <p:sp>
+        <p:nvSpPr>
+          <p:cNvPr id="3" name="Segnaposto contenuto 2">
+            <a:extLst>
+              <a:ext uri="{FF2B5EF4-FFF2-40B4-BE49-F238E27FC236}">
+                <a16:creationId xmlns:a16="http://schemas.microsoft.com/office/drawing/2014/main" id="{A9D1F76E-6A26-4C39-A681-41CB4AEE4B8D}"/>
+              </a:ext>
+            </a:extLst>
+          </p:cNvPr>
+          <p:cNvSpPr>
+            <a:spLocks noGrp="1"/>
+          </p:cNvSpPr>
+          <p:nvPr>
+            <p:ph idx="1"/>
+          </p:nvPr>
+        </p:nvSpPr>
+        <p:spPr/>
+        <p:txBody>
+          <a:bodyPr/>
+          <a:lstStyle/>
+          <a:p>
+            <a:pPr marL="0" indent="0">
+              <a:buNone/>
+            </a:pPr>
+            <a:endParaRPr lang="it-IT" dirty="0"/>
+          </a:p>
+          <a:p>
+            <a:pPr marL="0" indent="0">
+              <a:buNone/>
+            </a:pPr>
+            <a:r>
+              <a:rPr lang="it-IT" dirty="0"/>
+              <a:t>Key parts:</a:t>
+            </a:r>
+          </a:p>
+          <a:p>
+            <a:r>
+              <a:rPr lang="it-IT" dirty="0"/>
+              <a:t>Weigths stored in a matrix cause </a:t>
+            </a:r>
+            <a:r>
+              <a:rPr lang="it-IT" dirty="0" err="1"/>
+              <a:t>we</a:t>
+            </a:r>
+            <a:r>
+              <a:rPr lang="it-IT" dirty="0"/>
+              <a:t> </a:t>
+            </a:r>
+            <a:r>
+              <a:rPr lang="it-IT" dirty="0" err="1"/>
+              <a:t>have</a:t>
+            </a:r>
+            <a:r>
+              <a:rPr lang="it-IT" dirty="0"/>
+              <a:t> more </a:t>
+            </a:r>
+            <a:r>
+              <a:rPr lang="it-IT" dirty="0" err="1"/>
+              <a:t>neurons</a:t>
+            </a:r>
+            <a:r>
+              <a:rPr lang="it-IT" dirty="0"/>
+              <a:t>.</a:t>
+            </a:r>
+          </a:p>
+        </p:txBody>
+      </p:sp>
+      <p:pic>
+        <p:nvPicPr>
+          <p:cNvPr id="4" name="Immagine 3">
+            <a:extLst>
+              <a:ext uri="{FF2B5EF4-FFF2-40B4-BE49-F238E27FC236}">
+                <a16:creationId xmlns:a16="http://schemas.microsoft.com/office/drawing/2014/main" id="{E2664C8F-03B1-4C7B-B4C3-2A8537006C5A}"/>
+              </a:ext>
+            </a:extLst>
+          </p:cNvPr>
+          <p:cNvPicPr>
+            <a:picLocks noChangeAspect="1"/>
+          </p:cNvPicPr>
+          <p:nvPr/>
+        </p:nvPicPr>
+        <p:blipFill>
+          <a:blip r:embed="rId3"/>
+          <a:stretch>
+            <a:fillRect/>
+          </a:stretch>
+        </p:blipFill>
+        <p:spPr>
+          <a:xfrm>
+            <a:off x="1092004" y="3429000"/>
+            <a:ext cx="10007991" cy="1797148"/>
+          </a:xfrm>
+          <a:prstGeom prst="rect">
+            <a:avLst/>
+          </a:prstGeom>
+        </p:spPr>
+      </p:pic>
+    </p:spTree>
+    <p:extLst>
+      <p:ext uri="{BB962C8B-B14F-4D97-AF65-F5344CB8AC3E}">
+        <p14:creationId xmlns:p14="http://schemas.microsoft.com/office/powerpoint/2010/main" val="2463171951"/>
+      </p:ext>
+    </p:extLst>
+  </p:cSld>
+  <p:clrMapOvr>
+    <a:masterClrMapping/>
+  </p:clrMapOvr>
+</p:sld>
+</file>
+
 <file path=ppt/slides/slide29.xml><?xml version="1.0" encoding="utf-8"?>
 <p:sld xmlns:a="http://schemas.openxmlformats.org/drawingml/2006/main" xmlns:r="http://schemas.openxmlformats.org/officeDocument/2006/relationships" xmlns:p="http://schemas.openxmlformats.org/presentationml/2006/main">
   <p:cSld>
@@ -10836,129 +12352,313 @@
           <a:chExt cx="0" cy="0"/>
         </a:xfrm>
       </p:grpSpPr>
-      <p:sp>
-        <p:nvSpPr>
-          <p:cNvPr id="2" name="Titolo 1">
-            <a:extLst>
-              <a:ext uri="{FF2B5EF4-FFF2-40B4-BE49-F238E27FC236}">
-                <a16:creationId xmlns:a16="http://schemas.microsoft.com/office/drawing/2014/main" id="{0051DA10-0D2F-4C60-812F-B94E67334105}"/>
-              </a:ext>
-            </a:extLst>
-          </p:cNvPr>
-          <p:cNvSpPr>
-            <a:spLocks noGrp="1"/>
-          </p:cNvSpPr>
-          <p:nvPr>
-            <p:ph type="title"/>
-          </p:nvPr>
-        </p:nvSpPr>
-        <p:spPr/>
-        <p:txBody>
-          <a:bodyPr>
-            <a:normAutofit fontScale="90000"/>
+      <p:pic>
+        <p:nvPicPr>
+          <p:cNvPr id="4" name="Segnaposto contenuto 3">
+            <a:extLst>
+              <a:ext uri="{FF2B5EF4-FFF2-40B4-BE49-F238E27FC236}">
+                <a16:creationId xmlns:a16="http://schemas.microsoft.com/office/drawing/2014/main" id="{C97B5732-6EC4-4DBE-B750-0DEE6648561E}"/>
+              </a:ext>
+            </a:extLst>
+          </p:cNvPr>
+          <p:cNvPicPr>
+            <a:picLocks noGrp="1" noChangeAspect="1"/>
+          </p:cNvPicPr>
+          <p:nvPr>
+            <p:ph idx="1"/>
+          </p:nvPr>
+        </p:nvPicPr>
+        <p:blipFill>
+          <a:blip r:embed="rId2"/>
+          <a:stretch>
+            <a:fillRect/>
+          </a:stretch>
+        </p:blipFill>
+        <p:spPr>
+          <a:xfrm>
+            <a:off x="3629465" y="2149953"/>
+            <a:ext cx="8317476" cy="4475930"/>
+          </a:xfrm>
+          <a:prstGeom prst="rect">
+            <a:avLst/>
+          </a:prstGeom>
+        </p:spPr>
+      </p:pic>
+      <p:pic>
+        <p:nvPicPr>
+          <p:cNvPr id="5" name="Immagine 4" descr="Immagine che contiene mappa, testo&#10;&#10;Descrizione generata automaticamente">
+            <a:extLst>
+              <a:ext uri="{FF2B5EF4-FFF2-40B4-BE49-F238E27FC236}">
+                <a16:creationId xmlns:a16="http://schemas.microsoft.com/office/drawing/2014/main" id="{0F4F2864-8676-4FF7-A523-B04969CB24A5}"/>
+              </a:ext>
+            </a:extLst>
+          </p:cNvPr>
+          <p:cNvPicPr>
+            <a:picLocks noChangeAspect="1"/>
+          </p:cNvPicPr>
+          <p:nvPr/>
+        </p:nvPicPr>
+        <p:blipFill>
+          <a:blip r:embed="rId3">
+            <a:extLst>
+              <a:ext uri="{28A0092B-C50C-407E-A947-70E740481C1C}">
+                <a14:useLocalDpi xmlns:a14="http://schemas.microsoft.com/office/drawing/2010/main" val="0"/>
+              </a:ext>
+            </a:extLst>
+          </a:blip>
+          <a:stretch>
+            <a:fillRect/>
+          </a:stretch>
+        </p:blipFill>
+        <p:spPr>
+          <a:xfrm>
+            <a:off x="245059" y="384296"/>
+            <a:ext cx="3925830" cy="1936873"/>
+          </a:xfrm>
+          <a:prstGeom prst="rect">
+            <a:avLst/>
+          </a:prstGeom>
+        </p:spPr>
+      </p:pic>
+      <p:sp>
+        <p:nvSpPr>
+          <p:cNvPr id="6" name="Ovale 5">
+            <a:extLst>
+              <a:ext uri="{FF2B5EF4-FFF2-40B4-BE49-F238E27FC236}">
+                <a16:creationId xmlns:a16="http://schemas.microsoft.com/office/drawing/2014/main" id="{AD4BB20C-F4E2-4514-9D52-AEB459016F3D}"/>
+              </a:ext>
+            </a:extLst>
+          </p:cNvPr>
+          <p:cNvSpPr/>
+          <p:nvPr/>
+        </p:nvSpPr>
+        <p:spPr>
+          <a:xfrm>
+            <a:off x="5711483" y="3094892"/>
+            <a:ext cx="759655" cy="520505"/>
+          </a:xfrm>
+          <a:prstGeom prst="ellipse">
+            <a:avLst/>
+          </a:prstGeom>
+          <a:noFill/>
+          <a:ln>
+            <a:solidFill>
+              <a:srgbClr val="FF0000"/>
+            </a:solidFill>
+          </a:ln>
+        </p:spPr>
+        <p:style>
+          <a:lnRef idx="2">
+            <a:schemeClr val="accent1">
+              <a:shade val="50000"/>
+            </a:schemeClr>
+          </a:lnRef>
+          <a:fillRef idx="1">
+            <a:schemeClr val="accent1"/>
+          </a:fillRef>
+          <a:effectRef idx="0">
+            <a:schemeClr val="accent1"/>
+          </a:effectRef>
+          <a:fontRef idx="minor">
+            <a:schemeClr val="lt1"/>
+          </a:fontRef>
+        </p:style>
+        <p:txBody>
+          <a:bodyPr rtlCol="0" anchor="ctr"/>
+          <a:lstStyle/>
+          <a:p>
+            <a:pPr algn="ctr"/>
+            <a:endParaRPr lang="it-IT"/>
+          </a:p>
+        </p:txBody>
+      </p:sp>
+      <p:cxnSp>
+        <p:nvCxnSpPr>
+          <p:cNvPr id="8" name="Connettore diritto 7">
+            <a:extLst>
+              <a:ext uri="{FF2B5EF4-FFF2-40B4-BE49-F238E27FC236}">
+                <a16:creationId xmlns:a16="http://schemas.microsoft.com/office/drawing/2014/main" id="{53E9B625-6919-481F-93C3-BDA849EDBD7F}"/>
+              </a:ext>
+            </a:extLst>
+          </p:cNvPr>
+          <p:cNvCxnSpPr>
+            <a:cxnSpLocks/>
+            <a:stCxn id="6" idx="0"/>
+          </p:cNvCxnSpPr>
+          <p:nvPr/>
+        </p:nvCxnSpPr>
+        <p:spPr>
+          <a:xfrm flipH="1" flipV="1">
+            <a:off x="4170889" y="633046"/>
+            <a:ext cx="1920422" cy="2461846"/>
+          </a:xfrm>
+          <a:prstGeom prst="line">
+            <a:avLst/>
+          </a:prstGeom>
+          <a:ln>
+            <a:solidFill>
+              <a:srgbClr val="FF0000"/>
+            </a:solidFill>
+          </a:ln>
+        </p:spPr>
+        <p:style>
+          <a:lnRef idx="1">
+            <a:schemeClr val="accent1"/>
+          </a:lnRef>
+          <a:fillRef idx="0">
+            <a:schemeClr val="accent1"/>
+          </a:fillRef>
+          <a:effectRef idx="0">
+            <a:schemeClr val="accent1"/>
+          </a:effectRef>
+          <a:fontRef idx="minor">
+            <a:schemeClr val="tx1"/>
+          </a:fontRef>
+        </p:style>
+      </p:cxnSp>
+      <p:cxnSp>
+        <p:nvCxnSpPr>
+          <p:cNvPr id="10" name="Connettore diritto 9">
+            <a:extLst>
+              <a:ext uri="{FF2B5EF4-FFF2-40B4-BE49-F238E27FC236}">
+                <a16:creationId xmlns:a16="http://schemas.microsoft.com/office/drawing/2014/main" id="{339022DB-BE99-4DC0-BF4E-5E937E251584}"/>
+              </a:ext>
+            </a:extLst>
+          </p:cNvPr>
+          <p:cNvCxnSpPr>
+            <a:stCxn id="6" idx="2"/>
+            <a:endCxn id="5" idx="2"/>
+          </p:cNvCxnSpPr>
+          <p:nvPr/>
+        </p:nvCxnSpPr>
+        <p:spPr>
+          <a:xfrm flipH="1" flipV="1">
+            <a:off x="2207974" y="2321169"/>
+            <a:ext cx="3503509" cy="1033976"/>
+          </a:xfrm>
+          <a:prstGeom prst="line">
+            <a:avLst/>
+          </a:prstGeom>
+          <a:ln>
+            <a:solidFill>
+              <a:srgbClr val="FF0000"/>
+            </a:solidFill>
+          </a:ln>
+        </p:spPr>
+        <p:style>
+          <a:lnRef idx="1">
+            <a:schemeClr val="accent1"/>
+          </a:lnRef>
+          <a:fillRef idx="0">
+            <a:schemeClr val="accent1"/>
+          </a:fillRef>
+          <a:effectRef idx="0">
+            <a:schemeClr val="accent1"/>
+          </a:effectRef>
+          <a:fontRef idx="minor">
+            <a:schemeClr val="tx1"/>
+          </a:fontRef>
+        </p:style>
+      </p:cxnSp>
+      <p:sp>
+        <p:nvSpPr>
+          <p:cNvPr id="12" name="CasellaDiTesto 11">
+            <a:extLst>
+              <a:ext uri="{FF2B5EF4-FFF2-40B4-BE49-F238E27FC236}">
+                <a16:creationId xmlns:a16="http://schemas.microsoft.com/office/drawing/2014/main" id="{B95665B9-651B-4B8F-BE19-52999847989D}"/>
+              </a:ext>
+            </a:extLst>
+          </p:cNvPr>
+          <p:cNvSpPr txBox="1"/>
+          <p:nvPr/>
+        </p:nvSpPr>
+        <p:spPr>
+          <a:xfrm>
+            <a:off x="4867021" y="1123486"/>
+            <a:ext cx="5588196" cy="523220"/>
+          </a:xfrm>
+          <a:prstGeom prst="rect">
+            <a:avLst/>
+          </a:prstGeom>
+          <a:noFill/>
+        </p:spPr>
+        <p:txBody>
+          <a:bodyPr wrap="none" rtlCol="0">
+            <a:spAutoFit/>
           </a:bodyPr>
           <a:lstStyle/>
           <a:p>
             <a:r>
-              <a:rPr lang="it-IT" dirty="0"/>
-              <a:t>So… </a:t>
-            </a:r>
-            <a:r>
-              <a:rPr lang="it-IT" dirty="0" err="1"/>
-              <a:t>We</a:t>
-            </a:r>
-            <a:r>
-              <a:rPr lang="it-IT" dirty="0"/>
+              <a:rPr lang="it-IT" sz="2800" dirty="0"/>
+              <a:t>ZOOM… </a:t>
+            </a:r>
+            <a:r>
+              <a:rPr lang="it-IT" sz="2800" dirty="0" err="1"/>
+              <a:t>Correctly</a:t>
+            </a:r>
+            <a:r>
+              <a:rPr lang="it-IT" sz="2800" dirty="0"/>
               <a:t> </a:t>
             </a:r>
             <a:r>
-              <a:rPr lang="it-IT" dirty="0" err="1"/>
-              <a:t>need</a:t>
-            </a:r>
-            <a:r>
-              <a:rPr lang="it-IT" dirty="0"/>
-              <a:t> more bound to </a:t>
-            </a:r>
-            <a:r>
-              <a:rPr lang="it-IT" dirty="0" err="1"/>
-              <a:t>evaluate</a:t>
-            </a:r>
-            <a:r>
-              <a:rPr lang="it-IT" dirty="0"/>
-              <a:t> the points, and so </a:t>
-            </a:r>
-            <a:r>
-              <a:rPr lang="it-IT" dirty="0" err="1"/>
-              <a:t>many</a:t>
-            </a:r>
-            <a:r>
-              <a:rPr lang="it-IT" dirty="0"/>
-              <a:t> </a:t>
-            </a:r>
-            <a:r>
-              <a:rPr lang="it-IT" dirty="0" err="1"/>
-              <a:t>neurons</a:t>
-            </a:r>
-            <a:r>
-              <a:rPr lang="it-IT" dirty="0"/>
-              <a:t>.</a:t>
-            </a:r>
-            <a:br>
-              <a:rPr lang="it-IT" dirty="0"/>
-            </a:br>
-            <a:r>
-              <a:rPr lang="it-IT" dirty="0"/>
-              <a:t>So… multi </a:t>
-            </a:r>
-            <a:r>
-              <a:rPr lang="it-IT" dirty="0" err="1"/>
-              <a:t>layer</a:t>
-            </a:r>
-            <a:r>
-              <a:rPr lang="it-IT" dirty="0"/>
-              <a:t> perceptron!</a:t>
-            </a:r>
-          </a:p>
-        </p:txBody>
-      </p:sp>
-      <p:sp>
-        <p:nvSpPr>
-          <p:cNvPr id="3" name="Segnaposto contenuto 2">
-            <a:extLst>
-              <a:ext uri="{FF2B5EF4-FFF2-40B4-BE49-F238E27FC236}">
-                <a16:creationId xmlns:a16="http://schemas.microsoft.com/office/drawing/2014/main" id="{A9D1F76E-6A26-4C39-A681-41CB4AEE4B8D}"/>
-              </a:ext>
-            </a:extLst>
-          </p:cNvPr>
-          <p:cNvSpPr>
-            <a:spLocks noGrp="1"/>
-          </p:cNvSpPr>
-          <p:nvPr>
-            <p:ph idx="1"/>
-          </p:nvPr>
-        </p:nvSpPr>
-        <p:spPr/>
-        <p:txBody>
-          <a:bodyPr/>
+              <a:rPr lang="it-IT" sz="2800" dirty="0" err="1"/>
+              <a:t>classified</a:t>
+            </a:r>
+            <a:r>
+              <a:rPr lang="it-IT" sz="2800" dirty="0"/>
+              <a:t>: trust </a:t>
+            </a:r>
+            <a:r>
+              <a:rPr lang="it-IT" sz="2800" dirty="0" err="1"/>
+              <a:t>us</a:t>
+            </a:r>
+            <a:r>
+              <a:rPr lang="it-IT" sz="2800" dirty="0"/>
+              <a:t>!</a:t>
+            </a:r>
+          </a:p>
+        </p:txBody>
+      </p:sp>
+      <p:sp>
+        <p:nvSpPr>
+          <p:cNvPr id="13" name="CasellaDiTesto 12">
+            <a:extLst>
+              <a:ext uri="{FF2B5EF4-FFF2-40B4-BE49-F238E27FC236}">
+                <a16:creationId xmlns:a16="http://schemas.microsoft.com/office/drawing/2014/main" id="{AC1DA357-485E-4830-A342-E8684D6DCE18}"/>
+              </a:ext>
+            </a:extLst>
+          </p:cNvPr>
+          <p:cNvSpPr txBox="1"/>
+          <p:nvPr/>
+        </p:nvSpPr>
+        <p:spPr>
+          <a:xfrm>
+            <a:off x="224716" y="2802504"/>
+            <a:ext cx="1212961" cy="584775"/>
+          </a:xfrm>
+          <a:prstGeom prst="rect">
+            <a:avLst/>
+          </a:prstGeom>
+          <a:noFill/>
+        </p:spPr>
+        <p:txBody>
+          <a:bodyPr wrap="none" rtlCol="0">
+            <a:spAutoFit/>
+          </a:bodyPr>
           <a:lstStyle/>
           <a:p>
-            <a:pPr marL="0" indent="0">
-              <a:buNone/>
-            </a:pPr>
-            <a:r>
-              <a:rPr lang="it-IT" dirty="0"/>
-              <a:t>Key parts:</a:t>
-            </a:r>
-          </a:p>
-          <a:p>
-            <a:endParaRPr lang="it-IT" dirty="0"/>
+            <a:r>
+              <a:rPr lang="it-IT" sz="3200" dirty="0" err="1"/>
+              <a:t>Result</a:t>
+            </a:r>
+            <a:endParaRPr lang="it-IT" sz="3200" dirty="0"/>
           </a:p>
         </p:txBody>
       </p:sp>
     </p:spTree>
     <p:extLst>
       <p:ext uri="{BB962C8B-B14F-4D97-AF65-F5344CB8AC3E}">
-        <p14:creationId xmlns:p14="http://schemas.microsoft.com/office/powerpoint/2010/main" val="2463171951"/>
+        <p14:creationId xmlns:p14="http://schemas.microsoft.com/office/powerpoint/2010/main" val="1453051914"/>
       </p:ext>
     </p:extLst>
   </p:cSld>
@@ -11203,7 +12903,7 @@
             </a:r>
             <a:r>
               <a:rPr lang="it-IT" dirty="0"/>
-              <a:t> from 0-5</a:t>
+              <a:t> from 0 - 5</a:t>
             </a:r>
           </a:p>
           <a:p>
@@ -11257,93 +12957,6 @@
 </file>
 
 <file path=ppt/slides/slide30.xml><?xml version="1.0" encoding="utf-8"?>
-<p:sld xmlns:a="http://schemas.openxmlformats.org/drawingml/2006/main" xmlns:r="http://schemas.openxmlformats.org/officeDocument/2006/relationships" xmlns:p="http://schemas.openxmlformats.org/presentationml/2006/main">
-  <p:cSld>
-    <p:spTree>
-      <p:nvGrpSpPr>
-        <p:cNvPr id="1" name=""/>
-        <p:cNvGrpSpPr/>
-        <p:nvPr/>
-      </p:nvGrpSpPr>
-      <p:grpSpPr>
-        <a:xfrm>
-          <a:off x="0" y="0"/>
-          <a:ext cx="0" cy="0"/>
-          <a:chOff x="0" y="0"/>
-          <a:chExt cx="0" cy="0"/>
-        </a:xfrm>
-      </p:grpSpPr>
-      <p:sp>
-        <p:nvSpPr>
-          <p:cNvPr id="2" name="Titolo 1">
-            <a:extLst>
-              <a:ext uri="{FF2B5EF4-FFF2-40B4-BE49-F238E27FC236}">
-                <a16:creationId xmlns:a16="http://schemas.microsoft.com/office/drawing/2014/main" id="{2176569B-B555-40AE-AFED-874AD5008A4F}"/>
-              </a:ext>
-            </a:extLst>
-          </p:cNvPr>
-          <p:cNvSpPr>
-            <a:spLocks noGrp="1"/>
-          </p:cNvSpPr>
-          <p:nvPr>
-            <p:ph type="title"/>
-          </p:nvPr>
-        </p:nvSpPr>
-        <p:spPr/>
-        <p:txBody>
-          <a:bodyPr/>
-          <a:lstStyle/>
-          <a:p>
-            <a:endParaRPr lang="it-IT"/>
-          </a:p>
-        </p:txBody>
-      </p:sp>
-      <p:pic>
-        <p:nvPicPr>
-          <p:cNvPr id="4" name="Segnaposto contenuto 3">
-            <a:extLst>
-              <a:ext uri="{FF2B5EF4-FFF2-40B4-BE49-F238E27FC236}">
-                <a16:creationId xmlns:a16="http://schemas.microsoft.com/office/drawing/2014/main" id="{C97B5732-6EC4-4DBE-B750-0DEE6648561E}"/>
-              </a:ext>
-            </a:extLst>
-          </p:cNvPr>
-          <p:cNvPicPr>
-            <a:picLocks noGrp="1" noChangeAspect="1"/>
-          </p:cNvPicPr>
-          <p:nvPr>
-            <p:ph idx="1"/>
-          </p:nvPr>
-        </p:nvPicPr>
-        <p:blipFill>
-          <a:blip r:embed="rId2"/>
-          <a:stretch>
-            <a:fillRect/>
-          </a:stretch>
-        </p:blipFill>
-        <p:spPr>
-          <a:xfrm>
-            <a:off x="2053025" y="1825625"/>
-            <a:ext cx="8085950" cy="4351338"/>
-          </a:xfrm>
-          <a:prstGeom prst="rect">
-            <a:avLst/>
-          </a:prstGeom>
-        </p:spPr>
-      </p:pic>
-    </p:spTree>
-    <p:extLst>
-      <p:ext uri="{BB962C8B-B14F-4D97-AF65-F5344CB8AC3E}">
-        <p14:creationId xmlns:p14="http://schemas.microsoft.com/office/powerpoint/2010/main" val="1453051914"/>
-      </p:ext>
-    </p:extLst>
-  </p:cSld>
-  <p:clrMapOvr>
-    <a:masterClrMapping/>
-  </p:clrMapOvr>
-</p:sld>
-</file>
-
-<file path=ppt/slides/slide31.xml><?xml version="1.0" encoding="utf-8"?>
 <p:sld xmlns:a="http://schemas.openxmlformats.org/drawingml/2006/main" xmlns:r="http://schemas.openxmlformats.org/officeDocument/2006/relationships" xmlns:p="http://schemas.openxmlformats.org/presentationml/2006/main">
   <p:cSld>
     <p:bg>
@@ -11471,71 +13084,141 @@
           </a:p>
         </p:txBody>
       </p:sp>
-      <p:sp>
-        <p:nvSpPr>
-          <p:cNvPr id="3" name="Segnaposto contenuto 2">
-            <a:extLst>
-              <a:ext uri="{FF2B5EF4-FFF2-40B4-BE49-F238E27FC236}">
-                <a16:creationId xmlns:a16="http://schemas.microsoft.com/office/drawing/2014/main" id="{87749C20-3E74-425D-A4F4-173C6F20A4BC}"/>
-              </a:ext>
-            </a:extLst>
-          </p:cNvPr>
-          <p:cNvSpPr>
-            <a:spLocks noGrp="1"/>
-          </p:cNvSpPr>
-          <p:nvPr>
-            <p:ph idx="1"/>
-          </p:nvPr>
-        </p:nvSpPr>
-        <p:spPr>
-          <a:xfrm>
-            <a:off x="643468" y="2638044"/>
-            <a:ext cx="3363974" cy="3415622"/>
-          </a:xfrm>
-        </p:spPr>
-        <p:txBody>
-          <a:bodyPr>
-            <a:normAutofit/>
-          </a:bodyPr>
-          <a:lstStyle/>
-          <a:p>
-            <a:pPr marL="0" indent="0">
-              <a:buNone/>
-            </a:pPr>
-            <a:endParaRPr lang="it-IT" sz="2000" b="0"/>
-          </a:p>
-          <a:p>
-            <a:pPr marL="0" indent="0">
-              <a:buNone/>
-            </a:pPr>
-            <a:endParaRPr lang="it-IT" sz="2000" b="0"/>
-          </a:p>
-          <a:p>
-            <a:pPr marL="0" indent="0">
-              <a:buNone/>
-            </a:pPr>
-            <a:endParaRPr lang="it-IT" sz="2000" b="0"/>
-          </a:p>
-          <a:p>
-            <a:pPr marL="0" indent="0">
-              <a:buNone/>
-            </a:pPr>
-            <a:endParaRPr lang="it-IT" sz="2000"/>
-          </a:p>
-          <a:p>
-            <a:pPr marL="0" indent="0">
-              <a:buNone/>
-            </a:pPr>
-            <a:endParaRPr lang="it-IT" sz="2000"/>
-          </a:p>
-          <a:p>
-            <a:pPr marL="0" indent="0">
-              <a:buNone/>
-            </a:pPr>
-            <a:endParaRPr lang="it-IT" sz="2000"/>
-          </a:p>
-        </p:txBody>
-      </p:sp>
+      <mc:AlternateContent xmlns:mc="http://schemas.openxmlformats.org/markup-compatibility/2006">
+        <mc:Choice xmlns:a14="http://schemas.microsoft.com/office/drawing/2010/main" Requires="a14">
+          <p:sp>
+            <p:nvSpPr>
+              <p:cNvPr id="3" name="Segnaposto contenuto 2">
+                <a:extLst>
+                  <a:ext uri="{FF2B5EF4-FFF2-40B4-BE49-F238E27FC236}">
+                    <a16:creationId xmlns:a16="http://schemas.microsoft.com/office/drawing/2014/main" id="{87749C20-3E74-425D-A4F4-173C6F20A4BC}"/>
+                  </a:ext>
+                </a:extLst>
+              </p:cNvPr>
+              <p:cNvSpPr>
+                <a:spLocks noGrp="1"/>
+              </p:cNvSpPr>
+              <p:nvPr>
+                <p:ph idx="1"/>
+              </p:nvPr>
+            </p:nvSpPr>
+            <p:spPr>
+              <a:xfrm>
+                <a:off x="643468" y="2638044"/>
+                <a:ext cx="3363974" cy="3415622"/>
+              </a:xfrm>
+            </p:spPr>
+            <p:txBody>
+              <a:bodyPr>
+                <a:normAutofit/>
+              </a:bodyPr>
+              <a:lstStyle/>
+              <a:p>
+                <a14:m>
+                  <m:oMath xmlns:m="http://schemas.openxmlformats.org/officeDocument/2006/math">
+                    <m:r>
+                      <a:rPr lang="it-IT" sz="2000" i="1" smtClean="0">
+                        <a:solidFill>
+                          <a:schemeClr val="tx1"/>
+                        </a:solidFill>
+                        <a:latin typeface="Cambria Math" panose="02040503050406030204" pitchFamily="18" charset="0"/>
+                      </a:rPr>
+                      <m:t>𝐾𝑒𝑦</m:t>
+                    </m:r>
+                    <m:r>
+                      <a:rPr lang="it-IT" sz="2000" i="1" smtClean="0">
+                        <a:solidFill>
+                          <a:schemeClr val="tx1"/>
+                        </a:solidFill>
+                        <a:latin typeface="Cambria Math" panose="02040503050406030204" pitchFamily="18" charset="0"/>
+                      </a:rPr>
+                      <m:t> </m:t>
+                    </m:r>
+                    <m:r>
+                      <a:rPr lang="it-IT" sz="2000" i="1" smtClean="0">
+                        <a:solidFill>
+                          <a:schemeClr val="tx1"/>
+                        </a:solidFill>
+                        <a:latin typeface="Cambria Math" panose="02040503050406030204" pitchFamily="18" charset="0"/>
+                      </a:rPr>
+                      <m:t>𝑝𝑎𝑟𝑡𝑠</m:t>
+                    </m:r>
+                  </m:oMath>
+                </a14:m>
+                <a:endParaRPr lang="it-IT" sz="2000" i="1" dirty="0">
+                  <a:solidFill>
+                    <a:schemeClr val="tx1"/>
+                  </a:solidFill>
+                  <a:latin typeface="Cambria Math" panose="02040503050406030204" pitchFamily="18" charset="0"/>
+                </a:endParaRPr>
+              </a:p>
+              <a:p>
+                <a14:m>
+                  <m:oMath xmlns:m="http://schemas.openxmlformats.org/officeDocument/2006/math">
+                    <m:r>
+                      <a:rPr lang="it-IT" sz="2000" i="1">
+                        <a:solidFill>
+                          <a:schemeClr val="tx1"/>
+                        </a:solidFill>
+                        <a:latin typeface="Cambria Math" panose="02040503050406030204" pitchFamily="18" charset="0"/>
+                      </a:rPr>
+                      <m:t>𝑅𝑒𝑠𝑢𝑙𝑡</m:t>
+                    </m:r>
+                  </m:oMath>
+                </a14:m>
+                <a:endParaRPr lang="it-IT" sz="2000" dirty="0">
+                  <a:solidFill>
+                    <a:schemeClr val="tx1"/>
+                  </a:solidFill>
+                </a:endParaRPr>
+              </a:p>
+            </p:txBody>
+          </p:sp>
+        </mc:Choice>
+        <mc:Fallback>
+          <p:sp>
+            <p:nvSpPr>
+              <p:cNvPr id="3" name="Segnaposto contenuto 2">
+                <a:extLst>
+                  <a:ext uri="{FF2B5EF4-FFF2-40B4-BE49-F238E27FC236}">
+                    <a16:creationId xmlns:a16="http://schemas.microsoft.com/office/drawing/2014/main" id="{87749C20-3E74-425D-A4F4-173C6F20A4BC}"/>
+                  </a:ext>
+                </a:extLst>
+              </p:cNvPr>
+              <p:cNvSpPr>
+                <a:spLocks noGrp="1" noRot="1" noChangeAspect="1" noMove="1" noResize="1" noEditPoints="1" noAdjustHandles="1" noChangeArrowheads="1" noChangeShapeType="1" noTextEdit="1"/>
+              </p:cNvSpPr>
+              <p:nvPr>
+                <p:ph idx="1"/>
+              </p:nvPr>
+            </p:nvSpPr>
+            <p:spPr>
+              <a:xfrm>
+                <a:off x="643468" y="2638044"/>
+                <a:ext cx="3363974" cy="3415622"/>
+              </a:xfrm>
+              <a:blipFill>
+                <a:blip r:embed="rId2"/>
+                <a:stretch>
+                  <a:fillRect l="-1633" t="-1250"/>
+                </a:stretch>
+              </a:blipFill>
+            </p:spPr>
+            <p:txBody>
+              <a:bodyPr/>
+              <a:lstStyle/>
+              <a:p>
+                <a:r>
+                  <a:rPr lang="it-IT">
+                    <a:noFill/>
+                  </a:rPr>
+                  <a:t> </a:t>
+                </a:r>
+              </a:p>
+            </p:txBody>
+          </p:sp>
+        </mc:Fallback>
+      </mc:AlternateContent>
       <p:pic>
         <p:nvPicPr>
           <p:cNvPr id="1026" name="Picture 2" descr="Risultati immagini per hill climb racing">
@@ -11551,7 +13234,7 @@
           <p:nvPr/>
         </p:nvPicPr>
         <p:blipFill>
-          <a:blip r:embed="rId2">
+          <a:blip r:embed="rId3">
             <a:extLst>
               <a:ext uri="{28A0092B-C50C-407E-A947-70E740481C1C}">
                 <a14:useLocalDpi xmlns:a14="http://schemas.microsoft.com/office/drawing/2010/main" val="0"/>
@@ -11591,6 +13274,773 @@
   </p:cSld>
   <p:clrMapOvr>
     <a:overrideClrMapping bg1="dk1" tx1="lt1" bg2="dk2" tx2="lt2" accent1="accent1" accent2="accent2" accent3="accent3" accent4="accent4" accent5="accent5" accent6="accent6" hlink="hlink" folHlink="folHlink"/>
+  </p:clrMapOvr>
+</p:sld>
+</file>
+
+<file path=ppt/slides/slide31.xml><?xml version="1.0" encoding="utf-8"?>
+<p:sld xmlns:a="http://schemas.openxmlformats.org/drawingml/2006/main" xmlns:r="http://schemas.openxmlformats.org/officeDocument/2006/relationships" xmlns:p="http://schemas.openxmlformats.org/presentationml/2006/main">
+  <p:cSld>
+    <p:spTree>
+      <p:nvGrpSpPr>
+        <p:cNvPr id="1" name=""/>
+        <p:cNvGrpSpPr/>
+        <p:nvPr/>
+      </p:nvGrpSpPr>
+      <p:grpSpPr>
+        <a:xfrm>
+          <a:off x="0" y="0"/>
+          <a:ext cx="0" cy="0"/>
+          <a:chOff x="0" y="0"/>
+          <a:chExt cx="0" cy="0"/>
+        </a:xfrm>
+      </p:grpSpPr>
+      <p:sp>
+        <p:nvSpPr>
+          <p:cNvPr id="2" name="Titolo 1">
+            <a:extLst>
+              <a:ext uri="{FF2B5EF4-FFF2-40B4-BE49-F238E27FC236}">
+                <a16:creationId xmlns:a16="http://schemas.microsoft.com/office/drawing/2014/main" id="{54604FE3-F249-472E-BF2B-91B201ADD15A}"/>
+              </a:ext>
+            </a:extLst>
+          </p:cNvPr>
+          <p:cNvSpPr>
+            <a:spLocks noGrp="1"/>
+          </p:cNvSpPr>
+          <p:nvPr>
+            <p:ph type="title"/>
+          </p:nvPr>
+        </p:nvSpPr>
+        <p:spPr>
+          <a:xfrm>
+            <a:off x="838200" y="140042"/>
+            <a:ext cx="10515600" cy="1325563"/>
+          </a:xfrm>
+        </p:spPr>
+        <p:txBody>
+          <a:bodyPr>
+            <a:normAutofit fontScale="90000"/>
+          </a:bodyPr>
+          <a:lstStyle/>
+          <a:p>
+            <a:r>
+              <a:rPr lang="it-IT" sz="3600" dirty="0"/>
+              <a:t>Key parts</a:t>
+            </a:r>
+            <a:br>
+              <a:rPr lang="it-IT" sz="3600" dirty="0"/>
+            </a:br>
+            <a:br>
+              <a:rPr lang="it-IT" sz="3600" dirty="0"/>
+            </a:br>
+            <a:endParaRPr lang="it-IT" sz="3600" dirty="0"/>
+          </a:p>
+        </p:txBody>
+      </p:sp>
+      <p:sp>
+        <p:nvSpPr>
+          <p:cNvPr id="3" name="Segnaposto contenuto 2">
+            <a:extLst>
+              <a:ext uri="{FF2B5EF4-FFF2-40B4-BE49-F238E27FC236}">
+                <a16:creationId xmlns:a16="http://schemas.microsoft.com/office/drawing/2014/main" id="{572F3C5D-A563-4751-939B-0C4D7A8B8BD5}"/>
+              </a:ext>
+            </a:extLst>
+          </p:cNvPr>
+          <p:cNvSpPr>
+            <a:spLocks noGrp="1"/>
+          </p:cNvSpPr>
+          <p:nvPr>
+            <p:ph idx="1"/>
+          </p:nvPr>
+        </p:nvSpPr>
+        <p:spPr>
+          <a:xfrm>
+            <a:off x="838200" y="1136308"/>
+            <a:ext cx="10515600" cy="4351338"/>
+          </a:xfrm>
+        </p:spPr>
+        <p:txBody>
+          <a:bodyPr/>
+          <a:lstStyle/>
+          <a:p>
+            <a:r>
+              <a:rPr lang="it-IT" dirty="0" err="1"/>
+              <a:t>Discretization</a:t>
+            </a:r>
+            <a:r>
+              <a:rPr lang="it-IT" dirty="0"/>
+              <a:t> of the state </a:t>
+            </a:r>
+            <a:r>
+              <a:rPr lang="it-IT" dirty="0" err="1"/>
+              <a:t>space</a:t>
+            </a:r>
+            <a:endParaRPr lang="it-IT" dirty="0"/>
+          </a:p>
+          <a:p>
+            <a:endParaRPr lang="it-IT" dirty="0"/>
+          </a:p>
+          <a:p>
+            <a:endParaRPr lang="it-IT" dirty="0"/>
+          </a:p>
+          <a:p>
+            <a:pPr marL="0" indent="0">
+              <a:buNone/>
+            </a:pPr>
+            <a:endParaRPr lang="it-IT" dirty="0"/>
+          </a:p>
+          <a:p>
+            <a:r>
+              <a:rPr lang="it-IT" dirty="0" err="1"/>
+              <a:t>Randomization</a:t>
+            </a:r>
+            <a:endParaRPr lang="it-IT" dirty="0"/>
+          </a:p>
+          <a:p>
+            <a:pPr marL="0" indent="0">
+              <a:buNone/>
+            </a:pPr>
+            <a:r>
+              <a:rPr lang="it-IT" dirty="0"/>
+              <a:t>   </a:t>
+            </a:r>
+          </a:p>
+          <a:p>
+            <a:pPr marL="0" indent="0">
+              <a:buNone/>
+            </a:pPr>
+            <a:r>
+              <a:rPr lang="it-IT" dirty="0"/>
+              <a:t>	</a:t>
+            </a:r>
+            <a:r>
+              <a:rPr lang="it-IT" dirty="0">
+                <a:solidFill>
+                  <a:srgbClr val="FF0000"/>
+                </a:solidFill>
+              </a:rPr>
+              <a:t>NO</a:t>
+            </a:r>
+            <a:r>
+              <a:rPr lang="it-IT" dirty="0"/>
+              <a:t>				  </a:t>
+            </a:r>
+            <a:r>
+              <a:rPr lang="it-IT" dirty="0">
+                <a:solidFill>
+                  <a:schemeClr val="accent6"/>
+                </a:solidFill>
+              </a:rPr>
+              <a:t>‘’YES’’</a:t>
+            </a:r>
+          </a:p>
+        </p:txBody>
+      </p:sp>
+      <p:pic>
+        <p:nvPicPr>
+          <p:cNvPr id="4" name="Immagine 3">
+            <a:extLst>
+              <a:ext uri="{FF2B5EF4-FFF2-40B4-BE49-F238E27FC236}">
+                <a16:creationId xmlns:a16="http://schemas.microsoft.com/office/drawing/2014/main" id="{81DE8A9E-70DD-486D-8F6F-E1590D847823}"/>
+              </a:ext>
+            </a:extLst>
+          </p:cNvPr>
+          <p:cNvPicPr>
+            <a:picLocks noChangeAspect="1"/>
+          </p:cNvPicPr>
+          <p:nvPr/>
+        </p:nvPicPr>
+        <p:blipFill>
+          <a:blip r:embed="rId3"/>
+          <a:stretch>
+            <a:fillRect/>
+          </a:stretch>
+        </p:blipFill>
+        <p:spPr>
+          <a:xfrm>
+            <a:off x="6429375" y="252987"/>
+            <a:ext cx="4924425" cy="3867150"/>
+          </a:xfrm>
+          <a:prstGeom prst="rect">
+            <a:avLst/>
+          </a:prstGeom>
+        </p:spPr>
+      </p:pic>
+      <p:pic>
+        <p:nvPicPr>
+          <p:cNvPr id="7" name="Immagine 6">
+            <a:extLst>
+              <a:ext uri="{FF2B5EF4-FFF2-40B4-BE49-F238E27FC236}">
+                <a16:creationId xmlns:a16="http://schemas.microsoft.com/office/drawing/2014/main" id="{4DC1E19D-87CB-4E2C-8D51-4BA30805D0BD}"/>
+              </a:ext>
+            </a:extLst>
+          </p:cNvPr>
+          <p:cNvPicPr>
+            <a:picLocks noChangeAspect="1"/>
+          </p:cNvPicPr>
+          <p:nvPr/>
+        </p:nvPicPr>
+        <p:blipFill>
+          <a:blip r:embed="rId4"/>
+          <a:stretch>
+            <a:fillRect/>
+          </a:stretch>
+        </p:blipFill>
+        <p:spPr>
+          <a:xfrm>
+            <a:off x="1228872" y="4612970"/>
+            <a:ext cx="1936359" cy="1108722"/>
+          </a:xfrm>
+          <a:prstGeom prst="rect">
+            <a:avLst/>
+          </a:prstGeom>
+        </p:spPr>
+      </p:pic>
+      <p:pic>
+        <p:nvPicPr>
+          <p:cNvPr id="8" name="Immagine 7">
+            <a:extLst>
+              <a:ext uri="{FF2B5EF4-FFF2-40B4-BE49-F238E27FC236}">
+                <a16:creationId xmlns:a16="http://schemas.microsoft.com/office/drawing/2014/main" id="{30FAF051-0D35-49A4-8109-512103E92091}"/>
+              </a:ext>
+            </a:extLst>
+          </p:cNvPr>
+          <p:cNvPicPr>
+            <a:picLocks noChangeAspect="1"/>
+          </p:cNvPicPr>
+          <p:nvPr/>
+        </p:nvPicPr>
+        <p:blipFill>
+          <a:blip r:embed="rId5"/>
+          <a:stretch>
+            <a:fillRect/>
+          </a:stretch>
+        </p:blipFill>
+        <p:spPr>
+          <a:xfrm>
+            <a:off x="5178459" y="4834450"/>
+            <a:ext cx="2501832" cy="670781"/>
+          </a:xfrm>
+          <a:prstGeom prst="rect">
+            <a:avLst/>
+          </a:prstGeom>
+        </p:spPr>
+      </p:pic>
+    </p:spTree>
+    <p:extLst>
+      <p:ext uri="{BB962C8B-B14F-4D97-AF65-F5344CB8AC3E}">
+        <p14:creationId xmlns:p14="http://schemas.microsoft.com/office/powerpoint/2010/main" val="3724516721"/>
+      </p:ext>
+    </p:extLst>
+  </p:cSld>
+  <p:clrMapOvr>
+    <a:masterClrMapping/>
+  </p:clrMapOvr>
+</p:sld>
+</file>
+
+<file path=ppt/slides/slide32.xml><?xml version="1.0" encoding="utf-8"?>
+<p:sld xmlns:a="http://schemas.openxmlformats.org/drawingml/2006/main" xmlns:r="http://schemas.openxmlformats.org/officeDocument/2006/relationships" xmlns:p="http://schemas.openxmlformats.org/presentationml/2006/main">
+  <p:cSld>
+    <p:spTree>
+      <p:nvGrpSpPr>
+        <p:cNvPr id="1" name=""/>
+        <p:cNvGrpSpPr/>
+        <p:nvPr/>
+      </p:nvGrpSpPr>
+      <p:grpSpPr>
+        <a:xfrm>
+          <a:off x="0" y="0"/>
+          <a:ext cx="0" cy="0"/>
+          <a:chOff x="0" y="0"/>
+          <a:chExt cx="0" cy="0"/>
+        </a:xfrm>
+      </p:grpSpPr>
+      <p:pic>
+        <p:nvPicPr>
+          <p:cNvPr id="4" name="Immagine 3">
+            <a:extLst>
+              <a:ext uri="{FF2B5EF4-FFF2-40B4-BE49-F238E27FC236}">
+                <a16:creationId xmlns:a16="http://schemas.microsoft.com/office/drawing/2014/main" id="{5623D59F-AA25-488C-B5C7-61BA0B4E852F}"/>
+              </a:ext>
+            </a:extLst>
+          </p:cNvPr>
+          <p:cNvPicPr>
+            <a:picLocks noChangeAspect="1"/>
+          </p:cNvPicPr>
+          <p:nvPr/>
+        </p:nvPicPr>
+        <p:blipFill>
+          <a:blip r:embed="rId2"/>
+          <a:stretch>
+            <a:fillRect/>
+          </a:stretch>
+        </p:blipFill>
+        <p:spPr>
+          <a:xfrm>
+            <a:off x="3765080" y="1647000"/>
+            <a:ext cx="7313374" cy="1266567"/>
+          </a:xfrm>
+          <a:prstGeom prst="rect">
+            <a:avLst/>
+          </a:prstGeom>
+        </p:spPr>
+      </p:pic>
+      <p:pic>
+        <p:nvPicPr>
+          <p:cNvPr id="5" name="Immagine 4">
+            <a:extLst>
+              <a:ext uri="{FF2B5EF4-FFF2-40B4-BE49-F238E27FC236}">
+                <a16:creationId xmlns:a16="http://schemas.microsoft.com/office/drawing/2014/main" id="{5A13935B-A155-4C2B-9595-72564AE80F73}"/>
+              </a:ext>
+            </a:extLst>
+          </p:cNvPr>
+          <p:cNvPicPr>
+            <a:picLocks noChangeAspect="1"/>
+          </p:cNvPicPr>
+          <p:nvPr/>
+        </p:nvPicPr>
+        <p:blipFill>
+          <a:blip r:embed="rId3"/>
+          <a:stretch>
+            <a:fillRect/>
+          </a:stretch>
+        </p:blipFill>
+        <p:spPr>
+          <a:xfrm>
+            <a:off x="1019906" y="690636"/>
+            <a:ext cx="3344934" cy="462915"/>
+          </a:xfrm>
+          <a:prstGeom prst="rect">
+            <a:avLst/>
+          </a:prstGeom>
+        </p:spPr>
+      </p:pic>
+      <p:cxnSp>
+        <p:nvCxnSpPr>
+          <p:cNvPr id="9" name="Connettore 2 8">
+            <a:extLst>
+              <a:ext uri="{FF2B5EF4-FFF2-40B4-BE49-F238E27FC236}">
+                <a16:creationId xmlns:a16="http://schemas.microsoft.com/office/drawing/2014/main" id="{B0E936A1-5C80-42E5-BBB9-B0FD0C04801D}"/>
+              </a:ext>
+            </a:extLst>
+          </p:cNvPr>
+          <p:cNvCxnSpPr>
+            <a:endCxn id="4" idx="1"/>
+          </p:cNvCxnSpPr>
+          <p:nvPr/>
+        </p:nvCxnSpPr>
+        <p:spPr>
+          <a:xfrm>
+            <a:off x="2546252" y="1153551"/>
+            <a:ext cx="1218828" cy="1126733"/>
+          </a:xfrm>
+          <a:prstGeom prst="straightConnector1">
+            <a:avLst/>
+          </a:prstGeom>
+          <a:ln w="28575">
+            <a:solidFill>
+              <a:srgbClr val="FF0000"/>
+            </a:solidFill>
+            <a:tailEnd type="triangle"/>
+          </a:ln>
+        </p:spPr>
+        <p:style>
+          <a:lnRef idx="1">
+            <a:schemeClr val="accent1"/>
+          </a:lnRef>
+          <a:fillRef idx="0">
+            <a:schemeClr val="accent1"/>
+          </a:fillRef>
+          <a:effectRef idx="0">
+            <a:schemeClr val="accent1"/>
+          </a:effectRef>
+          <a:fontRef idx="minor">
+            <a:schemeClr val="tx1"/>
+          </a:fontRef>
+        </p:style>
+      </p:cxnSp>
+      <p:pic>
+        <p:nvPicPr>
+          <p:cNvPr id="10" name="Immagine 9">
+            <a:extLst>
+              <a:ext uri="{FF2B5EF4-FFF2-40B4-BE49-F238E27FC236}">
+                <a16:creationId xmlns:a16="http://schemas.microsoft.com/office/drawing/2014/main" id="{FF1E02E1-34ED-460E-9AF4-F8F851138339}"/>
+              </a:ext>
+            </a:extLst>
+          </p:cNvPr>
+          <p:cNvPicPr>
+            <a:picLocks noChangeAspect="1"/>
+          </p:cNvPicPr>
+          <p:nvPr/>
+        </p:nvPicPr>
+        <p:blipFill>
+          <a:blip r:embed="rId4"/>
+          <a:stretch>
+            <a:fillRect/>
+          </a:stretch>
+        </p:blipFill>
+        <p:spPr>
+          <a:xfrm>
+            <a:off x="4875335" y="2913567"/>
+            <a:ext cx="3848100" cy="3819525"/>
+          </a:xfrm>
+          <a:prstGeom prst="rect">
+            <a:avLst/>
+          </a:prstGeom>
+        </p:spPr>
+      </p:pic>
+      <p:pic>
+        <p:nvPicPr>
+          <p:cNvPr id="11" name="Immagine 10">
+            <a:extLst>
+              <a:ext uri="{FF2B5EF4-FFF2-40B4-BE49-F238E27FC236}">
+                <a16:creationId xmlns:a16="http://schemas.microsoft.com/office/drawing/2014/main" id="{E2915D7D-6DE0-47BD-A4B9-EC6561C3BDF7}"/>
+              </a:ext>
+            </a:extLst>
+          </p:cNvPr>
+          <p:cNvPicPr>
+            <a:picLocks noChangeAspect="1"/>
+          </p:cNvPicPr>
+          <p:nvPr/>
+        </p:nvPicPr>
+        <p:blipFill>
+          <a:blip r:embed="rId5"/>
+          <a:stretch>
+            <a:fillRect/>
+          </a:stretch>
+        </p:blipFill>
+        <p:spPr>
+          <a:xfrm>
+            <a:off x="1126386" y="3429000"/>
+            <a:ext cx="2839729" cy="1711119"/>
+          </a:xfrm>
+          <a:prstGeom prst="rect">
+            <a:avLst/>
+          </a:prstGeom>
+        </p:spPr>
+      </p:pic>
+      <p:cxnSp>
+        <p:nvCxnSpPr>
+          <p:cNvPr id="12" name="Connettore 2 11">
+            <a:extLst>
+              <a:ext uri="{FF2B5EF4-FFF2-40B4-BE49-F238E27FC236}">
+                <a16:creationId xmlns:a16="http://schemas.microsoft.com/office/drawing/2014/main" id="{FAA80800-3A5B-4FB1-85D4-C37D9BE36B60}"/>
+              </a:ext>
+            </a:extLst>
+          </p:cNvPr>
+          <p:cNvCxnSpPr>
+            <a:cxnSpLocks/>
+            <a:stCxn id="11" idx="3"/>
+            <a:endCxn id="10" idx="1"/>
+          </p:cNvCxnSpPr>
+          <p:nvPr/>
+        </p:nvCxnSpPr>
+        <p:spPr>
+          <a:xfrm>
+            <a:off x="3966115" y="4284560"/>
+            <a:ext cx="909220" cy="538770"/>
+          </a:xfrm>
+          <a:prstGeom prst="straightConnector1">
+            <a:avLst/>
+          </a:prstGeom>
+          <a:ln w="28575">
+            <a:solidFill>
+              <a:srgbClr val="FF0000"/>
+            </a:solidFill>
+            <a:tailEnd type="triangle"/>
+          </a:ln>
+        </p:spPr>
+        <p:style>
+          <a:lnRef idx="1">
+            <a:schemeClr val="accent1"/>
+          </a:lnRef>
+          <a:fillRef idx="0">
+            <a:schemeClr val="accent1"/>
+          </a:fillRef>
+          <a:effectRef idx="0">
+            <a:schemeClr val="accent1"/>
+          </a:effectRef>
+          <a:fontRef idx="minor">
+            <a:schemeClr val="tx1"/>
+          </a:fontRef>
+        </p:style>
+      </p:cxnSp>
+    </p:spTree>
+    <p:extLst>
+      <p:ext uri="{BB962C8B-B14F-4D97-AF65-F5344CB8AC3E}">
+        <p14:creationId xmlns:p14="http://schemas.microsoft.com/office/powerpoint/2010/main" val="3623945454"/>
+      </p:ext>
+    </p:extLst>
+  </p:cSld>
+  <p:clrMapOvr>
+    <a:masterClrMapping/>
+  </p:clrMapOvr>
+</p:sld>
+</file>
+
+<file path=ppt/slides/slide33.xml><?xml version="1.0" encoding="utf-8"?>
+<p:sld xmlns:a="http://schemas.openxmlformats.org/drawingml/2006/main" xmlns:r="http://schemas.openxmlformats.org/officeDocument/2006/relationships" xmlns:p="http://schemas.openxmlformats.org/presentationml/2006/main">
+  <p:cSld>
+    <p:spTree>
+      <p:nvGrpSpPr>
+        <p:cNvPr id="1" name=""/>
+        <p:cNvGrpSpPr/>
+        <p:nvPr/>
+      </p:nvGrpSpPr>
+      <p:grpSpPr>
+        <a:xfrm>
+          <a:off x="0" y="0"/>
+          <a:ext cx="0" cy="0"/>
+          <a:chOff x="0" y="0"/>
+          <a:chExt cx="0" cy="0"/>
+        </a:xfrm>
+      </p:grpSpPr>
+      <p:sp>
+        <p:nvSpPr>
+          <p:cNvPr id="3" name="Segnaposto contenuto 2">
+            <a:extLst>
+              <a:ext uri="{FF2B5EF4-FFF2-40B4-BE49-F238E27FC236}">
+                <a16:creationId xmlns:a16="http://schemas.microsoft.com/office/drawing/2014/main" id="{C0DF3E98-DA20-4868-AFEF-5E044109EF44}"/>
+              </a:ext>
+            </a:extLst>
+          </p:cNvPr>
+          <p:cNvSpPr>
+            <a:spLocks noGrp="1"/>
+          </p:cNvSpPr>
+          <p:nvPr>
+            <p:ph idx="1"/>
+          </p:nvPr>
+        </p:nvSpPr>
+        <p:spPr>
+          <a:xfrm>
+            <a:off x="838200" y="776617"/>
+            <a:ext cx="10515600" cy="5304766"/>
+          </a:xfrm>
+        </p:spPr>
+        <p:txBody>
+          <a:bodyPr/>
+          <a:lstStyle/>
+          <a:p>
+            <a:pPr marL="0" indent="0">
+              <a:buNone/>
+            </a:pPr>
+            <a:r>
+              <a:rPr lang="it-IT" dirty="0"/>
+              <a:t>Video </a:t>
+            </a:r>
+            <a:r>
+              <a:rPr lang="it-IT" dirty="0" err="1"/>
+              <a:t>demonstration</a:t>
+            </a:r>
+            <a:r>
+              <a:rPr lang="it-IT" dirty="0"/>
+              <a:t>....</a:t>
+            </a:r>
+          </a:p>
+        </p:txBody>
+      </p:sp>
+      <p:sp>
+        <p:nvSpPr>
+          <p:cNvPr id="4" name="Pulsante di azione: video 3">
+            <a:hlinkClick r:id="" action="ppaction://noaction" highlightClick="1"/>
+            <a:extLst>
+              <a:ext uri="{FF2B5EF4-FFF2-40B4-BE49-F238E27FC236}">
+                <a16:creationId xmlns:a16="http://schemas.microsoft.com/office/drawing/2014/main" id="{820A726E-68E5-46A2-879B-025A65DF2D1D}"/>
+              </a:ext>
+            </a:extLst>
+          </p:cNvPr>
+          <p:cNvSpPr/>
+          <p:nvPr/>
+        </p:nvSpPr>
+        <p:spPr>
+          <a:xfrm>
+            <a:off x="5134708" y="2321169"/>
+            <a:ext cx="1814732" cy="1350499"/>
+          </a:xfrm>
+          <a:prstGeom prst="actionButtonMovie">
+            <a:avLst/>
+          </a:prstGeom>
+        </p:spPr>
+        <p:style>
+          <a:lnRef idx="2">
+            <a:schemeClr val="accent6"/>
+          </a:lnRef>
+          <a:fillRef idx="1">
+            <a:schemeClr val="lt1"/>
+          </a:fillRef>
+          <a:effectRef idx="0">
+            <a:schemeClr val="accent6"/>
+          </a:effectRef>
+          <a:fontRef idx="minor">
+            <a:schemeClr val="dk1"/>
+          </a:fontRef>
+        </p:style>
+        <p:txBody>
+          <a:bodyPr rtlCol="0" anchor="ctr"/>
+          <a:lstStyle/>
+          <a:p>
+            <a:pPr algn="ctr"/>
+            <a:endParaRPr lang="it-IT"/>
+          </a:p>
+        </p:txBody>
+      </p:sp>
+    </p:spTree>
+    <p:extLst>
+      <p:ext uri="{BB962C8B-B14F-4D97-AF65-F5344CB8AC3E}">
+        <p14:creationId xmlns:p14="http://schemas.microsoft.com/office/powerpoint/2010/main" val="148950252"/>
+      </p:ext>
+    </p:extLst>
+  </p:cSld>
+  <p:clrMapOvr>
+    <a:masterClrMapping/>
+  </p:clrMapOvr>
+</p:sld>
+</file>
+
+<file path=ppt/slides/slide34.xml><?xml version="1.0" encoding="utf-8"?>
+<p:sld xmlns:a="http://schemas.openxmlformats.org/drawingml/2006/main" xmlns:r="http://schemas.openxmlformats.org/officeDocument/2006/relationships" xmlns:p="http://schemas.openxmlformats.org/presentationml/2006/main">
+  <p:cSld>
+    <p:spTree>
+      <p:nvGrpSpPr>
+        <p:cNvPr id="1" name=""/>
+        <p:cNvGrpSpPr/>
+        <p:nvPr/>
+      </p:nvGrpSpPr>
+      <p:grpSpPr>
+        <a:xfrm>
+          <a:off x="0" y="0"/>
+          <a:ext cx="0" cy="0"/>
+          <a:chOff x="0" y="0"/>
+          <a:chExt cx="0" cy="0"/>
+        </a:xfrm>
+      </p:grpSpPr>
+      <p:pic>
+        <p:nvPicPr>
+          <p:cNvPr id="4" name="Segnaposto contenuto 3">
+            <a:extLst>
+              <a:ext uri="{FF2B5EF4-FFF2-40B4-BE49-F238E27FC236}">
+                <a16:creationId xmlns:a16="http://schemas.microsoft.com/office/drawing/2014/main" id="{7734C4B8-C61E-4BC2-BCEB-CEDAE37F269C}"/>
+              </a:ext>
+            </a:extLst>
+          </p:cNvPr>
+          <p:cNvPicPr>
+            <a:picLocks noGrp="1" noChangeAspect="1"/>
+          </p:cNvPicPr>
+          <p:nvPr>
+            <p:ph idx="1"/>
+          </p:nvPr>
+        </p:nvPicPr>
+        <p:blipFill>
+          <a:blip r:embed="rId2"/>
+          <a:stretch>
+            <a:fillRect/>
+          </a:stretch>
+        </p:blipFill>
+        <p:spPr>
+          <a:xfrm>
+            <a:off x="2332586" y="1858242"/>
+            <a:ext cx="8173941" cy="4351338"/>
+          </a:xfrm>
+          <a:prstGeom prst="rect">
+            <a:avLst/>
+          </a:prstGeom>
+        </p:spPr>
+      </p:pic>
+      <p:sp>
+        <p:nvSpPr>
+          <p:cNvPr id="5" name="CasellaDiTesto 4">
+            <a:extLst>
+              <a:ext uri="{FF2B5EF4-FFF2-40B4-BE49-F238E27FC236}">
+                <a16:creationId xmlns:a16="http://schemas.microsoft.com/office/drawing/2014/main" id="{F715318C-FF1F-4E73-A36E-09A39D19A48A}"/>
+              </a:ext>
+            </a:extLst>
+          </p:cNvPr>
+          <p:cNvSpPr txBox="1"/>
+          <p:nvPr/>
+        </p:nvSpPr>
+        <p:spPr>
+          <a:xfrm>
+            <a:off x="1223888" y="858129"/>
+            <a:ext cx="6927089" cy="830997"/>
+          </a:xfrm>
+          <a:prstGeom prst="rect">
+            <a:avLst/>
+          </a:prstGeom>
+          <a:noFill/>
+        </p:spPr>
+        <p:txBody>
+          <a:bodyPr wrap="none" rtlCol="0">
+            <a:spAutoFit/>
+          </a:bodyPr>
+          <a:lstStyle/>
+          <a:p>
+            <a:r>
+              <a:rPr lang="it-IT" sz="2400" dirty="0"/>
+              <a:t>The </a:t>
+            </a:r>
+            <a:r>
+              <a:rPr lang="it-IT" sz="2400" dirty="0" err="1"/>
+              <a:t>reward</a:t>
+            </a:r>
+            <a:r>
+              <a:rPr lang="it-IT" sz="2400" dirty="0"/>
+              <a:t> </a:t>
+            </a:r>
+            <a:r>
+              <a:rPr lang="it-IT" sz="2400" dirty="0" err="1"/>
+              <a:t>obtained</a:t>
+            </a:r>
+            <a:r>
+              <a:rPr lang="it-IT" sz="2400" dirty="0"/>
+              <a:t> by the agent (the car) </a:t>
+            </a:r>
+            <a:r>
+              <a:rPr lang="it-IT" sz="2400" dirty="0" err="1"/>
+              <a:t>decreases</a:t>
+            </a:r>
+            <a:r>
+              <a:rPr lang="it-IT" sz="2400" dirty="0"/>
+              <a:t> </a:t>
+            </a:r>
+          </a:p>
+          <a:p>
+            <a:r>
+              <a:rPr lang="it-IT" sz="2400"/>
+              <a:t>with </a:t>
+            </a:r>
+            <a:r>
+              <a:rPr lang="it-IT" sz="2400" dirty="0"/>
+              <a:t>the </a:t>
+            </a:r>
+            <a:r>
+              <a:rPr lang="it-IT" sz="2400" dirty="0" err="1"/>
+              <a:t>number</a:t>
+            </a:r>
+            <a:r>
+              <a:rPr lang="it-IT" sz="2400" dirty="0"/>
+              <a:t> of the </a:t>
+            </a:r>
+            <a:r>
+              <a:rPr lang="it-IT" sz="2400" dirty="0" err="1"/>
+              <a:t>episodes</a:t>
+            </a:r>
+            <a:r>
+              <a:rPr lang="it-IT" sz="2400" dirty="0"/>
+              <a:t>.</a:t>
+            </a:r>
+          </a:p>
+        </p:txBody>
+      </p:sp>
+    </p:spTree>
+    <p:extLst>
+      <p:ext uri="{BB962C8B-B14F-4D97-AF65-F5344CB8AC3E}">
+        <p14:creationId xmlns:p14="http://schemas.microsoft.com/office/powerpoint/2010/main" val="3006794094"/>
+      </p:ext>
+    </p:extLst>
+  </p:cSld>
+  <p:clrMapOvr>
+    <a:masterClrMapping/>
   </p:clrMapOvr>
 </p:sld>
 </file>
@@ -11649,34 +14099,6 @@
           </a:prstGeom>
         </p:spPr>
       </p:pic>
-      <p:sp>
-        <p:nvSpPr>
-          <p:cNvPr id="4" name="Content Placeholder 3">
-            <a:extLst>
-              <a:ext uri="{FF2B5EF4-FFF2-40B4-BE49-F238E27FC236}">
-                <a16:creationId xmlns:a16="http://schemas.microsoft.com/office/drawing/2014/main" id="{5B66029D-04B0-5C4F-BF5A-5AD7FBB2CE31}"/>
-              </a:ext>
-            </a:extLst>
-          </p:cNvPr>
-          <p:cNvSpPr>
-            <a:spLocks noGrp="1"/>
-          </p:cNvSpPr>
-          <p:nvPr>
-            <p:ph idx="1"/>
-          </p:nvPr>
-        </p:nvSpPr>
-        <p:spPr/>
-        <p:txBody>
-          <a:bodyPr/>
-          <a:lstStyle/>
-          <a:p>
-            <a:pPr marL="0" indent="0">
-              <a:buNone/>
-            </a:pPr>
-            <a:endParaRPr lang="de-DE" dirty="0"/>
-          </a:p>
-        </p:txBody>
-      </p:sp>
       <p:pic>
         <p:nvPicPr>
           <p:cNvPr id="6" name="Picture 5">
@@ -11705,7 +14127,7 @@
         </p:blipFill>
         <p:spPr>
           <a:xfrm>
-            <a:off x="282732" y="694266"/>
+            <a:off x="393539" y="279399"/>
             <a:ext cx="8041859" cy="6028267"/>
           </a:xfrm>
           <a:prstGeom prst="rect">
@@ -11760,14 +14182,7 @@
             </a:lvl1pPr>
           </a:lstStyle>
           <a:p>
-            <a:r>
-              <a:rPr lang="it-IT" dirty="0" err="1"/>
-              <a:t>Experimental</a:t>
-            </a:r>
-            <a:r>
-              <a:rPr lang="it-IT" dirty="0"/>
-              <a:t> Setup</a:t>
-            </a:r>
+            <a:endParaRPr lang="it-IT" dirty="0"/>
           </a:p>
         </p:txBody>
       </p:sp>
@@ -11935,48 +14350,62 @@
               <a:buFont typeface="+mj-lt"/>
               <a:buAutoNum type="arabicPeriod"/>
             </a:pPr>
-            <a:r>
-              <a:rPr lang="de-DE" dirty="0"/>
-              <a:t>Internal </a:t>
-            </a:r>
-            <a:r>
-              <a:rPr lang="de-DE" dirty="0" err="1"/>
-              <a:t>comparison</a:t>
-            </a:r>
-            <a:r>
-              <a:rPr lang="de-DE" dirty="0"/>
-              <a:t> (</a:t>
-            </a:r>
-            <a:r>
-              <a:rPr lang="de-DE" dirty="0" err="1"/>
-              <a:t>parameter</a:t>
-            </a:r>
-            <a:r>
-              <a:rPr lang="de-DE" dirty="0"/>
-              <a:t> </a:t>
-            </a:r>
-            <a:r>
-              <a:rPr lang="de-DE" dirty="0" err="1"/>
-              <a:t>vs</a:t>
-            </a:r>
-            <a:r>
-              <a:rPr lang="de-DE" dirty="0"/>
-              <a:t> </a:t>
-            </a:r>
-            <a:r>
-              <a:rPr lang="de-DE" dirty="0" err="1"/>
-              <a:t>parameter</a:t>
-            </a:r>
-            <a:r>
-              <a:rPr lang="de-DE" dirty="0"/>
-              <a:t>)</a:t>
-            </a:r>
+            <a:endParaRPr lang="de-DE" dirty="0"/>
           </a:p>
           <a:p>
             <a:pPr marL="514350" indent="-514350">
               <a:buFont typeface="+mj-lt"/>
               <a:buAutoNum type="arabicPeriod"/>
             </a:pPr>
+            <a:endParaRPr lang="de-DE" dirty="0"/>
+          </a:p>
+          <a:p>
+            <a:pPr marL="514350" indent="-514350">
+              <a:buFont typeface="+mj-lt"/>
+              <a:buAutoNum type="arabicPeriod"/>
+            </a:pPr>
+            <a:r>
+              <a:rPr lang="de-DE" dirty="0"/>
+              <a:t>Internal </a:t>
+            </a:r>
+            <a:r>
+              <a:rPr lang="de-DE" dirty="0" err="1"/>
+              <a:t>comparison</a:t>
+            </a:r>
+            <a:r>
+              <a:rPr lang="de-DE" dirty="0"/>
+              <a:t> (</a:t>
+            </a:r>
+            <a:r>
+              <a:rPr lang="de-DE" dirty="0" err="1"/>
+              <a:t>parameter</a:t>
+            </a:r>
+            <a:r>
+              <a:rPr lang="de-DE" dirty="0"/>
+              <a:t> </a:t>
+            </a:r>
+            <a:r>
+              <a:rPr lang="de-DE" dirty="0" err="1"/>
+              <a:t>vs</a:t>
+            </a:r>
+            <a:r>
+              <a:rPr lang="de-DE" dirty="0"/>
+              <a:t> </a:t>
+            </a:r>
+            <a:r>
+              <a:rPr lang="de-DE" dirty="0" err="1"/>
+              <a:t>parameter</a:t>
+            </a:r>
+            <a:r>
+              <a:rPr lang="de-DE" dirty="0"/>
+              <a:t>)</a:t>
+            </a:r>
+          </a:p>
+          <a:p>
+            <a:pPr marL="514350" indent="-514350">
+              <a:buFont typeface="+mj-lt"/>
+              <a:buAutoNum type="arabicPeriod"/>
+            </a:pPr>
             <a:r>
               <a:rPr lang="de-DE" dirty="0" err="1"/>
               <a:t>External</a:t>
@@ -12019,8 +14448,9 @@
             </a:r>
           </a:p>
           <a:p>
-            <a:pPr marL="0" indent="0">
-              <a:buNone/>
+            <a:pPr marL="514350" indent="-514350">
+              <a:buFont typeface="+mj-lt"/>
+              <a:buAutoNum type="arabicPeriod"/>
             </a:pPr>
             <a:r>
               <a:rPr lang="de-DE" dirty="0"/>
@@ -12032,7 +14462,15 @@
             </a:r>
             <a:r>
               <a:rPr lang="de-DE" dirty="0"/>
-              <a:t>: Average </a:t>
+              <a:t>: </a:t>
+            </a:r>
+            <a:r>
+              <a:rPr lang="de-DE" dirty="0" err="1"/>
+              <a:t>average</a:t>
+            </a:r>
+            <a:r>
+              <a:rPr lang="de-DE" dirty="0"/>
+              <a:t> </a:t>
             </a:r>
             <a:r>
               <a:rPr lang="de-DE" dirty="0" err="1"/>
@@ -12124,7 +14562,7 @@
           <p:nvPr/>
         </p:nvPicPr>
         <p:blipFill>
-          <a:blip r:embed="rId2">
+          <a:blip r:embed="rId3">
             <a:alphaModFix amt="15000"/>
             <a:extLst>
               <a:ext uri="{28A0092B-C50C-407E-A947-70E740481C1C}">
@@ -12196,7 +14634,7 @@
           </p:nvPr>
         </p:nvPicPr>
         <p:blipFill>
-          <a:blip r:embed="rId3">
+          <a:blip r:embed="rId4">
             <a:extLst>
               <a:ext uri="{28A0092B-C50C-407E-A947-70E740481C1C}">
                 <a14:useLocalDpi xmlns:a14="http://schemas.microsoft.com/office/drawing/2010/main" val="0"/>
@@ -12321,7 +14759,7 @@
           <p:nvPr/>
         </p:nvPicPr>
         <p:blipFill>
-          <a:blip r:embed="rId2">
+          <a:blip r:embed="rId3">
             <a:alphaModFix amt="15000"/>
             <a:extLst>
               <a:ext uri="{28A0092B-C50C-407E-A947-70E740481C1C}">
@@ -12343,39 +14781,6 @@
           </a:prstGeom>
         </p:spPr>
       </p:pic>
-      <p:sp>
-        <p:nvSpPr>
-          <p:cNvPr id="2" name="Titolo 1">
-            <a:extLst>
-              <a:ext uri="{FF2B5EF4-FFF2-40B4-BE49-F238E27FC236}">
-                <a16:creationId xmlns:a16="http://schemas.microsoft.com/office/drawing/2014/main" id="{7C3CD4E9-DB64-4918-82F7-8F8A8315170B}"/>
-              </a:ext>
-            </a:extLst>
-          </p:cNvPr>
-          <p:cNvSpPr>
-            <a:spLocks noGrp="1"/>
-          </p:cNvSpPr>
-          <p:nvPr>
-            <p:ph type="title"/>
-          </p:nvPr>
-        </p:nvSpPr>
-        <p:spPr>
-          <a:xfrm>
-            <a:off x="-89799" y="-263527"/>
-            <a:ext cx="10515600" cy="1325563"/>
-          </a:xfrm>
-        </p:spPr>
-        <p:txBody>
-          <a:bodyPr/>
-          <a:lstStyle/>
-          <a:p>
-            <a:r>
-              <a:rPr lang="it-IT" dirty="0"/>
-              <a:t>Experiment 1</a:t>
-            </a:r>
-          </a:p>
-        </p:txBody>
-      </p:sp>
       <p:pic>
         <p:nvPicPr>
           <p:cNvPr id="7" name="Content Placeholder 6">
@@ -12393,7 +14798,7 @@
           </p:nvPr>
         </p:nvPicPr>
         <p:blipFill>
-          <a:blip r:embed="rId3">
+          <a:blip r:embed="rId4">
             <a:extLst>
               <a:ext uri="{28A0092B-C50C-407E-A947-70E740481C1C}">
                 <a14:useLocalDpi xmlns:a14="http://schemas.microsoft.com/office/drawing/2010/main" val="0"/>
@@ -12411,68 +14816,6 @@
           </a:xfrm>
         </p:spPr>
       </p:pic>
-      <p:sp>
-        <p:nvSpPr>
-          <p:cNvPr id="9" name="TextBox 8">
-            <a:extLst>
-              <a:ext uri="{FF2B5EF4-FFF2-40B4-BE49-F238E27FC236}">
-                <a16:creationId xmlns:a16="http://schemas.microsoft.com/office/drawing/2014/main" id="{B5AF2BFB-C621-A14E-9FBE-501514D62D33}"/>
-              </a:ext>
-            </a:extLst>
-          </p:cNvPr>
-          <p:cNvSpPr txBox="1"/>
-          <p:nvPr/>
-        </p:nvSpPr>
-        <p:spPr>
-          <a:xfrm>
-            <a:off x="143926" y="897466"/>
-            <a:ext cx="2157322" cy="646331"/>
-          </a:xfrm>
-          <a:prstGeom prst="rect">
-            <a:avLst/>
-          </a:prstGeom>
-          <a:noFill/>
-        </p:spPr>
-        <p:txBody>
-          <a:bodyPr wrap="none" rtlCol="0">
-            <a:spAutoFit/>
-          </a:bodyPr>
-          <a:lstStyle/>
-          <a:p>
-            <a:pPr marL="285750" indent="-285750">
-              <a:buFont typeface="Arial" panose="020B0604020202020204" pitchFamily="34" charset="0"/>
-              <a:buChar char="•"/>
-            </a:pPr>
-            <a:r>
-              <a:rPr lang="de-DE" dirty="0"/>
-              <a:t>10 </a:t>
-            </a:r>
-            <a:r>
-              <a:rPr lang="de-DE" dirty="0" err="1"/>
-              <a:t>Bandits</a:t>
-            </a:r>
-            <a:endParaRPr lang="de-DE" dirty="0"/>
-          </a:p>
-          <a:p>
-            <a:pPr marL="285750" indent="-285750">
-              <a:buFont typeface="Arial" panose="020B0604020202020204" pitchFamily="34" charset="0"/>
-              <a:buChar char="•"/>
-            </a:pPr>
-            <a:r>
-              <a:rPr lang="de-DE" dirty="0"/>
-              <a:t>Fixed </a:t>
-            </a:r>
-            <a:r>
-              <a:rPr lang="de-DE" dirty="0" err="1"/>
-              <a:t>distribution</a:t>
-            </a:r>
-            <a:r>
-              <a:rPr lang="de-DE" dirty="0"/>
-              <a:t> </a:t>
-            </a:r>
-          </a:p>
-        </p:txBody>
-      </p:sp>
     </p:spTree>
     <p:extLst>
       <p:ext uri="{BB962C8B-B14F-4D97-AF65-F5344CB8AC3E}">
@@ -12518,7 +14861,7 @@
           <p:nvPr/>
         </p:nvPicPr>
         <p:blipFill>
-          <a:blip r:embed="rId2">
+          <a:blip r:embed="rId3">
             <a:alphaModFix amt="15000"/>
             <a:extLst>
               <a:ext uri="{28A0092B-C50C-407E-A947-70E740481C1C}">
@@ -12540,39 +14883,6 @@
           </a:prstGeom>
         </p:spPr>
       </p:pic>
-      <p:sp>
-        <p:nvSpPr>
-          <p:cNvPr id="2" name="Titolo 1">
-            <a:extLst>
-              <a:ext uri="{FF2B5EF4-FFF2-40B4-BE49-F238E27FC236}">
-                <a16:creationId xmlns:a16="http://schemas.microsoft.com/office/drawing/2014/main" id="{7C3CD4E9-DB64-4918-82F7-8F8A8315170B}"/>
-              </a:ext>
-            </a:extLst>
-          </p:cNvPr>
-          <p:cNvSpPr>
-            <a:spLocks noGrp="1"/>
-          </p:cNvSpPr>
-          <p:nvPr>
-            <p:ph type="title"/>
-          </p:nvPr>
-        </p:nvSpPr>
-        <p:spPr>
-          <a:xfrm>
-            <a:off x="-89799" y="-263527"/>
-            <a:ext cx="10515600" cy="1325563"/>
-          </a:xfrm>
-        </p:spPr>
-        <p:txBody>
-          <a:bodyPr/>
-          <a:lstStyle/>
-          <a:p>
-            <a:r>
-              <a:rPr lang="it-IT" dirty="0"/>
-              <a:t>Experiment 1</a:t>
-            </a:r>
-          </a:p>
-        </p:txBody>
-      </p:sp>
       <p:pic>
         <p:nvPicPr>
           <p:cNvPr id="7" name="Content Placeholder 6">
@@ -12590,7 +14900,7 @@
           </p:nvPr>
         </p:nvPicPr>
         <p:blipFill>
-          <a:blip r:embed="rId3">
+          <a:blip r:embed="rId4">
             <a:extLst>
               <a:ext uri="{28A0092B-C50C-407E-A947-70E740481C1C}">
                 <a14:useLocalDpi xmlns:a14="http://schemas.microsoft.com/office/drawing/2010/main" val="0"/>
@@ -12603,73 +14913,11 @@
         </p:blipFill>
         <p:spPr>
           <a:xfrm>
-            <a:off x="3019899" y="0"/>
+            <a:off x="3019898" y="7407"/>
             <a:ext cx="9172102" cy="6850593"/>
           </a:xfrm>
         </p:spPr>
       </p:pic>
-      <p:sp>
-        <p:nvSpPr>
-          <p:cNvPr id="9" name="TextBox 8">
-            <a:extLst>
-              <a:ext uri="{FF2B5EF4-FFF2-40B4-BE49-F238E27FC236}">
-                <a16:creationId xmlns:a16="http://schemas.microsoft.com/office/drawing/2014/main" id="{C2F39E27-1FD6-9949-80D5-4D8EEFF46CF2}"/>
-              </a:ext>
-            </a:extLst>
-          </p:cNvPr>
-          <p:cNvSpPr txBox="1"/>
-          <p:nvPr/>
-        </p:nvSpPr>
-        <p:spPr>
-          <a:xfrm>
-            <a:off x="143926" y="897466"/>
-            <a:ext cx="2157322" cy="646331"/>
-          </a:xfrm>
-          <a:prstGeom prst="rect">
-            <a:avLst/>
-          </a:prstGeom>
-          <a:noFill/>
-        </p:spPr>
-        <p:txBody>
-          <a:bodyPr wrap="none" rtlCol="0">
-            <a:spAutoFit/>
-          </a:bodyPr>
-          <a:lstStyle/>
-          <a:p>
-            <a:pPr marL="285750" indent="-285750">
-              <a:buFont typeface="Arial" panose="020B0604020202020204" pitchFamily="34" charset="0"/>
-              <a:buChar char="•"/>
-            </a:pPr>
-            <a:r>
-              <a:rPr lang="de-DE" dirty="0"/>
-              <a:t>10 </a:t>
-            </a:r>
-            <a:r>
-              <a:rPr lang="de-DE" dirty="0" err="1"/>
-              <a:t>Bandits</a:t>
-            </a:r>
-            <a:endParaRPr lang="de-DE" dirty="0"/>
-          </a:p>
-          <a:p>
-            <a:pPr marL="285750" indent="-285750">
-              <a:buFont typeface="Arial" panose="020B0604020202020204" pitchFamily="34" charset="0"/>
-              <a:buChar char="•"/>
-            </a:pPr>
-            <a:r>
-              <a:rPr lang="de-DE" dirty="0"/>
-              <a:t>Fixed </a:t>
-            </a:r>
-            <a:r>
-              <a:rPr lang="de-DE" dirty="0" err="1"/>
-              <a:t>distribution</a:t>
-            </a:r>
-            <a:r>
-              <a:rPr lang="de-DE" dirty="0"/>
-              <a:t> </a:t>
-            </a:r>
-          </a:p>
-        </p:txBody>
-      </p:sp>
     </p:spTree>
     <p:extLst>
       <p:ext uri="{BB962C8B-B14F-4D97-AF65-F5344CB8AC3E}">
@@ -12715,7 +14963,7 @@
           <p:nvPr/>
         </p:nvPicPr>
         <p:blipFill>
-          <a:blip r:embed="rId2">
+          <a:blip r:embed="rId3">
             <a:alphaModFix amt="15000"/>
             <a:extLst>
               <a:ext uri="{28A0092B-C50C-407E-A947-70E740481C1C}">
@@ -12787,7 +15035,7 @@
           </p:nvPr>
         </p:nvPicPr>
         <p:blipFill>
-          <a:blip r:embed="rId3">
+          <a:blip r:embed="rId4">
             <a:extLst>
               <a:ext uri="{28A0092B-C50C-407E-A947-70E740481C1C}">
                 <a14:useLocalDpi xmlns:a14="http://schemas.microsoft.com/office/drawing/2010/main" val="0"/>
@@ -12819,7 +15067,7 @@
         </p:nvSpPr>
         <p:spPr>
           <a:xfrm>
-            <a:off x="690271" y="692704"/>
+            <a:off x="27064" y="877370"/>
             <a:ext cx="2944129" cy="369332"/>
           </a:xfrm>
           <a:prstGeom prst="rect">
@@ -12835,7 +15083,7 @@
           <a:p>
             <a:r>
               <a:rPr lang="de-DE" dirty="0"/>
-              <a:t>Distribution 1 </a:t>
+              <a:t>Distribution 1</a:t>
             </a:r>
           </a:p>
         </p:txBody>
@@ -13146,4 +15394,299 @@
     </a:ext>
   </a:extLst>
 </a:theme>
+</file>
+
+<file path=ppt/theme/theme2.xml><?xml version="1.0" encoding="utf-8"?>
+<a:theme xmlns:a="http://schemas.openxmlformats.org/drawingml/2006/main" name="Tema di Office">
+  <a:themeElements>
+    <a:clrScheme name="Office">
+      <a:dk1>
+        <a:sysClr val="windowText" lastClr="000000"/>
+      </a:dk1>
+      <a:lt1>
+        <a:sysClr val="window" lastClr="FFFFFF"/>
+      </a:lt1>
+      <a:dk2>
+        <a:srgbClr val="44546A"/>
+      </a:dk2>
+      <a:lt2>
+        <a:srgbClr val="E7E6E6"/>
+      </a:lt2>
+      <a:accent1>
+        <a:srgbClr val="4472C4"/>
+      </a:accent1>
+      <a:accent2>
+        <a:srgbClr val="ED7D31"/>
+      </a:accent2>
+      <a:accent3>
+        <a:srgbClr val="A5A5A5"/>
+      </a:accent3>
+      <a:accent4>
+        <a:srgbClr val="FFC000"/>
+      </a:accent4>
+      <a:accent5>
+        <a:srgbClr val="5B9BD5"/>
+      </a:accent5>
+      <a:accent6>
+        <a:srgbClr val="70AD47"/>
+      </a:accent6>
+      <a:hlink>
+        <a:srgbClr val="0563C1"/>
+      </a:hlink>
+      <a:folHlink>
+        <a:srgbClr val="954F72"/>
+      </a:folHlink>
+    </a:clrScheme>
+    <a:fontScheme name="Office">
+      <a:majorFont>
+        <a:latin typeface="Calibri Light" panose="020F0302020204030204"/>
+        <a:ea typeface=""/>
+        <a:cs typeface=""/>
+        <a:font script="Jpan" typeface="游ゴシック Light"/>
+        <a:font script="Hang" typeface="맑은 고딕"/>
+        <a:font script="Hans" typeface="等线 Light"/>
+        <a:font script="Hant" typeface="新細明體"/>
+        <a:font script="Arab" typeface="Times New Roman"/>
+        <a:font script="Hebr" typeface="Times New Roman"/>
+        <a:font script="Thai" typeface="Angsana New"/>
+        <a:font script="Ethi" typeface="Nyala"/>
+        <a:font script="Beng" typeface="Vrinda"/>
+        <a:font script="Gujr" typeface="Shruti"/>
+        <a:font script="Khmr" typeface="MoolBoran"/>
+        <a:font script="Knda" typeface="Tunga"/>
+        <a:font script="Guru" typeface="Raavi"/>
+        <a:font script="Cans" typeface="Euphemia"/>
+        <a:font script="Cher" typeface="Plantagenet Cherokee"/>
+        <a:font script="Yiii" typeface="Microsoft Yi Baiti"/>
+        <a:font script="Tibt" typeface="Microsoft Himalaya"/>
+        <a:font script="Thaa" typeface="MV Boli"/>
+        <a:font script="Deva" typeface="Mangal"/>
+        <a:font script="Telu" typeface="Gautami"/>
+        <a:font script="Taml" typeface="Latha"/>
+        <a:font script="Syrc" typeface="Estrangelo Edessa"/>
+        <a:font script="Orya" typeface="Kalinga"/>
+        <a:font script="Mlym" typeface="Kartika"/>
+        <a:font script="Laoo" typeface="DokChampa"/>
+        <a:font script="Sinh" typeface="Iskoola Pota"/>
+        <a:font script="Mong" typeface="Mongolian Baiti"/>
+        <a:font script="Viet" typeface="Times New Roman"/>
+        <a:font script="Uigh" typeface="Microsoft Uighur"/>
+        <a:font script="Geor" typeface="Sylfaen"/>
+        <a:font script="Armn" typeface="Arial"/>
+        <a:font script="Bugi" typeface="Leelawadee UI"/>
+        <a:font script="Bopo" typeface="Microsoft JhengHei"/>
+        <a:font script="Java" typeface="Javanese Text"/>
+        <a:font script="Lisu" typeface="Segoe UI"/>
+        <a:font script="Mymr" typeface="Myanmar Text"/>
+        <a:font script="Nkoo" typeface="Ebrima"/>
+        <a:font script="Olck" typeface="Nirmala UI"/>
+        <a:font script="Osma" typeface="Ebrima"/>
+        <a:font script="Phag" typeface="Phagspa"/>
+        <a:font script="Syrn" typeface="Estrangelo Edessa"/>
+        <a:font script="Syrj" typeface="Estrangelo Edessa"/>
+        <a:font script="Syre" typeface="Estrangelo Edessa"/>
+        <a:font script="Sora" typeface="Nirmala UI"/>
+        <a:font script="Tale" typeface="Microsoft Tai Le"/>
+        <a:font script="Talu" typeface="Microsoft New Tai Lue"/>
+        <a:font script="Tfng" typeface="Ebrima"/>
+      </a:majorFont>
+      <a:minorFont>
+        <a:latin typeface="Calibri" panose="020F0502020204030204"/>
+        <a:ea typeface=""/>
+        <a:cs typeface=""/>
+        <a:font script="Jpan" typeface="游ゴシック"/>
+        <a:font script="Hang" typeface="맑은 고딕"/>
+        <a:font script="Hans" typeface="等线"/>
+        <a:font script="Hant" typeface="新細明體"/>
+        <a:font script="Arab" typeface="Arial"/>
+        <a:font script="Hebr" typeface="Arial"/>
+        <a:font script="Thai" typeface="Cordia New"/>
+        <a:font script="Ethi" typeface="Nyala"/>
+        <a:font script="Beng" typeface="Vrinda"/>
+        <a:font script="Gujr" typeface="Shruti"/>
+        <a:font script="Khmr" typeface="DaunPenh"/>
+        <a:font script="Knda" typeface="Tunga"/>
+        <a:font script="Guru" typeface="Raavi"/>
+        <a:font script="Cans" typeface="Euphemia"/>
+        <a:font script="Cher" typeface="Plantagenet Cherokee"/>
+        <a:font script="Yiii" typeface="Microsoft Yi Baiti"/>
+        <a:font script="Tibt" typeface="Microsoft Himalaya"/>
+        <a:font script="Thaa" typeface="MV Boli"/>
+        <a:font script="Deva" typeface="Mangal"/>
+        <a:font script="Telu" typeface="Gautami"/>
+        <a:font script="Taml" typeface="Latha"/>
+        <a:font script="Syrc" typeface="Estrangelo Edessa"/>
+        <a:font script="Orya" typeface="Kalinga"/>
+        <a:font script="Mlym" typeface="Kartika"/>
+        <a:font script="Laoo" typeface="DokChampa"/>
+        <a:font script="Sinh" typeface="Iskoola Pota"/>
+        <a:font script="Mong" typeface="Mongolian Baiti"/>
+        <a:font script="Viet" typeface="Arial"/>
+        <a:font script="Uigh" typeface="Microsoft Uighur"/>
+        <a:font script="Geor" typeface="Sylfaen"/>
+        <a:font script="Armn" typeface="Arial"/>
+        <a:font script="Bugi" typeface="Leelawadee UI"/>
+        <a:font script="Bopo" typeface="Microsoft JhengHei"/>
+        <a:font script="Java" typeface="Javanese Text"/>
+        <a:font script="Lisu" typeface="Segoe UI"/>
+        <a:font script="Mymr" typeface="Myanmar Text"/>
+        <a:font script="Nkoo" typeface="Ebrima"/>
+        <a:font script="Olck" typeface="Nirmala UI"/>
+        <a:font script="Osma" typeface="Ebrima"/>
+        <a:font script="Phag" typeface="Phagspa"/>
+        <a:font script="Syrn" typeface="Estrangelo Edessa"/>
+        <a:font script="Syrj" typeface="Estrangelo Edessa"/>
+        <a:font script="Syre" typeface="Estrangelo Edessa"/>
+        <a:font script="Sora" typeface="Nirmala UI"/>
+        <a:font script="Tale" typeface="Microsoft Tai Le"/>
+        <a:font script="Talu" typeface="Microsoft New Tai Lue"/>
+        <a:font script="Tfng" typeface="Ebrima"/>
+      </a:minorFont>
+    </a:fontScheme>
+    <a:fmtScheme name="Office">
+      <a:fillStyleLst>
+        <a:solidFill>
+          <a:schemeClr val="phClr"/>
+        </a:solidFill>
+        <a:gradFill rotWithShape="1">
+          <a:gsLst>
+            <a:gs pos="0">
+              <a:schemeClr val="phClr">
+                <a:lumMod val="110000"/>
+                <a:satMod val="105000"/>
+                <a:tint val="67000"/>
+              </a:schemeClr>
+            </a:gs>
+            <a:gs pos="50000">
+              <a:schemeClr val="phClr">
+                <a:lumMod val="105000"/>
+                <a:satMod val="103000"/>
+                <a:tint val="73000"/>
+              </a:schemeClr>
+            </a:gs>
+            <a:gs pos="100000">
+              <a:schemeClr val="phClr">
+                <a:lumMod val="105000"/>
+                <a:satMod val="109000"/>
+                <a:tint val="81000"/>
+              </a:schemeClr>
+            </a:gs>
+          </a:gsLst>
+          <a:lin ang="5400000" scaled="0"/>
+        </a:gradFill>
+        <a:gradFill rotWithShape="1">
+          <a:gsLst>
+            <a:gs pos="0">
+              <a:schemeClr val="phClr">
+                <a:satMod val="103000"/>
+                <a:lumMod val="102000"/>
+                <a:tint val="94000"/>
+              </a:schemeClr>
+            </a:gs>
+            <a:gs pos="50000">
+              <a:schemeClr val="phClr">
+                <a:satMod val="110000"/>
+                <a:lumMod val="100000"/>
+                <a:shade val="100000"/>
+              </a:schemeClr>
+            </a:gs>
+            <a:gs pos="100000">
+              <a:schemeClr val="phClr">
+                <a:lumMod val="99000"/>
+                <a:satMod val="120000"/>
+                <a:shade val="78000"/>
+              </a:schemeClr>
+            </a:gs>
+          </a:gsLst>
+          <a:lin ang="5400000" scaled="0"/>
+        </a:gradFill>
+      </a:fillStyleLst>
+      <a:lnStyleLst>
+        <a:ln w="6350" cap="flat" cmpd="sng" algn="ctr">
+          <a:solidFill>
+            <a:schemeClr val="phClr"/>
+          </a:solidFill>
+          <a:prstDash val="solid"/>
+          <a:miter lim="800000"/>
+        </a:ln>
+        <a:ln w="12700" cap="flat" cmpd="sng" algn="ctr">
+          <a:solidFill>
+            <a:schemeClr val="phClr"/>
+          </a:solidFill>
+          <a:prstDash val="solid"/>
+          <a:miter lim="800000"/>
+        </a:ln>
+        <a:ln w="19050" cap="flat" cmpd="sng" algn="ctr">
+          <a:solidFill>
+            <a:schemeClr val="phClr"/>
+          </a:solidFill>
+          <a:prstDash val="solid"/>
+          <a:miter lim="800000"/>
+        </a:ln>
+      </a:lnStyleLst>
+      <a:effectStyleLst>
+        <a:effectStyle>
+          <a:effectLst/>
+        </a:effectStyle>
+        <a:effectStyle>
+          <a:effectLst/>
+        </a:effectStyle>
+        <a:effectStyle>
+          <a:effectLst>
+            <a:outerShdw blurRad="57150" dist="19050" dir="5400000" algn="ctr" rotWithShape="0">
+              <a:srgbClr val="000000">
+                <a:alpha val="63000"/>
+              </a:srgbClr>
+            </a:outerShdw>
+          </a:effectLst>
+        </a:effectStyle>
+      </a:effectStyleLst>
+      <a:bgFillStyleLst>
+        <a:solidFill>
+          <a:schemeClr val="phClr"/>
+        </a:solidFill>
+        <a:solidFill>
+          <a:schemeClr val="phClr">
+            <a:tint val="95000"/>
+            <a:satMod val="170000"/>
+          </a:schemeClr>
+        </a:solidFill>
+        <a:gradFill rotWithShape="1">
+          <a:gsLst>
+            <a:gs pos="0">
+              <a:schemeClr val="phClr">
+                <a:tint val="93000"/>
+                <a:satMod val="150000"/>
+                <a:shade val="98000"/>
+                <a:lumMod val="102000"/>
+              </a:schemeClr>
+            </a:gs>
+            <a:gs pos="50000">
+              <a:schemeClr val="phClr">
+                <a:tint val="98000"/>
+                <a:satMod val="130000"/>
+                <a:shade val="90000"/>
+                <a:lumMod val="103000"/>
+              </a:schemeClr>
+            </a:gs>
+            <a:gs pos="100000">
+              <a:schemeClr val="phClr">
+                <a:shade val="63000"/>
+                <a:satMod val="120000"/>
+              </a:schemeClr>
+            </a:gs>
+          </a:gsLst>
+          <a:lin ang="5400000" scaled="0"/>
+        </a:gradFill>
+      </a:bgFillStyleLst>
+    </a:fmtScheme>
+  </a:themeElements>
+  <a:objectDefaults/>
+  <a:extraClrSchemeLst/>
+  <a:extLst>
+    <a:ext uri="{05A4C25C-085E-4340-85A3-A5531E510DB2}">
+      <thm15:themeFamily xmlns:thm15="http://schemas.microsoft.com/office/thememl/2012/main" name="Office Theme" id="{62F939B6-93AF-4DB8-9C6B-D6C7DFDC589F}" vid="{4A3C46E8-61CC-4603-A589-7422A47A8E4A}"/>
+    </a:ext>
+  </a:extLst>
+</a:theme>
 </file>
--- a/Presentation/SDU_SummerSchool_Presentation.pptx
+++ b/Presentation/SDU_SummerSchool_Presentation.pptx
@@ -5,7 +5,7 @@
     <p:sldMasterId id="2147483648" r:id="rId1"/>
   </p:sldMasterIdLst>
   <p:notesMasterIdLst>
-    <p:notesMasterId r:id="rId36"/>
+    <p:notesMasterId r:id="rId39"/>
   </p:notesMasterIdLst>
   <p:sldIdLst>
     <p:sldId id="256" r:id="rId2"/>
@@ -42,6 +42,9 @@
     <p:sldId id="292" r:id="rId33"/>
     <p:sldId id="294" r:id="rId34"/>
     <p:sldId id="293" r:id="rId35"/>
+    <p:sldId id="296" r:id="rId36"/>
+    <p:sldId id="295" r:id="rId37"/>
+    <p:sldId id="297" r:id="rId38"/>
   </p:sldIdLst>
   <p:sldSz cx="12192000" cy="6858000"/>
   <p:notesSz cx="6858000" cy="9144000"/>
@@ -242,7 +245,7 @@
           <a:p>
             <a:fld id="{7F514130-6DE0-4058-955F-50E582727B09}" type="datetimeFigureOut">
               <a:rPr lang="it-IT" smtClean="0"/>
-              <a:t>15/08/2019</a:t>
+              <a:t>16/08/2019</a:t>
             </a:fld>
             <a:endParaRPr lang="it-IT"/>
           </a:p>
@@ -2012,7 +2015,7 @@
           <a:p>
             <a:fld id="{8173B6D1-B9A7-4F74-ADCF-EF56F696349F}" type="datetimeFigureOut">
               <a:rPr lang="it-IT" smtClean="0"/>
-              <a:t>15/08/2019</a:t>
+              <a:t>16/08/2019</a:t>
             </a:fld>
             <a:endParaRPr lang="it-IT"/>
           </a:p>
@@ -2210,7 +2213,7 @@
           <a:p>
             <a:fld id="{8173B6D1-B9A7-4F74-ADCF-EF56F696349F}" type="datetimeFigureOut">
               <a:rPr lang="it-IT" smtClean="0"/>
-              <a:t>15/08/2019</a:t>
+              <a:t>16/08/2019</a:t>
             </a:fld>
             <a:endParaRPr lang="it-IT"/>
           </a:p>
@@ -2418,7 +2421,7 @@
           <a:p>
             <a:fld id="{8173B6D1-B9A7-4F74-ADCF-EF56F696349F}" type="datetimeFigureOut">
               <a:rPr lang="it-IT" smtClean="0"/>
-              <a:t>15/08/2019</a:t>
+              <a:t>16/08/2019</a:t>
             </a:fld>
             <a:endParaRPr lang="it-IT"/>
           </a:p>
@@ -2616,7 +2619,7 @@
           <a:p>
             <a:fld id="{8173B6D1-B9A7-4F74-ADCF-EF56F696349F}" type="datetimeFigureOut">
               <a:rPr lang="it-IT" smtClean="0"/>
-              <a:t>15/08/2019</a:t>
+              <a:t>16/08/2019</a:t>
             </a:fld>
             <a:endParaRPr lang="it-IT"/>
           </a:p>
@@ -2891,7 +2894,7 @@
           <a:p>
             <a:fld id="{8173B6D1-B9A7-4F74-ADCF-EF56F696349F}" type="datetimeFigureOut">
               <a:rPr lang="it-IT" smtClean="0"/>
-              <a:t>15/08/2019</a:t>
+              <a:t>16/08/2019</a:t>
             </a:fld>
             <a:endParaRPr lang="it-IT"/>
           </a:p>
@@ -3156,7 +3159,7 @@
           <a:p>
             <a:fld id="{8173B6D1-B9A7-4F74-ADCF-EF56F696349F}" type="datetimeFigureOut">
               <a:rPr lang="it-IT" smtClean="0"/>
-              <a:t>15/08/2019</a:t>
+              <a:t>16/08/2019</a:t>
             </a:fld>
             <a:endParaRPr lang="it-IT"/>
           </a:p>
@@ -3568,7 +3571,7 @@
           <a:p>
             <a:fld id="{8173B6D1-B9A7-4F74-ADCF-EF56F696349F}" type="datetimeFigureOut">
               <a:rPr lang="it-IT" smtClean="0"/>
-              <a:t>15/08/2019</a:t>
+              <a:t>16/08/2019</a:t>
             </a:fld>
             <a:endParaRPr lang="it-IT"/>
           </a:p>
@@ -3709,7 +3712,7 @@
           <a:p>
             <a:fld id="{8173B6D1-B9A7-4F74-ADCF-EF56F696349F}" type="datetimeFigureOut">
               <a:rPr lang="it-IT" smtClean="0"/>
-              <a:t>15/08/2019</a:t>
+              <a:t>16/08/2019</a:t>
             </a:fld>
             <a:endParaRPr lang="it-IT"/>
           </a:p>
@@ -3822,7 +3825,7 @@
           <a:p>
             <a:fld id="{8173B6D1-B9A7-4F74-ADCF-EF56F696349F}" type="datetimeFigureOut">
               <a:rPr lang="it-IT" smtClean="0"/>
-              <a:t>15/08/2019</a:t>
+              <a:t>16/08/2019</a:t>
             </a:fld>
             <a:endParaRPr lang="it-IT"/>
           </a:p>
@@ -4133,7 +4136,7 @@
           <a:p>
             <a:fld id="{8173B6D1-B9A7-4F74-ADCF-EF56F696349F}" type="datetimeFigureOut">
               <a:rPr lang="it-IT" smtClean="0"/>
-              <a:t>15/08/2019</a:t>
+              <a:t>16/08/2019</a:t>
             </a:fld>
             <a:endParaRPr lang="it-IT"/>
           </a:p>
@@ -4421,7 +4424,7 @@
           <a:p>
             <a:fld id="{8173B6D1-B9A7-4F74-ADCF-EF56F696349F}" type="datetimeFigureOut">
               <a:rPr lang="it-IT" smtClean="0"/>
-              <a:t>15/08/2019</a:t>
+              <a:t>16/08/2019</a:t>
             </a:fld>
             <a:endParaRPr lang="it-IT"/>
           </a:p>
@@ -4662,7 +4665,7 @@
           <a:p>
             <a:fld id="{8173B6D1-B9A7-4F74-ADCF-EF56F696349F}" type="datetimeFigureOut">
               <a:rPr lang="it-IT" smtClean="0"/>
-              <a:t>15/08/2019</a:t>
+              <a:t>16/08/2019</a:t>
             </a:fld>
             <a:endParaRPr lang="it-IT"/>
           </a:p>
@@ -10692,8 +10695,8 @@
           </a:p>
         </p:txBody>
       </p:sp>
-      <mc:AlternateContent xmlns:mc="http://schemas.openxmlformats.org/markup-compatibility/2006">
-        <mc:Choice xmlns:a14="http://schemas.microsoft.com/office/drawing/2010/main" Requires="a14">
+      <mc:AlternateContent xmlns:mc="http://schemas.openxmlformats.org/markup-compatibility/2006" xmlns:a14="http://schemas.microsoft.com/office/drawing/2010/main">
+        <mc:Choice Requires="a14">
           <p:sp>
             <p:nvSpPr>
               <p:cNvPr id="3" name="Segnaposto contenuto 2">
@@ -10909,7 +10912,7 @@
             </p:txBody>
           </p:sp>
         </mc:Choice>
-        <mc:Fallback>
+        <mc:Fallback xmlns="">
           <p:sp>
             <p:nvSpPr>
               <p:cNvPr id="3" name="Segnaposto contenuto 2">
@@ -13084,8 +13087,8 @@
           </a:p>
         </p:txBody>
       </p:sp>
-      <mc:AlternateContent xmlns:mc="http://schemas.openxmlformats.org/markup-compatibility/2006">
-        <mc:Choice xmlns:a14="http://schemas.microsoft.com/office/drawing/2010/main" Requires="a14">
+      <mc:AlternateContent xmlns:mc="http://schemas.openxmlformats.org/markup-compatibility/2006" xmlns:a14="http://schemas.microsoft.com/office/drawing/2010/main">
+        <mc:Choice Requires="a14">
           <p:sp>
             <p:nvSpPr>
               <p:cNvPr id="3" name="Segnaposto contenuto 2">
@@ -13175,7 +13178,7 @@
             </p:txBody>
           </p:sp>
         </mc:Choice>
-        <mc:Fallback>
+        <mc:Fallback xmlns="">
           <p:sp>
             <p:nvSpPr>
               <p:cNvPr id="3" name="Segnaposto contenuto 2">
@@ -14036,6 +14039,414 @@
     <p:extLst>
       <p:ext uri="{BB962C8B-B14F-4D97-AF65-F5344CB8AC3E}">
         <p14:creationId xmlns:p14="http://schemas.microsoft.com/office/powerpoint/2010/main" val="3006794094"/>
+      </p:ext>
+    </p:extLst>
+  </p:cSld>
+  <p:clrMapOvr>
+    <a:masterClrMapping/>
+  </p:clrMapOvr>
+</p:sld>
+</file>
+
+<file path=ppt/slides/slide35.xml><?xml version="1.0" encoding="utf-8"?>
+<p:sld xmlns:a="http://schemas.openxmlformats.org/drawingml/2006/main" xmlns:r="http://schemas.openxmlformats.org/officeDocument/2006/relationships" xmlns:p="http://schemas.openxmlformats.org/presentationml/2006/main">
+  <p:cSld>
+    <p:bg>
+      <p:bgPr>
+        <a:solidFill>
+          <a:schemeClr val="tx1"/>
+        </a:solidFill>
+        <a:effectLst/>
+      </p:bgPr>
+    </p:bg>
+    <p:spTree>
+      <p:nvGrpSpPr>
+        <p:cNvPr id="1" name=""/>
+        <p:cNvGrpSpPr/>
+        <p:nvPr/>
+      </p:nvGrpSpPr>
+      <p:grpSpPr>
+        <a:xfrm>
+          <a:off x="0" y="0"/>
+          <a:ext cx="0" cy="0"/>
+          <a:chOff x="0" y="0"/>
+          <a:chExt cx="0" cy="0"/>
+        </a:xfrm>
+      </p:grpSpPr>
+      <p:sp>
+        <p:nvSpPr>
+          <p:cNvPr id="73" name="Rectangle 72">
+            <a:extLst>
+              <a:ext uri="{FF2B5EF4-FFF2-40B4-BE49-F238E27FC236}">
+                <a16:creationId xmlns:a16="http://schemas.microsoft.com/office/drawing/2014/main" id="{867D4867-5BA7-4462-B2F6-A23F4A622AA7}"/>
+              </a:ext>
+              <a:ext uri="{C183D7F6-B498-43B3-948B-1728B52AA6E4}">
+                <adec:decorative xmlns:adec="http://schemas.microsoft.com/office/drawing/2017/decorative" val="1"/>
+              </a:ext>
+            </a:extLst>
+          </p:cNvPr>
+          <p:cNvSpPr>
+            <a:spLocks noGrp="1" noRot="1" noChangeAspect="1" noMove="1" noResize="1" noEditPoints="1" noAdjustHandles="1" noChangeArrowheads="1" noChangeShapeType="1" noTextEdit="1"/>
+          </p:cNvSpPr>
+          <p:nvPr>
+            <p:extLst>
+              <p:ext uri="{386F3935-93C4-4BCD-93E2-E3B085C9AB24}">
+                <p16:designElem xmlns:p16="http://schemas.microsoft.com/office/powerpoint/2015/main" val="1"/>
+              </p:ext>
+            </p:extLst>
+          </p:nvPr>
+        </p:nvSpPr>
+        <p:spPr>
+          <a:xfrm>
+            <a:off x="0" y="0"/>
+            <a:ext cx="4654296" cy="6858000"/>
+          </a:xfrm>
+          <a:prstGeom prst="rect">
+            <a:avLst/>
+          </a:prstGeom>
+          <a:solidFill>
+            <a:srgbClr val="3F3F3F"/>
+          </a:solidFill>
+          <a:ln>
+            <a:noFill/>
+          </a:ln>
+        </p:spPr>
+        <p:style>
+          <a:lnRef idx="0">
+            <a:scrgbClr r="0" g="0" b="0"/>
+          </a:lnRef>
+          <a:fillRef idx="0">
+            <a:scrgbClr r="0" g="0" b="0"/>
+          </a:fillRef>
+          <a:effectRef idx="0">
+            <a:scrgbClr r="0" g="0" b="0"/>
+          </a:effectRef>
+          <a:fontRef idx="minor">
+            <a:schemeClr val="lt1"/>
+          </a:fontRef>
+        </p:style>
+        <p:txBody>
+          <a:bodyPr rtlCol="0" anchor="ctr"/>
+          <a:lstStyle/>
+          <a:p>
+            <a:pPr algn="ctr"/>
+            <a:endParaRPr lang="en-US" dirty="0"/>
+          </a:p>
+        </p:txBody>
+      </p:sp>
+      <p:sp>
+        <p:nvSpPr>
+          <p:cNvPr id="2" name="Titolo 1">
+            <a:extLst>
+              <a:ext uri="{FF2B5EF4-FFF2-40B4-BE49-F238E27FC236}">
+                <a16:creationId xmlns:a16="http://schemas.microsoft.com/office/drawing/2014/main" id="{1149EC29-349C-4442-9C49-A4F0B810A158}"/>
+              </a:ext>
+            </a:extLst>
+          </p:cNvPr>
+          <p:cNvSpPr>
+            <a:spLocks noGrp="1"/>
+          </p:cNvSpPr>
+          <p:nvPr>
+            <p:ph type="title"/>
+          </p:nvPr>
+        </p:nvSpPr>
+        <p:spPr>
+          <a:xfrm>
+            <a:off x="643468" y="623392"/>
+            <a:ext cx="3363974" cy="1607060"/>
+          </a:xfrm>
+          <a:noFill/>
+          <a:ln w="19050">
+            <a:solidFill>
+              <a:schemeClr val="tx1"/>
+            </a:solidFill>
+          </a:ln>
+        </p:spPr>
+        <p:txBody>
+          <a:bodyPr wrap="square" anchor="ctr">
+            <a:normAutofit/>
+          </a:bodyPr>
+          <a:lstStyle/>
+          <a:p>
+            <a:pPr algn="ctr"/>
+            <a:r>
+              <a:rPr lang="it-IT" sz="2800" dirty="0" err="1"/>
+              <a:t>Exercise</a:t>
+            </a:r>
+            <a:r>
+              <a:rPr lang="it-IT" sz="2800" dirty="0"/>
+              <a:t> 4 – Control of </a:t>
+            </a:r>
+            <a:r>
+              <a:rPr lang="it-IT" sz="2800" dirty="0" err="1"/>
+              <a:t>invers</a:t>
+            </a:r>
+            <a:r>
+              <a:rPr lang="it-IT" sz="2800" dirty="0"/>
+              <a:t> </a:t>
+            </a:r>
+            <a:r>
+              <a:rPr lang="it-IT" sz="2800" dirty="0" err="1"/>
+              <a:t>pendulum</a:t>
+            </a:r>
+            <a:r>
+              <a:rPr lang="it-IT" sz="2800" dirty="0"/>
+              <a:t> with FD</a:t>
+            </a:r>
+          </a:p>
+        </p:txBody>
+      </p:sp>
+      <p:pic>
+        <p:nvPicPr>
+          <p:cNvPr id="2050" name="Picture 2" descr="Risultati immagini per invert pendulum real">
+            <a:extLst>
+              <a:ext uri="{FF2B5EF4-FFF2-40B4-BE49-F238E27FC236}">
+                <a16:creationId xmlns:a16="http://schemas.microsoft.com/office/drawing/2014/main" id="{516E839A-12E6-4FF4-8D32-3F45E857274F}"/>
+              </a:ext>
+            </a:extLst>
+          </p:cNvPr>
+          <p:cNvPicPr>
+            <a:picLocks noChangeAspect="1" noChangeArrowheads="1"/>
+          </p:cNvPicPr>
+          <p:nvPr/>
+        </p:nvPicPr>
+        <p:blipFill>
+          <a:blip r:embed="rId2">
+            <a:extLst>
+              <a:ext uri="{28A0092B-C50C-407E-A947-70E740481C1C}">
+                <a14:useLocalDpi xmlns:a14="http://schemas.microsoft.com/office/drawing/2010/main" val="0"/>
+              </a:ext>
+            </a:extLst>
+          </a:blip>
+          <a:srcRect/>
+          <a:stretch>
+            <a:fillRect/>
+          </a:stretch>
+        </p:blipFill>
+        <p:spPr bwMode="auto">
+          <a:xfrm>
+            <a:off x="7129741" y="1367227"/>
+            <a:ext cx="2830183" cy="4123546"/>
+          </a:xfrm>
+          <a:prstGeom prst="rect">
+            <a:avLst/>
+          </a:prstGeom>
+          <a:noFill/>
+          <a:extLst>
+            <a:ext uri="{909E8E84-426E-40DD-AFC4-6F175D3DCCD1}">
+              <a14:hiddenFill xmlns:a14="http://schemas.microsoft.com/office/drawing/2010/main">
+                <a:solidFill>
+                  <a:srgbClr val="FFFFFF"/>
+                </a:solidFill>
+              </a14:hiddenFill>
+            </a:ext>
+          </a:extLst>
+        </p:spPr>
+      </p:pic>
+    </p:spTree>
+    <p:extLst>
+      <p:ext uri="{BB962C8B-B14F-4D97-AF65-F5344CB8AC3E}">
+        <p14:creationId xmlns:p14="http://schemas.microsoft.com/office/powerpoint/2010/main" val="1498284276"/>
+      </p:ext>
+    </p:extLst>
+  </p:cSld>
+  <p:clrMapOvr>
+    <a:overrideClrMapping bg1="dk1" tx1="lt1" bg2="dk2" tx2="lt2" accent1="accent1" accent2="accent2" accent3="accent3" accent4="accent4" accent5="accent5" accent6="accent6" hlink="hlink" folHlink="folHlink"/>
+  </p:clrMapOvr>
+</p:sld>
+</file>
+
+<file path=ppt/slides/slide36.xml><?xml version="1.0" encoding="utf-8"?>
+<p:sld xmlns:a="http://schemas.openxmlformats.org/drawingml/2006/main" xmlns:r="http://schemas.openxmlformats.org/officeDocument/2006/relationships" xmlns:p="http://schemas.openxmlformats.org/presentationml/2006/main">
+  <p:cSld>
+    <p:spTree>
+      <p:nvGrpSpPr>
+        <p:cNvPr id="1" name=""/>
+        <p:cNvGrpSpPr/>
+        <p:nvPr/>
+      </p:nvGrpSpPr>
+      <p:grpSpPr>
+        <a:xfrm>
+          <a:off x="0" y="0"/>
+          <a:ext cx="0" cy="0"/>
+          <a:chOff x="0" y="0"/>
+          <a:chExt cx="0" cy="0"/>
+        </a:xfrm>
+      </p:grpSpPr>
+      <p:sp>
+        <p:nvSpPr>
+          <p:cNvPr id="4" name="CasellaDiTesto 3">
+            <a:extLst>
+              <a:ext uri="{FF2B5EF4-FFF2-40B4-BE49-F238E27FC236}">
+                <a16:creationId xmlns:a16="http://schemas.microsoft.com/office/drawing/2014/main" id="{628C399B-1722-4863-B7C0-12321A2CDBA7}"/>
+              </a:ext>
+            </a:extLst>
+          </p:cNvPr>
+          <p:cNvSpPr txBox="1"/>
+          <p:nvPr/>
+        </p:nvSpPr>
+        <p:spPr>
+          <a:xfrm>
+            <a:off x="1055076" y="2844225"/>
+            <a:ext cx="4562467" cy="584775"/>
+          </a:xfrm>
+          <a:prstGeom prst="rect">
+            <a:avLst/>
+          </a:prstGeom>
+          <a:noFill/>
+        </p:spPr>
+        <p:txBody>
+          <a:bodyPr wrap="none" rtlCol="0">
+            <a:spAutoFit/>
+          </a:bodyPr>
+          <a:lstStyle/>
+          <a:p>
+            <a:r>
+              <a:rPr lang="it-IT" sz="3200" dirty="0"/>
+              <a:t>Still under </a:t>
+            </a:r>
+            <a:r>
+              <a:rPr lang="it-IT" sz="3200" dirty="0" err="1"/>
+              <a:t>construction</a:t>
+            </a:r>
+            <a:r>
+              <a:rPr lang="it-IT" sz="3200" dirty="0"/>
+              <a:t>…..</a:t>
+            </a:r>
+          </a:p>
+        </p:txBody>
+      </p:sp>
+    </p:spTree>
+    <p:extLst>
+      <p:ext uri="{BB962C8B-B14F-4D97-AF65-F5344CB8AC3E}">
+        <p14:creationId xmlns:p14="http://schemas.microsoft.com/office/powerpoint/2010/main" val="1568540037"/>
+      </p:ext>
+    </p:extLst>
+  </p:cSld>
+  <p:clrMapOvr>
+    <a:masterClrMapping/>
+  </p:clrMapOvr>
+</p:sld>
+</file>
+
+<file path=ppt/slides/slide37.xml><?xml version="1.0" encoding="utf-8"?>
+<p:sld xmlns:a="http://schemas.openxmlformats.org/drawingml/2006/main" xmlns:r="http://schemas.openxmlformats.org/officeDocument/2006/relationships" xmlns:p="http://schemas.openxmlformats.org/presentationml/2006/main">
+  <p:cSld>
+    <p:spTree>
+      <p:nvGrpSpPr>
+        <p:cNvPr id="1" name=""/>
+        <p:cNvGrpSpPr/>
+        <p:nvPr/>
+      </p:nvGrpSpPr>
+      <p:grpSpPr>
+        <a:xfrm>
+          <a:off x="0" y="0"/>
+          <a:ext cx="0" cy="0"/>
+          <a:chOff x="0" y="0"/>
+          <a:chExt cx="0" cy="0"/>
+        </a:xfrm>
+      </p:grpSpPr>
+      <p:sp>
+        <p:nvSpPr>
+          <p:cNvPr id="4" name="CasellaDiTesto 3">
+            <a:extLst>
+              <a:ext uri="{FF2B5EF4-FFF2-40B4-BE49-F238E27FC236}">
+                <a16:creationId xmlns:a16="http://schemas.microsoft.com/office/drawing/2014/main" id="{BE183F09-43AF-40EA-9774-864843E95221}"/>
+              </a:ext>
+            </a:extLst>
+          </p:cNvPr>
+          <p:cNvSpPr txBox="1"/>
+          <p:nvPr/>
+        </p:nvSpPr>
+        <p:spPr>
+          <a:xfrm>
+            <a:off x="2926080" y="2293034"/>
+            <a:ext cx="3094501" cy="707886"/>
+          </a:xfrm>
+          <a:prstGeom prst="rect">
+            <a:avLst/>
+          </a:prstGeom>
+          <a:noFill/>
+        </p:spPr>
+        <p:txBody>
+          <a:bodyPr wrap="none" rtlCol="0">
+            <a:spAutoFit/>
+          </a:bodyPr>
+          <a:lstStyle/>
+          <a:p>
+            <a:r>
+              <a:rPr lang="it-IT" sz="4000" dirty="0"/>
+              <a:t>Thank </a:t>
+            </a:r>
+            <a:r>
+              <a:rPr lang="it-IT" sz="4000" dirty="0" err="1"/>
+              <a:t>you</a:t>
+            </a:r>
+            <a:r>
+              <a:rPr lang="it-IT" sz="4000" dirty="0"/>
+              <a:t> </a:t>
+            </a:r>
+            <a:r>
+              <a:rPr lang="it-IT" sz="4000" dirty="0" err="1"/>
+              <a:t>all</a:t>
+            </a:r>
+            <a:r>
+              <a:rPr lang="it-IT" sz="4000" dirty="0"/>
+              <a:t>!</a:t>
+            </a:r>
+          </a:p>
+        </p:txBody>
+      </p:sp>
+      <p:sp>
+        <p:nvSpPr>
+          <p:cNvPr id="5" name="Smile 4">
+            <a:extLst>
+              <a:ext uri="{FF2B5EF4-FFF2-40B4-BE49-F238E27FC236}">
+                <a16:creationId xmlns:a16="http://schemas.microsoft.com/office/drawing/2014/main" id="{C5813784-AB46-49E3-A9F2-35ACD33B0C73}"/>
+              </a:ext>
+            </a:extLst>
+          </p:cNvPr>
+          <p:cNvSpPr/>
+          <p:nvPr/>
+        </p:nvSpPr>
+        <p:spPr>
+          <a:xfrm>
+            <a:off x="7287065" y="1845118"/>
+            <a:ext cx="1519310" cy="1603717"/>
+          </a:xfrm>
+          <a:prstGeom prst="smileyFace">
+            <a:avLst/>
+          </a:prstGeom>
+        </p:spPr>
+        <p:style>
+          <a:lnRef idx="2">
+            <a:schemeClr val="accent1">
+              <a:shade val="50000"/>
+            </a:schemeClr>
+          </a:lnRef>
+          <a:fillRef idx="1">
+            <a:schemeClr val="accent1"/>
+          </a:fillRef>
+          <a:effectRef idx="0">
+            <a:schemeClr val="accent1"/>
+          </a:effectRef>
+          <a:fontRef idx="minor">
+            <a:schemeClr val="lt1"/>
+          </a:fontRef>
+        </p:style>
+        <p:txBody>
+          <a:bodyPr rtlCol="0" anchor="ctr"/>
+          <a:lstStyle/>
+          <a:p>
+            <a:pPr algn="ctr"/>
+            <a:endParaRPr lang="it-IT"/>
+          </a:p>
+        </p:txBody>
+      </p:sp>
+    </p:spTree>
+    <p:extLst>
+      <p:ext uri="{BB962C8B-B14F-4D97-AF65-F5344CB8AC3E}">
+        <p14:creationId xmlns:p14="http://schemas.microsoft.com/office/powerpoint/2010/main" val="530885589"/>
       </p:ext>
     </p:extLst>
   </p:cSld>

--- a/Presentation/SDU_SummerSchool_Presentation.pptx
+++ b/Presentation/SDU_SummerSchool_Presentation.pptx
@@ -245,7 +245,7 @@
           <a:p>
             <a:fld id="{7F514130-6DE0-4058-955F-50E582727B09}" type="datetimeFigureOut">
               <a:rPr lang="it-IT" smtClean="0"/>
-              <a:t>16/08/2019</a:t>
+              <a:t>16/08/19</a:t>
             </a:fld>
             <a:endParaRPr lang="it-IT"/>
           </a:p>
@@ -403,7 +403,7 @@
           <a:p>
             <a:fld id="{42F3A990-74FB-448B-A3A1-C0B86353038F}" type="slidenum">
               <a:rPr lang="it-IT" smtClean="0"/>
-              <a:t>‹N›</a:t>
+              <a:t>‹#›</a:t>
             </a:fld>
             <a:endParaRPr lang="it-IT"/>
           </a:p>
@@ -2015,7 +2015,7 @@
           <a:p>
             <a:fld id="{8173B6D1-B9A7-4F74-ADCF-EF56F696349F}" type="datetimeFigureOut">
               <a:rPr lang="it-IT" smtClean="0"/>
-              <a:t>16/08/2019</a:t>
+              <a:t>16/08/19</a:t>
             </a:fld>
             <a:endParaRPr lang="it-IT"/>
           </a:p>
@@ -2069,7 +2069,7 @@
           <a:p>
             <a:fld id="{37521F19-B39A-4CF3-8059-E7EF6E631AA0}" type="slidenum">
               <a:rPr lang="it-IT" smtClean="0"/>
-              <a:t>‹N›</a:t>
+              <a:t>‹#›</a:t>
             </a:fld>
             <a:endParaRPr lang="it-IT"/>
           </a:p>
@@ -2213,7 +2213,7 @@
           <a:p>
             <a:fld id="{8173B6D1-B9A7-4F74-ADCF-EF56F696349F}" type="datetimeFigureOut">
               <a:rPr lang="it-IT" smtClean="0"/>
-              <a:t>16/08/2019</a:t>
+              <a:t>16/08/19</a:t>
             </a:fld>
             <a:endParaRPr lang="it-IT"/>
           </a:p>
@@ -2267,7 +2267,7 @@
           <a:p>
             <a:fld id="{37521F19-B39A-4CF3-8059-E7EF6E631AA0}" type="slidenum">
               <a:rPr lang="it-IT" smtClean="0"/>
-              <a:t>‹N›</a:t>
+              <a:t>‹#›</a:t>
             </a:fld>
             <a:endParaRPr lang="it-IT"/>
           </a:p>
@@ -2421,7 +2421,7 @@
           <a:p>
             <a:fld id="{8173B6D1-B9A7-4F74-ADCF-EF56F696349F}" type="datetimeFigureOut">
               <a:rPr lang="it-IT" smtClean="0"/>
-              <a:t>16/08/2019</a:t>
+              <a:t>16/08/19</a:t>
             </a:fld>
             <a:endParaRPr lang="it-IT"/>
           </a:p>
@@ -2475,7 +2475,7 @@
           <a:p>
             <a:fld id="{37521F19-B39A-4CF3-8059-E7EF6E631AA0}" type="slidenum">
               <a:rPr lang="it-IT" smtClean="0"/>
-              <a:t>‹N›</a:t>
+              <a:t>‹#›</a:t>
             </a:fld>
             <a:endParaRPr lang="it-IT"/>
           </a:p>
@@ -2619,7 +2619,7 @@
           <a:p>
             <a:fld id="{8173B6D1-B9A7-4F74-ADCF-EF56F696349F}" type="datetimeFigureOut">
               <a:rPr lang="it-IT" smtClean="0"/>
-              <a:t>16/08/2019</a:t>
+              <a:t>16/08/19</a:t>
             </a:fld>
             <a:endParaRPr lang="it-IT"/>
           </a:p>
@@ -2673,7 +2673,7 @@
           <a:p>
             <a:fld id="{37521F19-B39A-4CF3-8059-E7EF6E631AA0}" type="slidenum">
               <a:rPr lang="it-IT" smtClean="0"/>
-              <a:t>‹N›</a:t>
+              <a:t>‹#›</a:t>
             </a:fld>
             <a:endParaRPr lang="it-IT"/>
           </a:p>
@@ -2894,7 +2894,7 @@
           <a:p>
             <a:fld id="{8173B6D1-B9A7-4F74-ADCF-EF56F696349F}" type="datetimeFigureOut">
               <a:rPr lang="it-IT" smtClean="0"/>
-              <a:t>16/08/2019</a:t>
+              <a:t>16/08/19</a:t>
             </a:fld>
             <a:endParaRPr lang="it-IT"/>
           </a:p>
@@ -2948,7 +2948,7 @@
           <a:p>
             <a:fld id="{37521F19-B39A-4CF3-8059-E7EF6E631AA0}" type="slidenum">
               <a:rPr lang="it-IT" smtClean="0"/>
-              <a:t>‹N›</a:t>
+              <a:t>‹#›</a:t>
             </a:fld>
             <a:endParaRPr lang="it-IT"/>
           </a:p>
@@ -3159,7 +3159,7 @@
           <a:p>
             <a:fld id="{8173B6D1-B9A7-4F74-ADCF-EF56F696349F}" type="datetimeFigureOut">
               <a:rPr lang="it-IT" smtClean="0"/>
-              <a:t>16/08/2019</a:t>
+              <a:t>16/08/19</a:t>
             </a:fld>
             <a:endParaRPr lang="it-IT"/>
           </a:p>
@@ -3213,7 +3213,7 @@
           <a:p>
             <a:fld id="{37521F19-B39A-4CF3-8059-E7EF6E631AA0}" type="slidenum">
               <a:rPr lang="it-IT" smtClean="0"/>
-              <a:t>‹N›</a:t>
+              <a:t>‹#›</a:t>
             </a:fld>
             <a:endParaRPr lang="it-IT"/>
           </a:p>
@@ -3571,7 +3571,7 @@
           <a:p>
             <a:fld id="{8173B6D1-B9A7-4F74-ADCF-EF56F696349F}" type="datetimeFigureOut">
               <a:rPr lang="it-IT" smtClean="0"/>
-              <a:t>16/08/2019</a:t>
+              <a:t>16/08/19</a:t>
             </a:fld>
             <a:endParaRPr lang="it-IT"/>
           </a:p>
@@ -3625,7 +3625,7 @@
           <a:p>
             <a:fld id="{37521F19-B39A-4CF3-8059-E7EF6E631AA0}" type="slidenum">
               <a:rPr lang="it-IT" smtClean="0"/>
-              <a:t>‹N›</a:t>
+              <a:t>‹#›</a:t>
             </a:fld>
             <a:endParaRPr lang="it-IT"/>
           </a:p>
@@ -3712,7 +3712,7 @@
           <a:p>
             <a:fld id="{8173B6D1-B9A7-4F74-ADCF-EF56F696349F}" type="datetimeFigureOut">
               <a:rPr lang="it-IT" smtClean="0"/>
-              <a:t>16/08/2019</a:t>
+              <a:t>16/08/19</a:t>
             </a:fld>
             <a:endParaRPr lang="it-IT"/>
           </a:p>
@@ -3766,7 +3766,7 @@
           <a:p>
             <a:fld id="{37521F19-B39A-4CF3-8059-E7EF6E631AA0}" type="slidenum">
               <a:rPr lang="it-IT" smtClean="0"/>
-              <a:t>‹N›</a:t>
+              <a:t>‹#›</a:t>
             </a:fld>
             <a:endParaRPr lang="it-IT"/>
           </a:p>
@@ -3825,7 +3825,7 @@
           <a:p>
             <a:fld id="{8173B6D1-B9A7-4F74-ADCF-EF56F696349F}" type="datetimeFigureOut">
               <a:rPr lang="it-IT" smtClean="0"/>
-              <a:t>16/08/2019</a:t>
+              <a:t>16/08/19</a:t>
             </a:fld>
             <a:endParaRPr lang="it-IT"/>
           </a:p>
@@ -3879,7 +3879,7 @@
           <a:p>
             <a:fld id="{37521F19-B39A-4CF3-8059-E7EF6E631AA0}" type="slidenum">
               <a:rPr lang="it-IT" smtClean="0"/>
-              <a:t>‹N›</a:t>
+              <a:t>‹#›</a:t>
             </a:fld>
             <a:endParaRPr lang="it-IT"/>
           </a:p>
@@ -4136,7 +4136,7 @@
           <a:p>
             <a:fld id="{8173B6D1-B9A7-4F74-ADCF-EF56F696349F}" type="datetimeFigureOut">
               <a:rPr lang="it-IT" smtClean="0"/>
-              <a:t>16/08/2019</a:t>
+              <a:t>16/08/19</a:t>
             </a:fld>
             <a:endParaRPr lang="it-IT"/>
           </a:p>
@@ -4190,7 +4190,7 @@
           <a:p>
             <a:fld id="{37521F19-B39A-4CF3-8059-E7EF6E631AA0}" type="slidenum">
               <a:rPr lang="it-IT" smtClean="0"/>
-              <a:t>‹N›</a:t>
+              <a:t>‹#›</a:t>
             </a:fld>
             <a:endParaRPr lang="it-IT"/>
           </a:p>
@@ -4424,7 +4424,7 @@
           <a:p>
             <a:fld id="{8173B6D1-B9A7-4F74-ADCF-EF56F696349F}" type="datetimeFigureOut">
               <a:rPr lang="it-IT" smtClean="0"/>
-              <a:t>16/08/2019</a:t>
+              <a:t>16/08/19</a:t>
             </a:fld>
             <a:endParaRPr lang="it-IT"/>
           </a:p>
@@ -4478,7 +4478,7 @@
           <a:p>
             <a:fld id="{37521F19-B39A-4CF3-8059-E7EF6E631AA0}" type="slidenum">
               <a:rPr lang="it-IT" smtClean="0"/>
-              <a:t>‹N›</a:t>
+              <a:t>‹#›</a:t>
             </a:fld>
             <a:endParaRPr lang="it-IT"/>
           </a:p>
@@ -4665,7 +4665,7 @@
           <a:p>
             <a:fld id="{8173B6D1-B9A7-4F74-ADCF-EF56F696349F}" type="datetimeFigureOut">
               <a:rPr lang="it-IT" smtClean="0"/>
-              <a:t>16/08/2019</a:t>
+              <a:t>16/08/19</a:t>
             </a:fld>
             <a:endParaRPr lang="it-IT"/>
           </a:p>
@@ -4755,7 +4755,7 @@
           <a:p>
             <a:fld id="{37521F19-B39A-4CF3-8059-E7EF6E631AA0}" type="slidenum">
               <a:rPr lang="it-IT" smtClean="0"/>
-              <a:t>‹N›</a:t>
+              <a:t>‹#›</a:t>
             </a:fld>
             <a:endParaRPr lang="it-IT"/>
           </a:p>
@@ -14348,75 +14348,41 @@
       </p:grpSpPr>
       <p:sp>
         <p:nvSpPr>
-          <p:cNvPr id="4" name="CasellaDiTesto 3">
-            <a:extLst>
-              <a:ext uri="{FF2B5EF4-FFF2-40B4-BE49-F238E27FC236}">
-                <a16:creationId xmlns:a16="http://schemas.microsoft.com/office/drawing/2014/main" id="{BE183F09-43AF-40EA-9774-864843E95221}"/>
-              </a:ext>
-            </a:extLst>
-          </p:cNvPr>
-          <p:cNvSpPr txBox="1"/>
+          <p:cNvPr id="5" name="Smile 4">
+            <a:extLst>
+              <a:ext uri="{FF2B5EF4-FFF2-40B4-BE49-F238E27FC236}">
+                <a16:creationId xmlns:a16="http://schemas.microsoft.com/office/drawing/2014/main" id="{C5813784-AB46-49E3-A9F2-35ACD33B0C73}"/>
+              </a:ext>
+            </a:extLst>
+          </p:cNvPr>
+          <p:cNvSpPr/>
           <p:nvPr/>
         </p:nvSpPr>
         <p:spPr>
           <a:xfrm>
-            <a:off x="2926080" y="2293034"/>
-            <a:ext cx="3094501" cy="707886"/>
-          </a:xfrm>
-          <a:prstGeom prst="rect">
-            <a:avLst/>
-          </a:prstGeom>
-          <a:noFill/>
-        </p:spPr>
-        <p:txBody>
-          <a:bodyPr wrap="none" rtlCol="0">
-            <a:spAutoFit/>
-          </a:bodyPr>
-          <a:lstStyle/>
-          <a:p>
-            <a:r>
-              <a:rPr lang="it-IT" sz="4000" dirty="0"/>
-              <a:t>Thank </a:t>
-            </a:r>
-            <a:r>
-              <a:rPr lang="it-IT" sz="4000" dirty="0" err="1"/>
-              <a:t>you</a:t>
-            </a:r>
-            <a:r>
-              <a:rPr lang="it-IT" sz="4000" dirty="0"/>
-              <a:t> </a:t>
-            </a:r>
-            <a:r>
-              <a:rPr lang="it-IT" sz="4000" dirty="0" err="1"/>
-              <a:t>all</a:t>
-            </a:r>
-            <a:r>
-              <a:rPr lang="it-IT" sz="4000" dirty="0"/>
-              <a:t>!</a:t>
-            </a:r>
-          </a:p>
-        </p:txBody>
-      </p:sp>
-      <p:sp>
-        <p:nvSpPr>
-          <p:cNvPr id="5" name="Smile 4">
-            <a:extLst>
-              <a:ext uri="{FF2B5EF4-FFF2-40B4-BE49-F238E27FC236}">
-                <a16:creationId xmlns:a16="http://schemas.microsoft.com/office/drawing/2014/main" id="{C5813784-AB46-49E3-A9F2-35ACD33B0C73}"/>
-              </a:ext>
-            </a:extLst>
-          </p:cNvPr>
-          <p:cNvSpPr/>
-          <p:nvPr/>
-        </p:nvSpPr>
-        <p:spPr>
-          <a:xfrm>
-            <a:off x="7287065" y="1845118"/>
-            <a:ext cx="1519310" cy="1603717"/>
+            <a:off x="-782219" y="-929764"/>
+            <a:ext cx="14001750" cy="8410388"/>
           </a:xfrm>
           <a:prstGeom prst="smileyFace">
             <a:avLst/>
           </a:prstGeom>
+          <a:blipFill dpi="0" rotWithShape="1">
+            <a:blip r:embed="rId2"/>
+            <a:srcRect/>
+            <a:stretch>
+              <a:fillRect/>
+            </a:stretch>
+          </a:blipFill>
+          <a:ln w="361950">
+            <a:solidFill>
+              <a:schemeClr val="tx1"/>
+            </a:solidFill>
+          </a:ln>
+          <a:effectLst>
+            <a:outerShdw blurRad="50800" dist="50800" dir="5400000" sx="1000" sy="1000" algn="ctr" rotWithShape="0">
+              <a:srgbClr val="000000"/>
+            </a:outerShdw>
+          </a:effectLst>
         </p:spPr>
         <p:style>
           <a:lnRef idx="2">
@@ -14439,7 +14405,78 @@
           <a:lstStyle/>
           <a:p>
             <a:pPr algn="ctr"/>
-            <a:endParaRPr lang="it-IT"/>
+            <a:endParaRPr lang="it-IT" dirty="0"/>
+          </a:p>
+        </p:txBody>
+      </p:sp>
+      <p:sp>
+        <p:nvSpPr>
+          <p:cNvPr id="4" name="CasellaDiTesto 3">
+            <a:extLst>
+              <a:ext uri="{FF2B5EF4-FFF2-40B4-BE49-F238E27FC236}">
+                <a16:creationId xmlns:a16="http://schemas.microsoft.com/office/drawing/2014/main" id="{BE183F09-43AF-40EA-9774-864843E95221}"/>
+              </a:ext>
+            </a:extLst>
+          </p:cNvPr>
+          <p:cNvSpPr txBox="1"/>
+          <p:nvPr/>
+        </p:nvSpPr>
+        <p:spPr>
+          <a:xfrm>
+            <a:off x="3941141" y="0"/>
+            <a:ext cx="4555030" cy="1015663"/>
+          </a:xfrm>
+          <a:prstGeom prst="rect">
+            <a:avLst/>
+          </a:prstGeom>
+          <a:noFill/>
+        </p:spPr>
+        <p:txBody>
+          <a:bodyPr wrap="none" rtlCol="0">
+            <a:spAutoFit/>
+          </a:bodyPr>
+          <a:lstStyle/>
+          <a:p>
+            <a:r>
+              <a:rPr lang="it-IT" sz="6000" u="sng" dirty="0">
+                <a:solidFill>
+                  <a:srgbClr val="FFFF00"/>
+                </a:solidFill>
+              </a:rPr>
+              <a:t>Thank </a:t>
+            </a:r>
+            <a:r>
+              <a:rPr lang="it-IT" sz="6000" u="sng" dirty="0" err="1">
+                <a:solidFill>
+                  <a:srgbClr val="FFFF00"/>
+                </a:solidFill>
+              </a:rPr>
+              <a:t>you</a:t>
+            </a:r>
+            <a:r>
+              <a:rPr lang="it-IT" sz="6000" u="sng" dirty="0">
+                <a:solidFill>
+                  <a:srgbClr val="FFFF00"/>
+                </a:solidFill>
+              </a:rPr>
+              <a:t> </a:t>
+            </a:r>
+            <a:r>
+              <a:rPr lang="it-IT" sz="6000" u="sng" dirty="0" err="1">
+                <a:solidFill>
+                  <a:srgbClr val="FFFF00"/>
+                </a:solidFill>
+              </a:rPr>
+              <a:t>all</a:t>
+            </a:r>
+            <a:r>
+              <a:rPr lang="it-IT" sz="6000" u="sng" dirty="0">
+                <a:solidFill>
+                  <a:srgbClr val="FFFF00"/>
+                </a:solidFill>
+              </a:rPr>
+              <a:t>!</a:t>
+            </a:r>
           </a:p>
         </p:txBody>
       </p:sp>
